--- a/Finally project/Pingpong_第六組.pptx
+++ b/Finally project/Pingpong_第六組.pptx
@@ -5,19 +5,22 @@
     <p:sldMasterId id="2147483660" r:id="rId4"/>
   </p:sldMasterIdLst>
   <p:notesMasterIdLst>
-    <p:notesMasterId r:id="rId12"/>
+    <p:notesMasterId r:id="rId15"/>
   </p:notesMasterIdLst>
   <p:handoutMasterIdLst>
-    <p:handoutMasterId r:id="rId13"/>
+    <p:handoutMasterId r:id="rId16"/>
   </p:handoutMasterIdLst>
   <p:sldIdLst>
     <p:sldId id="257" r:id="rId5"/>
     <p:sldId id="258" r:id="rId6"/>
     <p:sldId id="259" r:id="rId7"/>
     <p:sldId id="260" r:id="rId8"/>
-    <p:sldId id="261" r:id="rId9"/>
-    <p:sldId id="263" r:id="rId10"/>
-    <p:sldId id="262" r:id="rId11"/>
+    <p:sldId id="266" r:id="rId9"/>
+    <p:sldId id="267" r:id="rId10"/>
+    <p:sldId id="261" r:id="rId11"/>
+    <p:sldId id="263" r:id="rId12"/>
+    <p:sldId id="262" r:id="rId13"/>
+    <p:sldId id="265" r:id="rId14"/>
   </p:sldIdLst>
   <p:sldSz cx="12188825" cy="6858000"/>
   <p:notesSz cx="6858000" cy="9144000"/>
@@ -2515,62 +2518,62 @@
     </dgm:pt>
   </dgm:ptLst>
   <dgm:cxnLst>
+    <dgm:cxn modelId="{9E00E631-3A37-453D-8036-41BFD158F301}" srcId="{C1995ACD-DEEA-4649-9190-0A2396D6DBA3}" destId="{E7358108-83A8-42F1-84AF-1043344A61B4}" srcOrd="0" destOrd="0" parTransId="{69FD09DB-7D78-47CE-93D1-107E376A870E}" sibTransId="{1EE218E9-8B94-451F-A133-38BAF668B8B5}"/>
+    <dgm:cxn modelId="{AA09D090-9317-4095-B6E6-E4A683928290}" type="presOf" srcId="{A20FE1FD-A95C-4766-9690-80DC349AC70F}" destId="{8C04714C-7228-4FE6-AC0C-C1DB88E9F632}" srcOrd="0" destOrd="0" presId="urn:microsoft.com/office/officeart/2005/8/layout/orgChart1"/>
+    <dgm:cxn modelId="{26F9324B-44A5-4EE4-A830-EBDAA24A23BC}" type="presOf" srcId="{86D061FF-D2B9-4444-977F-ADD2F8B26F58}" destId="{DBAD3854-BABD-419A-91AD-A1E38A3CF09E}" srcOrd="1" destOrd="0" presId="urn:microsoft.com/office/officeart/2005/8/layout/orgChart1"/>
+    <dgm:cxn modelId="{D693D372-7061-4242-B7FA-0922BF6D50B1}" srcId="{AD32A085-D46D-4887-85FE-3881670D4ABC}" destId="{39BE0418-99C9-4A4C-9BB7-65D49A05BB31}" srcOrd="0" destOrd="0" parTransId="{3F984D36-88C5-4802-A36C-73B6E41E1411}" sibTransId="{AADAA9E2-AA9B-4FCD-ACF3-BAF5F5DC6DE5}"/>
+    <dgm:cxn modelId="{2EBA05DF-25C4-4F07-B7E4-CBCE24FBD8CD}" type="presOf" srcId="{68B252EE-9C0A-4188-A43E-0D986D13139E}" destId="{58DF7A56-A026-4332-B778-5724E260D9D9}" srcOrd="0" destOrd="0" presId="urn:microsoft.com/office/officeart/2005/8/layout/orgChart1"/>
+    <dgm:cxn modelId="{2A37767E-672C-464E-931A-BC8365AF4F05}" type="presOf" srcId="{AD32A085-D46D-4887-85FE-3881670D4ABC}" destId="{C609D8FB-3E78-41DF-97D1-426FFD67870A}" srcOrd="1" destOrd="0" presId="urn:microsoft.com/office/officeart/2005/8/layout/orgChart1"/>
+    <dgm:cxn modelId="{DB594F0F-D2CE-46D6-8A71-32F88F2A750A}" type="presOf" srcId="{E7358108-83A8-42F1-84AF-1043344A61B4}" destId="{898283FA-7639-445A-95D5-432134CB6ADF}" srcOrd="0" destOrd="0" presId="urn:microsoft.com/office/officeart/2005/8/layout/orgChart1"/>
+    <dgm:cxn modelId="{C75B443E-4E99-4FBB-99BA-FA4A0C1A2EDC}" type="presOf" srcId="{A20FE1FD-A95C-4766-9690-80DC349AC70F}" destId="{84A7522A-37FD-4A20-BFE1-3E7225977F7B}" srcOrd="1" destOrd="0" presId="urn:microsoft.com/office/officeart/2005/8/layout/orgChart1"/>
+    <dgm:cxn modelId="{96D6EEE7-8235-4C17-9267-91757A269C8B}" type="presOf" srcId="{39BE0418-99C9-4A4C-9BB7-65D49A05BB31}" destId="{BC019BB1-5CF6-423B-ABA0-427EF99217C0}" srcOrd="1" destOrd="0" presId="urn:microsoft.com/office/officeart/2005/8/layout/orgChart1"/>
+    <dgm:cxn modelId="{CF050829-6C9D-4F48-974B-656C1923992E}" type="presOf" srcId="{69FD09DB-7D78-47CE-93D1-107E376A870E}" destId="{0D5A4EFE-1C67-4062-B174-8A1DEA7885B2}" srcOrd="0" destOrd="0" presId="urn:microsoft.com/office/officeart/2005/8/layout/orgChart1"/>
+    <dgm:cxn modelId="{1EE855D1-1F30-4D92-A653-886CBE94E42C}" type="presOf" srcId="{5E31DA61-BA7B-4CD0-B08B-CD683A1209DE}" destId="{A6632A3E-C71E-4AE1-A356-3690361E8512}" srcOrd="0" destOrd="0" presId="urn:microsoft.com/office/officeart/2005/8/layout/orgChart1"/>
+    <dgm:cxn modelId="{1E7CF7F4-880F-46A8-A683-3C17F8E77C97}" type="presOf" srcId="{AD32A085-D46D-4887-85FE-3881670D4ABC}" destId="{D6D7FEDC-5C4A-4464-B939-F0267B32F854}" srcOrd="0" destOrd="0" presId="urn:microsoft.com/office/officeart/2005/8/layout/orgChart1"/>
     <dgm:cxn modelId="{4F0B0D3E-984D-49D4-BF42-B0C2A303B629}" type="presOf" srcId="{86D061FF-D2B9-4444-977F-ADD2F8B26F58}" destId="{027E1B34-93FE-4CE3-8A28-D69A90B48A09}" srcOrd="0" destOrd="0" presId="urn:microsoft.com/office/officeart/2005/8/layout/orgChart1"/>
-    <dgm:cxn modelId="{1EE855D1-1F30-4D92-A653-886CBE94E42C}" type="presOf" srcId="{5E31DA61-BA7B-4CD0-B08B-CD683A1209DE}" destId="{A6632A3E-C71E-4AE1-A356-3690361E8512}" srcOrd="0" destOrd="0" presId="urn:microsoft.com/office/officeart/2005/8/layout/orgChart1"/>
+    <dgm:cxn modelId="{0A001B7D-02A3-44E0-884E-6CD766446281}" srcId="{E7358108-83A8-42F1-84AF-1043344A61B4}" destId="{9D5DD00D-D723-41C3-A564-BE447082CEE3}" srcOrd="1" destOrd="0" parTransId="{7F7DDA6E-F3A1-4195-9D49-DD6A7A673A53}" sibTransId="{CC461DF6-266C-458F-8E69-C9749734EA70}"/>
+    <dgm:cxn modelId="{DAD445AE-77E0-447B-A995-A3969FB11BB6}" srcId="{86D061FF-D2B9-4444-977F-ADD2F8B26F58}" destId="{A20FE1FD-A95C-4766-9690-80DC349AC70F}" srcOrd="2" destOrd="0" parTransId="{2888C3D8-9495-4F27-A1DB-649C0F6F0C8E}" sibTransId="{30C40F3C-0B8E-4BAD-A7D3-38CD92A119D6}"/>
+    <dgm:cxn modelId="{8585F034-87B5-4354-A241-97380A009B59}" srcId="{E7358108-83A8-42F1-84AF-1043344A61B4}" destId="{68B252EE-9C0A-4188-A43E-0D986D13139E}" srcOrd="2" destOrd="0" parTransId="{81BF323F-0728-4CEC-A5C6-E78EFAB532FA}" sibTransId="{AD05A098-FF6B-4ED5-BD35-CFD2DCD6F823}"/>
+    <dgm:cxn modelId="{78F39385-89B2-4678-B14C-4566B6C7C105}" type="presOf" srcId="{C1995ACD-DEEA-4649-9190-0A2396D6DBA3}" destId="{51FCB016-BDCC-466A-AEB8-2EA2F7D30621}" srcOrd="1" destOrd="0" presId="urn:microsoft.com/office/officeart/2005/8/layout/orgChart1"/>
+    <dgm:cxn modelId="{022B9709-53D1-4388-BD70-35E5A92F83B5}" type="presOf" srcId="{B429E2B1-9AB4-4DAF-A3D8-FAB2AEC20118}" destId="{AD91993C-55B9-441F-87C0-0719108305AF}" srcOrd="0" destOrd="0" presId="urn:microsoft.com/office/officeart/2005/8/layout/orgChart1"/>
+    <dgm:cxn modelId="{E083AA21-4155-48B2-8F94-BCB535ECC4E3}" type="presOf" srcId="{0CDD43BF-559F-46B2-A99A-AC0F2E14E16C}" destId="{E780AC31-68D7-4FDE-AB32-EFBB2D377EE9}" srcOrd="0" destOrd="0" presId="urn:microsoft.com/office/officeart/2005/8/layout/orgChart1"/>
+    <dgm:cxn modelId="{EF0895BD-A6E5-4C5F-8734-421F77E7137A}" type="presOf" srcId="{5E31DA61-BA7B-4CD0-B08B-CD683A1209DE}" destId="{5FA213B4-DAA0-4BB7-88F0-3CEC63244ACD}" srcOrd="1" destOrd="0" presId="urn:microsoft.com/office/officeart/2005/8/layout/orgChart1"/>
+    <dgm:cxn modelId="{74B08588-A8AA-40FE-A5B1-93EF0CF50E26}" type="presOf" srcId="{C8AEE87B-F7A2-4CFA-BE00-6B9F721DFE96}" destId="{9CB29694-F3D7-41DB-BEBC-33D5343BA11A}" srcOrd="0" destOrd="0" presId="urn:microsoft.com/office/officeart/2005/8/layout/orgChart1"/>
+    <dgm:cxn modelId="{B024FF53-4887-4D94-A72D-4D97CAFD64F6}" type="presOf" srcId="{E7358108-83A8-42F1-84AF-1043344A61B4}" destId="{74E53E5B-7DCA-4C09-A9BF-327363D42547}" srcOrd="1" destOrd="0" presId="urn:microsoft.com/office/officeart/2005/8/layout/orgChart1"/>
+    <dgm:cxn modelId="{665D2C66-71F9-4798-AD7B-213B21EF38D4}" type="presOf" srcId="{0CF1DFD8-24BF-4C6B-BD01-BEBB8834C8DE}" destId="{FC2AA275-909E-47D7-A861-5FB840A38676}" srcOrd="0" destOrd="0" presId="urn:microsoft.com/office/officeart/2005/8/layout/orgChart1"/>
+    <dgm:cxn modelId="{AB480F80-CE0A-4F95-916F-C7173772710C}" type="presOf" srcId="{9D5DD00D-D723-41C3-A564-BE447082CEE3}" destId="{DE79C5C0-52BB-4AB4-B9E4-4D482851A011}" srcOrd="0" destOrd="0" presId="urn:microsoft.com/office/officeart/2005/8/layout/orgChart1"/>
+    <dgm:cxn modelId="{FB4A1C85-F1E3-45BF-8CD8-8E9D3AE2F3BA}" type="presOf" srcId="{9D5DD00D-D723-41C3-A564-BE447082CEE3}" destId="{7877DBA2-C865-46EE-839A-1D3781B37466}" srcOrd="1" destOrd="0" presId="urn:microsoft.com/office/officeart/2005/8/layout/orgChart1"/>
+    <dgm:cxn modelId="{9935FD93-C4F2-4D60-8FD8-02DB113D79BC}" type="presOf" srcId="{7F7DDA6E-F3A1-4195-9D49-DD6A7A673A53}" destId="{1CACF2A5-9765-453F-9602-3749D63C20FF}" srcOrd="0" destOrd="0" presId="urn:microsoft.com/office/officeart/2005/8/layout/orgChart1"/>
+    <dgm:cxn modelId="{934DDD9A-24FF-4BF0-940E-843BF0B8C4A9}" type="presOf" srcId="{39BE0418-99C9-4A4C-9BB7-65D49A05BB31}" destId="{A22D8479-F3B5-40E2-B47E-87AA623B4993}" srcOrd="0" destOrd="0" presId="urn:microsoft.com/office/officeart/2005/8/layout/orgChart1"/>
+    <dgm:cxn modelId="{6C081070-BFA6-4451-8423-41FAADBD5092}" type="presOf" srcId="{807A8DFA-5BDA-4B03-B801-660127571B99}" destId="{B9F624FB-4B18-4FAE-BC1C-356832304C1D}" srcOrd="0" destOrd="0" presId="urn:microsoft.com/office/officeart/2005/8/layout/orgChart1"/>
+    <dgm:cxn modelId="{657B40C3-3E57-4CCB-9E16-E70710592D61}" type="presOf" srcId="{45589563-E41B-44DB-8AFC-34EE8901D150}" destId="{31BD8C53-89B5-4F7C-9478-2F7EA5E507AF}" srcOrd="0" destOrd="0" presId="urn:microsoft.com/office/officeart/2005/8/layout/orgChart1"/>
+    <dgm:cxn modelId="{A8940652-5E36-4B09-BDC7-923AD7A2B90A}" type="presOf" srcId="{C1995ACD-DEEA-4649-9190-0A2396D6DBA3}" destId="{0F6EA74C-FEEA-4A60-8965-C249C259639B}" srcOrd="0" destOrd="0" presId="urn:microsoft.com/office/officeart/2005/8/layout/orgChart1"/>
     <dgm:cxn modelId="{50DAC207-194B-4522-8F60-70329D502C4A}" type="presOf" srcId="{DBFF9E4D-F654-4E3E-A2C7-9EEF27EF4259}" destId="{5F48F0E4-2C7E-480D-9A45-E44C79D6BEA5}" srcOrd="0" destOrd="0" presId="urn:microsoft.com/office/officeart/2005/8/layout/orgChart1"/>
-    <dgm:cxn modelId="{D693D372-7061-4242-B7FA-0922BF6D50B1}" srcId="{AD32A085-D46D-4887-85FE-3881670D4ABC}" destId="{39BE0418-99C9-4A4C-9BB7-65D49A05BB31}" srcOrd="0" destOrd="0" parTransId="{3F984D36-88C5-4802-A36C-73B6E41E1411}" sibTransId="{AADAA9E2-AA9B-4FCD-ACF3-BAF5F5DC6DE5}"/>
-    <dgm:cxn modelId="{26F9324B-44A5-4EE4-A830-EBDAA24A23BC}" type="presOf" srcId="{86D061FF-D2B9-4444-977F-ADD2F8B26F58}" destId="{DBAD3854-BABD-419A-91AD-A1E38A3CF09E}" srcOrd="1" destOrd="0" presId="urn:microsoft.com/office/officeart/2005/8/layout/orgChart1"/>
-    <dgm:cxn modelId="{CF050829-6C9D-4F48-974B-656C1923992E}" type="presOf" srcId="{69FD09DB-7D78-47CE-93D1-107E376A870E}" destId="{0D5A4EFE-1C67-4062-B174-8A1DEA7885B2}" srcOrd="0" destOrd="0" presId="urn:microsoft.com/office/officeart/2005/8/layout/orgChart1"/>
-    <dgm:cxn modelId="{657B40C3-3E57-4CCB-9E16-E70710592D61}" type="presOf" srcId="{45589563-E41B-44DB-8AFC-34EE8901D150}" destId="{31BD8C53-89B5-4F7C-9478-2F7EA5E507AF}" srcOrd="0" destOrd="0" presId="urn:microsoft.com/office/officeart/2005/8/layout/orgChart1"/>
-    <dgm:cxn modelId="{96D6EEE7-8235-4C17-9267-91757A269C8B}" type="presOf" srcId="{39BE0418-99C9-4A4C-9BB7-65D49A05BB31}" destId="{BC019BB1-5CF6-423B-ABA0-427EF99217C0}" srcOrd="1" destOrd="0" presId="urn:microsoft.com/office/officeart/2005/8/layout/orgChart1"/>
-    <dgm:cxn modelId="{A8940652-5E36-4B09-BDC7-923AD7A2B90A}" type="presOf" srcId="{C1995ACD-DEEA-4649-9190-0A2396D6DBA3}" destId="{0F6EA74C-FEEA-4A60-8965-C249C259639B}" srcOrd="0" destOrd="0" presId="urn:microsoft.com/office/officeart/2005/8/layout/orgChart1"/>
-    <dgm:cxn modelId="{5E40A485-E986-4DF1-9B84-9F421FDAB0BC}" type="presOf" srcId="{BA5BADE7-FE02-4E58-AED6-CA6877DD8C92}" destId="{2B8AB7A6-9DF3-44B8-A462-8360BF7B6F26}" srcOrd="0" destOrd="0" presId="urn:microsoft.com/office/officeart/2005/8/layout/orgChart1"/>
-    <dgm:cxn modelId="{DB594F0F-D2CE-46D6-8A71-32F88F2A750A}" type="presOf" srcId="{E7358108-83A8-42F1-84AF-1043344A61B4}" destId="{898283FA-7639-445A-95D5-432134CB6ADF}" srcOrd="0" destOrd="0" presId="urn:microsoft.com/office/officeart/2005/8/layout/orgChart1"/>
     <dgm:cxn modelId="{B0D333DA-4366-40E3-9447-D37D14EAA057}" type="presOf" srcId="{10800D79-C7F5-402B-9C15-F3A760B05058}" destId="{BDE2651E-B7D5-4C3D-AD07-DA19A512C3EE}" srcOrd="0" destOrd="0" presId="urn:microsoft.com/office/officeart/2005/8/layout/orgChart1"/>
+    <dgm:cxn modelId="{D680EA26-5B15-420D-9FA0-DD0C5A469941}" srcId="{29EEBFE2-BEA6-4F35-8D1E-FF7000BD40D5}" destId="{C1995ACD-DEEA-4649-9190-0A2396D6DBA3}" srcOrd="0" destOrd="0" parTransId="{A5ED610D-3F11-454D-B28B-8E429C182DBB}" sibTransId="{CF4FC96D-3D22-44F0-A56F-5F48565B1343}"/>
     <dgm:cxn modelId="{A474708C-9EBF-4ECD-BF09-326E10A1A9BC}" type="presOf" srcId="{B3FBE738-30A6-4B4A-9DB3-9AB2CC3B1641}" destId="{34F89FF5-4CE7-4557-94ED-372F163EBFBB}" srcOrd="0" destOrd="0" presId="urn:microsoft.com/office/officeart/2005/8/layout/orgChart1"/>
-    <dgm:cxn modelId="{8E30AF8B-B498-43A6-9E10-84E97522C64C}" type="presOf" srcId="{BB9FF21B-E75B-43A4-B03F-6C82A45E4511}" destId="{D8602253-5290-4E90-A5EF-32A901888DAC}" srcOrd="1" destOrd="0" presId="urn:microsoft.com/office/officeart/2005/8/layout/orgChart1"/>
-    <dgm:cxn modelId="{0A001B7D-02A3-44E0-884E-6CD766446281}" srcId="{E7358108-83A8-42F1-84AF-1043344A61B4}" destId="{9D5DD00D-D723-41C3-A564-BE447082CEE3}" srcOrd="1" destOrd="0" parTransId="{7F7DDA6E-F3A1-4195-9D49-DD6A7A673A53}" sibTransId="{CC461DF6-266C-458F-8E69-C9749734EA70}"/>
-    <dgm:cxn modelId="{A8E79D71-C7DF-4296-A3C7-24AFAA6DE9C3}" srcId="{86D061FF-D2B9-4444-977F-ADD2F8B26F58}" destId="{0CF1DFD8-24BF-4C6B-BD01-BEBB8834C8DE}" srcOrd="0" destOrd="0" parTransId="{0CDD43BF-559F-46B2-A99A-AC0F2E14E16C}" sibTransId="{4F46DB3D-023A-410E-88AA-FB56A0D3206C}"/>
-    <dgm:cxn modelId="{DAD445AE-77E0-447B-A995-A3969FB11BB6}" srcId="{86D061FF-D2B9-4444-977F-ADD2F8B26F58}" destId="{A20FE1FD-A95C-4766-9690-80DC349AC70F}" srcOrd="2" destOrd="0" parTransId="{2888C3D8-9495-4F27-A1DB-649C0F6F0C8E}" sibTransId="{30C40F3C-0B8E-4BAD-A7D3-38CD92A119D6}"/>
-    <dgm:cxn modelId="{6AE5289E-380D-477A-8B3F-2DA1D4B51CB3}" srcId="{C1995ACD-DEEA-4649-9190-0A2396D6DBA3}" destId="{BB9FF21B-E75B-43A4-B03F-6C82A45E4511}" srcOrd="1" destOrd="0" parTransId="{B3FBE738-30A6-4B4A-9DB3-9AB2CC3B1641}" sibTransId="{02222961-B9DB-42C2-91C4-66DA7EA2366A}"/>
-    <dgm:cxn modelId="{468F5004-FAEB-4B83-ACBE-87CC0951A8B8}" type="presOf" srcId="{807A8DFA-5BDA-4B03-B801-660127571B99}" destId="{079241A2-20E2-4232-9D06-88AA9F82E25C}" srcOrd="1" destOrd="0" presId="urn:microsoft.com/office/officeart/2005/8/layout/orgChart1"/>
-    <dgm:cxn modelId="{AB480F80-CE0A-4F95-916F-C7173772710C}" type="presOf" srcId="{9D5DD00D-D723-41C3-A564-BE447082CEE3}" destId="{DE79C5C0-52BB-4AB4-B9E4-4D482851A011}" srcOrd="0" destOrd="0" presId="urn:microsoft.com/office/officeart/2005/8/layout/orgChart1"/>
+    <dgm:cxn modelId="{80C4524F-4DF7-4799-946F-CCB503F3B731}" type="presOf" srcId="{3F984D36-88C5-4802-A36C-73B6E41E1411}" destId="{6A9A8A16-8F93-420D-8D9F-15BFBFA09642}" srcOrd="0" destOrd="0" presId="urn:microsoft.com/office/officeart/2005/8/layout/orgChart1"/>
     <dgm:cxn modelId="{3AE07709-9EB4-4A95-9929-16AE08DFE16B}" type="presOf" srcId="{45589563-E41B-44DB-8AFC-34EE8901D150}" destId="{8CE4FFBF-227E-49C4-97D7-83977CD95846}" srcOrd="1" destOrd="0" presId="urn:microsoft.com/office/officeart/2005/8/layout/orgChart1"/>
     <dgm:cxn modelId="{E4D8F05D-28B4-48A9-9BB5-6EE26DA1C4A4}" type="presOf" srcId="{CB39D681-7061-437F-A140-79E3079A753F}" destId="{E79A5832-DD8A-4441-B652-BD9EC8B7EED1}" srcOrd="0" destOrd="0" presId="urn:microsoft.com/office/officeart/2005/8/layout/orgChart1"/>
-    <dgm:cxn modelId="{EF0895BD-A6E5-4C5F-8734-421F77E7137A}" type="presOf" srcId="{5E31DA61-BA7B-4CD0-B08B-CD683A1209DE}" destId="{5FA213B4-DAA0-4BB7-88F0-3CEC63244ACD}" srcOrd="1" destOrd="0" presId="urn:microsoft.com/office/officeart/2005/8/layout/orgChart1"/>
-    <dgm:cxn modelId="{367BD37E-38CF-4245-9EFA-D01B85B83BD9}" type="presOf" srcId="{56898A94-E574-4C74-BB23-528EED54EB78}" destId="{2D80F0C3-C504-4561-A084-06B66D39392D}" srcOrd="0" destOrd="0" presId="urn:microsoft.com/office/officeart/2005/8/layout/orgChart1"/>
-    <dgm:cxn modelId="{FB4A1C85-F1E3-45BF-8CD8-8E9D3AE2F3BA}" type="presOf" srcId="{9D5DD00D-D723-41C3-A564-BE447082CEE3}" destId="{7877DBA2-C865-46EE-839A-1D3781B37466}" srcOrd="1" destOrd="0" presId="urn:microsoft.com/office/officeart/2005/8/layout/orgChart1"/>
-    <dgm:cxn modelId="{C75B443E-4E99-4FBB-99BA-FA4A0C1A2EDC}" type="presOf" srcId="{A20FE1FD-A95C-4766-9690-80DC349AC70F}" destId="{84A7522A-37FD-4A20-BFE1-3E7225977F7B}" srcOrd="1" destOrd="0" presId="urn:microsoft.com/office/officeart/2005/8/layout/orgChart1"/>
-    <dgm:cxn modelId="{E083AA21-4155-48B2-8F94-BCB535ECC4E3}" type="presOf" srcId="{0CDD43BF-559F-46B2-A99A-AC0F2E14E16C}" destId="{E780AC31-68D7-4FDE-AB32-EFBB2D377EE9}" srcOrd="0" destOrd="0" presId="urn:microsoft.com/office/officeart/2005/8/layout/orgChart1"/>
-    <dgm:cxn modelId="{97F9CF93-1ADD-4C27-A321-B36B3C7D5089}" srcId="{E7358108-83A8-42F1-84AF-1043344A61B4}" destId="{C8AEE87B-F7A2-4CFA-BE00-6B9F721DFE96}" srcOrd="0" destOrd="0" parTransId="{DBFF9E4D-F654-4E3E-A2C7-9EEF27EF4259}" sibTransId="{EC9178BF-E53B-4AAF-BF49-34A7F5D46978}"/>
-    <dgm:cxn modelId="{2EBA05DF-25C4-4F07-B7E4-CBCE24FBD8CD}" type="presOf" srcId="{68B252EE-9C0A-4188-A43E-0D986D13139E}" destId="{58DF7A56-A026-4332-B778-5724E260D9D9}" srcOrd="0" destOrd="0" presId="urn:microsoft.com/office/officeart/2005/8/layout/orgChart1"/>
-    <dgm:cxn modelId="{828B6D54-699D-4E46-AD40-07C1A62B13D9}" srcId="{C1995ACD-DEEA-4649-9190-0A2396D6DBA3}" destId="{86D061FF-D2B9-4444-977F-ADD2F8B26F58}" srcOrd="2" destOrd="0" parTransId="{BA5BADE7-FE02-4E58-AED6-CA6877DD8C92}" sibTransId="{CFC98E5F-E976-47DE-BF3C-8D713A362CC8}"/>
-    <dgm:cxn modelId="{1E7CF7F4-880F-46A8-A683-3C17F8E77C97}" type="presOf" srcId="{AD32A085-D46D-4887-85FE-3881670D4ABC}" destId="{D6D7FEDC-5C4A-4464-B939-F0267B32F854}" srcOrd="0" destOrd="0" presId="urn:microsoft.com/office/officeart/2005/8/layout/orgChart1"/>
-    <dgm:cxn modelId="{8585F034-87B5-4354-A241-97380A009B59}" srcId="{E7358108-83A8-42F1-84AF-1043344A61B4}" destId="{68B252EE-9C0A-4188-A43E-0D986D13139E}" srcOrd="2" destOrd="0" parTransId="{81BF323F-0728-4CEC-A5C6-E78EFAB532FA}" sibTransId="{AD05A098-FF6B-4ED5-BD35-CFD2DCD6F823}"/>
-    <dgm:cxn modelId="{20309684-A762-44F5-84F3-A30330CCFCA8}" type="presOf" srcId="{0CF1DFD8-24BF-4C6B-BD01-BEBB8834C8DE}" destId="{D1B06913-B69F-4394-9B6A-75C451167FE8}" srcOrd="1" destOrd="0" presId="urn:microsoft.com/office/officeart/2005/8/layout/orgChart1"/>
-    <dgm:cxn modelId="{2A37767E-672C-464E-931A-BC8365AF4F05}" type="presOf" srcId="{AD32A085-D46D-4887-85FE-3881670D4ABC}" destId="{C609D8FB-3E78-41DF-97D1-426FFD67870A}" srcOrd="1" destOrd="0" presId="urn:microsoft.com/office/officeart/2005/8/layout/orgChart1"/>
-    <dgm:cxn modelId="{B024FF53-4887-4D94-A72D-4D97CAFD64F6}" type="presOf" srcId="{E7358108-83A8-42F1-84AF-1043344A61B4}" destId="{74E53E5B-7DCA-4C09-A9BF-327363D42547}" srcOrd="1" destOrd="0" presId="urn:microsoft.com/office/officeart/2005/8/layout/orgChart1"/>
+    <dgm:cxn modelId="{6AE5289E-380D-477A-8B3F-2DA1D4B51CB3}" srcId="{C1995ACD-DEEA-4649-9190-0A2396D6DBA3}" destId="{BB9FF21B-E75B-43A4-B03F-6C82A45E4511}" srcOrd="1" destOrd="0" parTransId="{B3FBE738-30A6-4B4A-9DB3-9AB2CC3B1641}" sibTransId="{02222961-B9DB-42C2-91C4-66DA7EA2366A}"/>
+    <dgm:cxn modelId="{5E40A485-E986-4DF1-9B84-9F421FDAB0BC}" type="presOf" srcId="{BA5BADE7-FE02-4E58-AED6-CA6877DD8C92}" destId="{2B8AB7A6-9DF3-44B8-A462-8360BF7B6F26}" srcOrd="0" destOrd="0" presId="urn:microsoft.com/office/officeart/2005/8/layout/orgChart1"/>
+    <dgm:cxn modelId="{EDDD4D9C-7009-4E90-A9EE-E3DD9DF935B6}" type="presOf" srcId="{C8AEE87B-F7A2-4CFA-BE00-6B9F721DFE96}" destId="{23546AB9-AA88-44E8-A74F-6A7DB71CEDFA}" srcOrd="1" destOrd="0" presId="urn:microsoft.com/office/officeart/2005/8/layout/orgChart1"/>
+    <dgm:cxn modelId="{8DF793BF-2779-4364-8E86-AD0E5A6E0DE7}" srcId="{BB9FF21B-E75B-43A4-B03F-6C82A45E4511}" destId="{807A8DFA-5BDA-4B03-B801-660127571B99}" srcOrd="0" destOrd="0" parTransId="{CB39D681-7061-437F-A140-79E3079A753F}" sibTransId="{4527A35C-07AB-4D60-998A-707A1A9945D9}"/>
+    <dgm:cxn modelId="{692C2E6B-BDFD-4010-A265-F8C30B20FA6C}" srcId="{86D061FF-D2B9-4444-977F-ADD2F8B26F58}" destId="{45589563-E41B-44DB-8AFC-34EE8901D150}" srcOrd="1" destOrd="0" parTransId="{56898A94-E574-4C74-BB23-528EED54EB78}" sibTransId="{9C579D39-AB85-41C8-8432-AFBFC00D9440}"/>
     <dgm:cxn modelId="{34CA90F4-3BEF-443F-B290-94C9ED524EBD}" type="presOf" srcId="{81BF323F-0728-4CEC-A5C6-E78EFAB532FA}" destId="{FA5B38AC-797B-4312-B45A-B09C5187349A}" srcOrd="0" destOrd="0" presId="urn:microsoft.com/office/officeart/2005/8/layout/orgChart1"/>
-    <dgm:cxn modelId="{9F8086E4-200A-41A0-985F-6819AAD7FF3C}" srcId="{C1995ACD-DEEA-4649-9190-0A2396D6DBA3}" destId="{AD32A085-D46D-4887-85FE-3881670D4ABC}" srcOrd="3" destOrd="0" parTransId="{10800D79-C7F5-402B-9C15-F3A760B05058}" sibTransId="{B3F636BC-F4CF-43A1-A69B-8541CA9DB61A}"/>
-    <dgm:cxn modelId="{022B9709-53D1-4388-BD70-35E5A92F83B5}" type="presOf" srcId="{B429E2B1-9AB4-4DAF-A3D8-FAB2AEC20118}" destId="{AD91993C-55B9-441F-87C0-0719108305AF}" srcOrd="0" destOrd="0" presId="urn:microsoft.com/office/officeart/2005/8/layout/orgChart1"/>
-    <dgm:cxn modelId="{AA09D090-9317-4095-B6E6-E4A683928290}" type="presOf" srcId="{A20FE1FD-A95C-4766-9690-80DC349AC70F}" destId="{8C04714C-7228-4FE6-AC0C-C1DB88E9F632}" srcOrd="0" destOrd="0" presId="urn:microsoft.com/office/officeart/2005/8/layout/orgChart1"/>
-    <dgm:cxn modelId="{86B0FB32-42C9-4162-91B1-FFC1DE8460AC}" type="presOf" srcId="{29EEBFE2-BEA6-4F35-8D1E-FF7000BD40D5}" destId="{764024E2-07FC-4A92-AB92-49DAE6C1E5A9}" srcOrd="0" destOrd="0" presId="urn:microsoft.com/office/officeart/2005/8/layout/orgChart1"/>
-    <dgm:cxn modelId="{6C081070-BFA6-4451-8423-41FAADBD5092}" type="presOf" srcId="{807A8DFA-5BDA-4B03-B801-660127571B99}" destId="{B9F624FB-4B18-4FAE-BC1C-356832304C1D}" srcOrd="0" destOrd="0" presId="urn:microsoft.com/office/officeart/2005/8/layout/orgChart1"/>
-    <dgm:cxn modelId="{A22D7F34-B439-4CBC-B05B-B7928B3E9518}" type="presOf" srcId="{BB9FF21B-E75B-43A4-B03F-6C82A45E4511}" destId="{EA605843-84EA-4778-BB50-59415505C303}" srcOrd="0" destOrd="0" presId="urn:microsoft.com/office/officeart/2005/8/layout/orgChart1"/>
-    <dgm:cxn modelId="{8DF793BF-2779-4364-8E86-AD0E5A6E0DE7}" srcId="{BB9FF21B-E75B-43A4-B03F-6C82A45E4511}" destId="{807A8DFA-5BDA-4B03-B801-660127571B99}" srcOrd="0" destOrd="0" parTransId="{CB39D681-7061-437F-A140-79E3079A753F}" sibTransId="{4527A35C-07AB-4D60-998A-707A1A9945D9}"/>
-    <dgm:cxn modelId="{78F39385-89B2-4678-B14C-4566B6C7C105}" type="presOf" srcId="{C1995ACD-DEEA-4649-9190-0A2396D6DBA3}" destId="{51FCB016-BDCC-466A-AEB8-2EA2F7D30621}" srcOrd="1" destOrd="0" presId="urn:microsoft.com/office/officeart/2005/8/layout/orgChart1"/>
     <dgm:cxn modelId="{A5A6396D-90A6-4EAB-BD65-C6E3EB328989}" srcId="{BB9FF21B-E75B-43A4-B03F-6C82A45E4511}" destId="{5E31DA61-BA7B-4CD0-B08B-CD683A1209DE}" srcOrd="1" destOrd="0" parTransId="{B429E2B1-9AB4-4DAF-A3D8-FAB2AEC20118}" sibTransId="{EFD350DB-5014-47BD-802E-75E7FEB9EDCE}"/>
     <dgm:cxn modelId="{E3838B30-B14E-4EEB-9770-9A004F60ED7D}" type="presOf" srcId="{2888C3D8-9495-4F27-A1DB-649C0F6F0C8E}" destId="{FD340AE9-3099-4F19-AE25-6AA406E4942B}" srcOrd="0" destOrd="0" presId="urn:microsoft.com/office/officeart/2005/8/layout/orgChart1"/>
-    <dgm:cxn modelId="{9E00E631-3A37-453D-8036-41BFD158F301}" srcId="{C1995ACD-DEEA-4649-9190-0A2396D6DBA3}" destId="{E7358108-83A8-42F1-84AF-1043344A61B4}" srcOrd="0" destOrd="0" parTransId="{69FD09DB-7D78-47CE-93D1-107E376A870E}" sibTransId="{1EE218E9-8B94-451F-A133-38BAF668B8B5}"/>
-    <dgm:cxn modelId="{665D2C66-71F9-4798-AD7B-213B21EF38D4}" type="presOf" srcId="{0CF1DFD8-24BF-4C6B-BD01-BEBB8834C8DE}" destId="{FC2AA275-909E-47D7-A861-5FB840A38676}" srcOrd="0" destOrd="0" presId="urn:microsoft.com/office/officeart/2005/8/layout/orgChart1"/>
-    <dgm:cxn modelId="{934DDD9A-24FF-4BF0-940E-843BF0B8C4A9}" type="presOf" srcId="{39BE0418-99C9-4A4C-9BB7-65D49A05BB31}" destId="{A22D8479-F3B5-40E2-B47E-87AA623B4993}" srcOrd="0" destOrd="0" presId="urn:microsoft.com/office/officeart/2005/8/layout/orgChart1"/>
-    <dgm:cxn modelId="{80C4524F-4DF7-4799-946F-CCB503F3B731}" type="presOf" srcId="{3F984D36-88C5-4802-A36C-73B6E41E1411}" destId="{6A9A8A16-8F93-420D-8D9F-15BFBFA09642}" srcOrd="0" destOrd="0" presId="urn:microsoft.com/office/officeart/2005/8/layout/orgChart1"/>
-    <dgm:cxn modelId="{9935FD93-C4F2-4D60-8FD8-02DB113D79BC}" type="presOf" srcId="{7F7DDA6E-F3A1-4195-9D49-DD6A7A673A53}" destId="{1CACF2A5-9765-453F-9602-3749D63C20FF}" srcOrd="0" destOrd="0" presId="urn:microsoft.com/office/officeart/2005/8/layout/orgChart1"/>
+    <dgm:cxn modelId="{367BD37E-38CF-4245-9EFA-D01B85B83BD9}" type="presOf" srcId="{56898A94-E574-4C74-BB23-528EED54EB78}" destId="{2D80F0C3-C504-4561-A084-06B66D39392D}" srcOrd="0" destOrd="0" presId="urn:microsoft.com/office/officeart/2005/8/layout/orgChart1"/>
+    <dgm:cxn modelId="{97F9CF93-1ADD-4C27-A321-B36B3C7D5089}" srcId="{E7358108-83A8-42F1-84AF-1043344A61B4}" destId="{C8AEE87B-F7A2-4CFA-BE00-6B9F721DFE96}" srcOrd="0" destOrd="0" parTransId="{DBFF9E4D-F654-4E3E-A2C7-9EEF27EF4259}" sibTransId="{EC9178BF-E53B-4AAF-BF49-34A7F5D46978}"/>
+    <dgm:cxn modelId="{8E30AF8B-B498-43A6-9E10-84E97522C64C}" type="presOf" srcId="{BB9FF21B-E75B-43A4-B03F-6C82A45E4511}" destId="{D8602253-5290-4E90-A5EF-32A901888DAC}" srcOrd="1" destOrd="0" presId="urn:microsoft.com/office/officeart/2005/8/layout/orgChart1"/>
+    <dgm:cxn modelId="{468F5004-FAEB-4B83-ACBE-87CC0951A8B8}" type="presOf" srcId="{807A8DFA-5BDA-4B03-B801-660127571B99}" destId="{079241A2-20E2-4232-9D06-88AA9F82E25C}" srcOrd="1" destOrd="0" presId="urn:microsoft.com/office/officeart/2005/8/layout/orgChart1"/>
+    <dgm:cxn modelId="{A22D7F34-B439-4CBC-B05B-B7928B3E9518}" type="presOf" srcId="{BB9FF21B-E75B-43A4-B03F-6C82A45E4511}" destId="{EA605843-84EA-4778-BB50-59415505C303}" srcOrd="0" destOrd="0" presId="urn:microsoft.com/office/officeart/2005/8/layout/orgChart1"/>
+    <dgm:cxn modelId="{86B0FB32-42C9-4162-91B1-FFC1DE8460AC}" type="presOf" srcId="{29EEBFE2-BEA6-4F35-8D1E-FF7000BD40D5}" destId="{764024E2-07FC-4A92-AB92-49DAE6C1E5A9}" srcOrd="0" destOrd="0" presId="urn:microsoft.com/office/officeart/2005/8/layout/orgChart1"/>
+    <dgm:cxn modelId="{9F8086E4-200A-41A0-985F-6819AAD7FF3C}" srcId="{C1995ACD-DEEA-4649-9190-0A2396D6DBA3}" destId="{AD32A085-D46D-4887-85FE-3881670D4ABC}" srcOrd="3" destOrd="0" parTransId="{10800D79-C7F5-402B-9C15-F3A760B05058}" sibTransId="{B3F636BC-F4CF-43A1-A69B-8541CA9DB61A}"/>
+    <dgm:cxn modelId="{20309684-A762-44F5-84F3-A30330CCFCA8}" type="presOf" srcId="{0CF1DFD8-24BF-4C6B-BD01-BEBB8834C8DE}" destId="{D1B06913-B69F-4394-9B6A-75C451167FE8}" srcOrd="1" destOrd="0" presId="urn:microsoft.com/office/officeart/2005/8/layout/orgChart1"/>
     <dgm:cxn modelId="{EE872192-4017-4F2D-B4EC-3F779FABC6B7}" type="presOf" srcId="{68B252EE-9C0A-4188-A43E-0D986D13139E}" destId="{53D166CE-3030-491E-8941-378611132950}" srcOrd="1" destOrd="0" presId="urn:microsoft.com/office/officeart/2005/8/layout/orgChart1"/>
-    <dgm:cxn modelId="{EDDD4D9C-7009-4E90-A9EE-E3DD9DF935B6}" type="presOf" srcId="{C8AEE87B-F7A2-4CFA-BE00-6B9F721DFE96}" destId="{23546AB9-AA88-44E8-A74F-6A7DB71CEDFA}" srcOrd="1" destOrd="0" presId="urn:microsoft.com/office/officeart/2005/8/layout/orgChart1"/>
-    <dgm:cxn modelId="{692C2E6B-BDFD-4010-A265-F8C30B20FA6C}" srcId="{86D061FF-D2B9-4444-977F-ADD2F8B26F58}" destId="{45589563-E41B-44DB-8AFC-34EE8901D150}" srcOrd="1" destOrd="0" parTransId="{56898A94-E574-4C74-BB23-528EED54EB78}" sibTransId="{9C579D39-AB85-41C8-8432-AFBFC00D9440}"/>
-    <dgm:cxn modelId="{D680EA26-5B15-420D-9FA0-DD0C5A469941}" srcId="{29EEBFE2-BEA6-4F35-8D1E-FF7000BD40D5}" destId="{C1995ACD-DEEA-4649-9190-0A2396D6DBA3}" srcOrd="0" destOrd="0" parTransId="{A5ED610D-3F11-454D-B28B-8E429C182DBB}" sibTransId="{CF4FC96D-3D22-44F0-A56F-5F48565B1343}"/>
-    <dgm:cxn modelId="{74B08588-A8AA-40FE-A5B1-93EF0CF50E26}" type="presOf" srcId="{C8AEE87B-F7A2-4CFA-BE00-6B9F721DFE96}" destId="{9CB29694-F3D7-41DB-BEBC-33D5343BA11A}" srcOrd="0" destOrd="0" presId="urn:microsoft.com/office/officeart/2005/8/layout/orgChart1"/>
+    <dgm:cxn modelId="{828B6D54-699D-4E46-AD40-07C1A62B13D9}" srcId="{C1995ACD-DEEA-4649-9190-0A2396D6DBA3}" destId="{86D061FF-D2B9-4444-977F-ADD2F8B26F58}" srcOrd="2" destOrd="0" parTransId="{BA5BADE7-FE02-4E58-AED6-CA6877DD8C92}" sibTransId="{CFC98E5F-E976-47DE-BF3C-8D713A362CC8}"/>
+    <dgm:cxn modelId="{A8E79D71-C7DF-4296-A3C7-24AFAA6DE9C3}" srcId="{86D061FF-D2B9-4444-977F-ADD2F8B26F58}" destId="{0CF1DFD8-24BF-4C6B-BD01-BEBB8834C8DE}" srcOrd="0" destOrd="0" parTransId="{0CDD43BF-559F-46B2-A99A-AC0F2E14E16C}" sibTransId="{4F46DB3D-023A-410E-88AA-FB56A0D3206C}"/>
     <dgm:cxn modelId="{1043DBB4-3E98-4667-AFB0-FE1DD5F4D950}" type="presParOf" srcId="{764024E2-07FC-4A92-AB92-49DAE6C1E5A9}" destId="{341D0529-C993-485F-BFBA-73789AD13323}" srcOrd="0" destOrd="0" presId="urn:microsoft.com/office/officeart/2005/8/layout/orgChart1"/>
     <dgm:cxn modelId="{78CA9623-37D5-4F3C-B069-9D69DC2E1A4A}" type="presParOf" srcId="{341D0529-C993-485F-BFBA-73789AD13323}" destId="{A0EA6964-6D71-4BBB-BFE3-8CE8410BB988}" srcOrd="0" destOrd="0" presId="urn:microsoft.com/office/officeart/2005/8/layout/orgChart1"/>
     <dgm:cxn modelId="{3D3AE38E-E62B-4059-B79C-E624C48E1AEB}" type="presParOf" srcId="{A0EA6964-6D71-4BBB-BFE3-8CE8410BB988}" destId="{0F6EA74C-FEEA-4A60-8965-C249C259639B}" srcOrd="0" destOrd="0" presId="urn:microsoft.com/office/officeart/2005/8/layout/orgChart1"/>
@@ -6947,7 +6950,7 @@
                 <a:latin typeface="細明體" panose="02020509000000000000" pitchFamily="49" charset="-120"/>
                 <a:ea typeface="細明體" panose="02020509000000000000" pitchFamily="49" charset="-120"/>
               </a:rPr>
-              <a:t>2019年12月6日</a:t>
+              <a:t>2019年12月11日</a:t>
             </a:fld>
             <a:endParaRPr dirty="0">
               <a:latin typeface="細明體" panose="02020509000000000000" pitchFamily="49" charset="-120"/>
@@ -7133,7 +7136,7 @@
             <a:fld id="{A0AFF6A3-05A2-43C9-BAC6-E7F777C40D60}" type="datetime2">
               <a:rPr lang="zh-TW" altLang="en-US" smtClean="0"/>
               <a:pPr/>
-              <a:t>2019年12月6日</a:t>
+              <a:t>2019年12月11日</a:t>
             </a:fld>
             <a:endParaRPr lang="zh-TW" altLang="en-US" dirty="0"/>
           </a:p>
@@ -8009,7 +8012,7 @@
             <a:fld id="{DF1CA1B2-0B65-48FF-A4EF-D52F44E0BC0E}" type="datetime2">
               <a:rPr lang="zh-TW" altLang="en-US" smtClean="0"/>
               <a:pPr/>
-              <a:t>2019年12月6日</a:t>
+              <a:t>2019年12月11日</a:t>
             </a:fld>
             <a:endParaRPr lang="en-US" dirty="0"/>
           </a:p>
@@ -8208,7 +8211,7 @@
             <a:fld id="{B690557D-BF90-4EAC-8435-FD0F2293EA9D}" type="datetime2">
               <a:rPr lang="zh-TW" altLang="en-US" smtClean="0"/>
               <a:pPr/>
-              <a:t>2019年12月6日</a:t>
+              <a:t>2019年12月11日</a:t>
             </a:fld>
             <a:endParaRPr lang="en-US" dirty="0"/>
           </a:p>
@@ -8412,7 +8415,7 @@
             <a:fld id="{3A06F219-A01D-46C2-AB8F-66850193113A}" type="datetime2">
               <a:rPr lang="zh-TW" altLang="en-US" smtClean="0"/>
               <a:pPr/>
-              <a:t>2019年12月6日</a:t>
+              <a:t>2019年12月11日</a:t>
             </a:fld>
             <a:endParaRPr lang="en-US" dirty="0"/>
           </a:p>
@@ -8606,7 +8609,7 @@
             <a:fld id="{C7B8F7E0-475E-4A4F-B251-AF4D4B9F823E}" type="datetime2">
               <a:rPr lang="zh-TW" altLang="en-US" smtClean="0"/>
               <a:pPr/>
-              <a:t>2019年12月6日</a:t>
+              <a:t>2019年12月11日</a:t>
             </a:fld>
             <a:endParaRPr lang="en-US" dirty="0"/>
           </a:p>
@@ -8884,7 +8887,7 @@
             <a:fld id="{FCD96140-6517-4429-8245-8048EFFD722F}" type="datetime2">
               <a:rPr lang="zh-TW" altLang="en-US" smtClean="0"/>
               <a:pPr/>
-              <a:t>2019年12月6日</a:t>
+              <a:t>2019年12月11日</a:t>
             </a:fld>
             <a:endParaRPr lang="en-US" dirty="0"/>
           </a:p>
@@ -9200,7 +9203,7 @@
             <a:fld id="{4A214E14-FC91-4A98-BE2C-45A91C87CABA}" type="datetime2">
               <a:rPr lang="zh-TW" altLang="en-US" smtClean="0"/>
               <a:pPr/>
-              <a:t>2019年12月6日</a:t>
+              <a:t>2019年12月11日</a:t>
             </a:fld>
             <a:endParaRPr lang="en-US" dirty="0"/>
           </a:p>
@@ -9665,7 +9668,7 @@
             <a:fld id="{0290FCD0-1450-4EF5-9EB6-93838DB68598}" type="datetime2">
               <a:rPr lang="zh-TW" altLang="en-US" smtClean="0"/>
               <a:pPr/>
-              <a:t>2019年12月6日</a:t>
+              <a:t>2019年12月11日</a:t>
             </a:fld>
             <a:endParaRPr lang="en-US" dirty="0"/>
           </a:p>
@@ -9807,7 +9810,7 @@
             <a:fld id="{73F19C76-1DF4-4157-8E83-99CDD7C5813A}" type="datetime2">
               <a:rPr lang="zh-TW" altLang="en-US" smtClean="0"/>
               <a:pPr/>
-              <a:t>2019年12月6日</a:t>
+              <a:t>2019年12月11日</a:t>
             </a:fld>
             <a:endParaRPr lang="en-US" dirty="0"/>
           </a:p>
@@ -9925,7 +9928,7 @@
             <a:fld id="{D40150BE-B45A-4071-8F2D-10F115658B39}" type="datetime2">
               <a:rPr lang="zh-TW" altLang="en-US" smtClean="0"/>
               <a:pPr/>
-              <a:t>2019年12月6日</a:t>
+              <a:t>2019年12月11日</a:t>
             </a:fld>
             <a:endParaRPr lang="en-US" dirty="0"/>
           </a:p>
@@ -10248,7 +10251,7 @@
             <a:fld id="{EDB22753-B0A9-4CCB-8874-8C3403729D00}" type="datetime2">
               <a:rPr lang="zh-TW" altLang="en-US" smtClean="0"/>
               <a:pPr/>
-              <a:t>2019年12月6日</a:t>
+              <a:t>2019年12月11日</a:t>
             </a:fld>
             <a:endParaRPr lang="en-US" dirty="0"/>
           </a:p>
@@ -10735,7 +10738,7 @@
             <a:fld id="{BD8E3081-8997-4FCC-AA9C-554AF3E1C629}" type="datetime2">
               <a:rPr lang="zh-TW" altLang="en-US" smtClean="0"/>
               <a:pPr/>
-              <a:t>2019年12月6日</a:t>
+              <a:t>2019年12月11日</a:t>
             </a:fld>
             <a:endParaRPr lang="en-US" dirty="0"/>
           </a:p>
@@ -11234,15 +11237,7 @@
             </a:r>
             <a:r>
               <a:rPr lang="en-US" altLang="zh-TW" dirty="0" smtClean="0"/>
-              <a:t>0552043(</a:t>
-            </a:r>
-            <a:r>
-              <a:rPr lang="zh-TW" altLang="en-US" dirty="0" smtClean="0"/>
-              <a:t>菜雞</a:t>
-            </a:r>
-            <a:r>
-              <a:rPr lang="en-US" altLang="zh-TW" dirty="0" smtClean="0"/>
-              <a:t>)</a:t>
+              <a:t>0552043</a:t>
             </a:r>
           </a:p>
           <a:p>
@@ -11342,6 +11337,2250 @@
       </p:transition>
     </mc:Fallback>
   </mc:AlternateContent>
+</p:sld>
+</file>
+
+<file path=ppt/slides/slide10.xml><?xml version="1.0" encoding="utf-8"?>
+<p:sld xmlns:a="http://schemas.openxmlformats.org/drawingml/2006/main" xmlns:r="http://schemas.openxmlformats.org/officeDocument/2006/relationships" xmlns:p="http://schemas.openxmlformats.org/presentationml/2006/main">
+  <p:cSld>
+    <p:spTree>
+      <p:nvGrpSpPr>
+        <p:cNvPr id="1" name=""/>
+        <p:cNvGrpSpPr/>
+        <p:nvPr/>
+      </p:nvGrpSpPr>
+      <p:grpSpPr>
+        <a:xfrm>
+          <a:off x="0" y="0"/>
+          <a:ext cx="0" cy="0"/>
+          <a:chOff x="0" y="0"/>
+          <a:chExt cx="0" cy="0"/>
+        </a:xfrm>
+      </p:grpSpPr>
+      <p:sp>
+        <p:nvSpPr>
+          <p:cNvPr id="2" name="標題 1"/>
+          <p:cNvSpPr>
+            <a:spLocks noGrp="1"/>
+          </p:cNvSpPr>
+          <p:nvPr>
+            <p:ph type="title"/>
+          </p:nvPr>
+        </p:nvSpPr>
+        <p:spPr/>
+        <p:txBody>
+          <a:bodyPr/>
+          <a:lstStyle/>
+          <a:p>
+            <a:r>
+              <a:rPr lang="zh-TW" altLang="en-US" dirty="0"/>
+              <a:t>專案設計</a:t>
+            </a:r>
+            <a:r>
+              <a:rPr lang="en-US" altLang="zh-TW" dirty="0" smtClean="0"/>
+              <a:t>-</a:t>
+            </a:r>
+            <a:r>
+              <a:rPr lang="en-US" altLang="zh-TW" dirty="0"/>
+              <a:t>rule </a:t>
+            </a:r>
+            <a:r>
+              <a:rPr lang="en-US" altLang="zh-TW" dirty="0" smtClean="0"/>
+              <a:t>base</a:t>
+            </a:r>
+            <a:r>
+              <a:rPr lang="zh-TW" altLang="en-US" dirty="0" smtClean="0"/>
+              <a:t>流程</a:t>
+            </a:r>
+            <a:endParaRPr lang="zh-TW" altLang="en-US" dirty="0"/>
+          </a:p>
+        </p:txBody>
+      </p:sp>
+      <p:grpSp>
+        <p:nvGrpSpPr>
+          <p:cNvPr id="134" name="群組 133"/>
+          <p:cNvGrpSpPr/>
+          <p:nvPr/>
+        </p:nvGrpSpPr>
+        <p:grpSpPr>
+          <a:xfrm>
+            <a:off x="7616159" y="533400"/>
+            <a:ext cx="2592288" cy="5985058"/>
+            <a:chOff x="5950395" y="108238"/>
+            <a:chExt cx="3263978" cy="8984569"/>
+          </a:xfrm>
+        </p:grpSpPr>
+        <p:sp>
+          <p:nvSpPr>
+            <p:cNvPr id="4" name="矩形 3"/>
+            <p:cNvSpPr/>
+            <p:nvPr/>
+          </p:nvSpPr>
+          <p:spPr>
+            <a:xfrm>
+              <a:off x="5953952" y="1039374"/>
+              <a:ext cx="1361390" cy="748560"/>
+            </a:xfrm>
+            <a:prstGeom prst="rect">
+              <a:avLst/>
+            </a:prstGeom>
+          </p:spPr>
+          <p:style>
+            <a:lnRef idx="2">
+              <a:schemeClr val="accent1">
+                <a:shade val="50000"/>
+              </a:schemeClr>
+            </a:lnRef>
+            <a:fillRef idx="1">
+              <a:schemeClr val="accent1"/>
+            </a:fillRef>
+            <a:effectRef idx="0">
+              <a:schemeClr val="accent1"/>
+            </a:effectRef>
+            <a:fontRef idx="minor">
+              <a:schemeClr val="lt1"/>
+            </a:fontRef>
+          </p:style>
+          <p:txBody>
+            <a:bodyPr rtlCol="0" anchor="ctr"/>
+            <a:lstStyle/>
+            <a:p>
+              <a:pPr algn="ctr"/>
+              <a:r>
+                <a:rPr lang="zh-TW" altLang="en-US" sz="1400" dirty="0"/>
+                <a:t>發球</a:t>
+              </a:r>
+            </a:p>
+          </p:txBody>
+        </p:sp>
+        <p:sp>
+          <p:nvSpPr>
+            <p:cNvPr id="5" name="矩形 4"/>
+            <p:cNvSpPr/>
+            <p:nvPr/>
+          </p:nvSpPr>
+          <p:spPr>
+            <a:xfrm>
+              <a:off x="5950395" y="5550840"/>
+              <a:ext cx="1361390" cy="748560"/>
+            </a:xfrm>
+            <a:prstGeom prst="rect">
+              <a:avLst/>
+            </a:prstGeom>
+          </p:spPr>
+          <p:style>
+            <a:lnRef idx="2">
+              <a:schemeClr val="accent1">
+                <a:shade val="50000"/>
+              </a:schemeClr>
+            </a:lnRef>
+            <a:fillRef idx="1">
+              <a:schemeClr val="accent1"/>
+            </a:fillRef>
+            <a:effectRef idx="0">
+              <a:schemeClr val="accent1"/>
+            </a:effectRef>
+            <a:fontRef idx="minor">
+              <a:schemeClr val="lt1"/>
+            </a:fontRef>
+          </p:style>
+          <p:txBody>
+            <a:bodyPr rtlCol="0" anchor="ctr"/>
+            <a:lstStyle/>
+            <a:p>
+              <a:pPr algn="ctr"/>
+              <a:r>
+                <a:rPr lang="zh-TW" altLang="en-US" sz="1400" dirty="0"/>
+                <a:t>開始計算</a:t>
+              </a:r>
+              <a:r>
+                <a:rPr lang="en-US" altLang="zh-TW" sz="1400" dirty="0"/>
+                <a:t>2P</a:t>
+              </a:r>
+              <a:r>
+                <a:rPr lang="zh-TW" altLang="en-US" sz="1400" dirty="0"/>
+                <a:t>的回擊方向</a:t>
+              </a:r>
+            </a:p>
+          </p:txBody>
+        </p:sp>
+        <p:sp>
+          <p:nvSpPr>
+            <p:cNvPr id="7" name="矩形 6"/>
+            <p:cNvSpPr/>
+            <p:nvPr/>
+          </p:nvSpPr>
+          <p:spPr>
+            <a:xfrm>
+              <a:off x="7852983" y="2855392"/>
+              <a:ext cx="1361390" cy="748560"/>
+            </a:xfrm>
+            <a:prstGeom prst="rect">
+              <a:avLst/>
+            </a:prstGeom>
+          </p:spPr>
+          <p:style>
+            <a:lnRef idx="2">
+              <a:schemeClr val="accent1">
+                <a:shade val="50000"/>
+              </a:schemeClr>
+            </a:lnRef>
+            <a:fillRef idx="1">
+              <a:schemeClr val="accent1"/>
+            </a:fillRef>
+            <a:effectRef idx="0">
+              <a:schemeClr val="accent1"/>
+            </a:effectRef>
+            <a:fontRef idx="minor">
+              <a:schemeClr val="lt1"/>
+            </a:fontRef>
+          </p:style>
+          <p:txBody>
+            <a:bodyPr rtlCol="0" anchor="ctr"/>
+            <a:lstStyle/>
+            <a:p>
+              <a:pPr algn="ctr"/>
+              <a:r>
+                <a:rPr lang="zh-TW" altLang="en-US" sz="1400" dirty="0"/>
+                <a:t>計算球落點</a:t>
+              </a:r>
+            </a:p>
+          </p:txBody>
+        </p:sp>
+        <p:sp>
+          <p:nvSpPr>
+            <p:cNvPr id="8" name="矩形 7"/>
+            <p:cNvSpPr/>
+            <p:nvPr/>
+          </p:nvSpPr>
+          <p:spPr>
+            <a:xfrm>
+              <a:off x="5953952" y="108238"/>
+              <a:ext cx="1361390" cy="748560"/>
+            </a:xfrm>
+            <a:prstGeom prst="rect">
+              <a:avLst/>
+            </a:prstGeom>
+          </p:spPr>
+          <p:style>
+            <a:lnRef idx="2">
+              <a:schemeClr val="accent1">
+                <a:shade val="50000"/>
+              </a:schemeClr>
+            </a:lnRef>
+            <a:fillRef idx="1">
+              <a:schemeClr val="accent1"/>
+            </a:fillRef>
+            <a:effectRef idx="0">
+              <a:schemeClr val="accent1"/>
+            </a:effectRef>
+            <a:fontRef idx="minor">
+              <a:schemeClr val="lt1"/>
+            </a:fontRef>
+          </p:style>
+          <p:txBody>
+            <a:bodyPr rtlCol="0" anchor="ctr"/>
+            <a:lstStyle/>
+            <a:p>
+              <a:pPr algn="ctr"/>
+              <a:r>
+                <a:rPr lang="en-US" altLang="zh-TW" sz="1400" dirty="0"/>
+                <a:t>1P</a:t>
+              </a:r>
+              <a:endParaRPr lang="zh-TW" altLang="en-US" sz="1400" dirty="0"/>
+            </a:p>
+          </p:txBody>
+        </p:sp>
+        <p:sp>
+          <p:nvSpPr>
+            <p:cNvPr id="9" name="矩形 8"/>
+            <p:cNvSpPr/>
+            <p:nvPr/>
+          </p:nvSpPr>
+          <p:spPr>
+            <a:xfrm>
+              <a:off x="7852982" y="1039373"/>
+              <a:ext cx="1361390" cy="748560"/>
+            </a:xfrm>
+            <a:prstGeom prst="rect">
+              <a:avLst/>
+            </a:prstGeom>
+          </p:spPr>
+          <p:style>
+            <a:lnRef idx="2">
+              <a:schemeClr val="accent1">
+                <a:shade val="50000"/>
+              </a:schemeClr>
+            </a:lnRef>
+            <a:fillRef idx="1">
+              <a:schemeClr val="accent1"/>
+            </a:fillRef>
+            <a:effectRef idx="0">
+              <a:schemeClr val="accent1"/>
+            </a:effectRef>
+            <a:fontRef idx="minor">
+              <a:schemeClr val="lt1"/>
+            </a:fontRef>
+          </p:style>
+          <p:txBody>
+            <a:bodyPr rtlCol="0" anchor="ctr"/>
+            <a:lstStyle/>
+            <a:p>
+              <a:pPr algn="ctr"/>
+              <a:r>
+                <a:rPr lang="en-US" altLang="zh-TW" sz="1400" dirty="0"/>
+                <a:t>2P</a:t>
+              </a:r>
+              <a:endParaRPr lang="zh-TW" altLang="en-US" sz="1400" dirty="0"/>
+            </a:p>
+          </p:txBody>
+        </p:sp>
+        <p:sp>
+          <p:nvSpPr>
+            <p:cNvPr id="10" name="矩形 9"/>
+            <p:cNvSpPr/>
+            <p:nvPr/>
+          </p:nvSpPr>
+          <p:spPr>
+            <a:xfrm>
+              <a:off x="7852983" y="3763402"/>
+              <a:ext cx="1361390" cy="748560"/>
+            </a:xfrm>
+            <a:prstGeom prst="rect">
+              <a:avLst/>
+            </a:prstGeom>
+          </p:spPr>
+          <p:style>
+            <a:lnRef idx="2">
+              <a:schemeClr val="accent1">
+                <a:shade val="50000"/>
+              </a:schemeClr>
+            </a:lnRef>
+            <a:fillRef idx="1">
+              <a:schemeClr val="accent1"/>
+            </a:fillRef>
+            <a:effectRef idx="0">
+              <a:schemeClr val="accent1"/>
+            </a:effectRef>
+            <a:fontRef idx="minor">
+              <a:schemeClr val="lt1"/>
+            </a:fontRef>
+          </p:style>
+          <p:txBody>
+            <a:bodyPr rtlCol="0" anchor="ctr"/>
+            <a:lstStyle/>
+            <a:p>
+              <a:pPr algn="ctr"/>
+              <a:r>
+                <a:rPr lang="zh-TW" altLang="en-US" sz="1400" dirty="0"/>
+                <a:t>移動板子到落點</a:t>
+              </a:r>
+            </a:p>
+          </p:txBody>
+        </p:sp>
+        <p:sp>
+          <p:nvSpPr>
+            <p:cNvPr id="11" name="矩形 10"/>
+            <p:cNvSpPr/>
+            <p:nvPr/>
+          </p:nvSpPr>
+          <p:spPr>
+            <a:xfrm>
+              <a:off x="7852983" y="4671412"/>
+              <a:ext cx="1361390" cy="748560"/>
+            </a:xfrm>
+            <a:prstGeom prst="rect">
+              <a:avLst/>
+            </a:prstGeom>
+          </p:spPr>
+          <p:style>
+            <a:lnRef idx="2">
+              <a:schemeClr val="accent1">
+                <a:shade val="50000"/>
+              </a:schemeClr>
+            </a:lnRef>
+            <a:fillRef idx="1">
+              <a:schemeClr val="accent1"/>
+            </a:fillRef>
+            <a:effectRef idx="0">
+              <a:schemeClr val="accent1"/>
+            </a:effectRef>
+            <a:fontRef idx="minor">
+              <a:schemeClr val="lt1"/>
+            </a:fontRef>
+          </p:style>
+          <p:txBody>
+            <a:bodyPr rtlCol="0" anchor="ctr"/>
+            <a:lstStyle/>
+            <a:p>
+              <a:pPr algn="ctr"/>
+              <a:r>
+                <a:rPr lang="zh-TW" altLang="en-US" sz="1400" dirty="0"/>
+                <a:t>回擊</a:t>
+              </a:r>
+            </a:p>
+          </p:txBody>
+        </p:sp>
+        <p:sp>
+          <p:nvSpPr>
+            <p:cNvPr id="13" name="矩形 12"/>
+            <p:cNvSpPr/>
+            <p:nvPr/>
+          </p:nvSpPr>
+          <p:spPr>
+            <a:xfrm>
+              <a:off x="5955640" y="7413112"/>
+              <a:ext cx="1361390" cy="748560"/>
+            </a:xfrm>
+            <a:prstGeom prst="rect">
+              <a:avLst/>
+            </a:prstGeom>
+          </p:spPr>
+          <p:style>
+            <a:lnRef idx="2">
+              <a:schemeClr val="accent1">
+                <a:shade val="50000"/>
+              </a:schemeClr>
+            </a:lnRef>
+            <a:fillRef idx="1">
+              <a:schemeClr val="accent1"/>
+            </a:fillRef>
+            <a:effectRef idx="0">
+              <a:schemeClr val="accent1"/>
+            </a:effectRef>
+            <a:fontRef idx="minor">
+              <a:schemeClr val="lt1"/>
+            </a:fontRef>
+          </p:style>
+          <p:txBody>
+            <a:bodyPr rtlCol="0" anchor="ctr"/>
+            <a:lstStyle/>
+            <a:p>
+              <a:pPr algn="ctr"/>
+              <a:r>
+                <a:rPr lang="zh-TW" altLang="en-US" sz="1400" dirty="0"/>
+                <a:t>移動板子到落點</a:t>
+              </a:r>
+            </a:p>
+          </p:txBody>
+        </p:sp>
+        <p:sp>
+          <p:nvSpPr>
+            <p:cNvPr id="14" name="矩形 13"/>
+            <p:cNvSpPr/>
+            <p:nvPr/>
+          </p:nvSpPr>
+          <p:spPr>
+            <a:xfrm>
+              <a:off x="5950396" y="8344247"/>
+              <a:ext cx="1361390" cy="748560"/>
+            </a:xfrm>
+            <a:prstGeom prst="rect">
+              <a:avLst/>
+            </a:prstGeom>
+          </p:spPr>
+          <p:style>
+            <a:lnRef idx="2">
+              <a:schemeClr val="accent1">
+                <a:shade val="50000"/>
+              </a:schemeClr>
+            </a:lnRef>
+            <a:fillRef idx="1">
+              <a:schemeClr val="accent1"/>
+            </a:fillRef>
+            <a:effectRef idx="0">
+              <a:schemeClr val="accent1"/>
+            </a:effectRef>
+            <a:fontRef idx="minor">
+              <a:schemeClr val="lt1"/>
+            </a:fontRef>
+          </p:style>
+          <p:txBody>
+            <a:bodyPr rtlCol="0" anchor="ctr"/>
+            <a:lstStyle/>
+            <a:p>
+              <a:pPr algn="ctr"/>
+              <a:r>
+                <a:rPr lang="zh-TW" altLang="en-US" sz="1400" dirty="0"/>
+                <a:t>回擊</a:t>
+              </a:r>
+            </a:p>
+          </p:txBody>
+        </p:sp>
+        <p:cxnSp>
+          <p:nvCxnSpPr>
+            <p:cNvPr id="16" name="直線單箭頭接點 15"/>
+            <p:cNvCxnSpPr>
+              <a:stCxn id="8" idx="2"/>
+              <a:endCxn id="4" idx="0"/>
+            </p:cNvCxnSpPr>
+            <p:nvPr/>
+          </p:nvCxnSpPr>
+          <p:spPr>
+            <a:xfrm>
+              <a:off x="6634647" y="856798"/>
+              <a:ext cx="0" cy="182576"/>
+            </a:xfrm>
+            <a:prstGeom prst="straightConnector1">
+              <a:avLst/>
+            </a:prstGeom>
+          </p:spPr>
+          <p:style>
+            <a:lnRef idx="1">
+              <a:schemeClr val="accent1"/>
+            </a:lnRef>
+            <a:fillRef idx="0">
+              <a:schemeClr val="accent1"/>
+            </a:fillRef>
+            <a:effectRef idx="0">
+              <a:schemeClr val="accent1"/>
+            </a:effectRef>
+            <a:fontRef idx="minor">
+              <a:schemeClr val="tx1"/>
+            </a:fontRef>
+          </p:style>
+        </p:cxnSp>
+        <p:cxnSp>
+          <p:nvCxnSpPr>
+            <p:cNvPr id="28" name="直線單箭頭接點 27"/>
+            <p:cNvCxnSpPr>
+              <a:stCxn id="7" idx="2"/>
+              <a:endCxn id="10" idx="0"/>
+            </p:cNvCxnSpPr>
+            <p:nvPr/>
+          </p:nvCxnSpPr>
+          <p:spPr>
+            <a:xfrm>
+              <a:off x="8533678" y="3603952"/>
+              <a:ext cx="0" cy="159450"/>
+            </a:xfrm>
+            <a:prstGeom prst="straightConnector1">
+              <a:avLst/>
+            </a:prstGeom>
+          </p:spPr>
+          <p:style>
+            <a:lnRef idx="1">
+              <a:schemeClr val="accent1"/>
+            </a:lnRef>
+            <a:fillRef idx="0">
+              <a:schemeClr val="accent1"/>
+            </a:fillRef>
+            <a:effectRef idx="0">
+              <a:schemeClr val="accent1"/>
+            </a:effectRef>
+            <a:fontRef idx="minor">
+              <a:schemeClr val="tx1"/>
+            </a:fontRef>
+          </p:style>
+        </p:cxnSp>
+        <p:cxnSp>
+          <p:nvCxnSpPr>
+            <p:cNvPr id="30" name="直線單箭頭接點 29"/>
+            <p:cNvCxnSpPr>
+              <a:stCxn id="10" idx="2"/>
+              <a:endCxn id="11" idx="0"/>
+            </p:cNvCxnSpPr>
+            <p:nvPr/>
+          </p:nvCxnSpPr>
+          <p:spPr>
+            <a:xfrm>
+              <a:off x="8533678" y="4511962"/>
+              <a:ext cx="0" cy="159450"/>
+            </a:xfrm>
+            <a:prstGeom prst="straightConnector1">
+              <a:avLst/>
+            </a:prstGeom>
+          </p:spPr>
+          <p:style>
+            <a:lnRef idx="1">
+              <a:schemeClr val="accent1"/>
+            </a:lnRef>
+            <a:fillRef idx="0">
+              <a:schemeClr val="accent1"/>
+            </a:fillRef>
+            <a:effectRef idx="0">
+              <a:schemeClr val="accent1"/>
+            </a:effectRef>
+            <a:fontRef idx="minor">
+              <a:schemeClr val="tx1"/>
+            </a:fontRef>
+          </p:style>
+        </p:cxnSp>
+        <p:sp>
+          <p:nvSpPr>
+            <p:cNvPr id="36" name="矩形 35"/>
+            <p:cNvSpPr/>
+            <p:nvPr/>
+          </p:nvSpPr>
+          <p:spPr>
+            <a:xfrm>
+              <a:off x="5959927" y="6481976"/>
+              <a:ext cx="1361390" cy="748560"/>
+            </a:xfrm>
+            <a:prstGeom prst="rect">
+              <a:avLst/>
+            </a:prstGeom>
+          </p:spPr>
+          <p:style>
+            <a:lnRef idx="2">
+              <a:schemeClr val="accent1">
+                <a:shade val="50000"/>
+              </a:schemeClr>
+            </a:lnRef>
+            <a:fillRef idx="1">
+              <a:schemeClr val="accent1"/>
+            </a:fillRef>
+            <a:effectRef idx="0">
+              <a:schemeClr val="accent1"/>
+            </a:effectRef>
+            <a:fontRef idx="minor">
+              <a:schemeClr val="lt1"/>
+            </a:fontRef>
+          </p:style>
+          <p:txBody>
+            <a:bodyPr rtlCol="0" anchor="ctr"/>
+            <a:lstStyle/>
+            <a:p>
+              <a:pPr algn="ctr"/>
+              <a:r>
+                <a:rPr lang="zh-TW" altLang="en-US" sz="1400" dirty="0"/>
+                <a:t>計算球落點</a:t>
+              </a:r>
+            </a:p>
+          </p:txBody>
+        </p:sp>
+        <p:cxnSp>
+          <p:nvCxnSpPr>
+            <p:cNvPr id="44" name="直線單箭頭接點 43"/>
+            <p:cNvCxnSpPr>
+              <a:stCxn id="36" idx="2"/>
+            </p:cNvCxnSpPr>
+            <p:nvPr/>
+          </p:nvCxnSpPr>
+          <p:spPr>
+            <a:xfrm>
+              <a:off x="6640622" y="7230536"/>
+              <a:ext cx="0" cy="217671"/>
+            </a:xfrm>
+            <a:prstGeom prst="straightConnector1">
+              <a:avLst/>
+            </a:prstGeom>
+          </p:spPr>
+          <p:style>
+            <a:lnRef idx="1">
+              <a:schemeClr val="accent1"/>
+            </a:lnRef>
+            <a:fillRef idx="0">
+              <a:schemeClr val="accent1"/>
+            </a:fillRef>
+            <a:effectRef idx="0">
+              <a:schemeClr val="accent1"/>
+            </a:effectRef>
+            <a:fontRef idx="minor">
+              <a:schemeClr val="tx1"/>
+            </a:fontRef>
+          </p:style>
+        </p:cxnSp>
+        <p:cxnSp>
+          <p:nvCxnSpPr>
+            <p:cNvPr id="46" name="直線單箭頭接點 45"/>
+            <p:cNvCxnSpPr>
+              <a:stCxn id="13" idx="2"/>
+              <a:endCxn id="14" idx="0"/>
+            </p:cNvCxnSpPr>
+            <p:nvPr/>
+          </p:nvCxnSpPr>
+          <p:spPr>
+            <a:xfrm flipH="1">
+              <a:off x="6631091" y="8161671"/>
+              <a:ext cx="5244" cy="182576"/>
+            </a:xfrm>
+            <a:prstGeom prst="straightConnector1">
+              <a:avLst/>
+            </a:prstGeom>
+          </p:spPr>
+          <p:style>
+            <a:lnRef idx="1">
+              <a:schemeClr val="accent1"/>
+            </a:lnRef>
+            <a:fillRef idx="0">
+              <a:schemeClr val="accent1"/>
+            </a:fillRef>
+            <a:effectRef idx="0">
+              <a:schemeClr val="accent1"/>
+            </a:effectRef>
+            <a:fontRef idx="minor">
+              <a:schemeClr val="tx1"/>
+            </a:fontRef>
+          </p:style>
+        </p:cxnSp>
+        <p:cxnSp>
+          <p:nvCxnSpPr>
+            <p:cNvPr id="66" name="直線單箭頭接點 65"/>
+            <p:cNvCxnSpPr>
+              <a:stCxn id="4" idx="2"/>
+              <a:endCxn id="5" idx="0"/>
+            </p:cNvCxnSpPr>
+            <p:nvPr/>
+          </p:nvCxnSpPr>
+          <p:spPr>
+            <a:xfrm flipH="1">
+              <a:off x="6631091" y="1787933"/>
+              <a:ext cx="3556" cy="3762907"/>
+            </a:xfrm>
+            <a:prstGeom prst="straightConnector1">
+              <a:avLst/>
+            </a:prstGeom>
+          </p:spPr>
+          <p:style>
+            <a:lnRef idx="1">
+              <a:schemeClr val="accent1"/>
+            </a:lnRef>
+            <a:fillRef idx="0">
+              <a:schemeClr val="accent1"/>
+            </a:fillRef>
+            <a:effectRef idx="0">
+              <a:schemeClr val="accent1"/>
+            </a:effectRef>
+            <a:fontRef idx="minor">
+              <a:schemeClr val="tx1"/>
+            </a:fontRef>
+          </p:style>
+        </p:cxnSp>
+        <p:cxnSp>
+          <p:nvCxnSpPr>
+            <p:cNvPr id="71" name="肘形接點 70"/>
+            <p:cNvCxnSpPr>
+              <a:stCxn id="14" idx="2"/>
+              <a:endCxn id="5" idx="1"/>
+            </p:cNvCxnSpPr>
+            <p:nvPr/>
+          </p:nvCxnSpPr>
+          <p:spPr>
+            <a:xfrm rot="5400000" flipH="1">
+              <a:off x="4706900" y="7168616"/>
+              <a:ext cx="3167687" cy="680695"/>
+            </a:xfrm>
+            <a:prstGeom prst="bentConnector4">
+              <a:avLst>
+                <a:gd name="adj1" fmla="val -5553"/>
+                <a:gd name="adj2" fmla="val 124691"/>
+              </a:avLst>
+            </a:prstGeom>
+          </p:spPr>
+          <p:style>
+            <a:lnRef idx="1">
+              <a:schemeClr val="accent1"/>
+            </a:lnRef>
+            <a:fillRef idx="0">
+              <a:schemeClr val="accent1"/>
+            </a:fillRef>
+            <a:effectRef idx="0">
+              <a:schemeClr val="accent1"/>
+            </a:effectRef>
+            <a:fontRef idx="minor">
+              <a:schemeClr val="tx1"/>
+            </a:fontRef>
+          </p:style>
+        </p:cxnSp>
+        <p:sp>
+          <p:nvSpPr>
+            <p:cNvPr id="76" name="矩形 75"/>
+            <p:cNvSpPr/>
+            <p:nvPr/>
+          </p:nvSpPr>
+          <p:spPr>
+            <a:xfrm>
+              <a:off x="7852983" y="1947383"/>
+              <a:ext cx="1361390" cy="748560"/>
+            </a:xfrm>
+            <a:prstGeom prst="rect">
+              <a:avLst/>
+            </a:prstGeom>
+          </p:spPr>
+          <p:style>
+            <a:lnRef idx="2">
+              <a:schemeClr val="accent1">
+                <a:shade val="50000"/>
+              </a:schemeClr>
+            </a:lnRef>
+            <a:fillRef idx="1">
+              <a:schemeClr val="accent1"/>
+            </a:fillRef>
+            <a:effectRef idx="0">
+              <a:schemeClr val="accent1"/>
+            </a:effectRef>
+            <a:fontRef idx="minor">
+              <a:schemeClr val="lt1"/>
+            </a:fontRef>
+          </p:style>
+          <p:txBody>
+            <a:bodyPr rtlCol="0" anchor="ctr"/>
+            <a:lstStyle/>
+            <a:p>
+              <a:pPr algn="ctr"/>
+              <a:r>
+                <a:rPr lang="zh-TW" altLang="en-US" sz="1400" dirty="0"/>
+                <a:t>開始計算</a:t>
+              </a:r>
+              <a:r>
+                <a:rPr lang="en-US" altLang="zh-TW" sz="1400" dirty="0"/>
+                <a:t>1P</a:t>
+              </a:r>
+              <a:r>
+                <a:rPr lang="zh-TW" altLang="en-US" sz="1400" dirty="0"/>
+                <a:t>的回擊方向</a:t>
+              </a:r>
+            </a:p>
+          </p:txBody>
+        </p:sp>
+        <p:cxnSp>
+          <p:nvCxnSpPr>
+            <p:cNvPr id="79" name="肘形接點 78"/>
+            <p:cNvCxnSpPr>
+              <a:stCxn id="11" idx="2"/>
+              <a:endCxn id="76" idx="3"/>
+            </p:cNvCxnSpPr>
+            <p:nvPr/>
+          </p:nvCxnSpPr>
+          <p:spPr>
+            <a:xfrm rot="5400000" flipH="1" flipV="1">
+              <a:off x="7324871" y="3530470"/>
+              <a:ext cx="3098309" cy="680695"/>
+            </a:xfrm>
+            <a:prstGeom prst="bentConnector4">
+              <a:avLst>
+                <a:gd name="adj1" fmla="val -5677"/>
+                <a:gd name="adj2" fmla="val 124691"/>
+              </a:avLst>
+            </a:prstGeom>
+          </p:spPr>
+          <p:style>
+            <a:lnRef idx="1">
+              <a:schemeClr val="accent1"/>
+            </a:lnRef>
+            <a:fillRef idx="0">
+              <a:schemeClr val="accent1"/>
+            </a:fillRef>
+            <a:effectRef idx="0">
+              <a:schemeClr val="accent1"/>
+            </a:effectRef>
+            <a:fontRef idx="minor">
+              <a:schemeClr val="tx1"/>
+            </a:fontRef>
+          </p:style>
+        </p:cxnSp>
+        <p:cxnSp>
+          <p:nvCxnSpPr>
+            <p:cNvPr id="83" name="直線單箭頭接點 82"/>
+            <p:cNvCxnSpPr>
+              <a:stCxn id="5" idx="2"/>
+              <a:endCxn id="36" idx="0"/>
+            </p:cNvCxnSpPr>
+            <p:nvPr/>
+          </p:nvCxnSpPr>
+          <p:spPr>
+            <a:xfrm>
+              <a:off x="6631091" y="6299400"/>
+              <a:ext cx="9531" cy="182576"/>
+            </a:xfrm>
+            <a:prstGeom prst="straightConnector1">
+              <a:avLst/>
+            </a:prstGeom>
+          </p:spPr>
+          <p:style>
+            <a:lnRef idx="1">
+              <a:schemeClr val="accent1"/>
+            </a:lnRef>
+            <a:fillRef idx="0">
+              <a:schemeClr val="accent1"/>
+            </a:fillRef>
+            <a:effectRef idx="0">
+              <a:schemeClr val="accent1"/>
+            </a:effectRef>
+            <a:fontRef idx="minor">
+              <a:schemeClr val="tx1"/>
+            </a:fontRef>
+          </p:style>
+        </p:cxnSp>
+        <p:cxnSp>
+          <p:nvCxnSpPr>
+            <p:cNvPr id="85" name="直線單箭頭接點 84"/>
+            <p:cNvCxnSpPr>
+              <a:stCxn id="9" idx="2"/>
+              <a:endCxn id="76" idx="0"/>
+            </p:cNvCxnSpPr>
+            <p:nvPr/>
+          </p:nvCxnSpPr>
+          <p:spPr>
+            <a:xfrm>
+              <a:off x="8533677" y="1787933"/>
+              <a:ext cx="1" cy="159450"/>
+            </a:xfrm>
+            <a:prstGeom prst="straightConnector1">
+              <a:avLst/>
+            </a:prstGeom>
+          </p:spPr>
+          <p:style>
+            <a:lnRef idx="1">
+              <a:schemeClr val="accent1"/>
+            </a:lnRef>
+            <a:fillRef idx="0">
+              <a:schemeClr val="accent1"/>
+            </a:fillRef>
+            <a:effectRef idx="0">
+              <a:schemeClr val="accent1"/>
+            </a:effectRef>
+            <a:fontRef idx="minor">
+              <a:schemeClr val="tx1"/>
+            </a:fontRef>
+          </p:style>
+        </p:cxnSp>
+        <p:cxnSp>
+          <p:nvCxnSpPr>
+            <p:cNvPr id="87" name="直線單箭頭接點 86"/>
+            <p:cNvCxnSpPr>
+              <a:stCxn id="76" idx="2"/>
+              <a:endCxn id="76" idx="2"/>
+            </p:cNvCxnSpPr>
+            <p:nvPr/>
+          </p:nvCxnSpPr>
+          <p:spPr>
+            <a:xfrm>
+              <a:off x="8533678" y="2695942"/>
+              <a:ext cx="0" cy="0"/>
+            </a:xfrm>
+            <a:prstGeom prst="straightConnector1">
+              <a:avLst/>
+            </a:prstGeom>
+          </p:spPr>
+          <p:style>
+            <a:lnRef idx="1">
+              <a:schemeClr val="accent1"/>
+            </a:lnRef>
+            <a:fillRef idx="0">
+              <a:schemeClr val="accent1"/>
+            </a:fillRef>
+            <a:effectRef idx="0">
+              <a:schemeClr val="accent1"/>
+            </a:effectRef>
+            <a:fontRef idx="minor">
+              <a:schemeClr val="tx1"/>
+            </a:fontRef>
+          </p:style>
+        </p:cxnSp>
+        <p:cxnSp>
+          <p:nvCxnSpPr>
+            <p:cNvPr id="89" name="直線單箭頭接點 88"/>
+            <p:cNvCxnSpPr>
+              <a:stCxn id="76" idx="2"/>
+              <a:endCxn id="7" idx="0"/>
+            </p:cNvCxnSpPr>
+            <p:nvPr/>
+          </p:nvCxnSpPr>
+          <p:spPr>
+            <a:xfrm>
+              <a:off x="8533678" y="2695942"/>
+              <a:ext cx="0" cy="159450"/>
+            </a:xfrm>
+            <a:prstGeom prst="straightConnector1">
+              <a:avLst/>
+            </a:prstGeom>
+          </p:spPr>
+          <p:style>
+            <a:lnRef idx="1">
+              <a:schemeClr val="accent1"/>
+            </a:lnRef>
+            <a:fillRef idx="0">
+              <a:schemeClr val="accent1"/>
+            </a:fillRef>
+            <a:effectRef idx="0">
+              <a:schemeClr val="accent1"/>
+            </a:effectRef>
+            <a:fontRef idx="minor">
+              <a:schemeClr val="tx1"/>
+            </a:fontRef>
+          </p:style>
+        </p:cxnSp>
+      </p:grpSp>
+      <p:sp>
+        <p:nvSpPr>
+          <p:cNvPr id="110" name="矩形 109"/>
+          <p:cNvSpPr/>
+          <p:nvPr/>
+        </p:nvSpPr>
+        <p:spPr>
+          <a:xfrm>
+            <a:off x="19204704" y="-1887872"/>
+            <a:ext cx="1851660" cy="972820"/>
+          </a:xfrm>
+          <a:prstGeom prst="rect">
+            <a:avLst/>
+          </a:prstGeom>
+        </p:spPr>
+        <p:style>
+          <a:lnRef idx="2">
+            <a:schemeClr val="accent1">
+              <a:shade val="50000"/>
+            </a:schemeClr>
+          </a:lnRef>
+          <a:fillRef idx="1">
+            <a:schemeClr val="accent1"/>
+          </a:fillRef>
+          <a:effectRef idx="0">
+            <a:schemeClr val="accent1"/>
+          </a:effectRef>
+          <a:fontRef idx="minor">
+            <a:schemeClr val="lt1"/>
+          </a:fontRef>
+        </p:style>
+        <p:txBody>
+          <a:bodyPr rtlCol="0" anchor="ctr"/>
+          <a:lstStyle/>
+          <a:p>
+            <a:pPr algn="ctr"/>
+            <a:r>
+              <a:rPr lang="zh-TW" altLang="en-US" dirty="0" smtClean="0"/>
+              <a:t>發球</a:t>
+            </a:r>
+            <a:endParaRPr lang="zh-TW" altLang="en-US" dirty="0"/>
+          </a:p>
+        </p:txBody>
+      </p:sp>
+      <p:sp>
+        <p:nvSpPr>
+          <p:cNvPr id="111" name="矩形 110"/>
+          <p:cNvSpPr/>
+          <p:nvPr/>
+        </p:nvSpPr>
+        <p:spPr>
+          <a:xfrm>
+            <a:off x="19199868" y="3975182"/>
+            <a:ext cx="1851660" cy="972820"/>
+          </a:xfrm>
+          <a:prstGeom prst="rect">
+            <a:avLst/>
+          </a:prstGeom>
+        </p:spPr>
+        <p:style>
+          <a:lnRef idx="2">
+            <a:schemeClr val="accent1">
+              <a:shade val="50000"/>
+            </a:schemeClr>
+          </a:lnRef>
+          <a:fillRef idx="1">
+            <a:schemeClr val="accent1"/>
+          </a:fillRef>
+          <a:effectRef idx="0">
+            <a:schemeClr val="accent1"/>
+          </a:effectRef>
+          <a:fontRef idx="minor">
+            <a:schemeClr val="lt1"/>
+          </a:fontRef>
+        </p:style>
+        <p:txBody>
+          <a:bodyPr rtlCol="0" anchor="ctr"/>
+          <a:lstStyle/>
+          <a:p>
+            <a:pPr algn="ctr"/>
+            <a:r>
+              <a:rPr lang="zh-TW" altLang="en-US" dirty="0" smtClean="0"/>
+              <a:t>開始計算</a:t>
+            </a:r>
+            <a:r>
+              <a:rPr lang="en-US" altLang="zh-TW" dirty="0" smtClean="0"/>
+              <a:t>1P</a:t>
+            </a:r>
+            <a:r>
+              <a:rPr lang="zh-TW" altLang="en-US" dirty="0" smtClean="0"/>
+              <a:t>的回擊方向</a:t>
+            </a:r>
+            <a:endParaRPr lang="zh-TW" altLang="en-US" dirty="0"/>
+          </a:p>
+        </p:txBody>
+      </p:sp>
+      <p:sp>
+        <p:nvSpPr>
+          <p:cNvPr id="112" name="矩形 111"/>
+          <p:cNvSpPr/>
+          <p:nvPr/>
+        </p:nvSpPr>
+        <p:spPr>
+          <a:xfrm>
+            <a:off x="16575367" y="395581"/>
+            <a:ext cx="1851660" cy="972820"/>
+          </a:xfrm>
+          <a:prstGeom prst="rect">
+            <a:avLst/>
+          </a:prstGeom>
+        </p:spPr>
+        <p:style>
+          <a:lnRef idx="2">
+            <a:schemeClr val="accent1">
+              <a:shade val="50000"/>
+            </a:schemeClr>
+          </a:lnRef>
+          <a:fillRef idx="1">
+            <a:schemeClr val="accent1"/>
+          </a:fillRef>
+          <a:effectRef idx="0">
+            <a:schemeClr val="accent1"/>
+          </a:effectRef>
+          <a:fontRef idx="minor">
+            <a:schemeClr val="lt1"/>
+          </a:fontRef>
+        </p:style>
+        <p:txBody>
+          <a:bodyPr rtlCol="0" anchor="ctr"/>
+          <a:lstStyle/>
+          <a:p>
+            <a:pPr algn="ctr"/>
+            <a:r>
+              <a:rPr lang="zh-TW" altLang="en-US" dirty="0" smtClean="0"/>
+              <a:t>計算球落點</a:t>
+            </a:r>
+            <a:endParaRPr lang="zh-TW" altLang="en-US" dirty="0"/>
+          </a:p>
+        </p:txBody>
+      </p:sp>
+      <p:sp>
+        <p:nvSpPr>
+          <p:cNvPr id="113" name="矩形 112"/>
+          <p:cNvSpPr/>
+          <p:nvPr/>
+        </p:nvSpPr>
+        <p:spPr>
+          <a:xfrm>
+            <a:off x="19204704" y="-3097966"/>
+            <a:ext cx="1851660" cy="972820"/>
+          </a:xfrm>
+          <a:prstGeom prst="rect">
+            <a:avLst/>
+          </a:prstGeom>
+        </p:spPr>
+        <p:style>
+          <a:lnRef idx="2">
+            <a:schemeClr val="accent1">
+              <a:shade val="50000"/>
+            </a:schemeClr>
+          </a:lnRef>
+          <a:fillRef idx="1">
+            <a:schemeClr val="accent1"/>
+          </a:fillRef>
+          <a:effectRef idx="0">
+            <a:schemeClr val="accent1"/>
+          </a:effectRef>
+          <a:fontRef idx="minor">
+            <a:schemeClr val="lt1"/>
+          </a:fontRef>
+        </p:style>
+        <p:txBody>
+          <a:bodyPr rtlCol="0" anchor="ctr"/>
+          <a:lstStyle/>
+          <a:p>
+            <a:pPr algn="ctr"/>
+            <a:r>
+              <a:rPr lang="en-US" altLang="zh-TW" dirty="0" smtClean="0"/>
+              <a:t>2P</a:t>
+            </a:r>
+            <a:endParaRPr lang="zh-TW" altLang="en-US" dirty="0"/>
+          </a:p>
+        </p:txBody>
+      </p:sp>
+      <p:sp>
+        <p:nvSpPr>
+          <p:cNvPr id="114" name="矩形 113"/>
+          <p:cNvSpPr/>
+          <p:nvPr/>
+        </p:nvSpPr>
+        <p:spPr>
+          <a:xfrm>
+            <a:off x="16575366" y="-1964498"/>
+            <a:ext cx="1851660" cy="972820"/>
+          </a:xfrm>
+          <a:prstGeom prst="rect">
+            <a:avLst/>
+          </a:prstGeom>
+        </p:spPr>
+        <p:style>
+          <a:lnRef idx="2">
+            <a:schemeClr val="accent1">
+              <a:shade val="50000"/>
+            </a:schemeClr>
+          </a:lnRef>
+          <a:fillRef idx="1">
+            <a:schemeClr val="accent1"/>
+          </a:fillRef>
+          <a:effectRef idx="0">
+            <a:schemeClr val="accent1"/>
+          </a:effectRef>
+          <a:fontRef idx="minor">
+            <a:schemeClr val="lt1"/>
+          </a:fontRef>
+        </p:style>
+        <p:txBody>
+          <a:bodyPr rtlCol="0" anchor="ctr"/>
+          <a:lstStyle/>
+          <a:p>
+            <a:pPr algn="ctr"/>
+            <a:r>
+              <a:rPr lang="en-US" altLang="zh-TW" dirty="0" smtClean="0"/>
+              <a:t>1P</a:t>
+            </a:r>
+            <a:endParaRPr lang="zh-TW" altLang="en-US" dirty="0"/>
+          </a:p>
+        </p:txBody>
+      </p:sp>
+      <p:sp>
+        <p:nvSpPr>
+          <p:cNvPr id="115" name="矩形 114"/>
+          <p:cNvSpPr/>
+          <p:nvPr/>
+        </p:nvSpPr>
+        <p:spPr>
+          <a:xfrm>
+            <a:off x="16575367" y="1575621"/>
+            <a:ext cx="1851660" cy="972820"/>
+          </a:xfrm>
+          <a:prstGeom prst="rect">
+            <a:avLst/>
+          </a:prstGeom>
+        </p:spPr>
+        <p:style>
+          <a:lnRef idx="2">
+            <a:schemeClr val="accent1">
+              <a:shade val="50000"/>
+            </a:schemeClr>
+          </a:lnRef>
+          <a:fillRef idx="1">
+            <a:schemeClr val="accent1"/>
+          </a:fillRef>
+          <a:effectRef idx="0">
+            <a:schemeClr val="accent1"/>
+          </a:effectRef>
+          <a:fontRef idx="minor">
+            <a:schemeClr val="lt1"/>
+          </a:fontRef>
+        </p:style>
+        <p:txBody>
+          <a:bodyPr rtlCol="0" anchor="ctr"/>
+          <a:lstStyle/>
+          <a:p>
+            <a:pPr algn="ctr"/>
+            <a:r>
+              <a:rPr lang="zh-TW" altLang="en-US" dirty="0" smtClean="0"/>
+              <a:t>移動板子到落</a:t>
+            </a:r>
+            <a:r>
+              <a:rPr lang="zh-TW" altLang="en-US" dirty="0"/>
+              <a:t>點</a:t>
+            </a:r>
+          </a:p>
+        </p:txBody>
+      </p:sp>
+      <p:sp>
+        <p:nvSpPr>
+          <p:cNvPr id="116" name="矩形 115"/>
+          <p:cNvSpPr/>
+          <p:nvPr/>
+        </p:nvSpPr>
+        <p:spPr>
+          <a:xfrm>
+            <a:off x="16575367" y="2755661"/>
+            <a:ext cx="1851660" cy="972820"/>
+          </a:xfrm>
+          <a:prstGeom prst="rect">
+            <a:avLst/>
+          </a:prstGeom>
+        </p:spPr>
+        <p:style>
+          <a:lnRef idx="2">
+            <a:schemeClr val="accent1">
+              <a:shade val="50000"/>
+            </a:schemeClr>
+          </a:lnRef>
+          <a:fillRef idx="1">
+            <a:schemeClr val="accent1"/>
+          </a:fillRef>
+          <a:effectRef idx="0">
+            <a:schemeClr val="accent1"/>
+          </a:effectRef>
+          <a:fontRef idx="minor">
+            <a:schemeClr val="lt1"/>
+          </a:fontRef>
+        </p:style>
+        <p:txBody>
+          <a:bodyPr rtlCol="0" anchor="ctr"/>
+          <a:lstStyle/>
+          <a:p>
+            <a:pPr algn="ctr"/>
+            <a:r>
+              <a:rPr lang="zh-TW" altLang="en-US" dirty="0" smtClean="0"/>
+              <a:t>回擊</a:t>
+            </a:r>
+            <a:endParaRPr lang="zh-TW" altLang="en-US" dirty="0"/>
+          </a:p>
+        </p:txBody>
+      </p:sp>
+      <p:sp>
+        <p:nvSpPr>
+          <p:cNvPr id="117" name="矩形 116"/>
+          <p:cNvSpPr/>
+          <p:nvPr/>
+        </p:nvSpPr>
+        <p:spPr>
+          <a:xfrm>
+            <a:off x="19207001" y="6395370"/>
+            <a:ext cx="1851660" cy="972820"/>
+          </a:xfrm>
+          <a:prstGeom prst="rect">
+            <a:avLst/>
+          </a:prstGeom>
+        </p:spPr>
+        <p:style>
+          <a:lnRef idx="2">
+            <a:schemeClr val="accent1">
+              <a:shade val="50000"/>
+            </a:schemeClr>
+          </a:lnRef>
+          <a:fillRef idx="1">
+            <a:schemeClr val="accent1"/>
+          </a:fillRef>
+          <a:effectRef idx="0">
+            <a:schemeClr val="accent1"/>
+          </a:effectRef>
+          <a:fontRef idx="minor">
+            <a:schemeClr val="lt1"/>
+          </a:fontRef>
+        </p:style>
+        <p:txBody>
+          <a:bodyPr rtlCol="0" anchor="ctr"/>
+          <a:lstStyle/>
+          <a:p>
+            <a:pPr algn="ctr"/>
+            <a:r>
+              <a:rPr lang="zh-TW" altLang="en-US" dirty="0" smtClean="0"/>
+              <a:t>移動板子到落</a:t>
+            </a:r>
+            <a:r>
+              <a:rPr lang="zh-TW" altLang="en-US" dirty="0"/>
+              <a:t>點</a:t>
+            </a:r>
+          </a:p>
+        </p:txBody>
+      </p:sp>
+      <p:sp>
+        <p:nvSpPr>
+          <p:cNvPr id="118" name="矩形 117"/>
+          <p:cNvSpPr/>
+          <p:nvPr/>
+        </p:nvSpPr>
+        <p:spPr>
+          <a:xfrm>
+            <a:off x="19199868" y="7605464"/>
+            <a:ext cx="1851660" cy="972820"/>
+          </a:xfrm>
+          <a:prstGeom prst="rect">
+            <a:avLst/>
+          </a:prstGeom>
+        </p:spPr>
+        <p:style>
+          <a:lnRef idx="2">
+            <a:schemeClr val="accent1">
+              <a:shade val="50000"/>
+            </a:schemeClr>
+          </a:lnRef>
+          <a:fillRef idx="1">
+            <a:schemeClr val="accent1"/>
+          </a:fillRef>
+          <a:effectRef idx="0">
+            <a:schemeClr val="accent1"/>
+          </a:effectRef>
+          <a:fontRef idx="minor">
+            <a:schemeClr val="lt1"/>
+          </a:fontRef>
+        </p:style>
+        <p:txBody>
+          <a:bodyPr rtlCol="0" anchor="ctr"/>
+          <a:lstStyle/>
+          <a:p>
+            <a:pPr algn="ctr"/>
+            <a:r>
+              <a:rPr lang="zh-TW" altLang="en-US" dirty="0" smtClean="0"/>
+              <a:t>回擊</a:t>
+            </a:r>
+            <a:endParaRPr lang="zh-TW" altLang="en-US" dirty="0"/>
+          </a:p>
+        </p:txBody>
+      </p:sp>
+      <p:cxnSp>
+        <p:nvCxnSpPr>
+          <p:cNvPr id="119" name="直線單箭頭接點 118"/>
+          <p:cNvCxnSpPr>
+            <a:stCxn id="113" idx="2"/>
+            <a:endCxn id="110" idx="0"/>
+          </p:cNvCxnSpPr>
+          <p:nvPr/>
+        </p:nvCxnSpPr>
+        <p:spPr>
+          <a:xfrm>
+            <a:off x="20130534" y="-2125146"/>
+            <a:ext cx="0" cy="237274"/>
+          </a:xfrm>
+          <a:prstGeom prst="straightConnector1">
+            <a:avLst/>
+          </a:prstGeom>
+        </p:spPr>
+        <p:style>
+          <a:lnRef idx="1">
+            <a:schemeClr val="accent1"/>
+          </a:lnRef>
+          <a:fillRef idx="0">
+            <a:schemeClr val="accent1"/>
+          </a:fillRef>
+          <a:effectRef idx="0">
+            <a:schemeClr val="accent1"/>
+          </a:effectRef>
+          <a:fontRef idx="minor">
+            <a:schemeClr val="tx1"/>
+          </a:fontRef>
+        </p:style>
+      </p:cxnSp>
+      <p:cxnSp>
+        <p:nvCxnSpPr>
+          <p:cNvPr id="120" name="直線單箭頭接點 119"/>
+          <p:cNvCxnSpPr>
+            <a:stCxn id="112" idx="2"/>
+            <a:endCxn id="115" idx="0"/>
+          </p:cNvCxnSpPr>
+          <p:nvPr/>
+        </p:nvCxnSpPr>
+        <p:spPr>
+          <a:xfrm>
+            <a:off x="17501197" y="1368401"/>
+            <a:ext cx="0" cy="207220"/>
+          </a:xfrm>
+          <a:prstGeom prst="straightConnector1">
+            <a:avLst/>
+          </a:prstGeom>
+        </p:spPr>
+        <p:style>
+          <a:lnRef idx="1">
+            <a:schemeClr val="accent1"/>
+          </a:lnRef>
+          <a:fillRef idx="0">
+            <a:schemeClr val="accent1"/>
+          </a:fillRef>
+          <a:effectRef idx="0">
+            <a:schemeClr val="accent1"/>
+          </a:effectRef>
+          <a:fontRef idx="minor">
+            <a:schemeClr val="tx1"/>
+          </a:fontRef>
+        </p:style>
+      </p:cxnSp>
+      <p:cxnSp>
+        <p:nvCxnSpPr>
+          <p:cNvPr id="121" name="直線單箭頭接點 120"/>
+          <p:cNvCxnSpPr>
+            <a:stCxn id="115" idx="2"/>
+            <a:endCxn id="116" idx="0"/>
+          </p:cNvCxnSpPr>
+          <p:nvPr/>
+        </p:nvCxnSpPr>
+        <p:spPr>
+          <a:xfrm>
+            <a:off x="17501197" y="2548441"/>
+            <a:ext cx="0" cy="207220"/>
+          </a:xfrm>
+          <a:prstGeom prst="straightConnector1">
+            <a:avLst/>
+          </a:prstGeom>
+        </p:spPr>
+        <p:style>
+          <a:lnRef idx="1">
+            <a:schemeClr val="accent1"/>
+          </a:lnRef>
+          <a:fillRef idx="0">
+            <a:schemeClr val="accent1"/>
+          </a:fillRef>
+          <a:effectRef idx="0">
+            <a:schemeClr val="accent1"/>
+          </a:effectRef>
+          <a:fontRef idx="minor">
+            <a:schemeClr val="tx1"/>
+          </a:fontRef>
+        </p:style>
+      </p:cxnSp>
+      <p:sp>
+        <p:nvSpPr>
+          <p:cNvPr id="122" name="矩形 121"/>
+          <p:cNvSpPr/>
+          <p:nvPr/>
+        </p:nvSpPr>
+        <p:spPr>
+          <a:xfrm>
+            <a:off x="19212831" y="5185276"/>
+            <a:ext cx="1851660" cy="972820"/>
+          </a:xfrm>
+          <a:prstGeom prst="rect">
+            <a:avLst/>
+          </a:prstGeom>
+        </p:spPr>
+        <p:style>
+          <a:lnRef idx="2">
+            <a:schemeClr val="accent1">
+              <a:shade val="50000"/>
+            </a:schemeClr>
+          </a:lnRef>
+          <a:fillRef idx="1">
+            <a:schemeClr val="accent1"/>
+          </a:fillRef>
+          <a:effectRef idx="0">
+            <a:schemeClr val="accent1"/>
+          </a:effectRef>
+          <a:fontRef idx="minor">
+            <a:schemeClr val="lt1"/>
+          </a:fontRef>
+        </p:style>
+        <p:txBody>
+          <a:bodyPr rtlCol="0" anchor="ctr"/>
+          <a:lstStyle/>
+          <a:p>
+            <a:pPr algn="ctr"/>
+            <a:r>
+              <a:rPr lang="zh-TW" altLang="en-US" dirty="0" smtClean="0"/>
+              <a:t>計算球落點</a:t>
+            </a:r>
+            <a:endParaRPr lang="zh-TW" altLang="en-US" dirty="0"/>
+          </a:p>
+        </p:txBody>
+      </p:sp>
+      <p:cxnSp>
+        <p:nvCxnSpPr>
+          <p:cNvPr id="123" name="直線單箭頭接點 122"/>
+          <p:cNvCxnSpPr>
+            <a:stCxn id="122" idx="2"/>
+          </p:cNvCxnSpPr>
+          <p:nvPr/>
+        </p:nvCxnSpPr>
+        <p:spPr>
+          <a:xfrm>
+            <a:off x="20138661" y="6158096"/>
+            <a:ext cx="0" cy="282883"/>
+          </a:xfrm>
+          <a:prstGeom prst="straightConnector1">
+            <a:avLst/>
+          </a:prstGeom>
+        </p:spPr>
+        <p:style>
+          <a:lnRef idx="1">
+            <a:schemeClr val="accent1"/>
+          </a:lnRef>
+          <a:fillRef idx="0">
+            <a:schemeClr val="accent1"/>
+          </a:fillRef>
+          <a:effectRef idx="0">
+            <a:schemeClr val="accent1"/>
+          </a:effectRef>
+          <a:fontRef idx="minor">
+            <a:schemeClr val="tx1"/>
+          </a:fontRef>
+        </p:style>
+      </p:cxnSp>
+      <p:cxnSp>
+        <p:nvCxnSpPr>
+          <p:cNvPr id="124" name="直線單箭頭接點 123"/>
+          <p:cNvCxnSpPr>
+            <a:stCxn id="117" idx="2"/>
+            <a:endCxn id="118" idx="0"/>
+          </p:cNvCxnSpPr>
+          <p:nvPr/>
+        </p:nvCxnSpPr>
+        <p:spPr>
+          <a:xfrm flipH="1">
+            <a:off x="20125698" y="7368190"/>
+            <a:ext cx="7133" cy="237274"/>
+          </a:xfrm>
+          <a:prstGeom prst="straightConnector1">
+            <a:avLst/>
+          </a:prstGeom>
+        </p:spPr>
+        <p:style>
+          <a:lnRef idx="1">
+            <a:schemeClr val="accent1"/>
+          </a:lnRef>
+          <a:fillRef idx="0">
+            <a:schemeClr val="accent1"/>
+          </a:fillRef>
+          <a:effectRef idx="0">
+            <a:schemeClr val="accent1"/>
+          </a:effectRef>
+          <a:fontRef idx="minor">
+            <a:schemeClr val="tx1"/>
+          </a:fontRef>
+        </p:style>
+      </p:cxnSp>
+      <p:cxnSp>
+        <p:nvCxnSpPr>
+          <p:cNvPr id="125" name="直線單箭頭接點 124"/>
+          <p:cNvCxnSpPr>
+            <a:stCxn id="110" idx="2"/>
+            <a:endCxn id="111" idx="0"/>
+          </p:cNvCxnSpPr>
+          <p:nvPr/>
+        </p:nvCxnSpPr>
+        <p:spPr>
+          <a:xfrm flipH="1">
+            <a:off x="20125698" y="-915052"/>
+            <a:ext cx="4836" cy="4890234"/>
+          </a:xfrm>
+          <a:prstGeom prst="straightConnector1">
+            <a:avLst/>
+          </a:prstGeom>
+        </p:spPr>
+        <p:style>
+          <a:lnRef idx="1">
+            <a:schemeClr val="accent1"/>
+          </a:lnRef>
+          <a:fillRef idx="0">
+            <a:schemeClr val="accent1"/>
+          </a:fillRef>
+          <a:effectRef idx="0">
+            <a:schemeClr val="accent1"/>
+          </a:effectRef>
+          <a:fontRef idx="minor">
+            <a:schemeClr val="tx1"/>
+          </a:fontRef>
+        </p:style>
+      </p:cxnSp>
+      <p:cxnSp>
+        <p:nvCxnSpPr>
+          <p:cNvPr id="126" name="肘形接點 125"/>
+          <p:cNvCxnSpPr>
+            <a:stCxn id="118" idx="2"/>
+            <a:endCxn id="111" idx="1"/>
+          </p:cNvCxnSpPr>
+          <p:nvPr/>
+        </p:nvCxnSpPr>
+        <p:spPr>
+          <a:xfrm rot="5400000" flipH="1">
+            <a:off x="17604437" y="6057023"/>
+            <a:ext cx="4116692" cy="925830"/>
+          </a:xfrm>
+          <a:prstGeom prst="bentConnector4">
+            <a:avLst>
+              <a:gd name="adj1" fmla="val -5553"/>
+              <a:gd name="adj2" fmla="val 124691"/>
+            </a:avLst>
+          </a:prstGeom>
+        </p:spPr>
+        <p:style>
+          <a:lnRef idx="1">
+            <a:schemeClr val="accent1"/>
+          </a:lnRef>
+          <a:fillRef idx="0">
+            <a:schemeClr val="accent1"/>
+          </a:fillRef>
+          <a:effectRef idx="0">
+            <a:schemeClr val="accent1"/>
+          </a:effectRef>
+          <a:fontRef idx="minor">
+            <a:schemeClr val="tx1"/>
+          </a:fontRef>
+        </p:style>
+      </p:cxnSp>
+      <p:sp>
+        <p:nvSpPr>
+          <p:cNvPr id="127" name="矩形 126"/>
+          <p:cNvSpPr/>
+          <p:nvPr/>
+        </p:nvSpPr>
+        <p:spPr>
+          <a:xfrm>
+            <a:off x="16575367" y="-784458"/>
+            <a:ext cx="1851660" cy="972820"/>
+          </a:xfrm>
+          <a:prstGeom prst="rect">
+            <a:avLst/>
+          </a:prstGeom>
+        </p:spPr>
+        <p:style>
+          <a:lnRef idx="2">
+            <a:schemeClr val="accent1">
+              <a:shade val="50000"/>
+            </a:schemeClr>
+          </a:lnRef>
+          <a:fillRef idx="1">
+            <a:schemeClr val="accent1"/>
+          </a:fillRef>
+          <a:effectRef idx="0">
+            <a:schemeClr val="accent1"/>
+          </a:effectRef>
+          <a:fontRef idx="minor">
+            <a:schemeClr val="lt1"/>
+          </a:fontRef>
+        </p:style>
+        <p:txBody>
+          <a:bodyPr rtlCol="0" anchor="ctr"/>
+          <a:lstStyle/>
+          <a:p>
+            <a:pPr algn="ctr"/>
+            <a:r>
+              <a:rPr lang="zh-TW" altLang="en-US" dirty="0" smtClean="0"/>
+              <a:t>開始計算</a:t>
+            </a:r>
+            <a:r>
+              <a:rPr lang="en-US" altLang="zh-TW" dirty="0" smtClean="0"/>
+              <a:t>2P</a:t>
+            </a:r>
+            <a:r>
+              <a:rPr lang="zh-TW" altLang="en-US" dirty="0" smtClean="0"/>
+              <a:t>的回擊方向</a:t>
+            </a:r>
+            <a:endParaRPr lang="zh-TW" altLang="en-US" dirty="0"/>
+          </a:p>
+        </p:txBody>
+      </p:sp>
+      <p:cxnSp>
+        <p:nvCxnSpPr>
+          <p:cNvPr id="128" name="肘形接點 127"/>
+          <p:cNvCxnSpPr>
+            <a:stCxn id="116" idx="2"/>
+            <a:endCxn id="127" idx="3"/>
+          </p:cNvCxnSpPr>
+          <p:nvPr/>
+        </p:nvCxnSpPr>
+        <p:spPr>
+          <a:xfrm rot="5400000" flipH="1" flipV="1">
+            <a:off x="15950847" y="1252302"/>
+            <a:ext cx="4026529" cy="925830"/>
+          </a:xfrm>
+          <a:prstGeom prst="bentConnector4">
+            <a:avLst>
+              <a:gd name="adj1" fmla="val -5677"/>
+              <a:gd name="adj2" fmla="val 124691"/>
+            </a:avLst>
+          </a:prstGeom>
+        </p:spPr>
+        <p:style>
+          <a:lnRef idx="1">
+            <a:schemeClr val="accent1"/>
+          </a:lnRef>
+          <a:fillRef idx="0">
+            <a:schemeClr val="accent1"/>
+          </a:fillRef>
+          <a:effectRef idx="0">
+            <a:schemeClr val="accent1"/>
+          </a:effectRef>
+          <a:fontRef idx="minor">
+            <a:schemeClr val="tx1"/>
+          </a:fontRef>
+        </p:style>
+      </p:cxnSp>
+      <p:cxnSp>
+        <p:nvCxnSpPr>
+          <p:cNvPr id="129" name="直線單箭頭接點 128"/>
+          <p:cNvCxnSpPr>
+            <a:stCxn id="111" idx="2"/>
+            <a:endCxn id="122" idx="0"/>
+          </p:cNvCxnSpPr>
+          <p:nvPr/>
+        </p:nvCxnSpPr>
+        <p:spPr>
+          <a:xfrm>
+            <a:off x="20125698" y="4948002"/>
+            <a:ext cx="12963" cy="237274"/>
+          </a:xfrm>
+          <a:prstGeom prst="straightConnector1">
+            <a:avLst/>
+          </a:prstGeom>
+        </p:spPr>
+        <p:style>
+          <a:lnRef idx="1">
+            <a:schemeClr val="accent1"/>
+          </a:lnRef>
+          <a:fillRef idx="0">
+            <a:schemeClr val="accent1"/>
+          </a:fillRef>
+          <a:effectRef idx="0">
+            <a:schemeClr val="accent1"/>
+          </a:effectRef>
+          <a:fontRef idx="minor">
+            <a:schemeClr val="tx1"/>
+          </a:fontRef>
+        </p:style>
+      </p:cxnSp>
+      <p:cxnSp>
+        <p:nvCxnSpPr>
+          <p:cNvPr id="130" name="直線單箭頭接點 129"/>
+          <p:cNvCxnSpPr>
+            <a:stCxn id="114" idx="2"/>
+            <a:endCxn id="127" idx="0"/>
+          </p:cNvCxnSpPr>
+          <p:nvPr/>
+        </p:nvCxnSpPr>
+        <p:spPr>
+          <a:xfrm>
+            <a:off x="17501196" y="-991678"/>
+            <a:ext cx="1" cy="207220"/>
+          </a:xfrm>
+          <a:prstGeom prst="straightConnector1">
+            <a:avLst/>
+          </a:prstGeom>
+        </p:spPr>
+        <p:style>
+          <a:lnRef idx="1">
+            <a:schemeClr val="accent1"/>
+          </a:lnRef>
+          <a:fillRef idx="0">
+            <a:schemeClr val="accent1"/>
+          </a:fillRef>
+          <a:effectRef idx="0">
+            <a:schemeClr val="accent1"/>
+          </a:effectRef>
+          <a:fontRef idx="minor">
+            <a:schemeClr val="tx1"/>
+          </a:fontRef>
+        </p:style>
+      </p:cxnSp>
+      <p:cxnSp>
+        <p:nvCxnSpPr>
+          <p:cNvPr id="131" name="直線單箭頭接點 130"/>
+          <p:cNvCxnSpPr>
+            <a:stCxn id="127" idx="2"/>
+            <a:endCxn id="127" idx="2"/>
+          </p:cNvCxnSpPr>
+          <p:nvPr/>
+        </p:nvCxnSpPr>
+        <p:spPr>
+          <a:xfrm>
+            <a:off x="17501197" y="188362"/>
+            <a:ext cx="0" cy="0"/>
+          </a:xfrm>
+          <a:prstGeom prst="straightConnector1">
+            <a:avLst/>
+          </a:prstGeom>
+        </p:spPr>
+        <p:style>
+          <a:lnRef idx="1">
+            <a:schemeClr val="accent1"/>
+          </a:lnRef>
+          <a:fillRef idx="0">
+            <a:schemeClr val="accent1"/>
+          </a:fillRef>
+          <a:effectRef idx="0">
+            <a:schemeClr val="accent1"/>
+          </a:effectRef>
+          <a:fontRef idx="minor">
+            <a:schemeClr val="tx1"/>
+          </a:fontRef>
+        </p:style>
+      </p:cxnSp>
+      <p:cxnSp>
+        <p:nvCxnSpPr>
+          <p:cNvPr id="132" name="直線單箭頭接點 131"/>
+          <p:cNvCxnSpPr>
+            <a:stCxn id="127" idx="2"/>
+            <a:endCxn id="112" idx="0"/>
+          </p:cNvCxnSpPr>
+          <p:nvPr/>
+        </p:nvCxnSpPr>
+        <p:spPr>
+          <a:xfrm>
+            <a:off x="17501197" y="188362"/>
+            <a:ext cx="0" cy="207219"/>
+          </a:xfrm>
+          <a:prstGeom prst="straightConnector1">
+            <a:avLst/>
+          </a:prstGeom>
+        </p:spPr>
+        <p:style>
+          <a:lnRef idx="1">
+            <a:schemeClr val="accent1"/>
+          </a:lnRef>
+          <a:fillRef idx="0">
+            <a:schemeClr val="accent1"/>
+          </a:fillRef>
+          <a:effectRef idx="0">
+            <a:schemeClr val="accent1"/>
+          </a:effectRef>
+          <a:fontRef idx="minor">
+            <a:schemeClr val="tx1"/>
+          </a:fontRef>
+        </p:style>
+      </p:cxnSp>
+      <p:pic>
+        <p:nvPicPr>
+          <p:cNvPr id="136" name="圖片 135"/>
+          <p:cNvPicPr>
+            <a:picLocks noChangeAspect="1"/>
+          </p:cNvPicPr>
+          <p:nvPr/>
+        </p:nvPicPr>
+        <p:blipFill>
+          <a:blip r:embed="rId2">
+            <a:extLst>
+              <a:ext uri="{28A0092B-C50C-407E-A947-70E740481C1C}">
+                <a14:useLocalDpi xmlns:a14="http://schemas.microsoft.com/office/drawing/2010/main" val="0"/>
+              </a:ext>
+            </a:extLst>
+          </a:blip>
+          <a:stretch>
+            <a:fillRect/>
+          </a:stretch>
+        </p:blipFill>
+        <p:spPr>
+          <a:xfrm>
+            <a:off x="1065212" y="2157909"/>
+            <a:ext cx="5501763" cy="1443363"/>
+          </a:xfrm>
+          <a:prstGeom prst="rect">
+            <a:avLst/>
+          </a:prstGeom>
+        </p:spPr>
+      </p:pic>
+      <p:grpSp>
+        <p:nvGrpSpPr>
+          <p:cNvPr id="138" name="群組 137"/>
+          <p:cNvGrpSpPr/>
+          <p:nvPr/>
+        </p:nvGrpSpPr>
+        <p:grpSpPr>
+          <a:xfrm>
+            <a:off x="1065212" y="3958254"/>
+            <a:ext cx="5501763" cy="902439"/>
+            <a:chOff x="1065212" y="3975182"/>
+            <a:chExt cx="5501763" cy="902439"/>
+          </a:xfrm>
+        </p:grpSpPr>
+        <p:pic>
+          <p:nvPicPr>
+            <p:cNvPr id="135" name="圖片 134"/>
+            <p:cNvPicPr>
+              <a:picLocks noChangeAspect="1"/>
+            </p:cNvPicPr>
+            <p:nvPr/>
+          </p:nvPicPr>
+          <p:blipFill>
+            <a:blip r:embed="rId3">
+              <a:extLst>
+                <a:ext uri="{28A0092B-C50C-407E-A947-70E740481C1C}">
+                  <a14:useLocalDpi xmlns:a14="http://schemas.microsoft.com/office/drawing/2010/main" val="0"/>
+                </a:ext>
+              </a:extLst>
+            </a:blip>
+            <a:stretch>
+              <a:fillRect/>
+            </a:stretch>
+          </p:blipFill>
+          <p:spPr>
+            <a:xfrm>
+              <a:off x="1065212" y="3979374"/>
+              <a:ext cx="5501763" cy="898247"/>
+            </a:xfrm>
+            <a:prstGeom prst="rect">
+              <a:avLst/>
+            </a:prstGeom>
+          </p:spPr>
+        </p:pic>
+        <p:sp>
+          <p:nvSpPr>
+            <p:cNvPr id="137" name="矩形 136"/>
+            <p:cNvSpPr/>
+            <p:nvPr/>
+          </p:nvSpPr>
+          <p:spPr>
+            <a:xfrm>
+              <a:off x="1065212" y="3975182"/>
+              <a:ext cx="5501763" cy="893978"/>
+            </a:xfrm>
+            <a:prstGeom prst="rect">
+              <a:avLst/>
+            </a:prstGeom>
+            <a:noFill/>
+            <a:ln w="38100">
+              <a:solidFill>
+                <a:srgbClr val="FF0000"/>
+              </a:solidFill>
+            </a:ln>
+          </p:spPr>
+          <p:style>
+            <a:lnRef idx="1">
+              <a:schemeClr val="accent2"/>
+            </a:lnRef>
+            <a:fillRef idx="2">
+              <a:schemeClr val="accent2"/>
+            </a:fillRef>
+            <a:effectRef idx="1">
+              <a:schemeClr val="accent2"/>
+            </a:effectRef>
+            <a:fontRef idx="minor">
+              <a:schemeClr val="dk1"/>
+            </a:fontRef>
+          </p:style>
+          <p:txBody>
+            <a:bodyPr rtlCol="0" anchor="ctr"/>
+            <a:lstStyle/>
+            <a:p>
+              <a:pPr algn="ctr"/>
+              <a:endParaRPr lang="zh-TW" altLang="en-US" dirty="0"/>
+            </a:p>
+          </p:txBody>
+        </p:sp>
+      </p:grpSp>
+      <p:sp>
+        <p:nvSpPr>
+          <p:cNvPr id="139" name="矩形 138"/>
+          <p:cNvSpPr/>
+          <p:nvPr/>
+        </p:nvSpPr>
+        <p:spPr>
+          <a:xfrm>
+            <a:off x="7618983" y="4158981"/>
+            <a:ext cx="1093547" cy="498652"/>
+          </a:xfrm>
+          <a:prstGeom prst="rect">
+            <a:avLst/>
+          </a:prstGeom>
+          <a:noFill/>
+          <a:ln w="38100">
+            <a:solidFill>
+              <a:srgbClr val="FF0000"/>
+            </a:solidFill>
+          </a:ln>
+        </p:spPr>
+        <p:style>
+          <a:lnRef idx="1">
+            <a:schemeClr val="accent2"/>
+          </a:lnRef>
+          <a:fillRef idx="2">
+            <a:schemeClr val="accent2"/>
+          </a:fillRef>
+          <a:effectRef idx="1">
+            <a:schemeClr val="accent2"/>
+          </a:effectRef>
+          <a:fontRef idx="minor">
+            <a:schemeClr val="dk1"/>
+          </a:fontRef>
+        </p:style>
+        <p:txBody>
+          <a:bodyPr rtlCol="0" anchor="ctr"/>
+          <a:lstStyle/>
+          <a:p>
+            <a:pPr algn="ctr"/>
+            <a:endParaRPr lang="zh-TW" altLang="en-US" dirty="0"/>
+          </a:p>
+        </p:txBody>
+      </p:sp>
+      <p:cxnSp>
+        <p:nvCxnSpPr>
+          <p:cNvPr id="147" name="直線接點 146"/>
+          <p:cNvCxnSpPr/>
+          <p:nvPr/>
+        </p:nvCxnSpPr>
+        <p:spPr>
+          <a:xfrm>
+            <a:off x="6566975" y="3949793"/>
+            <a:ext cx="1056754" cy="209188"/>
+          </a:xfrm>
+          <a:prstGeom prst="line">
+            <a:avLst/>
+          </a:prstGeom>
+          <a:ln w="38100">
+            <a:solidFill>
+              <a:srgbClr val="FF0000"/>
+            </a:solidFill>
+          </a:ln>
+        </p:spPr>
+        <p:style>
+          <a:lnRef idx="1">
+            <a:schemeClr val="accent1"/>
+          </a:lnRef>
+          <a:fillRef idx="0">
+            <a:schemeClr val="accent1"/>
+          </a:fillRef>
+          <a:effectRef idx="0">
+            <a:schemeClr val="accent1"/>
+          </a:effectRef>
+          <a:fontRef idx="minor">
+            <a:schemeClr val="tx1"/>
+          </a:fontRef>
+        </p:style>
+      </p:cxnSp>
+      <p:cxnSp>
+        <p:nvCxnSpPr>
+          <p:cNvPr id="149" name="直線接點 148"/>
+          <p:cNvCxnSpPr/>
+          <p:nvPr/>
+        </p:nvCxnSpPr>
+        <p:spPr>
+          <a:xfrm flipV="1">
+            <a:off x="6566975" y="4657634"/>
+            <a:ext cx="1049184" cy="194598"/>
+          </a:xfrm>
+          <a:prstGeom prst="line">
+            <a:avLst/>
+          </a:prstGeom>
+          <a:ln w="38100">
+            <a:solidFill>
+              <a:srgbClr val="FF0000"/>
+            </a:solidFill>
+          </a:ln>
+        </p:spPr>
+        <p:style>
+          <a:lnRef idx="1">
+            <a:schemeClr val="accent1"/>
+          </a:lnRef>
+          <a:fillRef idx="0">
+            <a:schemeClr val="accent1"/>
+          </a:fillRef>
+          <a:effectRef idx="0">
+            <a:schemeClr val="accent1"/>
+          </a:effectRef>
+          <a:fontRef idx="minor">
+            <a:schemeClr val="tx1"/>
+          </a:fontRef>
+        </p:style>
+      </p:cxnSp>
+      <p:cxnSp>
+        <p:nvCxnSpPr>
+          <p:cNvPr id="156" name="直線單箭頭接點 155"/>
+          <p:cNvCxnSpPr>
+            <a:stCxn id="136" idx="2"/>
+            <a:endCxn id="135" idx="0"/>
+          </p:cNvCxnSpPr>
+          <p:nvPr/>
+        </p:nvCxnSpPr>
+        <p:spPr>
+          <a:xfrm>
+            <a:off x="3816094" y="3601272"/>
+            <a:ext cx="0" cy="361174"/>
+          </a:xfrm>
+          <a:prstGeom prst="straightConnector1">
+            <a:avLst/>
+          </a:prstGeom>
+          <a:ln w="38100">
+            <a:solidFill>
+              <a:srgbClr val="FF0000"/>
+            </a:solidFill>
+            <a:tailEnd type="triangle"/>
+          </a:ln>
+        </p:spPr>
+        <p:style>
+          <a:lnRef idx="1">
+            <a:schemeClr val="accent1"/>
+          </a:lnRef>
+          <a:fillRef idx="0">
+            <a:schemeClr val="accent1"/>
+          </a:fillRef>
+          <a:effectRef idx="0">
+            <a:schemeClr val="accent1"/>
+          </a:effectRef>
+          <a:fontRef idx="minor">
+            <a:schemeClr val="tx1"/>
+          </a:fontRef>
+        </p:style>
+      </p:cxnSp>
+      <p:sp>
+        <p:nvSpPr>
+          <p:cNvPr id="157" name="矩形 156"/>
+          <p:cNvSpPr/>
+          <p:nvPr/>
+        </p:nvSpPr>
+        <p:spPr>
+          <a:xfrm>
+            <a:off x="973186" y="1758543"/>
+            <a:ext cx="2492990" cy="369332"/>
+          </a:xfrm>
+          <a:prstGeom prst="rect">
+            <a:avLst/>
+          </a:prstGeom>
+        </p:spPr>
+        <p:txBody>
+          <a:bodyPr wrap="none">
+            <a:spAutoFit/>
+          </a:bodyPr>
+          <a:lstStyle/>
+          <a:p>
+            <a:r>
+              <a:rPr lang="zh-TW" altLang="en-US" dirty="0" smtClean="0"/>
+              <a:t>判斷球是向上或是向下</a:t>
+            </a:r>
+            <a:endParaRPr lang="zh-TW" altLang="en-US" dirty="0"/>
+          </a:p>
+        </p:txBody>
+      </p:sp>
+      <p:sp>
+        <p:nvSpPr>
+          <p:cNvPr id="158" name="矩形 157"/>
+          <p:cNvSpPr/>
+          <p:nvPr/>
+        </p:nvSpPr>
+        <p:spPr>
+          <a:xfrm>
+            <a:off x="945950" y="3595975"/>
+            <a:ext cx="2723823" cy="369332"/>
+          </a:xfrm>
+          <a:prstGeom prst="rect">
+            <a:avLst/>
+          </a:prstGeom>
+        </p:spPr>
+        <p:txBody>
+          <a:bodyPr wrap="none">
+            <a:spAutoFit/>
+          </a:bodyPr>
+          <a:lstStyle/>
+          <a:p>
+            <a:r>
+              <a:rPr lang="zh-TW" altLang="en-US" dirty="0"/>
+              <a:t>再</a:t>
+            </a:r>
+            <a:r>
+              <a:rPr lang="zh-TW" altLang="en-US" dirty="0" smtClean="0"/>
+              <a:t>判斷</a:t>
+            </a:r>
+            <a:r>
+              <a:rPr lang="zh-TW" altLang="en-US" dirty="0"/>
+              <a:t>球是</a:t>
+            </a:r>
+            <a:r>
+              <a:rPr lang="zh-TW" altLang="en-US" dirty="0" smtClean="0"/>
+              <a:t>向左或是向右</a:t>
+            </a:r>
+            <a:endParaRPr lang="zh-TW" altLang="en-US" dirty="0"/>
+          </a:p>
+        </p:txBody>
+      </p:sp>
+    </p:spTree>
+    <p:extLst>
+      <p:ext uri="{BB962C8B-B14F-4D97-AF65-F5344CB8AC3E}">
+        <p14:creationId xmlns:p14="http://schemas.microsoft.com/office/powerpoint/2010/main" val="2634129292"/>
+      </p:ext>
+    </p:extLst>
+  </p:cSld>
+  <p:clrMapOvr>
+    <a:masterClrMapping/>
+  </p:clrMapOvr>
+  <mc:AlternateContent xmlns:mc="http://schemas.openxmlformats.org/markup-compatibility/2006" xmlns:p14="http://schemas.microsoft.com/office/powerpoint/2010/main">
+    <mc:Choice Requires="p14">
+      <p:transition spd="med" p14:dur="700">
+        <p:fade/>
+      </p:transition>
+    </mc:Choice>
+    <mc:Fallback xmlns="">
+      <p:transition spd="med">
+        <p:fade/>
+      </p:transition>
+    </mc:Fallback>
+  </mc:AlternateContent>
+  <p:timing>
+    <p:tnLst>
+      <p:par>
+        <p:cTn id="1" dur="indefinite" restart="never" nodeType="tmRoot"/>
+      </p:par>
+    </p:tnLst>
+  </p:timing>
 </p:sld>
 </file>
 
@@ -11686,13 +13925,6 @@
                 </a:rPr>
                 <a:t>專案設計</a:t>
               </a:r>
-              <a:endParaRPr lang="zh-TW" altLang="en-US" sz="2800" dirty="0" smtClean="0">
-                <a:solidFill>
-                  <a:schemeClr val="accent4">
-                    <a:lumMod val="50000"/>
-                  </a:schemeClr>
-                </a:solidFill>
-              </a:endParaRPr>
             </a:p>
           </p:txBody>
         </p:sp>
@@ -11823,11 +14055,7 @@
             </a:r>
             <a:r>
               <a:rPr lang="zh-TW" altLang="en-US" sz="2400" dirty="0" smtClean="0"/>
-              <a:t>來學習如何回</a:t>
-            </a:r>
-            <a:r>
-              <a:rPr lang="zh-TW" altLang="en-US" sz="2400" dirty="0" smtClean="0"/>
-              <a:t>擊球</a:t>
+              <a:t>來學習如何回擊球</a:t>
             </a:r>
             <a:r>
               <a:rPr lang="en-US" altLang="zh-TW" sz="2400" dirty="0" smtClean="0"/>
@@ -12102,7 +14330,7 @@
             <p:ph idx="1"/>
             <p:extLst>
               <p:ext uri="{D42A27DB-BD31-4B8C-83A1-F6EECF244321}">
-                <p14:modId xmlns:p14="http://schemas.microsoft.com/office/powerpoint/2010/main" val="740199241"/>
+                <p14:modId xmlns:p14="http://schemas.microsoft.com/office/powerpoint/2010/main" val="539356179"/>
               </p:ext>
             </p:extLst>
           </p:nvPr>
@@ -12143,6 +14371,621 @@
 </file>
 
 <file path=ppt/slides/slide5.xml><?xml version="1.0" encoding="utf-8"?>
+<p:sld xmlns:a="http://schemas.openxmlformats.org/drawingml/2006/main" xmlns:r="http://schemas.openxmlformats.org/officeDocument/2006/relationships" xmlns:p="http://schemas.openxmlformats.org/presentationml/2006/main">
+  <p:cSld>
+    <p:spTree>
+      <p:nvGrpSpPr>
+        <p:cNvPr id="1" name=""/>
+        <p:cNvGrpSpPr/>
+        <p:nvPr/>
+      </p:nvGrpSpPr>
+      <p:grpSpPr>
+        <a:xfrm>
+          <a:off x="0" y="0"/>
+          <a:ext cx="0" cy="0"/>
+          <a:chOff x="0" y="0"/>
+          <a:chExt cx="0" cy="0"/>
+        </a:xfrm>
+      </p:grpSpPr>
+      <p:sp>
+        <p:nvSpPr>
+          <p:cNvPr id="2" name="標題 1"/>
+          <p:cNvSpPr>
+            <a:spLocks noGrp="1"/>
+          </p:cNvSpPr>
+          <p:nvPr>
+            <p:ph type="title"/>
+          </p:nvPr>
+        </p:nvSpPr>
+        <p:spPr/>
+        <p:txBody>
+          <a:bodyPr/>
+          <a:lstStyle/>
+          <a:p>
+            <a:r>
+              <a:rPr lang="zh-TW" altLang="en-US" dirty="0"/>
+              <a:t>專案</a:t>
+            </a:r>
+            <a:r>
+              <a:rPr lang="zh-TW" altLang="en-US" dirty="0" smtClean="0"/>
+              <a:t>分析</a:t>
+            </a:r>
+            <a:r>
+              <a:rPr lang="en-US" altLang="zh-TW" dirty="0" smtClean="0"/>
+              <a:t>-</a:t>
+            </a:r>
+            <a:r>
+              <a:rPr lang="zh-TW" altLang="en-US" dirty="0" smtClean="0"/>
+              <a:t>功能模組</a:t>
+            </a:r>
+            <a:endParaRPr lang="zh-TW" altLang="en-US" dirty="0"/>
+          </a:p>
+        </p:txBody>
+      </p:sp>
+      <p:sp>
+        <p:nvSpPr>
+          <p:cNvPr id="3" name="內容版面配置區 2"/>
+          <p:cNvSpPr>
+            <a:spLocks noGrp="1"/>
+          </p:cNvSpPr>
+          <p:nvPr>
+            <p:ph idx="1"/>
+          </p:nvPr>
+        </p:nvSpPr>
+        <p:spPr/>
+        <p:txBody>
+          <a:bodyPr/>
+          <a:lstStyle/>
+          <a:p>
+            <a:pPr marL="274320" lvl="1">
+              <a:spcBef>
+                <a:spcPts val="1800"/>
+              </a:spcBef>
+            </a:pPr>
+            <a:r>
+              <a:rPr lang="zh-TW" altLang="en-US" dirty="0" smtClean="0"/>
+              <a:t>訓練模型程式 </a:t>
+            </a:r>
+            <a:r>
+              <a:rPr lang="en-US" altLang="zh-TW" dirty="0" smtClean="0"/>
+              <a:t>:</a:t>
+            </a:r>
+            <a:r>
+              <a:rPr lang="zh-TW" altLang="en-US" dirty="0" smtClean="0"/>
+              <a:t>利用機器學習訓練出一個有效的模型</a:t>
+            </a:r>
+            <a:endParaRPr lang="en-US" altLang="zh-TW" dirty="0" smtClean="0"/>
+          </a:p>
+          <a:p>
+            <a:pPr marL="274320" lvl="1">
+              <a:spcBef>
+                <a:spcPts val="1800"/>
+              </a:spcBef>
+            </a:pPr>
+            <a:endParaRPr lang="en-US" altLang="zh-TW" dirty="0" smtClean="0"/>
+          </a:p>
+          <a:p>
+            <a:pPr marL="274320" lvl="1">
+              <a:spcBef>
+                <a:spcPts val="1800"/>
+              </a:spcBef>
+            </a:pPr>
+            <a:endParaRPr lang="en-US" altLang="zh-TW" dirty="0" smtClean="0"/>
+          </a:p>
+          <a:p>
+            <a:pPr marL="274320" lvl="1">
+              <a:spcBef>
+                <a:spcPts val="1800"/>
+              </a:spcBef>
+            </a:pPr>
+            <a:r>
+              <a:rPr lang="zh-TW" altLang="en-US" dirty="0" smtClean="0"/>
+              <a:t>執行模型程式</a:t>
+            </a:r>
+            <a:endParaRPr lang="en-US" altLang="zh-TW" dirty="0" smtClean="0"/>
+          </a:p>
+          <a:p>
+            <a:pPr marL="274320" lvl="1">
+              <a:spcBef>
+                <a:spcPts val="1800"/>
+              </a:spcBef>
+            </a:pPr>
+            <a:endParaRPr lang="en-US" altLang="zh-TW" dirty="0" smtClean="0"/>
+          </a:p>
+          <a:p>
+            <a:endParaRPr lang="en-US" altLang="zh-TW" dirty="0" smtClean="0"/>
+          </a:p>
+          <a:p>
+            <a:endParaRPr lang="zh-TW" altLang="en-US" dirty="0"/>
+          </a:p>
+        </p:txBody>
+      </p:sp>
+      <p:pic>
+        <p:nvPicPr>
+          <p:cNvPr id="4" name="圖片 3"/>
+          <p:cNvPicPr>
+            <a:picLocks noChangeAspect="1"/>
+          </p:cNvPicPr>
+          <p:nvPr/>
+        </p:nvPicPr>
+        <p:blipFill>
+          <a:blip r:embed="rId2">
+            <a:extLst>
+              <a:ext uri="{28A0092B-C50C-407E-A947-70E740481C1C}">
+                <a14:useLocalDpi xmlns:a14="http://schemas.microsoft.com/office/drawing/2010/main" val="0"/>
+              </a:ext>
+            </a:extLst>
+          </a:blip>
+          <a:stretch>
+            <a:fillRect/>
+          </a:stretch>
+        </p:blipFill>
+        <p:spPr>
+          <a:xfrm>
+            <a:off x="3286100" y="2204864"/>
+            <a:ext cx="3629532" cy="962159"/>
+          </a:xfrm>
+          <a:prstGeom prst="rect">
+            <a:avLst/>
+          </a:prstGeom>
+        </p:spPr>
+      </p:pic>
+      <p:sp>
+        <p:nvSpPr>
+          <p:cNvPr id="6" name="矩形 5"/>
+          <p:cNvSpPr/>
+          <p:nvPr/>
+        </p:nvSpPr>
+        <p:spPr>
+          <a:xfrm>
+            <a:off x="1773932" y="4219541"/>
+            <a:ext cx="1851660" cy="972820"/>
+          </a:xfrm>
+          <a:prstGeom prst="rect">
+            <a:avLst/>
+          </a:prstGeom>
+        </p:spPr>
+        <p:style>
+          <a:lnRef idx="2">
+            <a:schemeClr val="accent1">
+              <a:shade val="50000"/>
+            </a:schemeClr>
+          </a:lnRef>
+          <a:fillRef idx="1">
+            <a:schemeClr val="accent1"/>
+          </a:fillRef>
+          <a:effectRef idx="0">
+            <a:schemeClr val="accent1"/>
+          </a:effectRef>
+          <a:fontRef idx="minor">
+            <a:schemeClr val="lt1"/>
+          </a:fontRef>
+        </p:style>
+        <p:txBody>
+          <a:bodyPr rtlCol="0" anchor="ctr"/>
+          <a:lstStyle/>
+          <a:p>
+            <a:pPr algn="ctr"/>
+            <a:r>
+              <a:rPr lang="zh-TW" altLang="en-US" dirty="0" smtClean="0"/>
+              <a:t>訓練模型</a:t>
+            </a:r>
+            <a:endParaRPr lang="zh-TW" altLang="en-US" dirty="0"/>
+          </a:p>
+        </p:txBody>
+      </p:sp>
+      <p:sp>
+        <p:nvSpPr>
+          <p:cNvPr id="7" name="矩形 6"/>
+          <p:cNvSpPr/>
+          <p:nvPr/>
+        </p:nvSpPr>
+        <p:spPr>
+          <a:xfrm>
+            <a:off x="6742484" y="4221088"/>
+            <a:ext cx="1851660" cy="972820"/>
+          </a:xfrm>
+          <a:prstGeom prst="rect">
+            <a:avLst/>
+          </a:prstGeom>
+        </p:spPr>
+        <p:style>
+          <a:lnRef idx="2">
+            <a:schemeClr val="accent1">
+              <a:shade val="50000"/>
+            </a:schemeClr>
+          </a:lnRef>
+          <a:fillRef idx="1">
+            <a:schemeClr val="accent1"/>
+          </a:fillRef>
+          <a:effectRef idx="0">
+            <a:schemeClr val="accent1"/>
+          </a:effectRef>
+          <a:fontRef idx="minor">
+            <a:schemeClr val="lt1"/>
+          </a:fontRef>
+        </p:style>
+        <p:txBody>
+          <a:bodyPr rtlCol="0" anchor="ctr"/>
+          <a:lstStyle/>
+          <a:p>
+            <a:pPr algn="ctr"/>
+            <a:r>
+              <a:rPr lang="zh-TW" altLang="en-US" dirty="0" smtClean="0"/>
+              <a:t>比賽對打</a:t>
+            </a:r>
+            <a:endParaRPr lang="zh-TW" altLang="en-US" dirty="0"/>
+          </a:p>
+        </p:txBody>
+      </p:sp>
+      <p:sp>
+        <p:nvSpPr>
+          <p:cNvPr id="8" name="矩形 7"/>
+          <p:cNvSpPr/>
+          <p:nvPr/>
+        </p:nvSpPr>
+        <p:spPr>
+          <a:xfrm>
+            <a:off x="4189726" y="3955981"/>
+            <a:ext cx="1649129" cy="369332"/>
+          </a:xfrm>
+          <a:prstGeom prst="rect">
+            <a:avLst/>
+          </a:prstGeom>
+        </p:spPr>
+        <p:txBody>
+          <a:bodyPr wrap="square">
+            <a:spAutoFit/>
+          </a:bodyPr>
+          <a:lstStyle/>
+          <a:p>
+            <a:r>
+              <a:rPr lang="zh-TW" altLang="en-US" dirty="0"/>
+              <a:t>提供</a:t>
+            </a:r>
+            <a:r>
+              <a:rPr lang="zh-TW" altLang="en-US" dirty="0" smtClean="0"/>
+              <a:t>預測模型</a:t>
+            </a:r>
+            <a:endParaRPr lang="zh-TW" altLang="en-US" dirty="0"/>
+          </a:p>
+        </p:txBody>
+      </p:sp>
+      <p:cxnSp>
+        <p:nvCxnSpPr>
+          <p:cNvPr id="10" name="直線單箭頭接點 9"/>
+          <p:cNvCxnSpPr/>
+          <p:nvPr/>
+        </p:nvCxnSpPr>
+        <p:spPr>
+          <a:xfrm>
+            <a:off x="3646140" y="4437112"/>
+            <a:ext cx="3096344" cy="0"/>
+          </a:xfrm>
+          <a:prstGeom prst="straightConnector1">
+            <a:avLst/>
+          </a:prstGeom>
+          <a:ln>
+            <a:tailEnd type="triangle"/>
+          </a:ln>
+        </p:spPr>
+        <p:style>
+          <a:lnRef idx="1">
+            <a:schemeClr val="accent1"/>
+          </a:lnRef>
+          <a:fillRef idx="0">
+            <a:schemeClr val="accent1"/>
+          </a:fillRef>
+          <a:effectRef idx="0">
+            <a:schemeClr val="accent1"/>
+          </a:effectRef>
+          <a:fontRef idx="minor">
+            <a:schemeClr val="tx1"/>
+          </a:fontRef>
+        </p:style>
+      </p:cxnSp>
+      <p:sp>
+        <p:nvSpPr>
+          <p:cNvPr id="11" name="矩形 10"/>
+          <p:cNvSpPr/>
+          <p:nvPr/>
+        </p:nvSpPr>
+        <p:spPr>
+          <a:xfrm>
+            <a:off x="3767796" y="5075892"/>
+            <a:ext cx="2492990" cy="369332"/>
+          </a:xfrm>
+          <a:prstGeom prst="rect">
+            <a:avLst/>
+          </a:prstGeom>
+        </p:spPr>
+        <p:txBody>
+          <a:bodyPr wrap="none">
+            <a:spAutoFit/>
+          </a:bodyPr>
+          <a:lstStyle/>
+          <a:p>
+            <a:r>
+              <a:rPr lang="zh-TW" altLang="en-US" dirty="0" smtClean="0"/>
+              <a:t>依據對打結果修正模型</a:t>
+            </a:r>
+            <a:endParaRPr lang="zh-TW" altLang="en-US" dirty="0"/>
+          </a:p>
+        </p:txBody>
+      </p:sp>
+      <p:cxnSp>
+        <p:nvCxnSpPr>
+          <p:cNvPr id="15" name="直線單箭頭接點 14"/>
+          <p:cNvCxnSpPr/>
+          <p:nvPr/>
+        </p:nvCxnSpPr>
+        <p:spPr>
+          <a:xfrm flipH="1">
+            <a:off x="3625592" y="4941168"/>
+            <a:ext cx="3116892" cy="0"/>
+          </a:xfrm>
+          <a:prstGeom prst="straightConnector1">
+            <a:avLst/>
+          </a:prstGeom>
+          <a:ln>
+            <a:tailEnd type="triangle"/>
+          </a:ln>
+        </p:spPr>
+        <p:style>
+          <a:lnRef idx="1">
+            <a:schemeClr val="accent1"/>
+          </a:lnRef>
+          <a:fillRef idx="0">
+            <a:schemeClr val="accent1"/>
+          </a:fillRef>
+          <a:effectRef idx="0">
+            <a:schemeClr val="accent1"/>
+          </a:effectRef>
+          <a:fontRef idx="minor">
+            <a:schemeClr val="tx1"/>
+          </a:fontRef>
+        </p:style>
+      </p:cxnSp>
+    </p:spTree>
+    <p:extLst>
+      <p:ext uri="{BB962C8B-B14F-4D97-AF65-F5344CB8AC3E}">
+        <p14:creationId xmlns:p14="http://schemas.microsoft.com/office/powerpoint/2010/main" val="3411665806"/>
+      </p:ext>
+    </p:extLst>
+  </p:cSld>
+  <p:clrMapOvr>
+    <a:masterClrMapping/>
+  </p:clrMapOvr>
+  <mc:AlternateContent xmlns:mc="http://schemas.openxmlformats.org/markup-compatibility/2006" xmlns:p14="http://schemas.microsoft.com/office/powerpoint/2010/main">
+    <mc:Choice Requires="p14">
+      <p:transition spd="med" p14:dur="700">
+        <p:fade/>
+      </p:transition>
+    </mc:Choice>
+    <mc:Fallback xmlns="">
+      <p:transition spd="med">
+        <p:fade/>
+      </p:transition>
+    </mc:Fallback>
+  </mc:AlternateContent>
+</p:sld>
+</file>
+
+<file path=ppt/slides/slide6.xml><?xml version="1.0" encoding="utf-8"?>
+<p:sld xmlns:a="http://schemas.openxmlformats.org/drawingml/2006/main" xmlns:r="http://schemas.openxmlformats.org/officeDocument/2006/relationships" xmlns:p="http://schemas.openxmlformats.org/presentationml/2006/main">
+  <p:cSld>
+    <p:spTree>
+      <p:nvGrpSpPr>
+        <p:cNvPr id="1" name=""/>
+        <p:cNvGrpSpPr/>
+        <p:nvPr/>
+      </p:nvGrpSpPr>
+      <p:grpSpPr>
+        <a:xfrm>
+          <a:off x="0" y="0"/>
+          <a:ext cx="0" cy="0"/>
+          <a:chOff x="0" y="0"/>
+          <a:chExt cx="0" cy="0"/>
+        </a:xfrm>
+      </p:grpSpPr>
+      <p:sp>
+        <p:nvSpPr>
+          <p:cNvPr id="2" name="標題 1"/>
+          <p:cNvSpPr>
+            <a:spLocks noGrp="1"/>
+          </p:cNvSpPr>
+          <p:nvPr>
+            <p:ph type="title"/>
+          </p:nvPr>
+        </p:nvSpPr>
+        <p:spPr/>
+        <p:txBody>
+          <a:bodyPr/>
+          <a:lstStyle/>
+          <a:p>
+            <a:r>
+              <a:rPr lang="zh-TW" altLang="en-US" dirty="0"/>
+              <a:t>專案分析</a:t>
+            </a:r>
+            <a:r>
+              <a:rPr lang="en-US" altLang="zh-TW" dirty="0" smtClean="0"/>
+              <a:t>-KNN</a:t>
+            </a:r>
+            <a:endParaRPr lang="zh-TW" altLang="en-US" dirty="0"/>
+          </a:p>
+        </p:txBody>
+      </p:sp>
+      <p:sp>
+        <p:nvSpPr>
+          <p:cNvPr id="5" name="內容版面配置區 4"/>
+          <p:cNvSpPr>
+            <a:spLocks noGrp="1"/>
+          </p:cNvSpPr>
+          <p:nvPr>
+            <p:ph idx="1"/>
+          </p:nvPr>
+        </p:nvSpPr>
+        <p:spPr/>
+        <p:txBody>
+          <a:bodyPr/>
+          <a:lstStyle/>
+          <a:p>
+            <a:r>
+              <a:rPr lang="en-US" altLang="zh-TW" dirty="0"/>
+              <a:t>KNN</a:t>
+            </a:r>
+            <a:r>
+              <a:rPr lang="zh-TW" altLang="en-US" dirty="0"/>
+              <a:t>演算法，全名叫</a:t>
+            </a:r>
+            <a:r>
+              <a:rPr lang="en-US" altLang="zh-TW" b="1" dirty="0"/>
+              <a:t>K-nearest neighbors </a:t>
+            </a:r>
+            <a:r>
+              <a:rPr lang="en-US" altLang="zh-TW" b="1" dirty="0" smtClean="0"/>
+              <a:t>algorithm</a:t>
+            </a:r>
+          </a:p>
+          <a:p>
+            <a:r>
+              <a:rPr lang="en-US" altLang="zh-TW" dirty="0"/>
+              <a:t>KNN</a:t>
+            </a:r>
+            <a:r>
+              <a:rPr lang="zh-TW" altLang="en-US" dirty="0"/>
+              <a:t>屬於機器學習中的監督式學習</a:t>
+            </a:r>
+            <a:r>
+              <a:rPr lang="en-US" altLang="zh-TW" dirty="0"/>
+              <a:t>(</a:t>
+            </a:r>
+            <a:r>
+              <a:rPr lang="en-US" altLang="zh-TW" b="1" dirty="0"/>
+              <a:t>Supervised learning</a:t>
+            </a:r>
+            <a:r>
+              <a:rPr lang="en-US" altLang="zh-TW" dirty="0" smtClean="0"/>
+              <a:t>)</a:t>
+            </a:r>
+            <a:r>
+              <a:rPr lang="zh-TW" altLang="en-US" dirty="0" smtClean="0"/>
+              <a:t>，</a:t>
+            </a:r>
+            <a:r>
+              <a:rPr lang="zh-TW" altLang="en-US" dirty="0"/>
+              <a:t>但是在</a:t>
+            </a:r>
+            <a:r>
+              <a:rPr lang="en-US" altLang="zh-TW" dirty="0"/>
+              <a:t>KNN</a:t>
+            </a:r>
+            <a:r>
+              <a:rPr lang="zh-TW" altLang="en-US" dirty="0"/>
+              <a:t>其實並沒有做</a:t>
+            </a:r>
+            <a:r>
+              <a:rPr lang="en-US" altLang="zh-TW" dirty="0"/>
+              <a:t>training</a:t>
+            </a:r>
+            <a:r>
+              <a:rPr lang="zh-TW" altLang="en-US" dirty="0"/>
+              <a:t>的</a:t>
+            </a:r>
+            <a:r>
+              <a:rPr lang="zh-TW" altLang="en-US" dirty="0" smtClean="0"/>
+              <a:t>動作</a:t>
+            </a:r>
+            <a:endParaRPr lang="en-US" altLang="zh-TW" dirty="0" smtClean="0"/>
+          </a:p>
+          <a:p>
+            <a:r>
+              <a:rPr lang="zh-TW" altLang="en-US" dirty="0"/>
+              <a:t>在</a:t>
+            </a:r>
+            <a:r>
+              <a:rPr lang="en-US" altLang="zh-TW" dirty="0"/>
+              <a:t>K</a:t>
+            </a:r>
+            <a:r>
+              <a:rPr lang="zh-TW" altLang="en-US" dirty="0"/>
+              <a:t>近鄰分類算法中，對於預測的新樣本數據，將其與訓練樣本一一進行比較，找到最為相似的</a:t>
+            </a:r>
+            <a:r>
+              <a:rPr lang="en-US" altLang="zh-TW" dirty="0"/>
+              <a:t>K</a:t>
+            </a:r>
+            <a:r>
+              <a:rPr lang="zh-TW" altLang="en-US" dirty="0"/>
+              <a:t>個訓練樣本，並以這</a:t>
+            </a:r>
+            <a:r>
+              <a:rPr lang="en-US" altLang="zh-TW" dirty="0"/>
+              <a:t>K</a:t>
+            </a:r>
+            <a:r>
+              <a:rPr lang="zh-TW" altLang="en-US" dirty="0"/>
+              <a:t>個訓練樣本中出現最多的分類標籤作為最終新樣本數據的預測標籤。</a:t>
+            </a:r>
+          </a:p>
+        </p:txBody>
+      </p:sp>
+      <p:pic>
+        <p:nvPicPr>
+          <p:cNvPr id="6" name="圖片 5"/>
+          <p:cNvPicPr>
+            <a:picLocks noChangeAspect="1"/>
+          </p:cNvPicPr>
+          <p:nvPr/>
+        </p:nvPicPr>
+        <p:blipFill>
+          <a:blip r:embed="rId2">
+            <a:extLst>
+              <a:ext uri="{28A0092B-C50C-407E-A947-70E740481C1C}">
+                <a14:useLocalDpi xmlns:a14="http://schemas.microsoft.com/office/drawing/2010/main" val="0"/>
+              </a:ext>
+            </a:extLst>
+          </a:blip>
+          <a:stretch>
+            <a:fillRect/>
+          </a:stretch>
+        </p:blipFill>
+        <p:spPr>
+          <a:xfrm>
+            <a:off x="6310436" y="3988509"/>
+            <a:ext cx="2331472" cy="2259891"/>
+          </a:xfrm>
+          <a:prstGeom prst="rect">
+            <a:avLst/>
+          </a:prstGeom>
+        </p:spPr>
+      </p:pic>
+    </p:spTree>
+    <p:extLst>
+      <p:ext uri="{BB962C8B-B14F-4D97-AF65-F5344CB8AC3E}">
+        <p14:creationId xmlns:p14="http://schemas.microsoft.com/office/powerpoint/2010/main" val="2588037978"/>
+      </p:ext>
+    </p:extLst>
+  </p:cSld>
+  <p:clrMapOvr>
+    <a:masterClrMapping/>
+  </p:clrMapOvr>
+  <mc:AlternateContent xmlns:mc="http://schemas.openxmlformats.org/markup-compatibility/2006" xmlns:p14="http://schemas.microsoft.com/office/powerpoint/2010/main">
+    <mc:Choice Requires="p14">
+      <p:transition spd="med" p14:dur="700">
+        <p:fade/>
+      </p:transition>
+    </mc:Choice>
+    <mc:Fallback xmlns="">
+      <p:transition spd="med">
+        <p:fade/>
+      </p:transition>
+    </mc:Fallback>
+  </mc:AlternateContent>
+</p:sld>
+</file>
+
+<file path=ppt/slides/slide7.xml><?xml version="1.0" encoding="utf-8"?>
 <p:sld xmlns:a="http://schemas.openxmlformats.org/drawingml/2006/main" xmlns:r="http://schemas.openxmlformats.org/officeDocument/2006/relationships" xmlns:p="http://schemas.openxmlformats.org/presentationml/2006/main">
   <p:cSld>
     <p:spTree>
@@ -12690,7 +15533,7 @@
 </p:sld>
 </file>
 
-<file path=ppt/slides/slide6.xml><?xml version="1.0" encoding="utf-8"?>
+<file path=ppt/slides/slide8.xml><?xml version="1.0" encoding="utf-8"?>
 <p:sld xmlns:a="http://schemas.openxmlformats.org/drawingml/2006/main" xmlns:r="http://schemas.openxmlformats.org/officeDocument/2006/relationships" xmlns:p="http://schemas.openxmlformats.org/presentationml/2006/main">
   <p:cSld>
     <p:spTree>
@@ -13495,7 +16338,7 @@
 </p:sld>
 </file>
 
-<file path=ppt/slides/slide7.xml><?xml version="1.0" encoding="utf-8"?>
+<file path=ppt/slides/slide9.xml><?xml version="1.0" encoding="utf-8"?>
 <p:sld xmlns:a="http://schemas.openxmlformats.org/drawingml/2006/main" xmlns:r="http://schemas.openxmlformats.org/officeDocument/2006/relationships" xmlns:p="http://schemas.openxmlformats.org/presentationml/2006/main">
   <p:cSld>
     <p:spTree>
@@ -13984,6 +16827,13 @@
       </p:transition>
     </mc:Fallback>
   </mc:AlternateContent>
+  <p:timing>
+    <p:tnLst>
+      <p:par>
+        <p:cTn id="1" dur="indefinite" restart="never" nodeType="tmRoot"/>
+      </p:par>
+    </p:tnLst>
+  </p:timing>
 </p:sld>
 </file>
 

--- a/Finally project/Pingpong_第六組.pptx
+++ b/Finally project/Pingpong_第六組.pptx
@@ -14174,11 +14174,15 @@
             </a:r>
             <a:r>
               <a:rPr lang="en-US" altLang="zh-TW" sz="2400" dirty="0" smtClean="0"/>
-              <a:t>B510</a:t>
+              <a:t>B504</a:t>
             </a:r>
             <a:r>
               <a:rPr lang="zh-TW" altLang="en-US" sz="2400" dirty="0" smtClean="0"/>
-              <a:t>教室實測</a:t>
+              <a:t>教室</a:t>
+            </a:r>
+            <a:r>
+              <a:rPr lang="zh-TW" altLang="en-US" sz="2400" dirty="0" smtClean="0"/>
+              <a:t>實測</a:t>
             </a:r>
             <a:endParaRPr lang="en-US" altLang="zh-TW" sz="2400" dirty="0" smtClean="0"/>
           </a:p>
@@ -17676,6 +17680,15 @@
 </file>
 
 <file path=customXml/item1.xml><?xml version="1.0" encoding="utf-8"?>
+<?mso-contentType ?>
+<FormTemplates xmlns="http://schemas.microsoft.com/sharepoint/v3/contenttype/forms">
+  <Display>DocumentLibraryForm</Display>
+  <Edit>DocumentLibraryForm</Edit>
+  <New>DocumentLibraryForm</New>
+</FormTemplates>
+</file>
+
+<file path=customXml/item2.xml><?xml version="1.0" encoding="utf-8"?>
 <ct:contentTypeSchema xmlns:ct="http://schemas.microsoft.com/office/2006/metadata/contentType" xmlns:ma="http://schemas.microsoft.com/office/2006/metadata/properties/metaAttributes" ct:_="" ma:_="" ma:contentTypeName="Document" ma:contentTypeID="0x010100AA3F7D94069FF64A86F7DFF56D60E3BE" ma:contentTypeVersion="6" ma:contentTypeDescription="Create a new document." ma:contentTypeScope="" ma:versionID="c32302c77d4085ecf495bdddb7f5e889">
   <xsd:schema xmlns:xsd="http://www.w3.org/2001/XMLSchema" xmlns:xs="http://www.w3.org/2001/XMLSchema" xmlns:p="http://schemas.microsoft.com/office/2006/metadata/properties" xmlns:ns2="a4f35948-e619-41b3-aa29-22878b09cfd2" xmlns:ns3="40262f94-9f35-4ac3-9a90-690165a166b7" targetNamespace="http://schemas.microsoft.com/office/2006/metadata/properties" ma:root="true" ma:fieldsID="4ab5ae46be95f9d0be6107e8200be7a2" ns2:_="" ns3:_="">
     <xsd:import namespace="a4f35948-e619-41b3-aa29-22878b09cfd2"/>
@@ -17856,15 +17869,6 @@
 </ct:contentTypeSchema>
 </file>
 
-<file path=customXml/item2.xml><?xml version="1.0" encoding="utf-8"?>
-<?mso-contentType ?>
-<FormTemplates xmlns="http://schemas.microsoft.com/sharepoint/v3/contenttype/forms">
-  <Display>DocumentLibraryForm</Display>
-  <Edit>DocumentLibraryForm</Edit>
-  <New>DocumentLibraryForm</New>
-</FormTemplates>
-</file>
-
 <file path=customXml/item3.xml><?xml version="1.0" encoding="utf-8"?>
 <p:properties xmlns:p="http://schemas.microsoft.com/office/2006/metadata/properties" xmlns:xsi="http://www.w3.org/2001/XMLSchema-instance" xmlns:pc="http://schemas.microsoft.com/office/infopath/2007/PartnerControls">
   <documentManagement>
@@ -17877,6 +17881,14 @@
 </file>
 
 <file path=customXml/itemProps1.xml><?xml version="1.0" encoding="utf-8"?>
+<ds:datastoreItem xmlns:ds="http://schemas.openxmlformats.org/officeDocument/2006/customXml" ds:itemID="{653E1689-1E09-4ADC-A5E7-6718BF79A8A6}">
+  <ds:schemaRefs>
+    <ds:schemaRef ds:uri="http://schemas.microsoft.com/sharepoint/v3/contenttype/forms"/>
+  </ds:schemaRefs>
+</ds:datastoreItem>
+</file>
+
+<file path=customXml/itemProps2.xml><?xml version="1.0" encoding="utf-8"?>
 <ds:datastoreItem xmlns:ds="http://schemas.openxmlformats.org/officeDocument/2006/customXml" ds:itemID="{7CB30B94-6D3B-4C91-947C-5EB8E8EFFE4F}">
   <ds:schemaRefs>
     <ds:schemaRef ds:uri="http://schemas.microsoft.com/office/2006/metadata/contentType"/>
@@ -17891,14 +17903,6 @@
     <ds:schemaRef ds:uri="http://purl.org/dc/elements/1.1/"/>
     <ds:schemaRef ds:uri="http://purl.org/dc/terms/"/>
     <ds:schemaRef ds:uri="http://schemas.microsoft.com/internal/obd"/>
-  </ds:schemaRefs>
-</ds:datastoreItem>
-</file>
-
-<file path=customXml/itemProps2.xml><?xml version="1.0" encoding="utf-8"?>
-<ds:datastoreItem xmlns:ds="http://schemas.openxmlformats.org/officeDocument/2006/customXml" ds:itemID="{653E1689-1E09-4ADC-A5E7-6718BF79A8A6}">
-  <ds:schemaRefs>
-    <ds:schemaRef ds:uri="http://schemas.microsoft.com/sharepoint/v3/contenttype/forms"/>
   </ds:schemaRefs>
 </ds:datastoreItem>
 </file>

--- a/Finally project/Pingpong_第六組.pptx
+++ b/Finally project/Pingpong_第六組.pptx
@@ -5,10 +5,10 @@
     <p:sldMasterId id="2147483660" r:id="rId4"/>
   </p:sldMasterIdLst>
   <p:notesMasterIdLst>
-    <p:notesMasterId r:id="rId15"/>
+    <p:notesMasterId r:id="rId14"/>
   </p:notesMasterIdLst>
   <p:handoutMasterIdLst>
-    <p:handoutMasterId r:id="rId16"/>
+    <p:handoutMasterId r:id="rId15"/>
   </p:handoutMasterIdLst>
   <p:sldIdLst>
     <p:sldId id="257" r:id="rId5"/>
@@ -19,8 +19,7 @@
     <p:sldId id="267" r:id="rId10"/>
     <p:sldId id="261" r:id="rId11"/>
     <p:sldId id="263" r:id="rId12"/>
-    <p:sldId id="262" r:id="rId13"/>
-    <p:sldId id="265" r:id="rId14"/>
+    <p:sldId id="265" r:id="rId13"/>
   </p:sldIdLst>
   <p:sldSz cx="12188825" cy="6858000"/>
   <p:notesSz cx="6858000" cy="9144000"/>
@@ -11340,7 +11339,2761 @@
 </p:sld>
 </file>
 
-<file path=ppt/slides/slide10.xml><?xml version="1.0" encoding="utf-8"?>
+<file path=ppt/slides/slide2.xml><?xml version="1.0" encoding="utf-8"?>
+<p:sld xmlns:a="http://schemas.openxmlformats.org/drawingml/2006/main" xmlns:r="http://schemas.openxmlformats.org/officeDocument/2006/relationships" xmlns:p="http://schemas.openxmlformats.org/presentationml/2006/main">
+  <p:cSld>
+    <p:spTree>
+      <p:nvGrpSpPr>
+        <p:cNvPr id="1" name=""/>
+        <p:cNvGrpSpPr/>
+        <p:nvPr/>
+      </p:nvGrpSpPr>
+      <p:grpSpPr>
+        <a:xfrm>
+          <a:off x="0" y="0"/>
+          <a:ext cx="0" cy="0"/>
+          <a:chOff x="0" y="0"/>
+          <a:chExt cx="0" cy="0"/>
+        </a:xfrm>
+      </p:grpSpPr>
+      <p:sp>
+        <p:nvSpPr>
+          <p:cNvPr id="2" name="標題 1"/>
+          <p:cNvSpPr>
+            <a:spLocks noGrp="1"/>
+          </p:cNvSpPr>
+          <p:nvPr>
+            <p:ph type="title"/>
+          </p:nvPr>
+        </p:nvSpPr>
+        <p:spPr/>
+        <p:txBody>
+          <a:bodyPr rtlCol="0"/>
+          <a:lstStyle/>
+          <a:p>
+            <a:pPr algn="ctr" rtl="0"/>
+            <a:r>
+              <a:rPr lang="zh-TW" altLang="en-US" dirty="0" smtClean="0">
+                <a:ea typeface="Microsoft JhengHei UI" panose="020B0604030504040204" pitchFamily="34" charset="-120"/>
+              </a:rPr>
+              <a:t>目錄</a:t>
+            </a:r>
+            <a:endParaRPr lang="zh-TW" altLang="en-US" dirty="0">
+              <a:ea typeface="Microsoft JhengHei UI" panose="020B0604030504040204" pitchFamily="34" charset="-120"/>
+            </a:endParaRPr>
+          </a:p>
+        </p:txBody>
+      </p:sp>
+      <p:grpSp>
+        <p:nvGrpSpPr>
+          <p:cNvPr id="9" name="群組 8"/>
+          <p:cNvGrpSpPr/>
+          <p:nvPr/>
+        </p:nvGrpSpPr>
+        <p:grpSpPr>
+          <a:xfrm>
+            <a:off x="1629916" y="1988840"/>
+            <a:ext cx="2859435" cy="864096"/>
+            <a:chOff x="1074737" y="1700808"/>
+            <a:chExt cx="2859435" cy="864096"/>
+          </a:xfrm>
+        </p:grpSpPr>
+        <p:sp>
+          <p:nvSpPr>
+            <p:cNvPr id="5" name="等腰三角形 4"/>
+            <p:cNvSpPr/>
+            <p:nvPr/>
+          </p:nvSpPr>
+          <p:spPr>
+            <a:xfrm rot="5400000">
+              <a:off x="1015144" y="1760401"/>
+              <a:ext cx="864096" cy="744910"/>
+            </a:xfrm>
+            <a:prstGeom prst="triangle">
+              <a:avLst/>
+            </a:prstGeom>
+            <a:ln>
+              <a:noFill/>
+            </a:ln>
+          </p:spPr>
+          <p:style>
+            <a:lnRef idx="1">
+              <a:schemeClr val="accent2"/>
+            </a:lnRef>
+            <a:fillRef idx="2">
+              <a:schemeClr val="accent2"/>
+            </a:fillRef>
+            <a:effectRef idx="1">
+              <a:schemeClr val="accent2"/>
+            </a:effectRef>
+            <a:fontRef idx="minor">
+              <a:schemeClr val="dk1"/>
+            </a:fontRef>
+          </p:style>
+          <p:txBody>
+            <a:bodyPr rtlCol="0" anchor="ctr"/>
+            <a:lstStyle/>
+            <a:p>
+              <a:pPr algn="ctr"/>
+              <a:endParaRPr lang="zh-TW" altLang="en-US" dirty="0">
+                <a:solidFill>
+                  <a:schemeClr val="accent4">
+                    <a:lumMod val="50000"/>
+                  </a:schemeClr>
+                </a:solidFill>
+              </a:endParaRPr>
+            </a:p>
+          </p:txBody>
+        </p:sp>
+        <p:sp>
+          <p:nvSpPr>
+            <p:cNvPr id="8" name="文字方塊 7"/>
+            <p:cNvSpPr txBox="1"/>
+            <p:nvPr/>
+          </p:nvSpPr>
+          <p:spPr>
+            <a:xfrm>
+              <a:off x="2061964" y="1871246"/>
+              <a:ext cx="1872208" cy="523220"/>
+            </a:xfrm>
+            <a:prstGeom prst="rect">
+              <a:avLst/>
+            </a:prstGeom>
+            <a:noFill/>
+            <a:ln>
+              <a:noFill/>
+            </a:ln>
+          </p:spPr>
+          <p:txBody>
+            <a:bodyPr wrap="square" rtlCol="0" anchor="ctr" anchorCtr="1">
+              <a:spAutoFit/>
+            </a:bodyPr>
+            <a:lstStyle/>
+            <a:p>
+              <a:r>
+                <a:rPr lang="zh-TW" altLang="en-US" sz="2800" dirty="0" smtClean="0">
+                  <a:solidFill>
+                    <a:schemeClr val="accent4">
+                      <a:lumMod val="50000"/>
+                    </a:schemeClr>
+                  </a:solidFill>
+                </a:rPr>
+                <a:t>專案需求</a:t>
+              </a:r>
+            </a:p>
+          </p:txBody>
+        </p:sp>
+      </p:grpSp>
+      <p:grpSp>
+        <p:nvGrpSpPr>
+          <p:cNvPr id="10" name="群組 9"/>
+          <p:cNvGrpSpPr/>
+          <p:nvPr/>
+        </p:nvGrpSpPr>
+        <p:grpSpPr>
+          <a:xfrm>
+            <a:off x="6310436" y="1988840"/>
+            <a:ext cx="2859435" cy="864096"/>
+            <a:chOff x="1074737" y="1700808"/>
+            <a:chExt cx="2859435" cy="864096"/>
+          </a:xfrm>
+        </p:grpSpPr>
+        <p:sp>
+          <p:nvSpPr>
+            <p:cNvPr id="11" name="等腰三角形 10"/>
+            <p:cNvSpPr/>
+            <p:nvPr/>
+          </p:nvSpPr>
+          <p:spPr>
+            <a:xfrm rot="5400000">
+              <a:off x="1015144" y="1760401"/>
+              <a:ext cx="864096" cy="744910"/>
+            </a:xfrm>
+            <a:prstGeom prst="triangle">
+              <a:avLst/>
+            </a:prstGeom>
+            <a:ln>
+              <a:noFill/>
+            </a:ln>
+          </p:spPr>
+          <p:style>
+            <a:lnRef idx="1">
+              <a:schemeClr val="accent2"/>
+            </a:lnRef>
+            <a:fillRef idx="2">
+              <a:schemeClr val="accent2"/>
+            </a:fillRef>
+            <a:effectRef idx="1">
+              <a:schemeClr val="accent2"/>
+            </a:effectRef>
+            <a:fontRef idx="minor">
+              <a:schemeClr val="dk1"/>
+            </a:fontRef>
+          </p:style>
+          <p:txBody>
+            <a:bodyPr rtlCol="0" anchor="ctr"/>
+            <a:lstStyle/>
+            <a:p>
+              <a:pPr algn="ctr"/>
+              <a:endParaRPr lang="zh-TW" altLang="en-US" dirty="0">
+                <a:solidFill>
+                  <a:schemeClr val="accent4">
+                    <a:lumMod val="50000"/>
+                  </a:schemeClr>
+                </a:solidFill>
+              </a:endParaRPr>
+            </a:p>
+          </p:txBody>
+        </p:sp>
+        <p:sp>
+          <p:nvSpPr>
+            <p:cNvPr id="12" name="文字方塊 11"/>
+            <p:cNvSpPr txBox="1"/>
+            <p:nvPr/>
+          </p:nvSpPr>
+          <p:spPr>
+            <a:xfrm>
+              <a:off x="2061964" y="1871246"/>
+              <a:ext cx="1872208" cy="523220"/>
+            </a:xfrm>
+            <a:prstGeom prst="rect">
+              <a:avLst/>
+            </a:prstGeom>
+            <a:noFill/>
+            <a:ln>
+              <a:noFill/>
+            </a:ln>
+          </p:spPr>
+          <p:txBody>
+            <a:bodyPr wrap="square" rtlCol="0" anchor="ctr" anchorCtr="1">
+              <a:spAutoFit/>
+            </a:bodyPr>
+            <a:lstStyle/>
+            <a:p>
+              <a:r>
+                <a:rPr lang="zh-TW" altLang="en-US" sz="2800" dirty="0" smtClean="0">
+                  <a:solidFill>
+                    <a:schemeClr val="accent4">
+                      <a:lumMod val="50000"/>
+                    </a:schemeClr>
+                  </a:solidFill>
+                </a:rPr>
+                <a:t>專案分析</a:t>
+              </a:r>
+            </a:p>
+          </p:txBody>
+        </p:sp>
+      </p:grpSp>
+      <p:grpSp>
+        <p:nvGrpSpPr>
+          <p:cNvPr id="13" name="群組 12"/>
+          <p:cNvGrpSpPr/>
+          <p:nvPr/>
+        </p:nvGrpSpPr>
+        <p:grpSpPr>
+          <a:xfrm>
+            <a:off x="1629916" y="3389085"/>
+            <a:ext cx="2859435" cy="864096"/>
+            <a:chOff x="1074737" y="1700808"/>
+            <a:chExt cx="2859435" cy="864096"/>
+          </a:xfrm>
+        </p:grpSpPr>
+        <p:sp>
+          <p:nvSpPr>
+            <p:cNvPr id="14" name="等腰三角形 13"/>
+            <p:cNvSpPr/>
+            <p:nvPr/>
+          </p:nvSpPr>
+          <p:spPr>
+            <a:xfrm rot="5400000">
+              <a:off x="1015144" y="1760401"/>
+              <a:ext cx="864096" cy="744910"/>
+            </a:xfrm>
+            <a:prstGeom prst="triangle">
+              <a:avLst/>
+            </a:prstGeom>
+            <a:ln>
+              <a:noFill/>
+            </a:ln>
+          </p:spPr>
+          <p:style>
+            <a:lnRef idx="1">
+              <a:schemeClr val="accent2"/>
+            </a:lnRef>
+            <a:fillRef idx="2">
+              <a:schemeClr val="accent2"/>
+            </a:fillRef>
+            <a:effectRef idx="1">
+              <a:schemeClr val="accent2"/>
+            </a:effectRef>
+            <a:fontRef idx="minor">
+              <a:schemeClr val="dk1"/>
+            </a:fontRef>
+          </p:style>
+          <p:txBody>
+            <a:bodyPr rtlCol="0" anchor="ctr"/>
+            <a:lstStyle/>
+            <a:p>
+              <a:pPr algn="ctr"/>
+              <a:endParaRPr lang="zh-TW" altLang="en-US" dirty="0">
+                <a:solidFill>
+                  <a:schemeClr val="accent4">
+                    <a:lumMod val="50000"/>
+                  </a:schemeClr>
+                </a:solidFill>
+              </a:endParaRPr>
+            </a:p>
+          </p:txBody>
+        </p:sp>
+        <p:sp>
+          <p:nvSpPr>
+            <p:cNvPr id="15" name="文字方塊 14"/>
+            <p:cNvSpPr txBox="1"/>
+            <p:nvPr/>
+          </p:nvSpPr>
+          <p:spPr>
+            <a:xfrm>
+              <a:off x="2061964" y="1871246"/>
+              <a:ext cx="1872208" cy="523220"/>
+            </a:xfrm>
+            <a:prstGeom prst="rect">
+              <a:avLst/>
+            </a:prstGeom>
+            <a:noFill/>
+            <a:ln>
+              <a:noFill/>
+            </a:ln>
+          </p:spPr>
+          <p:txBody>
+            <a:bodyPr wrap="square" rtlCol="0" anchor="ctr" anchorCtr="1">
+              <a:spAutoFit/>
+            </a:bodyPr>
+            <a:lstStyle/>
+            <a:p>
+              <a:r>
+                <a:rPr lang="zh-TW" altLang="en-US" sz="2800" dirty="0" smtClean="0">
+                  <a:solidFill>
+                    <a:schemeClr val="accent4">
+                      <a:lumMod val="50000"/>
+                    </a:schemeClr>
+                  </a:solidFill>
+                </a:rPr>
+                <a:t>專案設計</a:t>
+              </a:r>
+            </a:p>
+          </p:txBody>
+        </p:sp>
+      </p:grpSp>
+    </p:spTree>
+    <p:extLst>
+      <p:ext uri="{BB962C8B-B14F-4D97-AF65-F5344CB8AC3E}">
+        <p14:creationId xmlns:p14="http://schemas.microsoft.com/office/powerpoint/2010/main" val="1637310646"/>
+      </p:ext>
+    </p:extLst>
+  </p:cSld>
+  <p:clrMapOvr>
+    <a:masterClrMapping/>
+  </p:clrMapOvr>
+  <mc:AlternateContent xmlns:mc="http://schemas.openxmlformats.org/markup-compatibility/2006" xmlns:p14="http://schemas.microsoft.com/office/powerpoint/2010/main">
+    <mc:Choice Requires="p14">
+      <p:transition spd="med" p14:dur="700">
+        <p:fade/>
+      </p:transition>
+    </mc:Choice>
+    <mc:Fallback xmlns="">
+      <p:transition spd="med">
+        <p:fade/>
+      </p:transition>
+    </mc:Fallback>
+  </mc:AlternateContent>
+</p:sld>
+</file>
+
+<file path=ppt/slides/slide3.xml><?xml version="1.0" encoding="utf-8"?>
+<p:sld xmlns:a="http://schemas.openxmlformats.org/drawingml/2006/main" xmlns:r="http://schemas.openxmlformats.org/officeDocument/2006/relationships" xmlns:p="http://schemas.openxmlformats.org/presentationml/2006/main">
+  <p:cSld>
+    <p:spTree>
+      <p:nvGrpSpPr>
+        <p:cNvPr id="1" name=""/>
+        <p:cNvGrpSpPr/>
+        <p:nvPr/>
+      </p:nvGrpSpPr>
+      <p:grpSpPr>
+        <a:xfrm>
+          <a:off x="0" y="0"/>
+          <a:ext cx="0" cy="0"/>
+          <a:chOff x="0" y="0"/>
+          <a:chExt cx="0" cy="0"/>
+        </a:xfrm>
+      </p:grpSpPr>
+      <p:sp>
+        <p:nvSpPr>
+          <p:cNvPr id="2" name="標題 1"/>
+          <p:cNvSpPr>
+            <a:spLocks noGrp="1"/>
+          </p:cNvSpPr>
+          <p:nvPr>
+            <p:ph type="title"/>
+          </p:nvPr>
+        </p:nvSpPr>
+        <p:spPr/>
+        <p:txBody>
+          <a:bodyPr rtlCol="0"/>
+          <a:lstStyle/>
+          <a:p>
+            <a:pPr rtl="0"/>
+            <a:r>
+              <a:rPr lang="zh-TW" altLang="en-US" dirty="0" smtClean="0">
+                <a:ea typeface="Microsoft JhengHei UI" panose="020B0604030504040204" pitchFamily="34" charset="-120"/>
+              </a:rPr>
+              <a:t>專案需求</a:t>
+            </a:r>
+            <a:endParaRPr lang="zh-TW" altLang="en-US" dirty="0">
+              <a:ea typeface="Microsoft JhengHei UI" panose="020B0604030504040204" pitchFamily="34" charset="-120"/>
+            </a:endParaRPr>
+          </a:p>
+        </p:txBody>
+      </p:sp>
+      <p:sp>
+        <p:nvSpPr>
+          <p:cNvPr id="3" name="內容預留位置 2"/>
+          <p:cNvSpPr>
+            <a:spLocks noGrp="1"/>
+          </p:cNvSpPr>
+          <p:nvPr>
+            <p:ph idx="1"/>
+          </p:nvPr>
+        </p:nvSpPr>
+        <p:spPr>
+          <a:xfrm>
+            <a:off x="1065212" y="1828800"/>
+            <a:ext cx="9853736" cy="4912568"/>
+          </a:xfrm>
+        </p:spPr>
+        <p:txBody>
+          <a:bodyPr rtlCol="0">
+            <a:normAutofit fontScale="77500" lnSpcReduction="20000"/>
+          </a:bodyPr>
+          <a:lstStyle/>
+          <a:p>
+            <a:pPr>
+              <a:lnSpc>
+                <a:spcPct val="150000"/>
+              </a:lnSpc>
+            </a:pPr>
+            <a:r>
+              <a:rPr lang="zh-TW" altLang="en-US" sz="2800" dirty="0" smtClean="0"/>
+              <a:t>功能需求</a:t>
+            </a:r>
+            <a:r>
+              <a:rPr lang="en-US" altLang="zh-TW" sz="2800" dirty="0" smtClean="0"/>
+              <a:t/>
+            </a:r>
+            <a:br>
+              <a:rPr lang="en-US" altLang="zh-TW" sz="2800" dirty="0" smtClean="0"/>
+            </a:br>
+            <a:r>
+              <a:rPr lang="en-US" altLang="zh-TW" sz="2800" dirty="0" smtClean="0"/>
+              <a:t>	</a:t>
+            </a:r>
+            <a:r>
+              <a:rPr lang="zh-TW" altLang="en-US" sz="2400" dirty="0" smtClean="0"/>
+              <a:t>利用</a:t>
+            </a:r>
+            <a:r>
+              <a:rPr lang="en-US" altLang="zh-TW" sz="2400" dirty="0" err="1" smtClean="0"/>
+              <a:t>Mechine</a:t>
+            </a:r>
+            <a:r>
+              <a:rPr lang="en-US" altLang="zh-TW" sz="2400" dirty="0" smtClean="0"/>
+              <a:t> Learning </a:t>
+            </a:r>
+            <a:r>
+              <a:rPr lang="zh-TW" altLang="en-US" sz="2400" dirty="0" smtClean="0"/>
+              <a:t>來學習如何回擊球</a:t>
+            </a:r>
+            <a:r>
+              <a:rPr lang="en-US" altLang="zh-TW" sz="2400" dirty="0" smtClean="0"/>
+              <a:t/>
+            </a:r>
+            <a:br>
+              <a:rPr lang="en-US" altLang="zh-TW" sz="2400" dirty="0" smtClean="0"/>
+            </a:br>
+            <a:r>
+              <a:rPr lang="en-US" altLang="zh-TW" sz="2400" dirty="0" smtClean="0"/>
+              <a:t>	</a:t>
+            </a:r>
+            <a:r>
+              <a:rPr lang="zh-TW" altLang="en-US" sz="2400" dirty="0" smtClean="0"/>
+              <a:t>在遊戲</a:t>
+            </a:r>
+            <a:r>
+              <a:rPr lang="zh-TW" altLang="en-US" sz="2400" dirty="0"/>
+              <a:t>速度達到</a:t>
+            </a:r>
+            <a:r>
+              <a:rPr lang="en-US" altLang="zh-TW" sz="2400" dirty="0"/>
+              <a:t>20</a:t>
+            </a:r>
+            <a:r>
+              <a:rPr lang="zh-TW" altLang="en-US" sz="2400" dirty="0"/>
+              <a:t>以前不會</a:t>
+            </a:r>
+            <a:r>
+              <a:rPr lang="zh-TW" altLang="en-US" sz="2400" dirty="0" smtClean="0"/>
+              <a:t>輸</a:t>
+            </a:r>
+            <a:r>
+              <a:rPr lang="en-US" altLang="zh-TW" sz="2400" dirty="0" smtClean="0"/>
+              <a:t/>
+            </a:r>
+            <a:br>
+              <a:rPr lang="en-US" altLang="zh-TW" sz="2400" dirty="0" smtClean="0"/>
+            </a:br>
+            <a:r>
+              <a:rPr lang="en-US" altLang="zh-TW" sz="2400" dirty="0" smtClean="0"/>
+              <a:t>	</a:t>
+            </a:r>
+            <a:r>
+              <a:rPr lang="zh-TW" altLang="en-US" sz="2400" dirty="0" smtClean="0"/>
+              <a:t>減少</a:t>
+            </a:r>
+            <a:r>
+              <a:rPr lang="zh-TW" altLang="en-US" sz="2400" dirty="0"/>
+              <a:t>計算的難度，在對方回擊後盡可能地計算落點位置並移動</a:t>
+            </a:r>
+            <a:endParaRPr lang="en-US" altLang="zh-TW" sz="2400" dirty="0"/>
+          </a:p>
+          <a:p>
+            <a:pPr>
+              <a:lnSpc>
+                <a:spcPct val="170000"/>
+              </a:lnSpc>
+            </a:pPr>
+            <a:r>
+              <a:rPr lang="zh-TW" altLang="en-US" sz="2800" dirty="0" smtClean="0"/>
+              <a:t>環境需求</a:t>
+            </a:r>
+            <a:r>
+              <a:rPr lang="en-US" altLang="zh-TW" sz="2400" dirty="0" smtClean="0"/>
+              <a:t/>
+            </a:r>
+            <a:br>
+              <a:rPr lang="en-US" altLang="zh-TW" sz="2400" dirty="0" smtClean="0"/>
+            </a:br>
+            <a:r>
+              <a:rPr lang="en-US" altLang="zh-TW" sz="2400" dirty="0" smtClean="0"/>
+              <a:t>	</a:t>
+            </a:r>
+            <a:r>
+              <a:rPr lang="zh-TW" altLang="en-US" sz="2400" dirty="0" smtClean="0"/>
+              <a:t>作業系統</a:t>
+            </a:r>
+            <a:r>
+              <a:rPr lang="en-US" altLang="zh-TW" sz="2400" dirty="0" smtClean="0"/>
+              <a:t>:WIN7</a:t>
+            </a:r>
+            <a:r>
+              <a:rPr lang="zh-TW" altLang="en-US" sz="2400" dirty="0" smtClean="0"/>
+              <a:t>以上版本</a:t>
+            </a:r>
+            <a:r>
+              <a:rPr lang="en-US" altLang="zh-TW" sz="2400" dirty="0" smtClean="0"/>
+              <a:t/>
+            </a:r>
+            <a:br>
+              <a:rPr lang="en-US" altLang="zh-TW" sz="2400" dirty="0" smtClean="0"/>
+            </a:br>
+            <a:r>
+              <a:rPr lang="en-US" altLang="zh-TW" sz="2400" dirty="0" smtClean="0"/>
+              <a:t>	</a:t>
+            </a:r>
+            <a:r>
+              <a:rPr lang="zh-TW" altLang="en-US" sz="2400" dirty="0" smtClean="0"/>
+              <a:t>軟體版本</a:t>
+            </a:r>
+            <a:r>
+              <a:rPr lang="en-US" altLang="zh-TW" sz="2400" dirty="0" smtClean="0"/>
+              <a:t>:python3.6</a:t>
+            </a:r>
+            <a:br>
+              <a:rPr lang="en-US" altLang="zh-TW" sz="2400" dirty="0" smtClean="0"/>
+            </a:br>
+            <a:r>
+              <a:rPr lang="en-US" altLang="zh-TW" sz="2400" dirty="0" smtClean="0"/>
+              <a:t>	</a:t>
+            </a:r>
+            <a:r>
+              <a:rPr lang="zh-TW" altLang="en-US" sz="2400" dirty="0" smtClean="0"/>
+              <a:t>最後須在</a:t>
+            </a:r>
+            <a:r>
+              <a:rPr lang="en-US" altLang="zh-TW" sz="2400" dirty="0" smtClean="0"/>
+              <a:t>B504</a:t>
+            </a:r>
+            <a:r>
+              <a:rPr lang="zh-TW" altLang="en-US" sz="2400" dirty="0" smtClean="0"/>
+              <a:t>教室實測</a:t>
+            </a:r>
+            <a:endParaRPr lang="en-US" altLang="zh-TW" sz="2400" dirty="0" smtClean="0"/>
+          </a:p>
+          <a:p>
+            <a:pPr>
+              <a:lnSpc>
+                <a:spcPct val="150000"/>
+              </a:lnSpc>
+            </a:pPr>
+            <a:r>
+              <a:rPr lang="zh-TW" altLang="en-US" sz="2800" dirty="0" smtClean="0"/>
+              <a:t>效能需求</a:t>
+            </a:r>
+            <a:r>
+              <a:rPr lang="en-US" altLang="zh-TW" sz="2800" dirty="0" smtClean="0"/>
+              <a:t/>
+            </a:r>
+            <a:br>
+              <a:rPr lang="en-US" altLang="zh-TW" sz="2800" dirty="0" smtClean="0"/>
+            </a:br>
+            <a:r>
+              <a:rPr lang="en-US" altLang="zh-TW" sz="2800" dirty="0" smtClean="0"/>
+              <a:t>	</a:t>
+            </a:r>
+            <a:r>
+              <a:rPr lang="zh-TW" altLang="en-US" sz="2800" dirty="0" smtClean="0"/>
+              <a:t>在</a:t>
+            </a:r>
+            <a:r>
+              <a:rPr lang="en-US" altLang="zh-TW" sz="2800" dirty="0" smtClean="0"/>
+              <a:t>FPS</a:t>
+            </a:r>
+            <a:r>
+              <a:rPr lang="zh-TW" altLang="en-US" sz="2800" dirty="0" smtClean="0"/>
+              <a:t> </a:t>
+            </a:r>
+            <a:r>
+              <a:rPr lang="en-US" altLang="zh-TW" sz="2800" dirty="0" smtClean="0"/>
+              <a:t>60</a:t>
+            </a:r>
+            <a:r>
+              <a:rPr lang="zh-TW" altLang="en-US" sz="2800" dirty="0" smtClean="0"/>
+              <a:t> 以下能正常運作</a:t>
+            </a:r>
+            <a:endParaRPr lang="en-US" altLang="zh-TW" sz="2800" dirty="0" smtClean="0"/>
+          </a:p>
+          <a:p>
+            <a:pPr marL="45720" indent="0" rtl="0">
+              <a:lnSpc>
+                <a:spcPct val="150000"/>
+              </a:lnSpc>
+              <a:buNone/>
+            </a:pPr>
+            <a:endParaRPr lang="zh-TW" altLang="en-US" sz="2400" dirty="0"/>
+          </a:p>
+          <a:p>
+            <a:pPr rtl="0"/>
+            <a:endParaRPr lang="zh-TW" altLang="en-US" sz="2800" dirty="0"/>
+          </a:p>
+          <a:p>
+            <a:pPr rtl="0"/>
+            <a:endParaRPr lang="zh-TW" altLang="en-US" sz="2800" dirty="0"/>
+          </a:p>
+        </p:txBody>
+      </p:sp>
+    </p:spTree>
+    <p:extLst>
+      <p:ext uri="{BB962C8B-B14F-4D97-AF65-F5344CB8AC3E}">
+        <p14:creationId xmlns:p14="http://schemas.microsoft.com/office/powerpoint/2010/main" val="2772895749"/>
+      </p:ext>
+    </p:extLst>
+  </p:cSld>
+  <p:clrMapOvr>
+    <a:masterClrMapping/>
+  </p:clrMapOvr>
+  <mc:AlternateContent xmlns:mc="http://schemas.openxmlformats.org/markup-compatibility/2006" xmlns:p14="http://schemas.microsoft.com/office/powerpoint/2010/main">
+    <mc:Choice Requires="p14">
+      <p:transition spd="med" p14:dur="700">
+        <p:fade/>
+      </p:transition>
+    </mc:Choice>
+    <mc:Fallback xmlns="">
+      <p:transition spd="med">
+        <p:fade/>
+      </p:transition>
+    </mc:Fallback>
+  </mc:AlternateContent>
+</p:sld>
+</file>
+
+<file path=ppt/slides/slide4.xml><?xml version="1.0" encoding="utf-8"?>
+<p:sld xmlns:a="http://schemas.openxmlformats.org/drawingml/2006/main" xmlns:r="http://schemas.openxmlformats.org/officeDocument/2006/relationships" xmlns:p="http://schemas.openxmlformats.org/presentationml/2006/main">
+  <p:cSld>
+    <p:spTree>
+      <p:nvGrpSpPr>
+        <p:cNvPr id="1" name=""/>
+        <p:cNvGrpSpPr/>
+        <p:nvPr/>
+      </p:nvGrpSpPr>
+      <p:grpSpPr>
+        <a:xfrm>
+          <a:off x="0" y="0"/>
+          <a:ext cx="0" cy="0"/>
+          <a:chOff x="0" y="0"/>
+          <a:chExt cx="0" cy="0"/>
+        </a:xfrm>
+      </p:grpSpPr>
+      <p:sp>
+        <p:nvSpPr>
+          <p:cNvPr id="2" name="標題 1"/>
+          <p:cNvSpPr>
+            <a:spLocks noGrp="1"/>
+          </p:cNvSpPr>
+          <p:nvPr>
+            <p:ph type="title"/>
+          </p:nvPr>
+        </p:nvSpPr>
+        <p:spPr/>
+        <p:txBody>
+          <a:bodyPr rtlCol="0"/>
+          <a:lstStyle/>
+          <a:p>
+            <a:pPr rtl="0"/>
+            <a:r>
+              <a:rPr lang="zh-TW" altLang="en-US" dirty="0" smtClean="0">
+                <a:ea typeface="Microsoft JhengHei UI" panose="020B0604030504040204" pitchFamily="34" charset="-120"/>
+              </a:rPr>
+              <a:t>專案分析</a:t>
+            </a:r>
+            <a:endParaRPr lang="zh-TW" altLang="en-US" dirty="0">
+              <a:ea typeface="Microsoft JhengHei UI" panose="020B0604030504040204" pitchFamily="34" charset="-120"/>
+            </a:endParaRPr>
+          </a:p>
+        </p:txBody>
+      </p:sp>
+      <p:graphicFrame>
+        <p:nvGraphicFramePr>
+          <p:cNvPr id="5" name="內容版面配置區 4">
+            <a:extLst>
+              <a:ext uri="{FF2B5EF4-FFF2-40B4-BE49-F238E27FC236}">
+                <a16:creationId xmlns:a16="http://schemas.microsoft.com/office/drawing/2014/main" id="{313014D0-AE92-4D00-81FD-6738CBB9EFBC}"/>
+              </a:ext>
+            </a:extLst>
+          </p:cNvPr>
+          <p:cNvGraphicFramePr>
+            <a:graphicFrameLocks noGrp="1"/>
+          </p:cNvGraphicFramePr>
+          <p:nvPr>
+            <p:ph idx="1"/>
+            <p:extLst>
+              <p:ext uri="{D42A27DB-BD31-4B8C-83A1-F6EECF244321}">
+                <p14:modId xmlns:p14="http://schemas.microsoft.com/office/powerpoint/2010/main" val="539356179"/>
+              </p:ext>
+            </p:extLst>
+          </p:nvPr>
+        </p:nvGraphicFramePr>
+        <p:xfrm>
+          <a:off x="1065212" y="1828800"/>
+          <a:ext cx="9997751" cy="4912568"/>
+        </p:xfrm>
+        <a:graphic>
+          <a:graphicData uri="http://schemas.openxmlformats.org/drawingml/2006/diagram">
+            <dgm:relIds xmlns:dgm="http://schemas.openxmlformats.org/drawingml/2006/diagram" xmlns:r="http://schemas.openxmlformats.org/officeDocument/2006/relationships" r:dm="rId3" r:lo="rId4" r:qs="rId5" r:cs="rId6"/>
+          </a:graphicData>
+        </a:graphic>
+      </p:graphicFrame>
+    </p:spTree>
+    <p:extLst>
+      <p:ext uri="{BB962C8B-B14F-4D97-AF65-F5344CB8AC3E}">
+        <p14:creationId xmlns:p14="http://schemas.microsoft.com/office/powerpoint/2010/main" val="417914984"/>
+      </p:ext>
+    </p:extLst>
+  </p:cSld>
+  <p:clrMapOvr>
+    <a:masterClrMapping/>
+  </p:clrMapOvr>
+  <mc:AlternateContent xmlns:mc="http://schemas.openxmlformats.org/markup-compatibility/2006" xmlns:p14="http://schemas.microsoft.com/office/powerpoint/2010/main">
+    <mc:Choice Requires="p14">
+      <p:transition spd="med" p14:dur="700">
+        <p:fade/>
+      </p:transition>
+    </mc:Choice>
+    <mc:Fallback xmlns="">
+      <p:transition spd="med">
+        <p:fade/>
+      </p:transition>
+    </mc:Fallback>
+  </mc:AlternateContent>
+</p:sld>
+</file>
+
+<file path=ppt/slides/slide5.xml><?xml version="1.0" encoding="utf-8"?>
+<p:sld xmlns:a="http://schemas.openxmlformats.org/drawingml/2006/main" xmlns:r="http://schemas.openxmlformats.org/officeDocument/2006/relationships" xmlns:p="http://schemas.openxmlformats.org/presentationml/2006/main">
+  <p:cSld>
+    <p:spTree>
+      <p:nvGrpSpPr>
+        <p:cNvPr id="1" name=""/>
+        <p:cNvGrpSpPr/>
+        <p:nvPr/>
+      </p:nvGrpSpPr>
+      <p:grpSpPr>
+        <a:xfrm>
+          <a:off x="0" y="0"/>
+          <a:ext cx="0" cy="0"/>
+          <a:chOff x="0" y="0"/>
+          <a:chExt cx="0" cy="0"/>
+        </a:xfrm>
+      </p:grpSpPr>
+      <p:sp>
+        <p:nvSpPr>
+          <p:cNvPr id="2" name="標題 1"/>
+          <p:cNvSpPr>
+            <a:spLocks noGrp="1"/>
+          </p:cNvSpPr>
+          <p:nvPr>
+            <p:ph type="title"/>
+          </p:nvPr>
+        </p:nvSpPr>
+        <p:spPr/>
+        <p:txBody>
+          <a:bodyPr/>
+          <a:lstStyle/>
+          <a:p>
+            <a:r>
+              <a:rPr lang="zh-TW" altLang="en-US" dirty="0"/>
+              <a:t>專案</a:t>
+            </a:r>
+            <a:r>
+              <a:rPr lang="zh-TW" altLang="en-US" dirty="0" smtClean="0"/>
+              <a:t>分析</a:t>
+            </a:r>
+            <a:r>
+              <a:rPr lang="en-US" altLang="zh-TW" dirty="0" smtClean="0"/>
+              <a:t>-</a:t>
+            </a:r>
+            <a:r>
+              <a:rPr lang="zh-TW" altLang="en-US" dirty="0" smtClean="0"/>
+              <a:t>功能模組</a:t>
+            </a:r>
+            <a:endParaRPr lang="zh-TW" altLang="en-US" dirty="0"/>
+          </a:p>
+        </p:txBody>
+      </p:sp>
+      <p:sp>
+        <p:nvSpPr>
+          <p:cNvPr id="3" name="內容版面配置區 2"/>
+          <p:cNvSpPr>
+            <a:spLocks noGrp="1"/>
+          </p:cNvSpPr>
+          <p:nvPr>
+            <p:ph idx="1"/>
+          </p:nvPr>
+        </p:nvSpPr>
+        <p:spPr/>
+        <p:txBody>
+          <a:bodyPr/>
+          <a:lstStyle/>
+          <a:p>
+            <a:pPr marL="274320" lvl="1">
+              <a:spcBef>
+                <a:spcPts val="1800"/>
+              </a:spcBef>
+            </a:pPr>
+            <a:r>
+              <a:rPr lang="zh-TW" altLang="en-US" dirty="0" smtClean="0"/>
+              <a:t>訓練模型程式 </a:t>
+            </a:r>
+            <a:r>
+              <a:rPr lang="en-US" altLang="zh-TW" dirty="0" smtClean="0"/>
+              <a:t>:</a:t>
+            </a:r>
+            <a:r>
+              <a:rPr lang="zh-TW" altLang="en-US" dirty="0" smtClean="0"/>
+              <a:t>利用機器學習訓練出一個有效的模型</a:t>
+            </a:r>
+            <a:endParaRPr lang="en-US" altLang="zh-TW" dirty="0" smtClean="0"/>
+          </a:p>
+          <a:p>
+            <a:pPr marL="274320" lvl="1">
+              <a:spcBef>
+                <a:spcPts val="1800"/>
+              </a:spcBef>
+            </a:pPr>
+            <a:endParaRPr lang="en-US" altLang="zh-TW" dirty="0" smtClean="0"/>
+          </a:p>
+          <a:p>
+            <a:pPr marL="274320" lvl="1">
+              <a:spcBef>
+                <a:spcPts val="1800"/>
+              </a:spcBef>
+            </a:pPr>
+            <a:endParaRPr lang="en-US" altLang="zh-TW" dirty="0" smtClean="0"/>
+          </a:p>
+          <a:p>
+            <a:pPr marL="274320" lvl="1">
+              <a:spcBef>
+                <a:spcPts val="1800"/>
+              </a:spcBef>
+            </a:pPr>
+            <a:r>
+              <a:rPr lang="zh-TW" altLang="en-US" dirty="0" smtClean="0"/>
+              <a:t>執行模型程式</a:t>
+            </a:r>
+            <a:endParaRPr lang="en-US" altLang="zh-TW" dirty="0" smtClean="0"/>
+          </a:p>
+          <a:p>
+            <a:pPr marL="274320" lvl="1">
+              <a:spcBef>
+                <a:spcPts val="1800"/>
+              </a:spcBef>
+            </a:pPr>
+            <a:endParaRPr lang="en-US" altLang="zh-TW" dirty="0" smtClean="0"/>
+          </a:p>
+          <a:p>
+            <a:endParaRPr lang="en-US" altLang="zh-TW" dirty="0" smtClean="0"/>
+          </a:p>
+          <a:p>
+            <a:endParaRPr lang="zh-TW" altLang="en-US" dirty="0"/>
+          </a:p>
+        </p:txBody>
+      </p:sp>
+      <p:pic>
+        <p:nvPicPr>
+          <p:cNvPr id="4" name="圖片 3"/>
+          <p:cNvPicPr>
+            <a:picLocks noChangeAspect="1"/>
+          </p:cNvPicPr>
+          <p:nvPr/>
+        </p:nvPicPr>
+        <p:blipFill>
+          <a:blip r:embed="rId2">
+            <a:extLst>
+              <a:ext uri="{28A0092B-C50C-407E-A947-70E740481C1C}">
+                <a14:useLocalDpi xmlns:a14="http://schemas.microsoft.com/office/drawing/2010/main" val="0"/>
+              </a:ext>
+            </a:extLst>
+          </a:blip>
+          <a:stretch>
+            <a:fillRect/>
+          </a:stretch>
+        </p:blipFill>
+        <p:spPr>
+          <a:xfrm>
+            <a:off x="3286100" y="2204864"/>
+            <a:ext cx="3629532" cy="962159"/>
+          </a:xfrm>
+          <a:prstGeom prst="rect">
+            <a:avLst/>
+          </a:prstGeom>
+        </p:spPr>
+      </p:pic>
+      <p:sp>
+        <p:nvSpPr>
+          <p:cNvPr id="6" name="矩形 5"/>
+          <p:cNvSpPr/>
+          <p:nvPr/>
+        </p:nvSpPr>
+        <p:spPr>
+          <a:xfrm>
+            <a:off x="1773932" y="4219541"/>
+            <a:ext cx="1851660" cy="972820"/>
+          </a:xfrm>
+          <a:prstGeom prst="rect">
+            <a:avLst/>
+          </a:prstGeom>
+        </p:spPr>
+        <p:style>
+          <a:lnRef idx="2">
+            <a:schemeClr val="accent1">
+              <a:shade val="50000"/>
+            </a:schemeClr>
+          </a:lnRef>
+          <a:fillRef idx="1">
+            <a:schemeClr val="accent1"/>
+          </a:fillRef>
+          <a:effectRef idx="0">
+            <a:schemeClr val="accent1"/>
+          </a:effectRef>
+          <a:fontRef idx="minor">
+            <a:schemeClr val="lt1"/>
+          </a:fontRef>
+        </p:style>
+        <p:txBody>
+          <a:bodyPr rtlCol="0" anchor="ctr"/>
+          <a:lstStyle/>
+          <a:p>
+            <a:pPr algn="ctr"/>
+            <a:r>
+              <a:rPr lang="zh-TW" altLang="en-US" dirty="0" smtClean="0"/>
+              <a:t>訓練模型</a:t>
+            </a:r>
+            <a:endParaRPr lang="zh-TW" altLang="en-US" dirty="0"/>
+          </a:p>
+        </p:txBody>
+      </p:sp>
+      <p:sp>
+        <p:nvSpPr>
+          <p:cNvPr id="7" name="矩形 6"/>
+          <p:cNvSpPr/>
+          <p:nvPr/>
+        </p:nvSpPr>
+        <p:spPr>
+          <a:xfrm>
+            <a:off x="6742484" y="4221088"/>
+            <a:ext cx="1851660" cy="972820"/>
+          </a:xfrm>
+          <a:prstGeom prst="rect">
+            <a:avLst/>
+          </a:prstGeom>
+        </p:spPr>
+        <p:style>
+          <a:lnRef idx="2">
+            <a:schemeClr val="accent1">
+              <a:shade val="50000"/>
+            </a:schemeClr>
+          </a:lnRef>
+          <a:fillRef idx="1">
+            <a:schemeClr val="accent1"/>
+          </a:fillRef>
+          <a:effectRef idx="0">
+            <a:schemeClr val="accent1"/>
+          </a:effectRef>
+          <a:fontRef idx="minor">
+            <a:schemeClr val="lt1"/>
+          </a:fontRef>
+        </p:style>
+        <p:txBody>
+          <a:bodyPr rtlCol="0" anchor="ctr"/>
+          <a:lstStyle/>
+          <a:p>
+            <a:pPr algn="ctr"/>
+            <a:r>
+              <a:rPr lang="zh-TW" altLang="en-US" dirty="0" smtClean="0"/>
+              <a:t>比賽對打</a:t>
+            </a:r>
+            <a:endParaRPr lang="zh-TW" altLang="en-US" dirty="0"/>
+          </a:p>
+        </p:txBody>
+      </p:sp>
+      <p:sp>
+        <p:nvSpPr>
+          <p:cNvPr id="8" name="矩形 7"/>
+          <p:cNvSpPr/>
+          <p:nvPr/>
+        </p:nvSpPr>
+        <p:spPr>
+          <a:xfrm>
+            <a:off x="4189726" y="3955981"/>
+            <a:ext cx="1649129" cy="369332"/>
+          </a:xfrm>
+          <a:prstGeom prst="rect">
+            <a:avLst/>
+          </a:prstGeom>
+        </p:spPr>
+        <p:txBody>
+          <a:bodyPr wrap="square">
+            <a:spAutoFit/>
+          </a:bodyPr>
+          <a:lstStyle/>
+          <a:p>
+            <a:r>
+              <a:rPr lang="zh-TW" altLang="en-US" dirty="0"/>
+              <a:t>提供</a:t>
+            </a:r>
+            <a:r>
+              <a:rPr lang="zh-TW" altLang="en-US" dirty="0" smtClean="0"/>
+              <a:t>預測模型</a:t>
+            </a:r>
+            <a:endParaRPr lang="zh-TW" altLang="en-US" dirty="0"/>
+          </a:p>
+        </p:txBody>
+      </p:sp>
+      <p:cxnSp>
+        <p:nvCxnSpPr>
+          <p:cNvPr id="10" name="直線單箭頭接點 9"/>
+          <p:cNvCxnSpPr/>
+          <p:nvPr/>
+        </p:nvCxnSpPr>
+        <p:spPr>
+          <a:xfrm>
+            <a:off x="3646140" y="4437112"/>
+            <a:ext cx="3096344" cy="0"/>
+          </a:xfrm>
+          <a:prstGeom prst="straightConnector1">
+            <a:avLst/>
+          </a:prstGeom>
+          <a:ln>
+            <a:tailEnd type="triangle"/>
+          </a:ln>
+        </p:spPr>
+        <p:style>
+          <a:lnRef idx="1">
+            <a:schemeClr val="accent1"/>
+          </a:lnRef>
+          <a:fillRef idx="0">
+            <a:schemeClr val="accent1"/>
+          </a:fillRef>
+          <a:effectRef idx="0">
+            <a:schemeClr val="accent1"/>
+          </a:effectRef>
+          <a:fontRef idx="minor">
+            <a:schemeClr val="tx1"/>
+          </a:fontRef>
+        </p:style>
+      </p:cxnSp>
+      <p:sp>
+        <p:nvSpPr>
+          <p:cNvPr id="11" name="矩形 10"/>
+          <p:cNvSpPr/>
+          <p:nvPr/>
+        </p:nvSpPr>
+        <p:spPr>
+          <a:xfrm>
+            <a:off x="3767796" y="5075892"/>
+            <a:ext cx="2492990" cy="369332"/>
+          </a:xfrm>
+          <a:prstGeom prst="rect">
+            <a:avLst/>
+          </a:prstGeom>
+        </p:spPr>
+        <p:txBody>
+          <a:bodyPr wrap="none">
+            <a:spAutoFit/>
+          </a:bodyPr>
+          <a:lstStyle/>
+          <a:p>
+            <a:r>
+              <a:rPr lang="zh-TW" altLang="en-US" dirty="0" smtClean="0"/>
+              <a:t>依據對打結果修正模型</a:t>
+            </a:r>
+            <a:endParaRPr lang="zh-TW" altLang="en-US" dirty="0"/>
+          </a:p>
+        </p:txBody>
+      </p:sp>
+      <p:cxnSp>
+        <p:nvCxnSpPr>
+          <p:cNvPr id="15" name="直線單箭頭接點 14"/>
+          <p:cNvCxnSpPr/>
+          <p:nvPr/>
+        </p:nvCxnSpPr>
+        <p:spPr>
+          <a:xfrm flipH="1">
+            <a:off x="3625592" y="4941168"/>
+            <a:ext cx="3116892" cy="0"/>
+          </a:xfrm>
+          <a:prstGeom prst="straightConnector1">
+            <a:avLst/>
+          </a:prstGeom>
+          <a:ln>
+            <a:tailEnd type="triangle"/>
+          </a:ln>
+        </p:spPr>
+        <p:style>
+          <a:lnRef idx="1">
+            <a:schemeClr val="accent1"/>
+          </a:lnRef>
+          <a:fillRef idx="0">
+            <a:schemeClr val="accent1"/>
+          </a:fillRef>
+          <a:effectRef idx="0">
+            <a:schemeClr val="accent1"/>
+          </a:effectRef>
+          <a:fontRef idx="minor">
+            <a:schemeClr val="tx1"/>
+          </a:fontRef>
+        </p:style>
+      </p:cxnSp>
+    </p:spTree>
+    <p:extLst>
+      <p:ext uri="{BB962C8B-B14F-4D97-AF65-F5344CB8AC3E}">
+        <p14:creationId xmlns:p14="http://schemas.microsoft.com/office/powerpoint/2010/main" val="3411665806"/>
+      </p:ext>
+    </p:extLst>
+  </p:cSld>
+  <p:clrMapOvr>
+    <a:masterClrMapping/>
+  </p:clrMapOvr>
+  <mc:AlternateContent xmlns:mc="http://schemas.openxmlformats.org/markup-compatibility/2006" xmlns:p14="http://schemas.microsoft.com/office/powerpoint/2010/main">
+    <mc:Choice Requires="p14">
+      <p:transition spd="med" p14:dur="700">
+        <p:fade/>
+      </p:transition>
+    </mc:Choice>
+    <mc:Fallback xmlns="">
+      <p:transition spd="med">
+        <p:fade/>
+      </p:transition>
+    </mc:Fallback>
+  </mc:AlternateContent>
+</p:sld>
+</file>
+
+<file path=ppt/slides/slide6.xml><?xml version="1.0" encoding="utf-8"?>
+<p:sld xmlns:a="http://schemas.openxmlformats.org/drawingml/2006/main" xmlns:r="http://schemas.openxmlformats.org/officeDocument/2006/relationships" xmlns:p="http://schemas.openxmlformats.org/presentationml/2006/main">
+  <p:cSld>
+    <p:spTree>
+      <p:nvGrpSpPr>
+        <p:cNvPr id="1" name=""/>
+        <p:cNvGrpSpPr/>
+        <p:nvPr/>
+      </p:nvGrpSpPr>
+      <p:grpSpPr>
+        <a:xfrm>
+          <a:off x="0" y="0"/>
+          <a:ext cx="0" cy="0"/>
+          <a:chOff x="0" y="0"/>
+          <a:chExt cx="0" cy="0"/>
+        </a:xfrm>
+      </p:grpSpPr>
+      <p:sp>
+        <p:nvSpPr>
+          <p:cNvPr id="2" name="標題 1"/>
+          <p:cNvSpPr>
+            <a:spLocks noGrp="1"/>
+          </p:cNvSpPr>
+          <p:nvPr>
+            <p:ph type="title"/>
+          </p:nvPr>
+        </p:nvSpPr>
+        <p:spPr/>
+        <p:txBody>
+          <a:bodyPr/>
+          <a:lstStyle/>
+          <a:p>
+            <a:r>
+              <a:rPr lang="zh-TW" altLang="en-US" dirty="0"/>
+              <a:t>專案分析</a:t>
+            </a:r>
+            <a:r>
+              <a:rPr lang="en-US" altLang="zh-TW" dirty="0" smtClean="0"/>
+              <a:t>-KNN</a:t>
+            </a:r>
+            <a:endParaRPr lang="zh-TW" altLang="en-US" dirty="0"/>
+          </a:p>
+        </p:txBody>
+      </p:sp>
+      <p:sp>
+        <p:nvSpPr>
+          <p:cNvPr id="5" name="內容版面配置區 4"/>
+          <p:cNvSpPr>
+            <a:spLocks noGrp="1"/>
+          </p:cNvSpPr>
+          <p:nvPr>
+            <p:ph idx="1"/>
+          </p:nvPr>
+        </p:nvSpPr>
+        <p:spPr/>
+        <p:txBody>
+          <a:bodyPr/>
+          <a:lstStyle/>
+          <a:p>
+            <a:r>
+              <a:rPr lang="en-US" altLang="zh-TW" dirty="0"/>
+              <a:t>KNN</a:t>
+            </a:r>
+            <a:r>
+              <a:rPr lang="zh-TW" altLang="en-US" dirty="0"/>
+              <a:t>演算法，全名叫</a:t>
+            </a:r>
+            <a:r>
+              <a:rPr lang="en-US" altLang="zh-TW" b="1" dirty="0"/>
+              <a:t>K-nearest neighbors </a:t>
+            </a:r>
+            <a:r>
+              <a:rPr lang="en-US" altLang="zh-TW" b="1" dirty="0" smtClean="0"/>
+              <a:t>algorithm</a:t>
+            </a:r>
+          </a:p>
+          <a:p>
+            <a:r>
+              <a:rPr lang="en-US" altLang="zh-TW" dirty="0"/>
+              <a:t>KNN</a:t>
+            </a:r>
+            <a:r>
+              <a:rPr lang="zh-TW" altLang="en-US" dirty="0"/>
+              <a:t>屬於機器學習中的監督式學習</a:t>
+            </a:r>
+            <a:r>
+              <a:rPr lang="en-US" altLang="zh-TW" dirty="0"/>
+              <a:t>(</a:t>
+            </a:r>
+            <a:r>
+              <a:rPr lang="en-US" altLang="zh-TW" b="1" dirty="0"/>
+              <a:t>Supervised learning</a:t>
+            </a:r>
+            <a:r>
+              <a:rPr lang="en-US" altLang="zh-TW" dirty="0" smtClean="0"/>
+              <a:t>)</a:t>
+            </a:r>
+            <a:r>
+              <a:rPr lang="zh-TW" altLang="en-US" dirty="0" smtClean="0"/>
+              <a:t>，</a:t>
+            </a:r>
+            <a:r>
+              <a:rPr lang="zh-TW" altLang="en-US" dirty="0"/>
+              <a:t>但是在</a:t>
+            </a:r>
+            <a:r>
+              <a:rPr lang="en-US" altLang="zh-TW" dirty="0"/>
+              <a:t>KNN</a:t>
+            </a:r>
+            <a:r>
+              <a:rPr lang="zh-TW" altLang="en-US" dirty="0"/>
+              <a:t>其實並沒有做</a:t>
+            </a:r>
+            <a:r>
+              <a:rPr lang="en-US" altLang="zh-TW" dirty="0"/>
+              <a:t>training</a:t>
+            </a:r>
+            <a:r>
+              <a:rPr lang="zh-TW" altLang="en-US" dirty="0"/>
+              <a:t>的</a:t>
+            </a:r>
+            <a:r>
+              <a:rPr lang="zh-TW" altLang="en-US" dirty="0" smtClean="0"/>
+              <a:t>動作</a:t>
+            </a:r>
+            <a:endParaRPr lang="en-US" altLang="zh-TW" dirty="0" smtClean="0"/>
+          </a:p>
+          <a:p>
+            <a:r>
+              <a:rPr lang="zh-TW" altLang="en-US" dirty="0"/>
+              <a:t>在</a:t>
+            </a:r>
+            <a:r>
+              <a:rPr lang="en-US" altLang="zh-TW" dirty="0"/>
+              <a:t>K</a:t>
+            </a:r>
+            <a:r>
+              <a:rPr lang="zh-TW" altLang="en-US" dirty="0"/>
+              <a:t>近鄰分類算法中，對於預測的新樣本數據，將其與訓練樣本一一進行比較，找到最為相似的</a:t>
+            </a:r>
+            <a:r>
+              <a:rPr lang="en-US" altLang="zh-TW" dirty="0"/>
+              <a:t>K</a:t>
+            </a:r>
+            <a:r>
+              <a:rPr lang="zh-TW" altLang="en-US" dirty="0"/>
+              <a:t>個訓練樣本，並以這</a:t>
+            </a:r>
+            <a:r>
+              <a:rPr lang="en-US" altLang="zh-TW" dirty="0"/>
+              <a:t>K</a:t>
+            </a:r>
+            <a:r>
+              <a:rPr lang="zh-TW" altLang="en-US" dirty="0"/>
+              <a:t>個訓練樣本中出現最多的分類標籤作為最終新樣本數據的預測標籤。</a:t>
+            </a:r>
+          </a:p>
+        </p:txBody>
+      </p:sp>
+      <p:pic>
+        <p:nvPicPr>
+          <p:cNvPr id="6" name="圖片 5"/>
+          <p:cNvPicPr>
+            <a:picLocks noChangeAspect="1"/>
+          </p:cNvPicPr>
+          <p:nvPr/>
+        </p:nvPicPr>
+        <p:blipFill>
+          <a:blip r:embed="rId2">
+            <a:extLst>
+              <a:ext uri="{28A0092B-C50C-407E-A947-70E740481C1C}">
+                <a14:useLocalDpi xmlns:a14="http://schemas.microsoft.com/office/drawing/2010/main" val="0"/>
+              </a:ext>
+            </a:extLst>
+          </a:blip>
+          <a:stretch>
+            <a:fillRect/>
+          </a:stretch>
+        </p:blipFill>
+        <p:spPr>
+          <a:xfrm>
+            <a:off x="6310436" y="3988509"/>
+            <a:ext cx="2331472" cy="2259891"/>
+          </a:xfrm>
+          <a:prstGeom prst="rect">
+            <a:avLst/>
+          </a:prstGeom>
+        </p:spPr>
+      </p:pic>
+    </p:spTree>
+    <p:extLst>
+      <p:ext uri="{BB962C8B-B14F-4D97-AF65-F5344CB8AC3E}">
+        <p14:creationId xmlns:p14="http://schemas.microsoft.com/office/powerpoint/2010/main" val="2588037978"/>
+      </p:ext>
+    </p:extLst>
+  </p:cSld>
+  <p:clrMapOvr>
+    <a:masterClrMapping/>
+  </p:clrMapOvr>
+  <mc:AlternateContent xmlns:mc="http://schemas.openxmlformats.org/markup-compatibility/2006" xmlns:p14="http://schemas.microsoft.com/office/powerpoint/2010/main">
+    <mc:Choice Requires="p14">
+      <p:transition spd="med" p14:dur="700">
+        <p:fade/>
+      </p:transition>
+    </mc:Choice>
+    <mc:Fallback xmlns="">
+      <p:transition spd="med">
+        <p:fade/>
+      </p:transition>
+    </mc:Fallback>
+  </mc:AlternateContent>
+</p:sld>
+</file>
+
+<file path=ppt/slides/slide7.xml><?xml version="1.0" encoding="utf-8"?>
+<p:sld xmlns:a="http://schemas.openxmlformats.org/drawingml/2006/main" xmlns:r="http://schemas.openxmlformats.org/officeDocument/2006/relationships" xmlns:p="http://schemas.openxmlformats.org/presentationml/2006/main">
+  <p:cSld>
+    <p:spTree>
+      <p:nvGrpSpPr>
+        <p:cNvPr id="1" name=""/>
+        <p:cNvGrpSpPr/>
+        <p:nvPr/>
+      </p:nvGrpSpPr>
+      <p:grpSpPr>
+        <a:xfrm>
+          <a:off x="0" y="0"/>
+          <a:ext cx="0" cy="0"/>
+          <a:chOff x="0" y="0"/>
+          <a:chExt cx="0" cy="0"/>
+        </a:xfrm>
+      </p:grpSpPr>
+      <p:sp>
+        <p:nvSpPr>
+          <p:cNvPr id="2" name="標題 1"/>
+          <p:cNvSpPr>
+            <a:spLocks noGrp="1"/>
+          </p:cNvSpPr>
+          <p:nvPr>
+            <p:ph type="title"/>
+          </p:nvPr>
+        </p:nvSpPr>
+        <p:spPr/>
+        <p:txBody>
+          <a:bodyPr/>
+          <a:lstStyle/>
+          <a:p>
+            <a:r>
+              <a:rPr lang="zh-TW" altLang="en-US" dirty="0"/>
+              <a:t>專案</a:t>
+            </a:r>
+            <a:r>
+              <a:rPr lang="zh-TW" altLang="en-US" dirty="0" smtClean="0"/>
+              <a:t>分析</a:t>
+            </a:r>
+            <a:r>
+              <a:rPr lang="en-US" altLang="zh-TW" dirty="0" smtClean="0"/>
+              <a:t>-</a:t>
+            </a:r>
+            <a:r>
+              <a:rPr lang="zh-TW" altLang="en-US" dirty="0" smtClean="0"/>
+              <a:t>遊戲分析</a:t>
+            </a:r>
+            <a:endParaRPr lang="zh-TW" altLang="en-US" dirty="0"/>
+          </a:p>
+        </p:txBody>
+      </p:sp>
+      <p:pic>
+        <p:nvPicPr>
+          <p:cNvPr id="4" name="內容版面配置區 3">
+            <a:extLst>
+              <a:ext uri="{FF2B5EF4-FFF2-40B4-BE49-F238E27FC236}">
+                <a16:creationId xmlns:a16="http://schemas.microsoft.com/office/drawing/2014/main" id="{1F369AC9-9C21-4A38-8B2F-F7BB615CCA1A}"/>
+              </a:ext>
+            </a:extLst>
+          </p:cNvPr>
+          <p:cNvPicPr>
+            <a:picLocks noGrp="1" noChangeAspect="1"/>
+          </p:cNvPicPr>
+          <p:nvPr>
+            <p:ph idx="1"/>
+          </p:nvPr>
+        </p:nvPicPr>
+        <p:blipFill>
+          <a:blip r:embed="rId2">
+            <a:extLst>
+              <a:ext uri="{28A0092B-C50C-407E-A947-70E740481C1C}">
+                <a14:useLocalDpi xmlns:a14="http://schemas.microsoft.com/office/drawing/2010/main" val="0"/>
+              </a:ext>
+            </a:extLst>
+          </a:blip>
+          <a:stretch>
+            <a:fillRect/>
+          </a:stretch>
+        </p:blipFill>
+        <p:spPr>
+          <a:xfrm>
+            <a:off x="1034389" y="1700808"/>
+            <a:ext cx="1585783" cy="4191000"/>
+          </a:xfrm>
+          <a:prstGeom prst="rect">
+            <a:avLst/>
+          </a:prstGeom>
+        </p:spPr>
+      </p:pic>
+      <p:sp>
+        <p:nvSpPr>
+          <p:cNvPr id="6" name="內容版面配置區 2"/>
+          <p:cNvSpPr txBox="1">
+            <a:spLocks/>
+          </p:cNvSpPr>
+          <p:nvPr/>
+        </p:nvSpPr>
+        <p:spPr>
+          <a:xfrm>
+            <a:off x="3430116" y="1580719"/>
+            <a:ext cx="8596668" cy="5715000"/>
+          </a:xfrm>
+          <a:prstGeom prst="rect">
+            <a:avLst/>
+          </a:prstGeom>
+        </p:spPr>
+        <p:txBody>
+          <a:bodyPr vert="horz" lIns="91440" tIns="45720" rIns="91440" bIns="45720" rtlCol="0">
+            <a:normAutofit/>
+          </a:bodyPr>
+          <a:lstStyle>
+            <a:lvl1pPr marL="274320" indent="-228600" algn="l" defTabSz="914400" rtl="0" eaLnBrk="1" latinLnBrk="0" hangingPunct="1">
+              <a:lnSpc>
+                <a:spcPct val="90000"/>
+              </a:lnSpc>
+              <a:spcBef>
+                <a:spcPts val="1800"/>
+              </a:spcBef>
+              <a:buClr>
+                <a:schemeClr val="tx1">
+                  <a:lumMod val="65000"/>
+                  <a:lumOff val="35000"/>
+                </a:schemeClr>
+              </a:buClr>
+              <a:buSzPct val="80000"/>
+              <a:buFont typeface="Arial" pitchFamily="34" charset="0"/>
+              <a:buChar char="•"/>
+              <a:defRPr sz="2000" kern="1200">
+                <a:solidFill>
+                  <a:schemeClr val="tx1"/>
+                </a:solidFill>
+                <a:latin typeface="細明體" panose="02020509000000000000" pitchFamily="49" charset="-120"/>
+                <a:ea typeface="細明體" panose="02020509000000000000" pitchFamily="49" charset="-120"/>
+                <a:cs typeface="+mn-cs"/>
+              </a:defRPr>
+            </a:lvl1pPr>
+            <a:lvl2pPr marL="594360" indent="-228600" algn="l" defTabSz="914400" rtl="0" eaLnBrk="1" latinLnBrk="0" hangingPunct="1">
+              <a:lnSpc>
+                <a:spcPct val="90000"/>
+              </a:lnSpc>
+              <a:spcBef>
+                <a:spcPts val="1000"/>
+              </a:spcBef>
+              <a:buClr>
+                <a:schemeClr val="tx1">
+                  <a:lumMod val="65000"/>
+                  <a:lumOff val="35000"/>
+                </a:schemeClr>
+              </a:buClr>
+              <a:buSzPct val="80000"/>
+              <a:buFont typeface="Arial" pitchFamily="34" charset="0"/>
+              <a:buChar char="•"/>
+              <a:defRPr sz="1800" kern="1200">
+                <a:solidFill>
+                  <a:schemeClr val="tx1"/>
+                </a:solidFill>
+                <a:latin typeface="細明體" panose="02020509000000000000" pitchFamily="49" charset="-120"/>
+                <a:ea typeface="細明體" panose="02020509000000000000" pitchFamily="49" charset="-120"/>
+                <a:cs typeface="+mn-cs"/>
+              </a:defRPr>
+            </a:lvl2pPr>
+            <a:lvl3pPr marL="777240" indent="-182880" algn="l" defTabSz="914400" rtl="0" eaLnBrk="1" latinLnBrk="0" hangingPunct="1">
+              <a:lnSpc>
+                <a:spcPct val="90000"/>
+              </a:lnSpc>
+              <a:spcBef>
+                <a:spcPts val="600"/>
+              </a:spcBef>
+              <a:buClr>
+                <a:schemeClr val="tx1">
+                  <a:lumMod val="65000"/>
+                  <a:lumOff val="35000"/>
+                </a:schemeClr>
+              </a:buClr>
+              <a:buSzPct val="80000"/>
+              <a:buFont typeface="Arial" pitchFamily="34" charset="0"/>
+              <a:buChar char="•"/>
+              <a:defRPr sz="1600" kern="1200">
+                <a:solidFill>
+                  <a:schemeClr val="tx1"/>
+                </a:solidFill>
+                <a:latin typeface="細明體" panose="02020509000000000000" pitchFamily="49" charset="-120"/>
+                <a:ea typeface="細明體" panose="02020509000000000000" pitchFamily="49" charset="-120"/>
+                <a:cs typeface="+mn-cs"/>
+              </a:defRPr>
+            </a:lvl3pPr>
+            <a:lvl4pPr marL="960120" indent="-182880" algn="l" defTabSz="914400" rtl="0" eaLnBrk="1" latinLnBrk="0" hangingPunct="1">
+              <a:lnSpc>
+                <a:spcPct val="90000"/>
+              </a:lnSpc>
+              <a:spcBef>
+                <a:spcPts val="600"/>
+              </a:spcBef>
+              <a:buClr>
+                <a:schemeClr val="tx1">
+                  <a:lumMod val="65000"/>
+                  <a:lumOff val="35000"/>
+                </a:schemeClr>
+              </a:buClr>
+              <a:buSzPct val="80000"/>
+              <a:buFont typeface="Arial" pitchFamily="34" charset="0"/>
+              <a:buChar char="•"/>
+              <a:defRPr sz="1400" kern="1200">
+                <a:solidFill>
+                  <a:schemeClr val="tx1"/>
+                </a:solidFill>
+                <a:latin typeface="細明體" panose="02020509000000000000" pitchFamily="49" charset="-120"/>
+                <a:ea typeface="細明體" panose="02020509000000000000" pitchFamily="49" charset="-120"/>
+                <a:cs typeface="+mn-cs"/>
+              </a:defRPr>
+            </a:lvl4pPr>
+            <a:lvl5pPr marL="1097280" indent="-137160" algn="l" defTabSz="914400" rtl="0" eaLnBrk="1" latinLnBrk="0" hangingPunct="1">
+              <a:lnSpc>
+                <a:spcPct val="90000"/>
+              </a:lnSpc>
+              <a:spcBef>
+                <a:spcPts val="600"/>
+              </a:spcBef>
+              <a:buClr>
+                <a:schemeClr val="tx1">
+                  <a:lumMod val="65000"/>
+                  <a:lumOff val="35000"/>
+                </a:schemeClr>
+              </a:buClr>
+              <a:buSzPct val="80000"/>
+              <a:buFont typeface="Arial" pitchFamily="34" charset="0"/>
+              <a:buChar char="•"/>
+              <a:defRPr sz="1400" kern="1200">
+                <a:solidFill>
+                  <a:schemeClr val="tx1"/>
+                </a:solidFill>
+                <a:latin typeface="細明體" panose="02020509000000000000" pitchFamily="49" charset="-120"/>
+                <a:ea typeface="細明體" panose="02020509000000000000" pitchFamily="49" charset="-120"/>
+                <a:cs typeface="+mn-cs"/>
+              </a:defRPr>
+            </a:lvl5pPr>
+            <a:lvl6pPr marL="1234440" indent="-137160" algn="l" defTabSz="914400" rtl="0" eaLnBrk="1" latinLnBrk="0" hangingPunct="1">
+              <a:spcBef>
+                <a:spcPts val="600"/>
+              </a:spcBef>
+              <a:buSzPct val="80000"/>
+              <a:buFont typeface="Arial" pitchFamily="34" charset="0"/>
+              <a:buChar char="•"/>
+              <a:defRPr sz="1400" kern="1200">
+                <a:solidFill>
+                  <a:schemeClr val="tx1">
+                    <a:lumMod val="65000"/>
+                    <a:lumOff val="35000"/>
+                  </a:schemeClr>
+                </a:solidFill>
+                <a:latin typeface="+mn-lt"/>
+                <a:ea typeface="+mn-ea"/>
+                <a:cs typeface="+mn-cs"/>
+              </a:defRPr>
+            </a:lvl6pPr>
+            <a:lvl7pPr marL="1371600" indent="-137160" algn="l" defTabSz="914400" rtl="0" eaLnBrk="1" latinLnBrk="0" hangingPunct="1">
+              <a:spcBef>
+                <a:spcPts val="600"/>
+              </a:spcBef>
+              <a:buSzPct val="80000"/>
+              <a:buFont typeface="Arial" pitchFamily="34" charset="0"/>
+              <a:buChar char="•"/>
+              <a:defRPr sz="1400" kern="1200">
+                <a:solidFill>
+                  <a:schemeClr val="tx1">
+                    <a:lumMod val="65000"/>
+                    <a:lumOff val="35000"/>
+                  </a:schemeClr>
+                </a:solidFill>
+                <a:latin typeface="+mn-lt"/>
+                <a:ea typeface="+mn-ea"/>
+                <a:cs typeface="+mn-cs"/>
+              </a:defRPr>
+            </a:lvl7pPr>
+            <a:lvl8pPr marL="1508760" indent="-137160" algn="l" defTabSz="914400" rtl="0" eaLnBrk="1" latinLnBrk="0" hangingPunct="1">
+              <a:spcBef>
+                <a:spcPts val="600"/>
+              </a:spcBef>
+              <a:buSzPct val="80000"/>
+              <a:buFont typeface="Arial" pitchFamily="34" charset="0"/>
+              <a:buChar char="•"/>
+              <a:defRPr sz="1400" kern="1200">
+                <a:solidFill>
+                  <a:schemeClr val="tx1">
+                    <a:lumMod val="65000"/>
+                    <a:lumOff val="35000"/>
+                  </a:schemeClr>
+                </a:solidFill>
+                <a:latin typeface="+mn-lt"/>
+                <a:ea typeface="+mn-ea"/>
+                <a:cs typeface="+mn-cs"/>
+              </a:defRPr>
+            </a:lvl8pPr>
+            <a:lvl9pPr marL="1645920" indent="-137160" algn="l" defTabSz="914400" rtl="0" eaLnBrk="1" latinLnBrk="0" hangingPunct="1">
+              <a:spcBef>
+                <a:spcPts val="600"/>
+              </a:spcBef>
+              <a:buSzPct val="80000"/>
+              <a:buFont typeface="Arial" pitchFamily="34" charset="0"/>
+              <a:buChar char="•"/>
+              <a:defRPr sz="1400" kern="1200">
+                <a:solidFill>
+                  <a:schemeClr val="tx1">
+                    <a:lumMod val="65000"/>
+                    <a:lumOff val="35000"/>
+                  </a:schemeClr>
+                </a:solidFill>
+                <a:latin typeface="+mn-lt"/>
+                <a:ea typeface="+mn-ea"/>
+                <a:cs typeface="+mn-cs"/>
+              </a:defRPr>
+            </a:lvl9pPr>
+          </a:lstStyle>
+          <a:p>
+            <a:r>
+              <a:rPr lang="zh-TW" altLang="en-US" sz="2800" b="1" dirty="0" smtClean="0"/>
+              <a:t>紅色為</a:t>
+            </a:r>
+            <a:r>
+              <a:rPr lang="en-US" altLang="zh-TW" sz="2800" b="1" dirty="0" smtClean="0"/>
+              <a:t>1P</a:t>
+            </a:r>
+            <a:r>
+              <a:rPr lang="zh-TW" altLang="en-US" sz="2800" b="1" dirty="0" smtClean="0"/>
+              <a:t>，藍色為</a:t>
+            </a:r>
+            <a:r>
+              <a:rPr lang="en-US" altLang="zh-TW" sz="2800" b="1" dirty="0" smtClean="0"/>
+              <a:t>2P</a:t>
+            </a:r>
+            <a:r>
+              <a:rPr lang="zh-TW" altLang="en-US" sz="2800" b="1" dirty="0" smtClean="0"/>
+              <a:t>。</a:t>
+            </a:r>
+            <a:endParaRPr lang="en-US" altLang="zh-TW" sz="2800" b="1" dirty="0" smtClean="0"/>
+          </a:p>
+          <a:p>
+            <a:r>
+              <a:rPr lang="en-US" altLang="zh-TW" sz="2800" b="1" dirty="0" smtClean="0"/>
+              <a:t>1P</a:t>
+            </a:r>
+            <a:r>
+              <a:rPr lang="zh-TW" altLang="en-US" sz="2800" b="1" dirty="0" smtClean="0"/>
+              <a:t>的</a:t>
+            </a:r>
+            <a:r>
+              <a:rPr lang="en-US" altLang="zh-TW" sz="2800" b="1" dirty="0" smtClean="0"/>
+              <a:t>Y</a:t>
+            </a:r>
+            <a:r>
+              <a:rPr lang="zh-TW" altLang="en-US" sz="2800" b="1" dirty="0" smtClean="0"/>
+              <a:t>座標為</a:t>
+            </a:r>
+            <a:r>
+              <a:rPr lang="en-US" altLang="zh-TW" sz="2800" b="1" dirty="0" smtClean="0">
+                <a:solidFill>
+                  <a:srgbClr val="FF0000"/>
+                </a:solidFill>
+              </a:rPr>
+              <a:t>420</a:t>
+            </a:r>
+            <a:r>
+              <a:rPr lang="zh-TW" altLang="en-US" sz="2800" b="1" dirty="0" smtClean="0"/>
+              <a:t>，</a:t>
+            </a:r>
+            <a:r>
+              <a:rPr lang="en-US" altLang="zh-TW" sz="2800" b="1" dirty="0" smtClean="0"/>
+              <a:t>2P</a:t>
+            </a:r>
+            <a:r>
+              <a:rPr lang="zh-TW" altLang="en-US" sz="2800" b="1" dirty="0" smtClean="0"/>
+              <a:t>的</a:t>
+            </a:r>
+            <a:r>
+              <a:rPr lang="en-US" altLang="zh-TW" sz="2800" b="1" dirty="0" smtClean="0"/>
+              <a:t>Y</a:t>
+            </a:r>
+            <a:r>
+              <a:rPr lang="zh-TW" altLang="en-US" sz="2800" b="1" dirty="0" smtClean="0"/>
+              <a:t>座標為</a:t>
+            </a:r>
+            <a:r>
+              <a:rPr lang="en-US" altLang="zh-TW" sz="2800" b="1" dirty="0" smtClean="0">
+                <a:solidFill>
+                  <a:srgbClr val="FF0000"/>
+                </a:solidFill>
+              </a:rPr>
+              <a:t>80</a:t>
+            </a:r>
+          </a:p>
+          <a:p>
+            <a:r>
+              <a:rPr lang="zh-TW" altLang="en-US" sz="2800" b="1" dirty="0" smtClean="0"/>
+              <a:t>物件速度</a:t>
+            </a:r>
+            <a:r>
+              <a:rPr lang="en-US" altLang="zh-TW" sz="2800" b="1" dirty="0" smtClean="0"/>
+              <a:t>:</a:t>
+            </a:r>
+          </a:p>
+          <a:p>
+            <a:pPr lvl="1"/>
+            <a:r>
+              <a:rPr lang="zh-TW" altLang="en-US" sz="2400" b="1" dirty="0" smtClean="0"/>
+              <a:t>球速</a:t>
+            </a:r>
+            <a:r>
+              <a:rPr lang="en-US" altLang="zh-TW" sz="2400" b="1" dirty="0" smtClean="0">
+                <a:solidFill>
+                  <a:srgbClr val="FF0000"/>
+                </a:solidFill>
+                <a:sym typeface="Wingdings" panose="05000000000000000000" pitchFamily="2" charset="2"/>
+              </a:rPr>
+              <a:t>:(7,7)</a:t>
+            </a:r>
+          </a:p>
+          <a:p>
+            <a:pPr lvl="1"/>
+            <a:r>
+              <a:rPr lang="zh-TW" altLang="en-US" sz="2400" b="1" dirty="0" smtClean="0">
+                <a:sym typeface="Wingdings" panose="05000000000000000000" pitchFamily="2" charset="2"/>
+              </a:rPr>
+              <a:t>平板移動速度</a:t>
+            </a:r>
+            <a:r>
+              <a:rPr lang="en-US" altLang="zh-TW" sz="2400" b="1" dirty="0" smtClean="0">
+                <a:sym typeface="Wingdings" panose="05000000000000000000" pitchFamily="2" charset="2"/>
+              </a:rPr>
+              <a:t>:(5,0)</a:t>
+            </a:r>
+          </a:p>
+          <a:p>
+            <a:r>
+              <a:rPr lang="zh-TW" altLang="en-US" sz="2800" b="1" dirty="0" smtClean="0">
+                <a:sym typeface="Wingdings" panose="05000000000000000000" pitchFamily="2" charset="2"/>
+              </a:rPr>
+              <a:t>初始位置</a:t>
+            </a:r>
+            <a:r>
+              <a:rPr lang="en-US" altLang="zh-TW" sz="2800" b="1" dirty="0" smtClean="0">
+                <a:sym typeface="Wingdings" panose="05000000000000000000" pitchFamily="2" charset="2"/>
+              </a:rPr>
+              <a:t>:</a:t>
+            </a:r>
+          </a:p>
+          <a:p>
+            <a:pPr lvl="1"/>
+            <a:r>
+              <a:rPr lang="en-US" altLang="zh-TW" sz="2400" b="1" dirty="0">
+                <a:sym typeface="Wingdings" panose="05000000000000000000" pitchFamily="2" charset="2"/>
+              </a:rPr>
+              <a:t>1P</a:t>
+            </a:r>
+            <a:r>
+              <a:rPr lang="zh-TW" altLang="en-US" sz="2400" b="1" dirty="0">
+                <a:sym typeface="Wingdings" panose="05000000000000000000" pitchFamily="2" charset="2"/>
+              </a:rPr>
+              <a:t>發球的球起始位置</a:t>
+            </a:r>
+            <a:r>
+              <a:rPr lang="en-US" altLang="zh-TW" sz="2400" b="1" dirty="0">
+                <a:sym typeface="Wingdings" panose="05000000000000000000" pitchFamily="2" charset="2"/>
+              </a:rPr>
+              <a:t>:(120,395)</a:t>
+            </a:r>
+          </a:p>
+          <a:p>
+            <a:pPr lvl="1"/>
+            <a:r>
+              <a:rPr lang="en-US" altLang="zh-TW" sz="2400" b="1" dirty="0">
+                <a:sym typeface="Wingdings" panose="05000000000000000000" pitchFamily="2" charset="2"/>
+              </a:rPr>
+              <a:t>2P</a:t>
+            </a:r>
+            <a:r>
+              <a:rPr lang="zh-TW" altLang="en-US" sz="2400" b="1" dirty="0">
+                <a:sym typeface="Wingdings" panose="05000000000000000000" pitchFamily="2" charset="2"/>
+              </a:rPr>
+              <a:t>發球的球起始位置</a:t>
+            </a:r>
+            <a:r>
+              <a:rPr lang="en-US" altLang="zh-TW" sz="2400" b="1" dirty="0">
+                <a:sym typeface="Wingdings" panose="05000000000000000000" pitchFamily="2" charset="2"/>
+              </a:rPr>
+              <a:t>:(75,100)</a:t>
+            </a:r>
+          </a:p>
+          <a:p>
+            <a:endParaRPr lang="en-US" altLang="zh-TW" sz="2800" b="1" dirty="0" smtClean="0">
+              <a:sym typeface="Wingdings" panose="05000000000000000000" pitchFamily="2" charset="2"/>
+            </a:endParaRPr>
+          </a:p>
+          <a:p>
+            <a:endParaRPr lang="en-US" altLang="zh-TW" sz="2800" b="1" dirty="0">
+              <a:sym typeface="Wingdings" panose="05000000000000000000" pitchFamily="2" charset="2"/>
+            </a:endParaRPr>
+          </a:p>
+          <a:p>
+            <a:endParaRPr lang="en-US" altLang="zh-TW" sz="2800" b="1" dirty="0" smtClean="0">
+              <a:sym typeface="Wingdings" panose="05000000000000000000" pitchFamily="2" charset="2"/>
+            </a:endParaRPr>
+          </a:p>
+          <a:p>
+            <a:pPr lvl="1"/>
+            <a:endParaRPr lang="en-US" altLang="zh-TW" sz="2400" b="1" dirty="0">
+              <a:sym typeface="Wingdings" panose="05000000000000000000" pitchFamily="2" charset="2"/>
+            </a:endParaRPr>
+          </a:p>
+          <a:p>
+            <a:pPr lvl="1"/>
+            <a:endParaRPr lang="en-US" altLang="zh-TW" sz="2400" b="1" dirty="0">
+              <a:sym typeface="Wingdings" panose="05000000000000000000" pitchFamily="2" charset="2"/>
+            </a:endParaRPr>
+          </a:p>
+          <a:p>
+            <a:pPr lvl="1"/>
+            <a:endParaRPr lang="en-US" altLang="zh-TW" sz="2400" b="1" dirty="0" smtClean="0">
+              <a:sym typeface="Wingdings" panose="05000000000000000000" pitchFamily="2" charset="2"/>
+            </a:endParaRPr>
+          </a:p>
+        </p:txBody>
+      </p:sp>
+    </p:spTree>
+    <p:extLst>
+      <p:ext uri="{BB962C8B-B14F-4D97-AF65-F5344CB8AC3E}">
+        <p14:creationId xmlns:p14="http://schemas.microsoft.com/office/powerpoint/2010/main" val="205265432"/>
+      </p:ext>
+    </p:extLst>
+  </p:cSld>
+  <p:clrMapOvr>
+    <a:masterClrMapping/>
+  </p:clrMapOvr>
+  <mc:AlternateContent xmlns:mc="http://schemas.openxmlformats.org/markup-compatibility/2006" xmlns:p14="http://schemas.microsoft.com/office/powerpoint/2010/main">
+    <mc:Choice Requires="p14">
+      <p:transition spd="med" p14:dur="700">
+        <p:fade/>
+      </p:transition>
+    </mc:Choice>
+    <mc:Fallback xmlns="">
+      <p:transition spd="med">
+        <p:fade/>
+      </p:transition>
+    </mc:Fallback>
+  </mc:AlternateContent>
+</p:sld>
+</file>
+
+<file path=ppt/slides/slide8.xml><?xml version="1.0" encoding="utf-8"?>
+<p:sld xmlns:a="http://schemas.openxmlformats.org/drawingml/2006/main" xmlns:r="http://schemas.openxmlformats.org/officeDocument/2006/relationships" xmlns:p="http://schemas.openxmlformats.org/presentationml/2006/main">
+  <p:cSld>
+    <p:spTree>
+      <p:nvGrpSpPr>
+        <p:cNvPr id="1" name=""/>
+        <p:cNvGrpSpPr/>
+        <p:nvPr/>
+      </p:nvGrpSpPr>
+      <p:grpSpPr>
+        <a:xfrm>
+          <a:off x="0" y="0"/>
+          <a:ext cx="0" cy="0"/>
+          <a:chOff x="0" y="0"/>
+          <a:chExt cx="0" cy="0"/>
+        </a:xfrm>
+      </p:grpSpPr>
+      <p:sp>
+        <p:nvSpPr>
+          <p:cNvPr id="2" name="標題 1"/>
+          <p:cNvSpPr>
+            <a:spLocks noGrp="1"/>
+          </p:cNvSpPr>
+          <p:nvPr>
+            <p:ph type="title"/>
+          </p:nvPr>
+        </p:nvSpPr>
+        <p:spPr/>
+        <p:txBody>
+          <a:bodyPr/>
+          <a:lstStyle/>
+          <a:p>
+            <a:r>
+              <a:rPr lang="zh-TW" altLang="en-US" dirty="0" smtClean="0"/>
+              <a:t>專案分析</a:t>
+            </a:r>
+            <a:r>
+              <a:rPr lang="en-US" altLang="zh-TW" dirty="0" smtClean="0"/>
+              <a:t>-</a:t>
+            </a:r>
+            <a:r>
+              <a:rPr lang="zh-TW" altLang="en-US" dirty="0" smtClean="0"/>
+              <a:t>遊戲參數</a:t>
+            </a:r>
+            <a:endParaRPr lang="zh-TW" altLang="en-US" dirty="0"/>
+          </a:p>
+        </p:txBody>
+      </p:sp>
+      <p:graphicFrame>
+        <p:nvGraphicFramePr>
+          <p:cNvPr id="4" name="內容版面配置區 3"/>
+          <p:cNvGraphicFramePr>
+            <a:graphicFrameLocks noGrp="1"/>
+          </p:cNvGraphicFramePr>
+          <p:nvPr>
+            <p:ph idx="1"/>
+            <p:extLst>
+              <p:ext uri="{D42A27DB-BD31-4B8C-83A1-F6EECF244321}">
+                <p14:modId xmlns:p14="http://schemas.microsoft.com/office/powerpoint/2010/main" val="1369696070"/>
+              </p:ext>
+            </p:extLst>
+          </p:nvPr>
+        </p:nvGraphicFramePr>
+        <p:xfrm>
+          <a:off x="1341884" y="5013176"/>
+          <a:ext cx="8686800" cy="1112520"/>
+        </p:xfrm>
+        <a:graphic>
+          <a:graphicData uri="http://schemas.openxmlformats.org/drawingml/2006/table">
+            <a:tbl>
+              <a:tblPr firstRow="1" bandRow="1">
+                <a:tableStyleId>{5C22544A-7EE6-4342-B048-85BDC9FD1C3A}</a:tableStyleId>
+              </a:tblPr>
+              <a:tblGrid>
+                <a:gridCol w="2895600">
+                  <a:extLst>
+                    <a:ext uri="{9D8B030D-6E8A-4147-A177-3AD203B41FA5}">
+                      <a16:colId xmlns:a16="http://schemas.microsoft.com/office/drawing/2014/main" val="3877549198"/>
+                    </a:ext>
+                  </a:extLst>
+                </a:gridCol>
+                <a:gridCol w="2895600">
+                  <a:extLst>
+                    <a:ext uri="{9D8B030D-6E8A-4147-A177-3AD203B41FA5}">
+                      <a16:colId xmlns:a16="http://schemas.microsoft.com/office/drawing/2014/main" val="494597129"/>
+                    </a:ext>
+                  </a:extLst>
+                </a:gridCol>
+                <a:gridCol w="2895600">
+                  <a:extLst>
+                    <a:ext uri="{9D8B030D-6E8A-4147-A177-3AD203B41FA5}">
+                      <a16:colId xmlns:a16="http://schemas.microsoft.com/office/drawing/2014/main" val="3039637802"/>
+                    </a:ext>
+                  </a:extLst>
+                </a:gridCol>
+              </a:tblGrid>
+              <a:tr h="370840">
+                <a:tc>
+                  <a:txBody>
+                    <a:bodyPr/>
+                    <a:lstStyle/>
+                    <a:p>
+                      <a:r>
+                        <a:rPr lang="zh-TW" altLang="en-US" dirty="0" smtClean="0"/>
+                        <a:t>變數名稱</a:t>
+                      </a:r>
+                      <a:endParaRPr lang="zh-TW" altLang="en-US" dirty="0"/>
+                    </a:p>
+                  </a:txBody>
+                  <a:tcPr/>
+                </a:tc>
+                <a:tc>
+                  <a:txBody>
+                    <a:bodyPr/>
+                    <a:lstStyle/>
+                    <a:p>
+                      <a:r>
+                        <a:rPr lang="zh-TW" altLang="en-US" dirty="0" smtClean="0"/>
+                        <a:t>資料型態</a:t>
+                      </a:r>
+                      <a:endParaRPr lang="zh-TW" altLang="en-US" dirty="0"/>
+                    </a:p>
+                  </a:txBody>
+                  <a:tcPr/>
+                </a:tc>
+                <a:tc>
+                  <a:txBody>
+                    <a:bodyPr/>
+                    <a:lstStyle/>
+                    <a:p>
+                      <a:r>
+                        <a:rPr lang="zh-TW" altLang="en-US" dirty="0" smtClean="0"/>
+                        <a:t>舉例</a:t>
+                      </a:r>
+                      <a:endParaRPr lang="zh-TW" altLang="en-US" dirty="0"/>
+                    </a:p>
+                  </a:txBody>
+                  <a:tcPr/>
+                </a:tc>
+                <a:extLst>
+                  <a:ext uri="{0D108BD9-81ED-4DB2-BD59-A6C34878D82A}">
+                    <a16:rowId xmlns:a16="http://schemas.microsoft.com/office/drawing/2014/main" val="563749198"/>
+                  </a:ext>
+                </a:extLst>
+              </a:tr>
+              <a:tr h="370840">
+                <a:tc>
+                  <a:txBody>
+                    <a:bodyPr/>
+                    <a:lstStyle/>
+                    <a:p>
+                      <a:r>
+                        <a:rPr lang="en-US" altLang="zh-TW" dirty="0" smtClean="0"/>
+                        <a:t>1P</a:t>
+                      </a:r>
+                      <a:r>
+                        <a:rPr lang="zh-TW" altLang="en-US" dirty="0" smtClean="0"/>
+                        <a:t>移動狀態</a:t>
+                      </a:r>
+                      <a:endParaRPr lang="zh-TW" altLang="en-US" dirty="0"/>
+                    </a:p>
+                  </a:txBody>
+                  <a:tcPr/>
+                </a:tc>
+                <a:tc>
+                  <a:txBody>
+                    <a:bodyPr/>
+                    <a:lstStyle/>
+                    <a:p>
+                      <a:r>
+                        <a:rPr lang="en-US" altLang="zh-TW" dirty="0" smtClean="0"/>
+                        <a:t>String </a:t>
+                      </a:r>
+                      <a:endParaRPr lang="zh-TW" altLang="en-US" dirty="0"/>
+                    </a:p>
+                  </a:txBody>
+                  <a:tcPr/>
+                </a:tc>
+                <a:tc>
+                  <a:txBody>
+                    <a:bodyPr/>
+                    <a:lstStyle/>
+                    <a:p>
+                      <a:r>
+                        <a:rPr lang="en-US" altLang="zh-TW" dirty="0" smtClean="0"/>
+                        <a:t>Right</a:t>
+                      </a:r>
+                      <a:r>
+                        <a:rPr lang="zh-TW" altLang="en-US" dirty="0" smtClean="0"/>
+                        <a:t>、</a:t>
+                      </a:r>
+                      <a:r>
+                        <a:rPr lang="en-US" altLang="zh-TW" dirty="0" smtClean="0"/>
+                        <a:t>Left</a:t>
+                      </a:r>
+                      <a:r>
+                        <a:rPr lang="zh-TW" altLang="en-US" dirty="0" smtClean="0"/>
+                        <a:t>、</a:t>
+                      </a:r>
+                      <a:r>
+                        <a:rPr lang="en-US" altLang="zh-TW" dirty="0" smtClean="0"/>
+                        <a:t>None</a:t>
+                      </a:r>
+                      <a:endParaRPr lang="zh-TW" altLang="en-US" dirty="0"/>
+                    </a:p>
+                  </a:txBody>
+                  <a:tcPr/>
+                </a:tc>
+                <a:extLst>
+                  <a:ext uri="{0D108BD9-81ED-4DB2-BD59-A6C34878D82A}">
+                    <a16:rowId xmlns:a16="http://schemas.microsoft.com/office/drawing/2014/main" val="4283230125"/>
+                  </a:ext>
+                </a:extLst>
+              </a:tr>
+              <a:tr h="370840">
+                <a:tc>
+                  <a:txBody>
+                    <a:bodyPr/>
+                    <a:lstStyle/>
+                    <a:p>
+                      <a:r>
+                        <a:rPr lang="en-US" altLang="zh-TW" dirty="0" smtClean="0"/>
+                        <a:t>2P</a:t>
+                      </a:r>
+                      <a:r>
+                        <a:rPr lang="zh-TW" altLang="en-US" dirty="0" smtClean="0"/>
+                        <a:t>移動狀態</a:t>
+                      </a:r>
+                      <a:endParaRPr lang="zh-TW" altLang="en-US" dirty="0"/>
+                    </a:p>
+                  </a:txBody>
+                  <a:tcPr/>
+                </a:tc>
+                <a:tc>
+                  <a:txBody>
+                    <a:bodyPr/>
+                    <a:lstStyle/>
+                    <a:p>
+                      <a:r>
+                        <a:rPr lang="en-US" altLang="zh-TW" dirty="0" smtClean="0"/>
+                        <a:t>String </a:t>
+                      </a:r>
+                      <a:endParaRPr lang="zh-TW" altLang="en-US" dirty="0"/>
+                    </a:p>
+                  </a:txBody>
+                  <a:tcPr/>
+                </a:tc>
+                <a:tc>
+                  <a:txBody>
+                    <a:bodyPr/>
+                    <a:lstStyle/>
+                    <a:p>
+                      <a:pPr marL="0" marR="0" lvl="0" indent="0" algn="l" defTabSz="914400" rtl="0" eaLnBrk="1" fontAlgn="auto" latinLnBrk="0" hangingPunct="1">
+                        <a:lnSpc>
+                          <a:spcPct val="100000"/>
+                        </a:lnSpc>
+                        <a:spcBef>
+                          <a:spcPts val="0"/>
+                        </a:spcBef>
+                        <a:spcAft>
+                          <a:spcPts val="0"/>
+                        </a:spcAft>
+                        <a:buClrTx/>
+                        <a:buSzTx/>
+                        <a:buFontTx/>
+                        <a:buNone/>
+                        <a:tabLst/>
+                        <a:defRPr/>
+                      </a:pPr>
+                      <a:r>
+                        <a:rPr lang="en-US" altLang="zh-TW" dirty="0" smtClean="0"/>
+                        <a:t>Right</a:t>
+                      </a:r>
+                      <a:r>
+                        <a:rPr lang="zh-TW" altLang="en-US" dirty="0" smtClean="0"/>
+                        <a:t>、</a:t>
+                      </a:r>
+                      <a:r>
+                        <a:rPr lang="en-US" altLang="zh-TW" dirty="0" smtClean="0"/>
+                        <a:t>Left</a:t>
+                      </a:r>
+                      <a:r>
+                        <a:rPr lang="zh-TW" altLang="en-US" dirty="0" smtClean="0"/>
+                        <a:t>、</a:t>
+                      </a:r>
+                      <a:r>
+                        <a:rPr lang="en-US" altLang="zh-TW" dirty="0" smtClean="0"/>
+                        <a:t>None</a:t>
+                      </a:r>
+                      <a:endParaRPr lang="zh-TW" altLang="en-US" dirty="0" smtClean="0"/>
+                    </a:p>
+                  </a:txBody>
+                  <a:tcPr/>
+                </a:tc>
+                <a:extLst>
+                  <a:ext uri="{0D108BD9-81ED-4DB2-BD59-A6C34878D82A}">
+                    <a16:rowId xmlns:a16="http://schemas.microsoft.com/office/drawing/2014/main" val="3827023827"/>
+                  </a:ext>
+                </a:extLst>
+              </a:tr>
+            </a:tbl>
+          </a:graphicData>
+        </a:graphic>
+      </p:graphicFrame>
+      <p:sp>
+        <p:nvSpPr>
+          <p:cNvPr id="5" name="標題 1"/>
+          <p:cNvSpPr txBox="1">
+            <a:spLocks/>
+          </p:cNvSpPr>
+          <p:nvPr/>
+        </p:nvSpPr>
+        <p:spPr bwMode="auto">
+          <a:xfrm>
+            <a:off x="1269877" y="4365403"/>
+            <a:ext cx="1728192" cy="634752"/>
+          </a:xfrm>
+          <a:prstGeom prst="rect">
+            <a:avLst/>
+          </a:prstGeom>
+        </p:spPr>
+        <p:txBody>
+          <a:bodyPr vert="horz" lIns="91440" tIns="45720" rIns="91440" bIns="45720" rtlCol="0" anchor="b">
+            <a:normAutofit/>
+          </a:bodyPr>
+          <a:lstStyle>
+            <a:lvl1pPr algn="l" defTabSz="914400" rtl="0" eaLnBrk="1" latinLnBrk="0" hangingPunct="1">
+              <a:lnSpc>
+                <a:spcPct val="80000"/>
+              </a:lnSpc>
+              <a:spcBef>
+                <a:spcPct val="0"/>
+              </a:spcBef>
+              <a:buNone/>
+              <a:defRPr sz="3600" b="1" kern="1200">
+                <a:solidFill>
+                  <a:schemeClr val="accent1"/>
+                </a:solidFill>
+                <a:latin typeface="Microsoft JhengHei UI" panose="020B0604030504040204" pitchFamily="34" charset="-120"/>
+                <a:ea typeface="Microsoft JhengHei UI" panose="020B0604030504040204" pitchFamily="34" charset="-120"/>
+                <a:cs typeface="+mj-cs"/>
+              </a:defRPr>
+            </a:lvl1pPr>
+          </a:lstStyle>
+          <a:p>
+            <a:r>
+              <a:rPr lang="en-US" altLang="zh-TW" sz="2800" dirty="0" smtClean="0"/>
+              <a:t>Output</a:t>
+            </a:r>
+            <a:endParaRPr lang="zh-TW" altLang="en-US" sz="2800" dirty="0"/>
+          </a:p>
+        </p:txBody>
+      </p:sp>
+      <p:graphicFrame>
+        <p:nvGraphicFramePr>
+          <p:cNvPr id="7" name="內容版面配置區 3"/>
+          <p:cNvGraphicFramePr>
+            <a:graphicFrameLocks/>
+          </p:cNvGraphicFramePr>
+          <p:nvPr>
+            <p:extLst>
+              <p:ext uri="{D42A27DB-BD31-4B8C-83A1-F6EECF244321}">
+                <p14:modId xmlns:p14="http://schemas.microsoft.com/office/powerpoint/2010/main" val="2101086727"/>
+              </p:ext>
+            </p:extLst>
+          </p:nvPr>
+        </p:nvGraphicFramePr>
+        <p:xfrm>
+          <a:off x="1341884" y="2752128"/>
+          <a:ext cx="8686800" cy="1483360"/>
+        </p:xfrm>
+        <a:graphic>
+          <a:graphicData uri="http://schemas.openxmlformats.org/drawingml/2006/table">
+            <a:tbl>
+              <a:tblPr firstRow="1" bandRow="1">
+                <a:tableStyleId>{5C22544A-7EE6-4342-B048-85BDC9FD1C3A}</a:tableStyleId>
+              </a:tblPr>
+              <a:tblGrid>
+                <a:gridCol w="2895600">
+                  <a:extLst>
+                    <a:ext uri="{9D8B030D-6E8A-4147-A177-3AD203B41FA5}">
+                      <a16:colId xmlns:a16="http://schemas.microsoft.com/office/drawing/2014/main" val="3877549198"/>
+                    </a:ext>
+                  </a:extLst>
+                </a:gridCol>
+                <a:gridCol w="2895600">
+                  <a:extLst>
+                    <a:ext uri="{9D8B030D-6E8A-4147-A177-3AD203B41FA5}">
+                      <a16:colId xmlns:a16="http://schemas.microsoft.com/office/drawing/2014/main" val="494597129"/>
+                    </a:ext>
+                  </a:extLst>
+                </a:gridCol>
+                <a:gridCol w="2895600">
+                  <a:extLst>
+                    <a:ext uri="{9D8B030D-6E8A-4147-A177-3AD203B41FA5}">
+                      <a16:colId xmlns:a16="http://schemas.microsoft.com/office/drawing/2014/main" val="3039637802"/>
+                    </a:ext>
+                  </a:extLst>
+                </a:gridCol>
+              </a:tblGrid>
+              <a:tr h="370840">
+                <a:tc>
+                  <a:txBody>
+                    <a:bodyPr/>
+                    <a:lstStyle/>
+                    <a:p>
+                      <a:r>
+                        <a:rPr lang="zh-TW" altLang="en-US" dirty="0" smtClean="0"/>
+                        <a:t>變數名稱</a:t>
+                      </a:r>
+                      <a:endParaRPr lang="zh-TW" altLang="en-US" dirty="0"/>
+                    </a:p>
+                  </a:txBody>
+                  <a:tcPr/>
+                </a:tc>
+                <a:tc>
+                  <a:txBody>
+                    <a:bodyPr/>
+                    <a:lstStyle/>
+                    <a:p>
+                      <a:r>
+                        <a:rPr lang="zh-TW" altLang="en-US" dirty="0" smtClean="0"/>
+                        <a:t>資料型態</a:t>
+                      </a:r>
+                      <a:endParaRPr lang="zh-TW" altLang="en-US" dirty="0"/>
+                    </a:p>
+                  </a:txBody>
+                  <a:tcPr/>
+                </a:tc>
+                <a:tc>
+                  <a:txBody>
+                    <a:bodyPr/>
+                    <a:lstStyle/>
+                    <a:p>
+                      <a:r>
+                        <a:rPr lang="zh-TW" altLang="en-US" dirty="0" smtClean="0"/>
+                        <a:t>舉例</a:t>
+                      </a:r>
+                      <a:endParaRPr lang="zh-TW" altLang="en-US" dirty="0"/>
+                    </a:p>
+                  </a:txBody>
+                  <a:tcPr/>
+                </a:tc>
+                <a:extLst>
+                  <a:ext uri="{0D108BD9-81ED-4DB2-BD59-A6C34878D82A}">
+                    <a16:rowId xmlns:a16="http://schemas.microsoft.com/office/drawing/2014/main" val="563749198"/>
+                  </a:ext>
+                </a:extLst>
+              </a:tr>
+              <a:tr h="370840">
+                <a:tc>
+                  <a:txBody>
+                    <a:bodyPr/>
+                    <a:lstStyle/>
+                    <a:p>
+                      <a:r>
+                        <a:rPr lang="zh-TW" altLang="en-US" dirty="0" smtClean="0"/>
+                        <a:t>球速</a:t>
+                      </a:r>
+                      <a:endParaRPr lang="en-US" altLang="zh-TW" dirty="0" smtClean="0"/>
+                    </a:p>
+                  </a:txBody>
+                  <a:tcPr/>
+                </a:tc>
+                <a:tc>
+                  <a:txBody>
+                    <a:bodyPr/>
+                    <a:lstStyle/>
+                    <a:p>
+                      <a:r>
+                        <a:rPr lang="en-US" altLang="zh-TW" dirty="0" err="1" smtClean="0"/>
+                        <a:t>Int</a:t>
+                      </a:r>
+                      <a:r>
+                        <a:rPr lang="en-US" altLang="zh-TW" dirty="0" smtClean="0"/>
+                        <a:t>[]</a:t>
+                      </a:r>
+                      <a:endParaRPr lang="zh-TW" altLang="en-US" dirty="0"/>
+                    </a:p>
+                  </a:txBody>
+                  <a:tcPr/>
+                </a:tc>
+                <a:tc>
+                  <a:txBody>
+                    <a:bodyPr/>
+                    <a:lstStyle/>
+                    <a:p>
+                      <a:pPr marL="0" marR="0" lvl="0" indent="0" algn="l" defTabSz="914400" rtl="0" eaLnBrk="1" fontAlgn="auto" latinLnBrk="0" hangingPunct="1">
+                        <a:lnSpc>
+                          <a:spcPct val="100000"/>
+                        </a:lnSpc>
+                        <a:spcBef>
+                          <a:spcPts val="0"/>
+                        </a:spcBef>
+                        <a:spcAft>
+                          <a:spcPts val="0"/>
+                        </a:spcAft>
+                        <a:buClrTx/>
+                        <a:buSzTx/>
+                        <a:buFontTx/>
+                        <a:buNone/>
+                        <a:tabLst/>
+                        <a:defRPr/>
+                      </a:pPr>
+                      <a:r>
+                        <a:rPr lang="en-US" altLang="zh-TW" dirty="0" smtClean="0"/>
+                        <a:t>[7,7]</a:t>
+                      </a:r>
+                      <a:r>
+                        <a:rPr lang="zh-TW" altLang="en-US" dirty="0" smtClean="0"/>
+                        <a:t>、</a:t>
+                      </a:r>
+                      <a:r>
+                        <a:rPr lang="en-US" altLang="zh-TW" dirty="0" smtClean="0"/>
+                        <a:t>[-7,-7]</a:t>
+                      </a:r>
+                      <a:endParaRPr lang="zh-TW" altLang="en-US" dirty="0"/>
+                    </a:p>
+                  </a:txBody>
+                  <a:tcPr/>
+                </a:tc>
+                <a:extLst>
+                  <a:ext uri="{0D108BD9-81ED-4DB2-BD59-A6C34878D82A}">
+                    <a16:rowId xmlns:a16="http://schemas.microsoft.com/office/drawing/2014/main" val="4283230125"/>
+                  </a:ext>
+                </a:extLst>
+              </a:tr>
+              <a:tr h="370840">
+                <a:tc>
+                  <a:txBody>
+                    <a:bodyPr/>
+                    <a:lstStyle/>
+                    <a:p>
+                      <a:r>
+                        <a:rPr lang="zh-TW" altLang="en-US" dirty="0" smtClean="0"/>
+                        <a:t>球座標</a:t>
+                      </a:r>
+                      <a:endParaRPr lang="zh-TW" altLang="en-US" dirty="0"/>
+                    </a:p>
+                  </a:txBody>
+                  <a:tcPr/>
+                </a:tc>
+                <a:tc>
+                  <a:txBody>
+                    <a:bodyPr/>
+                    <a:lstStyle/>
+                    <a:p>
+                      <a:r>
+                        <a:rPr lang="en-US" altLang="zh-TW" dirty="0" err="1" smtClean="0"/>
+                        <a:t>Int</a:t>
+                      </a:r>
+                      <a:r>
+                        <a:rPr lang="en-US" altLang="zh-TW" dirty="0" smtClean="0"/>
+                        <a:t>[]</a:t>
+                      </a:r>
+                      <a:endParaRPr lang="zh-TW" altLang="en-US" dirty="0"/>
+                    </a:p>
+                  </a:txBody>
+                  <a:tcPr/>
+                </a:tc>
+                <a:tc>
+                  <a:txBody>
+                    <a:bodyPr/>
+                    <a:lstStyle/>
+                    <a:p>
+                      <a:pPr marL="0" marR="0" lvl="0" indent="0" algn="l" defTabSz="914400" rtl="0" eaLnBrk="1" fontAlgn="auto" latinLnBrk="0" hangingPunct="1">
+                        <a:lnSpc>
+                          <a:spcPct val="100000"/>
+                        </a:lnSpc>
+                        <a:spcBef>
+                          <a:spcPts val="0"/>
+                        </a:spcBef>
+                        <a:spcAft>
+                          <a:spcPts val="0"/>
+                        </a:spcAft>
+                        <a:buClrTx/>
+                        <a:buSzTx/>
+                        <a:buFontTx/>
+                        <a:buNone/>
+                        <a:tabLst/>
+                        <a:defRPr/>
+                      </a:pPr>
+                      <a:r>
+                        <a:rPr lang="en-US" altLang="zh-TW" dirty="0" smtClean="0"/>
+                        <a:t>[100,100]</a:t>
+                      </a:r>
+                      <a:r>
+                        <a:rPr lang="zh-TW" altLang="en-US" dirty="0" smtClean="0"/>
+                        <a:t>、</a:t>
+                      </a:r>
+                      <a:r>
+                        <a:rPr lang="en-US" altLang="zh-TW" dirty="0" smtClean="0"/>
+                        <a:t>[123,321]</a:t>
+                      </a:r>
+                      <a:endParaRPr lang="zh-TW" altLang="en-US" dirty="0"/>
+                    </a:p>
+                  </a:txBody>
+                  <a:tcPr/>
+                </a:tc>
+                <a:extLst>
+                  <a:ext uri="{0D108BD9-81ED-4DB2-BD59-A6C34878D82A}">
+                    <a16:rowId xmlns:a16="http://schemas.microsoft.com/office/drawing/2014/main" val="3827023827"/>
+                  </a:ext>
+                </a:extLst>
+              </a:tr>
+              <a:tr h="370840">
+                <a:tc>
+                  <a:txBody>
+                    <a:bodyPr/>
+                    <a:lstStyle/>
+                    <a:p>
+                      <a:r>
+                        <a:rPr lang="zh-TW" altLang="en-US" dirty="0" smtClean="0"/>
+                        <a:t>拍子</a:t>
+                      </a:r>
+                      <a:r>
+                        <a:rPr lang="en-US" altLang="zh-TW" dirty="0" smtClean="0"/>
+                        <a:t>1P</a:t>
+                      </a:r>
+                      <a:r>
+                        <a:rPr lang="zh-TW" altLang="en-US" dirty="0" smtClean="0"/>
+                        <a:t>、</a:t>
+                      </a:r>
+                      <a:r>
+                        <a:rPr lang="en-US" altLang="zh-TW" dirty="0" smtClean="0"/>
+                        <a:t>2P</a:t>
+                      </a:r>
+                      <a:r>
+                        <a:rPr lang="zh-TW" altLang="en-US" dirty="0" smtClean="0"/>
+                        <a:t>座標</a:t>
+                      </a:r>
+                      <a:endParaRPr lang="zh-TW" altLang="en-US" dirty="0"/>
+                    </a:p>
+                  </a:txBody>
+                  <a:tcPr/>
+                </a:tc>
+                <a:tc>
+                  <a:txBody>
+                    <a:bodyPr/>
+                    <a:lstStyle/>
+                    <a:p>
+                      <a:r>
+                        <a:rPr lang="en-US" altLang="zh-TW" dirty="0" err="1" smtClean="0"/>
+                        <a:t>Int</a:t>
+                      </a:r>
+                      <a:r>
+                        <a:rPr lang="en-US" altLang="zh-TW" dirty="0" smtClean="0"/>
+                        <a:t>[]</a:t>
+                      </a:r>
+                      <a:endParaRPr lang="zh-TW" altLang="en-US" dirty="0"/>
+                    </a:p>
+                  </a:txBody>
+                  <a:tcPr/>
+                </a:tc>
+                <a:tc>
+                  <a:txBody>
+                    <a:bodyPr/>
+                    <a:lstStyle/>
+                    <a:p>
+                      <a:r>
+                        <a:rPr lang="en-US" altLang="zh-TW" dirty="0" smtClean="0"/>
+                        <a:t>[100,80]</a:t>
+                      </a:r>
+                      <a:r>
+                        <a:rPr lang="zh-TW" altLang="en-US" dirty="0" smtClean="0"/>
+                        <a:t>、</a:t>
+                      </a:r>
+                      <a:r>
+                        <a:rPr lang="en-US" altLang="zh-TW" dirty="0" smtClean="0"/>
+                        <a:t>[100,420]</a:t>
+                      </a:r>
+                      <a:endParaRPr lang="zh-TW" altLang="en-US" dirty="0"/>
+                    </a:p>
+                  </a:txBody>
+                  <a:tcPr/>
+                </a:tc>
+                <a:extLst>
+                  <a:ext uri="{0D108BD9-81ED-4DB2-BD59-A6C34878D82A}">
+                    <a16:rowId xmlns:a16="http://schemas.microsoft.com/office/drawing/2014/main" val="2395209103"/>
+                  </a:ext>
+                </a:extLst>
+              </a:tr>
+            </a:tbl>
+          </a:graphicData>
+        </a:graphic>
+      </p:graphicFrame>
+      <p:sp>
+        <p:nvSpPr>
+          <p:cNvPr id="8" name="標題 1"/>
+          <p:cNvSpPr txBox="1">
+            <a:spLocks/>
+          </p:cNvSpPr>
+          <p:nvPr/>
+        </p:nvSpPr>
+        <p:spPr bwMode="auto">
+          <a:xfrm>
+            <a:off x="1485901" y="3960151"/>
+            <a:ext cx="1728192" cy="634752"/>
+          </a:xfrm>
+          <a:prstGeom prst="rect">
+            <a:avLst/>
+          </a:prstGeom>
+        </p:spPr>
+        <p:txBody>
+          <a:bodyPr vert="horz" lIns="91440" tIns="45720" rIns="91440" bIns="45720" rtlCol="0" anchor="b">
+            <a:normAutofit/>
+          </a:bodyPr>
+          <a:lstStyle>
+            <a:lvl1pPr algn="l" defTabSz="914400" rtl="0" eaLnBrk="1" latinLnBrk="0" hangingPunct="1">
+              <a:lnSpc>
+                <a:spcPct val="80000"/>
+              </a:lnSpc>
+              <a:spcBef>
+                <a:spcPct val="0"/>
+              </a:spcBef>
+              <a:buNone/>
+              <a:defRPr sz="3600" b="1" kern="1200">
+                <a:solidFill>
+                  <a:schemeClr val="accent1"/>
+                </a:solidFill>
+                <a:latin typeface="Microsoft JhengHei UI" panose="020B0604030504040204" pitchFamily="34" charset="-120"/>
+                <a:ea typeface="Microsoft JhengHei UI" panose="020B0604030504040204" pitchFamily="34" charset="-120"/>
+                <a:cs typeface="+mj-cs"/>
+              </a:defRPr>
+            </a:lvl1pPr>
+          </a:lstStyle>
+          <a:p>
+            <a:endParaRPr lang="zh-TW" altLang="en-US" sz="2800" dirty="0"/>
+          </a:p>
+        </p:txBody>
+      </p:sp>
+      <p:sp>
+        <p:nvSpPr>
+          <p:cNvPr id="9" name="標題 1"/>
+          <p:cNvSpPr txBox="1">
+            <a:spLocks/>
+          </p:cNvSpPr>
+          <p:nvPr/>
+        </p:nvSpPr>
+        <p:spPr bwMode="auto">
+          <a:xfrm>
+            <a:off x="1335543" y="1908240"/>
+            <a:ext cx="1728192" cy="634752"/>
+          </a:xfrm>
+          <a:prstGeom prst="rect">
+            <a:avLst/>
+          </a:prstGeom>
+        </p:spPr>
+        <p:txBody>
+          <a:bodyPr vert="horz" lIns="91440" tIns="45720" rIns="91440" bIns="45720" rtlCol="0" anchor="b">
+            <a:normAutofit/>
+          </a:bodyPr>
+          <a:lstStyle>
+            <a:lvl1pPr algn="l" defTabSz="914400" rtl="0" eaLnBrk="1" latinLnBrk="0" hangingPunct="1">
+              <a:lnSpc>
+                <a:spcPct val="80000"/>
+              </a:lnSpc>
+              <a:spcBef>
+                <a:spcPct val="0"/>
+              </a:spcBef>
+              <a:buNone/>
+              <a:defRPr sz="3600" b="1" kern="1200">
+                <a:solidFill>
+                  <a:schemeClr val="accent1"/>
+                </a:solidFill>
+                <a:latin typeface="Microsoft JhengHei UI" panose="020B0604030504040204" pitchFamily="34" charset="-120"/>
+                <a:ea typeface="Microsoft JhengHei UI" panose="020B0604030504040204" pitchFamily="34" charset="-120"/>
+                <a:cs typeface="+mj-cs"/>
+              </a:defRPr>
+            </a:lvl1pPr>
+          </a:lstStyle>
+          <a:p>
+            <a:r>
+              <a:rPr lang="en-US" altLang="zh-TW" sz="2800" dirty="0" smtClean="0"/>
+              <a:t>Input</a:t>
+            </a:r>
+            <a:endParaRPr lang="zh-TW" altLang="en-US" sz="2800" dirty="0"/>
+          </a:p>
+        </p:txBody>
+      </p:sp>
+    </p:spTree>
+    <p:extLst>
+      <p:ext uri="{BB962C8B-B14F-4D97-AF65-F5344CB8AC3E}">
+        <p14:creationId xmlns:p14="http://schemas.microsoft.com/office/powerpoint/2010/main" val="285037743"/>
+      </p:ext>
+    </p:extLst>
+  </p:cSld>
+  <p:clrMapOvr>
+    <a:masterClrMapping/>
+  </p:clrMapOvr>
+  <mc:AlternateContent xmlns:mc="http://schemas.openxmlformats.org/markup-compatibility/2006" xmlns:p14="http://schemas.microsoft.com/office/powerpoint/2010/main">
+    <mc:Choice Requires="p14">
+      <p:transition spd="med" p14:dur="700">
+        <p:fade/>
+      </p:transition>
+    </mc:Choice>
+    <mc:Fallback xmlns="">
+      <p:transition spd="med">
+        <p:fade/>
+      </p:transition>
+    </mc:Fallback>
+  </mc:AlternateContent>
+</p:sld>
+</file>
+
+<file path=ppt/slides/slide9.xml><?xml version="1.0" encoding="utf-8"?>
 <p:sld xmlns:a="http://schemas.openxmlformats.org/drawingml/2006/main" xmlns:r="http://schemas.openxmlformats.org/officeDocument/2006/relationships" xmlns:p="http://schemas.openxmlformats.org/presentationml/2006/main">
   <p:cSld>
     <p:spTree>
@@ -13584,3263 +16337,6 @@
 </p:sld>
 </file>
 
-<file path=ppt/slides/slide2.xml><?xml version="1.0" encoding="utf-8"?>
-<p:sld xmlns:a="http://schemas.openxmlformats.org/drawingml/2006/main" xmlns:r="http://schemas.openxmlformats.org/officeDocument/2006/relationships" xmlns:p="http://schemas.openxmlformats.org/presentationml/2006/main">
-  <p:cSld>
-    <p:spTree>
-      <p:nvGrpSpPr>
-        <p:cNvPr id="1" name=""/>
-        <p:cNvGrpSpPr/>
-        <p:nvPr/>
-      </p:nvGrpSpPr>
-      <p:grpSpPr>
-        <a:xfrm>
-          <a:off x="0" y="0"/>
-          <a:ext cx="0" cy="0"/>
-          <a:chOff x="0" y="0"/>
-          <a:chExt cx="0" cy="0"/>
-        </a:xfrm>
-      </p:grpSpPr>
-      <p:sp>
-        <p:nvSpPr>
-          <p:cNvPr id="2" name="標題 1"/>
-          <p:cNvSpPr>
-            <a:spLocks noGrp="1"/>
-          </p:cNvSpPr>
-          <p:nvPr>
-            <p:ph type="title"/>
-          </p:nvPr>
-        </p:nvSpPr>
-        <p:spPr/>
-        <p:txBody>
-          <a:bodyPr rtlCol="0"/>
-          <a:lstStyle/>
-          <a:p>
-            <a:pPr algn="ctr" rtl="0"/>
-            <a:r>
-              <a:rPr lang="zh-TW" altLang="en-US" dirty="0" smtClean="0">
-                <a:ea typeface="Microsoft JhengHei UI" panose="020B0604030504040204" pitchFamily="34" charset="-120"/>
-              </a:rPr>
-              <a:t>目錄</a:t>
-            </a:r>
-            <a:endParaRPr lang="zh-TW" altLang="en-US" dirty="0">
-              <a:ea typeface="Microsoft JhengHei UI" panose="020B0604030504040204" pitchFamily="34" charset="-120"/>
-            </a:endParaRPr>
-          </a:p>
-        </p:txBody>
-      </p:sp>
-      <p:grpSp>
-        <p:nvGrpSpPr>
-          <p:cNvPr id="9" name="群組 8"/>
-          <p:cNvGrpSpPr/>
-          <p:nvPr/>
-        </p:nvGrpSpPr>
-        <p:grpSpPr>
-          <a:xfrm>
-            <a:off x="1629916" y="1988840"/>
-            <a:ext cx="2859435" cy="864096"/>
-            <a:chOff x="1074737" y="1700808"/>
-            <a:chExt cx="2859435" cy="864096"/>
-          </a:xfrm>
-        </p:grpSpPr>
-        <p:sp>
-          <p:nvSpPr>
-            <p:cNvPr id="5" name="等腰三角形 4"/>
-            <p:cNvSpPr/>
-            <p:nvPr/>
-          </p:nvSpPr>
-          <p:spPr>
-            <a:xfrm rot="5400000">
-              <a:off x="1015144" y="1760401"/>
-              <a:ext cx="864096" cy="744910"/>
-            </a:xfrm>
-            <a:prstGeom prst="triangle">
-              <a:avLst/>
-            </a:prstGeom>
-            <a:ln>
-              <a:noFill/>
-            </a:ln>
-          </p:spPr>
-          <p:style>
-            <a:lnRef idx="1">
-              <a:schemeClr val="accent2"/>
-            </a:lnRef>
-            <a:fillRef idx="2">
-              <a:schemeClr val="accent2"/>
-            </a:fillRef>
-            <a:effectRef idx="1">
-              <a:schemeClr val="accent2"/>
-            </a:effectRef>
-            <a:fontRef idx="minor">
-              <a:schemeClr val="dk1"/>
-            </a:fontRef>
-          </p:style>
-          <p:txBody>
-            <a:bodyPr rtlCol="0" anchor="ctr"/>
-            <a:lstStyle/>
-            <a:p>
-              <a:pPr algn="ctr"/>
-              <a:endParaRPr lang="zh-TW" altLang="en-US" dirty="0">
-                <a:solidFill>
-                  <a:schemeClr val="accent4">
-                    <a:lumMod val="50000"/>
-                  </a:schemeClr>
-                </a:solidFill>
-              </a:endParaRPr>
-            </a:p>
-          </p:txBody>
-        </p:sp>
-        <p:sp>
-          <p:nvSpPr>
-            <p:cNvPr id="8" name="文字方塊 7"/>
-            <p:cNvSpPr txBox="1"/>
-            <p:nvPr/>
-          </p:nvSpPr>
-          <p:spPr>
-            <a:xfrm>
-              <a:off x="2061964" y="1871246"/>
-              <a:ext cx="1872208" cy="523220"/>
-            </a:xfrm>
-            <a:prstGeom prst="rect">
-              <a:avLst/>
-            </a:prstGeom>
-            <a:noFill/>
-            <a:ln>
-              <a:noFill/>
-            </a:ln>
-          </p:spPr>
-          <p:txBody>
-            <a:bodyPr wrap="square" rtlCol="0" anchor="ctr" anchorCtr="1">
-              <a:spAutoFit/>
-            </a:bodyPr>
-            <a:lstStyle/>
-            <a:p>
-              <a:r>
-                <a:rPr lang="zh-TW" altLang="en-US" sz="2800" dirty="0" smtClean="0">
-                  <a:solidFill>
-                    <a:schemeClr val="accent4">
-                      <a:lumMod val="50000"/>
-                    </a:schemeClr>
-                  </a:solidFill>
-                </a:rPr>
-                <a:t>專案需求</a:t>
-              </a:r>
-            </a:p>
-          </p:txBody>
-        </p:sp>
-      </p:grpSp>
-      <p:grpSp>
-        <p:nvGrpSpPr>
-          <p:cNvPr id="10" name="群組 9"/>
-          <p:cNvGrpSpPr/>
-          <p:nvPr/>
-        </p:nvGrpSpPr>
-        <p:grpSpPr>
-          <a:xfrm>
-            <a:off x="6310436" y="1988840"/>
-            <a:ext cx="2859435" cy="864096"/>
-            <a:chOff x="1074737" y="1700808"/>
-            <a:chExt cx="2859435" cy="864096"/>
-          </a:xfrm>
-        </p:grpSpPr>
-        <p:sp>
-          <p:nvSpPr>
-            <p:cNvPr id="11" name="等腰三角形 10"/>
-            <p:cNvSpPr/>
-            <p:nvPr/>
-          </p:nvSpPr>
-          <p:spPr>
-            <a:xfrm rot="5400000">
-              <a:off x="1015144" y="1760401"/>
-              <a:ext cx="864096" cy="744910"/>
-            </a:xfrm>
-            <a:prstGeom prst="triangle">
-              <a:avLst/>
-            </a:prstGeom>
-            <a:ln>
-              <a:noFill/>
-            </a:ln>
-          </p:spPr>
-          <p:style>
-            <a:lnRef idx="1">
-              <a:schemeClr val="accent2"/>
-            </a:lnRef>
-            <a:fillRef idx="2">
-              <a:schemeClr val="accent2"/>
-            </a:fillRef>
-            <a:effectRef idx="1">
-              <a:schemeClr val="accent2"/>
-            </a:effectRef>
-            <a:fontRef idx="minor">
-              <a:schemeClr val="dk1"/>
-            </a:fontRef>
-          </p:style>
-          <p:txBody>
-            <a:bodyPr rtlCol="0" anchor="ctr"/>
-            <a:lstStyle/>
-            <a:p>
-              <a:pPr algn="ctr"/>
-              <a:endParaRPr lang="zh-TW" altLang="en-US" dirty="0">
-                <a:solidFill>
-                  <a:schemeClr val="accent4">
-                    <a:lumMod val="50000"/>
-                  </a:schemeClr>
-                </a:solidFill>
-              </a:endParaRPr>
-            </a:p>
-          </p:txBody>
-        </p:sp>
-        <p:sp>
-          <p:nvSpPr>
-            <p:cNvPr id="12" name="文字方塊 11"/>
-            <p:cNvSpPr txBox="1"/>
-            <p:nvPr/>
-          </p:nvSpPr>
-          <p:spPr>
-            <a:xfrm>
-              <a:off x="2061964" y="1871246"/>
-              <a:ext cx="1872208" cy="523220"/>
-            </a:xfrm>
-            <a:prstGeom prst="rect">
-              <a:avLst/>
-            </a:prstGeom>
-            <a:noFill/>
-            <a:ln>
-              <a:noFill/>
-            </a:ln>
-          </p:spPr>
-          <p:txBody>
-            <a:bodyPr wrap="square" rtlCol="0" anchor="ctr" anchorCtr="1">
-              <a:spAutoFit/>
-            </a:bodyPr>
-            <a:lstStyle/>
-            <a:p>
-              <a:r>
-                <a:rPr lang="zh-TW" altLang="en-US" sz="2800" dirty="0" smtClean="0">
-                  <a:solidFill>
-                    <a:schemeClr val="accent4">
-                      <a:lumMod val="50000"/>
-                    </a:schemeClr>
-                  </a:solidFill>
-                </a:rPr>
-                <a:t>專案分析</a:t>
-              </a:r>
-            </a:p>
-          </p:txBody>
-        </p:sp>
-      </p:grpSp>
-      <p:grpSp>
-        <p:nvGrpSpPr>
-          <p:cNvPr id="13" name="群組 12"/>
-          <p:cNvGrpSpPr/>
-          <p:nvPr/>
-        </p:nvGrpSpPr>
-        <p:grpSpPr>
-          <a:xfrm>
-            <a:off x="1629916" y="3389085"/>
-            <a:ext cx="2859435" cy="864096"/>
-            <a:chOff x="1074737" y="1700808"/>
-            <a:chExt cx="2859435" cy="864096"/>
-          </a:xfrm>
-        </p:grpSpPr>
-        <p:sp>
-          <p:nvSpPr>
-            <p:cNvPr id="14" name="等腰三角形 13"/>
-            <p:cNvSpPr/>
-            <p:nvPr/>
-          </p:nvSpPr>
-          <p:spPr>
-            <a:xfrm rot="5400000">
-              <a:off x="1015144" y="1760401"/>
-              <a:ext cx="864096" cy="744910"/>
-            </a:xfrm>
-            <a:prstGeom prst="triangle">
-              <a:avLst/>
-            </a:prstGeom>
-            <a:ln>
-              <a:noFill/>
-            </a:ln>
-          </p:spPr>
-          <p:style>
-            <a:lnRef idx="1">
-              <a:schemeClr val="accent2"/>
-            </a:lnRef>
-            <a:fillRef idx="2">
-              <a:schemeClr val="accent2"/>
-            </a:fillRef>
-            <a:effectRef idx="1">
-              <a:schemeClr val="accent2"/>
-            </a:effectRef>
-            <a:fontRef idx="minor">
-              <a:schemeClr val="dk1"/>
-            </a:fontRef>
-          </p:style>
-          <p:txBody>
-            <a:bodyPr rtlCol="0" anchor="ctr"/>
-            <a:lstStyle/>
-            <a:p>
-              <a:pPr algn="ctr"/>
-              <a:endParaRPr lang="zh-TW" altLang="en-US" dirty="0">
-                <a:solidFill>
-                  <a:schemeClr val="accent4">
-                    <a:lumMod val="50000"/>
-                  </a:schemeClr>
-                </a:solidFill>
-              </a:endParaRPr>
-            </a:p>
-          </p:txBody>
-        </p:sp>
-        <p:sp>
-          <p:nvSpPr>
-            <p:cNvPr id="15" name="文字方塊 14"/>
-            <p:cNvSpPr txBox="1"/>
-            <p:nvPr/>
-          </p:nvSpPr>
-          <p:spPr>
-            <a:xfrm>
-              <a:off x="2061964" y="1871246"/>
-              <a:ext cx="1872208" cy="523220"/>
-            </a:xfrm>
-            <a:prstGeom prst="rect">
-              <a:avLst/>
-            </a:prstGeom>
-            <a:noFill/>
-            <a:ln>
-              <a:noFill/>
-            </a:ln>
-          </p:spPr>
-          <p:txBody>
-            <a:bodyPr wrap="square" rtlCol="0" anchor="ctr" anchorCtr="1">
-              <a:spAutoFit/>
-            </a:bodyPr>
-            <a:lstStyle/>
-            <a:p>
-              <a:r>
-                <a:rPr lang="zh-TW" altLang="en-US" sz="2800" dirty="0" smtClean="0">
-                  <a:solidFill>
-                    <a:schemeClr val="accent4">
-                      <a:lumMod val="50000"/>
-                    </a:schemeClr>
-                  </a:solidFill>
-                </a:rPr>
-                <a:t>專案設計</a:t>
-              </a:r>
-            </a:p>
-          </p:txBody>
-        </p:sp>
-      </p:grpSp>
-    </p:spTree>
-    <p:extLst>
-      <p:ext uri="{BB962C8B-B14F-4D97-AF65-F5344CB8AC3E}">
-        <p14:creationId xmlns:p14="http://schemas.microsoft.com/office/powerpoint/2010/main" val="1637310646"/>
-      </p:ext>
-    </p:extLst>
-  </p:cSld>
-  <p:clrMapOvr>
-    <a:masterClrMapping/>
-  </p:clrMapOvr>
-  <mc:AlternateContent xmlns:mc="http://schemas.openxmlformats.org/markup-compatibility/2006" xmlns:p14="http://schemas.microsoft.com/office/powerpoint/2010/main">
-    <mc:Choice Requires="p14">
-      <p:transition spd="med" p14:dur="700">
-        <p:fade/>
-      </p:transition>
-    </mc:Choice>
-    <mc:Fallback xmlns="">
-      <p:transition spd="med">
-        <p:fade/>
-      </p:transition>
-    </mc:Fallback>
-  </mc:AlternateContent>
-</p:sld>
-</file>
-
-<file path=ppt/slides/slide3.xml><?xml version="1.0" encoding="utf-8"?>
-<p:sld xmlns:a="http://schemas.openxmlformats.org/drawingml/2006/main" xmlns:r="http://schemas.openxmlformats.org/officeDocument/2006/relationships" xmlns:p="http://schemas.openxmlformats.org/presentationml/2006/main">
-  <p:cSld>
-    <p:spTree>
-      <p:nvGrpSpPr>
-        <p:cNvPr id="1" name=""/>
-        <p:cNvGrpSpPr/>
-        <p:nvPr/>
-      </p:nvGrpSpPr>
-      <p:grpSpPr>
-        <a:xfrm>
-          <a:off x="0" y="0"/>
-          <a:ext cx="0" cy="0"/>
-          <a:chOff x="0" y="0"/>
-          <a:chExt cx="0" cy="0"/>
-        </a:xfrm>
-      </p:grpSpPr>
-      <p:sp>
-        <p:nvSpPr>
-          <p:cNvPr id="2" name="標題 1"/>
-          <p:cNvSpPr>
-            <a:spLocks noGrp="1"/>
-          </p:cNvSpPr>
-          <p:nvPr>
-            <p:ph type="title"/>
-          </p:nvPr>
-        </p:nvSpPr>
-        <p:spPr/>
-        <p:txBody>
-          <a:bodyPr rtlCol="0"/>
-          <a:lstStyle/>
-          <a:p>
-            <a:pPr rtl="0"/>
-            <a:r>
-              <a:rPr lang="zh-TW" altLang="en-US" dirty="0" smtClean="0">
-                <a:ea typeface="Microsoft JhengHei UI" panose="020B0604030504040204" pitchFamily="34" charset="-120"/>
-              </a:rPr>
-              <a:t>專案需求</a:t>
-            </a:r>
-            <a:endParaRPr lang="zh-TW" altLang="en-US" dirty="0">
-              <a:ea typeface="Microsoft JhengHei UI" panose="020B0604030504040204" pitchFamily="34" charset="-120"/>
-            </a:endParaRPr>
-          </a:p>
-        </p:txBody>
-      </p:sp>
-      <p:sp>
-        <p:nvSpPr>
-          <p:cNvPr id="3" name="內容預留位置 2"/>
-          <p:cNvSpPr>
-            <a:spLocks noGrp="1"/>
-          </p:cNvSpPr>
-          <p:nvPr>
-            <p:ph idx="1"/>
-          </p:nvPr>
-        </p:nvSpPr>
-        <p:spPr>
-          <a:xfrm>
-            <a:off x="1065212" y="1828800"/>
-            <a:ext cx="9853736" cy="4912568"/>
-          </a:xfrm>
-        </p:spPr>
-        <p:txBody>
-          <a:bodyPr rtlCol="0">
-            <a:normAutofit fontScale="77500" lnSpcReduction="20000"/>
-          </a:bodyPr>
-          <a:lstStyle/>
-          <a:p>
-            <a:pPr>
-              <a:lnSpc>
-                <a:spcPct val="150000"/>
-              </a:lnSpc>
-            </a:pPr>
-            <a:r>
-              <a:rPr lang="zh-TW" altLang="en-US" sz="2800" dirty="0" smtClean="0"/>
-              <a:t>功能需求</a:t>
-            </a:r>
-            <a:r>
-              <a:rPr lang="en-US" altLang="zh-TW" sz="2800" dirty="0" smtClean="0"/>
-              <a:t/>
-            </a:r>
-            <a:br>
-              <a:rPr lang="en-US" altLang="zh-TW" sz="2800" dirty="0" smtClean="0"/>
-            </a:br>
-            <a:r>
-              <a:rPr lang="en-US" altLang="zh-TW" sz="2800" dirty="0" smtClean="0"/>
-              <a:t>	</a:t>
-            </a:r>
-            <a:r>
-              <a:rPr lang="zh-TW" altLang="en-US" sz="2400" dirty="0" smtClean="0"/>
-              <a:t>利用</a:t>
-            </a:r>
-            <a:r>
-              <a:rPr lang="en-US" altLang="zh-TW" sz="2400" dirty="0" err="1" smtClean="0"/>
-              <a:t>Mechine</a:t>
-            </a:r>
-            <a:r>
-              <a:rPr lang="en-US" altLang="zh-TW" sz="2400" dirty="0" smtClean="0"/>
-              <a:t> Learning </a:t>
-            </a:r>
-            <a:r>
-              <a:rPr lang="zh-TW" altLang="en-US" sz="2400" dirty="0" smtClean="0"/>
-              <a:t>來學習如何回擊球</a:t>
-            </a:r>
-            <a:r>
-              <a:rPr lang="en-US" altLang="zh-TW" sz="2400" dirty="0" smtClean="0"/>
-              <a:t/>
-            </a:r>
-            <a:br>
-              <a:rPr lang="en-US" altLang="zh-TW" sz="2400" dirty="0" smtClean="0"/>
-            </a:br>
-            <a:r>
-              <a:rPr lang="en-US" altLang="zh-TW" sz="2400" dirty="0" smtClean="0"/>
-              <a:t>	</a:t>
-            </a:r>
-            <a:r>
-              <a:rPr lang="zh-TW" altLang="en-US" sz="2400" dirty="0" smtClean="0"/>
-              <a:t>在遊戲</a:t>
-            </a:r>
-            <a:r>
-              <a:rPr lang="zh-TW" altLang="en-US" sz="2400" dirty="0"/>
-              <a:t>速度達到</a:t>
-            </a:r>
-            <a:r>
-              <a:rPr lang="en-US" altLang="zh-TW" sz="2400" dirty="0"/>
-              <a:t>20</a:t>
-            </a:r>
-            <a:r>
-              <a:rPr lang="zh-TW" altLang="en-US" sz="2400" dirty="0"/>
-              <a:t>以前不會</a:t>
-            </a:r>
-            <a:r>
-              <a:rPr lang="zh-TW" altLang="en-US" sz="2400" dirty="0" smtClean="0"/>
-              <a:t>輸</a:t>
-            </a:r>
-            <a:r>
-              <a:rPr lang="en-US" altLang="zh-TW" sz="2400" dirty="0" smtClean="0"/>
-              <a:t/>
-            </a:r>
-            <a:br>
-              <a:rPr lang="en-US" altLang="zh-TW" sz="2400" dirty="0" smtClean="0"/>
-            </a:br>
-            <a:r>
-              <a:rPr lang="en-US" altLang="zh-TW" sz="2400" dirty="0" smtClean="0"/>
-              <a:t>	</a:t>
-            </a:r>
-            <a:r>
-              <a:rPr lang="zh-TW" altLang="en-US" sz="2400" dirty="0" smtClean="0"/>
-              <a:t>減少</a:t>
-            </a:r>
-            <a:r>
-              <a:rPr lang="zh-TW" altLang="en-US" sz="2400" dirty="0"/>
-              <a:t>計算的難度，在對方回擊後盡可能地計算落點位置並移動</a:t>
-            </a:r>
-            <a:endParaRPr lang="en-US" altLang="zh-TW" sz="2400" dirty="0"/>
-          </a:p>
-          <a:p>
-            <a:pPr>
-              <a:lnSpc>
-                <a:spcPct val="170000"/>
-              </a:lnSpc>
-            </a:pPr>
-            <a:r>
-              <a:rPr lang="zh-TW" altLang="en-US" sz="2800" dirty="0" smtClean="0"/>
-              <a:t>環境需求</a:t>
-            </a:r>
-            <a:r>
-              <a:rPr lang="en-US" altLang="zh-TW" sz="2400" dirty="0" smtClean="0"/>
-              <a:t/>
-            </a:r>
-            <a:br>
-              <a:rPr lang="en-US" altLang="zh-TW" sz="2400" dirty="0" smtClean="0"/>
-            </a:br>
-            <a:r>
-              <a:rPr lang="en-US" altLang="zh-TW" sz="2400" dirty="0" smtClean="0"/>
-              <a:t>	</a:t>
-            </a:r>
-            <a:r>
-              <a:rPr lang="zh-TW" altLang="en-US" sz="2400" dirty="0" smtClean="0"/>
-              <a:t>作業系統</a:t>
-            </a:r>
-            <a:r>
-              <a:rPr lang="en-US" altLang="zh-TW" sz="2400" dirty="0" smtClean="0"/>
-              <a:t>:WIN7</a:t>
-            </a:r>
-            <a:r>
-              <a:rPr lang="zh-TW" altLang="en-US" sz="2400" dirty="0" smtClean="0"/>
-              <a:t>以上版本</a:t>
-            </a:r>
-            <a:r>
-              <a:rPr lang="en-US" altLang="zh-TW" sz="2400" dirty="0" smtClean="0"/>
-              <a:t/>
-            </a:r>
-            <a:br>
-              <a:rPr lang="en-US" altLang="zh-TW" sz="2400" dirty="0" smtClean="0"/>
-            </a:br>
-            <a:r>
-              <a:rPr lang="en-US" altLang="zh-TW" sz="2400" dirty="0" smtClean="0"/>
-              <a:t>	</a:t>
-            </a:r>
-            <a:r>
-              <a:rPr lang="zh-TW" altLang="en-US" sz="2400" dirty="0" smtClean="0"/>
-              <a:t>軟體版本</a:t>
-            </a:r>
-            <a:r>
-              <a:rPr lang="en-US" altLang="zh-TW" sz="2400" dirty="0" smtClean="0"/>
-              <a:t>:python3.6</a:t>
-            </a:r>
-            <a:br>
-              <a:rPr lang="en-US" altLang="zh-TW" sz="2400" dirty="0" smtClean="0"/>
-            </a:br>
-            <a:r>
-              <a:rPr lang="en-US" altLang="zh-TW" sz="2400" dirty="0" smtClean="0"/>
-              <a:t>	</a:t>
-            </a:r>
-            <a:r>
-              <a:rPr lang="zh-TW" altLang="en-US" sz="2400" dirty="0" smtClean="0"/>
-              <a:t>最後須在</a:t>
-            </a:r>
-            <a:r>
-              <a:rPr lang="en-US" altLang="zh-TW" sz="2400" dirty="0" smtClean="0"/>
-              <a:t>B504</a:t>
-            </a:r>
-            <a:r>
-              <a:rPr lang="zh-TW" altLang="en-US" sz="2400" dirty="0" smtClean="0"/>
-              <a:t>教室</a:t>
-            </a:r>
-            <a:r>
-              <a:rPr lang="zh-TW" altLang="en-US" sz="2400" dirty="0" smtClean="0"/>
-              <a:t>實測</a:t>
-            </a:r>
-            <a:endParaRPr lang="en-US" altLang="zh-TW" sz="2400" dirty="0" smtClean="0"/>
-          </a:p>
-          <a:p>
-            <a:pPr>
-              <a:lnSpc>
-                <a:spcPct val="150000"/>
-              </a:lnSpc>
-            </a:pPr>
-            <a:r>
-              <a:rPr lang="zh-TW" altLang="en-US" sz="2800" dirty="0" smtClean="0"/>
-              <a:t>效能需求</a:t>
-            </a:r>
-            <a:r>
-              <a:rPr lang="en-US" altLang="zh-TW" sz="2800" dirty="0" smtClean="0"/>
-              <a:t/>
-            </a:r>
-            <a:br>
-              <a:rPr lang="en-US" altLang="zh-TW" sz="2800" dirty="0" smtClean="0"/>
-            </a:br>
-            <a:r>
-              <a:rPr lang="en-US" altLang="zh-TW" sz="2800" dirty="0" smtClean="0"/>
-              <a:t>	</a:t>
-            </a:r>
-            <a:r>
-              <a:rPr lang="zh-TW" altLang="en-US" sz="2800" dirty="0" smtClean="0"/>
-              <a:t>在</a:t>
-            </a:r>
-            <a:r>
-              <a:rPr lang="en-US" altLang="zh-TW" sz="2800" dirty="0" smtClean="0"/>
-              <a:t>FPS</a:t>
-            </a:r>
-            <a:r>
-              <a:rPr lang="zh-TW" altLang="en-US" sz="2800" dirty="0" smtClean="0"/>
-              <a:t> </a:t>
-            </a:r>
-            <a:r>
-              <a:rPr lang="en-US" altLang="zh-TW" sz="2800" dirty="0" smtClean="0"/>
-              <a:t>60</a:t>
-            </a:r>
-            <a:r>
-              <a:rPr lang="zh-TW" altLang="en-US" sz="2800" dirty="0" smtClean="0"/>
-              <a:t> 以下能正常運作</a:t>
-            </a:r>
-            <a:endParaRPr lang="en-US" altLang="zh-TW" sz="2800" dirty="0" smtClean="0"/>
-          </a:p>
-          <a:p>
-            <a:pPr marL="45720" indent="0" rtl="0">
-              <a:lnSpc>
-                <a:spcPct val="150000"/>
-              </a:lnSpc>
-              <a:buNone/>
-            </a:pPr>
-            <a:endParaRPr lang="zh-TW" altLang="en-US" sz="2400" dirty="0"/>
-          </a:p>
-          <a:p>
-            <a:pPr rtl="0"/>
-            <a:endParaRPr lang="zh-TW" altLang="en-US" sz="2800" dirty="0"/>
-          </a:p>
-          <a:p>
-            <a:pPr rtl="0"/>
-            <a:endParaRPr lang="zh-TW" altLang="en-US" sz="2800" dirty="0"/>
-          </a:p>
-        </p:txBody>
-      </p:sp>
-    </p:spTree>
-    <p:extLst>
-      <p:ext uri="{BB962C8B-B14F-4D97-AF65-F5344CB8AC3E}">
-        <p14:creationId xmlns:p14="http://schemas.microsoft.com/office/powerpoint/2010/main" val="2772895749"/>
-      </p:ext>
-    </p:extLst>
-  </p:cSld>
-  <p:clrMapOvr>
-    <a:masterClrMapping/>
-  </p:clrMapOvr>
-  <mc:AlternateContent xmlns:mc="http://schemas.openxmlformats.org/markup-compatibility/2006" xmlns:p14="http://schemas.microsoft.com/office/powerpoint/2010/main">
-    <mc:Choice Requires="p14">
-      <p:transition spd="med" p14:dur="700">
-        <p:fade/>
-      </p:transition>
-    </mc:Choice>
-    <mc:Fallback xmlns="">
-      <p:transition spd="med">
-        <p:fade/>
-      </p:transition>
-    </mc:Fallback>
-  </mc:AlternateContent>
-</p:sld>
-</file>
-
-<file path=ppt/slides/slide4.xml><?xml version="1.0" encoding="utf-8"?>
-<p:sld xmlns:a="http://schemas.openxmlformats.org/drawingml/2006/main" xmlns:r="http://schemas.openxmlformats.org/officeDocument/2006/relationships" xmlns:p="http://schemas.openxmlformats.org/presentationml/2006/main">
-  <p:cSld>
-    <p:spTree>
-      <p:nvGrpSpPr>
-        <p:cNvPr id="1" name=""/>
-        <p:cNvGrpSpPr/>
-        <p:nvPr/>
-      </p:nvGrpSpPr>
-      <p:grpSpPr>
-        <a:xfrm>
-          <a:off x="0" y="0"/>
-          <a:ext cx="0" cy="0"/>
-          <a:chOff x="0" y="0"/>
-          <a:chExt cx="0" cy="0"/>
-        </a:xfrm>
-      </p:grpSpPr>
-      <p:sp>
-        <p:nvSpPr>
-          <p:cNvPr id="2" name="標題 1"/>
-          <p:cNvSpPr>
-            <a:spLocks noGrp="1"/>
-          </p:cNvSpPr>
-          <p:nvPr>
-            <p:ph type="title"/>
-          </p:nvPr>
-        </p:nvSpPr>
-        <p:spPr/>
-        <p:txBody>
-          <a:bodyPr rtlCol="0"/>
-          <a:lstStyle/>
-          <a:p>
-            <a:pPr rtl="0"/>
-            <a:r>
-              <a:rPr lang="zh-TW" altLang="en-US" dirty="0" smtClean="0">
-                <a:ea typeface="Microsoft JhengHei UI" panose="020B0604030504040204" pitchFamily="34" charset="-120"/>
-              </a:rPr>
-              <a:t>專案分析</a:t>
-            </a:r>
-            <a:endParaRPr lang="zh-TW" altLang="en-US" dirty="0">
-              <a:ea typeface="Microsoft JhengHei UI" panose="020B0604030504040204" pitchFamily="34" charset="-120"/>
-            </a:endParaRPr>
-          </a:p>
-        </p:txBody>
-      </p:sp>
-      <p:graphicFrame>
-        <p:nvGraphicFramePr>
-          <p:cNvPr id="5" name="內容版面配置區 4">
-            <a:extLst>
-              <a:ext uri="{FF2B5EF4-FFF2-40B4-BE49-F238E27FC236}">
-                <a16:creationId xmlns:a16="http://schemas.microsoft.com/office/drawing/2014/main" id="{313014D0-AE92-4D00-81FD-6738CBB9EFBC}"/>
-              </a:ext>
-            </a:extLst>
-          </p:cNvPr>
-          <p:cNvGraphicFramePr>
-            <a:graphicFrameLocks noGrp="1"/>
-          </p:cNvGraphicFramePr>
-          <p:nvPr>
-            <p:ph idx="1"/>
-            <p:extLst>
-              <p:ext uri="{D42A27DB-BD31-4B8C-83A1-F6EECF244321}">
-                <p14:modId xmlns:p14="http://schemas.microsoft.com/office/powerpoint/2010/main" val="539356179"/>
-              </p:ext>
-            </p:extLst>
-          </p:nvPr>
-        </p:nvGraphicFramePr>
-        <p:xfrm>
-          <a:off x="1065212" y="1828800"/>
-          <a:ext cx="9997751" cy="4912568"/>
-        </p:xfrm>
-        <a:graphic>
-          <a:graphicData uri="http://schemas.openxmlformats.org/drawingml/2006/diagram">
-            <dgm:relIds xmlns:dgm="http://schemas.openxmlformats.org/drawingml/2006/diagram" xmlns:r="http://schemas.openxmlformats.org/officeDocument/2006/relationships" r:dm="rId3" r:lo="rId4" r:qs="rId5" r:cs="rId6"/>
-          </a:graphicData>
-        </a:graphic>
-      </p:graphicFrame>
-    </p:spTree>
-    <p:extLst>
-      <p:ext uri="{BB962C8B-B14F-4D97-AF65-F5344CB8AC3E}">
-        <p14:creationId xmlns:p14="http://schemas.microsoft.com/office/powerpoint/2010/main" val="417914984"/>
-      </p:ext>
-    </p:extLst>
-  </p:cSld>
-  <p:clrMapOvr>
-    <a:masterClrMapping/>
-  </p:clrMapOvr>
-  <mc:AlternateContent xmlns:mc="http://schemas.openxmlformats.org/markup-compatibility/2006" xmlns:p14="http://schemas.microsoft.com/office/powerpoint/2010/main">
-    <mc:Choice Requires="p14">
-      <p:transition spd="med" p14:dur="700">
-        <p:fade/>
-      </p:transition>
-    </mc:Choice>
-    <mc:Fallback xmlns="">
-      <p:transition spd="med">
-        <p:fade/>
-      </p:transition>
-    </mc:Fallback>
-  </mc:AlternateContent>
-</p:sld>
-</file>
-
-<file path=ppt/slides/slide5.xml><?xml version="1.0" encoding="utf-8"?>
-<p:sld xmlns:a="http://schemas.openxmlformats.org/drawingml/2006/main" xmlns:r="http://schemas.openxmlformats.org/officeDocument/2006/relationships" xmlns:p="http://schemas.openxmlformats.org/presentationml/2006/main">
-  <p:cSld>
-    <p:spTree>
-      <p:nvGrpSpPr>
-        <p:cNvPr id="1" name=""/>
-        <p:cNvGrpSpPr/>
-        <p:nvPr/>
-      </p:nvGrpSpPr>
-      <p:grpSpPr>
-        <a:xfrm>
-          <a:off x="0" y="0"/>
-          <a:ext cx="0" cy="0"/>
-          <a:chOff x="0" y="0"/>
-          <a:chExt cx="0" cy="0"/>
-        </a:xfrm>
-      </p:grpSpPr>
-      <p:sp>
-        <p:nvSpPr>
-          <p:cNvPr id="2" name="標題 1"/>
-          <p:cNvSpPr>
-            <a:spLocks noGrp="1"/>
-          </p:cNvSpPr>
-          <p:nvPr>
-            <p:ph type="title"/>
-          </p:nvPr>
-        </p:nvSpPr>
-        <p:spPr/>
-        <p:txBody>
-          <a:bodyPr/>
-          <a:lstStyle/>
-          <a:p>
-            <a:r>
-              <a:rPr lang="zh-TW" altLang="en-US" dirty="0"/>
-              <a:t>專案</a:t>
-            </a:r>
-            <a:r>
-              <a:rPr lang="zh-TW" altLang="en-US" dirty="0" smtClean="0"/>
-              <a:t>分析</a:t>
-            </a:r>
-            <a:r>
-              <a:rPr lang="en-US" altLang="zh-TW" dirty="0" smtClean="0"/>
-              <a:t>-</a:t>
-            </a:r>
-            <a:r>
-              <a:rPr lang="zh-TW" altLang="en-US" dirty="0" smtClean="0"/>
-              <a:t>功能模組</a:t>
-            </a:r>
-            <a:endParaRPr lang="zh-TW" altLang="en-US" dirty="0"/>
-          </a:p>
-        </p:txBody>
-      </p:sp>
-      <p:sp>
-        <p:nvSpPr>
-          <p:cNvPr id="3" name="內容版面配置區 2"/>
-          <p:cNvSpPr>
-            <a:spLocks noGrp="1"/>
-          </p:cNvSpPr>
-          <p:nvPr>
-            <p:ph idx="1"/>
-          </p:nvPr>
-        </p:nvSpPr>
-        <p:spPr/>
-        <p:txBody>
-          <a:bodyPr/>
-          <a:lstStyle/>
-          <a:p>
-            <a:pPr marL="274320" lvl="1">
-              <a:spcBef>
-                <a:spcPts val="1800"/>
-              </a:spcBef>
-            </a:pPr>
-            <a:r>
-              <a:rPr lang="zh-TW" altLang="en-US" dirty="0" smtClean="0"/>
-              <a:t>訓練模型程式 </a:t>
-            </a:r>
-            <a:r>
-              <a:rPr lang="en-US" altLang="zh-TW" dirty="0" smtClean="0"/>
-              <a:t>:</a:t>
-            </a:r>
-            <a:r>
-              <a:rPr lang="zh-TW" altLang="en-US" dirty="0" smtClean="0"/>
-              <a:t>利用機器學習訓練出一個有效的模型</a:t>
-            </a:r>
-            <a:endParaRPr lang="en-US" altLang="zh-TW" dirty="0" smtClean="0"/>
-          </a:p>
-          <a:p>
-            <a:pPr marL="274320" lvl="1">
-              <a:spcBef>
-                <a:spcPts val="1800"/>
-              </a:spcBef>
-            </a:pPr>
-            <a:endParaRPr lang="en-US" altLang="zh-TW" dirty="0" smtClean="0"/>
-          </a:p>
-          <a:p>
-            <a:pPr marL="274320" lvl="1">
-              <a:spcBef>
-                <a:spcPts val="1800"/>
-              </a:spcBef>
-            </a:pPr>
-            <a:endParaRPr lang="en-US" altLang="zh-TW" dirty="0" smtClean="0"/>
-          </a:p>
-          <a:p>
-            <a:pPr marL="274320" lvl="1">
-              <a:spcBef>
-                <a:spcPts val="1800"/>
-              </a:spcBef>
-            </a:pPr>
-            <a:r>
-              <a:rPr lang="zh-TW" altLang="en-US" dirty="0" smtClean="0"/>
-              <a:t>執行模型程式</a:t>
-            </a:r>
-            <a:endParaRPr lang="en-US" altLang="zh-TW" dirty="0" smtClean="0"/>
-          </a:p>
-          <a:p>
-            <a:pPr marL="274320" lvl="1">
-              <a:spcBef>
-                <a:spcPts val="1800"/>
-              </a:spcBef>
-            </a:pPr>
-            <a:endParaRPr lang="en-US" altLang="zh-TW" dirty="0" smtClean="0"/>
-          </a:p>
-          <a:p>
-            <a:endParaRPr lang="en-US" altLang="zh-TW" dirty="0" smtClean="0"/>
-          </a:p>
-          <a:p>
-            <a:endParaRPr lang="zh-TW" altLang="en-US" dirty="0"/>
-          </a:p>
-        </p:txBody>
-      </p:sp>
-      <p:pic>
-        <p:nvPicPr>
-          <p:cNvPr id="4" name="圖片 3"/>
-          <p:cNvPicPr>
-            <a:picLocks noChangeAspect="1"/>
-          </p:cNvPicPr>
-          <p:nvPr/>
-        </p:nvPicPr>
-        <p:blipFill>
-          <a:blip r:embed="rId2">
-            <a:extLst>
-              <a:ext uri="{28A0092B-C50C-407E-A947-70E740481C1C}">
-                <a14:useLocalDpi xmlns:a14="http://schemas.microsoft.com/office/drawing/2010/main" val="0"/>
-              </a:ext>
-            </a:extLst>
-          </a:blip>
-          <a:stretch>
-            <a:fillRect/>
-          </a:stretch>
-        </p:blipFill>
-        <p:spPr>
-          <a:xfrm>
-            <a:off x="3286100" y="2204864"/>
-            <a:ext cx="3629532" cy="962159"/>
-          </a:xfrm>
-          <a:prstGeom prst="rect">
-            <a:avLst/>
-          </a:prstGeom>
-        </p:spPr>
-      </p:pic>
-      <p:sp>
-        <p:nvSpPr>
-          <p:cNvPr id="6" name="矩形 5"/>
-          <p:cNvSpPr/>
-          <p:nvPr/>
-        </p:nvSpPr>
-        <p:spPr>
-          <a:xfrm>
-            <a:off x="1773932" y="4219541"/>
-            <a:ext cx="1851660" cy="972820"/>
-          </a:xfrm>
-          <a:prstGeom prst="rect">
-            <a:avLst/>
-          </a:prstGeom>
-        </p:spPr>
-        <p:style>
-          <a:lnRef idx="2">
-            <a:schemeClr val="accent1">
-              <a:shade val="50000"/>
-            </a:schemeClr>
-          </a:lnRef>
-          <a:fillRef idx="1">
-            <a:schemeClr val="accent1"/>
-          </a:fillRef>
-          <a:effectRef idx="0">
-            <a:schemeClr val="accent1"/>
-          </a:effectRef>
-          <a:fontRef idx="minor">
-            <a:schemeClr val="lt1"/>
-          </a:fontRef>
-        </p:style>
-        <p:txBody>
-          <a:bodyPr rtlCol="0" anchor="ctr"/>
-          <a:lstStyle/>
-          <a:p>
-            <a:pPr algn="ctr"/>
-            <a:r>
-              <a:rPr lang="zh-TW" altLang="en-US" dirty="0" smtClean="0"/>
-              <a:t>訓練模型</a:t>
-            </a:r>
-            <a:endParaRPr lang="zh-TW" altLang="en-US" dirty="0"/>
-          </a:p>
-        </p:txBody>
-      </p:sp>
-      <p:sp>
-        <p:nvSpPr>
-          <p:cNvPr id="7" name="矩形 6"/>
-          <p:cNvSpPr/>
-          <p:nvPr/>
-        </p:nvSpPr>
-        <p:spPr>
-          <a:xfrm>
-            <a:off x="6742484" y="4221088"/>
-            <a:ext cx="1851660" cy="972820"/>
-          </a:xfrm>
-          <a:prstGeom prst="rect">
-            <a:avLst/>
-          </a:prstGeom>
-        </p:spPr>
-        <p:style>
-          <a:lnRef idx="2">
-            <a:schemeClr val="accent1">
-              <a:shade val="50000"/>
-            </a:schemeClr>
-          </a:lnRef>
-          <a:fillRef idx="1">
-            <a:schemeClr val="accent1"/>
-          </a:fillRef>
-          <a:effectRef idx="0">
-            <a:schemeClr val="accent1"/>
-          </a:effectRef>
-          <a:fontRef idx="minor">
-            <a:schemeClr val="lt1"/>
-          </a:fontRef>
-        </p:style>
-        <p:txBody>
-          <a:bodyPr rtlCol="0" anchor="ctr"/>
-          <a:lstStyle/>
-          <a:p>
-            <a:pPr algn="ctr"/>
-            <a:r>
-              <a:rPr lang="zh-TW" altLang="en-US" dirty="0" smtClean="0"/>
-              <a:t>比賽對打</a:t>
-            </a:r>
-            <a:endParaRPr lang="zh-TW" altLang="en-US" dirty="0"/>
-          </a:p>
-        </p:txBody>
-      </p:sp>
-      <p:sp>
-        <p:nvSpPr>
-          <p:cNvPr id="8" name="矩形 7"/>
-          <p:cNvSpPr/>
-          <p:nvPr/>
-        </p:nvSpPr>
-        <p:spPr>
-          <a:xfrm>
-            <a:off x="4189726" y="3955981"/>
-            <a:ext cx="1649129" cy="369332"/>
-          </a:xfrm>
-          <a:prstGeom prst="rect">
-            <a:avLst/>
-          </a:prstGeom>
-        </p:spPr>
-        <p:txBody>
-          <a:bodyPr wrap="square">
-            <a:spAutoFit/>
-          </a:bodyPr>
-          <a:lstStyle/>
-          <a:p>
-            <a:r>
-              <a:rPr lang="zh-TW" altLang="en-US" dirty="0"/>
-              <a:t>提供</a:t>
-            </a:r>
-            <a:r>
-              <a:rPr lang="zh-TW" altLang="en-US" dirty="0" smtClean="0"/>
-              <a:t>預測模型</a:t>
-            </a:r>
-            <a:endParaRPr lang="zh-TW" altLang="en-US" dirty="0"/>
-          </a:p>
-        </p:txBody>
-      </p:sp>
-      <p:cxnSp>
-        <p:nvCxnSpPr>
-          <p:cNvPr id="10" name="直線單箭頭接點 9"/>
-          <p:cNvCxnSpPr/>
-          <p:nvPr/>
-        </p:nvCxnSpPr>
-        <p:spPr>
-          <a:xfrm>
-            <a:off x="3646140" y="4437112"/>
-            <a:ext cx="3096344" cy="0"/>
-          </a:xfrm>
-          <a:prstGeom prst="straightConnector1">
-            <a:avLst/>
-          </a:prstGeom>
-          <a:ln>
-            <a:tailEnd type="triangle"/>
-          </a:ln>
-        </p:spPr>
-        <p:style>
-          <a:lnRef idx="1">
-            <a:schemeClr val="accent1"/>
-          </a:lnRef>
-          <a:fillRef idx="0">
-            <a:schemeClr val="accent1"/>
-          </a:fillRef>
-          <a:effectRef idx="0">
-            <a:schemeClr val="accent1"/>
-          </a:effectRef>
-          <a:fontRef idx="minor">
-            <a:schemeClr val="tx1"/>
-          </a:fontRef>
-        </p:style>
-      </p:cxnSp>
-      <p:sp>
-        <p:nvSpPr>
-          <p:cNvPr id="11" name="矩形 10"/>
-          <p:cNvSpPr/>
-          <p:nvPr/>
-        </p:nvSpPr>
-        <p:spPr>
-          <a:xfrm>
-            <a:off x="3767796" y="5075892"/>
-            <a:ext cx="2492990" cy="369332"/>
-          </a:xfrm>
-          <a:prstGeom prst="rect">
-            <a:avLst/>
-          </a:prstGeom>
-        </p:spPr>
-        <p:txBody>
-          <a:bodyPr wrap="none">
-            <a:spAutoFit/>
-          </a:bodyPr>
-          <a:lstStyle/>
-          <a:p>
-            <a:r>
-              <a:rPr lang="zh-TW" altLang="en-US" dirty="0" smtClean="0"/>
-              <a:t>依據對打結果修正模型</a:t>
-            </a:r>
-            <a:endParaRPr lang="zh-TW" altLang="en-US" dirty="0"/>
-          </a:p>
-        </p:txBody>
-      </p:sp>
-      <p:cxnSp>
-        <p:nvCxnSpPr>
-          <p:cNvPr id="15" name="直線單箭頭接點 14"/>
-          <p:cNvCxnSpPr/>
-          <p:nvPr/>
-        </p:nvCxnSpPr>
-        <p:spPr>
-          <a:xfrm flipH="1">
-            <a:off x="3625592" y="4941168"/>
-            <a:ext cx="3116892" cy="0"/>
-          </a:xfrm>
-          <a:prstGeom prst="straightConnector1">
-            <a:avLst/>
-          </a:prstGeom>
-          <a:ln>
-            <a:tailEnd type="triangle"/>
-          </a:ln>
-        </p:spPr>
-        <p:style>
-          <a:lnRef idx="1">
-            <a:schemeClr val="accent1"/>
-          </a:lnRef>
-          <a:fillRef idx="0">
-            <a:schemeClr val="accent1"/>
-          </a:fillRef>
-          <a:effectRef idx="0">
-            <a:schemeClr val="accent1"/>
-          </a:effectRef>
-          <a:fontRef idx="minor">
-            <a:schemeClr val="tx1"/>
-          </a:fontRef>
-        </p:style>
-      </p:cxnSp>
-    </p:spTree>
-    <p:extLst>
-      <p:ext uri="{BB962C8B-B14F-4D97-AF65-F5344CB8AC3E}">
-        <p14:creationId xmlns:p14="http://schemas.microsoft.com/office/powerpoint/2010/main" val="3411665806"/>
-      </p:ext>
-    </p:extLst>
-  </p:cSld>
-  <p:clrMapOvr>
-    <a:masterClrMapping/>
-  </p:clrMapOvr>
-  <mc:AlternateContent xmlns:mc="http://schemas.openxmlformats.org/markup-compatibility/2006" xmlns:p14="http://schemas.microsoft.com/office/powerpoint/2010/main">
-    <mc:Choice Requires="p14">
-      <p:transition spd="med" p14:dur="700">
-        <p:fade/>
-      </p:transition>
-    </mc:Choice>
-    <mc:Fallback xmlns="">
-      <p:transition spd="med">
-        <p:fade/>
-      </p:transition>
-    </mc:Fallback>
-  </mc:AlternateContent>
-</p:sld>
-</file>
-
-<file path=ppt/slides/slide6.xml><?xml version="1.0" encoding="utf-8"?>
-<p:sld xmlns:a="http://schemas.openxmlformats.org/drawingml/2006/main" xmlns:r="http://schemas.openxmlformats.org/officeDocument/2006/relationships" xmlns:p="http://schemas.openxmlformats.org/presentationml/2006/main">
-  <p:cSld>
-    <p:spTree>
-      <p:nvGrpSpPr>
-        <p:cNvPr id="1" name=""/>
-        <p:cNvGrpSpPr/>
-        <p:nvPr/>
-      </p:nvGrpSpPr>
-      <p:grpSpPr>
-        <a:xfrm>
-          <a:off x="0" y="0"/>
-          <a:ext cx="0" cy="0"/>
-          <a:chOff x="0" y="0"/>
-          <a:chExt cx="0" cy="0"/>
-        </a:xfrm>
-      </p:grpSpPr>
-      <p:sp>
-        <p:nvSpPr>
-          <p:cNvPr id="2" name="標題 1"/>
-          <p:cNvSpPr>
-            <a:spLocks noGrp="1"/>
-          </p:cNvSpPr>
-          <p:nvPr>
-            <p:ph type="title"/>
-          </p:nvPr>
-        </p:nvSpPr>
-        <p:spPr/>
-        <p:txBody>
-          <a:bodyPr/>
-          <a:lstStyle/>
-          <a:p>
-            <a:r>
-              <a:rPr lang="zh-TW" altLang="en-US" dirty="0"/>
-              <a:t>專案分析</a:t>
-            </a:r>
-            <a:r>
-              <a:rPr lang="en-US" altLang="zh-TW" dirty="0" smtClean="0"/>
-              <a:t>-KNN</a:t>
-            </a:r>
-            <a:endParaRPr lang="zh-TW" altLang="en-US" dirty="0"/>
-          </a:p>
-        </p:txBody>
-      </p:sp>
-      <p:sp>
-        <p:nvSpPr>
-          <p:cNvPr id="5" name="內容版面配置區 4"/>
-          <p:cNvSpPr>
-            <a:spLocks noGrp="1"/>
-          </p:cNvSpPr>
-          <p:nvPr>
-            <p:ph idx="1"/>
-          </p:nvPr>
-        </p:nvSpPr>
-        <p:spPr/>
-        <p:txBody>
-          <a:bodyPr/>
-          <a:lstStyle/>
-          <a:p>
-            <a:r>
-              <a:rPr lang="en-US" altLang="zh-TW" dirty="0"/>
-              <a:t>KNN</a:t>
-            </a:r>
-            <a:r>
-              <a:rPr lang="zh-TW" altLang="en-US" dirty="0"/>
-              <a:t>演算法，全名叫</a:t>
-            </a:r>
-            <a:r>
-              <a:rPr lang="en-US" altLang="zh-TW" b="1" dirty="0"/>
-              <a:t>K-nearest neighbors </a:t>
-            </a:r>
-            <a:r>
-              <a:rPr lang="en-US" altLang="zh-TW" b="1" dirty="0" smtClean="0"/>
-              <a:t>algorithm</a:t>
-            </a:r>
-          </a:p>
-          <a:p>
-            <a:r>
-              <a:rPr lang="en-US" altLang="zh-TW" dirty="0"/>
-              <a:t>KNN</a:t>
-            </a:r>
-            <a:r>
-              <a:rPr lang="zh-TW" altLang="en-US" dirty="0"/>
-              <a:t>屬於機器學習中的監督式學習</a:t>
-            </a:r>
-            <a:r>
-              <a:rPr lang="en-US" altLang="zh-TW" dirty="0"/>
-              <a:t>(</a:t>
-            </a:r>
-            <a:r>
-              <a:rPr lang="en-US" altLang="zh-TW" b="1" dirty="0"/>
-              <a:t>Supervised learning</a:t>
-            </a:r>
-            <a:r>
-              <a:rPr lang="en-US" altLang="zh-TW" dirty="0" smtClean="0"/>
-              <a:t>)</a:t>
-            </a:r>
-            <a:r>
-              <a:rPr lang="zh-TW" altLang="en-US" dirty="0" smtClean="0"/>
-              <a:t>，</a:t>
-            </a:r>
-            <a:r>
-              <a:rPr lang="zh-TW" altLang="en-US" dirty="0"/>
-              <a:t>但是在</a:t>
-            </a:r>
-            <a:r>
-              <a:rPr lang="en-US" altLang="zh-TW" dirty="0"/>
-              <a:t>KNN</a:t>
-            </a:r>
-            <a:r>
-              <a:rPr lang="zh-TW" altLang="en-US" dirty="0"/>
-              <a:t>其實並沒有做</a:t>
-            </a:r>
-            <a:r>
-              <a:rPr lang="en-US" altLang="zh-TW" dirty="0"/>
-              <a:t>training</a:t>
-            </a:r>
-            <a:r>
-              <a:rPr lang="zh-TW" altLang="en-US" dirty="0"/>
-              <a:t>的</a:t>
-            </a:r>
-            <a:r>
-              <a:rPr lang="zh-TW" altLang="en-US" dirty="0" smtClean="0"/>
-              <a:t>動作</a:t>
-            </a:r>
-            <a:endParaRPr lang="en-US" altLang="zh-TW" dirty="0" smtClean="0"/>
-          </a:p>
-          <a:p>
-            <a:r>
-              <a:rPr lang="zh-TW" altLang="en-US" dirty="0"/>
-              <a:t>在</a:t>
-            </a:r>
-            <a:r>
-              <a:rPr lang="en-US" altLang="zh-TW" dirty="0"/>
-              <a:t>K</a:t>
-            </a:r>
-            <a:r>
-              <a:rPr lang="zh-TW" altLang="en-US" dirty="0"/>
-              <a:t>近鄰分類算法中，對於預測的新樣本數據，將其與訓練樣本一一進行比較，找到最為相似的</a:t>
-            </a:r>
-            <a:r>
-              <a:rPr lang="en-US" altLang="zh-TW" dirty="0"/>
-              <a:t>K</a:t>
-            </a:r>
-            <a:r>
-              <a:rPr lang="zh-TW" altLang="en-US" dirty="0"/>
-              <a:t>個訓練樣本，並以這</a:t>
-            </a:r>
-            <a:r>
-              <a:rPr lang="en-US" altLang="zh-TW" dirty="0"/>
-              <a:t>K</a:t>
-            </a:r>
-            <a:r>
-              <a:rPr lang="zh-TW" altLang="en-US" dirty="0"/>
-              <a:t>個訓練樣本中出現最多的分類標籤作為最終新樣本數據的預測標籤。</a:t>
-            </a:r>
-          </a:p>
-        </p:txBody>
-      </p:sp>
-      <p:pic>
-        <p:nvPicPr>
-          <p:cNvPr id="6" name="圖片 5"/>
-          <p:cNvPicPr>
-            <a:picLocks noChangeAspect="1"/>
-          </p:cNvPicPr>
-          <p:nvPr/>
-        </p:nvPicPr>
-        <p:blipFill>
-          <a:blip r:embed="rId2">
-            <a:extLst>
-              <a:ext uri="{28A0092B-C50C-407E-A947-70E740481C1C}">
-                <a14:useLocalDpi xmlns:a14="http://schemas.microsoft.com/office/drawing/2010/main" val="0"/>
-              </a:ext>
-            </a:extLst>
-          </a:blip>
-          <a:stretch>
-            <a:fillRect/>
-          </a:stretch>
-        </p:blipFill>
-        <p:spPr>
-          <a:xfrm>
-            <a:off x="6310436" y="3988509"/>
-            <a:ext cx="2331472" cy="2259891"/>
-          </a:xfrm>
-          <a:prstGeom prst="rect">
-            <a:avLst/>
-          </a:prstGeom>
-        </p:spPr>
-      </p:pic>
-    </p:spTree>
-    <p:extLst>
-      <p:ext uri="{BB962C8B-B14F-4D97-AF65-F5344CB8AC3E}">
-        <p14:creationId xmlns:p14="http://schemas.microsoft.com/office/powerpoint/2010/main" val="2588037978"/>
-      </p:ext>
-    </p:extLst>
-  </p:cSld>
-  <p:clrMapOvr>
-    <a:masterClrMapping/>
-  </p:clrMapOvr>
-  <mc:AlternateContent xmlns:mc="http://schemas.openxmlformats.org/markup-compatibility/2006" xmlns:p14="http://schemas.microsoft.com/office/powerpoint/2010/main">
-    <mc:Choice Requires="p14">
-      <p:transition spd="med" p14:dur="700">
-        <p:fade/>
-      </p:transition>
-    </mc:Choice>
-    <mc:Fallback xmlns="">
-      <p:transition spd="med">
-        <p:fade/>
-      </p:transition>
-    </mc:Fallback>
-  </mc:AlternateContent>
-</p:sld>
-</file>
-
-<file path=ppt/slides/slide7.xml><?xml version="1.0" encoding="utf-8"?>
-<p:sld xmlns:a="http://schemas.openxmlformats.org/drawingml/2006/main" xmlns:r="http://schemas.openxmlformats.org/officeDocument/2006/relationships" xmlns:p="http://schemas.openxmlformats.org/presentationml/2006/main">
-  <p:cSld>
-    <p:spTree>
-      <p:nvGrpSpPr>
-        <p:cNvPr id="1" name=""/>
-        <p:cNvGrpSpPr/>
-        <p:nvPr/>
-      </p:nvGrpSpPr>
-      <p:grpSpPr>
-        <a:xfrm>
-          <a:off x="0" y="0"/>
-          <a:ext cx="0" cy="0"/>
-          <a:chOff x="0" y="0"/>
-          <a:chExt cx="0" cy="0"/>
-        </a:xfrm>
-      </p:grpSpPr>
-      <p:sp>
-        <p:nvSpPr>
-          <p:cNvPr id="2" name="標題 1"/>
-          <p:cNvSpPr>
-            <a:spLocks noGrp="1"/>
-          </p:cNvSpPr>
-          <p:nvPr>
-            <p:ph type="title"/>
-          </p:nvPr>
-        </p:nvSpPr>
-        <p:spPr/>
-        <p:txBody>
-          <a:bodyPr/>
-          <a:lstStyle/>
-          <a:p>
-            <a:r>
-              <a:rPr lang="zh-TW" altLang="en-US" dirty="0"/>
-              <a:t>專案</a:t>
-            </a:r>
-            <a:r>
-              <a:rPr lang="zh-TW" altLang="en-US" dirty="0" smtClean="0"/>
-              <a:t>分析</a:t>
-            </a:r>
-            <a:r>
-              <a:rPr lang="en-US" altLang="zh-TW" dirty="0" smtClean="0"/>
-              <a:t>-</a:t>
-            </a:r>
-            <a:r>
-              <a:rPr lang="zh-TW" altLang="en-US" dirty="0" smtClean="0"/>
-              <a:t>遊戲分析</a:t>
-            </a:r>
-            <a:endParaRPr lang="zh-TW" altLang="en-US" dirty="0"/>
-          </a:p>
-        </p:txBody>
-      </p:sp>
-      <p:pic>
-        <p:nvPicPr>
-          <p:cNvPr id="4" name="內容版面配置區 3">
-            <a:extLst>
-              <a:ext uri="{FF2B5EF4-FFF2-40B4-BE49-F238E27FC236}">
-                <a16:creationId xmlns:a16="http://schemas.microsoft.com/office/drawing/2014/main" id="{1F369AC9-9C21-4A38-8B2F-F7BB615CCA1A}"/>
-              </a:ext>
-            </a:extLst>
-          </p:cNvPr>
-          <p:cNvPicPr>
-            <a:picLocks noGrp="1" noChangeAspect="1"/>
-          </p:cNvPicPr>
-          <p:nvPr>
-            <p:ph idx="1"/>
-          </p:nvPr>
-        </p:nvPicPr>
-        <p:blipFill>
-          <a:blip r:embed="rId2">
-            <a:extLst>
-              <a:ext uri="{28A0092B-C50C-407E-A947-70E740481C1C}">
-                <a14:useLocalDpi xmlns:a14="http://schemas.microsoft.com/office/drawing/2010/main" val="0"/>
-              </a:ext>
-            </a:extLst>
-          </a:blip>
-          <a:stretch>
-            <a:fillRect/>
-          </a:stretch>
-        </p:blipFill>
-        <p:spPr>
-          <a:xfrm>
-            <a:off x="1034389" y="1700808"/>
-            <a:ext cx="1585783" cy="4191000"/>
-          </a:xfrm>
-          <a:prstGeom prst="rect">
-            <a:avLst/>
-          </a:prstGeom>
-        </p:spPr>
-      </p:pic>
-      <p:sp>
-        <p:nvSpPr>
-          <p:cNvPr id="6" name="內容版面配置區 2"/>
-          <p:cNvSpPr txBox="1">
-            <a:spLocks/>
-          </p:cNvSpPr>
-          <p:nvPr/>
-        </p:nvSpPr>
-        <p:spPr>
-          <a:xfrm>
-            <a:off x="3430116" y="1580719"/>
-            <a:ext cx="8596668" cy="5715000"/>
-          </a:xfrm>
-          <a:prstGeom prst="rect">
-            <a:avLst/>
-          </a:prstGeom>
-        </p:spPr>
-        <p:txBody>
-          <a:bodyPr vert="horz" lIns="91440" tIns="45720" rIns="91440" bIns="45720" rtlCol="0">
-            <a:normAutofit/>
-          </a:bodyPr>
-          <a:lstStyle>
-            <a:lvl1pPr marL="274320" indent="-228600" algn="l" defTabSz="914400" rtl="0" eaLnBrk="1" latinLnBrk="0" hangingPunct="1">
-              <a:lnSpc>
-                <a:spcPct val="90000"/>
-              </a:lnSpc>
-              <a:spcBef>
-                <a:spcPts val="1800"/>
-              </a:spcBef>
-              <a:buClr>
-                <a:schemeClr val="tx1">
-                  <a:lumMod val="65000"/>
-                  <a:lumOff val="35000"/>
-                </a:schemeClr>
-              </a:buClr>
-              <a:buSzPct val="80000"/>
-              <a:buFont typeface="Arial" pitchFamily="34" charset="0"/>
-              <a:buChar char="•"/>
-              <a:defRPr sz="2000" kern="1200">
-                <a:solidFill>
-                  <a:schemeClr val="tx1"/>
-                </a:solidFill>
-                <a:latin typeface="細明體" panose="02020509000000000000" pitchFamily="49" charset="-120"/>
-                <a:ea typeface="細明體" panose="02020509000000000000" pitchFamily="49" charset="-120"/>
-                <a:cs typeface="+mn-cs"/>
-              </a:defRPr>
-            </a:lvl1pPr>
-            <a:lvl2pPr marL="594360" indent="-228600" algn="l" defTabSz="914400" rtl="0" eaLnBrk="1" latinLnBrk="0" hangingPunct="1">
-              <a:lnSpc>
-                <a:spcPct val="90000"/>
-              </a:lnSpc>
-              <a:spcBef>
-                <a:spcPts val="1000"/>
-              </a:spcBef>
-              <a:buClr>
-                <a:schemeClr val="tx1">
-                  <a:lumMod val="65000"/>
-                  <a:lumOff val="35000"/>
-                </a:schemeClr>
-              </a:buClr>
-              <a:buSzPct val="80000"/>
-              <a:buFont typeface="Arial" pitchFamily="34" charset="0"/>
-              <a:buChar char="•"/>
-              <a:defRPr sz="1800" kern="1200">
-                <a:solidFill>
-                  <a:schemeClr val="tx1"/>
-                </a:solidFill>
-                <a:latin typeface="細明體" panose="02020509000000000000" pitchFamily="49" charset="-120"/>
-                <a:ea typeface="細明體" panose="02020509000000000000" pitchFamily="49" charset="-120"/>
-                <a:cs typeface="+mn-cs"/>
-              </a:defRPr>
-            </a:lvl2pPr>
-            <a:lvl3pPr marL="777240" indent="-182880" algn="l" defTabSz="914400" rtl="0" eaLnBrk="1" latinLnBrk="0" hangingPunct="1">
-              <a:lnSpc>
-                <a:spcPct val="90000"/>
-              </a:lnSpc>
-              <a:spcBef>
-                <a:spcPts val="600"/>
-              </a:spcBef>
-              <a:buClr>
-                <a:schemeClr val="tx1">
-                  <a:lumMod val="65000"/>
-                  <a:lumOff val="35000"/>
-                </a:schemeClr>
-              </a:buClr>
-              <a:buSzPct val="80000"/>
-              <a:buFont typeface="Arial" pitchFamily="34" charset="0"/>
-              <a:buChar char="•"/>
-              <a:defRPr sz="1600" kern="1200">
-                <a:solidFill>
-                  <a:schemeClr val="tx1"/>
-                </a:solidFill>
-                <a:latin typeface="細明體" panose="02020509000000000000" pitchFamily="49" charset="-120"/>
-                <a:ea typeface="細明體" panose="02020509000000000000" pitchFamily="49" charset="-120"/>
-                <a:cs typeface="+mn-cs"/>
-              </a:defRPr>
-            </a:lvl3pPr>
-            <a:lvl4pPr marL="960120" indent="-182880" algn="l" defTabSz="914400" rtl="0" eaLnBrk="1" latinLnBrk="0" hangingPunct="1">
-              <a:lnSpc>
-                <a:spcPct val="90000"/>
-              </a:lnSpc>
-              <a:spcBef>
-                <a:spcPts val="600"/>
-              </a:spcBef>
-              <a:buClr>
-                <a:schemeClr val="tx1">
-                  <a:lumMod val="65000"/>
-                  <a:lumOff val="35000"/>
-                </a:schemeClr>
-              </a:buClr>
-              <a:buSzPct val="80000"/>
-              <a:buFont typeface="Arial" pitchFamily="34" charset="0"/>
-              <a:buChar char="•"/>
-              <a:defRPr sz="1400" kern="1200">
-                <a:solidFill>
-                  <a:schemeClr val="tx1"/>
-                </a:solidFill>
-                <a:latin typeface="細明體" panose="02020509000000000000" pitchFamily="49" charset="-120"/>
-                <a:ea typeface="細明體" panose="02020509000000000000" pitchFamily="49" charset="-120"/>
-                <a:cs typeface="+mn-cs"/>
-              </a:defRPr>
-            </a:lvl4pPr>
-            <a:lvl5pPr marL="1097280" indent="-137160" algn="l" defTabSz="914400" rtl="0" eaLnBrk="1" latinLnBrk="0" hangingPunct="1">
-              <a:lnSpc>
-                <a:spcPct val="90000"/>
-              </a:lnSpc>
-              <a:spcBef>
-                <a:spcPts val="600"/>
-              </a:spcBef>
-              <a:buClr>
-                <a:schemeClr val="tx1">
-                  <a:lumMod val="65000"/>
-                  <a:lumOff val="35000"/>
-                </a:schemeClr>
-              </a:buClr>
-              <a:buSzPct val="80000"/>
-              <a:buFont typeface="Arial" pitchFamily="34" charset="0"/>
-              <a:buChar char="•"/>
-              <a:defRPr sz="1400" kern="1200">
-                <a:solidFill>
-                  <a:schemeClr val="tx1"/>
-                </a:solidFill>
-                <a:latin typeface="細明體" panose="02020509000000000000" pitchFamily="49" charset="-120"/>
-                <a:ea typeface="細明體" panose="02020509000000000000" pitchFamily="49" charset="-120"/>
-                <a:cs typeface="+mn-cs"/>
-              </a:defRPr>
-            </a:lvl5pPr>
-            <a:lvl6pPr marL="1234440" indent="-137160" algn="l" defTabSz="914400" rtl="0" eaLnBrk="1" latinLnBrk="0" hangingPunct="1">
-              <a:spcBef>
-                <a:spcPts val="600"/>
-              </a:spcBef>
-              <a:buSzPct val="80000"/>
-              <a:buFont typeface="Arial" pitchFamily="34" charset="0"/>
-              <a:buChar char="•"/>
-              <a:defRPr sz="1400" kern="1200">
-                <a:solidFill>
-                  <a:schemeClr val="tx1">
-                    <a:lumMod val="65000"/>
-                    <a:lumOff val="35000"/>
-                  </a:schemeClr>
-                </a:solidFill>
-                <a:latin typeface="+mn-lt"/>
-                <a:ea typeface="+mn-ea"/>
-                <a:cs typeface="+mn-cs"/>
-              </a:defRPr>
-            </a:lvl6pPr>
-            <a:lvl7pPr marL="1371600" indent="-137160" algn="l" defTabSz="914400" rtl="0" eaLnBrk="1" latinLnBrk="0" hangingPunct="1">
-              <a:spcBef>
-                <a:spcPts val="600"/>
-              </a:spcBef>
-              <a:buSzPct val="80000"/>
-              <a:buFont typeface="Arial" pitchFamily="34" charset="0"/>
-              <a:buChar char="•"/>
-              <a:defRPr sz="1400" kern="1200">
-                <a:solidFill>
-                  <a:schemeClr val="tx1">
-                    <a:lumMod val="65000"/>
-                    <a:lumOff val="35000"/>
-                  </a:schemeClr>
-                </a:solidFill>
-                <a:latin typeface="+mn-lt"/>
-                <a:ea typeface="+mn-ea"/>
-                <a:cs typeface="+mn-cs"/>
-              </a:defRPr>
-            </a:lvl7pPr>
-            <a:lvl8pPr marL="1508760" indent="-137160" algn="l" defTabSz="914400" rtl="0" eaLnBrk="1" latinLnBrk="0" hangingPunct="1">
-              <a:spcBef>
-                <a:spcPts val="600"/>
-              </a:spcBef>
-              <a:buSzPct val="80000"/>
-              <a:buFont typeface="Arial" pitchFamily="34" charset="0"/>
-              <a:buChar char="•"/>
-              <a:defRPr sz="1400" kern="1200">
-                <a:solidFill>
-                  <a:schemeClr val="tx1">
-                    <a:lumMod val="65000"/>
-                    <a:lumOff val="35000"/>
-                  </a:schemeClr>
-                </a:solidFill>
-                <a:latin typeface="+mn-lt"/>
-                <a:ea typeface="+mn-ea"/>
-                <a:cs typeface="+mn-cs"/>
-              </a:defRPr>
-            </a:lvl8pPr>
-            <a:lvl9pPr marL="1645920" indent="-137160" algn="l" defTabSz="914400" rtl="0" eaLnBrk="1" latinLnBrk="0" hangingPunct="1">
-              <a:spcBef>
-                <a:spcPts val="600"/>
-              </a:spcBef>
-              <a:buSzPct val="80000"/>
-              <a:buFont typeface="Arial" pitchFamily="34" charset="0"/>
-              <a:buChar char="•"/>
-              <a:defRPr sz="1400" kern="1200">
-                <a:solidFill>
-                  <a:schemeClr val="tx1">
-                    <a:lumMod val="65000"/>
-                    <a:lumOff val="35000"/>
-                  </a:schemeClr>
-                </a:solidFill>
-                <a:latin typeface="+mn-lt"/>
-                <a:ea typeface="+mn-ea"/>
-                <a:cs typeface="+mn-cs"/>
-              </a:defRPr>
-            </a:lvl9pPr>
-          </a:lstStyle>
-          <a:p>
-            <a:r>
-              <a:rPr lang="zh-TW" altLang="en-US" sz="2800" b="1" dirty="0" smtClean="0"/>
-              <a:t>紅色為</a:t>
-            </a:r>
-            <a:r>
-              <a:rPr lang="en-US" altLang="zh-TW" sz="2800" b="1" dirty="0" smtClean="0"/>
-              <a:t>1P</a:t>
-            </a:r>
-            <a:r>
-              <a:rPr lang="zh-TW" altLang="en-US" sz="2800" b="1" dirty="0" smtClean="0"/>
-              <a:t>，藍色為</a:t>
-            </a:r>
-            <a:r>
-              <a:rPr lang="en-US" altLang="zh-TW" sz="2800" b="1" dirty="0" smtClean="0"/>
-              <a:t>2P</a:t>
-            </a:r>
-            <a:r>
-              <a:rPr lang="zh-TW" altLang="en-US" sz="2800" b="1" dirty="0" smtClean="0"/>
-              <a:t>。</a:t>
-            </a:r>
-            <a:endParaRPr lang="en-US" altLang="zh-TW" sz="2800" b="1" dirty="0" smtClean="0"/>
-          </a:p>
-          <a:p>
-            <a:r>
-              <a:rPr lang="en-US" altLang="zh-TW" sz="2800" b="1" dirty="0" smtClean="0"/>
-              <a:t>1P</a:t>
-            </a:r>
-            <a:r>
-              <a:rPr lang="zh-TW" altLang="en-US" sz="2800" b="1" dirty="0" smtClean="0"/>
-              <a:t>的</a:t>
-            </a:r>
-            <a:r>
-              <a:rPr lang="en-US" altLang="zh-TW" sz="2800" b="1" dirty="0" smtClean="0"/>
-              <a:t>Y</a:t>
-            </a:r>
-            <a:r>
-              <a:rPr lang="zh-TW" altLang="en-US" sz="2800" b="1" dirty="0" smtClean="0"/>
-              <a:t>座標為</a:t>
-            </a:r>
-            <a:r>
-              <a:rPr lang="en-US" altLang="zh-TW" sz="2800" b="1" dirty="0" smtClean="0">
-                <a:solidFill>
-                  <a:srgbClr val="FF0000"/>
-                </a:solidFill>
-              </a:rPr>
-              <a:t>420</a:t>
-            </a:r>
-            <a:r>
-              <a:rPr lang="zh-TW" altLang="en-US" sz="2800" b="1" dirty="0" smtClean="0"/>
-              <a:t>，</a:t>
-            </a:r>
-            <a:r>
-              <a:rPr lang="en-US" altLang="zh-TW" sz="2800" b="1" dirty="0" smtClean="0"/>
-              <a:t>2P</a:t>
-            </a:r>
-            <a:r>
-              <a:rPr lang="zh-TW" altLang="en-US" sz="2800" b="1" dirty="0" smtClean="0"/>
-              <a:t>的</a:t>
-            </a:r>
-            <a:r>
-              <a:rPr lang="en-US" altLang="zh-TW" sz="2800" b="1" dirty="0" smtClean="0"/>
-              <a:t>Y</a:t>
-            </a:r>
-            <a:r>
-              <a:rPr lang="zh-TW" altLang="en-US" sz="2800" b="1" dirty="0" smtClean="0"/>
-              <a:t>座標為</a:t>
-            </a:r>
-            <a:r>
-              <a:rPr lang="en-US" altLang="zh-TW" sz="2800" b="1" dirty="0" smtClean="0">
-                <a:solidFill>
-                  <a:srgbClr val="FF0000"/>
-                </a:solidFill>
-              </a:rPr>
-              <a:t>80</a:t>
-            </a:r>
-          </a:p>
-          <a:p>
-            <a:r>
-              <a:rPr lang="zh-TW" altLang="en-US" sz="2800" b="1" dirty="0" smtClean="0"/>
-              <a:t>物件速度</a:t>
-            </a:r>
-            <a:r>
-              <a:rPr lang="en-US" altLang="zh-TW" sz="2800" b="1" dirty="0" smtClean="0"/>
-              <a:t>:</a:t>
-            </a:r>
-          </a:p>
-          <a:p>
-            <a:pPr lvl="1"/>
-            <a:r>
-              <a:rPr lang="zh-TW" altLang="en-US" sz="2400" b="1" dirty="0" smtClean="0"/>
-              <a:t>球速</a:t>
-            </a:r>
-            <a:r>
-              <a:rPr lang="en-US" altLang="zh-TW" sz="2400" b="1" dirty="0" smtClean="0">
-                <a:solidFill>
-                  <a:srgbClr val="FF0000"/>
-                </a:solidFill>
-                <a:sym typeface="Wingdings" panose="05000000000000000000" pitchFamily="2" charset="2"/>
-              </a:rPr>
-              <a:t>:(7,7)</a:t>
-            </a:r>
-          </a:p>
-          <a:p>
-            <a:pPr lvl="1"/>
-            <a:r>
-              <a:rPr lang="zh-TW" altLang="en-US" sz="2400" b="1" dirty="0" smtClean="0">
-                <a:sym typeface="Wingdings" panose="05000000000000000000" pitchFamily="2" charset="2"/>
-              </a:rPr>
-              <a:t>平板移動速度</a:t>
-            </a:r>
-            <a:r>
-              <a:rPr lang="en-US" altLang="zh-TW" sz="2400" b="1" dirty="0" smtClean="0">
-                <a:sym typeface="Wingdings" panose="05000000000000000000" pitchFamily="2" charset="2"/>
-              </a:rPr>
-              <a:t>:(5,0)</a:t>
-            </a:r>
-          </a:p>
-          <a:p>
-            <a:r>
-              <a:rPr lang="zh-TW" altLang="en-US" sz="2800" b="1" dirty="0" smtClean="0">
-                <a:sym typeface="Wingdings" panose="05000000000000000000" pitchFamily="2" charset="2"/>
-              </a:rPr>
-              <a:t>初始位置</a:t>
-            </a:r>
-            <a:r>
-              <a:rPr lang="en-US" altLang="zh-TW" sz="2800" b="1" dirty="0" smtClean="0">
-                <a:sym typeface="Wingdings" panose="05000000000000000000" pitchFamily="2" charset="2"/>
-              </a:rPr>
-              <a:t>:</a:t>
-            </a:r>
-          </a:p>
-          <a:p>
-            <a:pPr lvl="1"/>
-            <a:r>
-              <a:rPr lang="en-US" altLang="zh-TW" sz="2400" b="1" dirty="0">
-                <a:sym typeface="Wingdings" panose="05000000000000000000" pitchFamily="2" charset="2"/>
-              </a:rPr>
-              <a:t>1P</a:t>
-            </a:r>
-            <a:r>
-              <a:rPr lang="zh-TW" altLang="en-US" sz="2400" b="1" dirty="0">
-                <a:sym typeface="Wingdings" panose="05000000000000000000" pitchFamily="2" charset="2"/>
-              </a:rPr>
-              <a:t>發球的球起始位置</a:t>
-            </a:r>
-            <a:r>
-              <a:rPr lang="en-US" altLang="zh-TW" sz="2400" b="1" dirty="0">
-                <a:sym typeface="Wingdings" panose="05000000000000000000" pitchFamily="2" charset="2"/>
-              </a:rPr>
-              <a:t>:(120,395)</a:t>
-            </a:r>
-          </a:p>
-          <a:p>
-            <a:pPr lvl="1"/>
-            <a:r>
-              <a:rPr lang="en-US" altLang="zh-TW" sz="2400" b="1" dirty="0">
-                <a:sym typeface="Wingdings" panose="05000000000000000000" pitchFamily="2" charset="2"/>
-              </a:rPr>
-              <a:t>2P</a:t>
-            </a:r>
-            <a:r>
-              <a:rPr lang="zh-TW" altLang="en-US" sz="2400" b="1" dirty="0">
-                <a:sym typeface="Wingdings" panose="05000000000000000000" pitchFamily="2" charset="2"/>
-              </a:rPr>
-              <a:t>發球的球起始位置</a:t>
-            </a:r>
-            <a:r>
-              <a:rPr lang="en-US" altLang="zh-TW" sz="2400" b="1" dirty="0">
-                <a:sym typeface="Wingdings" panose="05000000000000000000" pitchFamily="2" charset="2"/>
-              </a:rPr>
-              <a:t>:(75,100)</a:t>
-            </a:r>
-          </a:p>
-          <a:p>
-            <a:endParaRPr lang="en-US" altLang="zh-TW" sz="2800" b="1" dirty="0" smtClean="0">
-              <a:sym typeface="Wingdings" panose="05000000000000000000" pitchFamily="2" charset="2"/>
-            </a:endParaRPr>
-          </a:p>
-          <a:p>
-            <a:endParaRPr lang="en-US" altLang="zh-TW" sz="2800" b="1" dirty="0">
-              <a:sym typeface="Wingdings" panose="05000000000000000000" pitchFamily="2" charset="2"/>
-            </a:endParaRPr>
-          </a:p>
-          <a:p>
-            <a:endParaRPr lang="en-US" altLang="zh-TW" sz="2800" b="1" dirty="0" smtClean="0">
-              <a:sym typeface="Wingdings" panose="05000000000000000000" pitchFamily="2" charset="2"/>
-            </a:endParaRPr>
-          </a:p>
-          <a:p>
-            <a:pPr lvl="1"/>
-            <a:endParaRPr lang="en-US" altLang="zh-TW" sz="2400" b="1" dirty="0">
-              <a:sym typeface="Wingdings" panose="05000000000000000000" pitchFamily="2" charset="2"/>
-            </a:endParaRPr>
-          </a:p>
-          <a:p>
-            <a:pPr lvl="1"/>
-            <a:endParaRPr lang="en-US" altLang="zh-TW" sz="2400" b="1" dirty="0">
-              <a:sym typeface="Wingdings" panose="05000000000000000000" pitchFamily="2" charset="2"/>
-            </a:endParaRPr>
-          </a:p>
-          <a:p>
-            <a:pPr lvl="1"/>
-            <a:endParaRPr lang="en-US" altLang="zh-TW" sz="2400" b="1" dirty="0" smtClean="0">
-              <a:sym typeface="Wingdings" panose="05000000000000000000" pitchFamily="2" charset="2"/>
-            </a:endParaRPr>
-          </a:p>
-        </p:txBody>
-      </p:sp>
-    </p:spTree>
-    <p:extLst>
-      <p:ext uri="{BB962C8B-B14F-4D97-AF65-F5344CB8AC3E}">
-        <p14:creationId xmlns:p14="http://schemas.microsoft.com/office/powerpoint/2010/main" val="205265432"/>
-      </p:ext>
-    </p:extLst>
-  </p:cSld>
-  <p:clrMapOvr>
-    <a:masterClrMapping/>
-  </p:clrMapOvr>
-  <mc:AlternateContent xmlns:mc="http://schemas.openxmlformats.org/markup-compatibility/2006" xmlns:p14="http://schemas.microsoft.com/office/powerpoint/2010/main">
-    <mc:Choice Requires="p14">
-      <p:transition spd="med" p14:dur="700">
-        <p:fade/>
-      </p:transition>
-    </mc:Choice>
-    <mc:Fallback xmlns="">
-      <p:transition spd="med">
-        <p:fade/>
-      </p:transition>
-    </mc:Fallback>
-  </mc:AlternateContent>
-</p:sld>
-</file>
-
-<file path=ppt/slides/slide8.xml><?xml version="1.0" encoding="utf-8"?>
-<p:sld xmlns:a="http://schemas.openxmlformats.org/drawingml/2006/main" xmlns:r="http://schemas.openxmlformats.org/officeDocument/2006/relationships" xmlns:p="http://schemas.openxmlformats.org/presentationml/2006/main">
-  <p:cSld>
-    <p:spTree>
-      <p:nvGrpSpPr>
-        <p:cNvPr id="1" name=""/>
-        <p:cNvGrpSpPr/>
-        <p:nvPr/>
-      </p:nvGrpSpPr>
-      <p:grpSpPr>
-        <a:xfrm>
-          <a:off x="0" y="0"/>
-          <a:ext cx="0" cy="0"/>
-          <a:chOff x="0" y="0"/>
-          <a:chExt cx="0" cy="0"/>
-        </a:xfrm>
-      </p:grpSpPr>
-      <p:sp>
-        <p:nvSpPr>
-          <p:cNvPr id="2" name="標題 1"/>
-          <p:cNvSpPr>
-            <a:spLocks noGrp="1"/>
-          </p:cNvSpPr>
-          <p:nvPr>
-            <p:ph type="title"/>
-          </p:nvPr>
-        </p:nvSpPr>
-        <p:spPr/>
-        <p:txBody>
-          <a:bodyPr/>
-          <a:lstStyle/>
-          <a:p>
-            <a:r>
-              <a:rPr lang="zh-TW" altLang="en-US" dirty="0" smtClean="0"/>
-              <a:t>專案分析</a:t>
-            </a:r>
-            <a:r>
-              <a:rPr lang="en-US" altLang="zh-TW" dirty="0" smtClean="0"/>
-              <a:t>-</a:t>
-            </a:r>
-            <a:r>
-              <a:rPr lang="zh-TW" altLang="en-US" dirty="0" smtClean="0"/>
-              <a:t>遊戲參數</a:t>
-            </a:r>
-            <a:endParaRPr lang="zh-TW" altLang="en-US" dirty="0"/>
-          </a:p>
-        </p:txBody>
-      </p:sp>
-      <p:graphicFrame>
-        <p:nvGraphicFramePr>
-          <p:cNvPr id="4" name="內容版面配置區 3"/>
-          <p:cNvGraphicFramePr>
-            <a:graphicFrameLocks noGrp="1"/>
-          </p:cNvGraphicFramePr>
-          <p:nvPr>
-            <p:ph idx="1"/>
-            <p:extLst>
-              <p:ext uri="{D42A27DB-BD31-4B8C-83A1-F6EECF244321}">
-                <p14:modId xmlns:p14="http://schemas.microsoft.com/office/powerpoint/2010/main" val="1369696070"/>
-              </p:ext>
-            </p:extLst>
-          </p:nvPr>
-        </p:nvGraphicFramePr>
-        <p:xfrm>
-          <a:off x="1341884" y="5013176"/>
-          <a:ext cx="8686800" cy="1112520"/>
-        </p:xfrm>
-        <a:graphic>
-          <a:graphicData uri="http://schemas.openxmlformats.org/drawingml/2006/table">
-            <a:tbl>
-              <a:tblPr firstRow="1" bandRow="1">
-                <a:tableStyleId>{5C22544A-7EE6-4342-B048-85BDC9FD1C3A}</a:tableStyleId>
-              </a:tblPr>
-              <a:tblGrid>
-                <a:gridCol w="2895600">
-                  <a:extLst>
-                    <a:ext uri="{9D8B030D-6E8A-4147-A177-3AD203B41FA5}">
-                      <a16:colId xmlns:a16="http://schemas.microsoft.com/office/drawing/2014/main" val="3877549198"/>
-                    </a:ext>
-                  </a:extLst>
-                </a:gridCol>
-                <a:gridCol w="2895600">
-                  <a:extLst>
-                    <a:ext uri="{9D8B030D-6E8A-4147-A177-3AD203B41FA5}">
-                      <a16:colId xmlns:a16="http://schemas.microsoft.com/office/drawing/2014/main" val="494597129"/>
-                    </a:ext>
-                  </a:extLst>
-                </a:gridCol>
-                <a:gridCol w="2895600">
-                  <a:extLst>
-                    <a:ext uri="{9D8B030D-6E8A-4147-A177-3AD203B41FA5}">
-                      <a16:colId xmlns:a16="http://schemas.microsoft.com/office/drawing/2014/main" val="3039637802"/>
-                    </a:ext>
-                  </a:extLst>
-                </a:gridCol>
-              </a:tblGrid>
-              <a:tr h="370840">
-                <a:tc>
-                  <a:txBody>
-                    <a:bodyPr/>
-                    <a:lstStyle/>
-                    <a:p>
-                      <a:r>
-                        <a:rPr lang="zh-TW" altLang="en-US" dirty="0" smtClean="0"/>
-                        <a:t>變數名稱</a:t>
-                      </a:r>
-                      <a:endParaRPr lang="zh-TW" altLang="en-US" dirty="0"/>
-                    </a:p>
-                  </a:txBody>
-                  <a:tcPr/>
-                </a:tc>
-                <a:tc>
-                  <a:txBody>
-                    <a:bodyPr/>
-                    <a:lstStyle/>
-                    <a:p>
-                      <a:r>
-                        <a:rPr lang="zh-TW" altLang="en-US" dirty="0" smtClean="0"/>
-                        <a:t>資料型態</a:t>
-                      </a:r>
-                      <a:endParaRPr lang="zh-TW" altLang="en-US" dirty="0"/>
-                    </a:p>
-                  </a:txBody>
-                  <a:tcPr/>
-                </a:tc>
-                <a:tc>
-                  <a:txBody>
-                    <a:bodyPr/>
-                    <a:lstStyle/>
-                    <a:p>
-                      <a:r>
-                        <a:rPr lang="zh-TW" altLang="en-US" dirty="0" smtClean="0"/>
-                        <a:t>舉例</a:t>
-                      </a:r>
-                      <a:endParaRPr lang="zh-TW" altLang="en-US" dirty="0"/>
-                    </a:p>
-                  </a:txBody>
-                  <a:tcPr/>
-                </a:tc>
-                <a:extLst>
-                  <a:ext uri="{0D108BD9-81ED-4DB2-BD59-A6C34878D82A}">
-                    <a16:rowId xmlns:a16="http://schemas.microsoft.com/office/drawing/2014/main" val="563749198"/>
-                  </a:ext>
-                </a:extLst>
-              </a:tr>
-              <a:tr h="370840">
-                <a:tc>
-                  <a:txBody>
-                    <a:bodyPr/>
-                    <a:lstStyle/>
-                    <a:p>
-                      <a:r>
-                        <a:rPr lang="en-US" altLang="zh-TW" dirty="0" smtClean="0"/>
-                        <a:t>1P</a:t>
-                      </a:r>
-                      <a:r>
-                        <a:rPr lang="zh-TW" altLang="en-US" dirty="0" smtClean="0"/>
-                        <a:t>移動狀態</a:t>
-                      </a:r>
-                      <a:endParaRPr lang="zh-TW" altLang="en-US" dirty="0"/>
-                    </a:p>
-                  </a:txBody>
-                  <a:tcPr/>
-                </a:tc>
-                <a:tc>
-                  <a:txBody>
-                    <a:bodyPr/>
-                    <a:lstStyle/>
-                    <a:p>
-                      <a:r>
-                        <a:rPr lang="en-US" altLang="zh-TW" dirty="0" smtClean="0"/>
-                        <a:t>String </a:t>
-                      </a:r>
-                      <a:endParaRPr lang="zh-TW" altLang="en-US" dirty="0"/>
-                    </a:p>
-                  </a:txBody>
-                  <a:tcPr/>
-                </a:tc>
-                <a:tc>
-                  <a:txBody>
-                    <a:bodyPr/>
-                    <a:lstStyle/>
-                    <a:p>
-                      <a:r>
-                        <a:rPr lang="en-US" altLang="zh-TW" dirty="0" smtClean="0"/>
-                        <a:t>Right</a:t>
-                      </a:r>
-                      <a:r>
-                        <a:rPr lang="zh-TW" altLang="en-US" dirty="0" smtClean="0"/>
-                        <a:t>、</a:t>
-                      </a:r>
-                      <a:r>
-                        <a:rPr lang="en-US" altLang="zh-TW" dirty="0" smtClean="0"/>
-                        <a:t>Left</a:t>
-                      </a:r>
-                      <a:r>
-                        <a:rPr lang="zh-TW" altLang="en-US" dirty="0" smtClean="0"/>
-                        <a:t>、</a:t>
-                      </a:r>
-                      <a:r>
-                        <a:rPr lang="en-US" altLang="zh-TW" dirty="0" smtClean="0"/>
-                        <a:t>None</a:t>
-                      </a:r>
-                      <a:endParaRPr lang="zh-TW" altLang="en-US" dirty="0"/>
-                    </a:p>
-                  </a:txBody>
-                  <a:tcPr/>
-                </a:tc>
-                <a:extLst>
-                  <a:ext uri="{0D108BD9-81ED-4DB2-BD59-A6C34878D82A}">
-                    <a16:rowId xmlns:a16="http://schemas.microsoft.com/office/drawing/2014/main" val="4283230125"/>
-                  </a:ext>
-                </a:extLst>
-              </a:tr>
-              <a:tr h="370840">
-                <a:tc>
-                  <a:txBody>
-                    <a:bodyPr/>
-                    <a:lstStyle/>
-                    <a:p>
-                      <a:r>
-                        <a:rPr lang="en-US" altLang="zh-TW" dirty="0" smtClean="0"/>
-                        <a:t>2P</a:t>
-                      </a:r>
-                      <a:r>
-                        <a:rPr lang="zh-TW" altLang="en-US" dirty="0" smtClean="0"/>
-                        <a:t>移動狀態</a:t>
-                      </a:r>
-                      <a:endParaRPr lang="zh-TW" altLang="en-US" dirty="0"/>
-                    </a:p>
-                  </a:txBody>
-                  <a:tcPr/>
-                </a:tc>
-                <a:tc>
-                  <a:txBody>
-                    <a:bodyPr/>
-                    <a:lstStyle/>
-                    <a:p>
-                      <a:r>
-                        <a:rPr lang="en-US" altLang="zh-TW" dirty="0" smtClean="0"/>
-                        <a:t>String </a:t>
-                      </a:r>
-                      <a:endParaRPr lang="zh-TW" altLang="en-US" dirty="0"/>
-                    </a:p>
-                  </a:txBody>
-                  <a:tcPr/>
-                </a:tc>
-                <a:tc>
-                  <a:txBody>
-                    <a:bodyPr/>
-                    <a:lstStyle/>
-                    <a:p>
-                      <a:pPr marL="0" marR="0" lvl="0" indent="0" algn="l" defTabSz="914400" rtl="0" eaLnBrk="1" fontAlgn="auto" latinLnBrk="0" hangingPunct="1">
-                        <a:lnSpc>
-                          <a:spcPct val="100000"/>
-                        </a:lnSpc>
-                        <a:spcBef>
-                          <a:spcPts val="0"/>
-                        </a:spcBef>
-                        <a:spcAft>
-                          <a:spcPts val="0"/>
-                        </a:spcAft>
-                        <a:buClrTx/>
-                        <a:buSzTx/>
-                        <a:buFontTx/>
-                        <a:buNone/>
-                        <a:tabLst/>
-                        <a:defRPr/>
-                      </a:pPr>
-                      <a:r>
-                        <a:rPr lang="en-US" altLang="zh-TW" dirty="0" smtClean="0"/>
-                        <a:t>Right</a:t>
-                      </a:r>
-                      <a:r>
-                        <a:rPr lang="zh-TW" altLang="en-US" dirty="0" smtClean="0"/>
-                        <a:t>、</a:t>
-                      </a:r>
-                      <a:r>
-                        <a:rPr lang="en-US" altLang="zh-TW" dirty="0" smtClean="0"/>
-                        <a:t>Left</a:t>
-                      </a:r>
-                      <a:r>
-                        <a:rPr lang="zh-TW" altLang="en-US" dirty="0" smtClean="0"/>
-                        <a:t>、</a:t>
-                      </a:r>
-                      <a:r>
-                        <a:rPr lang="en-US" altLang="zh-TW" dirty="0" smtClean="0"/>
-                        <a:t>None</a:t>
-                      </a:r>
-                      <a:endParaRPr lang="zh-TW" altLang="en-US" dirty="0" smtClean="0"/>
-                    </a:p>
-                  </a:txBody>
-                  <a:tcPr/>
-                </a:tc>
-                <a:extLst>
-                  <a:ext uri="{0D108BD9-81ED-4DB2-BD59-A6C34878D82A}">
-                    <a16:rowId xmlns:a16="http://schemas.microsoft.com/office/drawing/2014/main" val="3827023827"/>
-                  </a:ext>
-                </a:extLst>
-              </a:tr>
-            </a:tbl>
-          </a:graphicData>
-        </a:graphic>
-      </p:graphicFrame>
-      <p:sp>
-        <p:nvSpPr>
-          <p:cNvPr id="5" name="標題 1"/>
-          <p:cNvSpPr txBox="1">
-            <a:spLocks/>
-          </p:cNvSpPr>
-          <p:nvPr/>
-        </p:nvSpPr>
-        <p:spPr bwMode="auto">
-          <a:xfrm>
-            <a:off x="1269877" y="4365403"/>
-            <a:ext cx="1728192" cy="634752"/>
-          </a:xfrm>
-          <a:prstGeom prst="rect">
-            <a:avLst/>
-          </a:prstGeom>
-        </p:spPr>
-        <p:txBody>
-          <a:bodyPr vert="horz" lIns="91440" tIns="45720" rIns="91440" bIns="45720" rtlCol="0" anchor="b">
-            <a:normAutofit/>
-          </a:bodyPr>
-          <a:lstStyle>
-            <a:lvl1pPr algn="l" defTabSz="914400" rtl="0" eaLnBrk="1" latinLnBrk="0" hangingPunct="1">
-              <a:lnSpc>
-                <a:spcPct val="80000"/>
-              </a:lnSpc>
-              <a:spcBef>
-                <a:spcPct val="0"/>
-              </a:spcBef>
-              <a:buNone/>
-              <a:defRPr sz="3600" b="1" kern="1200">
-                <a:solidFill>
-                  <a:schemeClr val="accent1"/>
-                </a:solidFill>
-                <a:latin typeface="Microsoft JhengHei UI" panose="020B0604030504040204" pitchFamily="34" charset="-120"/>
-                <a:ea typeface="Microsoft JhengHei UI" panose="020B0604030504040204" pitchFamily="34" charset="-120"/>
-                <a:cs typeface="+mj-cs"/>
-              </a:defRPr>
-            </a:lvl1pPr>
-          </a:lstStyle>
-          <a:p>
-            <a:r>
-              <a:rPr lang="en-US" altLang="zh-TW" sz="2800" dirty="0" smtClean="0"/>
-              <a:t>Output</a:t>
-            </a:r>
-            <a:endParaRPr lang="zh-TW" altLang="en-US" sz="2800" dirty="0"/>
-          </a:p>
-        </p:txBody>
-      </p:sp>
-      <p:graphicFrame>
-        <p:nvGraphicFramePr>
-          <p:cNvPr id="7" name="內容版面配置區 3"/>
-          <p:cNvGraphicFramePr>
-            <a:graphicFrameLocks/>
-          </p:cNvGraphicFramePr>
-          <p:nvPr>
-            <p:extLst>
-              <p:ext uri="{D42A27DB-BD31-4B8C-83A1-F6EECF244321}">
-                <p14:modId xmlns:p14="http://schemas.microsoft.com/office/powerpoint/2010/main" val="2101086727"/>
-              </p:ext>
-            </p:extLst>
-          </p:nvPr>
-        </p:nvGraphicFramePr>
-        <p:xfrm>
-          <a:off x="1341884" y="2752128"/>
-          <a:ext cx="8686800" cy="1483360"/>
-        </p:xfrm>
-        <a:graphic>
-          <a:graphicData uri="http://schemas.openxmlformats.org/drawingml/2006/table">
-            <a:tbl>
-              <a:tblPr firstRow="1" bandRow="1">
-                <a:tableStyleId>{5C22544A-7EE6-4342-B048-85BDC9FD1C3A}</a:tableStyleId>
-              </a:tblPr>
-              <a:tblGrid>
-                <a:gridCol w="2895600">
-                  <a:extLst>
-                    <a:ext uri="{9D8B030D-6E8A-4147-A177-3AD203B41FA5}">
-                      <a16:colId xmlns:a16="http://schemas.microsoft.com/office/drawing/2014/main" val="3877549198"/>
-                    </a:ext>
-                  </a:extLst>
-                </a:gridCol>
-                <a:gridCol w="2895600">
-                  <a:extLst>
-                    <a:ext uri="{9D8B030D-6E8A-4147-A177-3AD203B41FA5}">
-                      <a16:colId xmlns:a16="http://schemas.microsoft.com/office/drawing/2014/main" val="494597129"/>
-                    </a:ext>
-                  </a:extLst>
-                </a:gridCol>
-                <a:gridCol w="2895600">
-                  <a:extLst>
-                    <a:ext uri="{9D8B030D-6E8A-4147-A177-3AD203B41FA5}">
-                      <a16:colId xmlns:a16="http://schemas.microsoft.com/office/drawing/2014/main" val="3039637802"/>
-                    </a:ext>
-                  </a:extLst>
-                </a:gridCol>
-              </a:tblGrid>
-              <a:tr h="370840">
-                <a:tc>
-                  <a:txBody>
-                    <a:bodyPr/>
-                    <a:lstStyle/>
-                    <a:p>
-                      <a:r>
-                        <a:rPr lang="zh-TW" altLang="en-US" dirty="0" smtClean="0"/>
-                        <a:t>變數名稱</a:t>
-                      </a:r>
-                      <a:endParaRPr lang="zh-TW" altLang="en-US" dirty="0"/>
-                    </a:p>
-                  </a:txBody>
-                  <a:tcPr/>
-                </a:tc>
-                <a:tc>
-                  <a:txBody>
-                    <a:bodyPr/>
-                    <a:lstStyle/>
-                    <a:p>
-                      <a:r>
-                        <a:rPr lang="zh-TW" altLang="en-US" dirty="0" smtClean="0"/>
-                        <a:t>資料型態</a:t>
-                      </a:r>
-                      <a:endParaRPr lang="zh-TW" altLang="en-US" dirty="0"/>
-                    </a:p>
-                  </a:txBody>
-                  <a:tcPr/>
-                </a:tc>
-                <a:tc>
-                  <a:txBody>
-                    <a:bodyPr/>
-                    <a:lstStyle/>
-                    <a:p>
-                      <a:r>
-                        <a:rPr lang="zh-TW" altLang="en-US" dirty="0" smtClean="0"/>
-                        <a:t>舉例</a:t>
-                      </a:r>
-                      <a:endParaRPr lang="zh-TW" altLang="en-US" dirty="0"/>
-                    </a:p>
-                  </a:txBody>
-                  <a:tcPr/>
-                </a:tc>
-                <a:extLst>
-                  <a:ext uri="{0D108BD9-81ED-4DB2-BD59-A6C34878D82A}">
-                    <a16:rowId xmlns:a16="http://schemas.microsoft.com/office/drawing/2014/main" val="563749198"/>
-                  </a:ext>
-                </a:extLst>
-              </a:tr>
-              <a:tr h="370840">
-                <a:tc>
-                  <a:txBody>
-                    <a:bodyPr/>
-                    <a:lstStyle/>
-                    <a:p>
-                      <a:r>
-                        <a:rPr lang="zh-TW" altLang="en-US" dirty="0" smtClean="0"/>
-                        <a:t>球速</a:t>
-                      </a:r>
-                      <a:endParaRPr lang="en-US" altLang="zh-TW" dirty="0" smtClean="0"/>
-                    </a:p>
-                  </a:txBody>
-                  <a:tcPr/>
-                </a:tc>
-                <a:tc>
-                  <a:txBody>
-                    <a:bodyPr/>
-                    <a:lstStyle/>
-                    <a:p>
-                      <a:r>
-                        <a:rPr lang="en-US" altLang="zh-TW" dirty="0" err="1" smtClean="0"/>
-                        <a:t>Int</a:t>
-                      </a:r>
-                      <a:r>
-                        <a:rPr lang="en-US" altLang="zh-TW" dirty="0" smtClean="0"/>
-                        <a:t>[]</a:t>
-                      </a:r>
-                      <a:endParaRPr lang="zh-TW" altLang="en-US" dirty="0"/>
-                    </a:p>
-                  </a:txBody>
-                  <a:tcPr/>
-                </a:tc>
-                <a:tc>
-                  <a:txBody>
-                    <a:bodyPr/>
-                    <a:lstStyle/>
-                    <a:p>
-                      <a:pPr marL="0" marR="0" lvl="0" indent="0" algn="l" defTabSz="914400" rtl="0" eaLnBrk="1" fontAlgn="auto" latinLnBrk="0" hangingPunct="1">
-                        <a:lnSpc>
-                          <a:spcPct val="100000"/>
-                        </a:lnSpc>
-                        <a:spcBef>
-                          <a:spcPts val="0"/>
-                        </a:spcBef>
-                        <a:spcAft>
-                          <a:spcPts val="0"/>
-                        </a:spcAft>
-                        <a:buClrTx/>
-                        <a:buSzTx/>
-                        <a:buFontTx/>
-                        <a:buNone/>
-                        <a:tabLst/>
-                        <a:defRPr/>
-                      </a:pPr>
-                      <a:r>
-                        <a:rPr lang="en-US" altLang="zh-TW" dirty="0" smtClean="0"/>
-                        <a:t>[7,7]</a:t>
-                      </a:r>
-                      <a:r>
-                        <a:rPr lang="zh-TW" altLang="en-US" dirty="0" smtClean="0"/>
-                        <a:t>、</a:t>
-                      </a:r>
-                      <a:r>
-                        <a:rPr lang="en-US" altLang="zh-TW" dirty="0" smtClean="0"/>
-                        <a:t>[-7,-7]</a:t>
-                      </a:r>
-                      <a:endParaRPr lang="zh-TW" altLang="en-US" dirty="0"/>
-                    </a:p>
-                  </a:txBody>
-                  <a:tcPr/>
-                </a:tc>
-                <a:extLst>
-                  <a:ext uri="{0D108BD9-81ED-4DB2-BD59-A6C34878D82A}">
-                    <a16:rowId xmlns:a16="http://schemas.microsoft.com/office/drawing/2014/main" val="4283230125"/>
-                  </a:ext>
-                </a:extLst>
-              </a:tr>
-              <a:tr h="370840">
-                <a:tc>
-                  <a:txBody>
-                    <a:bodyPr/>
-                    <a:lstStyle/>
-                    <a:p>
-                      <a:r>
-                        <a:rPr lang="zh-TW" altLang="en-US" dirty="0" smtClean="0"/>
-                        <a:t>球座標</a:t>
-                      </a:r>
-                      <a:endParaRPr lang="zh-TW" altLang="en-US" dirty="0"/>
-                    </a:p>
-                  </a:txBody>
-                  <a:tcPr/>
-                </a:tc>
-                <a:tc>
-                  <a:txBody>
-                    <a:bodyPr/>
-                    <a:lstStyle/>
-                    <a:p>
-                      <a:r>
-                        <a:rPr lang="en-US" altLang="zh-TW" dirty="0" err="1" smtClean="0"/>
-                        <a:t>Int</a:t>
-                      </a:r>
-                      <a:r>
-                        <a:rPr lang="en-US" altLang="zh-TW" dirty="0" smtClean="0"/>
-                        <a:t>[]</a:t>
-                      </a:r>
-                      <a:endParaRPr lang="zh-TW" altLang="en-US" dirty="0"/>
-                    </a:p>
-                  </a:txBody>
-                  <a:tcPr/>
-                </a:tc>
-                <a:tc>
-                  <a:txBody>
-                    <a:bodyPr/>
-                    <a:lstStyle/>
-                    <a:p>
-                      <a:pPr marL="0" marR="0" lvl="0" indent="0" algn="l" defTabSz="914400" rtl="0" eaLnBrk="1" fontAlgn="auto" latinLnBrk="0" hangingPunct="1">
-                        <a:lnSpc>
-                          <a:spcPct val="100000"/>
-                        </a:lnSpc>
-                        <a:spcBef>
-                          <a:spcPts val="0"/>
-                        </a:spcBef>
-                        <a:spcAft>
-                          <a:spcPts val="0"/>
-                        </a:spcAft>
-                        <a:buClrTx/>
-                        <a:buSzTx/>
-                        <a:buFontTx/>
-                        <a:buNone/>
-                        <a:tabLst/>
-                        <a:defRPr/>
-                      </a:pPr>
-                      <a:r>
-                        <a:rPr lang="en-US" altLang="zh-TW" dirty="0" smtClean="0"/>
-                        <a:t>[100,100]</a:t>
-                      </a:r>
-                      <a:r>
-                        <a:rPr lang="zh-TW" altLang="en-US" dirty="0" smtClean="0"/>
-                        <a:t>、</a:t>
-                      </a:r>
-                      <a:r>
-                        <a:rPr lang="en-US" altLang="zh-TW" dirty="0" smtClean="0"/>
-                        <a:t>[123,321]</a:t>
-                      </a:r>
-                      <a:endParaRPr lang="zh-TW" altLang="en-US" dirty="0"/>
-                    </a:p>
-                  </a:txBody>
-                  <a:tcPr/>
-                </a:tc>
-                <a:extLst>
-                  <a:ext uri="{0D108BD9-81ED-4DB2-BD59-A6C34878D82A}">
-                    <a16:rowId xmlns:a16="http://schemas.microsoft.com/office/drawing/2014/main" val="3827023827"/>
-                  </a:ext>
-                </a:extLst>
-              </a:tr>
-              <a:tr h="370840">
-                <a:tc>
-                  <a:txBody>
-                    <a:bodyPr/>
-                    <a:lstStyle/>
-                    <a:p>
-                      <a:r>
-                        <a:rPr lang="zh-TW" altLang="en-US" dirty="0" smtClean="0"/>
-                        <a:t>拍子</a:t>
-                      </a:r>
-                      <a:r>
-                        <a:rPr lang="en-US" altLang="zh-TW" dirty="0" smtClean="0"/>
-                        <a:t>1P</a:t>
-                      </a:r>
-                      <a:r>
-                        <a:rPr lang="zh-TW" altLang="en-US" dirty="0" smtClean="0"/>
-                        <a:t>、</a:t>
-                      </a:r>
-                      <a:r>
-                        <a:rPr lang="en-US" altLang="zh-TW" dirty="0" smtClean="0"/>
-                        <a:t>2P</a:t>
-                      </a:r>
-                      <a:r>
-                        <a:rPr lang="zh-TW" altLang="en-US" dirty="0" smtClean="0"/>
-                        <a:t>座標</a:t>
-                      </a:r>
-                      <a:endParaRPr lang="zh-TW" altLang="en-US" dirty="0"/>
-                    </a:p>
-                  </a:txBody>
-                  <a:tcPr/>
-                </a:tc>
-                <a:tc>
-                  <a:txBody>
-                    <a:bodyPr/>
-                    <a:lstStyle/>
-                    <a:p>
-                      <a:r>
-                        <a:rPr lang="en-US" altLang="zh-TW" dirty="0" err="1" smtClean="0"/>
-                        <a:t>Int</a:t>
-                      </a:r>
-                      <a:r>
-                        <a:rPr lang="en-US" altLang="zh-TW" dirty="0" smtClean="0"/>
-                        <a:t>[]</a:t>
-                      </a:r>
-                      <a:endParaRPr lang="zh-TW" altLang="en-US" dirty="0"/>
-                    </a:p>
-                  </a:txBody>
-                  <a:tcPr/>
-                </a:tc>
-                <a:tc>
-                  <a:txBody>
-                    <a:bodyPr/>
-                    <a:lstStyle/>
-                    <a:p>
-                      <a:r>
-                        <a:rPr lang="en-US" altLang="zh-TW" dirty="0" smtClean="0"/>
-                        <a:t>[100,80]</a:t>
-                      </a:r>
-                      <a:r>
-                        <a:rPr lang="zh-TW" altLang="en-US" dirty="0" smtClean="0"/>
-                        <a:t>、</a:t>
-                      </a:r>
-                      <a:r>
-                        <a:rPr lang="en-US" altLang="zh-TW" dirty="0" smtClean="0"/>
-                        <a:t>[100,420]</a:t>
-                      </a:r>
-                      <a:endParaRPr lang="zh-TW" altLang="en-US" dirty="0"/>
-                    </a:p>
-                  </a:txBody>
-                  <a:tcPr/>
-                </a:tc>
-                <a:extLst>
-                  <a:ext uri="{0D108BD9-81ED-4DB2-BD59-A6C34878D82A}">
-                    <a16:rowId xmlns:a16="http://schemas.microsoft.com/office/drawing/2014/main" val="2395209103"/>
-                  </a:ext>
-                </a:extLst>
-              </a:tr>
-            </a:tbl>
-          </a:graphicData>
-        </a:graphic>
-      </p:graphicFrame>
-      <p:sp>
-        <p:nvSpPr>
-          <p:cNvPr id="8" name="標題 1"/>
-          <p:cNvSpPr txBox="1">
-            <a:spLocks/>
-          </p:cNvSpPr>
-          <p:nvPr/>
-        </p:nvSpPr>
-        <p:spPr bwMode="auto">
-          <a:xfrm>
-            <a:off x="1485901" y="3960151"/>
-            <a:ext cx="1728192" cy="634752"/>
-          </a:xfrm>
-          <a:prstGeom prst="rect">
-            <a:avLst/>
-          </a:prstGeom>
-        </p:spPr>
-        <p:txBody>
-          <a:bodyPr vert="horz" lIns="91440" tIns="45720" rIns="91440" bIns="45720" rtlCol="0" anchor="b">
-            <a:normAutofit/>
-          </a:bodyPr>
-          <a:lstStyle>
-            <a:lvl1pPr algn="l" defTabSz="914400" rtl="0" eaLnBrk="1" latinLnBrk="0" hangingPunct="1">
-              <a:lnSpc>
-                <a:spcPct val="80000"/>
-              </a:lnSpc>
-              <a:spcBef>
-                <a:spcPct val="0"/>
-              </a:spcBef>
-              <a:buNone/>
-              <a:defRPr sz="3600" b="1" kern="1200">
-                <a:solidFill>
-                  <a:schemeClr val="accent1"/>
-                </a:solidFill>
-                <a:latin typeface="Microsoft JhengHei UI" panose="020B0604030504040204" pitchFamily="34" charset="-120"/>
-                <a:ea typeface="Microsoft JhengHei UI" panose="020B0604030504040204" pitchFamily="34" charset="-120"/>
-                <a:cs typeface="+mj-cs"/>
-              </a:defRPr>
-            </a:lvl1pPr>
-          </a:lstStyle>
-          <a:p>
-            <a:endParaRPr lang="zh-TW" altLang="en-US" sz="2800" dirty="0"/>
-          </a:p>
-        </p:txBody>
-      </p:sp>
-      <p:sp>
-        <p:nvSpPr>
-          <p:cNvPr id="9" name="標題 1"/>
-          <p:cNvSpPr txBox="1">
-            <a:spLocks/>
-          </p:cNvSpPr>
-          <p:nvPr/>
-        </p:nvSpPr>
-        <p:spPr bwMode="auto">
-          <a:xfrm>
-            <a:off x="1335543" y="1908240"/>
-            <a:ext cx="1728192" cy="634752"/>
-          </a:xfrm>
-          <a:prstGeom prst="rect">
-            <a:avLst/>
-          </a:prstGeom>
-        </p:spPr>
-        <p:txBody>
-          <a:bodyPr vert="horz" lIns="91440" tIns="45720" rIns="91440" bIns="45720" rtlCol="0" anchor="b">
-            <a:normAutofit/>
-          </a:bodyPr>
-          <a:lstStyle>
-            <a:lvl1pPr algn="l" defTabSz="914400" rtl="0" eaLnBrk="1" latinLnBrk="0" hangingPunct="1">
-              <a:lnSpc>
-                <a:spcPct val="80000"/>
-              </a:lnSpc>
-              <a:spcBef>
-                <a:spcPct val="0"/>
-              </a:spcBef>
-              <a:buNone/>
-              <a:defRPr sz="3600" b="1" kern="1200">
-                <a:solidFill>
-                  <a:schemeClr val="accent1"/>
-                </a:solidFill>
-                <a:latin typeface="Microsoft JhengHei UI" panose="020B0604030504040204" pitchFamily="34" charset="-120"/>
-                <a:ea typeface="Microsoft JhengHei UI" panose="020B0604030504040204" pitchFamily="34" charset="-120"/>
-                <a:cs typeface="+mj-cs"/>
-              </a:defRPr>
-            </a:lvl1pPr>
-          </a:lstStyle>
-          <a:p>
-            <a:r>
-              <a:rPr lang="en-US" altLang="zh-TW" sz="2800" dirty="0" smtClean="0"/>
-              <a:t>Input</a:t>
-            </a:r>
-            <a:endParaRPr lang="zh-TW" altLang="en-US" sz="2800" dirty="0"/>
-          </a:p>
-        </p:txBody>
-      </p:sp>
-    </p:spTree>
-    <p:extLst>
-      <p:ext uri="{BB962C8B-B14F-4D97-AF65-F5344CB8AC3E}">
-        <p14:creationId xmlns:p14="http://schemas.microsoft.com/office/powerpoint/2010/main" val="285037743"/>
-      </p:ext>
-    </p:extLst>
-  </p:cSld>
-  <p:clrMapOvr>
-    <a:masterClrMapping/>
-  </p:clrMapOvr>
-  <mc:AlternateContent xmlns:mc="http://schemas.openxmlformats.org/markup-compatibility/2006" xmlns:p14="http://schemas.microsoft.com/office/powerpoint/2010/main">
-    <mc:Choice Requires="p14">
-      <p:transition spd="med" p14:dur="700">
-        <p:fade/>
-      </p:transition>
-    </mc:Choice>
-    <mc:Fallback xmlns="">
-      <p:transition spd="med">
-        <p:fade/>
-      </p:transition>
-    </mc:Fallback>
-  </mc:AlternateContent>
-</p:sld>
-</file>
-
-<file path=ppt/slides/slide9.xml><?xml version="1.0" encoding="utf-8"?>
-<p:sld xmlns:a="http://schemas.openxmlformats.org/drawingml/2006/main" xmlns:r="http://schemas.openxmlformats.org/officeDocument/2006/relationships" xmlns:p="http://schemas.openxmlformats.org/presentationml/2006/main">
-  <p:cSld>
-    <p:spTree>
-      <p:nvGrpSpPr>
-        <p:cNvPr id="1" name=""/>
-        <p:cNvGrpSpPr/>
-        <p:nvPr/>
-      </p:nvGrpSpPr>
-      <p:grpSpPr>
-        <a:xfrm>
-          <a:off x="0" y="0"/>
-          <a:ext cx="0" cy="0"/>
-          <a:chOff x="0" y="0"/>
-          <a:chExt cx="0" cy="0"/>
-        </a:xfrm>
-      </p:grpSpPr>
-      <p:sp>
-        <p:nvSpPr>
-          <p:cNvPr id="2" name="標題 1"/>
-          <p:cNvSpPr>
-            <a:spLocks noGrp="1"/>
-          </p:cNvSpPr>
-          <p:nvPr>
-            <p:ph type="title"/>
-          </p:nvPr>
-        </p:nvSpPr>
-        <p:spPr/>
-        <p:txBody>
-          <a:bodyPr/>
-          <a:lstStyle/>
-          <a:p>
-            <a:r>
-              <a:rPr lang="zh-TW" altLang="en-US" dirty="0" smtClean="0"/>
-              <a:t>專案分析</a:t>
-            </a:r>
-            <a:r>
-              <a:rPr lang="en-US" altLang="zh-TW" dirty="0" smtClean="0"/>
-              <a:t>-</a:t>
-            </a:r>
-            <a:r>
-              <a:rPr lang="zh-TW" altLang="en-US" dirty="0" smtClean="0"/>
-              <a:t>訓練流程分析</a:t>
-            </a:r>
-            <a:endParaRPr lang="zh-TW" altLang="en-US" dirty="0"/>
-          </a:p>
-        </p:txBody>
-      </p:sp>
-      <p:sp>
-        <p:nvSpPr>
-          <p:cNvPr id="4" name="矩形 3"/>
-          <p:cNvSpPr/>
-          <p:nvPr/>
-        </p:nvSpPr>
-        <p:spPr>
-          <a:xfrm>
-            <a:off x="488716" y="2279329"/>
-            <a:ext cx="1851660" cy="972820"/>
-          </a:xfrm>
-          <a:prstGeom prst="rect">
-            <a:avLst/>
-          </a:prstGeom>
-        </p:spPr>
-        <p:style>
-          <a:lnRef idx="2">
-            <a:schemeClr val="accent1">
-              <a:shade val="50000"/>
-            </a:schemeClr>
-          </a:lnRef>
-          <a:fillRef idx="1">
-            <a:schemeClr val="accent1"/>
-          </a:fillRef>
-          <a:effectRef idx="0">
-            <a:schemeClr val="accent1"/>
-          </a:effectRef>
-          <a:fontRef idx="minor">
-            <a:schemeClr val="lt1"/>
-          </a:fontRef>
-        </p:style>
-        <p:txBody>
-          <a:bodyPr rtlCol="0" anchor="ctr"/>
-          <a:lstStyle/>
-          <a:p>
-            <a:pPr algn="ctr"/>
-            <a:r>
-              <a:rPr lang="en-US" altLang="zh-TW" dirty="0" smtClean="0"/>
-              <a:t>Rule</a:t>
-            </a:r>
-            <a:r>
-              <a:rPr lang="zh-TW" altLang="en-US" dirty="0" smtClean="0"/>
-              <a:t> </a:t>
-            </a:r>
-            <a:r>
-              <a:rPr lang="en-US" altLang="zh-TW" dirty="0" smtClean="0"/>
-              <a:t>base</a:t>
-            </a:r>
-            <a:endParaRPr lang="zh-TW" altLang="en-US" dirty="0"/>
-          </a:p>
-        </p:txBody>
-      </p:sp>
-      <p:sp>
-        <p:nvSpPr>
-          <p:cNvPr id="5" name="矩形 4"/>
-          <p:cNvSpPr/>
-          <p:nvPr/>
-        </p:nvSpPr>
-        <p:spPr>
-          <a:xfrm>
-            <a:off x="3124008" y="2275324"/>
-            <a:ext cx="1851660" cy="972820"/>
-          </a:xfrm>
-          <a:prstGeom prst="rect">
-            <a:avLst/>
-          </a:prstGeom>
-        </p:spPr>
-        <p:style>
-          <a:lnRef idx="2">
-            <a:schemeClr val="accent1">
-              <a:shade val="50000"/>
-            </a:schemeClr>
-          </a:lnRef>
-          <a:fillRef idx="1">
-            <a:schemeClr val="accent1"/>
-          </a:fillRef>
-          <a:effectRef idx="0">
-            <a:schemeClr val="accent1"/>
-          </a:effectRef>
-          <a:fontRef idx="minor">
-            <a:schemeClr val="lt1"/>
-          </a:fontRef>
-        </p:style>
-        <p:txBody>
-          <a:bodyPr rtlCol="0" anchor="ctr"/>
-          <a:lstStyle/>
-          <a:p>
-            <a:pPr algn="ctr"/>
-            <a:r>
-              <a:rPr lang="en-US" altLang="zh-TW" dirty="0" smtClean="0"/>
-              <a:t>Ping pong</a:t>
-            </a:r>
-            <a:endParaRPr lang="zh-TW" altLang="en-US" dirty="0"/>
-          </a:p>
-        </p:txBody>
-      </p:sp>
-      <p:sp>
-        <p:nvSpPr>
-          <p:cNvPr id="6" name="矩形 5"/>
-          <p:cNvSpPr/>
-          <p:nvPr/>
-        </p:nvSpPr>
-        <p:spPr>
-          <a:xfrm>
-            <a:off x="5783004" y="2327118"/>
-            <a:ext cx="1851660" cy="972820"/>
-          </a:xfrm>
-          <a:prstGeom prst="rect">
-            <a:avLst/>
-          </a:prstGeom>
-        </p:spPr>
-        <p:style>
-          <a:lnRef idx="2">
-            <a:schemeClr val="accent1">
-              <a:shade val="50000"/>
-            </a:schemeClr>
-          </a:lnRef>
-          <a:fillRef idx="1">
-            <a:schemeClr val="accent1"/>
-          </a:fillRef>
-          <a:effectRef idx="0">
-            <a:schemeClr val="accent1"/>
-          </a:effectRef>
-          <a:fontRef idx="minor">
-            <a:schemeClr val="lt1"/>
-          </a:fontRef>
-        </p:style>
-        <p:txBody>
-          <a:bodyPr rtlCol="0" anchor="ctr"/>
-          <a:lstStyle/>
-          <a:p>
-            <a:pPr algn="ctr"/>
-            <a:r>
-              <a:rPr lang="en-US" altLang="zh-TW" dirty="0" smtClean="0"/>
-              <a:t>Log</a:t>
-            </a:r>
-            <a:endParaRPr lang="zh-TW" altLang="en-US" dirty="0"/>
-          </a:p>
-        </p:txBody>
-      </p:sp>
-      <p:sp>
-        <p:nvSpPr>
-          <p:cNvPr id="7" name="矩形 6"/>
-          <p:cNvSpPr/>
-          <p:nvPr/>
-        </p:nvSpPr>
-        <p:spPr>
-          <a:xfrm>
-            <a:off x="8442000" y="2327118"/>
-            <a:ext cx="1851660" cy="972820"/>
-          </a:xfrm>
-          <a:prstGeom prst="rect">
-            <a:avLst/>
-          </a:prstGeom>
-        </p:spPr>
-        <p:style>
-          <a:lnRef idx="2">
-            <a:schemeClr val="accent1">
-              <a:shade val="50000"/>
-            </a:schemeClr>
-          </a:lnRef>
-          <a:fillRef idx="1">
-            <a:schemeClr val="accent1"/>
-          </a:fillRef>
-          <a:effectRef idx="0">
-            <a:schemeClr val="accent1"/>
-          </a:effectRef>
-          <a:fontRef idx="minor">
-            <a:schemeClr val="lt1"/>
-          </a:fontRef>
-        </p:style>
-        <p:txBody>
-          <a:bodyPr rtlCol="0" anchor="ctr"/>
-          <a:lstStyle/>
-          <a:p>
-            <a:pPr algn="ctr"/>
-            <a:r>
-              <a:rPr lang="en-US" altLang="zh-TW" dirty="0" err="1" smtClean="0"/>
-              <a:t>sav</a:t>
-            </a:r>
-            <a:endParaRPr lang="zh-TW" altLang="en-US" dirty="0"/>
-          </a:p>
-        </p:txBody>
-      </p:sp>
-      <p:cxnSp>
-        <p:nvCxnSpPr>
-          <p:cNvPr id="8" name="直線單箭頭接點 7"/>
-          <p:cNvCxnSpPr>
-            <a:stCxn id="4" idx="3"/>
-            <a:endCxn id="5" idx="1"/>
-          </p:cNvCxnSpPr>
-          <p:nvPr/>
-        </p:nvCxnSpPr>
-        <p:spPr>
-          <a:xfrm flipV="1">
-            <a:off x="2340376" y="2761734"/>
-            <a:ext cx="783632" cy="4005"/>
-          </a:xfrm>
-          <a:prstGeom prst="straightConnector1">
-            <a:avLst/>
-          </a:prstGeom>
-          <a:ln>
-            <a:tailEnd type="triangle"/>
-          </a:ln>
-        </p:spPr>
-        <p:style>
-          <a:lnRef idx="1">
-            <a:schemeClr val="accent1"/>
-          </a:lnRef>
-          <a:fillRef idx="0">
-            <a:schemeClr val="accent1"/>
-          </a:fillRef>
-          <a:effectRef idx="0">
-            <a:schemeClr val="accent1"/>
-          </a:effectRef>
-          <a:fontRef idx="minor">
-            <a:schemeClr val="tx1"/>
-          </a:fontRef>
-        </p:style>
-      </p:cxnSp>
-      <p:sp>
-        <p:nvSpPr>
-          <p:cNvPr id="9" name="矩形 8"/>
-          <p:cNvSpPr/>
-          <p:nvPr/>
-        </p:nvSpPr>
-        <p:spPr>
-          <a:xfrm>
-            <a:off x="4975668" y="1835993"/>
-            <a:ext cx="2954655" cy="461665"/>
-          </a:xfrm>
-          <a:prstGeom prst="rect">
-            <a:avLst/>
-          </a:prstGeom>
-        </p:spPr>
-        <p:txBody>
-          <a:bodyPr wrap="none">
-            <a:spAutoFit/>
-          </a:bodyPr>
-          <a:lstStyle/>
-          <a:p>
-            <a:r>
-              <a:rPr lang="zh-TW" altLang="en-US" sz="2400" dirty="0" smtClean="0"/>
-              <a:t>取得樣本，開始訓練</a:t>
-            </a:r>
-            <a:endParaRPr lang="zh-TW" altLang="en-US" sz="2400" dirty="0"/>
-          </a:p>
-        </p:txBody>
-      </p:sp>
-      <p:sp>
-        <p:nvSpPr>
-          <p:cNvPr id="10" name="矩形 9"/>
-          <p:cNvSpPr/>
-          <p:nvPr/>
-        </p:nvSpPr>
-        <p:spPr>
-          <a:xfrm>
-            <a:off x="117748" y="3585321"/>
-            <a:ext cx="4663456" cy="461665"/>
-          </a:xfrm>
-          <a:prstGeom prst="rect">
-            <a:avLst/>
-          </a:prstGeom>
-        </p:spPr>
-        <p:txBody>
-          <a:bodyPr wrap="none">
-            <a:spAutoFit/>
-          </a:bodyPr>
-          <a:lstStyle/>
-          <a:p>
-            <a:r>
-              <a:rPr lang="zh-TW" altLang="en-US" sz="2400" dirty="0" smtClean="0"/>
-              <a:t>利用</a:t>
-            </a:r>
-            <a:r>
-              <a:rPr lang="en-US" altLang="zh-TW" sz="2400" dirty="0" err="1" smtClean="0"/>
-              <a:t>Rule_Base</a:t>
-            </a:r>
-            <a:r>
-              <a:rPr lang="zh-TW" altLang="en-US" sz="2400" dirty="0" smtClean="0"/>
-              <a:t>提供大量有效樣本</a:t>
-            </a:r>
-            <a:endParaRPr lang="zh-TW" altLang="en-US" sz="2400" dirty="0"/>
-          </a:p>
-        </p:txBody>
-      </p:sp>
-      <p:cxnSp>
-        <p:nvCxnSpPr>
-          <p:cNvPr id="11" name="直線單箭頭接點 10"/>
-          <p:cNvCxnSpPr/>
-          <p:nvPr/>
-        </p:nvCxnSpPr>
-        <p:spPr>
-          <a:xfrm>
-            <a:off x="4975668" y="2761734"/>
-            <a:ext cx="807336" cy="0"/>
-          </a:xfrm>
-          <a:prstGeom prst="straightConnector1">
-            <a:avLst/>
-          </a:prstGeom>
-          <a:ln>
-            <a:tailEnd type="triangle"/>
-          </a:ln>
-        </p:spPr>
-        <p:style>
-          <a:lnRef idx="1">
-            <a:schemeClr val="accent1"/>
-          </a:lnRef>
-          <a:fillRef idx="0">
-            <a:schemeClr val="accent1"/>
-          </a:fillRef>
-          <a:effectRef idx="0">
-            <a:schemeClr val="accent1"/>
-          </a:effectRef>
-          <a:fontRef idx="minor">
-            <a:schemeClr val="tx1"/>
-          </a:fontRef>
-        </p:style>
-      </p:cxnSp>
-      <p:cxnSp>
-        <p:nvCxnSpPr>
-          <p:cNvPr id="12" name="直線單箭頭接點 11"/>
-          <p:cNvCxnSpPr/>
-          <p:nvPr/>
-        </p:nvCxnSpPr>
-        <p:spPr>
-          <a:xfrm>
-            <a:off x="7634664" y="2813528"/>
-            <a:ext cx="807336" cy="0"/>
-          </a:xfrm>
-          <a:prstGeom prst="straightConnector1">
-            <a:avLst/>
-          </a:prstGeom>
-          <a:ln>
-            <a:tailEnd type="triangle"/>
-          </a:ln>
-        </p:spPr>
-        <p:style>
-          <a:lnRef idx="1">
-            <a:schemeClr val="accent1"/>
-          </a:lnRef>
-          <a:fillRef idx="0">
-            <a:schemeClr val="accent1"/>
-          </a:fillRef>
-          <a:effectRef idx="0">
-            <a:schemeClr val="accent1"/>
-          </a:effectRef>
-          <a:fontRef idx="minor">
-            <a:schemeClr val="tx1"/>
-          </a:fontRef>
-        </p:style>
-      </p:cxnSp>
-      <p:sp>
-        <p:nvSpPr>
-          <p:cNvPr id="13" name="矩形 12"/>
-          <p:cNvSpPr/>
-          <p:nvPr/>
-        </p:nvSpPr>
-        <p:spPr>
-          <a:xfrm>
-            <a:off x="7890502" y="3585321"/>
-            <a:ext cx="3877985" cy="461665"/>
-          </a:xfrm>
-          <a:prstGeom prst="rect">
-            <a:avLst/>
-          </a:prstGeom>
-        </p:spPr>
-        <p:txBody>
-          <a:bodyPr wrap="none">
-            <a:spAutoFit/>
-          </a:bodyPr>
-          <a:lstStyle/>
-          <a:p>
-            <a:r>
-              <a:rPr lang="zh-TW" altLang="en-US" sz="2400" dirty="0" smtClean="0"/>
-              <a:t>實測後取得新樣本進行訓練</a:t>
-            </a:r>
-            <a:endParaRPr lang="zh-TW" altLang="en-US" sz="2400" dirty="0"/>
-          </a:p>
-        </p:txBody>
-      </p:sp>
-      <p:cxnSp>
-        <p:nvCxnSpPr>
-          <p:cNvPr id="14" name="肘形接點 13"/>
-          <p:cNvCxnSpPr>
-            <a:stCxn id="7" idx="2"/>
-            <a:endCxn id="5" idx="2"/>
-          </p:cNvCxnSpPr>
-          <p:nvPr/>
-        </p:nvCxnSpPr>
-        <p:spPr>
-          <a:xfrm rot="5400000" flipH="1">
-            <a:off x="6682937" y="615045"/>
-            <a:ext cx="51794" cy="5317992"/>
-          </a:xfrm>
-          <a:prstGeom prst="bentConnector3">
-            <a:avLst>
-              <a:gd name="adj1" fmla="val -441364"/>
-            </a:avLst>
-          </a:prstGeom>
-          <a:ln>
-            <a:tailEnd type="triangle"/>
-          </a:ln>
-        </p:spPr>
-        <p:style>
-          <a:lnRef idx="1">
-            <a:schemeClr val="accent1"/>
-          </a:lnRef>
-          <a:fillRef idx="0">
-            <a:schemeClr val="accent1"/>
-          </a:fillRef>
-          <a:effectRef idx="0">
-            <a:schemeClr val="accent1"/>
-          </a:effectRef>
-          <a:fontRef idx="minor">
-            <a:schemeClr val="tx1"/>
-          </a:fontRef>
-        </p:style>
-      </p:cxnSp>
-    </p:spTree>
-    <p:extLst>
-      <p:ext uri="{BB962C8B-B14F-4D97-AF65-F5344CB8AC3E}">
-        <p14:creationId xmlns:p14="http://schemas.microsoft.com/office/powerpoint/2010/main" val="3201793675"/>
-      </p:ext>
-    </p:extLst>
-  </p:cSld>
-  <p:clrMapOvr>
-    <a:masterClrMapping/>
-  </p:clrMapOvr>
-  <mc:AlternateContent xmlns:mc="http://schemas.openxmlformats.org/markup-compatibility/2006" xmlns:p14="http://schemas.microsoft.com/office/powerpoint/2010/main">
-    <mc:Choice Requires="p14">
-      <p:transition spd="med" p14:dur="700">
-        <p:fade/>
-      </p:transition>
-    </mc:Choice>
-    <mc:Fallback xmlns="">
-      <p:transition spd="med">
-        <p:fade/>
-      </p:transition>
-    </mc:Fallback>
-  </mc:AlternateContent>
-  <p:timing>
-    <p:tnLst>
-      <p:par>
-        <p:cTn id="1" dur="indefinite" restart="never" nodeType="tmRoot"/>
-      </p:par>
-    </p:tnLst>
-  </p:timing>
-</p:sld>
-</file>
-
 <file path=ppt/theme/theme1.xml><?xml version="1.0" encoding="utf-8"?>
 <a:theme xmlns:a="http://schemas.openxmlformats.org/drawingml/2006/main" name="商務策略簡報">
   <a:themeElements>
@@ -17680,15 +17176,6 @@
 </file>
 
 <file path=customXml/item1.xml><?xml version="1.0" encoding="utf-8"?>
-<?mso-contentType ?>
-<FormTemplates xmlns="http://schemas.microsoft.com/sharepoint/v3/contenttype/forms">
-  <Display>DocumentLibraryForm</Display>
-  <Edit>DocumentLibraryForm</Edit>
-  <New>DocumentLibraryForm</New>
-</FormTemplates>
-</file>
-
-<file path=customXml/item2.xml><?xml version="1.0" encoding="utf-8"?>
 <ct:contentTypeSchema xmlns:ct="http://schemas.microsoft.com/office/2006/metadata/contentType" xmlns:ma="http://schemas.microsoft.com/office/2006/metadata/properties/metaAttributes" ct:_="" ma:_="" ma:contentTypeName="Document" ma:contentTypeID="0x010100AA3F7D94069FF64A86F7DFF56D60E3BE" ma:contentTypeVersion="6" ma:contentTypeDescription="Create a new document." ma:contentTypeScope="" ma:versionID="c32302c77d4085ecf495bdddb7f5e889">
   <xsd:schema xmlns:xsd="http://www.w3.org/2001/XMLSchema" xmlns:xs="http://www.w3.org/2001/XMLSchema" xmlns:p="http://schemas.microsoft.com/office/2006/metadata/properties" xmlns:ns2="a4f35948-e619-41b3-aa29-22878b09cfd2" xmlns:ns3="40262f94-9f35-4ac3-9a90-690165a166b7" targetNamespace="http://schemas.microsoft.com/office/2006/metadata/properties" ma:root="true" ma:fieldsID="4ab5ae46be95f9d0be6107e8200be7a2" ns2:_="" ns3:_="">
     <xsd:import namespace="a4f35948-e619-41b3-aa29-22878b09cfd2"/>
@@ -17869,6 +17356,15 @@
 </ct:contentTypeSchema>
 </file>
 
+<file path=customXml/item2.xml><?xml version="1.0" encoding="utf-8"?>
+<?mso-contentType ?>
+<FormTemplates xmlns="http://schemas.microsoft.com/sharepoint/v3/contenttype/forms">
+  <Display>DocumentLibraryForm</Display>
+  <Edit>DocumentLibraryForm</Edit>
+  <New>DocumentLibraryForm</New>
+</FormTemplates>
+</file>
+
 <file path=customXml/item3.xml><?xml version="1.0" encoding="utf-8"?>
 <p:properties xmlns:p="http://schemas.microsoft.com/office/2006/metadata/properties" xmlns:xsi="http://www.w3.org/2001/XMLSchema-instance" xmlns:pc="http://schemas.microsoft.com/office/infopath/2007/PartnerControls">
   <documentManagement>
@@ -17881,14 +17377,6 @@
 </file>
 
 <file path=customXml/itemProps1.xml><?xml version="1.0" encoding="utf-8"?>
-<ds:datastoreItem xmlns:ds="http://schemas.openxmlformats.org/officeDocument/2006/customXml" ds:itemID="{653E1689-1E09-4ADC-A5E7-6718BF79A8A6}">
-  <ds:schemaRefs>
-    <ds:schemaRef ds:uri="http://schemas.microsoft.com/sharepoint/v3/contenttype/forms"/>
-  </ds:schemaRefs>
-</ds:datastoreItem>
-</file>
-
-<file path=customXml/itemProps2.xml><?xml version="1.0" encoding="utf-8"?>
 <ds:datastoreItem xmlns:ds="http://schemas.openxmlformats.org/officeDocument/2006/customXml" ds:itemID="{7CB30B94-6D3B-4C91-947C-5EB8E8EFFE4F}">
   <ds:schemaRefs>
     <ds:schemaRef ds:uri="http://schemas.microsoft.com/office/2006/metadata/contentType"/>
@@ -17903,6 +17391,14 @@
     <ds:schemaRef ds:uri="http://purl.org/dc/elements/1.1/"/>
     <ds:schemaRef ds:uri="http://purl.org/dc/terms/"/>
     <ds:schemaRef ds:uri="http://schemas.microsoft.com/internal/obd"/>
+  </ds:schemaRefs>
+</ds:datastoreItem>
+</file>
+
+<file path=customXml/itemProps2.xml><?xml version="1.0" encoding="utf-8"?>
+<ds:datastoreItem xmlns:ds="http://schemas.openxmlformats.org/officeDocument/2006/customXml" ds:itemID="{653E1689-1E09-4ADC-A5E7-6718BF79A8A6}">
+  <ds:schemaRefs>
+    <ds:schemaRef ds:uri="http://schemas.microsoft.com/sharepoint/v3/contenttype/forms"/>
   </ds:schemaRefs>
 </ds:datastoreItem>
 </file>

--- a/Finally project/Pingpong_第六組.pptx
+++ b/Finally project/Pingpong_第六組.pptx
@@ -5,10 +5,10 @@
     <p:sldMasterId id="2147483660" r:id="rId4"/>
   </p:sldMasterIdLst>
   <p:notesMasterIdLst>
-    <p:notesMasterId r:id="rId14"/>
+    <p:notesMasterId r:id="rId13"/>
   </p:notesMasterIdLst>
   <p:handoutMasterIdLst>
-    <p:handoutMasterId r:id="rId15"/>
+    <p:handoutMasterId r:id="rId14"/>
   </p:handoutMasterIdLst>
   <p:sldIdLst>
     <p:sldId id="257" r:id="rId5"/>
@@ -16,10 +16,9 @@
     <p:sldId id="259" r:id="rId7"/>
     <p:sldId id="260" r:id="rId8"/>
     <p:sldId id="266" r:id="rId9"/>
-    <p:sldId id="267" r:id="rId10"/>
-    <p:sldId id="261" r:id="rId11"/>
-    <p:sldId id="263" r:id="rId12"/>
-    <p:sldId id="265" r:id="rId13"/>
+    <p:sldId id="261" r:id="rId10"/>
+    <p:sldId id="267" r:id="rId11"/>
+    <p:sldId id="265" r:id="rId12"/>
   </p:sldIdLst>
   <p:sldSz cx="12188825" cy="6858000"/>
   <p:notesSz cx="6858000" cy="9144000"/>
@@ -1257,45 +1256,6 @@
         </a:p>
       </dgm:t>
     </dgm:pt>
-    <dgm:pt modelId="{AD32A085-D46D-4887-85FE-3881670D4ABC}">
-      <dgm:prSet custT="1"/>
-      <dgm:spPr/>
-      <dgm:t>
-        <a:bodyPr/>
-        <a:lstStyle/>
-        <a:p>
-          <a:r>
-            <a:rPr lang="zh-TW" altLang="en-US" sz="2400" dirty="0">
-              <a:latin typeface="Microsoft JhengHei Light" panose="020B0304030504040204" pitchFamily="34" charset="-120"/>
-              <a:ea typeface="Microsoft JhengHei Light" panose="020B0304030504040204" pitchFamily="34" charset="-120"/>
-            </a:rPr>
-            <a:t>比賽</a:t>
-          </a:r>
-        </a:p>
-      </dgm:t>
-    </dgm:pt>
-    <dgm:pt modelId="{10800D79-C7F5-402B-9C15-F3A760B05058}" type="parTrans" cxnId="{9F8086E4-200A-41A0-985F-6819AAD7FF3C}">
-      <dgm:prSet/>
-      <dgm:spPr/>
-      <dgm:t>
-        <a:bodyPr/>
-        <a:lstStyle/>
-        <a:p>
-          <a:endParaRPr lang="zh-TW" altLang="en-US"/>
-        </a:p>
-      </dgm:t>
-    </dgm:pt>
-    <dgm:pt modelId="{B3F636BC-F4CF-43A1-A69B-8541CA9DB61A}" type="sibTrans" cxnId="{9F8086E4-200A-41A0-985F-6819AAD7FF3C}">
-      <dgm:prSet/>
-      <dgm:spPr/>
-      <dgm:t>
-        <a:bodyPr/>
-        <a:lstStyle/>
-        <a:p>
-          <a:endParaRPr lang="zh-TW" altLang="en-US"/>
-        </a:p>
-      </dgm:t>
-    </dgm:pt>
     <dgm:pt modelId="{C8AEE87B-F7A2-4CFA-BE00-6B9F721DFE96}">
       <dgm:prSet/>
       <dgm:spPr/>
@@ -1346,56 +1306,6 @@
         </a:p>
       </dgm:t>
     </dgm:pt>
-    <dgm:pt modelId="{9D5DD00D-D723-41C3-A564-BE447082CEE3}">
-      <dgm:prSet/>
-      <dgm:spPr/>
-      <dgm:t>
-        <a:bodyPr/>
-        <a:lstStyle/>
-        <a:p>
-          <a:r>
-            <a:rPr lang="zh-TW" altLang="en-US" dirty="0" smtClean="0">
-              <a:latin typeface="Times New Roman" panose="02020603050405020304" pitchFamily="18" charset="0"/>
-              <a:cs typeface="Times New Roman" panose="02020603050405020304" pitchFamily="18" charset="0"/>
-            </a:rPr>
-            <a:t>撰寫</a:t>
-          </a:r>
-          <a:r>
-            <a:rPr lang="en-US" altLang="zh-TW" dirty="0" smtClean="0">
-              <a:latin typeface="Times New Roman" panose="02020603050405020304" pitchFamily="18" charset="0"/>
-              <a:cs typeface="Times New Roman" panose="02020603050405020304" pitchFamily="18" charset="0"/>
-            </a:rPr>
-            <a:t>Code</a:t>
-          </a:r>
-          <a:endParaRPr lang="zh-TW" altLang="en-US" dirty="0">
-            <a:latin typeface="Times New Roman" panose="02020603050405020304" pitchFamily="18" charset="0"/>
-            <a:cs typeface="Times New Roman" panose="02020603050405020304" pitchFamily="18" charset="0"/>
-          </a:endParaRPr>
-        </a:p>
-      </dgm:t>
-    </dgm:pt>
-    <dgm:pt modelId="{7F7DDA6E-F3A1-4195-9D49-DD6A7A673A53}" type="parTrans" cxnId="{0A001B7D-02A3-44E0-884E-6CD766446281}">
-      <dgm:prSet/>
-      <dgm:spPr/>
-      <dgm:t>
-        <a:bodyPr/>
-        <a:lstStyle/>
-        <a:p>
-          <a:endParaRPr lang="zh-TW" altLang="en-US"/>
-        </a:p>
-      </dgm:t>
-    </dgm:pt>
-    <dgm:pt modelId="{CC461DF6-266C-458F-8E69-C9749734EA70}" type="sibTrans" cxnId="{0A001B7D-02A3-44E0-884E-6CD766446281}">
-      <dgm:prSet/>
-      <dgm:spPr/>
-      <dgm:t>
-        <a:bodyPr/>
-        <a:lstStyle/>
-        <a:p>
-          <a:endParaRPr lang="zh-TW" altLang="en-US"/>
-        </a:p>
-      </dgm:t>
-    </dgm:pt>
     <dgm:pt modelId="{68B252EE-9C0A-4188-A43E-0D986D13139E}">
       <dgm:prSet/>
       <dgm:spPr/>
@@ -1408,7 +1318,7 @@
               <a:latin typeface="Microsoft JhengHei Light" panose="020B0304030504040204" pitchFamily="34" charset="-120"/>
               <a:ea typeface="Microsoft JhengHei Light" panose="020B0304030504040204" pitchFamily="34" charset="-120"/>
             </a:rPr>
-            <a:t>存取</a:t>
+            <a:t>取得</a:t>
           </a:r>
           <a:r>
             <a:rPr lang="en-US" altLang="zh-TW" dirty="0" smtClean="0">
@@ -1458,14 +1368,21 @@
               <a:latin typeface="Microsoft JhengHei Light" panose="020B0304030504040204" pitchFamily="34" charset="-120"/>
               <a:ea typeface="Microsoft JhengHei Light" panose="020B0304030504040204" pitchFamily="34" charset="-120"/>
             </a:rPr>
-            <a:t>可運用的</a:t>
+            <a:t>在</a:t>
           </a:r>
           <a:r>
             <a:rPr lang="en-US" altLang="zh-TW" dirty="0" smtClean="0">
               <a:latin typeface="Microsoft JhengHei Light" panose="020B0304030504040204" pitchFamily="34" charset="-120"/>
               <a:ea typeface="Microsoft JhengHei Light" panose="020B0304030504040204" pitchFamily="34" charset="-120"/>
             </a:rPr>
-            <a:t>Pickle</a:t>
+            <a:t>pickle</a:t>
+          </a:r>
+          <a:r>
+            <a:rPr lang="zh-TW" altLang="en-US" dirty="0" smtClean="0">
+              <a:latin typeface="Microsoft JhengHei Light" panose="020B0304030504040204" pitchFamily="34" charset="-120"/>
+              <a:ea typeface="Microsoft JhengHei Light" panose="020B0304030504040204" pitchFamily="34" charset="-120"/>
+            </a:rPr>
+            <a:t>中取得好的樣本</a:t>
           </a:r>
           <a:endParaRPr lang="zh-TW" altLang="en-US" dirty="0">
             <a:latin typeface="Microsoft JhengHei Light" panose="020B0304030504040204" pitchFamily="34" charset="-120"/>
@@ -1625,46 +1542,6 @@
         </a:p>
       </dgm:t>
     </dgm:pt>
-    <dgm:pt modelId="{39BE0418-99C9-4A4C-9BB7-65D49A05BB31}">
-      <dgm:prSet/>
-      <dgm:spPr/>
-      <dgm:t>
-        <a:bodyPr/>
-        <a:lstStyle/>
-        <a:p>
-          <a:r>
-            <a:rPr lang="zh-TW" altLang="en-US" dirty="0" smtClean="0">
-              <a:latin typeface="Microsoft JhengHei Light" panose="020B0304030504040204" pitchFamily="34" charset="-120"/>
-              <a:ea typeface="Microsoft JhengHei Light" panose="020B0304030504040204" pitchFamily="34" charset="-120"/>
-            </a:rPr>
-            <a:t>成績</a:t>
-          </a:r>
-          <a:endParaRPr lang="zh-TW" altLang="en-US" dirty="0"/>
-        </a:p>
-      </dgm:t>
-    </dgm:pt>
-    <dgm:pt modelId="{3F984D36-88C5-4802-A36C-73B6E41E1411}" type="parTrans" cxnId="{D693D372-7061-4242-B7FA-0922BF6D50B1}">
-      <dgm:prSet/>
-      <dgm:spPr/>
-      <dgm:t>
-        <a:bodyPr/>
-        <a:lstStyle/>
-        <a:p>
-          <a:endParaRPr lang="zh-TW" altLang="en-US"/>
-        </a:p>
-      </dgm:t>
-    </dgm:pt>
-    <dgm:pt modelId="{AADAA9E2-AA9B-4FCD-ACF3-BAF5F5DC6DE5}" type="sibTrans" cxnId="{D693D372-7061-4242-B7FA-0922BF6D50B1}">
-      <dgm:prSet/>
-      <dgm:spPr/>
-      <dgm:t>
-        <a:bodyPr/>
-        <a:lstStyle/>
-        <a:p>
-          <a:endParaRPr lang="zh-TW" altLang="en-US"/>
-        </a:p>
-      </dgm:t>
-    </dgm:pt>
     <dgm:pt modelId="{5E31DA61-BA7B-4CD0-B08B-CD683A1209DE}">
       <dgm:prSet/>
       <dgm:spPr/>
@@ -1673,11 +1550,18 @@
         <a:lstStyle/>
         <a:p>
           <a:r>
+            <a:rPr lang="en-US" altLang="zh-TW" dirty="0" err="1" smtClean="0">
+              <a:latin typeface="Microsoft JhengHei Light" panose="020B0304030504040204" pitchFamily="34" charset="-120"/>
+              <a:ea typeface="Microsoft JhengHei Light" panose="020B0304030504040204" pitchFamily="34" charset="-120"/>
+            </a:rPr>
+            <a:t>knn</a:t>
+          </a:r>
+          <a:r>
             <a:rPr lang="zh-TW" altLang="en-US" dirty="0" smtClean="0">
               <a:latin typeface="Microsoft JhengHei Light" panose="020B0304030504040204" pitchFamily="34" charset="-120"/>
               <a:ea typeface="Microsoft JhengHei Light" panose="020B0304030504040204" pitchFamily="34" charset="-120"/>
             </a:rPr>
-            <a:t>撰寫訓練程式</a:t>
+            <a:t>訓練</a:t>
           </a:r>
           <a:endParaRPr lang="zh-TW" altLang="en-US" dirty="0">
             <a:latin typeface="Microsoft JhengHei Light" panose="020B0304030504040204" pitchFamily="34" charset="-120"/>
@@ -1771,7 +1655,7 @@
       <dgm:spPr/>
     </dgm:pt>
     <dgm:pt modelId="{0D5A4EFE-1C67-4062-B174-8A1DEA7885B2}" type="pres">
-      <dgm:prSet presAssocID="{69FD09DB-7D78-47CE-93D1-107E376A870E}" presName="Name37" presStyleLbl="parChTrans1D2" presStyleIdx="0" presStyleCnt="4"/>
+      <dgm:prSet presAssocID="{69FD09DB-7D78-47CE-93D1-107E376A870E}" presName="Name37" presStyleLbl="parChTrans1D2" presStyleIdx="0" presStyleCnt="3"/>
       <dgm:spPr/>
       <dgm:t>
         <a:bodyPr/>
@@ -1794,7 +1678,7 @@
       <dgm:spPr/>
     </dgm:pt>
     <dgm:pt modelId="{898283FA-7639-445A-95D5-432134CB6ADF}" type="pres">
-      <dgm:prSet presAssocID="{E7358108-83A8-42F1-84AF-1043344A61B4}" presName="rootText" presStyleLbl="node2" presStyleIdx="0" presStyleCnt="4">
+      <dgm:prSet presAssocID="{E7358108-83A8-42F1-84AF-1043344A61B4}" presName="rootText" presStyleLbl="node2" presStyleIdx="0" presStyleCnt="3">
         <dgm:presLayoutVars>
           <dgm:chPref val="3"/>
         </dgm:presLayoutVars>
@@ -1809,7 +1693,7 @@
       </dgm:t>
     </dgm:pt>
     <dgm:pt modelId="{74E53E5B-7DCA-4C09-A9BF-327363D42547}" type="pres">
-      <dgm:prSet presAssocID="{E7358108-83A8-42F1-84AF-1043344A61B4}" presName="rootConnector" presStyleLbl="node2" presStyleIdx="0" presStyleCnt="4"/>
+      <dgm:prSet presAssocID="{E7358108-83A8-42F1-84AF-1043344A61B4}" presName="rootConnector" presStyleLbl="node2" presStyleIdx="0" presStyleCnt="3"/>
       <dgm:spPr/>
       <dgm:t>
         <a:bodyPr/>
@@ -1824,7 +1708,7 @@
       <dgm:spPr/>
     </dgm:pt>
     <dgm:pt modelId="{5F48F0E4-2C7E-480D-9A45-E44C79D6BEA5}" type="pres">
-      <dgm:prSet presAssocID="{DBFF9E4D-F654-4E3E-A2C7-9EEF27EF4259}" presName="Name37" presStyleLbl="parChTrans1D3" presStyleIdx="0" presStyleCnt="9"/>
+      <dgm:prSet presAssocID="{DBFF9E4D-F654-4E3E-A2C7-9EEF27EF4259}" presName="Name37" presStyleLbl="parChTrans1D3" presStyleIdx="0" presStyleCnt="7"/>
       <dgm:spPr/>
       <dgm:t>
         <a:bodyPr/>
@@ -1847,7 +1731,7 @@
       <dgm:spPr/>
     </dgm:pt>
     <dgm:pt modelId="{9CB29694-F3D7-41DB-BEBC-33D5343BA11A}" type="pres">
-      <dgm:prSet presAssocID="{C8AEE87B-F7A2-4CFA-BE00-6B9F721DFE96}" presName="rootText" presStyleLbl="node3" presStyleIdx="0" presStyleCnt="9">
+      <dgm:prSet presAssocID="{C8AEE87B-F7A2-4CFA-BE00-6B9F721DFE96}" presName="rootText" presStyleLbl="node3" presStyleIdx="0" presStyleCnt="7">
         <dgm:presLayoutVars>
           <dgm:chPref val="3"/>
         </dgm:presLayoutVars>
@@ -1862,7 +1746,7 @@
       </dgm:t>
     </dgm:pt>
     <dgm:pt modelId="{23546AB9-AA88-44E8-A74F-6A7DB71CEDFA}" type="pres">
-      <dgm:prSet presAssocID="{C8AEE87B-F7A2-4CFA-BE00-6B9F721DFE96}" presName="rootConnector" presStyleLbl="node3" presStyleIdx="0" presStyleCnt="9"/>
+      <dgm:prSet presAssocID="{C8AEE87B-F7A2-4CFA-BE00-6B9F721DFE96}" presName="rootConnector" presStyleLbl="node3" presStyleIdx="0" presStyleCnt="7"/>
       <dgm:spPr/>
       <dgm:t>
         <a:bodyPr/>
@@ -1880,65 +1764,8 @@
       <dgm:prSet presAssocID="{C8AEE87B-F7A2-4CFA-BE00-6B9F721DFE96}" presName="hierChild5" presStyleCnt="0"/>
       <dgm:spPr/>
     </dgm:pt>
-    <dgm:pt modelId="{1CACF2A5-9765-453F-9602-3749D63C20FF}" type="pres">
-      <dgm:prSet presAssocID="{7F7DDA6E-F3A1-4195-9D49-DD6A7A673A53}" presName="Name37" presStyleLbl="parChTrans1D3" presStyleIdx="1" presStyleCnt="9"/>
-      <dgm:spPr/>
-      <dgm:t>
-        <a:bodyPr/>
-        <a:lstStyle/>
-        <a:p>
-          <a:endParaRPr lang="zh-TW" altLang="en-US"/>
-        </a:p>
-      </dgm:t>
-    </dgm:pt>
-    <dgm:pt modelId="{797FA106-A9EF-4FA9-96A9-65973C18778A}" type="pres">
-      <dgm:prSet presAssocID="{9D5DD00D-D723-41C3-A564-BE447082CEE3}" presName="hierRoot2" presStyleCnt="0">
-        <dgm:presLayoutVars>
-          <dgm:hierBranch val="init"/>
-        </dgm:presLayoutVars>
-      </dgm:prSet>
-      <dgm:spPr/>
-    </dgm:pt>
-    <dgm:pt modelId="{FA034065-8D30-499C-83FC-9CDCFFC43DCF}" type="pres">
-      <dgm:prSet presAssocID="{9D5DD00D-D723-41C3-A564-BE447082CEE3}" presName="rootComposite" presStyleCnt="0"/>
-      <dgm:spPr/>
-    </dgm:pt>
-    <dgm:pt modelId="{DE79C5C0-52BB-4AB4-B9E4-4D482851A011}" type="pres">
-      <dgm:prSet presAssocID="{9D5DD00D-D723-41C3-A564-BE447082CEE3}" presName="rootText" presStyleLbl="node3" presStyleIdx="1" presStyleCnt="9">
-        <dgm:presLayoutVars>
-          <dgm:chPref val="3"/>
-        </dgm:presLayoutVars>
-      </dgm:prSet>
-      <dgm:spPr/>
-      <dgm:t>
-        <a:bodyPr/>
-        <a:lstStyle/>
-        <a:p>
-          <a:endParaRPr lang="zh-TW" altLang="en-US"/>
-        </a:p>
-      </dgm:t>
-    </dgm:pt>
-    <dgm:pt modelId="{7877DBA2-C865-46EE-839A-1D3781B37466}" type="pres">
-      <dgm:prSet presAssocID="{9D5DD00D-D723-41C3-A564-BE447082CEE3}" presName="rootConnector" presStyleLbl="node3" presStyleIdx="1" presStyleCnt="9"/>
-      <dgm:spPr/>
-      <dgm:t>
-        <a:bodyPr/>
-        <a:lstStyle/>
-        <a:p>
-          <a:endParaRPr lang="zh-TW" altLang="en-US"/>
-        </a:p>
-      </dgm:t>
-    </dgm:pt>
-    <dgm:pt modelId="{410DDF1F-9624-4ABA-AC0C-AF54B5CB8C95}" type="pres">
-      <dgm:prSet presAssocID="{9D5DD00D-D723-41C3-A564-BE447082CEE3}" presName="hierChild4" presStyleCnt="0"/>
-      <dgm:spPr/>
-    </dgm:pt>
-    <dgm:pt modelId="{C6C18AC1-59E4-468D-AC2C-5ADE5FFED214}" type="pres">
-      <dgm:prSet presAssocID="{9D5DD00D-D723-41C3-A564-BE447082CEE3}" presName="hierChild5" presStyleCnt="0"/>
-      <dgm:spPr/>
-    </dgm:pt>
     <dgm:pt modelId="{FA5B38AC-797B-4312-B45A-B09C5187349A}" type="pres">
-      <dgm:prSet presAssocID="{81BF323F-0728-4CEC-A5C6-E78EFAB532FA}" presName="Name37" presStyleLbl="parChTrans1D3" presStyleIdx="2" presStyleCnt="9"/>
+      <dgm:prSet presAssocID="{81BF323F-0728-4CEC-A5C6-E78EFAB532FA}" presName="Name37" presStyleLbl="parChTrans1D3" presStyleIdx="1" presStyleCnt="7"/>
       <dgm:spPr/>
       <dgm:t>
         <a:bodyPr/>
@@ -1961,7 +1788,7 @@
       <dgm:spPr/>
     </dgm:pt>
     <dgm:pt modelId="{58DF7A56-A026-4332-B778-5724E260D9D9}" type="pres">
-      <dgm:prSet presAssocID="{68B252EE-9C0A-4188-A43E-0D986D13139E}" presName="rootText" presStyleLbl="node3" presStyleIdx="2" presStyleCnt="9">
+      <dgm:prSet presAssocID="{68B252EE-9C0A-4188-A43E-0D986D13139E}" presName="rootText" presStyleLbl="node3" presStyleIdx="1" presStyleCnt="7">
         <dgm:presLayoutVars>
           <dgm:chPref val="3"/>
         </dgm:presLayoutVars>
@@ -1976,7 +1803,7 @@
       </dgm:t>
     </dgm:pt>
     <dgm:pt modelId="{53D166CE-3030-491E-8941-378611132950}" type="pres">
-      <dgm:prSet presAssocID="{68B252EE-9C0A-4188-A43E-0D986D13139E}" presName="rootConnector" presStyleLbl="node3" presStyleIdx="2" presStyleCnt="9"/>
+      <dgm:prSet presAssocID="{68B252EE-9C0A-4188-A43E-0D986D13139E}" presName="rootConnector" presStyleLbl="node3" presStyleIdx="1" presStyleCnt="7"/>
       <dgm:spPr/>
       <dgm:t>
         <a:bodyPr/>
@@ -1999,7 +1826,7 @@
       <dgm:spPr/>
     </dgm:pt>
     <dgm:pt modelId="{34F89FF5-4CE7-4557-94ED-372F163EBFBB}" type="pres">
-      <dgm:prSet presAssocID="{B3FBE738-30A6-4B4A-9DB3-9AB2CC3B1641}" presName="Name37" presStyleLbl="parChTrans1D2" presStyleIdx="1" presStyleCnt="4"/>
+      <dgm:prSet presAssocID="{B3FBE738-30A6-4B4A-9DB3-9AB2CC3B1641}" presName="Name37" presStyleLbl="parChTrans1D2" presStyleIdx="1" presStyleCnt="3"/>
       <dgm:spPr/>
       <dgm:t>
         <a:bodyPr/>
@@ -2022,7 +1849,7 @@
       <dgm:spPr/>
     </dgm:pt>
     <dgm:pt modelId="{EA605843-84EA-4778-BB50-59415505C303}" type="pres">
-      <dgm:prSet presAssocID="{BB9FF21B-E75B-43A4-B03F-6C82A45E4511}" presName="rootText" presStyleLbl="node2" presStyleIdx="1" presStyleCnt="4">
+      <dgm:prSet presAssocID="{BB9FF21B-E75B-43A4-B03F-6C82A45E4511}" presName="rootText" presStyleLbl="node2" presStyleIdx="1" presStyleCnt="3">
         <dgm:presLayoutVars>
           <dgm:chPref val="3"/>
         </dgm:presLayoutVars>
@@ -2037,7 +1864,7 @@
       </dgm:t>
     </dgm:pt>
     <dgm:pt modelId="{D8602253-5290-4E90-A5EF-32A901888DAC}" type="pres">
-      <dgm:prSet presAssocID="{BB9FF21B-E75B-43A4-B03F-6C82A45E4511}" presName="rootConnector" presStyleLbl="node2" presStyleIdx="1" presStyleCnt="4"/>
+      <dgm:prSet presAssocID="{BB9FF21B-E75B-43A4-B03F-6C82A45E4511}" presName="rootConnector" presStyleLbl="node2" presStyleIdx="1" presStyleCnt="3"/>
       <dgm:spPr/>
       <dgm:t>
         <a:bodyPr/>
@@ -2052,7 +1879,7 @@
       <dgm:spPr/>
     </dgm:pt>
     <dgm:pt modelId="{E79A5832-DD8A-4441-B652-BD9EC8B7EED1}" type="pres">
-      <dgm:prSet presAssocID="{CB39D681-7061-437F-A140-79E3079A753F}" presName="Name37" presStyleLbl="parChTrans1D3" presStyleIdx="3" presStyleCnt="9"/>
+      <dgm:prSet presAssocID="{CB39D681-7061-437F-A140-79E3079A753F}" presName="Name37" presStyleLbl="parChTrans1D3" presStyleIdx="2" presStyleCnt="7"/>
       <dgm:spPr/>
       <dgm:t>
         <a:bodyPr/>
@@ -2075,7 +1902,7 @@
       <dgm:spPr/>
     </dgm:pt>
     <dgm:pt modelId="{B9F624FB-4B18-4FAE-BC1C-356832304C1D}" type="pres">
-      <dgm:prSet presAssocID="{807A8DFA-5BDA-4B03-B801-660127571B99}" presName="rootText" presStyleLbl="node3" presStyleIdx="3" presStyleCnt="9">
+      <dgm:prSet presAssocID="{807A8DFA-5BDA-4B03-B801-660127571B99}" presName="rootText" presStyleLbl="node3" presStyleIdx="2" presStyleCnt="7">
         <dgm:presLayoutVars>
           <dgm:chPref val="3"/>
         </dgm:presLayoutVars>
@@ -2090,7 +1917,7 @@
       </dgm:t>
     </dgm:pt>
     <dgm:pt modelId="{079241A2-20E2-4232-9D06-88AA9F82E25C}" type="pres">
-      <dgm:prSet presAssocID="{807A8DFA-5BDA-4B03-B801-660127571B99}" presName="rootConnector" presStyleLbl="node3" presStyleIdx="3" presStyleCnt="9"/>
+      <dgm:prSet presAssocID="{807A8DFA-5BDA-4B03-B801-660127571B99}" presName="rootConnector" presStyleLbl="node3" presStyleIdx="2" presStyleCnt="7"/>
       <dgm:spPr/>
       <dgm:t>
         <a:bodyPr/>
@@ -2109,7 +1936,7 @@
       <dgm:spPr/>
     </dgm:pt>
     <dgm:pt modelId="{AD91993C-55B9-441F-87C0-0719108305AF}" type="pres">
-      <dgm:prSet presAssocID="{B429E2B1-9AB4-4DAF-A3D8-FAB2AEC20118}" presName="Name37" presStyleLbl="parChTrans1D3" presStyleIdx="4" presStyleCnt="9"/>
+      <dgm:prSet presAssocID="{B429E2B1-9AB4-4DAF-A3D8-FAB2AEC20118}" presName="Name37" presStyleLbl="parChTrans1D3" presStyleIdx="3" presStyleCnt="7"/>
       <dgm:spPr/>
       <dgm:t>
         <a:bodyPr/>
@@ -2132,7 +1959,7 @@
       <dgm:spPr/>
     </dgm:pt>
     <dgm:pt modelId="{A6632A3E-C71E-4AE1-A356-3690361E8512}" type="pres">
-      <dgm:prSet presAssocID="{5E31DA61-BA7B-4CD0-B08B-CD683A1209DE}" presName="rootText" presStyleLbl="node3" presStyleIdx="4" presStyleCnt="9">
+      <dgm:prSet presAssocID="{5E31DA61-BA7B-4CD0-B08B-CD683A1209DE}" presName="rootText" presStyleLbl="node3" presStyleIdx="3" presStyleCnt="7">
         <dgm:presLayoutVars>
           <dgm:chPref val="3"/>
         </dgm:presLayoutVars>
@@ -2147,7 +1974,7 @@
       </dgm:t>
     </dgm:pt>
     <dgm:pt modelId="{5FA213B4-DAA0-4BB7-88F0-3CEC63244ACD}" type="pres">
-      <dgm:prSet presAssocID="{5E31DA61-BA7B-4CD0-B08B-CD683A1209DE}" presName="rootConnector" presStyleLbl="node3" presStyleIdx="4" presStyleCnt="9"/>
+      <dgm:prSet presAssocID="{5E31DA61-BA7B-4CD0-B08B-CD683A1209DE}" presName="rootConnector" presStyleLbl="node3" presStyleIdx="3" presStyleCnt="7"/>
       <dgm:spPr/>
       <dgm:t>
         <a:bodyPr/>
@@ -2170,7 +1997,7 @@
       <dgm:spPr/>
     </dgm:pt>
     <dgm:pt modelId="{2B8AB7A6-9DF3-44B8-A462-8360BF7B6F26}" type="pres">
-      <dgm:prSet presAssocID="{BA5BADE7-FE02-4E58-AED6-CA6877DD8C92}" presName="Name37" presStyleLbl="parChTrans1D2" presStyleIdx="2" presStyleCnt="4"/>
+      <dgm:prSet presAssocID="{BA5BADE7-FE02-4E58-AED6-CA6877DD8C92}" presName="Name37" presStyleLbl="parChTrans1D2" presStyleIdx="2" presStyleCnt="3"/>
       <dgm:spPr/>
       <dgm:t>
         <a:bodyPr/>
@@ -2193,7 +2020,7 @@
       <dgm:spPr/>
     </dgm:pt>
     <dgm:pt modelId="{027E1B34-93FE-4CE3-8A28-D69A90B48A09}" type="pres">
-      <dgm:prSet presAssocID="{86D061FF-D2B9-4444-977F-ADD2F8B26F58}" presName="rootText" presStyleLbl="node2" presStyleIdx="2" presStyleCnt="4">
+      <dgm:prSet presAssocID="{86D061FF-D2B9-4444-977F-ADD2F8B26F58}" presName="rootText" presStyleLbl="node2" presStyleIdx="2" presStyleCnt="3">
         <dgm:presLayoutVars>
           <dgm:chPref val="3"/>
         </dgm:presLayoutVars>
@@ -2208,7 +2035,7 @@
       </dgm:t>
     </dgm:pt>
     <dgm:pt modelId="{DBAD3854-BABD-419A-91AD-A1E38A3CF09E}" type="pres">
-      <dgm:prSet presAssocID="{86D061FF-D2B9-4444-977F-ADD2F8B26F58}" presName="rootConnector" presStyleLbl="node2" presStyleIdx="2" presStyleCnt="4"/>
+      <dgm:prSet presAssocID="{86D061FF-D2B9-4444-977F-ADD2F8B26F58}" presName="rootConnector" presStyleLbl="node2" presStyleIdx="2" presStyleCnt="3"/>
       <dgm:spPr/>
       <dgm:t>
         <a:bodyPr/>
@@ -2223,7 +2050,7 @@
       <dgm:spPr/>
     </dgm:pt>
     <dgm:pt modelId="{E780AC31-68D7-4FDE-AB32-EFBB2D377EE9}" type="pres">
-      <dgm:prSet presAssocID="{0CDD43BF-559F-46B2-A99A-AC0F2E14E16C}" presName="Name37" presStyleLbl="parChTrans1D3" presStyleIdx="5" presStyleCnt="9"/>
+      <dgm:prSet presAssocID="{0CDD43BF-559F-46B2-A99A-AC0F2E14E16C}" presName="Name37" presStyleLbl="parChTrans1D3" presStyleIdx="4" presStyleCnt="7"/>
       <dgm:spPr/>
       <dgm:t>
         <a:bodyPr/>
@@ -2246,7 +2073,7 @@
       <dgm:spPr/>
     </dgm:pt>
     <dgm:pt modelId="{FC2AA275-909E-47D7-A861-5FB840A38676}" type="pres">
-      <dgm:prSet presAssocID="{0CF1DFD8-24BF-4C6B-BD01-BEBB8834C8DE}" presName="rootText" presStyleLbl="node3" presStyleIdx="5" presStyleCnt="9">
+      <dgm:prSet presAssocID="{0CF1DFD8-24BF-4C6B-BD01-BEBB8834C8DE}" presName="rootText" presStyleLbl="node3" presStyleIdx="4" presStyleCnt="7">
         <dgm:presLayoutVars>
           <dgm:chPref val="3"/>
         </dgm:presLayoutVars>
@@ -2261,7 +2088,7 @@
       </dgm:t>
     </dgm:pt>
     <dgm:pt modelId="{D1B06913-B69F-4394-9B6A-75C451167FE8}" type="pres">
-      <dgm:prSet presAssocID="{0CF1DFD8-24BF-4C6B-BD01-BEBB8834C8DE}" presName="rootConnector" presStyleLbl="node3" presStyleIdx="5" presStyleCnt="9"/>
+      <dgm:prSet presAssocID="{0CF1DFD8-24BF-4C6B-BD01-BEBB8834C8DE}" presName="rootConnector" presStyleLbl="node3" presStyleIdx="4" presStyleCnt="7"/>
       <dgm:spPr/>
       <dgm:t>
         <a:bodyPr/>
@@ -2280,7 +2107,7 @@
       <dgm:spPr/>
     </dgm:pt>
     <dgm:pt modelId="{2D80F0C3-C504-4561-A084-06B66D39392D}" type="pres">
-      <dgm:prSet presAssocID="{56898A94-E574-4C74-BB23-528EED54EB78}" presName="Name37" presStyleLbl="parChTrans1D3" presStyleIdx="6" presStyleCnt="9"/>
+      <dgm:prSet presAssocID="{56898A94-E574-4C74-BB23-528EED54EB78}" presName="Name37" presStyleLbl="parChTrans1D3" presStyleIdx="5" presStyleCnt="7"/>
       <dgm:spPr/>
       <dgm:t>
         <a:bodyPr/>
@@ -2303,7 +2130,7 @@
       <dgm:spPr/>
     </dgm:pt>
     <dgm:pt modelId="{31BD8C53-89B5-4F7C-9478-2F7EA5E507AF}" type="pres">
-      <dgm:prSet presAssocID="{45589563-E41B-44DB-8AFC-34EE8901D150}" presName="rootText" presStyleLbl="node3" presStyleIdx="6" presStyleCnt="9">
+      <dgm:prSet presAssocID="{45589563-E41B-44DB-8AFC-34EE8901D150}" presName="rootText" presStyleLbl="node3" presStyleIdx="5" presStyleCnt="7">
         <dgm:presLayoutVars>
           <dgm:chPref val="3"/>
         </dgm:presLayoutVars>
@@ -2318,7 +2145,7 @@
       </dgm:t>
     </dgm:pt>
     <dgm:pt modelId="{8CE4FFBF-227E-49C4-97D7-83977CD95846}" type="pres">
-      <dgm:prSet presAssocID="{45589563-E41B-44DB-8AFC-34EE8901D150}" presName="rootConnector" presStyleLbl="node3" presStyleIdx="6" presStyleCnt="9"/>
+      <dgm:prSet presAssocID="{45589563-E41B-44DB-8AFC-34EE8901D150}" presName="rootConnector" presStyleLbl="node3" presStyleIdx="5" presStyleCnt="7"/>
       <dgm:spPr/>
       <dgm:t>
         <a:bodyPr/>
@@ -2337,7 +2164,7 @@
       <dgm:spPr/>
     </dgm:pt>
     <dgm:pt modelId="{FD340AE9-3099-4F19-AE25-6AA406E4942B}" type="pres">
-      <dgm:prSet presAssocID="{2888C3D8-9495-4F27-A1DB-649C0F6F0C8E}" presName="Name37" presStyleLbl="parChTrans1D3" presStyleIdx="7" presStyleCnt="9"/>
+      <dgm:prSet presAssocID="{2888C3D8-9495-4F27-A1DB-649C0F6F0C8E}" presName="Name37" presStyleLbl="parChTrans1D3" presStyleIdx="6" presStyleCnt="7"/>
       <dgm:spPr/>
       <dgm:t>
         <a:bodyPr/>
@@ -2360,7 +2187,7 @@
       <dgm:spPr/>
     </dgm:pt>
     <dgm:pt modelId="{8C04714C-7228-4FE6-AC0C-C1DB88E9F632}" type="pres">
-      <dgm:prSet presAssocID="{A20FE1FD-A95C-4766-9690-80DC349AC70F}" presName="rootText" presStyleLbl="node3" presStyleIdx="7" presStyleCnt="9">
+      <dgm:prSet presAssocID="{A20FE1FD-A95C-4766-9690-80DC349AC70F}" presName="rootText" presStyleLbl="node3" presStyleIdx="6" presStyleCnt="7">
         <dgm:presLayoutVars>
           <dgm:chPref val="3"/>
         </dgm:presLayoutVars>
@@ -2375,7 +2202,7 @@
       </dgm:t>
     </dgm:pt>
     <dgm:pt modelId="{84A7522A-37FD-4A20-BFE1-3E7225977F7B}" type="pres">
-      <dgm:prSet presAssocID="{A20FE1FD-A95C-4766-9690-80DC349AC70F}" presName="rootConnector" presStyleLbl="node3" presStyleIdx="7" presStyleCnt="9"/>
+      <dgm:prSet presAssocID="{A20FE1FD-A95C-4766-9690-80DC349AC70F}" presName="rootConnector" presStyleLbl="node3" presStyleIdx="6" presStyleCnt="7"/>
       <dgm:spPr/>
       <dgm:t>
         <a:bodyPr/>
@@ -2397,120 +2224,6 @@
       <dgm:prSet presAssocID="{86D061FF-D2B9-4444-977F-ADD2F8B26F58}" presName="hierChild5" presStyleCnt="0"/>
       <dgm:spPr/>
     </dgm:pt>
-    <dgm:pt modelId="{BDE2651E-B7D5-4C3D-AD07-DA19A512C3EE}" type="pres">
-      <dgm:prSet presAssocID="{10800D79-C7F5-402B-9C15-F3A760B05058}" presName="Name37" presStyleLbl="parChTrans1D2" presStyleIdx="3" presStyleCnt="4"/>
-      <dgm:spPr/>
-      <dgm:t>
-        <a:bodyPr/>
-        <a:lstStyle/>
-        <a:p>
-          <a:endParaRPr lang="zh-TW" altLang="en-US"/>
-        </a:p>
-      </dgm:t>
-    </dgm:pt>
-    <dgm:pt modelId="{68C645D7-DD34-4CEC-B0F6-54DC101682E9}" type="pres">
-      <dgm:prSet presAssocID="{AD32A085-D46D-4887-85FE-3881670D4ABC}" presName="hierRoot2" presStyleCnt="0">
-        <dgm:presLayoutVars>
-          <dgm:hierBranch val="init"/>
-        </dgm:presLayoutVars>
-      </dgm:prSet>
-      <dgm:spPr/>
-    </dgm:pt>
-    <dgm:pt modelId="{034FFC1D-C8F1-4399-9919-77C16AE52BAA}" type="pres">
-      <dgm:prSet presAssocID="{AD32A085-D46D-4887-85FE-3881670D4ABC}" presName="rootComposite" presStyleCnt="0"/>
-      <dgm:spPr/>
-    </dgm:pt>
-    <dgm:pt modelId="{D6D7FEDC-5C4A-4464-B939-F0267B32F854}" type="pres">
-      <dgm:prSet presAssocID="{AD32A085-D46D-4887-85FE-3881670D4ABC}" presName="rootText" presStyleLbl="node2" presStyleIdx="3" presStyleCnt="4">
-        <dgm:presLayoutVars>
-          <dgm:chPref val="3"/>
-        </dgm:presLayoutVars>
-      </dgm:prSet>
-      <dgm:spPr/>
-      <dgm:t>
-        <a:bodyPr/>
-        <a:lstStyle/>
-        <a:p>
-          <a:endParaRPr lang="zh-TW" altLang="en-US"/>
-        </a:p>
-      </dgm:t>
-    </dgm:pt>
-    <dgm:pt modelId="{C609D8FB-3E78-41DF-97D1-426FFD67870A}" type="pres">
-      <dgm:prSet presAssocID="{AD32A085-D46D-4887-85FE-3881670D4ABC}" presName="rootConnector" presStyleLbl="node2" presStyleIdx="3" presStyleCnt="4"/>
-      <dgm:spPr/>
-      <dgm:t>
-        <a:bodyPr/>
-        <a:lstStyle/>
-        <a:p>
-          <a:endParaRPr lang="zh-TW" altLang="en-US"/>
-        </a:p>
-      </dgm:t>
-    </dgm:pt>
-    <dgm:pt modelId="{F0332430-2094-44BA-B3EC-33A2BD908B64}" type="pres">
-      <dgm:prSet presAssocID="{AD32A085-D46D-4887-85FE-3881670D4ABC}" presName="hierChild4" presStyleCnt="0"/>
-      <dgm:spPr/>
-    </dgm:pt>
-    <dgm:pt modelId="{6A9A8A16-8F93-420D-8D9F-15BFBFA09642}" type="pres">
-      <dgm:prSet presAssocID="{3F984D36-88C5-4802-A36C-73B6E41E1411}" presName="Name37" presStyleLbl="parChTrans1D3" presStyleIdx="8" presStyleCnt="9"/>
-      <dgm:spPr/>
-      <dgm:t>
-        <a:bodyPr/>
-        <a:lstStyle/>
-        <a:p>
-          <a:endParaRPr lang="zh-TW" altLang="en-US"/>
-        </a:p>
-      </dgm:t>
-    </dgm:pt>
-    <dgm:pt modelId="{6D6CECBC-E1EB-4041-B439-B36FA5E3387D}" type="pres">
-      <dgm:prSet presAssocID="{39BE0418-99C9-4A4C-9BB7-65D49A05BB31}" presName="hierRoot2" presStyleCnt="0">
-        <dgm:presLayoutVars>
-          <dgm:hierBranch val="init"/>
-        </dgm:presLayoutVars>
-      </dgm:prSet>
-      <dgm:spPr/>
-    </dgm:pt>
-    <dgm:pt modelId="{4B595797-582A-4837-876C-CD3AFC63341C}" type="pres">
-      <dgm:prSet presAssocID="{39BE0418-99C9-4A4C-9BB7-65D49A05BB31}" presName="rootComposite" presStyleCnt="0"/>
-      <dgm:spPr/>
-    </dgm:pt>
-    <dgm:pt modelId="{A22D8479-F3B5-40E2-B47E-87AA623B4993}" type="pres">
-      <dgm:prSet presAssocID="{39BE0418-99C9-4A4C-9BB7-65D49A05BB31}" presName="rootText" presStyleLbl="node3" presStyleIdx="8" presStyleCnt="9">
-        <dgm:presLayoutVars>
-          <dgm:chPref val="3"/>
-        </dgm:presLayoutVars>
-      </dgm:prSet>
-      <dgm:spPr/>
-      <dgm:t>
-        <a:bodyPr/>
-        <a:lstStyle/>
-        <a:p>
-          <a:endParaRPr lang="zh-TW" altLang="en-US"/>
-        </a:p>
-      </dgm:t>
-    </dgm:pt>
-    <dgm:pt modelId="{BC019BB1-5CF6-423B-ABA0-427EF99217C0}" type="pres">
-      <dgm:prSet presAssocID="{39BE0418-99C9-4A4C-9BB7-65D49A05BB31}" presName="rootConnector" presStyleLbl="node3" presStyleIdx="8" presStyleCnt="9"/>
-      <dgm:spPr/>
-      <dgm:t>
-        <a:bodyPr/>
-        <a:lstStyle/>
-        <a:p>
-          <a:endParaRPr lang="zh-TW" altLang="en-US"/>
-        </a:p>
-      </dgm:t>
-    </dgm:pt>
-    <dgm:pt modelId="{9DB1C866-67F8-4DB2-99E4-62C28D8B5F6A}" type="pres">
-      <dgm:prSet presAssocID="{39BE0418-99C9-4A4C-9BB7-65D49A05BB31}" presName="hierChild4" presStyleCnt="0"/>
-      <dgm:spPr/>
-    </dgm:pt>
-    <dgm:pt modelId="{E25E47E2-1367-4759-BBFA-B5278D8161FC}" type="pres">
-      <dgm:prSet presAssocID="{39BE0418-99C9-4A4C-9BB7-65D49A05BB31}" presName="hierChild5" presStyleCnt="0"/>
-      <dgm:spPr/>
-    </dgm:pt>
-    <dgm:pt modelId="{B67C4B9F-07B8-491D-BFF1-185E82B25B50}" type="pres">
-      <dgm:prSet presAssocID="{AD32A085-D46D-4887-85FE-3881670D4ABC}" presName="hierChild5" presStyleCnt="0"/>
-      <dgm:spPr/>
-    </dgm:pt>
     <dgm:pt modelId="{9C6248BC-9AA2-44CB-BA37-19A1DF7EF51B}" type="pres">
       <dgm:prSet presAssocID="{C1995ACD-DEEA-4649-9190-0A2396D6DBA3}" presName="hierChild3" presStyleCnt="0"/>
       <dgm:spPr/>
@@ -2520,19 +2233,14 @@
     <dgm:cxn modelId="{9E00E631-3A37-453D-8036-41BFD158F301}" srcId="{C1995ACD-DEEA-4649-9190-0A2396D6DBA3}" destId="{E7358108-83A8-42F1-84AF-1043344A61B4}" srcOrd="0" destOrd="0" parTransId="{69FD09DB-7D78-47CE-93D1-107E376A870E}" sibTransId="{1EE218E9-8B94-451F-A133-38BAF668B8B5}"/>
     <dgm:cxn modelId="{AA09D090-9317-4095-B6E6-E4A683928290}" type="presOf" srcId="{A20FE1FD-A95C-4766-9690-80DC349AC70F}" destId="{8C04714C-7228-4FE6-AC0C-C1DB88E9F632}" srcOrd="0" destOrd="0" presId="urn:microsoft.com/office/officeart/2005/8/layout/orgChart1"/>
     <dgm:cxn modelId="{26F9324B-44A5-4EE4-A830-EBDAA24A23BC}" type="presOf" srcId="{86D061FF-D2B9-4444-977F-ADD2F8B26F58}" destId="{DBAD3854-BABD-419A-91AD-A1E38A3CF09E}" srcOrd="1" destOrd="0" presId="urn:microsoft.com/office/officeart/2005/8/layout/orgChart1"/>
-    <dgm:cxn modelId="{D693D372-7061-4242-B7FA-0922BF6D50B1}" srcId="{AD32A085-D46D-4887-85FE-3881670D4ABC}" destId="{39BE0418-99C9-4A4C-9BB7-65D49A05BB31}" srcOrd="0" destOrd="0" parTransId="{3F984D36-88C5-4802-A36C-73B6E41E1411}" sibTransId="{AADAA9E2-AA9B-4FCD-ACF3-BAF5F5DC6DE5}"/>
     <dgm:cxn modelId="{2EBA05DF-25C4-4F07-B7E4-CBCE24FBD8CD}" type="presOf" srcId="{68B252EE-9C0A-4188-A43E-0D986D13139E}" destId="{58DF7A56-A026-4332-B778-5724E260D9D9}" srcOrd="0" destOrd="0" presId="urn:microsoft.com/office/officeart/2005/8/layout/orgChart1"/>
-    <dgm:cxn modelId="{2A37767E-672C-464E-931A-BC8365AF4F05}" type="presOf" srcId="{AD32A085-D46D-4887-85FE-3881670D4ABC}" destId="{C609D8FB-3E78-41DF-97D1-426FFD67870A}" srcOrd="1" destOrd="0" presId="urn:microsoft.com/office/officeart/2005/8/layout/orgChart1"/>
     <dgm:cxn modelId="{DB594F0F-D2CE-46D6-8A71-32F88F2A750A}" type="presOf" srcId="{E7358108-83A8-42F1-84AF-1043344A61B4}" destId="{898283FA-7639-445A-95D5-432134CB6ADF}" srcOrd="0" destOrd="0" presId="urn:microsoft.com/office/officeart/2005/8/layout/orgChart1"/>
     <dgm:cxn modelId="{C75B443E-4E99-4FBB-99BA-FA4A0C1A2EDC}" type="presOf" srcId="{A20FE1FD-A95C-4766-9690-80DC349AC70F}" destId="{84A7522A-37FD-4A20-BFE1-3E7225977F7B}" srcOrd="1" destOrd="0" presId="urn:microsoft.com/office/officeart/2005/8/layout/orgChart1"/>
-    <dgm:cxn modelId="{96D6EEE7-8235-4C17-9267-91757A269C8B}" type="presOf" srcId="{39BE0418-99C9-4A4C-9BB7-65D49A05BB31}" destId="{BC019BB1-5CF6-423B-ABA0-427EF99217C0}" srcOrd="1" destOrd="0" presId="urn:microsoft.com/office/officeart/2005/8/layout/orgChart1"/>
     <dgm:cxn modelId="{CF050829-6C9D-4F48-974B-656C1923992E}" type="presOf" srcId="{69FD09DB-7D78-47CE-93D1-107E376A870E}" destId="{0D5A4EFE-1C67-4062-B174-8A1DEA7885B2}" srcOrd="0" destOrd="0" presId="urn:microsoft.com/office/officeart/2005/8/layout/orgChart1"/>
     <dgm:cxn modelId="{1EE855D1-1F30-4D92-A653-886CBE94E42C}" type="presOf" srcId="{5E31DA61-BA7B-4CD0-B08B-CD683A1209DE}" destId="{A6632A3E-C71E-4AE1-A356-3690361E8512}" srcOrd="0" destOrd="0" presId="urn:microsoft.com/office/officeart/2005/8/layout/orgChart1"/>
-    <dgm:cxn modelId="{1E7CF7F4-880F-46A8-A683-3C17F8E77C97}" type="presOf" srcId="{AD32A085-D46D-4887-85FE-3881670D4ABC}" destId="{D6D7FEDC-5C4A-4464-B939-F0267B32F854}" srcOrd="0" destOrd="0" presId="urn:microsoft.com/office/officeart/2005/8/layout/orgChart1"/>
     <dgm:cxn modelId="{4F0B0D3E-984D-49D4-BF42-B0C2A303B629}" type="presOf" srcId="{86D061FF-D2B9-4444-977F-ADD2F8B26F58}" destId="{027E1B34-93FE-4CE3-8A28-D69A90B48A09}" srcOrd="0" destOrd="0" presId="urn:microsoft.com/office/officeart/2005/8/layout/orgChart1"/>
-    <dgm:cxn modelId="{0A001B7D-02A3-44E0-884E-6CD766446281}" srcId="{E7358108-83A8-42F1-84AF-1043344A61B4}" destId="{9D5DD00D-D723-41C3-A564-BE447082CEE3}" srcOrd="1" destOrd="0" parTransId="{7F7DDA6E-F3A1-4195-9D49-DD6A7A673A53}" sibTransId="{CC461DF6-266C-458F-8E69-C9749734EA70}"/>
     <dgm:cxn modelId="{DAD445AE-77E0-447B-A995-A3969FB11BB6}" srcId="{86D061FF-D2B9-4444-977F-ADD2F8B26F58}" destId="{A20FE1FD-A95C-4766-9690-80DC349AC70F}" srcOrd="2" destOrd="0" parTransId="{2888C3D8-9495-4F27-A1DB-649C0F6F0C8E}" sibTransId="{30C40F3C-0B8E-4BAD-A7D3-38CD92A119D6}"/>
-    <dgm:cxn modelId="{8585F034-87B5-4354-A241-97380A009B59}" srcId="{E7358108-83A8-42F1-84AF-1043344A61B4}" destId="{68B252EE-9C0A-4188-A43E-0D986D13139E}" srcOrd="2" destOrd="0" parTransId="{81BF323F-0728-4CEC-A5C6-E78EFAB532FA}" sibTransId="{AD05A098-FF6B-4ED5-BD35-CFD2DCD6F823}"/>
+    <dgm:cxn modelId="{8585F034-87B5-4354-A241-97380A009B59}" srcId="{E7358108-83A8-42F1-84AF-1043344A61B4}" destId="{68B252EE-9C0A-4188-A43E-0D986D13139E}" srcOrd="1" destOrd="0" parTransId="{81BF323F-0728-4CEC-A5C6-E78EFAB532FA}" sibTransId="{AD05A098-FF6B-4ED5-BD35-CFD2DCD6F823}"/>
     <dgm:cxn modelId="{78F39385-89B2-4678-B14C-4566B6C7C105}" type="presOf" srcId="{C1995ACD-DEEA-4649-9190-0A2396D6DBA3}" destId="{51FCB016-BDCC-466A-AEB8-2EA2F7D30621}" srcOrd="1" destOrd="0" presId="urn:microsoft.com/office/officeart/2005/8/layout/orgChart1"/>
     <dgm:cxn modelId="{022B9709-53D1-4388-BD70-35E5A92F83B5}" type="presOf" srcId="{B429E2B1-9AB4-4DAF-A3D8-FAB2AEC20118}" destId="{AD91993C-55B9-441F-87C0-0719108305AF}" srcOrd="0" destOrd="0" presId="urn:microsoft.com/office/officeart/2005/8/layout/orgChart1"/>
     <dgm:cxn modelId="{E083AA21-4155-48B2-8F94-BCB535ECC4E3}" type="presOf" srcId="{0CDD43BF-559F-46B2-A99A-AC0F2E14E16C}" destId="{E780AC31-68D7-4FDE-AB32-EFBB2D377EE9}" srcOrd="0" destOrd="0" presId="urn:microsoft.com/office/officeart/2005/8/layout/orgChart1"/>
@@ -2540,18 +2248,12 @@
     <dgm:cxn modelId="{74B08588-A8AA-40FE-A5B1-93EF0CF50E26}" type="presOf" srcId="{C8AEE87B-F7A2-4CFA-BE00-6B9F721DFE96}" destId="{9CB29694-F3D7-41DB-BEBC-33D5343BA11A}" srcOrd="0" destOrd="0" presId="urn:microsoft.com/office/officeart/2005/8/layout/orgChart1"/>
     <dgm:cxn modelId="{B024FF53-4887-4D94-A72D-4D97CAFD64F6}" type="presOf" srcId="{E7358108-83A8-42F1-84AF-1043344A61B4}" destId="{74E53E5B-7DCA-4C09-A9BF-327363D42547}" srcOrd="1" destOrd="0" presId="urn:microsoft.com/office/officeart/2005/8/layout/orgChart1"/>
     <dgm:cxn modelId="{665D2C66-71F9-4798-AD7B-213B21EF38D4}" type="presOf" srcId="{0CF1DFD8-24BF-4C6B-BD01-BEBB8834C8DE}" destId="{FC2AA275-909E-47D7-A861-5FB840A38676}" srcOrd="0" destOrd="0" presId="urn:microsoft.com/office/officeart/2005/8/layout/orgChart1"/>
-    <dgm:cxn modelId="{AB480F80-CE0A-4F95-916F-C7173772710C}" type="presOf" srcId="{9D5DD00D-D723-41C3-A564-BE447082CEE3}" destId="{DE79C5C0-52BB-4AB4-B9E4-4D482851A011}" srcOrd="0" destOrd="0" presId="urn:microsoft.com/office/officeart/2005/8/layout/orgChart1"/>
-    <dgm:cxn modelId="{FB4A1C85-F1E3-45BF-8CD8-8E9D3AE2F3BA}" type="presOf" srcId="{9D5DD00D-D723-41C3-A564-BE447082CEE3}" destId="{7877DBA2-C865-46EE-839A-1D3781B37466}" srcOrd="1" destOrd="0" presId="urn:microsoft.com/office/officeart/2005/8/layout/orgChart1"/>
-    <dgm:cxn modelId="{9935FD93-C4F2-4D60-8FD8-02DB113D79BC}" type="presOf" srcId="{7F7DDA6E-F3A1-4195-9D49-DD6A7A673A53}" destId="{1CACF2A5-9765-453F-9602-3749D63C20FF}" srcOrd="0" destOrd="0" presId="urn:microsoft.com/office/officeart/2005/8/layout/orgChart1"/>
-    <dgm:cxn modelId="{934DDD9A-24FF-4BF0-940E-843BF0B8C4A9}" type="presOf" srcId="{39BE0418-99C9-4A4C-9BB7-65D49A05BB31}" destId="{A22D8479-F3B5-40E2-B47E-87AA623B4993}" srcOrd="0" destOrd="0" presId="urn:microsoft.com/office/officeart/2005/8/layout/orgChart1"/>
     <dgm:cxn modelId="{6C081070-BFA6-4451-8423-41FAADBD5092}" type="presOf" srcId="{807A8DFA-5BDA-4B03-B801-660127571B99}" destId="{B9F624FB-4B18-4FAE-BC1C-356832304C1D}" srcOrd="0" destOrd="0" presId="urn:microsoft.com/office/officeart/2005/8/layout/orgChart1"/>
     <dgm:cxn modelId="{657B40C3-3E57-4CCB-9E16-E70710592D61}" type="presOf" srcId="{45589563-E41B-44DB-8AFC-34EE8901D150}" destId="{31BD8C53-89B5-4F7C-9478-2F7EA5E507AF}" srcOrd="0" destOrd="0" presId="urn:microsoft.com/office/officeart/2005/8/layout/orgChart1"/>
     <dgm:cxn modelId="{A8940652-5E36-4B09-BDC7-923AD7A2B90A}" type="presOf" srcId="{C1995ACD-DEEA-4649-9190-0A2396D6DBA3}" destId="{0F6EA74C-FEEA-4A60-8965-C249C259639B}" srcOrd="0" destOrd="0" presId="urn:microsoft.com/office/officeart/2005/8/layout/orgChart1"/>
     <dgm:cxn modelId="{50DAC207-194B-4522-8F60-70329D502C4A}" type="presOf" srcId="{DBFF9E4D-F654-4E3E-A2C7-9EEF27EF4259}" destId="{5F48F0E4-2C7E-480D-9A45-E44C79D6BEA5}" srcOrd="0" destOrd="0" presId="urn:microsoft.com/office/officeart/2005/8/layout/orgChart1"/>
-    <dgm:cxn modelId="{B0D333DA-4366-40E3-9447-D37D14EAA057}" type="presOf" srcId="{10800D79-C7F5-402B-9C15-F3A760B05058}" destId="{BDE2651E-B7D5-4C3D-AD07-DA19A512C3EE}" srcOrd="0" destOrd="0" presId="urn:microsoft.com/office/officeart/2005/8/layout/orgChart1"/>
     <dgm:cxn modelId="{D680EA26-5B15-420D-9FA0-DD0C5A469941}" srcId="{29EEBFE2-BEA6-4F35-8D1E-FF7000BD40D5}" destId="{C1995ACD-DEEA-4649-9190-0A2396D6DBA3}" srcOrd="0" destOrd="0" parTransId="{A5ED610D-3F11-454D-B28B-8E429C182DBB}" sibTransId="{CF4FC96D-3D22-44F0-A56F-5F48565B1343}"/>
     <dgm:cxn modelId="{A474708C-9EBF-4ECD-BF09-326E10A1A9BC}" type="presOf" srcId="{B3FBE738-30A6-4B4A-9DB3-9AB2CC3B1641}" destId="{34F89FF5-4CE7-4557-94ED-372F163EBFBB}" srcOrd="0" destOrd="0" presId="urn:microsoft.com/office/officeart/2005/8/layout/orgChart1"/>
-    <dgm:cxn modelId="{80C4524F-4DF7-4799-946F-CCB503F3B731}" type="presOf" srcId="{3F984D36-88C5-4802-A36C-73B6E41E1411}" destId="{6A9A8A16-8F93-420D-8D9F-15BFBFA09642}" srcOrd="0" destOrd="0" presId="urn:microsoft.com/office/officeart/2005/8/layout/orgChart1"/>
     <dgm:cxn modelId="{3AE07709-9EB4-4A95-9929-16AE08DFE16B}" type="presOf" srcId="{45589563-E41B-44DB-8AFC-34EE8901D150}" destId="{8CE4FFBF-227E-49C4-97D7-83977CD95846}" srcOrd="1" destOrd="0" presId="urn:microsoft.com/office/officeart/2005/8/layout/orgChart1"/>
     <dgm:cxn modelId="{E4D8F05D-28B4-48A9-9BB5-6EE26DA1C4A4}" type="presOf" srcId="{CB39D681-7061-437F-A140-79E3079A753F}" destId="{E79A5832-DD8A-4441-B652-BD9EC8B7EED1}" srcOrd="0" destOrd="0" presId="urn:microsoft.com/office/officeart/2005/8/layout/orgChart1"/>
     <dgm:cxn modelId="{6AE5289E-380D-477A-8B3F-2DA1D4B51CB3}" srcId="{C1995ACD-DEEA-4649-9190-0A2396D6DBA3}" destId="{BB9FF21B-E75B-43A4-B03F-6C82A45E4511}" srcOrd="1" destOrd="0" parTransId="{B3FBE738-30A6-4B4A-9DB3-9AB2CC3B1641}" sibTransId="{02222961-B9DB-42C2-91C4-66DA7EA2366A}"/>
@@ -2568,7 +2270,6 @@
     <dgm:cxn modelId="{468F5004-FAEB-4B83-ACBE-87CC0951A8B8}" type="presOf" srcId="{807A8DFA-5BDA-4B03-B801-660127571B99}" destId="{079241A2-20E2-4232-9D06-88AA9F82E25C}" srcOrd="1" destOrd="0" presId="urn:microsoft.com/office/officeart/2005/8/layout/orgChart1"/>
     <dgm:cxn modelId="{A22D7F34-B439-4CBC-B05B-B7928B3E9518}" type="presOf" srcId="{BB9FF21B-E75B-43A4-B03F-6C82A45E4511}" destId="{EA605843-84EA-4778-BB50-59415505C303}" srcOrd="0" destOrd="0" presId="urn:microsoft.com/office/officeart/2005/8/layout/orgChart1"/>
     <dgm:cxn modelId="{86B0FB32-42C9-4162-91B1-FFC1DE8460AC}" type="presOf" srcId="{29EEBFE2-BEA6-4F35-8D1E-FF7000BD40D5}" destId="{764024E2-07FC-4A92-AB92-49DAE6C1E5A9}" srcOrd="0" destOrd="0" presId="urn:microsoft.com/office/officeart/2005/8/layout/orgChart1"/>
-    <dgm:cxn modelId="{9F8086E4-200A-41A0-985F-6819AAD7FF3C}" srcId="{C1995ACD-DEEA-4649-9190-0A2396D6DBA3}" destId="{AD32A085-D46D-4887-85FE-3881670D4ABC}" srcOrd="3" destOrd="0" parTransId="{10800D79-C7F5-402B-9C15-F3A760B05058}" sibTransId="{B3F636BC-F4CF-43A1-A69B-8541CA9DB61A}"/>
     <dgm:cxn modelId="{20309684-A762-44F5-84F3-A30330CCFCA8}" type="presOf" srcId="{0CF1DFD8-24BF-4C6B-BD01-BEBB8834C8DE}" destId="{D1B06913-B69F-4394-9B6A-75C451167FE8}" srcOrd="1" destOrd="0" presId="urn:microsoft.com/office/officeart/2005/8/layout/orgChart1"/>
     <dgm:cxn modelId="{EE872192-4017-4F2D-B4EC-3F779FABC6B7}" type="presOf" srcId="{68B252EE-9C0A-4188-A43E-0D986D13139E}" destId="{53D166CE-3030-491E-8941-378611132950}" srcOrd="1" destOrd="0" presId="urn:microsoft.com/office/officeart/2005/8/layout/orgChart1"/>
     <dgm:cxn modelId="{828B6D54-699D-4E46-AD40-07C1A62B13D9}" srcId="{C1995ACD-DEEA-4649-9190-0A2396D6DBA3}" destId="{86D061FF-D2B9-4444-977F-ADD2F8B26F58}" srcOrd="2" destOrd="0" parTransId="{BA5BADE7-FE02-4E58-AED6-CA6877DD8C92}" sibTransId="{CFC98E5F-E976-47DE-BF3C-8D713A362CC8}"/>
@@ -2591,15 +2292,8 @@
     <dgm:cxn modelId="{33AB3DA9-1DAC-4DEA-B665-219F887E230F}" type="presParOf" srcId="{FA1C4779-539B-4C41-B022-5229450B46D4}" destId="{23546AB9-AA88-44E8-A74F-6A7DB71CEDFA}" srcOrd="1" destOrd="0" presId="urn:microsoft.com/office/officeart/2005/8/layout/orgChart1"/>
     <dgm:cxn modelId="{A4000F11-5170-4209-A5E1-590747DA95C1}" type="presParOf" srcId="{52A0685B-8E88-4949-BB15-552FEC72B4E8}" destId="{939C9035-E800-4426-8773-B485420F1BE1}" srcOrd="1" destOrd="0" presId="urn:microsoft.com/office/officeart/2005/8/layout/orgChart1"/>
     <dgm:cxn modelId="{48985431-0B92-48D8-B99D-57B4DD16E09F}" type="presParOf" srcId="{52A0685B-8E88-4949-BB15-552FEC72B4E8}" destId="{CC86D693-DB73-434D-8338-BEB83A333D47}" srcOrd="2" destOrd="0" presId="urn:microsoft.com/office/officeart/2005/8/layout/orgChart1"/>
-    <dgm:cxn modelId="{64BB5AE8-5265-4BBB-AAC7-44B0958AA90C}" type="presParOf" srcId="{F19D0611-B84B-4FD7-BF2E-2DADD5D827ED}" destId="{1CACF2A5-9765-453F-9602-3749D63C20FF}" srcOrd="2" destOrd="0" presId="urn:microsoft.com/office/officeart/2005/8/layout/orgChart1"/>
-    <dgm:cxn modelId="{80B92C9C-3490-4963-8ED2-B8AC45EE1837}" type="presParOf" srcId="{F19D0611-B84B-4FD7-BF2E-2DADD5D827ED}" destId="{797FA106-A9EF-4FA9-96A9-65973C18778A}" srcOrd="3" destOrd="0" presId="urn:microsoft.com/office/officeart/2005/8/layout/orgChart1"/>
-    <dgm:cxn modelId="{A3AD60D3-515A-4897-8452-6D85941692E0}" type="presParOf" srcId="{797FA106-A9EF-4FA9-96A9-65973C18778A}" destId="{FA034065-8D30-499C-83FC-9CDCFFC43DCF}" srcOrd="0" destOrd="0" presId="urn:microsoft.com/office/officeart/2005/8/layout/orgChart1"/>
-    <dgm:cxn modelId="{6599FBC5-F4CB-49A7-BD4A-23B77A43F49B}" type="presParOf" srcId="{FA034065-8D30-499C-83FC-9CDCFFC43DCF}" destId="{DE79C5C0-52BB-4AB4-B9E4-4D482851A011}" srcOrd="0" destOrd="0" presId="urn:microsoft.com/office/officeart/2005/8/layout/orgChart1"/>
-    <dgm:cxn modelId="{12382437-6035-4B43-9E13-92A4C49A1F82}" type="presParOf" srcId="{FA034065-8D30-499C-83FC-9CDCFFC43DCF}" destId="{7877DBA2-C865-46EE-839A-1D3781B37466}" srcOrd="1" destOrd="0" presId="urn:microsoft.com/office/officeart/2005/8/layout/orgChart1"/>
-    <dgm:cxn modelId="{D2BBDFAA-A2DE-4E3F-B96A-6E5211F4A616}" type="presParOf" srcId="{797FA106-A9EF-4FA9-96A9-65973C18778A}" destId="{410DDF1F-9624-4ABA-AC0C-AF54B5CB8C95}" srcOrd="1" destOrd="0" presId="urn:microsoft.com/office/officeart/2005/8/layout/orgChart1"/>
-    <dgm:cxn modelId="{8A62002F-423E-443E-BE00-BC41A54AA60B}" type="presParOf" srcId="{797FA106-A9EF-4FA9-96A9-65973C18778A}" destId="{C6C18AC1-59E4-468D-AC2C-5ADE5FFED214}" srcOrd="2" destOrd="0" presId="urn:microsoft.com/office/officeart/2005/8/layout/orgChart1"/>
-    <dgm:cxn modelId="{9C6A748D-1723-440A-8A37-F9D03FECA472}" type="presParOf" srcId="{F19D0611-B84B-4FD7-BF2E-2DADD5D827ED}" destId="{FA5B38AC-797B-4312-B45A-B09C5187349A}" srcOrd="4" destOrd="0" presId="urn:microsoft.com/office/officeart/2005/8/layout/orgChart1"/>
-    <dgm:cxn modelId="{4EEC899A-8FE2-48B3-A4F6-09D4122CE3EE}" type="presParOf" srcId="{F19D0611-B84B-4FD7-BF2E-2DADD5D827ED}" destId="{69F22005-0E27-4DB7-9C51-EBE00F36D749}" srcOrd="5" destOrd="0" presId="urn:microsoft.com/office/officeart/2005/8/layout/orgChart1"/>
+    <dgm:cxn modelId="{9C6A748D-1723-440A-8A37-F9D03FECA472}" type="presParOf" srcId="{F19D0611-B84B-4FD7-BF2E-2DADD5D827ED}" destId="{FA5B38AC-797B-4312-B45A-B09C5187349A}" srcOrd="2" destOrd="0" presId="urn:microsoft.com/office/officeart/2005/8/layout/orgChart1"/>
+    <dgm:cxn modelId="{4EEC899A-8FE2-48B3-A4F6-09D4122CE3EE}" type="presParOf" srcId="{F19D0611-B84B-4FD7-BF2E-2DADD5D827ED}" destId="{69F22005-0E27-4DB7-9C51-EBE00F36D749}" srcOrd="3" destOrd="0" presId="urn:microsoft.com/office/officeart/2005/8/layout/orgChart1"/>
     <dgm:cxn modelId="{460F8FBF-0F25-485F-899F-B45DAD85E650}" type="presParOf" srcId="{69F22005-0E27-4DB7-9C51-EBE00F36D749}" destId="{7B1F7396-A118-4E56-8DC3-FE16D6311B8E}" srcOrd="0" destOrd="0" presId="urn:microsoft.com/office/officeart/2005/8/layout/orgChart1"/>
     <dgm:cxn modelId="{61D60FF0-1464-466C-A39A-EE8E24E3D7D6}" type="presParOf" srcId="{7B1F7396-A118-4E56-8DC3-FE16D6311B8E}" destId="{58DF7A56-A026-4332-B778-5724E260D9D9}" srcOrd="0" destOrd="0" presId="urn:microsoft.com/office/officeart/2005/8/layout/orgChart1"/>
     <dgm:cxn modelId="{F567DE97-4B7C-4A6F-82E0-B748B607E8D4}" type="presParOf" srcId="{7B1F7396-A118-4E56-8DC3-FE16D6311B8E}" destId="{53D166CE-3030-491E-8941-378611132950}" srcOrd="1" destOrd="0" presId="urn:microsoft.com/office/officeart/2005/8/layout/orgChart1"/>
@@ -2655,20 +2349,6 @@
     <dgm:cxn modelId="{43E9EB31-7695-4F78-8995-0C1861ACF01A}" type="presParOf" srcId="{31743E06-6A4C-4F53-9E86-086D31640484}" destId="{08FA467A-6995-4503-B201-F0B90825C9B6}" srcOrd="1" destOrd="0" presId="urn:microsoft.com/office/officeart/2005/8/layout/orgChart1"/>
     <dgm:cxn modelId="{6CFB45B0-D0A7-4F42-88EE-91F790B528CB}" type="presParOf" srcId="{31743E06-6A4C-4F53-9E86-086D31640484}" destId="{1449782C-0015-40DF-98A9-6C83A648E19C}" srcOrd="2" destOrd="0" presId="urn:microsoft.com/office/officeart/2005/8/layout/orgChart1"/>
     <dgm:cxn modelId="{0B4F3B68-5E13-4A0E-86CC-EB6B298B3266}" type="presParOf" srcId="{21B06569-2508-486F-9FBB-07F2AAC6E739}" destId="{976519EB-C9EC-457C-833C-4D30FFCA6E50}" srcOrd="2" destOrd="0" presId="urn:microsoft.com/office/officeart/2005/8/layout/orgChart1"/>
-    <dgm:cxn modelId="{EA468DD1-8A47-46EB-B47B-F50044250145}" type="presParOf" srcId="{70833F56-676C-4F4A-840C-BD3E2F8215EB}" destId="{BDE2651E-B7D5-4C3D-AD07-DA19A512C3EE}" srcOrd="6" destOrd="0" presId="urn:microsoft.com/office/officeart/2005/8/layout/orgChart1"/>
-    <dgm:cxn modelId="{225FC20C-B22F-4EE9-8B30-F0AD4E333ABA}" type="presParOf" srcId="{70833F56-676C-4F4A-840C-BD3E2F8215EB}" destId="{68C645D7-DD34-4CEC-B0F6-54DC101682E9}" srcOrd="7" destOrd="0" presId="urn:microsoft.com/office/officeart/2005/8/layout/orgChart1"/>
-    <dgm:cxn modelId="{6A88903F-B5D9-4C94-9D66-9CB675C0552E}" type="presParOf" srcId="{68C645D7-DD34-4CEC-B0F6-54DC101682E9}" destId="{034FFC1D-C8F1-4399-9919-77C16AE52BAA}" srcOrd="0" destOrd="0" presId="urn:microsoft.com/office/officeart/2005/8/layout/orgChart1"/>
-    <dgm:cxn modelId="{D6C04F45-908F-4DC6-AA66-3ED39E4B65EC}" type="presParOf" srcId="{034FFC1D-C8F1-4399-9919-77C16AE52BAA}" destId="{D6D7FEDC-5C4A-4464-B939-F0267B32F854}" srcOrd="0" destOrd="0" presId="urn:microsoft.com/office/officeart/2005/8/layout/orgChart1"/>
-    <dgm:cxn modelId="{37C3AF5D-7615-4973-8EDD-737C369413B8}" type="presParOf" srcId="{034FFC1D-C8F1-4399-9919-77C16AE52BAA}" destId="{C609D8FB-3E78-41DF-97D1-426FFD67870A}" srcOrd="1" destOrd="0" presId="urn:microsoft.com/office/officeart/2005/8/layout/orgChart1"/>
-    <dgm:cxn modelId="{3FA40A69-C488-4139-A0BC-3E66EC1C464C}" type="presParOf" srcId="{68C645D7-DD34-4CEC-B0F6-54DC101682E9}" destId="{F0332430-2094-44BA-B3EC-33A2BD908B64}" srcOrd="1" destOrd="0" presId="urn:microsoft.com/office/officeart/2005/8/layout/orgChart1"/>
-    <dgm:cxn modelId="{E212A2B3-7864-4CFC-8C27-A90366607AC3}" type="presParOf" srcId="{F0332430-2094-44BA-B3EC-33A2BD908B64}" destId="{6A9A8A16-8F93-420D-8D9F-15BFBFA09642}" srcOrd="0" destOrd="0" presId="urn:microsoft.com/office/officeart/2005/8/layout/orgChart1"/>
-    <dgm:cxn modelId="{CFC3300A-9FEA-485E-A61A-9C7D0F4453D5}" type="presParOf" srcId="{F0332430-2094-44BA-B3EC-33A2BD908B64}" destId="{6D6CECBC-E1EB-4041-B439-B36FA5E3387D}" srcOrd="1" destOrd="0" presId="urn:microsoft.com/office/officeart/2005/8/layout/orgChart1"/>
-    <dgm:cxn modelId="{11D66CF9-FBC7-4E6A-BD43-161DEE1280A5}" type="presParOf" srcId="{6D6CECBC-E1EB-4041-B439-B36FA5E3387D}" destId="{4B595797-582A-4837-876C-CD3AFC63341C}" srcOrd="0" destOrd="0" presId="urn:microsoft.com/office/officeart/2005/8/layout/orgChart1"/>
-    <dgm:cxn modelId="{8501544C-1896-4965-B96B-34A491A928E9}" type="presParOf" srcId="{4B595797-582A-4837-876C-CD3AFC63341C}" destId="{A22D8479-F3B5-40E2-B47E-87AA623B4993}" srcOrd="0" destOrd="0" presId="urn:microsoft.com/office/officeart/2005/8/layout/orgChart1"/>
-    <dgm:cxn modelId="{A883BE1F-21A5-4095-BC13-A10BE26F1597}" type="presParOf" srcId="{4B595797-582A-4837-876C-CD3AFC63341C}" destId="{BC019BB1-5CF6-423B-ABA0-427EF99217C0}" srcOrd="1" destOrd="0" presId="urn:microsoft.com/office/officeart/2005/8/layout/orgChart1"/>
-    <dgm:cxn modelId="{DA5B8FF2-5CAB-45FA-9442-4F664B81A36B}" type="presParOf" srcId="{6D6CECBC-E1EB-4041-B439-B36FA5E3387D}" destId="{9DB1C866-67F8-4DB2-99E4-62C28D8B5F6A}" srcOrd="1" destOrd="0" presId="urn:microsoft.com/office/officeart/2005/8/layout/orgChart1"/>
-    <dgm:cxn modelId="{E5DCEE98-BE1D-4232-A1B5-81C8A99613B7}" type="presParOf" srcId="{6D6CECBC-E1EB-4041-B439-B36FA5E3387D}" destId="{E25E47E2-1367-4759-BBFA-B5278D8161FC}" srcOrd="2" destOrd="0" presId="urn:microsoft.com/office/officeart/2005/8/layout/orgChart1"/>
-    <dgm:cxn modelId="{14C9FC57-D804-4044-B940-9F20A85B5456}" type="presParOf" srcId="{68C645D7-DD34-4CEC-B0F6-54DC101682E9}" destId="{B67C4B9F-07B8-491D-BFF1-185E82B25B50}" srcOrd="2" destOrd="0" presId="urn:microsoft.com/office/officeart/2005/8/layout/orgChart1"/>
     <dgm:cxn modelId="{7ED1D957-4B06-4CF3-8FB2-722F112F77D7}" type="presParOf" srcId="{341D0529-C993-485F-BFBA-73789AD13323}" destId="{9C6248BC-9AA2-44CB-BA37-19A1DF7EF51B}" srcOrd="2" destOrd="0" presId="urn:microsoft.com/office/officeart/2005/8/layout/orgChart1"/>
   </dgm:cxnLst>
   <dgm:bg/>
@@ -2689,127 +2369,6 @@
       <dsp:cNvGrpSpPr/>
     </dsp:nvGrpSpPr>
     <dsp:grpSpPr/>
-    <dsp:sp modelId="{6A9A8A16-8F93-420D-8D9F-15BFBFA09642}">
-      <dsp:nvSpPr>
-        <dsp:cNvPr id="0" name=""/>
-        <dsp:cNvSpPr/>
-      </dsp:nvSpPr>
-      <dsp:spPr>
-        <a:xfrm>
-          <a:off x="6895970" y="1779800"/>
-          <a:ext cx="220592" cy="676483"/>
-        </a:xfrm>
-        <a:custGeom>
-          <a:avLst/>
-          <a:gdLst/>
-          <a:ahLst/>
-          <a:cxnLst/>
-          <a:rect l="0" t="0" r="0" b="0"/>
-          <a:pathLst>
-            <a:path>
-              <a:moveTo>
-                <a:pt x="0" y="0"/>
-              </a:moveTo>
-              <a:lnTo>
-                <a:pt x="0" y="676483"/>
-              </a:lnTo>
-              <a:lnTo>
-                <a:pt x="220592" y="676483"/>
-              </a:lnTo>
-            </a:path>
-          </a:pathLst>
-        </a:custGeom>
-        <a:noFill/>
-        <a:ln w="12700" cap="flat" cmpd="sng" algn="ctr">
-          <a:solidFill>
-            <a:schemeClr val="accent5">
-              <a:tint val="80000"/>
-              <a:hueOff val="0"/>
-              <a:satOff val="0"/>
-              <a:lumOff val="0"/>
-              <a:alphaOff val="0"/>
-            </a:schemeClr>
-          </a:solidFill>
-          <a:prstDash val="solid"/>
-          <a:miter lim="800000"/>
-        </a:ln>
-        <a:effectLst/>
-      </dsp:spPr>
-      <dsp:style>
-        <a:lnRef idx="2">
-          <a:scrgbClr r="0" g="0" b="0"/>
-        </a:lnRef>
-        <a:fillRef idx="0">
-          <a:scrgbClr r="0" g="0" b="0"/>
-        </a:fillRef>
-        <a:effectRef idx="0">
-          <a:scrgbClr r="0" g="0" b="0"/>
-        </a:effectRef>
-        <a:fontRef idx="minor"/>
-      </dsp:style>
-    </dsp:sp>
-    <dsp:sp modelId="{BDE2651E-B7D5-4C3D-AD07-DA19A512C3EE}">
-      <dsp:nvSpPr>
-        <dsp:cNvPr id="0" name=""/>
-        <dsp:cNvSpPr/>
-      </dsp:nvSpPr>
-      <dsp:spPr>
-        <a:xfrm>
-          <a:off x="4815048" y="735662"/>
-          <a:ext cx="2669168" cy="308829"/>
-        </a:xfrm>
-        <a:custGeom>
-          <a:avLst/>
-          <a:gdLst/>
-          <a:ahLst/>
-          <a:cxnLst/>
-          <a:rect l="0" t="0" r="0" b="0"/>
-          <a:pathLst>
-            <a:path>
-              <a:moveTo>
-                <a:pt x="0" y="0"/>
-              </a:moveTo>
-              <a:lnTo>
-                <a:pt x="0" y="154414"/>
-              </a:lnTo>
-              <a:lnTo>
-                <a:pt x="2669168" y="154414"/>
-              </a:lnTo>
-              <a:lnTo>
-                <a:pt x="2669168" y="308829"/>
-              </a:lnTo>
-            </a:path>
-          </a:pathLst>
-        </a:custGeom>
-        <a:noFill/>
-        <a:ln w="12700" cap="flat" cmpd="sng" algn="ctr">
-          <a:solidFill>
-            <a:schemeClr val="accent5">
-              <a:tint val="99000"/>
-              <a:hueOff val="0"/>
-              <a:satOff val="0"/>
-              <a:lumOff val="0"/>
-              <a:alphaOff val="0"/>
-            </a:schemeClr>
-          </a:solidFill>
-          <a:prstDash val="solid"/>
-          <a:miter lim="800000"/>
-        </a:ln>
-        <a:effectLst/>
-      </dsp:spPr>
-      <dsp:style>
-        <a:lnRef idx="2">
-          <a:scrgbClr r="0" g="0" b="0"/>
-        </a:lnRef>
-        <a:fillRef idx="0">
-          <a:scrgbClr r="0" g="0" b="0"/>
-        </a:fillRef>
-        <a:effectRef idx="0">
-          <a:scrgbClr r="0" g="0" b="0"/>
-        </a:effectRef>
-        <a:fontRef idx="minor"/>
-      </dsp:style>
-    </dsp:sp>
     <dsp:sp modelId="{FD340AE9-3099-4F19-AE25-6AA406E4942B}">
       <dsp:nvSpPr>
         <dsp:cNvPr id="0" name=""/>
@@ -2817,7 +2376,7 @@
       </dsp:nvSpPr>
       <dsp:spPr>
         <a:xfrm>
-          <a:off x="5116524" y="1779800"/>
+          <a:off x="6006247" y="1779800"/>
           <a:ext cx="220592" cy="2764758"/>
         </a:xfrm>
         <a:custGeom>
@@ -2876,7 +2435,7 @@
       </dsp:nvSpPr>
       <dsp:spPr>
         <a:xfrm>
-          <a:off x="5116524" y="1779800"/>
+          <a:off x="6006247" y="1779800"/>
           <a:ext cx="220592" cy="1720621"/>
         </a:xfrm>
         <a:custGeom>
@@ -2935,7 +2494,7 @@
       </dsp:nvSpPr>
       <dsp:spPr>
         <a:xfrm>
-          <a:off x="5116524" y="1779800"/>
+          <a:off x="6006247" y="1779800"/>
           <a:ext cx="220592" cy="676483"/>
         </a:xfrm>
         <a:custGeom>
@@ -2995,7 +2554,7 @@
       <dsp:spPr>
         <a:xfrm>
           <a:off x="4815048" y="735662"/>
-          <a:ext cx="889722" cy="308829"/>
+          <a:ext cx="1779445" cy="308829"/>
         </a:xfrm>
         <a:custGeom>
           <a:avLst/>
@@ -3012,10 +2571,10 @@
                 <a:pt x="0" y="154414"/>
               </a:lnTo>
               <a:lnTo>
-                <a:pt x="889722" y="154414"/>
+                <a:pt x="1779445" y="154414"/>
               </a:lnTo>
               <a:lnTo>
-                <a:pt x="889722" y="308829"/>
+                <a:pt x="1779445" y="308829"/>
               </a:lnTo>
             </a:path>
           </a:pathLst>
@@ -3056,7 +2615,7 @@
       </dsp:nvSpPr>
       <dsp:spPr>
         <a:xfrm>
-          <a:off x="3337078" y="1779800"/>
+          <a:off x="4226801" y="1779800"/>
           <a:ext cx="220592" cy="1720621"/>
         </a:xfrm>
         <a:custGeom>
@@ -3115,7 +2674,7 @@
       </dsp:nvSpPr>
       <dsp:spPr>
         <a:xfrm>
-          <a:off x="3337078" y="1779800"/>
+          <a:off x="4226801" y="1779800"/>
           <a:ext cx="220592" cy="676483"/>
         </a:xfrm>
         <a:custGeom>
@@ -3174,8 +2733,8 @@
       </dsp:nvSpPr>
       <dsp:spPr>
         <a:xfrm>
-          <a:off x="3925325" y="735662"/>
-          <a:ext cx="889722" cy="308829"/>
+          <a:off x="4769328" y="735662"/>
+          <a:ext cx="91440" cy="308829"/>
         </a:xfrm>
         <a:custGeom>
           <a:avLst/>
@@ -3186,16 +2745,10 @@
           <a:pathLst>
             <a:path>
               <a:moveTo>
-                <a:pt x="889722" y="0"/>
+                <a:pt x="45720" y="0"/>
               </a:moveTo>
               <a:lnTo>
-                <a:pt x="889722" y="154414"/>
-              </a:lnTo>
-              <a:lnTo>
-                <a:pt x="0" y="154414"/>
-              </a:lnTo>
-              <a:lnTo>
-                <a:pt x="0" y="308829"/>
+                <a:pt x="45720" y="308829"/>
               </a:lnTo>
             </a:path>
           </a:pathLst>
@@ -3236,66 +2789,7 @@
       </dsp:nvSpPr>
       <dsp:spPr>
         <a:xfrm>
-          <a:off x="1557633" y="1779800"/>
-          <a:ext cx="220592" cy="2764758"/>
-        </a:xfrm>
-        <a:custGeom>
-          <a:avLst/>
-          <a:gdLst/>
-          <a:ahLst/>
-          <a:cxnLst/>
-          <a:rect l="0" t="0" r="0" b="0"/>
-          <a:pathLst>
-            <a:path>
-              <a:moveTo>
-                <a:pt x="0" y="0"/>
-              </a:moveTo>
-              <a:lnTo>
-                <a:pt x="0" y="2764758"/>
-              </a:lnTo>
-              <a:lnTo>
-                <a:pt x="220592" y="2764758"/>
-              </a:lnTo>
-            </a:path>
-          </a:pathLst>
-        </a:custGeom>
-        <a:noFill/>
-        <a:ln w="12700" cap="flat" cmpd="sng" algn="ctr">
-          <a:solidFill>
-            <a:schemeClr val="accent5">
-              <a:tint val="80000"/>
-              <a:hueOff val="0"/>
-              <a:satOff val="0"/>
-              <a:lumOff val="0"/>
-              <a:alphaOff val="0"/>
-            </a:schemeClr>
-          </a:solidFill>
-          <a:prstDash val="solid"/>
-          <a:miter lim="800000"/>
-        </a:ln>
-        <a:effectLst/>
-      </dsp:spPr>
-      <dsp:style>
-        <a:lnRef idx="2">
-          <a:scrgbClr r="0" g="0" b="0"/>
-        </a:lnRef>
-        <a:fillRef idx="0">
-          <a:scrgbClr r="0" g="0" b="0"/>
-        </a:fillRef>
-        <a:effectRef idx="0">
-          <a:scrgbClr r="0" g="0" b="0"/>
-        </a:effectRef>
-        <a:fontRef idx="minor"/>
-      </dsp:style>
-    </dsp:sp>
-    <dsp:sp modelId="{1CACF2A5-9765-453F-9602-3749D63C20FF}">
-      <dsp:nvSpPr>
-        <dsp:cNvPr id="0" name=""/>
-        <dsp:cNvSpPr/>
-      </dsp:nvSpPr>
-      <dsp:spPr>
-        <a:xfrm>
-          <a:off x="1557633" y="1779800"/>
+          <a:off x="2447355" y="1779800"/>
           <a:ext cx="220592" cy="1720621"/>
         </a:xfrm>
         <a:custGeom>
@@ -3354,7 +2848,7 @@
       </dsp:nvSpPr>
       <dsp:spPr>
         <a:xfrm>
-          <a:off x="1557633" y="1779800"/>
+          <a:off x="2447355" y="1779800"/>
           <a:ext cx="220592" cy="676483"/>
         </a:xfrm>
         <a:custGeom>
@@ -3413,8 +2907,8 @@
       </dsp:nvSpPr>
       <dsp:spPr>
         <a:xfrm>
-          <a:off x="2145879" y="735662"/>
-          <a:ext cx="2669168" cy="308829"/>
+          <a:off x="3035602" y="735662"/>
+          <a:ext cx="1779445" cy="308829"/>
         </a:xfrm>
         <a:custGeom>
           <a:avLst/>
@@ -3425,10 +2919,10 @@
           <a:pathLst>
             <a:path>
               <a:moveTo>
-                <a:pt x="2669168" y="0"/>
+                <a:pt x="1779445" y="0"/>
               </a:moveTo>
               <a:lnTo>
-                <a:pt x="2669168" y="154414"/>
+                <a:pt x="1779445" y="154414"/>
               </a:lnTo>
               <a:lnTo>
                 <a:pt x="0" y="154414"/>
@@ -3560,7 +3054,7 @@
       </dsp:nvSpPr>
       <dsp:spPr>
         <a:xfrm>
-          <a:off x="1410571" y="1044492"/>
+          <a:off x="2300294" y="1044492"/>
           <a:ext cx="1470616" cy="735308"/>
         </a:xfrm>
         <a:prstGeom prst="rect">
@@ -3634,7 +3128,7 @@
         </a:p>
       </dsp:txBody>
       <dsp:txXfrm>
-        <a:off x="1410571" y="1044492"/>
+        <a:off x="2300294" y="1044492"/>
         <a:ext cx="1470616" cy="735308"/>
       </dsp:txXfrm>
     </dsp:sp>
@@ -3645,7 +3139,7 @@
       </dsp:nvSpPr>
       <dsp:spPr>
         <a:xfrm>
-          <a:off x="1778225" y="2088629"/>
+          <a:off x="2667948" y="2088629"/>
           <a:ext cx="1470616" cy="735308"/>
         </a:xfrm>
         <a:prstGeom prst="rect">
@@ -3726,99 +3220,7 @@
         </a:p>
       </dsp:txBody>
       <dsp:txXfrm>
-        <a:off x="1778225" y="2088629"/>
-        <a:ext cx="1470616" cy="735308"/>
-      </dsp:txXfrm>
-    </dsp:sp>
-    <dsp:sp modelId="{DE79C5C0-52BB-4AB4-B9E4-4D482851A011}">
-      <dsp:nvSpPr>
-        <dsp:cNvPr id="0" name=""/>
-        <dsp:cNvSpPr/>
-      </dsp:nvSpPr>
-      <dsp:spPr>
-        <a:xfrm>
-          <a:off x="1778225" y="3132767"/>
-          <a:ext cx="1470616" cy="735308"/>
-        </a:xfrm>
-        <a:prstGeom prst="rect">
-          <a:avLst/>
-        </a:prstGeom>
-        <a:solidFill>
-          <a:schemeClr val="accent5">
-            <a:tint val="80000"/>
-            <a:hueOff val="0"/>
-            <a:satOff val="0"/>
-            <a:lumOff val="0"/>
-            <a:alphaOff val="0"/>
-          </a:schemeClr>
-        </a:solidFill>
-        <a:ln w="12700" cap="flat" cmpd="sng" algn="ctr">
-          <a:solidFill>
-            <a:schemeClr val="lt1">
-              <a:hueOff val="0"/>
-              <a:satOff val="0"/>
-              <a:lumOff val="0"/>
-              <a:alphaOff val="0"/>
-            </a:schemeClr>
-          </a:solidFill>
-          <a:prstDash val="solid"/>
-          <a:miter lim="800000"/>
-        </a:ln>
-        <a:effectLst/>
-      </dsp:spPr>
-      <dsp:style>
-        <a:lnRef idx="2">
-          <a:scrgbClr r="0" g="0" b="0"/>
-        </a:lnRef>
-        <a:fillRef idx="1">
-          <a:scrgbClr r="0" g="0" b="0"/>
-        </a:fillRef>
-        <a:effectRef idx="0">
-          <a:scrgbClr r="0" g="0" b="0"/>
-        </a:effectRef>
-        <a:fontRef idx="minor">
-          <a:schemeClr val="lt1"/>
-        </a:fontRef>
-      </dsp:style>
-      <dsp:txBody>
-        <a:bodyPr spcFirstLastPara="0" vert="horz" wrap="square" lIns="10795" tIns="10795" rIns="10795" bIns="10795" numCol="1" spcCol="1270" anchor="ctr" anchorCtr="0">
-          <a:noAutofit/>
-        </a:bodyPr>
-        <a:lstStyle/>
-        <a:p>
-          <a:pPr lvl="0" algn="ctr" defTabSz="755650">
-            <a:lnSpc>
-              <a:spcPct val="90000"/>
-            </a:lnSpc>
-            <a:spcBef>
-              <a:spcPct val="0"/>
-            </a:spcBef>
-            <a:spcAft>
-              <a:spcPct val="35000"/>
-            </a:spcAft>
-          </a:pPr>
-          <a:r>
-            <a:rPr lang="zh-TW" altLang="en-US" sz="1700" kern="1200" dirty="0" smtClean="0">
-              <a:latin typeface="Times New Roman" panose="02020603050405020304" pitchFamily="18" charset="0"/>
-              <a:cs typeface="Times New Roman" panose="02020603050405020304" pitchFamily="18" charset="0"/>
-            </a:rPr>
-            <a:t>撰寫</a:t>
-          </a:r>
-          <a:r>
-            <a:rPr lang="en-US" altLang="zh-TW" sz="1700" kern="1200" dirty="0" smtClean="0">
-              <a:latin typeface="Times New Roman" panose="02020603050405020304" pitchFamily="18" charset="0"/>
-              <a:cs typeface="Times New Roman" panose="02020603050405020304" pitchFamily="18" charset="0"/>
-            </a:rPr>
-            <a:t>Code</a:t>
-          </a:r>
-          <a:endParaRPr lang="zh-TW" altLang="en-US" sz="1700" kern="1200" dirty="0">
-            <a:latin typeface="Times New Roman" panose="02020603050405020304" pitchFamily="18" charset="0"/>
-            <a:cs typeface="Times New Roman" panose="02020603050405020304" pitchFamily="18" charset="0"/>
-          </a:endParaRPr>
-        </a:p>
-      </dsp:txBody>
-      <dsp:txXfrm>
-        <a:off x="1778225" y="3132767"/>
+        <a:off x="2667948" y="2088629"/>
         <a:ext cx="1470616" cy="735308"/>
       </dsp:txXfrm>
     </dsp:sp>
@@ -3829,7 +3231,7 @@
       </dsp:nvSpPr>
       <dsp:spPr>
         <a:xfrm>
-          <a:off x="1778225" y="4176905"/>
+          <a:off x="2667948" y="3132767"/>
           <a:ext cx="1470616" cy="735308"/>
         </a:xfrm>
         <a:prstGeom prst="rect">
@@ -3894,7 +3296,7 @@
               <a:latin typeface="Microsoft JhengHei Light" panose="020B0304030504040204" pitchFamily="34" charset="-120"/>
               <a:ea typeface="Microsoft JhengHei Light" panose="020B0304030504040204" pitchFamily="34" charset="-120"/>
             </a:rPr>
-            <a:t>存取</a:t>
+            <a:t>取得</a:t>
           </a:r>
           <a:r>
             <a:rPr lang="en-US" altLang="zh-TW" sz="1700" kern="1200" dirty="0" smtClean="0">
@@ -3910,7 +3312,7 @@
         </a:p>
       </dsp:txBody>
       <dsp:txXfrm>
-        <a:off x="1778225" y="4176905"/>
+        <a:off x="2667948" y="3132767"/>
         <a:ext cx="1470616" cy="735308"/>
       </dsp:txXfrm>
     </dsp:sp>
@@ -3921,7 +3323,7 @@
       </dsp:nvSpPr>
       <dsp:spPr>
         <a:xfrm>
-          <a:off x="3190017" y="1044492"/>
+          <a:off x="4079740" y="1044492"/>
           <a:ext cx="1470616" cy="735308"/>
         </a:xfrm>
         <a:prstGeom prst="rect">
@@ -3991,7 +3393,7 @@
         </a:p>
       </dsp:txBody>
       <dsp:txXfrm>
-        <a:off x="3190017" y="1044492"/>
+        <a:off x="4079740" y="1044492"/>
         <a:ext cx="1470616" cy="735308"/>
       </dsp:txXfrm>
     </dsp:sp>
@@ -4002,7 +3404,7 @@
       </dsp:nvSpPr>
       <dsp:spPr>
         <a:xfrm>
-          <a:off x="3557671" y="2088629"/>
+          <a:off x="4447394" y="2088629"/>
           <a:ext cx="1470616" cy="735308"/>
         </a:xfrm>
         <a:prstGeom prst="rect">
@@ -4067,14 +3469,21 @@
               <a:latin typeface="Microsoft JhengHei Light" panose="020B0304030504040204" pitchFamily="34" charset="-120"/>
               <a:ea typeface="Microsoft JhengHei Light" panose="020B0304030504040204" pitchFamily="34" charset="-120"/>
             </a:rPr>
-            <a:t>可運用的</a:t>
+            <a:t>在</a:t>
           </a:r>
           <a:r>
             <a:rPr lang="en-US" altLang="zh-TW" sz="1700" kern="1200" dirty="0" smtClean="0">
               <a:latin typeface="Microsoft JhengHei Light" panose="020B0304030504040204" pitchFamily="34" charset="-120"/>
               <a:ea typeface="Microsoft JhengHei Light" panose="020B0304030504040204" pitchFamily="34" charset="-120"/>
             </a:rPr>
-            <a:t>Pickle</a:t>
+            <a:t>pickle</a:t>
+          </a:r>
+          <a:r>
+            <a:rPr lang="zh-TW" altLang="en-US" sz="1700" kern="1200" dirty="0" smtClean="0">
+              <a:latin typeface="Microsoft JhengHei Light" panose="020B0304030504040204" pitchFamily="34" charset="-120"/>
+              <a:ea typeface="Microsoft JhengHei Light" panose="020B0304030504040204" pitchFamily="34" charset="-120"/>
+            </a:rPr>
+            <a:t>中取得好的樣本</a:t>
           </a:r>
           <a:endParaRPr lang="zh-TW" altLang="en-US" sz="1700" kern="1200" dirty="0">
             <a:latin typeface="Microsoft JhengHei Light" panose="020B0304030504040204" pitchFamily="34" charset="-120"/>
@@ -4083,7 +3492,7 @@
         </a:p>
       </dsp:txBody>
       <dsp:txXfrm>
-        <a:off x="3557671" y="2088629"/>
+        <a:off x="4447394" y="2088629"/>
         <a:ext cx="1470616" cy="735308"/>
       </dsp:txXfrm>
     </dsp:sp>
@@ -4094,7 +3503,7 @@
       </dsp:nvSpPr>
       <dsp:spPr>
         <a:xfrm>
-          <a:off x="3557671" y="3132767"/>
+          <a:off x="4447394" y="3132767"/>
           <a:ext cx="1470616" cy="735308"/>
         </a:xfrm>
         <a:prstGeom prst="rect">
@@ -4155,11 +3564,18 @@
             </a:spcAft>
           </a:pPr>
           <a:r>
+            <a:rPr lang="en-US" altLang="zh-TW" sz="1700" kern="1200" dirty="0" err="1" smtClean="0">
+              <a:latin typeface="Microsoft JhengHei Light" panose="020B0304030504040204" pitchFamily="34" charset="-120"/>
+              <a:ea typeface="Microsoft JhengHei Light" panose="020B0304030504040204" pitchFamily="34" charset="-120"/>
+            </a:rPr>
+            <a:t>knn</a:t>
+          </a:r>
+          <a:r>
             <a:rPr lang="zh-TW" altLang="en-US" sz="1700" kern="1200" dirty="0" smtClean="0">
               <a:latin typeface="Microsoft JhengHei Light" panose="020B0304030504040204" pitchFamily="34" charset="-120"/>
               <a:ea typeface="Microsoft JhengHei Light" panose="020B0304030504040204" pitchFamily="34" charset="-120"/>
             </a:rPr>
-            <a:t>撰寫訓練程式</a:t>
+            <a:t>訓練</a:t>
           </a:r>
           <a:endParaRPr lang="zh-TW" altLang="en-US" sz="1700" kern="1200" dirty="0">
             <a:latin typeface="Microsoft JhengHei Light" panose="020B0304030504040204" pitchFamily="34" charset="-120"/>
@@ -4168,7 +3584,7 @@
         </a:p>
       </dsp:txBody>
       <dsp:txXfrm>
-        <a:off x="3557671" y="3132767"/>
+        <a:off x="4447394" y="3132767"/>
         <a:ext cx="1470616" cy="735308"/>
       </dsp:txXfrm>
     </dsp:sp>
@@ -4179,7 +3595,7 @@
       </dsp:nvSpPr>
       <dsp:spPr>
         <a:xfrm>
-          <a:off x="4969463" y="1044492"/>
+          <a:off x="5859186" y="1044492"/>
           <a:ext cx="1470616" cy="735308"/>
         </a:xfrm>
         <a:prstGeom prst="rect">
@@ -4253,7 +3669,7 @@
         </a:p>
       </dsp:txBody>
       <dsp:txXfrm>
-        <a:off x="4969463" y="1044492"/>
+        <a:off x="5859186" y="1044492"/>
         <a:ext cx="1470616" cy="735308"/>
       </dsp:txXfrm>
     </dsp:sp>
@@ -4264,7 +3680,7 @@
       </dsp:nvSpPr>
       <dsp:spPr>
         <a:xfrm>
-          <a:off x="5337117" y="2088629"/>
+          <a:off x="6226840" y="2088629"/>
           <a:ext cx="1470616" cy="735308"/>
         </a:xfrm>
         <a:prstGeom prst="rect">
@@ -4338,7 +3754,7 @@
         </a:p>
       </dsp:txBody>
       <dsp:txXfrm>
-        <a:off x="5337117" y="2088629"/>
+        <a:off x="6226840" y="2088629"/>
         <a:ext cx="1470616" cy="735308"/>
       </dsp:txXfrm>
     </dsp:sp>
@@ -4349,7 +3765,7 @@
       </dsp:nvSpPr>
       <dsp:spPr>
         <a:xfrm>
-          <a:off x="5337117" y="3132767"/>
+          <a:off x="6226840" y="3132767"/>
           <a:ext cx="1470616" cy="735308"/>
         </a:xfrm>
         <a:prstGeom prst="rect">
@@ -4423,7 +3839,7 @@
         </a:p>
       </dsp:txBody>
       <dsp:txXfrm>
-        <a:off x="5337117" y="3132767"/>
+        <a:off x="6226840" y="3132767"/>
         <a:ext cx="1470616" cy="735308"/>
       </dsp:txXfrm>
     </dsp:sp>
@@ -4434,7 +3850,7 @@
       </dsp:nvSpPr>
       <dsp:spPr>
         <a:xfrm>
-          <a:off x="5337117" y="4176905"/>
+          <a:off x="6226840" y="4176905"/>
           <a:ext cx="1470616" cy="735308"/>
         </a:xfrm>
         <a:prstGeom prst="rect">
@@ -4508,170 +3924,7 @@
         </a:p>
       </dsp:txBody>
       <dsp:txXfrm>
-        <a:off x="5337117" y="4176905"/>
-        <a:ext cx="1470616" cy="735308"/>
-      </dsp:txXfrm>
-    </dsp:sp>
-    <dsp:sp modelId="{D6D7FEDC-5C4A-4464-B939-F0267B32F854}">
-      <dsp:nvSpPr>
-        <dsp:cNvPr id="0" name=""/>
-        <dsp:cNvSpPr/>
-      </dsp:nvSpPr>
-      <dsp:spPr>
-        <a:xfrm>
-          <a:off x="6748909" y="1044492"/>
-          <a:ext cx="1470616" cy="735308"/>
-        </a:xfrm>
-        <a:prstGeom prst="rect">
-          <a:avLst/>
-        </a:prstGeom>
-        <a:solidFill>
-          <a:schemeClr val="accent5">
-            <a:tint val="99000"/>
-            <a:hueOff val="0"/>
-            <a:satOff val="0"/>
-            <a:lumOff val="0"/>
-            <a:alphaOff val="0"/>
-          </a:schemeClr>
-        </a:solidFill>
-        <a:ln w="12700" cap="flat" cmpd="sng" algn="ctr">
-          <a:solidFill>
-            <a:schemeClr val="lt1">
-              <a:hueOff val="0"/>
-              <a:satOff val="0"/>
-              <a:lumOff val="0"/>
-              <a:alphaOff val="0"/>
-            </a:schemeClr>
-          </a:solidFill>
-          <a:prstDash val="solid"/>
-          <a:miter lim="800000"/>
-        </a:ln>
-        <a:effectLst/>
-      </dsp:spPr>
-      <dsp:style>
-        <a:lnRef idx="2">
-          <a:scrgbClr r="0" g="0" b="0"/>
-        </a:lnRef>
-        <a:fillRef idx="1">
-          <a:scrgbClr r="0" g="0" b="0"/>
-        </a:fillRef>
-        <a:effectRef idx="0">
-          <a:scrgbClr r="0" g="0" b="0"/>
-        </a:effectRef>
-        <a:fontRef idx="minor">
-          <a:schemeClr val="lt1"/>
-        </a:fontRef>
-      </dsp:style>
-      <dsp:txBody>
-        <a:bodyPr spcFirstLastPara="0" vert="horz" wrap="square" lIns="15240" tIns="15240" rIns="15240" bIns="15240" numCol="1" spcCol="1270" anchor="ctr" anchorCtr="0">
-          <a:noAutofit/>
-        </a:bodyPr>
-        <a:lstStyle/>
-        <a:p>
-          <a:pPr lvl="0" algn="ctr" defTabSz="1066800">
-            <a:lnSpc>
-              <a:spcPct val="90000"/>
-            </a:lnSpc>
-            <a:spcBef>
-              <a:spcPct val="0"/>
-            </a:spcBef>
-            <a:spcAft>
-              <a:spcPct val="35000"/>
-            </a:spcAft>
-          </a:pPr>
-          <a:r>
-            <a:rPr lang="zh-TW" altLang="en-US" sz="2400" kern="1200" dirty="0">
-              <a:latin typeface="Microsoft JhengHei Light" panose="020B0304030504040204" pitchFamily="34" charset="-120"/>
-              <a:ea typeface="Microsoft JhengHei Light" panose="020B0304030504040204" pitchFamily="34" charset="-120"/>
-            </a:rPr>
-            <a:t>比賽</a:t>
-          </a:r>
-        </a:p>
-      </dsp:txBody>
-      <dsp:txXfrm>
-        <a:off x="6748909" y="1044492"/>
-        <a:ext cx="1470616" cy="735308"/>
-      </dsp:txXfrm>
-    </dsp:sp>
-    <dsp:sp modelId="{A22D8479-F3B5-40E2-B47E-87AA623B4993}">
-      <dsp:nvSpPr>
-        <dsp:cNvPr id="0" name=""/>
-        <dsp:cNvSpPr/>
-      </dsp:nvSpPr>
-      <dsp:spPr>
-        <a:xfrm>
-          <a:off x="7116563" y="2088629"/>
-          <a:ext cx="1470616" cy="735308"/>
-        </a:xfrm>
-        <a:prstGeom prst="rect">
-          <a:avLst/>
-        </a:prstGeom>
-        <a:solidFill>
-          <a:schemeClr val="accent5">
-            <a:tint val="80000"/>
-            <a:hueOff val="0"/>
-            <a:satOff val="0"/>
-            <a:lumOff val="0"/>
-            <a:alphaOff val="0"/>
-          </a:schemeClr>
-        </a:solidFill>
-        <a:ln w="12700" cap="flat" cmpd="sng" algn="ctr">
-          <a:solidFill>
-            <a:schemeClr val="lt1">
-              <a:hueOff val="0"/>
-              <a:satOff val="0"/>
-              <a:lumOff val="0"/>
-              <a:alphaOff val="0"/>
-            </a:schemeClr>
-          </a:solidFill>
-          <a:prstDash val="solid"/>
-          <a:miter lim="800000"/>
-        </a:ln>
-        <a:effectLst/>
-      </dsp:spPr>
-      <dsp:style>
-        <a:lnRef idx="2">
-          <a:scrgbClr r="0" g="0" b="0"/>
-        </a:lnRef>
-        <a:fillRef idx="1">
-          <a:scrgbClr r="0" g="0" b="0"/>
-        </a:fillRef>
-        <a:effectRef idx="0">
-          <a:scrgbClr r="0" g="0" b="0"/>
-        </a:effectRef>
-        <a:fontRef idx="minor">
-          <a:schemeClr val="lt1"/>
-        </a:fontRef>
-      </dsp:style>
-      <dsp:txBody>
-        <a:bodyPr spcFirstLastPara="0" vert="horz" wrap="square" lIns="10795" tIns="10795" rIns="10795" bIns="10795" numCol="1" spcCol="1270" anchor="ctr" anchorCtr="0">
-          <a:noAutofit/>
-        </a:bodyPr>
-        <a:lstStyle/>
-        <a:p>
-          <a:pPr lvl="0" algn="ctr" defTabSz="755650">
-            <a:lnSpc>
-              <a:spcPct val="90000"/>
-            </a:lnSpc>
-            <a:spcBef>
-              <a:spcPct val="0"/>
-            </a:spcBef>
-            <a:spcAft>
-              <a:spcPct val="35000"/>
-            </a:spcAft>
-          </a:pPr>
-          <a:r>
-            <a:rPr lang="zh-TW" altLang="en-US" sz="1700" kern="1200" dirty="0" smtClean="0">
-              <a:latin typeface="Microsoft JhengHei Light" panose="020B0304030504040204" pitchFamily="34" charset="-120"/>
-              <a:ea typeface="Microsoft JhengHei Light" panose="020B0304030504040204" pitchFamily="34" charset="-120"/>
-            </a:rPr>
-            <a:t>成績</a:t>
-          </a:r>
-          <a:endParaRPr lang="zh-TW" altLang="en-US" sz="1700" kern="1200" dirty="0"/>
-        </a:p>
-      </dsp:txBody>
-      <dsp:txXfrm>
-        <a:off x="7116563" y="2088629"/>
+        <a:off x="6226840" y="4176905"/>
         <a:ext cx="1470616" cy="735308"/>
       </dsp:txXfrm>
     </dsp:sp>
@@ -6949,7 +6202,7 @@
                 <a:latin typeface="細明體" panose="02020509000000000000" pitchFamily="49" charset="-120"/>
                 <a:ea typeface="細明體" panose="02020509000000000000" pitchFamily="49" charset="-120"/>
               </a:rPr>
-              <a:t>2019年12月11日</a:t>
+              <a:t>2019年12月15日</a:t>
             </a:fld>
             <a:endParaRPr dirty="0">
               <a:latin typeface="細明體" panose="02020509000000000000" pitchFamily="49" charset="-120"/>
@@ -7135,7 +6388,7 @@
             <a:fld id="{A0AFF6A3-05A2-43C9-BAC6-E7F777C40D60}" type="datetime2">
               <a:rPr lang="zh-TW" altLang="en-US" smtClean="0"/>
               <a:pPr/>
-              <a:t>2019年12月11日</a:t>
+              <a:t>2019年12月15日</a:t>
             </a:fld>
             <a:endParaRPr lang="zh-TW" altLang="en-US" dirty="0"/>
           </a:p>
@@ -8011,7 +7264,7 @@
             <a:fld id="{DF1CA1B2-0B65-48FF-A4EF-D52F44E0BC0E}" type="datetime2">
               <a:rPr lang="zh-TW" altLang="en-US" smtClean="0"/>
               <a:pPr/>
-              <a:t>2019年12月11日</a:t>
+              <a:t>2019年12月15日</a:t>
             </a:fld>
             <a:endParaRPr lang="en-US" dirty="0"/>
           </a:p>
@@ -8210,7 +7463,7 @@
             <a:fld id="{B690557D-BF90-4EAC-8435-FD0F2293EA9D}" type="datetime2">
               <a:rPr lang="zh-TW" altLang="en-US" smtClean="0"/>
               <a:pPr/>
-              <a:t>2019年12月11日</a:t>
+              <a:t>2019年12月15日</a:t>
             </a:fld>
             <a:endParaRPr lang="en-US" dirty="0"/>
           </a:p>
@@ -8414,7 +7667,7 @@
             <a:fld id="{3A06F219-A01D-46C2-AB8F-66850193113A}" type="datetime2">
               <a:rPr lang="zh-TW" altLang="en-US" smtClean="0"/>
               <a:pPr/>
-              <a:t>2019年12月11日</a:t>
+              <a:t>2019年12月15日</a:t>
             </a:fld>
             <a:endParaRPr lang="en-US" dirty="0"/>
           </a:p>
@@ -8608,7 +7861,7 @@
             <a:fld id="{C7B8F7E0-475E-4A4F-B251-AF4D4B9F823E}" type="datetime2">
               <a:rPr lang="zh-TW" altLang="en-US" smtClean="0"/>
               <a:pPr/>
-              <a:t>2019年12月11日</a:t>
+              <a:t>2019年12月15日</a:t>
             </a:fld>
             <a:endParaRPr lang="en-US" dirty="0"/>
           </a:p>
@@ -8886,7 +8139,7 @@
             <a:fld id="{FCD96140-6517-4429-8245-8048EFFD722F}" type="datetime2">
               <a:rPr lang="zh-TW" altLang="en-US" smtClean="0"/>
               <a:pPr/>
-              <a:t>2019年12月11日</a:t>
+              <a:t>2019年12月15日</a:t>
             </a:fld>
             <a:endParaRPr lang="en-US" dirty="0"/>
           </a:p>
@@ -9202,7 +8455,7 @@
             <a:fld id="{4A214E14-FC91-4A98-BE2C-45A91C87CABA}" type="datetime2">
               <a:rPr lang="zh-TW" altLang="en-US" smtClean="0"/>
               <a:pPr/>
-              <a:t>2019年12月11日</a:t>
+              <a:t>2019年12月15日</a:t>
             </a:fld>
             <a:endParaRPr lang="en-US" dirty="0"/>
           </a:p>
@@ -9667,7 +8920,7 @@
             <a:fld id="{0290FCD0-1450-4EF5-9EB6-93838DB68598}" type="datetime2">
               <a:rPr lang="zh-TW" altLang="en-US" smtClean="0"/>
               <a:pPr/>
-              <a:t>2019年12月11日</a:t>
+              <a:t>2019年12月15日</a:t>
             </a:fld>
             <a:endParaRPr lang="en-US" dirty="0"/>
           </a:p>
@@ -9809,7 +9062,7 @@
             <a:fld id="{73F19C76-1DF4-4157-8E83-99CDD7C5813A}" type="datetime2">
               <a:rPr lang="zh-TW" altLang="en-US" smtClean="0"/>
               <a:pPr/>
-              <a:t>2019年12月11日</a:t>
+              <a:t>2019年12月15日</a:t>
             </a:fld>
             <a:endParaRPr lang="en-US" dirty="0"/>
           </a:p>
@@ -9927,7 +9180,7 @@
             <a:fld id="{D40150BE-B45A-4071-8F2D-10F115658B39}" type="datetime2">
               <a:rPr lang="zh-TW" altLang="en-US" smtClean="0"/>
               <a:pPr/>
-              <a:t>2019年12月11日</a:t>
+              <a:t>2019年12月15日</a:t>
             </a:fld>
             <a:endParaRPr lang="en-US" dirty="0"/>
           </a:p>
@@ -10250,7 +9503,7 @@
             <a:fld id="{EDB22753-B0A9-4CCB-8874-8C3403729D00}" type="datetime2">
               <a:rPr lang="zh-TW" altLang="en-US" smtClean="0"/>
               <a:pPr/>
-              <a:t>2019年12月11日</a:t>
+              <a:t>2019年12月15日</a:t>
             </a:fld>
             <a:endParaRPr lang="en-US" dirty="0"/>
           </a:p>
@@ -10737,7 +9990,7 @@
             <a:fld id="{BD8E3081-8997-4FCC-AA9C-554AF3E1C629}" type="datetime2">
               <a:rPr lang="zh-TW" altLang="en-US" smtClean="0"/>
               <a:pPr/>
-              <a:t>2019年12月11日</a:t>
+              <a:t>2019年12月15日</a:t>
             </a:fld>
             <a:endParaRPr lang="en-US" dirty="0"/>
           </a:p>
@@ -12085,7 +11338,7 @@
             <p:ph idx="1"/>
             <p:extLst>
               <p:ext uri="{D42A27DB-BD31-4B8C-83A1-F6EECF244321}">
-                <p14:modId xmlns:p14="http://schemas.microsoft.com/office/powerpoint/2010/main" val="539356179"/>
+                <p14:modId xmlns:p14="http://schemas.microsoft.com/office/powerpoint/2010/main" val="1824130255"/>
               </p:ext>
             </p:extLst>
           </p:nvPr>
@@ -12187,30 +11440,15 @@
             <p:ph idx="1"/>
           </p:nvPr>
         </p:nvSpPr>
-        <p:spPr/>
+        <p:spPr>
+          <a:xfrm>
+            <a:off x="1065212" y="1829433"/>
+            <a:ext cx="8686801" cy="4191000"/>
+          </a:xfrm>
+        </p:spPr>
         <p:txBody>
           <a:bodyPr/>
           <a:lstStyle/>
-          <a:p>
-            <a:pPr marL="274320" lvl="1">
-              <a:spcBef>
-                <a:spcPts val="1800"/>
-              </a:spcBef>
-            </a:pPr>
-            <a:r>
-              <a:rPr lang="zh-TW" altLang="en-US" dirty="0" smtClean="0"/>
-              <a:t>訓練模型程式 </a:t>
-            </a:r>
-            <a:r>
-              <a:rPr lang="en-US" altLang="zh-TW" dirty="0" smtClean="0"/>
-              <a:t>:</a:t>
-            </a:r>
-            <a:r>
-              <a:rPr lang="zh-TW" altLang="en-US" dirty="0" smtClean="0"/>
-              <a:t>利用機器學習訓練出一個有效的模型</a:t>
-            </a:r>
-            <a:endParaRPr lang="en-US" altLang="zh-TW" dirty="0" smtClean="0"/>
-          </a:p>
           <a:p>
             <a:pPr marL="274320" lvl="1">
               <a:spcBef>
@@ -12220,34 +11458,6 @@
             <a:endParaRPr lang="en-US" altLang="zh-TW" dirty="0" smtClean="0"/>
           </a:p>
           <a:p>
-            <a:pPr marL="274320" lvl="1">
-              <a:spcBef>
-                <a:spcPts val="1800"/>
-              </a:spcBef>
-            </a:pPr>
-            <a:endParaRPr lang="en-US" altLang="zh-TW" dirty="0" smtClean="0"/>
-          </a:p>
-          <a:p>
-            <a:pPr marL="274320" lvl="1">
-              <a:spcBef>
-                <a:spcPts val="1800"/>
-              </a:spcBef>
-            </a:pPr>
-            <a:r>
-              <a:rPr lang="zh-TW" altLang="en-US" dirty="0" smtClean="0"/>
-              <a:t>執行模型程式</a:t>
-            </a:r>
-            <a:endParaRPr lang="en-US" altLang="zh-TW" dirty="0" smtClean="0"/>
-          </a:p>
-          <a:p>
-            <a:pPr marL="274320" lvl="1">
-              <a:spcBef>
-                <a:spcPts val="1800"/>
-              </a:spcBef>
-            </a:pPr>
-            <a:endParaRPr lang="en-US" altLang="zh-TW" dirty="0" smtClean="0"/>
-          </a:p>
-          <a:p>
             <a:endParaRPr lang="en-US" altLang="zh-TW" dirty="0" smtClean="0"/>
           </a:p>
           <a:p>
@@ -12255,36 +11465,6 @@
           </a:p>
         </p:txBody>
       </p:sp>
-      <p:pic>
-        <p:nvPicPr>
-          <p:cNvPr id="4" name="圖片 3"/>
-          <p:cNvPicPr>
-            <a:picLocks noChangeAspect="1"/>
-          </p:cNvPicPr>
-          <p:nvPr/>
-        </p:nvPicPr>
-        <p:blipFill>
-          <a:blip r:embed="rId2">
-            <a:extLst>
-              <a:ext uri="{28A0092B-C50C-407E-A947-70E740481C1C}">
-                <a14:useLocalDpi xmlns:a14="http://schemas.microsoft.com/office/drawing/2010/main" val="0"/>
-              </a:ext>
-            </a:extLst>
-          </a:blip>
-          <a:stretch>
-            <a:fillRect/>
-          </a:stretch>
-        </p:blipFill>
-        <p:spPr>
-          <a:xfrm>
-            <a:off x="3286100" y="2204864"/>
-            <a:ext cx="3629532" cy="962159"/>
-          </a:xfrm>
-          <a:prstGeom prst="rect">
-            <a:avLst/>
-          </a:prstGeom>
-        </p:spPr>
-      </p:pic>
       <p:sp>
         <p:nvSpPr>
           <p:cNvPr id="6" name="矩形 5"/>
@@ -12293,7 +11473,7 @@
         </p:nvSpPr>
         <p:spPr>
           <a:xfrm>
-            <a:off x="1773932" y="4219541"/>
+            <a:off x="1063434" y="2276872"/>
             <a:ext cx="1851660" cy="972820"/>
           </a:xfrm>
           <a:prstGeom prst="rect">
@@ -12322,8 +11502,8 @@
           <a:p>
             <a:pPr algn="ctr"/>
             <a:r>
-              <a:rPr lang="zh-TW" altLang="en-US" dirty="0" smtClean="0"/>
-              <a:t>訓練模型</a:t>
+              <a:rPr lang="en-US" altLang="zh-TW" dirty="0" smtClean="0"/>
+              <a:t>Rule Base</a:t>
             </a:r>
             <a:endParaRPr lang="zh-TW" altLang="en-US" dirty="0"/>
           </a:p>
@@ -12337,7 +11517,7 @@
         </p:nvSpPr>
         <p:spPr>
           <a:xfrm>
-            <a:off x="6742484" y="4221088"/>
+            <a:off x="5677843" y="2276872"/>
             <a:ext cx="1851660" cy="972820"/>
           </a:xfrm>
           <a:prstGeom prst="rect">
@@ -12366,8 +11546,12 @@
           <a:p>
             <a:pPr algn="ctr"/>
             <a:r>
+              <a:rPr lang="en-US" altLang="zh-TW" dirty="0" err="1" smtClean="0"/>
+              <a:t>knn</a:t>
+            </a:r>
+            <a:r>
               <a:rPr lang="zh-TW" altLang="en-US" dirty="0" smtClean="0"/>
-              <a:t>比賽對打</a:t>
+              <a:t>訓練</a:t>
             </a:r>
             <a:endParaRPr lang="zh-TW" altLang="en-US" dirty="0"/>
           </a:p>
@@ -12381,8 +11565,8 @@
         </p:nvSpPr>
         <p:spPr>
           <a:xfrm>
-            <a:off x="4189726" y="3955981"/>
-            <a:ext cx="1649129" cy="369332"/>
+            <a:off x="2909757" y="2239516"/>
+            <a:ext cx="2824615" cy="369332"/>
           </a:xfrm>
           <a:prstGeom prst="rect">
             <a:avLst/>
@@ -12395,12 +11579,24 @@
           <a:lstStyle/>
           <a:p>
             <a:r>
+              <a:rPr lang="zh-TW" altLang="en-US" dirty="0" smtClean="0"/>
+              <a:t>選取</a:t>
+            </a:r>
+            <a:r>
+              <a:rPr lang="zh-TW" altLang="en-US" dirty="0" smtClean="0"/>
+              <a:t>一</a:t>
+            </a:r>
+            <a:r>
               <a:rPr lang="zh-TW" altLang="en-US" dirty="0"/>
-              <a:t>提供</a:t>
+              <a:t>些</a:t>
             </a:r>
             <a:r>
               <a:rPr lang="zh-TW" altLang="en-US" dirty="0" smtClean="0"/>
-              <a:t>預測模型</a:t>
+              <a:t>可用的</a:t>
+            </a:r>
+            <a:r>
+              <a:rPr lang="en-US" altLang="zh-TW" dirty="0" smtClean="0"/>
+              <a:t>pickle</a:t>
             </a:r>
             <a:endParaRPr lang="zh-TW" altLang="en-US" dirty="0"/>
           </a:p>
@@ -12413,9 +11609,9 @@
           <p:nvPr/>
         </p:nvCxnSpPr>
         <p:spPr>
-          <a:xfrm>
-            <a:off x="3646140" y="4437112"/>
-            <a:ext cx="3096344" cy="0"/>
+          <a:xfrm flipV="1">
+            <a:off x="2915094" y="2763282"/>
+            <a:ext cx="2747270" cy="17646"/>
           </a:xfrm>
           <a:prstGeom prst="straightConnector1">
             <a:avLst/>
@@ -12447,8 +11643,8 @@
         </p:nvSpPr>
         <p:spPr>
           <a:xfrm>
-            <a:off x="3767796" y="5075892"/>
-            <a:ext cx="2492990" cy="369332"/>
+            <a:off x="7462564" y="1463889"/>
+            <a:ext cx="1954381" cy="369332"/>
           </a:xfrm>
           <a:prstGeom prst="rect">
             <a:avLst/>
@@ -12462,7 +11658,11 @@
           <a:p>
             <a:r>
               <a:rPr lang="zh-TW" altLang="en-US" dirty="0" smtClean="0"/>
-              <a:t>依據對打結果修正模型</a:t>
+              <a:t>選取可用的</a:t>
+            </a:r>
+            <a:r>
+              <a:rPr lang="en-US" altLang="zh-TW" dirty="0" smtClean="0"/>
+              <a:t>pickle</a:t>
             </a:r>
             <a:endParaRPr lang="zh-TW" altLang="en-US" dirty="0"/>
           </a:p>
@@ -12470,14 +11670,418 @@
       </p:sp>
       <p:cxnSp>
         <p:nvCxnSpPr>
-          <p:cNvPr id="15" name="直線單箭頭接點 14"/>
-          <p:cNvCxnSpPr/>
+          <p:cNvPr id="14" name="肘形接點 13"/>
+          <p:cNvCxnSpPr>
+            <a:stCxn id="6" idx="2"/>
+          </p:cNvCxnSpPr>
           <p:nvPr/>
         </p:nvCxnSpPr>
         <p:spPr>
-          <a:xfrm flipH="1">
-            <a:off x="3625592" y="4941168"/>
-            <a:ext cx="3116892" cy="0"/>
+          <a:xfrm rot="5400000">
+            <a:off x="1107868" y="2763628"/>
+            <a:ext cx="395332" cy="1367460"/>
+          </a:xfrm>
+          <a:prstGeom prst="bentConnector2">
+            <a:avLst/>
+          </a:prstGeom>
+        </p:spPr>
+        <p:style>
+          <a:lnRef idx="1">
+            <a:schemeClr val="accent1"/>
+          </a:lnRef>
+          <a:fillRef idx="0">
+            <a:schemeClr val="accent1"/>
+          </a:fillRef>
+          <a:effectRef idx="0">
+            <a:schemeClr val="accent1"/>
+          </a:effectRef>
+          <a:fontRef idx="minor">
+            <a:schemeClr val="tx1"/>
+          </a:fontRef>
+        </p:style>
+      </p:cxnSp>
+      <p:cxnSp>
+        <p:nvCxnSpPr>
+          <p:cNvPr id="17" name="肘形接點 16"/>
+          <p:cNvCxnSpPr>
+            <a:endCxn id="6" idx="1"/>
+          </p:cNvCxnSpPr>
+          <p:nvPr/>
+        </p:nvCxnSpPr>
+        <p:spPr>
+          <a:xfrm rot="5400000" flipH="1" flipV="1">
+            <a:off x="401748" y="2983338"/>
+            <a:ext cx="881742" cy="441630"/>
+          </a:xfrm>
+          <a:prstGeom prst="bentConnector2">
+            <a:avLst/>
+          </a:prstGeom>
+          <a:ln>
+            <a:tailEnd type="triangle"/>
+          </a:ln>
+        </p:spPr>
+        <p:style>
+          <a:lnRef idx="1">
+            <a:schemeClr val="accent1"/>
+          </a:lnRef>
+          <a:fillRef idx="0">
+            <a:schemeClr val="accent1"/>
+          </a:fillRef>
+          <a:effectRef idx="0">
+            <a:schemeClr val="accent1"/>
+          </a:effectRef>
+          <a:fontRef idx="minor">
+            <a:schemeClr val="tx1"/>
+          </a:fontRef>
+        </p:style>
+      </p:cxnSp>
+      <p:sp>
+        <p:nvSpPr>
+          <p:cNvPr id="19" name="矩形 18"/>
+          <p:cNvSpPr/>
+          <p:nvPr/>
+        </p:nvSpPr>
+        <p:spPr>
+          <a:xfrm>
+            <a:off x="477788" y="3809026"/>
+            <a:ext cx="2431969" cy="369332"/>
+          </a:xfrm>
+          <a:prstGeom prst="rect">
+            <a:avLst/>
+          </a:prstGeom>
+        </p:spPr>
+        <p:txBody>
+          <a:bodyPr wrap="square">
+            <a:spAutoFit/>
+          </a:bodyPr>
+          <a:lstStyle/>
+          <a:p>
+            <a:r>
+              <a:rPr lang="zh-TW" altLang="en-US" dirty="0" smtClean="0"/>
+              <a:t>反覆取得的</a:t>
+            </a:r>
+            <a:r>
+              <a:rPr lang="en-US" altLang="zh-TW" dirty="0" smtClean="0"/>
+              <a:t>pickle</a:t>
+            </a:r>
+            <a:endParaRPr lang="zh-TW" altLang="en-US" dirty="0"/>
+          </a:p>
+        </p:txBody>
+      </p:sp>
+      <p:cxnSp>
+        <p:nvCxnSpPr>
+          <p:cNvPr id="28" name="直線接點 27"/>
+          <p:cNvCxnSpPr>
+            <a:stCxn id="7" idx="2"/>
+          </p:cNvCxnSpPr>
+          <p:nvPr/>
+        </p:nvCxnSpPr>
+        <p:spPr>
+          <a:xfrm>
+            <a:off x="6603673" y="3249692"/>
+            <a:ext cx="1" cy="502993"/>
+          </a:xfrm>
+          <a:prstGeom prst="line">
+            <a:avLst/>
+          </a:prstGeom>
+        </p:spPr>
+        <p:style>
+          <a:lnRef idx="1">
+            <a:schemeClr val="accent1"/>
+          </a:lnRef>
+          <a:fillRef idx="0">
+            <a:schemeClr val="accent1"/>
+          </a:fillRef>
+          <a:effectRef idx="0">
+            <a:schemeClr val="accent1"/>
+          </a:effectRef>
+          <a:fontRef idx="minor">
+            <a:schemeClr val="tx1"/>
+          </a:fontRef>
+        </p:style>
+      </p:cxnSp>
+      <p:cxnSp>
+        <p:nvCxnSpPr>
+          <p:cNvPr id="30" name="肘形接點 29"/>
+          <p:cNvCxnSpPr>
+            <a:endCxn id="31" idx="0"/>
+          </p:cNvCxnSpPr>
+          <p:nvPr/>
+        </p:nvCxnSpPr>
+        <p:spPr>
+          <a:xfrm rot="10800000" flipV="1">
+            <a:off x="5528559" y="3752686"/>
+            <a:ext cx="1075115" cy="314732"/>
+          </a:xfrm>
+          <a:prstGeom prst="bentConnector2">
+            <a:avLst/>
+          </a:prstGeom>
+          <a:ln>
+            <a:tailEnd type="triangle"/>
+          </a:ln>
+        </p:spPr>
+        <p:style>
+          <a:lnRef idx="1">
+            <a:schemeClr val="accent1"/>
+          </a:lnRef>
+          <a:fillRef idx="0">
+            <a:schemeClr val="accent1"/>
+          </a:fillRef>
+          <a:effectRef idx="0">
+            <a:schemeClr val="accent1"/>
+          </a:effectRef>
+          <a:fontRef idx="minor">
+            <a:schemeClr val="tx1"/>
+          </a:fontRef>
+        </p:style>
+      </p:cxnSp>
+      <p:sp>
+        <p:nvSpPr>
+          <p:cNvPr id="31" name="矩形 30"/>
+          <p:cNvSpPr/>
+          <p:nvPr/>
+        </p:nvSpPr>
+        <p:spPr>
+          <a:xfrm>
+            <a:off x="4602728" y="4067418"/>
+            <a:ext cx="1851660" cy="972820"/>
+          </a:xfrm>
+          <a:prstGeom prst="rect">
+            <a:avLst/>
+          </a:prstGeom>
+        </p:spPr>
+        <p:style>
+          <a:lnRef idx="2">
+            <a:schemeClr val="accent1">
+              <a:shade val="50000"/>
+            </a:schemeClr>
+          </a:lnRef>
+          <a:fillRef idx="1">
+            <a:schemeClr val="accent1"/>
+          </a:fillRef>
+          <a:effectRef idx="0">
+            <a:schemeClr val="accent1"/>
+          </a:effectRef>
+          <a:fontRef idx="minor">
+            <a:schemeClr val="lt1"/>
+          </a:fontRef>
+        </p:style>
+        <p:txBody>
+          <a:bodyPr rtlCol="0" anchor="ctr"/>
+          <a:lstStyle/>
+          <a:p>
+            <a:pPr algn="ctr"/>
+            <a:r>
+              <a:rPr lang="zh-TW" altLang="en-US" dirty="0" smtClean="0"/>
+              <a:t>好的樣本</a:t>
+            </a:r>
+            <a:endParaRPr lang="zh-TW" altLang="en-US" dirty="0"/>
+          </a:p>
+        </p:txBody>
+      </p:sp>
+      <p:cxnSp>
+        <p:nvCxnSpPr>
+          <p:cNvPr id="36" name="肘形接點 35"/>
+          <p:cNvCxnSpPr>
+            <a:endCxn id="38" idx="0"/>
+          </p:cNvCxnSpPr>
+          <p:nvPr/>
+        </p:nvCxnSpPr>
+        <p:spPr>
+          <a:xfrm>
+            <a:off x="6603673" y="3752685"/>
+            <a:ext cx="1086479" cy="321818"/>
+          </a:xfrm>
+          <a:prstGeom prst="bentConnector2">
+            <a:avLst/>
+          </a:prstGeom>
+          <a:ln>
+            <a:tailEnd type="triangle"/>
+          </a:ln>
+        </p:spPr>
+        <p:style>
+          <a:lnRef idx="1">
+            <a:schemeClr val="accent1"/>
+          </a:lnRef>
+          <a:fillRef idx="0">
+            <a:schemeClr val="accent1"/>
+          </a:fillRef>
+          <a:effectRef idx="0">
+            <a:schemeClr val="accent1"/>
+          </a:effectRef>
+          <a:fontRef idx="minor">
+            <a:schemeClr val="tx1"/>
+          </a:fontRef>
+        </p:style>
+      </p:cxnSp>
+      <p:sp>
+        <p:nvSpPr>
+          <p:cNvPr id="38" name="矩形 37"/>
+          <p:cNvSpPr/>
+          <p:nvPr/>
+        </p:nvSpPr>
+        <p:spPr>
+          <a:xfrm>
+            <a:off x="6764322" y="4074503"/>
+            <a:ext cx="1851660" cy="972820"/>
+          </a:xfrm>
+          <a:prstGeom prst="rect">
+            <a:avLst/>
+          </a:prstGeom>
+        </p:spPr>
+        <p:style>
+          <a:lnRef idx="2">
+            <a:schemeClr val="accent1">
+              <a:shade val="50000"/>
+            </a:schemeClr>
+          </a:lnRef>
+          <a:fillRef idx="1">
+            <a:schemeClr val="accent1"/>
+          </a:fillRef>
+          <a:effectRef idx="0">
+            <a:schemeClr val="accent1"/>
+          </a:effectRef>
+          <a:fontRef idx="minor">
+            <a:schemeClr val="lt1"/>
+          </a:fontRef>
+        </p:style>
+        <p:txBody>
+          <a:bodyPr rtlCol="0" anchor="ctr"/>
+          <a:lstStyle/>
+          <a:p>
+            <a:pPr algn="ctr"/>
+            <a:r>
+              <a:rPr lang="zh-TW" altLang="en-US" dirty="0" smtClean="0"/>
+              <a:t>壞的樣本則丟棄或修改</a:t>
+            </a:r>
+            <a:endParaRPr lang="zh-TW" altLang="en-US" dirty="0"/>
+          </a:p>
+        </p:txBody>
+      </p:sp>
+      <p:cxnSp>
+        <p:nvCxnSpPr>
+          <p:cNvPr id="49" name="肘形接點 48"/>
+          <p:cNvCxnSpPr>
+            <a:stCxn id="31" idx="1"/>
+          </p:cNvCxnSpPr>
+          <p:nvPr/>
+        </p:nvCxnSpPr>
+        <p:spPr>
+          <a:xfrm rot="10800000">
+            <a:off x="4006180" y="2772106"/>
+            <a:ext cx="596548" cy="1781723"/>
+          </a:xfrm>
+          <a:prstGeom prst="bentConnector2">
+            <a:avLst/>
+          </a:prstGeom>
+        </p:spPr>
+        <p:style>
+          <a:lnRef idx="1">
+            <a:schemeClr val="accent1"/>
+          </a:lnRef>
+          <a:fillRef idx="0">
+            <a:schemeClr val="accent1"/>
+          </a:fillRef>
+          <a:effectRef idx="0">
+            <a:schemeClr val="accent1"/>
+          </a:effectRef>
+          <a:fontRef idx="minor">
+            <a:schemeClr val="tx1"/>
+          </a:fontRef>
+        </p:style>
+      </p:cxnSp>
+      <p:sp>
+        <p:nvSpPr>
+          <p:cNvPr id="51" name="矩形 50"/>
+          <p:cNvSpPr/>
+          <p:nvPr/>
+        </p:nvSpPr>
+        <p:spPr>
+          <a:xfrm>
+            <a:off x="9413607" y="2276872"/>
+            <a:ext cx="1851660" cy="972820"/>
+          </a:xfrm>
+          <a:prstGeom prst="rect">
+            <a:avLst/>
+          </a:prstGeom>
+        </p:spPr>
+        <p:style>
+          <a:lnRef idx="2">
+            <a:schemeClr val="accent1">
+              <a:shade val="50000"/>
+            </a:schemeClr>
+          </a:lnRef>
+          <a:fillRef idx="1">
+            <a:schemeClr val="accent1"/>
+          </a:fillRef>
+          <a:effectRef idx="0">
+            <a:schemeClr val="accent1"/>
+          </a:effectRef>
+          <a:fontRef idx="minor">
+            <a:schemeClr val="lt1"/>
+          </a:fontRef>
+        </p:style>
+        <p:txBody>
+          <a:bodyPr rtlCol="0" anchor="ctr"/>
+          <a:lstStyle/>
+          <a:p>
+            <a:pPr algn="ctr"/>
+            <a:r>
+              <a:rPr lang="en-US" altLang="zh-TW" dirty="0" err="1" smtClean="0"/>
+              <a:t>Knn</a:t>
+            </a:r>
+            <a:r>
+              <a:rPr lang="zh-TW" altLang="en-US" dirty="0" smtClean="0"/>
+              <a:t>訓練後測試</a:t>
+            </a:r>
+            <a:endParaRPr lang="zh-TW" altLang="en-US" dirty="0"/>
+          </a:p>
+        </p:txBody>
+      </p:sp>
+      <p:cxnSp>
+        <p:nvCxnSpPr>
+          <p:cNvPr id="53" name="肘形接點 52"/>
+          <p:cNvCxnSpPr>
+            <a:stCxn id="51" idx="0"/>
+          </p:cNvCxnSpPr>
+          <p:nvPr/>
+        </p:nvCxnSpPr>
+        <p:spPr>
+          <a:xfrm rot="16200000" flipV="1">
+            <a:off x="8247519" y="184954"/>
+            <a:ext cx="448073" cy="3735764"/>
+          </a:xfrm>
+          <a:prstGeom prst="bentConnector2">
+            <a:avLst/>
+          </a:prstGeom>
+        </p:spPr>
+        <p:style>
+          <a:lnRef idx="1">
+            <a:schemeClr val="accent1"/>
+          </a:lnRef>
+          <a:fillRef idx="0">
+            <a:schemeClr val="accent1"/>
+          </a:fillRef>
+          <a:effectRef idx="0">
+            <a:schemeClr val="accent1"/>
+          </a:effectRef>
+          <a:fontRef idx="minor">
+            <a:schemeClr val="tx1"/>
+          </a:fontRef>
+        </p:style>
+      </p:cxnSp>
+      <p:cxnSp>
+        <p:nvCxnSpPr>
+          <p:cNvPr id="55" name="直線單箭頭接點 54"/>
+          <p:cNvCxnSpPr>
+            <a:endCxn id="7" idx="0"/>
+          </p:cNvCxnSpPr>
+          <p:nvPr/>
+        </p:nvCxnSpPr>
+        <p:spPr>
+          <a:xfrm>
+            <a:off x="6603673" y="1828799"/>
+            <a:ext cx="0" cy="448073"/>
           </a:xfrm>
           <a:prstGeom prst="straightConnector1">
             <a:avLst/>
@@ -12501,6 +12105,75 @@
           </a:fontRef>
         </p:style>
       </p:cxnSp>
+      <p:cxnSp>
+        <p:nvCxnSpPr>
+          <p:cNvPr id="58" name="直線單箭頭接點 57"/>
+          <p:cNvCxnSpPr>
+            <a:stCxn id="7" idx="3"/>
+            <a:endCxn id="51" idx="1"/>
+          </p:cNvCxnSpPr>
+          <p:nvPr/>
+        </p:nvCxnSpPr>
+        <p:spPr>
+          <a:xfrm>
+            <a:off x="7529503" y="2763282"/>
+            <a:ext cx="1884104" cy="0"/>
+          </a:xfrm>
+          <a:prstGeom prst="straightConnector1">
+            <a:avLst/>
+          </a:prstGeom>
+          <a:ln>
+            <a:tailEnd type="triangle"/>
+          </a:ln>
+        </p:spPr>
+        <p:style>
+          <a:lnRef idx="1">
+            <a:schemeClr val="accent1"/>
+          </a:lnRef>
+          <a:fillRef idx="0">
+            <a:schemeClr val="accent1"/>
+          </a:fillRef>
+          <a:effectRef idx="0">
+            <a:schemeClr val="accent1"/>
+          </a:effectRef>
+          <a:fontRef idx="minor">
+            <a:schemeClr val="tx1"/>
+          </a:fontRef>
+        </p:style>
+      </p:cxnSp>
+      <p:sp>
+        <p:nvSpPr>
+          <p:cNvPr id="61" name="矩形 60"/>
+          <p:cNvSpPr/>
+          <p:nvPr/>
+        </p:nvSpPr>
+        <p:spPr>
+          <a:xfrm>
+            <a:off x="7756156" y="2959775"/>
+            <a:ext cx="1526380" cy="369332"/>
+          </a:xfrm>
+          <a:prstGeom prst="rect">
+            <a:avLst/>
+          </a:prstGeom>
+        </p:spPr>
+        <p:txBody>
+          <a:bodyPr wrap="none">
+            <a:spAutoFit/>
+          </a:bodyPr>
+          <a:lstStyle/>
+          <a:p>
+            <a:r>
+              <a:rPr lang="zh-TW" altLang="en-US" dirty="0" smtClean="0"/>
+              <a:t>訓練出</a:t>
+            </a:r>
+            <a:r>
+              <a:rPr lang="en-US" altLang="zh-TW" dirty="0" smtClean="0"/>
+              <a:t>model</a:t>
+            </a:r>
+            <a:endParaRPr lang="zh-TW" altLang="en-US" dirty="0"/>
+          </a:p>
+        </p:txBody>
+      </p:sp>
     </p:spTree>
     <p:extLst>
       <p:ext uri="{BB962C8B-B14F-4D97-AF65-F5344CB8AC3E}">
@@ -12527,220 +12200,6 @@
 </file>
 
 <file path=ppt/slides/slide6.xml><?xml version="1.0" encoding="utf-8"?>
-<p:sld xmlns:a="http://schemas.openxmlformats.org/drawingml/2006/main" xmlns:r="http://schemas.openxmlformats.org/officeDocument/2006/relationships" xmlns:p="http://schemas.openxmlformats.org/presentationml/2006/main">
-  <p:cSld>
-    <p:spTree>
-      <p:nvGrpSpPr>
-        <p:cNvPr id="1" name=""/>
-        <p:cNvGrpSpPr/>
-        <p:nvPr/>
-      </p:nvGrpSpPr>
-      <p:grpSpPr>
-        <a:xfrm>
-          <a:off x="0" y="0"/>
-          <a:ext cx="0" cy="0"/>
-          <a:chOff x="0" y="0"/>
-          <a:chExt cx="0" cy="0"/>
-        </a:xfrm>
-      </p:grpSpPr>
-      <p:sp>
-        <p:nvSpPr>
-          <p:cNvPr id="2" name="標題 1"/>
-          <p:cNvSpPr>
-            <a:spLocks noGrp="1"/>
-          </p:cNvSpPr>
-          <p:nvPr>
-            <p:ph type="title"/>
-          </p:nvPr>
-        </p:nvSpPr>
-        <p:spPr/>
-        <p:txBody>
-          <a:bodyPr/>
-          <a:lstStyle/>
-          <a:p>
-            <a:r>
-              <a:rPr lang="zh-TW" altLang="en-US" dirty="0"/>
-              <a:t>專案分析</a:t>
-            </a:r>
-            <a:r>
-              <a:rPr lang="en-US" altLang="zh-TW" dirty="0" smtClean="0"/>
-              <a:t>-KNN</a:t>
-            </a:r>
-            <a:endParaRPr lang="zh-TW" altLang="en-US" dirty="0"/>
-          </a:p>
-        </p:txBody>
-      </p:sp>
-      <p:sp>
-        <p:nvSpPr>
-          <p:cNvPr id="5" name="內容版面配置區 4"/>
-          <p:cNvSpPr>
-            <a:spLocks noGrp="1"/>
-          </p:cNvSpPr>
-          <p:nvPr>
-            <p:ph idx="1"/>
-          </p:nvPr>
-        </p:nvSpPr>
-        <p:spPr/>
-        <p:txBody>
-          <a:bodyPr/>
-          <a:lstStyle/>
-          <a:p>
-            <a:r>
-              <a:rPr lang="en-US" altLang="zh-TW" dirty="0"/>
-              <a:t>KNN</a:t>
-            </a:r>
-            <a:r>
-              <a:rPr lang="zh-TW" altLang="en-US" dirty="0"/>
-              <a:t>演算法，全名叫</a:t>
-            </a:r>
-            <a:r>
-              <a:rPr lang="en-US" altLang="zh-TW" b="1" dirty="0"/>
-              <a:t>K-nearest neighbors </a:t>
-            </a:r>
-            <a:r>
-              <a:rPr lang="en-US" altLang="zh-TW" b="1" dirty="0" smtClean="0"/>
-              <a:t>algorithm</a:t>
-            </a:r>
-          </a:p>
-          <a:p>
-            <a:r>
-              <a:rPr lang="en-US" altLang="zh-TW" dirty="0"/>
-              <a:t>KNN</a:t>
-            </a:r>
-            <a:r>
-              <a:rPr lang="zh-TW" altLang="en-US" dirty="0"/>
-              <a:t>屬於機器學習中的監督式學習</a:t>
-            </a:r>
-            <a:r>
-              <a:rPr lang="en-US" altLang="zh-TW" dirty="0"/>
-              <a:t>(</a:t>
-            </a:r>
-            <a:r>
-              <a:rPr lang="en-US" altLang="zh-TW" b="1" dirty="0"/>
-              <a:t>Supervised learning</a:t>
-            </a:r>
-            <a:r>
-              <a:rPr lang="en-US" altLang="zh-TW" dirty="0" smtClean="0"/>
-              <a:t>)</a:t>
-            </a:r>
-            <a:r>
-              <a:rPr lang="zh-TW" altLang="en-US" dirty="0" smtClean="0"/>
-              <a:t>，</a:t>
-            </a:r>
-            <a:r>
-              <a:rPr lang="zh-TW" altLang="en-US" dirty="0"/>
-              <a:t>但是在</a:t>
-            </a:r>
-            <a:r>
-              <a:rPr lang="en-US" altLang="zh-TW" dirty="0"/>
-              <a:t>KNN</a:t>
-            </a:r>
-            <a:r>
-              <a:rPr lang="zh-TW" altLang="en-US" dirty="0"/>
-              <a:t>其實並沒有做</a:t>
-            </a:r>
-            <a:r>
-              <a:rPr lang="en-US" altLang="zh-TW" dirty="0"/>
-              <a:t>training</a:t>
-            </a:r>
-            <a:r>
-              <a:rPr lang="zh-TW" altLang="en-US" dirty="0"/>
-              <a:t>的</a:t>
-            </a:r>
-            <a:r>
-              <a:rPr lang="zh-TW" altLang="en-US" dirty="0" smtClean="0"/>
-              <a:t>動作</a:t>
-            </a:r>
-            <a:endParaRPr lang="en-US" altLang="zh-TW" dirty="0" smtClean="0"/>
-          </a:p>
-          <a:p>
-            <a:r>
-              <a:rPr lang="zh-TW" altLang="en-US" dirty="0"/>
-              <a:t>在</a:t>
-            </a:r>
-            <a:r>
-              <a:rPr lang="en-US" altLang="zh-TW" dirty="0"/>
-              <a:t>K</a:t>
-            </a:r>
-            <a:r>
-              <a:rPr lang="zh-TW" altLang="en-US" dirty="0"/>
-              <a:t>近鄰分類算法中，對於預測的新樣本數據，將其與訓練樣本一一進行比較，找到最為相似的</a:t>
-            </a:r>
-            <a:r>
-              <a:rPr lang="en-US" altLang="zh-TW" dirty="0"/>
-              <a:t>K</a:t>
-            </a:r>
-            <a:r>
-              <a:rPr lang="zh-TW" altLang="en-US" dirty="0"/>
-              <a:t>個訓練樣本，並以這</a:t>
-            </a:r>
-            <a:r>
-              <a:rPr lang="en-US" altLang="zh-TW" dirty="0"/>
-              <a:t>K</a:t>
-            </a:r>
-            <a:r>
-              <a:rPr lang="zh-TW" altLang="en-US" dirty="0"/>
-              <a:t>個訓練樣本中出現最多的分類標籤作為最終新樣本數據的預測標籤。</a:t>
-            </a:r>
-          </a:p>
-        </p:txBody>
-      </p:sp>
-      <p:pic>
-        <p:nvPicPr>
-          <p:cNvPr id="6" name="圖片 5"/>
-          <p:cNvPicPr>
-            <a:picLocks noChangeAspect="1"/>
-          </p:cNvPicPr>
-          <p:nvPr/>
-        </p:nvPicPr>
-        <p:blipFill>
-          <a:blip r:embed="rId2">
-            <a:extLst>
-              <a:ext uri="{28A0092B-C50C-407E-A947-70E740481C1C}">
-                <a14:useLocalDpi xmlns:a14="http://schemas.microsoft.com/office/drawing/2010/main" val="0"/>
-              </a:ext>
-            </a:extLst>
-          </a:blip>
-          <a:stretch>
-            <a:fillRect/>
-          </a:stretch>
-        </p:blipFill>
-        <p:spPr>
-          <a:xfrm>
-            <a:off x="6310436" y="3988509"/>
-            <a:ext cx="2331472" cy="2259891"/>
-          </a:xfrm>
-          <a:prstGeom prst="rect">
-            <a:avLst/>
-          </a:prstGeom>
-        </p:spPr>
-      </p:pic>
-    </p:spTree>
-    <p:extLst>
-      <p:ext uri="{BB962C8B-B14F-4D97-AF65-F5344CB8AC3E}">
-        <p14:creationId xmlns:p14="http://schemas.microsoft.com/office/powerpoint/2010/main" val="2588037978"/>
-      </p:ext>
-    </p:extLst>
-  </p:cSld>
-  <p:clrMapOvr>
-    <a:masterClrMapping/>
-  </p:clrMapOvr>
-  <mc:AlternateContent xmlns:mc="http://schemas.openxmlformats.org/markup-compatibility/2006" xmlns:p14="http://schemas.microsoft.com/office/powerpoint/2010/main">
-    <mc:Choice Requires="p14">
-      <p:transition spd="med" p14:dur="700">
-        <p:fade/>
-      </p:transition>
-    </mc:Choice>
-    <mc:Fallback xmlns="">
-      <p:transition spd="med">
-        <p:fade/>
-      </p:transition>
-    </mc:Fallback>
-  </mc:AlternateContent>
-</p:sld>
-</file>
-
-<file path=ppt/slides/slide7.xml><?xml version="1.0" encoding="utf-8"?>
 <p:sld xmlns:a="http://schemas.openxmlformats.org/drawingml/2006/main" xmlns:r="http://schemas.openxmlformats.org/officeDocument/2006/relationships" xmlns:p="http://schemas.openxmlformats.org/presentationml/2006/main">
   <p:cSld>
     <p:spTree>
@@ -13263,6 +12722,146 @@
           </a:p>
         </p:txBody>
       </p:sp>
+      <p:cxnSp>
+        <p:nvCxnSpPr>
+          <p:cNvPr id="5" name="直線接點 4"/>
+          <p:cNvCxnSpPr/>
+          <p:nvPr/>
+        </p:nvCxnSpPr>
+        <p:spPr>
+          <a:xfrm>
+            <a:off x="1034389" y="2564904"/>
+            <a:ext cx="1572816" cy="0"/>
+          </a:xfrm>
+          <a:prstGeom prst="line">
+            <a:avLst/>
+          </a:prstGeom>
+          <a:ln w="28575">
+            <a:solidFill>
+              <a:srgbClr val="FF0000"/>
+            </a:solidFill>
+          </a:ln>
+        </p:spPr>
+        <p:style>
+          <a:lnRef idx="1">
+            <a:schemeClr val="accent1"/>
+          </a:lnRef>
+          <a:fillRef idx="0">
+            <a:schemeClr val="accent1"/>
+          </a:fillRef>
+          <a:effectRef idx="0">
+            <a:schemeClr val="accent1"/>
+          </a:effectRef>
+          <a:fontRef idx="minor">
+            <a:schemeClr val="tx1"/>
+          </a:fontRef>
+        </p:style>
+      </p:cxnSp>
+      <p:sp>
+        <p:nvSpPr>
+          <p:cNvPr id="7" name="文字方塊 6"/>
+          <p:cNvSpPr txBox="1"/>
+          <p:nvPr/>
+        </p:nvSpPr>
+        <p:spPr>
+          <a:xfrm>
+            <a:off x="2782044" y="2416242"/>
+            <a:ext cx="576064" cy="369332"/>
+          </a:xfrm>
+          <a:prstGeom prst="rect">
+            <a:avLst/>
+          </a:prstGeom>
+          <a:noFill/>
+          <a:ln>
+            <a:solidFill>
+              <a:schemeClr val="bg2"/>
+            </a:solidFill>
+          </a:ln>
+        </p:spPr>
+        <p:txBody>
+          <a:bodyPr wrap="square" rtlCol="0" anchor="ctr" anchorCtr="1">
+            <a:spAutoFit/>
+          </a:bodyPr>
+          <a:lstStyle/>
+          <a:p>
+            <a:r>
+              <a:rPr lang="en-US" altLang="zh-TW" dirty="0" smtClean="0"/>
+              <a:t>80</a:t>
+            </a:r>
+            <a:endParaRPr lang="zh-TW" altLang="en-US" dirty="0" smtClean="0"/>
+          </a:p>
+        </p:txBody>
+      </p:sp>
+      <p:cxnSp>
+        <p:nvCxnSpPr>
+          <p:cNvPr id="8" name="直線接點 7"/>
+          <p:cNvCxnSpPr/>
+          <p:nvPr/>
+        </p:nvCxnSpPr>
+        <p:spPr>
+          <a:xfrm>
+            <a:off x="1053852" y="5229200"/>
+            <a:ext cx="1572816" cy="0"/>
+          </a:xfrm>
+          <a:prstGeom prst="line">
+            <a:avLst/>
+          </a:prstGeom>
+          <a:ln w="38100">
+            <a:solidFill>
+              <a:srgbClr val="FF0000"/>
+            </a:solidFill>
+          </a:ln>
+        </p:spPr>
+        <p:style>
+          <a:lnRef idx="1">
+            <a:schemeClr val="accent1"/>
+          </a:lnRef>
+          <a:fillRef idx="0">
+            <a:schemeClr val="accent1"/>
+          </a:fillRef>
+          <a:effectRef idx="0">
+            <a:schemeClr val="accent1"/>
+          </a:effectRef>
+          <a:fontRef idx="minor">
+            <a:schemeClr val="tx1"/>
+          </a:fontRef>
+        </p:style>
+      </p:cxnSp>
+      <p:sp>
+        <p:nvSpPr>
+          <p:cNvPr id="9" name="文字方塊 8"/>
+          <p:cNvSpPr txBox="1"/>
+          <p:nvPr/>
+        </p:nvSpPr>
+        <p:spPr>
+          <a:xfrm>
+            <a:off x="2775416" y="5044534"/>
+            <a:ext cx="576064" cy="369332"/>
+          </a:xfrm>
+          <a:prstGeom prst="rect">
+            <a:avLst/>
+          </a:prstGeom>
+          <a:noFill/>
+          <a:ln>
+            <a:solidFill>
+              <a:schemeClr val="bg2"/>
+            </a:solidFill>
+          </a:ln>
+        </p:spPr>
+        <p:txBody>
+          <a:bodyPr wrap="square" rtlCol="0" anchor="ctr" anchorCtr="1">
+            <a:spAutoFit/>
+          </a:bodyPr>
+          <a:lstStyle/>
+          <a:p>
+            <a:r>
+              <a:rPr lang="en-US" altLang="zh-TW" dirty="0" smtClean="0"/>
+              <a:t>420</a:t>
+            </a:r>
+            <a:endParaRPr lang="zh-TW" altLang="en-US" dirty="0" smtClean="0"/>
+          </a:p>
+        </p:txBody>
+      </p:sp>
     </p:spTree>
     <p:extLst>
       <p:ext uri="{BB962C8B-B14F-4D97-AF65-F5344CB8AC3E}">
@@ -13288,7 +12887,7 @@
 </p:sld>
 </file>
 
-<file path=ppt/slides/slide8.xml><?xml version="1.0" encoding="utf-8"?>
+<file path=ppt/slides/slide7.xml><?xml version="1.0" encoding="utf-8"?>
 <p:sld xmlns:a="http://schemas.openxmlformats.org/drawingml/2006/main" xmlns:r="http://schemas.openxmlformats.org/officeDocument/2006/relationships" xmlns:p="http://schemas.openxmlformats.org/presentationml/2006/main">
   <p:cSld>
     <p:spTree>
@@ -13321,757 +12920,166 @@
           <a:lstStyle/>
           <a:p>
             <a:r>
-              <a:rPr lang="zh-TW" altLang="en-US" dirty="0" smtClean="0"/>
+              <a:rPr lang="zh-TW" altLang="en-US" dirty="0"/>
               <a:t>專案分析</a:t>
             </a:r>
             <a:r>
               <a:rPr lang="en-US" altLang="zh-TW" dirty="0" smtClean="0"/>
-              <a:t>-</a:t>
-            </a:r>
-            <a:r>
-              <a:rPr lang="zh-TW" altLang="en-US" dirty="0" smtClean="0"/>
-              <a:t>遊戲參數</a:t>
+              <a:t>-KNN</a:t>
             </a:r>
             <a:endParaRPr lang="zh-TW" altLang="en-US" dirty="0"/>
           </a:p>
         </p:txBody>
       </p:sp>
-      <p:graphicFrame>
-        <p:nvGraphicFramePr>
-          <p:cNvPr id="4" name="內容版面配置區 3"/>
-          <p:cNvGraphicFramePr>
-            <a:graphicFrameLocks noGrp="1"/>
-          </p:cNvGraphicFramePr>
+      <p:sp>
+        <p:nvSpPr>
+          <p:cNvPr id="5" name="內容版面配置區 4"/>
+          <p:cNvSpPr>
+            <a:spLocks noGrp="1"/>
+          </p:cNvSpPr>
           <p:nvPr>
             <p:ph idx="1"/>
-            <p:extLst>
-              <p:ext uri="{D42A27DB-BD31-4B8C-83A1-F6EECF244321}">
-                <p14:modId xmlns:p14="http://schemas.microsoft.com/office/powerpoint/2010/main" val="1369696070"/>
-              </p:ext>
-            </p:extLst>
           </p:nvPr>
-        </p:nvGraphicFramePr>
-        <p:xfrm>
-          <a:off x="1341884" y="5013176"/>
-          <a:ext cx="8686800" cy="1112520"/>
-        </p:xfrm>
-        <a:graphic>
-          <a:graphicData uri="http://schemas.openxmlformats.org/drawingml/2006/table">
-            <a:tbl>
-              <a:tblPr firstRow="1" bandRow="1">
-                <a:tableStyleId>{5C22544A-7EE6-4342-B048-85BDC9FD1C3A}</a:tableStyleId>
-              </a:tblPr>
-              <a:tblGrid>
-                <a:gridCol w="2895600">
-                  <a:extLst>
-                    <a:ext uri="{9D8B030D-6E8A-4147-A177-3AD203B41FA5}">
-                      <a16:colId xmlns:a16="http://schemas.microsoft.com/office/drawing/2014/main" val="3877549198"/>
-                    </a:ext>
-                  </a:extLst>
-                </a:gridCol>
-                <a:gridCol w="2895600">
-                  <a:extLst>
-                    <a:ext uri="{9D8B030D-6E8A-4147-A177-3AD203B41FA5}">
-                      <a16:colId xmlns:a16="http://schemas.microsoft.com/office/drawing/2014/main" val="494597129"/>
-                    </a:ext>
-                  </a:extLst>
-                </a:gridCol>
-                <a:gridCol w="2895600">
-                  <a:extLst>
-                    <a:ext uri="{9D8B030D-6E8A-4147-A177-3AD203B41FA5}">
-                      <a16:colId xmlns:a16="http://schemas.microsoft.com/office/drawing/2014/main" val="3039637802"/>
-                    </a:ext>
-                  </a:extLst>
-                </a:gridCol>
-              </a:tblGrid>
-              <a:tr h="370840">
-                <a:tc>
-                  <a:txBody>
-                    <a:bodyPr/>
-                    <a:lstStyle/>
-                    <a:p>
-                      <a:r>
-                        <a:rPr lang="zh-TW" altLang="en-US" dirty="0" smtClean="0"/>
-                        <a:t>變數名稱</a:t>
-                      </a:r>
-                      <a:endParaRPr lang="zh-TW" altLang="en-US" dirty="0"/>
-                    </a:p>
-                  </a:txBody>
-                  <a:tcPr/>
-                </a:tc>
-                <a:tc>
-                  <a:txBody>
-                    <a:bodyPr/>
-                    <a:lstStyle/>
-                    <a:p>
-                      <a:r>
-                        <a:rPr lang="zh-TW" altLang="en-US" dirty="0" smtClean="0"/>
-                        <a:t>資料型態</a:t>
-                      </a:r>
-                      <a:endParaRPr lang="zh-TW" altLang="en-US" dirty="0"/>
-                    </a:p>
-                  </a:txBody>
-                  <a:tcPr/>
-                </a:tc>
-                <a:tc>
-                  <a:txBody>
-                    <a:bodyPr/>
-                    <a:lstStyle/>
-                    <a:p>
-                      <a:r>
-                        <a:rPr lang="zh-TW" altLang="en-US" dirty="0" smtClean="0"/>
-                        <a:t>舉例</a:t>
-                      </a:r>
-                      <a:endParaRPr lang="zh-TW" altLang="en-US" dirty="0"/>
-                    </a:p>
-                  </a:txBody>
-                  <a:tcPr/>
-                </a:tc>
-                <a:extLst>
-                  <a:ext uri="{0D108BD9-81ED-4DB2-BD59-A6C34878D82A}">
-                    <a16:rowId xmlns:a16="http://schemas.microsoft.com/office/drawing/2014/main" val="563749198"/>
-                  </a:ext>
-                </a:extLst>
-              </a:tr>
-              <a:tr h="370840">
-                <a:tc>
-                  <a:txBody>
-                    <a:bodyPr/>
-                    <a:lstStyle/>
-                    <a:p>
-                      <a:r>
-                        <a:rPr lang="en-US" altLang="zh-TW" dirty="0" smtClean="0"/>
-                        <a:t>1P</a:t>
-                      </a:r>
-                      <a:r>
-                        <a:rPr lang="zh-TW" altLang="en-US" dirty="0" smtClean="0"/>
-                        <a:t>移動狀態</a:t>
-                      </a:r>
-                      <a:endParaRPr lang="zh-TW" altLang="en-US" dirty="0"/>
-                    </a:p>
-                  </a:txBody>
-                  <a:tcPr/>
-                </a:tc>
-                <a:tc>
-                  <a:txBody>
-                    <a:bodyPr/>
-                    <a:lstStyle/>
-                    <a:p>
-                      <a:r>
-                        <a:rPr lang="en-US" altLang="zh-TW" dirty="0" smtClean="0"/>
-                        <a:t>String </a:t>
-                      </a:r>
-                      <a:endParaRPr lang="zh-TW" altLang="en-US" dirty="0"/>
-                    </a:p>
-                  </a:txBody>
-                  <a:tcPr/>
-                </a:tc>
-                <a:tc>
-                  <a:txBody>
-                    <a:bodyPr/>
-                    <a:lstStyle/>
-                    <a:p>
-                      <a:r>
-                        <a:rPr lang="en-US" altLang="zh-TW" dirty="0" smtClean="0"/>
-                        <a:t>Right</a:t>
-                      </a:r>
-                      <a:r>
-                        <a:rPr lang="zh-TW" altLang="en-US" dirty="0" smtClean="0"/>
-                        <a:t>、</a:t>
-                      </a:r>
-                      <a:r>
-                        <a:rPr lang="en-US" altLang="zh-TW" dirty="0" smtClean="0"/>
-                        <a:t>Left</a:t>
-                      </a:r>
-                      <a:r>
-                        <a:rPr lang="zh-TW" altLang="en-US" dirty="0" smtClean="0"/>
-                        <a:t>、</a:t>
-                      </a:r>
-                      <a:r>
-                        <a:rPr lang="en-US" altLang="zh-TW" dirty="0" smtClean="0"/>
-                        <a:t>None</a:t>
-                      </a:r>
-                      <a:endParaRPr lang="zh-TW" altLang="en-US" dirty="0"/>
-                    </a:p>
-                  </a:txBody>
-                  <a:tcPr/>
-                </a:tc>
-                <a:extLst>
-                  <a:ext uri="{0D108BD9-81ED-4DB2-BD59-A6C34878D82A}">
-                    <a16:rowId xmlns:a16="http://schemas.microsoft.com/office/drawing/2014/main" val="4283230125"/>
-                  </a:ext>
-                </a:extLst>
-              </a:tr>
-              <a:tr h="370840">
-                <a:tc>
-                  <a:txBody>
-                    <a:bodyPr/>
-                    <a:lstStyle/>
-                    <a:p>
-                      <a:r>
-                        <a:rPr lang="en-US" altLang="zh-TW" dirty="0" smtClean="0"/>
-                        <a:t>2P</a:t>
-                      </a:r>
-                      <a:r>
-                        <a:rPr lang="zh-TW" altLang="en-US" dirty="0" smtClean="0"/>
-                        <a:t>移動狀態</a:t>
-                      </a:r>
-                      <a:endParaRPr lang="zh-TW" altLang="en-US" dirty="0"/>
-                    </a:p>
-                  </a:txBody>
-                  <a:tcPr/>
-                </a:tc>
-                <a:tc>
-                  <a:txBody>
-                    <a:bodyPr/>
-                    <a:lstStyle/>
-                    <a:p>
-                      <a:r>
-                        <a:rPr lang="en-US" altLang="zh-TW" dirty="0" smtClean="0"/>
-                        <a:t>String </a:t>
-                      </a:r>
-                      <a:endParaRPr lang="zh-TW" altLang="en-US" dirty="0"/>
-                    </a:p>
-                  </a:txBody>
-                  <a:tcPr/>
-                </a:tc>
-                <a:tc>
-                  <a:txBody>
-                    <a:bodyPr/>
-                    <a:lstStyle/>
-                    <a:p>
-                      <a:pPr marL="0" marR="0" lvl="0" indent="0" algn="l" defTabSz="914400" rtl="0" eaLnBrk="1" fontAlgn="auto" latinLnBrk="0" hangingPunct="1">
-                        <a:lnSpc>
-                          <a:spcPct val="100000"/>
-                        </a:lnSpc>
-                        <a:spcBef>
-                          <a:spcPts val="0"/>
-                        </a:spcBef>
-                        <a:spcAft>
-                          <a:spcPts val="0"/>
-                        </a:spcAft>
-                        <a:buClrTx/>
-                        <a:buSzTx/>
-                        <a:buFontTx/>
-                        <a:buNone/>
-                        <a:tabLst/>
-                        <a:defRPr/>
-                      </a:pPr>
-                      <a:r>
-                        <a:rPr lang="en-US" altLang="zh-TW" dirty="0" smtClean="0"/>
-                        <a:t>Right</a:t>
-                      </a:r>
-                      <a:r>
-                        <a:rPr lang="zh-TW" altLang="en-US" dirty="0" smtClean="0"/>
-                        <a:t>、</a:t>
-                      </a:r>
-                      <a:r>
-                        <a:rPr lang="en-US" altLang="zh-TW" dirty="0" smtClean="0"/>
-                        <a:t>Left</a:t>
-                      </a:r>
-                      <a:r>
-                        <a:rPr lang="zh-TW" altLang="en-US" dirty="0" smtClean="0"/>
-                        <a:t>、</a:t>
-                      </a:r>
-                      <a:r>
-                        <a:rPr lang="en-US" altLang="zh-TW" dirty="0" smtClean="0"/>
-                        <a:t>None</a:t>
-                      </a:r>
-                      <a:endParaRPr lang="zh-TW" altLang="en-US" dirty="0" smtClean="0"/>
-                    </a:p>
-                  </a:txBody>
-                  <a:tcPr/>
-                </a:tc>
-                <a:extLst>
-                  <a:ext uri="{0D108BD9-81ED-4DB2-BD59-A6C34878D82A}">
-                    <a16:rowId xmlns:a16="http://schemas.microsoft.com/office/drawing/2014/main" val="3827023827"/>
-                  </a:ext>
-                </a:extLst>
-              </a:tr>
-            </a:tbl>
-          </a:graphicData>
-        </a:graphic>
-      </p:graphicFrame>
-      <p:sp>
-        <p:nvSpPr>
-          <p:cNvPr id="5" name="標題 1"/>
-          <p:cNvSpPr txBox="1">
-            <a:spLocks/>
-          </p:cNvSpPr>
+        </p:nvSpPr>
+        <p:spPr/>
+        <p:txBody>
+          <a:bodyPr/>
+          <a:lstStyle/>
+          <a:p>
+            <a:r>
+              <a:rPr lang="en-US" altLang="zh-TW" dirty="0"/>
+              <a:t>KNN</a:t>
+            </a:r>
+            <a:r>
+              <a:rPr lang="zh-TW" altLang="en-US" dirty="0"/>
+              <a:t>演算法，全名叫</a:t>
+            </a:r>
+            <a:r>
+              <a:rPr lang="en-US" altLang="zh-TW" b="1" dirty="0"/>
+              <a:t>K-nearest neighbors </a:t>
+            </a:r>
+            <a:r>
+              <a:rPr lang="en-US" altLang="zh-TW" b="1" dirty="0" smtClean="0"/>
+              <a:t>algorithm</a:t>
+            </a:r>
+          </a:p>
+          <a:p>
+            <a:r>
+              <a:rPr lang="en-US" altLang="zh-TW" dirty="0"/>
+              <a:t>KNN</a:t>
+            </a:r>
+            <a:r>
+              <a:rPr lang="zh-TW" altLang="en-US" dirty="0"/>
+              <a:t>屬於機器學習中的監督式學習</a:t>
+            </a:r>
+            <a:r>
+              <a:rPr lang="en-US" altLang="zh-TW" dirty="0"/>
+              <a:t>(</a:t>
+            </a:r>
+            <a:r>
+              <a:rPr lang="en-US" altLang="zh-TW" b="1" dirty="0"/>
+              <a:t>Supervised learning</a:t>
+            </a:r>
+            <a:r>
+              <a:rPr lang="en-US" altLang="zh-TW" dirty="0" smtClean="0"/>
+              <a:t>)</a:t>
+            </a:r>
+            <a:r>
+              <a:rPr lang="zh-TW" altLang="en-US" dirty="0" smtClean="0"/>
+              <a:t>，</a:t>
+            </a:r>
+            <a:r>
+              <a:rPr lang="zh-TW" altLang="en-US" dirty="0"/>
+              <a:t>但是在</a:t>
+            </a:r>
+            <a:r>
+              <a:rPr lang="en-US" altLang="zh-TW" dirty="0"/>
+              <a:t>KNN</a:t>
+            </a:r>
+            <a:r>
+              <a:rPr lang="zh-TW" altLang="en-US" dirty="0"/>
+              <a:t>其實並沒有做</a:t>
+            </a:r>
+            <a:r>
+              <a:rPr lang="en-US" altLang="zh-TW" dirty="0"/>
+              <a:t>training</a:t>
+            </a:r>
+            <a:r>
+              <a:rPr lang="zh-TW" altLang="en-US" dirty="0"/>
+              <a:t>的</a:t>
+            </a:r>
+            <a:r>
+              <a:rPr lang="zh-TW" altLang="en-US" dirty="0" smtClean="0"/>
+              <a:t>動作</a:t>
+            </a:r>
+            <a:endParaRPr lang="en-US" altLang="zh-TW" dirty="0" smtClean="0"/>
+          </a:p>
+          <a:p>
+            <a:r>
+              <a:rPr lang="zh-TW" altLang="en-US" dirty="0"/>
+              <a:t>在</a:t>
+            </a:r>
+            <a:r>
+              <a:rPr lang="en-US" altLang="zh-TW" dirty="0"/>
+              <a:t>K</a:t>
+            </a:r>
+            <a:r>
+              <a:rPr lang="zh-TW" altLang="en-US" dirty="0"/>
+              <a:t>近鄰分類算法中，對於預測的新樣本數據，將其與訓練樣本一一進行比較，找到最為相似的</a:t>
+            </a:r>
+            <a:r>
+              <a:rPr lang="en-US" altLang="zh-TW" dirty="0"/>
+              <a:t>K</a:t>
+            </a:r>
+            <a:r>
+              <a:rPr lang="zh-TW" altLang="en-US" dirty="0"/>
+              <a:t>個訓練樣本，並以這</a:t>
+            </a:r>
+            <a:r>
+              <a:rPr lang="en-US" altLang="zh-TW" dirty="0"/>
+              <a:t>K</a:t>
+            </a:r>
+            <a:r>
+              <a:rPr lang="zh-TW" altLang="en-US" dirty="0"/>
+              <a:t>個訓練樣本中出現最多的分類標籤作為最終新樣本數據的預測標籤。</a:t>
+            </a:r>
+          </a:p>
+        </p:txBody>
+      </p:sp>
+      <p:pic>
+        <p:nvPicPr>
+          <p:cNvPr id="6" name="圖片 5"/>
+          <p:cNvPicPr>
+            <a:picLocks noChangeAspect="1"/>
+          </p:cNvPicPr>
           <p:nvPr/>
-        </p:nvSpPr>
-        <p:spPr bwMode="auto">
+        </p:nvPicPr>
+        <p:blipFill>
+          <a:blip r:embed="rId2">
+            <a:extLst>
+              <a:ext uri="{28A0092B-C50C-407E-A947-70E740481C1C}">
+                <a14:useLocalDpi xmlns:a14="http://schemas.microsoft.com/office/drawing/2010/main" val="0"/>
+              </a:ext>
+            </a:extLst>
+          </a:blip>
+          <a:stretch>
+            <a:fillRect/>
+          </a:stretch>
+        </p:blipFill>
+        <p:spPr>
           <a:xfrm>
-            <a:off x="1269877" y="4365403"/>
-            <a:ext cx="1728192" cy="634752"/>
+            <a:off x="6310436" y="3988509"/>
+            <a:ext cx="2331472" cy="2259891"/>
           </a:xfrm>
           <a:prstGeom prst="rect">
             <a:avLst/>
           </a:prstGeom>
         </p:spPr>
-        <p:txBody>
-          <a:bodyPr vert="horz" lIns="91440" tIns="45720" rIns="91440" bIns="45720" rtlCol="0" anchor="b">
-            <a:normAutofit/>
-          </a:bodyPr>
-          <a:lstStyle>
-            <a:lvl1pPr algn="l" defTabSz="914400" rtl="0" eaLnBrk="1" latinLnBrk="0" hangingPunct="1">
-              <a:lnSpc>
-                <a:spcPct val="80000"/>
-              </a:lnSpc>
-              <a:spcBef>
-                <a:spcPct val="0"/>
-              </a:spcBef>
-              <a:buNone/>
-              <a:defRPr sz="3600" b="1" kern="1200">
-                <a:solidFill>
-                  <a:schemeClr val="accent1"/>
-                </a:solidFill>
-                <a:latin typeface="Microsoft JhengHei UI" panose="020B0604030504040204" pitchFamily="34" charset="-120"/>
-                <a:ea typeface="Microsoft JhengHei UI" panose="020B0604030504040204" pitchFamily="34" charset="-120"/>
-                <a:cs typeface="+mj-cs"/>
-              </a:defRPr>
-            </a:lvl1pPr>
-          </a:lstStyle>
-          <a:p>
-            <a:r>
-              <a:rPr lang="en-US" altLang="zh-TW" sz="2800" dirty="0" smtClean="0"/>
-              <a:t>Output</a:t>
-            </a:r>
-            <a:endParaRPr lang="zh-TW" altLang="en-US" sz="2800" dirty="0"/>
-          </a:p>
-        </p:txBody>
-      </p:sp>
-      <p:graphicFrame>
-        <p:nvGraphicFramePr>
-          <p:cNvPr id="7" name="內容版面配置區 3"/>
-          <p:cNvGraphicFramePr>
-            <a:graphicFrameLocks/>
-          </p:cNvGraphicFramePr>
-          <p:nvPr>
-            <p:extLst>
-              <p:ext uri="{D42A27DB-BD31-4B8C-83A1-F6EECF244321}">
-                <p14:modId xmlns:p14="http://schemas.microsoft.com/office/powerpoint/2010/main" val="2101086727"/>
-              </p:ext>
-            </p:extLst>
-          </p:nvPr>
-        </p:nvGraphicFramePr>
-        <p:xfrm>
-          <a:off x="1341884" y="2752128"/>
-          <a:ext cx="8686800" cy="1483360"/>
-        </p:xfrm>
-        <a:graphic>
-          <a:graphicData uri="http://schemas.openxmlformats.org/drawingml/2006/table">
-            <a:tbl>
-              <a:tblPr firstRow="1" bandRow="1">
-                <a:tableStyleId>{5C22544A-7EE6-4342-B048-85BDC9FD1C3A}</a:tableStyleId>
-              </a:tblPr>
-              <a:tblGrid>
-                <a:gridCol w="2895600">
-                  <a:extLst>
-                    <a:ext uri="{9D8B030D-6E8A-4147-A177-3AD203B41FA5}">
-                      <a16:colId xmlns:a16="http://schemas.microsoft.com/office/drawing/2014/main" val="3877549198"/>
-                    </a:ext>
-                  </a:extLst>
-                </a:gridCol>
-                <a:gridCol w="2895600">
-                  <a:extLst>
-                    <a:ext uri="{9D8B030D-6E8A-4147-A177-3AD203B41FA5}">
-                      <a16:colId xmlns:a16="http://schemas.microsoft.com/office/drawing/2014/main" val="494597129"/>
-                    </a:ext>
-                  </a:extLst>
-                </a:gridCol>
-                <a:gridCol w="2895600">
-                  <a:extLst>
-                    <a:ext uri="{9D8B030D-6E8A-4147-A177-3AD203B41FA5}">
-                      <a16:colId xmlns:a16="http://schemas.microsoft.com/office/drawing/2014/main" val="3039637802"/>
-                    </a:ext>
-                  </a:extLst>
-                </a:gridCol>
-              </a:tblGrid>
-              <a:tr h="370840">
-                <a:tc>
-                  <a:txBody>
-                    <a:bodyPr/>
-                    <a:lstStyle/>
-                    <a:p>
-                      <a:r>
-                        <a:rPr lang="zh-TW" altLang="en-US" dirty="0" smtClean="0"/>
-                        <a:t>變數名稱</a:t>
-                      </a:r>
-                      <a:endParaRPr lang="zh-TW" altLang="en-US" dirty="0"/>
-                    </a:p>
-                  </a:txBody>
-                  <a:tcPr/>
-                </a:tc>
-                <a:tc>
-                  <a:txBody>
-                    <a:bodyPr/>
-                    <a:lstStyle/>
-                    <a:p>
-                      <a:r>
-                        <a:rPr lang="zh-TW" altLang="en-US" dirty="0" smtClean="0"/>
-                        <a:t>資料型態</a:t>
-                      </a:r>
-                      <a:endParaRPr lang="zh-TW" altLang="en-US" dirty="0"/>
-                    </a:p>
-                  </a:txBody>
-                  <a:tcPr/>
-                </a:tc>
-                <a:tc>
-                  <a:txBody>
-                    <a:bodyPr/>
-                    <a:lstStyle/>
-                    <a:p>
-                      <a:r>
-                        <a:rPr lang="zh-TW" altLang="en-US" dirty="0" smtClean="0"/>
-                        <a:t>舉例</a:t>
-                      </a:r>
-                      <a:endParaRPr lang="zh-TW" altLang="en-US" dirty="0"/>
-                    </a:p>
-                  </a:txBody>
-                  <a:tcPr/>
-                </a:tc>
-                <a:extLst>
-                  <a:ext uri="{0D108BD9-81ED-4DB2-BD59-A6C34878D82A}">
-                    <a16:rowId xmlns:a16="http://schemas.microsoft.com/office/drawing/2014/main" val="563749198"/>
-                  </a:ext>
-                </a:extLst>
-              </a:tr>
-              <a:tr h="370840">
-                <a:tc>
-                  <a:txBody>
-                    <a:bodyPr/>
-                    <a:lstStyle/>
-                    <a:p>
-                      <a:r>
-                        <a:rPr lang="zh-TW" altLang="en-US" dirty="0" smtClean="0"/>
-                        <a:t>球速</a:t>
-                      </a:r>
-                      <a:endParaRPr lang="en-US" altLang="zh-TW" dirty="0" smtClean="0"/>
-                    </a:p>
-                  </a:txBody>
-                  <a:tcPr/>
-                </a:tc>
-                <a:tc>
-                  <a:txBody>
-                    <a:bodyPr/>
-                    <a:lstStyle/>
-                    <a:p>
-                      <a:r>
-                        <a:rPr lang="en-US" altLang="zh-TW" dirty="0" err="1" smtClean="0"/>
-                        <a:t>Int</a:t>
-                      </a:r>
-                      <a:r>
-                        <a:rPr lang="en-US" altLang="zh-TW" dirty="0" smtClean="0"/>
-                        <a:t>[]</a:t>
-                      </a:r>
-                      <a:endParaRPr lang="zh-TW" altLang="en-US" dirty="0"/>
-                    </a:p>
-                  </a:txBody>
-                  <a:tcPr/>
-                </a:tc>
-                <a:tc>
-                  <a:txBody>
-                    <a:bodyPr/>
-                    <a:lstStyle/>
-                    <a:p>
-                      <a:pPr marL="0" marR="0" lvl="0" indent="0" algn="l" defTabSz="914400" rtl="0" eaLnBrk="1" fontAlgn="auto" latinLnBrk="0" hangingPunct="1">
-                        <a:lnSpc>
-                          <a:spcPct val="100000"/>
-                        </a:lnSpc>
-                        <a:spcBef>
-                          <a:spcPts val="0"/>
-                        </a:spcBef>
-                        <a:spcAft>
-                          <a:spcPts val="0"/>
-                        </a:spcAft>
-                        <a:buClrTx/>
-                        <a:buSzTx/>
-                        <a:buFontTx/>
-                        <a:buNone/>
-                        <a:tabLst/>
-                        <a:defRPr/>
-                      </a:pPr>
-                      <a:r>
-                        <a:rPr lang="en-US" altLang="zh-TW" dirty="0" smtClean="0"/>
-                        <a:t>[7,7]</a:t>
-                      </a:r>
-                      <a:r>
-                        <a:rPr lang="zh-TW" altLang="en-US" dirty="0" smtClean="0"/>
-                        <a:t>、</a:t>
-                      </a:r>
-                      <a:r>
-                        <a:rPr lang="en-US" altLang="zh-TW" dirty="0" smtClean="0"/>
-                        <a:t>[-7,-7]</a:t>
-                      </a:r>
-                      <a:endParaRPr lang="zh-TW" altLang="en-US" dirty="0"/>
-                    </a:p>
-                  </a:txBody>
-                  <a:tcPr/>
-                </a:tc>
-                <a:extLst>
-                  <a:ext uri="{0D108BD9-81ED-4DB2-BD59-A6C34878D82A}">
-                    <a16:rowId xmlns:a16="http://schemas.microsoft.com/office/drawing/2014/main" val="4283230125"/>
-                  </a:ext>
-                </a:extLst>
-              </a:tr>
-              <a:tr h="370840">
-                <a:tc>
-                  <a:txBody>
-                    <a:bodyPr/>
-                    <a:lstStyle/>
-                    <a:p>
-                      <a:r>
-                        <a:rPr lang="zh-TW" altLang="en-US" dirty="0" smtClean="0"/>
-                        <a:t>球座標</a:t>
-                      </a:r>
-                      <a:endParaRPr lang="zh-TW" altLang="en-US" dirty="0"/>
-                    </a:p>
-                  </a:txBody>
-                  <a:tcPr/>
-                </a:tc>
-                <a:tc>
-                  <a:txBody>
-                    <a:bodyPr/>
-                    <a:lstStyle/>
-                    <a:p>
-                      <a:r>
-                        <a:rPr lang="en-US" altLang="zh-TW" dirty="0" err="1" smtClean="0"/>
-                        <a:t>Int</a:t>
-                      </a:r>
-                      <a:r>
-                        <a:rPr lang="en-US" altLang="zh-TW" dirty="0" smtClean="0"/>
-                        <a:t>[]</a:t>
-                      </a:r>
-                      <a:endParaRPr lang="zh-TW" altLang="en-US" dirty="0"/>
-                    </a:p>
-                  </a:txBody>
-                  <a:tcPr/>
-                </a:tc>
-                <a:tc>
-                  <a:txBody>
-                    <a:bodyPr/>
-                    <a:lstStyle/>
-                    <a:p>
-                      <a:pPr marL="0" marR="0" lvl="0" indent="0" algn="l" defTabSz="914400" rtl="0" eaLnBrk="1" fontAlgn="auto" latinLnBrk="0" hangingPunct="1">
-                        <a:lnSpc>
-                          <a:spcPct val="100000"/>
-                        </a:lnSpc>
-                        <a:spcBef>
-                          <a:spcPts val="0"/>
-                        </a:spcBef>
-                        <a:spcAft>
-                          <a:spcPts val="0"/>
-                        </a:spcAft>
-                        <a:buClrTx/>
-                        <a:buSzTx/>
-                        <a:buFontTx/>
-                        <a:buNone/>
-                        <a:tabLst/>
-                        <a:defRPr/>
-                      </a:pPr>
-                      <a:r>
-                        <a:rPr lang="en-US" altLang="zh-TW" dirty="0" smtClean="0"/>
-                        <a:t>[100,100]</a:t>
-                      </a:r>
-                      <a:r>
-                        <a:rPr lang="zh-TW" altLang="en-US" dirty="0" smtClean="0"/>
-                        <a:t>、</a:t>
-                      </a:r>
-                      <a:r>
-                        <a:rPr lang="en-US" altLang="zh-TW" dirty="0" smtClean="0"/>
-                        <a:t>[123,321]</a:t>
-                      </a:r>
-                      <a:endParaRPr lang="zh-TW" altLang="en-US" dirty="0"/>
-                    </a:p>
-                  </a:txBody>
-                  <a:tcPr/>
-                </a:tc>
-                <a:extLst>
-                  <a:ext uri="{0D108BD9-81ED-4DB2-BD59-A6C34878D82A}">
-                    <a16:rowId xmlns:a16="http://schemas.microsoft.com/office/drawing/2014/main" val="3827023827"/>
-                  </a:ext>
-                </a:extLst>
-              </a:tr>
-              <a:tr h="370840">
-                <a:tc>
-                  <a:txBody>
-                    <a:bodyPr/>
-                    <a:lstStyle/>
-                    <a:p>
-                      <a:r>
-                        <a:rPr lang="zh-TW" altLang="en-US" dirty="0" smtClean="0"/>
-                        <a:t>拍子</a:t>
-                      </a:r>
-                      <a:r>
-                        <a:rPr lang="en-US" altLang="zh-TW" dirty="0" smtClean="0"/>
-                        <a:t>1P</a:t>
-                      </a:r>
-                      <a:r>
-                        <a:rPr lang="zh-TW" altLang="en-US" dirty="0" smtClean="0"/>
-                        <a:t>、</a:t>
-                      </a:r>
-                      <a:r>
-                        <a:rPr lang="en-US" altLang="zh-TW" dirty="0" smtClean="0"/>
-                        <a:t>2P</a:t>
-                      </a:r>
-                      <a:r>
-                        <a:rPr lang="zh-TW" altLang="en-US" dirty="0" smtClean="0"/>
-                        <a:t>座標</a:t>
-                      </a:r>
-                      <a:endParaRPr lang="zh-TW" altLang="en-US" dirty="0"/>
-                    </a:p>
-                  </a:txBody>
-                  <a:tcPr/>
-                </a:tc>
-                <a:tc>
-                  <a:txBody>
-                    <a:bodyPr/>
-                    <a:lstStyle/>
-                    <a:p>
-                      <a:r>
-                        <a:rPr lang="en-US" altLang="zh-TW" dirty="0" err="1" smtClean="0"/>
-                        <a:t>Int</a:t>
-                      </a:r>
-                      <a:r>
-                        <a:rPr lang="en-US" altLang="zh-TW" dirty="0" smtClean="0"/>
-                        <a:t>[]</a:t>
-                      </a:r>
-                      <a:endParaRPr lang="zh-TW" altLang="en-US" dirty="0"/>
-                    </a:p>
-                  </a:txBody>
-                  <a:tcPr/>
-                </a:tc>
-                <a:tc>
-                  <a:txBody>
-                    <a:bodyPr/>
-                    <a:lstStyle/>
-                    <a:p>
-                      <a:r>
-                        <a:rPr lang="en-US" altLang="zh-TW" dirty="0" smtClean="0"/>
-                        <a:t>[100,80]</a:t>
-                      </a:r>
-                      <a:r>
-                        <a:rPr lang="zh-TW" altLang="en-US" dirty="0" smtClean="0"/>
-                        <a:t>、</a:t>
-                      </a:r>
-                      <a:r>
-                        <a:rPr lang="en-US" altLang="zh-TW" dirty="0" smtClean="0"/>
-                        <a:t>[100,420]</a:t>
-                      </a:r>
-                      <a:endParaRPr lang="zh-TW" altLang="en-US" dirty="0"/>
-                    </a:p>
-                  </a:txBody>
-                  <a:tcPr/>
-                </a:tc>
-                <a:extLst>
-                  <a:ext uri="{0D108BD9-81ED-4DB2-BD59-A6C34878D82A}">
-                    <a16:rowId xmlns:a16="http://schemas.microsoft.com/office/drawing/2014/main" val="2395209103"/>
-                  </a:ext>
-                </a:extLst>
-              </a:tr>
-            </a:tbl>
-          </a:graphicData>
-        </a:graphic>
-      </p:graphicFrame>
-      <p:sp>
-        <p:nvSpPr>
-          <p:cNvPr id="8" name="標題 1"/>
-          <p:cNvSpPr txBox="1">
-            <a:spLocks/>
-          </p:cNvSpPr>
-          <p:nvPr/>
-        </p:nvSpPr>
-        <p:spPr bwMode="auto">
-          <a:xfrm>
-            <a:off x="1485901" y="3960151"/>
-            <a:ext cx="1728192" cy="634752"/>
-          </a:xfrm>
-          <a:prstGeom prst="rect">
-            <a:avLst/>
-          </a:prstGeom>
-        </p:spPr>
-        <p:txBody>
-          <a:bodyPr vert="horz" lIns="91440" tIns="45720" rIns="91440" bIns="45720" rtlCol="0" anchor="b">
-            <a:normAutofit/>
-          </a:bodyPr>
-          <a:lstStyle>
-            <a:lvl1pPr algn="l" defTabSz="914400" rtl="0" eaLnBrk="1" latinLnBrk="0" hangingPunct="1">
-              <a:lnSpc>
-                <a:spcPct val="80000"/>
-              </a:lnSpc>
-              <a:spcBef>
-                <a:spcPct val="0"/>
-              </a:spcBef>
-              <a:buNone/>
-              <a:defRPr sz="3600" b="1" kern="1200">
-                <a:solidFill>
-                  <a:schemeClr val="accent1"/>
-                </a:solidFill>
-                <a:latin typeface="Microsoft JhengHei UI" panose="020B0604030504040204" pitchFamily="34" charset="-120"/>
-                <a:ea typeface="Microsoft JhengHei UI" panose="020B0604030504040204" pitchFamily="34" charset="-120"/>
-                <a:cs typeface="+mj-cs"/>
-              </a:defRPr>
-            </a:lvl1pPr>
-          </a:lstStyle>
-          <a:p>
-            <a:endParaRPr lang="zh-TW" altLang="en-US" sz="2800" dirty="0"/>
-          </a:p>
-        </p:txBody>
-      </p:sp>
-      <p:sp>
-        <p:nvSpPr>
-          <p:cNvPr id="9" name="標題 1"/>
-          <p:cNvSpPr txBox="1">
-            <a:spLocks/>
-          </p:cNvSpPr>
-          <p:nvPr/>
-        </p:nvSpPr>
-        <p:spPr bwMode="auto">
-          <a:xfrm>
-            <a:off x="1335543" y="1908240"/>
-            <a:ext cx="1728192" cy="634752"/>
-          </a:xfrm>
-          <a:prstGeom prst="rect">
-            <a:avLst/>
-          </a:prstGeom>
-        </p:spPr>
-        <p:txBody>
-          <a:bodyPr vert="horz" lIns="91440" tIns="45720" rIns="91440" bIns="45720" rtlCol="0" anchor="b">
-            <a:normAutofit/>
-          </a:bodyPr>
-          <a:lstStyle>
-            <a:lvl1pPr algn="l" defTabSz="914400" rtl="0" eaLnBrk="1" latinLnBrk="0" hangingPunct="1">
-              <a:lnSpc>
-                <a:spcPct val="80000"/>
-              </a:lnSpc>
-              <a:spcBef>
-                <a:spcPct val="0"/>
-              </a:spcBef>
-              <a:buNone/>
-              <a:defRPr sz="3600" b="1" kern="1200">
-                <a:solidFill>
-                  <a:schemeClr val="accent1"/>
-                </a:solidFill>
-                <a:latin typeface="Microsoft JhengHei UI" panose="020B0604030504040204" pitchFamily="34" charset="-120"/>
-                <a:ea typeface="Microsoft JhengHei UI" panose="020B0604030504040204" pitchFamily="34" charset="-120"/>
-                <a:cs typeface="+mj-cs"/>
-              </a:defRPr>
-            </a:lvl1pPr>
-          </a:lstStyle>
-          <a:p>
-            <a:r>
-              <a:rPr lang="en-US" altLang="zh-TW" sz="2800" dirty="0" smtClean="0"/>
-              <a:t>Input</a:t>
-            </a:r>
-            <a:endParaRPr lang="zh-TW" altLang="en-US" sz="2800" dirty="0"/>
-          </a:p>
-        </p:txBody>
-      </p:sp>
+      </p:pic>
     </p:spTree>
     <p:extLst>
       <p:ext uri="{BB962C8B-B14F-4D97-AF65-F5344CB8AC3E}">
-        <p14:creationId xmlns:p14="http://schemas.microsoft.com/office/powerpoint/2010/main" val="285037743"/>
+        <p14:creationId xmlns:p14="http://schemas.microsoft.com/office/powerpoint/2010/main" val="2588037978"/>
       </p:ext>
     </p:extLst>
   </p:cSld>
@@ -14093,7 +13101,7 @@
 </p:sld>
 </file>
 
-<file path=ppt/slides/slide9.xml><?xml version="1.0" encoding="utf-8"?>
+<file path=ppt/slides/slide8.xml><?xml version="1.0" encoding="utf-8"?>
 <p:sld xmlns:a="http://schemas.openxmlformats.org/drawingml/2006/main" xmlns:r="http://schemas.openxmlformats.org/officeDocument/2006/relationships" xmlns:p="http://schemas.openxmlformats.org/presentationml/2006/main">
   <p:cSld>
     <p:spTree>
@@ -17176,6 +16184,26 @@
 </file>
 
 <file path=customXml/item1.xml><?xml version="1.0" encoding="utf-8"?>
+<p:properties xmlns:p="http://schemas.microsoft.com/office/2006/metadata/properties" xmlns:xsi="http://www.w3.org/2001/XMLSchema-instance" xmlns:pc="http://schemas.microsoft.com/office/infopath/2007/PartnerControls">
+  <documentManagement>
+    <VSO_x0020_item_x0020_id xmlns="40262f94-9f35-4ac3-9a90-690165a166b7" xsi:nil="true"/>
+    <Assetid_x0020_ xmlns="40262f94-9f35-4ac3-9a90-690165a166b7" xsi:nil="true"/>
+    <Item_x0020_Details xmlns="40262f94-9f35-4ac3-9a90-690165a166b7" xsi:nil="true"/>
+    <Template_x0020_details xmlns="40262f94-9f35-4ac3-9a90-690165a166b7" xsi:nil="true"/>
+  </documentManagement>
+</p:properties>
+</file>
+
+<file path=customXml/item2.xml><?xml version="1.0" encoding="utf-8"?>
+<?mso-contentType ?>
+<FormTemplates xmlns="http://schemas.microsoft.com/sharepoint/v3/contenttype/forms">
+  <Display>DocumentLibraryForm</Display>
+  <Edit>DocumentLibraryForm</Edit>
+  <New>DocumentLibraryForm</New>
+</FormTemplates>
+</file>
+
+<file path=customXml/item3.xml><?xml version="1.0" encoding="utf-8"?>
 <ct:contentTypeSchema xmlns:ct="http://schemas.microsoft.com/office/2006/metadata/contentType" xmlns:ma="http://schemas.microsoft.com/office/2006/metadata/properties/metaAttributes" ct:_="" ma:_="" ma:contentTypeName="Document" ma:contentTypeID="0x010100AA3F7D94069FF64A86F7DFF56D60E3BE" ma:contentTypeVersion="6" ma:contentTypeDescription="Create a new document." ma:contentTypeScope="" ma:versionID="c32302c77d4085ecf495bdddb7f5e889">
   <xsd:schema xmlns:xsd="http://www.w3.org/2001/XMLSchema" xmlns:xs="http://www.w3.org/2001/XMLSchema" xmlns:p="http://schemas.microsoft.com/office/2006/metadata/properties" xmlns:ns2="a4f35948-e619-41b3-aa29-22878b09cfd2" xmlns:ns3="40262f94-9f35-4ac3-9a90-690165a166b7" targetNamespace="http://schemas.microsoft.com/office/2006/metadata/properties" ma:root="true" ma:fieldsID="4ab5ae46be95f9d0be6107e8200be7a2" ns2:_="" ns3:_="">
     <xsd:import namespace="a4f35948-e619-41b3-aa29-22878b09cfd2"/>
@@ -17356,27 +16384,32 @@
 </ct:contentTypeSchema>
 </file>
 
-<file path=customXml/item2.xml><?xml version="1.0" encoding="utf-8"?>
-<?mso-contentType ?>
-<FormTemplates xmlns="http://schemas.microsoft.com/sharepoint/v3/contenttype/forms">
-  <Display>DocumentLibraryForm</Display>
-  <Edit>DocumentLibraryForm</Edit>
-  <New>DocumentLibraryForm</New>
-</FormTemplates>
+<file path=customXml/itemProps1.xml><?xml version="1.0" encoding="utf-8"?>
+<ds:datastoreItem xmlns:ds="http://schemas.openxmlformats.org/officeDocument/2006/customXml" ds:itemID="{3FFF1070-8794-47AC-90B7-1F2E078096FF}">
+  <ds:schemaRefs>
+    <ds:schemaRef ds:uri="http://purl.org/dc/dcmitype/"/>
+    <ds:schemaRef ds:uri="http://schemas.microsoft.com/office/2006/documentManagement/types"/>
+    <ds:schemaRef ds:uri="http://schemas.microsoft.com/office/infopath/2007/PartnerControls"/>
+    <ds:schemaRef ds:uri="http://purl.org/dc/elements/1.1/"/>
+    <ds:schemaRef ds:uri="http://schemas.openxmlformats.org/package/2006/metadata/core-properties"/>
+    <ds:schemaRef ds:uri="http://www.w3.org/XML/1998/namespace"/>
+    <ds:schemaRef ds:uri="http://purl.org/dc/terms/"/>
+    <ds:schemaRef ds:uri="http://schemas.microsoft.com/office/2006/metadata/properties"/>
+    <ds:schemaRef ds:uri="a4f35948-e619-41b3-aa29-22878b09cfd2"/>
+    <ds:schemaRef ds:uri="40262f94-9f35-4ac3-9a90-690165a166b7"/>
+  </ds:schemaRefs>
+</ds:datastoreItem>
 </file>
 
-<file path=customXml/item3.xml><?xml version="1.0" encoding="utf-8"?>
-<p:properties xmlns:p="http://schemas.microsoft.com/office/2006/metadata/properties" xmlns:xsi="http://www.w3.org/2001/XMLSchema-instance" xmlns:pc="http://schemas.microsoft.com/office/infopath/2007/PartnerControls">
-  <documentManagement>
-    <VSO_x0020_item_x0020_id xmlns="40262f94-9f35-4ac3-9a90-690165a166b7" xsi:nil="true"/>
-    <Assetid_x0020_ xmlns="40262f94-9f35-4ac3-9a90-690165a166b7" xsi:nil="true"/>
-    <Item_x0020_Details xmlns="40262f94-9f35-4ac3-9a90-690165a166b7" xsi:nil="true"/>
-    <Template_x0020_details xmlns="40262f94-9f35-4ac3-9a90-690165a166b7" xsi:nil="true"/>
-  </documentManagement>
-</p:properties>
+<file path=customXml/itemProps2.xml><?xml version="1.0" encoding="utf-8"?>
+<ds:datastoreItem xmlns:ds="http://schemas.openxmlformats.org/officeDocument/2006/customXml" ds:itemID="{653E1689-1E09-4ADC-A5E7-6718BF79A8A6}">
+  <ds:schemaRefs>
+    <ds:schemaRef ds:uri="http://schemas.microsoft.com/sharepoint/v3/contenttype/forms"/>
+  </ds:schemaRefs>
+</ds:datastoreItem>
 </file>
 
-<file path=customXml/itemProps1.xml><?xml version="1.0" encoding="utf-8"?>
+<file path=customXml/itemProps3.xml><?xml version="1.0" encoding="utf-8"?>
 <ds:datastoreItem xmlns:ds="http://schemas.openxmlformats.org/officeDocument/2006/customXml" ds:itemID="{7CB30B94-6D3B-4C91-947C-5EB8E8EFFE4F}">
   <ds:schemaRefs>
     <ds:schemaRef ds:uri="http://schemas.microsoft.com/office/2006/metadata/contentType"/>
@@ -17393,29 +16426,4 @@
     <ds:schemaRef ds:uri="http://schemas.microsoft.com/internal/obd"/>
   </ds:schemaRefs>
 </ds:datastoreItem>
-</file>
-
-<file path=customXml/itemProps2.xml><?xml version="1.0" encoding="utf-8"?>
-<ds:datastoreItem xmlns:ds="http://schemas.openxmlformats.org/officeDocument/2006/customXml" ds:itemID="{653E1689-1E09-4ADC-A5E7-6718BF79A8A6}">
-  <ds:schemaRefs>
-    <ds:schemaRef ds:uri="http://schemas.microsoft.com/sharepoint/v3/contenttype/forms"/>
-  </ds:schemaRefs>
-</ds:datastoreItem>
-</file>
-
-<file path=customXml/itemProps3.xml><?xml version="1.0" encoding="utf-8"?>
-<ds:datastoreItem xmlns:ds="http://schemas.openxmlformats.org/officeDocument/2006/customXml" ds:itemID="{3FFF1070-8794-47AC-90B7-1F2E078096FF}">
-  <ds:schemaRefs>
-    <ds:schemaRef ds:uri="http://purl.org/dc/dcmitype/"/>
-    <ds:schemaRef ds:uri="http://schemas.microsoft.com/office/2006/documentManagement/types"/>
-    <ds:schemaRef ds:uri="http://schemas.microsoft.com/office/infopath/2007/PartnerControls"/>
-    <ds:schemaRef ds:uri="http://purl.org/dc/elements/1.1/"/>
-    <ds:schemaRef ds:uri="http://schemas.openxmlformats.org/package/2006/metadata/core-properties"/>
-    <ds:schemaRef ds:uri="http://www.w3.org/XML/1998/namespace"/>
-    <ds:schemaRef ds:uri="http://purl.org/dc/terms/"/>
-    <ds:schemaRef ds:uri="http://schemas.microsoft.com/office/2006/metadata/properties"/>
-    <ds:schemaRef ds:uri="a4f35948-e619-41b3-aa29-22878b09cfd2"/>
-    <ds:schemaRef ds:uri="40262f94-9f35-4ac3-9a90-690165a166b7"/>
-  </ds:schemaRefs>
-</ds:datastoreItem>
 </file>
--- a/Finally project/Pingpong_第六組.pptx
+++ b/Finally project/Pingpong_第六組.pptx
@@ -17,12 +17,12 @@
     <p:sldId id="266" r:id="rId8"/>
     <p:sldId id="261" r:id="rId9"/>
     <p:sldId id="263" r:id="rId10"/>
-    <p:sldId id="268" r:id="rId11"/>
-    <p:sldId id="269" r:id="rId12"/>
-    <p:sldId id="267" r:id="rId13"/>
+    <p:sldId id="269" r:id="rId11"/>
+    <p:sldId id="267" r:id="rId12"/>
+    <p:sldId id="270" r:id="rId13"/>
     <p:sldId id="265" r:id="rId14"/>
     <p:sldId id="271" r:id="rId15"/>
-    <p:sldId id="270" r:id="rId16"/>
+    <p:sldId id="272" r:id="rId16"/>
   </p:sldIdLst>
   <p:sldSz cx="12188825" cy="6858000"/>
   <p:notesSz cx="6858000" cy="9144000"/>
@@ -1076,7 +1076,7 @@
             <a:fld id="{6BB98AFB-CB0D-4DFE-87B9-B4B0D0DE73CD}" type="slidenum">
               <a:rPr lang="en-US" altLang="zh-TW" smtClean="0"/>
               <a:pPr/>
-              <a:t>11</a:t>
+              <a:t>9</a:t>
             </a:fld>
             <a:endParaRPr lang="zh-TW" altLang="en-US" dirty="0"/>
           </a:p>
@@ -1085,7 +1085,7 @@
     </p:spTree>
     <p:extLst>
       <p:ext uri="{BB962C8B-B14F-4D97-AF65-F5344CB8AC3E}">
-        <p14:creationId xmlns:p14="http://schemas.microsoft.com/office/powerpoint/2010/main" val="2567226478"/>
+        <p14:creationId xmlns:p14="http://schemas.microsoft.com/office/powerpoint/2010/main" val="2366273081"/>
       </p:ext>
     </p:extLst>
   </p:cSld>
@@ -1161,7 +1161,7 @@
             <a:fld id="{6BB98AFB-CB0D-4DFE-87B9-B4B0D0DE73CD}" type="slidenum">
               <a:rPr lang="en-US" altLang="zh-TW" smtClean="0"/>
               <a:pPr/>
-              <a:t>12</a:t>
+              <a:t>11</a:t>
             </a:fld>
             <a:endParaRPr lang="zh-TW" altLang="en-US" dirty="0"/>
           </a:p>
@@ -1170,7 +1170,7 @@
     </p:spTree>
     <p:extLst>
       <p:ext uri="{BB962C8B-B14F-4D97-AF65-F5344CB8AC3E}">
-        <p14:creationId xmlns:p14="http://schemas.microsoft.com/office/powerpoint/2010/main" val="2366273081"/>
+        <p14:creationId xmlns:p14="http://schemas.microsoft.com/office/powerpoint/2010/main" val="2567226478"/>
       </p:ext>
     </p:extLst>
   </p:cSld>
@@ -4816,10 +4816,10 @@
         </p:nvGrpSpPr>
         <p:grpSpPr>
           <a:xfrm>
-            <a:off x="7616159" y="533400"/>
-            <a:ext cx="2592288" cy="5985059"/>
-            <a:chOff x="5950395" y="108238"/>
-            <a:chExt cx="3263978" cy="8984571"/>
+            <a:off x="7073311" y="534879"/>
+            <a:ext cx="2594429" cy="5386133"/>
+            <a:chOff x="5947700" y="108238"/>
+            <a:chExt cx="3266673" cy="8085484"/>
           </a:xfrm>
         </p:grpSpPr>
         <p:sp>
@@ -4859,9 +4859,18 @@
             <a:p>
               <a:pPr algn="ctr"/>
               <a:r>
-                <a:rPr lang="zh-TW" altLang="en-US" sz="1400" dirty="0"/>
+                <a:rPr lang="zh-TW" altLang="en-US" sz="1400" dirty="0" smtClean="0"/>
                 <a:t>發球</a:t>
               </a:r>
+              <a:r>
+                <a:rPr lang="en-US" altLang="zh-TW" sz="1400" dirty="0" smtClean="0"/>
+                <a:t>/</a:t>
+              </a:r>
+              <a:r>
+                <a:rPr lang="zh-TW" altLang="en-US" sz="1400" dirty="0" smtClean="0"/>
+                <a:t>擊球</a:t>
+              </a:r>
+              <a:endParaRPr lang="zh-TW" altLang="en-US" sz="1400" dirty="0"/>
             </a:p>
           </p:txBody>
         </p:sp>
@@ -4903,59 +4912,9 @@
               <a:pPr algn="ctr"/>
               <a:r>
                 <a:rPr lang="zh-TW" altLang="en-US" sz="1400" dirty="0"/>
-                <a:t>開始計算</a:t>
-              </a:r>
-              <a:r>
-                <a:rPr lang="en-US" altLang="zh-TW" sz="1400" dirty="0"/>
-                <a:t>2P</a:t>
-              </a:r>
-              <a:r>
-                <a:rPr lang="zh-TW" altLang="en-US" sz="1400" dirty="0"/>
-                <a:t>的回擊方向</a:t>
-              </a:r>
-            </a:p>
-          </p:txBody>
-        </p:sp>
-        <p:sp>
-          <p:nvSpPr>
-            <p:cNvPr id="7" name="矩形 6"/>
-            <p:cNvSpPr/>
-            <p:nvPr/>
-          </p:nvSpPr>
-          <p:spPr>
-            <a:xfrm>
-              <a:off x="7852983" y="2855392"/>
-              <a:ext cx="1361390" cy="748560"/>
-            </a:xfrm>
-            <a:prstGeom prst="rect">
-              <a:avLst/>
-            </a:prstGeom>
-          </p:spPr>
-          <p:style>
-            <a:lnRef idx="2">
-              <a:schemeClr val="accent1">
-                <a:shade val="50000"/>
-              </a:schemeClr>
-            </a:lnRef>
-            <a:fillRef idx="1">
-              <a:schemeClr val="accent1"/>
-            </a:fillRef>
-            <a:effectRef idx="0">
-              <a:schemeClr val="accent1"/>
-            </a:effectRef>
-            <a:fontRef idx="minor">
-              <a:schemeClr val="lt1"/>
-            </a:fontRef>
-          </p:style>
-          <p:txBody>
-            <a:bodyPr rtlCol="0" anchor="ctr"/>
-            <a:lstStyle/>
-            <a:p>
-              <a:pPr algn="ctr"/>
-              <a:r>
-                <a:rPr lang="zh-TW" altLang="en-US" sz="1400" dirty="0"/>
                 <a:t>計算球落點</a:t>
               </a:r>
+              <a:endParaRPr lang="zh-TW" altLang="en-US" sz="1400" dirty="0"/>
             </a:p>
           </p:txBody>
         </p:sp>
@@ -5055,7 +5014,7 @@
           </p:nvSpPr>
           <p:spPr>
             <a:xfrm>
-              <a:off x="7852983" y="3763402"/>
+              <a:off x="7852982" y="3008177"/>
               <a:ext cx="1361390" cy="748560"/>
             </a:xfrm>
             <a:prstGeom prst="rect">
@@ -5098,7 +5057,7 @@
           </p:nvSpPr>
           <p:spPr>
             <a:xfrm>
-              <a:off x="7852983" y="4671412"/>
+              <a:off x="7852982" y="4122463"/>
               <a:ext cx="1361390" cy="748560"/>
             </a:xfrm>
             <a:prstGeom prst="rect">
@@ -5141,7 +5100,7 @@
           </p:nvSpPr>
           <p:spPr>
             <a:xfrm>
-              <a:off x="5955640" y="7413112"/>
+              <a:off x="5947701" y="6464236"/>
               <a:ext cx="1361390" cy="748560"/>
             </a:xfrm>
             <a:prstGeom prst="rect">
@@ -5184,8 +5143,8 @@
           </p:nvSpPr>
           <p:spPr>
             <a:xfrm>
-              <a:off x="5950396" y="8344247"/>
-              <a:ext cx="1361390" cy="748560"/>
+              <a:off x="5947700" y="7445162"/>
+              <a:ext cx="1361389" cy="748560"/>
             </a:xfrm>
             <a:prstGeom prst="rect">
               <a:avLst/>
@@ -5256,15 +5215,14 @@
           <p:nvCxnSpPr>
             <p:cNvPr id="28" name="直線單箭頭接點 27"/>
             <p:cNvCxnSpPr>
-              <a:stCxn id="7" idx="2"/>
               <a:endCxn id="10" idx="0"/>
             </p:cNvCxnSpPr>
             <p:nvPr/>
           </p:nvCxnSpPr>
           <p:spPr>
             <a:xfrm>
-              <a:off x="8533678" y="3603952"/>
-              <a:ext cx="0" cy="159450"/>
+              <a:off x="8533676" y="2848727"/>
+              <a:ext cx="0" cy="159449"/>
             </a:xfrm>
             <a:prstGeom prst="straightConnector1">
               <a:avLst/>
@@ -5296,8 +5254,8 @@
           </p:nvCxnSpPr>
           <p:spPr>
             <a:xfrm>
-              <a:off x="8533678" y="4511962"/>
-              <a:ext cx="0" cy="159450"/>
+              <a:off x="8533678" y="3756736"/>
+              <a:ext cx="0" cy="365726"/>
             </a:xfrm>
             <a:prstGeom prst="straightConnector1">
               <a:avLst/>
@@ -5318,55 +5276,10 @@
             </a:fontRef>
           </p:style>
         </p:cxnSp>
-        <p:sp>
-          <p:nvSpPr>
-            <p:cNvPr id="36" name="矩形 35"/>
-            <p:cNvSpPr/>
-            <p:nvPr/>
-          </p:nvSpPr>
-          <p:spPr>
-            <a:xfrm>
-              <a:off x="5959927" y="6481976"/>
-              <a:ext cx="1361390" cy="748560"/>
-            </a:xfrm>
-            <a:prstGeom prst="rect">
-              <a:avLst/>
-            </a:prstGeom>
-          </p:spPr>
-          <p:style>
-            <a:lnRef idx="2">
-              <a:schemeClr val="accent1">
-                <a:shade val="50000"/>
-              </a:schemeClr>
-            </a:lnRef>
-            <a:fillRef idx="1">
-              <a:schemeClr val="accent1"/>
-            </a:fillRef>
-            <a:effectRef idx="0">
-              <a:schemeClr val="accent1"/>
-            </a:effectRef>
-            <a:fontRef idx="minor">
-              <a:schemeClr val="lt1"/>
-            </a:fontRef>
-          </p:style>
-          <p:txBody>
-            <a:bodyPr rtlCol="0" anchor="ctr"/>
-            <a:lstStyle/>
-            <a:p>
-              <a:pPr algn="ctr"/>
-              <a:r>
-                <a:rPr lang="zh-TW" altLang="en-US" sz="1400" dirty="0"/>
-                <a:t>計算球落點</a:t>
-              </a:r>
-            </a:p>
-          </p:txBody>
-        </p:sp>
         <p:cxnSp>
           <p:nvCxnSpPr>
             <p:cNvPr id="44" name="直線單箭頭接點 43"/>
-            <p:cNvCxnSpPr>
-              <a:stCxn id="36" idx="2"/>
-            </p:cNvCxnSpPr>
+            <p:cNvCxnSpPr/>
             <p:nvPr/>
           </p:nvCxnSpPr>
           <p:spPr>
@@ -5404,8 +5317,8 @@
           </p:nvCxnSpPr>
           <p:spPr>
             <a:xfrm flipH="1">
-              <a:off x="6631091" y="8161671"/>
-              <a:ext cx="5244" cy="182576"/>
+              <a:off x="6628395" y="7212796"/>
+              <a:ext cx="1" cy="232366"/>
             </a:xfrm>
             <a:prstGeom prst="straightConnector1">
               <a:avLst/>
@@ -5442,42 +5355,6 @@
             </a:xfrm>
             <a:prstGeom prst="straightConnector1">
               <a:avLst/>
-            </a:prstGeom>
-          </p:spPr>
-          <p:style>
-            <a:lnRef idx="1">
-              <a:schemeClr val="accent1"/>
-            </a:lnRef>
-            <a:fillRef idx="0">
-              <a:schemeClr val="accent1"/>
-            </a:fillRef>
-            <a:effectRef idx="0">
-              <a:schemeClr val="accent1"/>
-            </a:effectRef>
-            <a:fontRef idx="minor">
-              <a:schemeClr val="tx1"/>
-            </a:fontRef>
-          </p:style>
-        </p:cxnSp>
-        <p:cxnSp>
-          <p:nvCxnSpPr>
-            <p:cNvPr id="71" name="肘形接點 70"/>
-            <p:cNvCxnSpPr>
-              <a:stCxn id="14" idx="2"/>
-              <a:endCxn id="5" idx="1"/>
-            </p:cNvCxnSpPr>
-            <p:nvPr/>
-          </p:nvCxnSpPr>
-          <p:spPr>
-            <a:xfrm rot="5400000" flipH="1">
-              <a:off x="4674183" y="7135900"/>
-              <a:ext cx="3233121" cy="680697"/>
-            </a:xfrm>
-            <a:prstGeom prst="bentConnector4">
-              <a:avLst>
-                <a:gd name="adj1" fmla="val -10614"/>
-                <a:gd name="adj2" fmla="val 142285"/>
-              </a:avLst>
             </a:prstGeom>
           </p:spPr>
           <p:style>
@@ -5533,61 +5410,17 @@
               <a:pPr algn="ctr"/>
               <a:r>
                 <a:rPr lang="zh-TW" altLang="en-US" sz="1400" dirty="0"/>
-                <a:t>開始計算</a:t>
+                <a:t>計算球落點</a:t>
               </a:r>
-              <a:r>
-                <a:rPr lang="en-US" altLang="zh-TW" sz="1400" dirty="0"/>
-                <a:t>1P</a:t>
-              </a:r>
-              <a:r>
-                <a:rPr lang="zh-TW" altLang="en-US" sz="1400" dirty="0"/>
-                <a:t>的回擊方向</a:t>
-              </a:r>
+              <a:endParaRPr lang="zh-TW" altLang="en-US" sz="1400" dirty="0"/>
             </a:p>
           </p:txBody>
         </p:sp>
         <p:cxnSp>
           <p:nvCxnSpPr>
-            <p:cNvPr id="79" name="肘形接點 78"/>
-            <p:cNvCxnSpPr>
-              <a:stCxn id="11" idx="2"/>
-              <a:endCxn id="76" idx="3"/>
-            </p:cNvCxnSpPr>
-            <p:nvPr/>
-          </p:nvCxnSpPr>
-          <p:spPr>
-            <a:xfrm rot="5400000" flipH="1" flipV="1">
-              <a:off x="7324871" y="3530470"/>
-              <a:ext cx="3098309" cy="680695"/>
-            </a:xfrm>
-            <a:prstGeom prst="bentConnector4">
-              <a:avLst>
-                <a:gd name="adj1" fmla="val -5677"/>
-                <a:gd name="adj2" fmla="val 124691"/>
-              </a:avLst>
-            </a:prstGeom>
-          </p:spPr>
-          <p:style>
-            <a:lnRef idx="1">
-              <a:schemeClr val="accent1"/>
-            </a:lnRef>
-            <a:fillRef idx="0">
-              <a:schemeClr val="accent1"/>
-            </a:fillRef>
-            <a:effectRef idx="0">
-              <a:schemeClr val="accent1"/>
-            </a:effectRef>
-            <a:fontRef idx="minor">
-              <a:schemeClr val="tx1"/>
-            </a:fontRef>
-          </p:style>
-        </p:cxnSp>
-        <p:cxnSp>
-          <p:nvCxnSpPr>
             <p:cNvPr id="83" name="直線單箭頭接點 82"/>
             <p:cNvCxnSpPr>
               <a:stCxn id="5" idx="2"/>
-              <a:endCxn id="36" idx="0"/>
             </p:cNvCxnSpPr>
             <p:nvPr/>
           </p:nvCxnSpPr>
@@ -5686,7 +5519,6 @@
             <p:cNvPr id="89" name="直線單箭頭接點 88"/>
             <p:cNvCxnSpPr>
               <a:stCxn id="76" idx="2"/>
-              <a:endCxn id="7" idx="0"/>
             </p:cNvCxnSpPr>
             <p:nvPr/>
           </p:nvCxnSpPr>
@@ -5714,6 +5546,54 @@
             </a:fontRef>
           </p:style>
         </p:cxnSp>
+        <p:sp>
+          <p:nvSpPr>
+            <p:cNvPr id="65" name="矩形 64"/>
+            <p:cNvSpPr/>
+            <p:nvPr/>
+          </p:nvSpPr>
+          <p:spPr>
+            <a:xfrm>
+              <a:off x="5947702" y="2212611"/>
+              <a:ext cx="1361390" cy="748560"/>
+            </a:xfrm>
+            <a:prstGeom prst="rect">
+              <a:avLst/>
+            </a:prstGeom>
+          </p:spPr>
+          <p:style>
+            <a:lnRef idx="2">
+              <a:schemeClr val="accent1">
+                <a:shade val="50000"/>
+              </a:schemeClr>
+            </a:lnRef>
+            <a:fillRef idx="1">
+              <a:schemeClr val="accent1"/>
+            </a:fillRef>
+            <a:effectRef idx="0">
+              <a:schemeClr val="accent1"/>
+            </a:effectRef>
+            <a:fontRef idx="minor">
+              <a:schemeClr val="lt1"/>
+            </a:fontRef>
+          </p:style>
+          <p:txBody>
+            <a:bodyPr rtlCol="0" anchor="ctr"/>
+            <a:lstStyle/>
+            <a:p>
+              <a:pPr algn="ctr"/>
+              <a:r>
+                <a:rPr lang="zh-TW" altLang="en-US" sz="1400" dirty="0" smtClean="0"/>
+                <a:t>回到</a:t>
+              </a:r>
+              <a:r>
+                <a:rPr lang="en-US" altLang="zh-TW" sz="1400" dirty="0" smtClean="0"/>
+                <a:t>x=100</a:t>
+              </a:r>
+              <a:endParaRPr lang="zh-TW" altLang="en-US" sz="1400" dirty="0"/>
+            </a:p>
+          </p:txBody>
+        </p:sp>
       </p:grpSp>
       <p:sp>
         <p:nvSpPr>
@@ -6622,278 +6502,6 @@
           </a:fontRef>
         </p:style>
       </p:cxnSp>
-      <p:pic>
-        <p:nvPicPr>
-          <p:cNvPr id="136" name="圖片 135"/>
-          <p:cNvPicPr>
-            <a:picLocks noChangeAspect="1"/>
-          </p:cNvPicPr>
-          <p:nvPr/>
-        </p:nvPicPr>
-        <p:blipFill>
-          <a:blip r:embed="rId2">
-            <a:extLst>
-              <a:ext uri="{28A0092B-C50C-407E-A947-70E740481C1C}">
-                <a14:useLocalDpi xmlns:a14="http://schemas.microsoft.com/office/drawing/2010/main" val="0"/>
-              </a:ext>
-            </a:extLst>
-          </a:blip>
-          <a:stretch>
-            <a:fillRect/>
-          </a:stretch>
-        </p:blipFill>
-        <p:spPr>
-          <a:xfrm>
-            <a:off x="1065212" y="2157909"/>
-            <a:ext cx="5501763" cy="1443363"/>
-          </a:xfrm>
-          <a:prstGeom prst="rect">
-            <a:avLst/>
-          </a:prstGeom>
-        </p:spPr>
-      </p:pic>
-      <p:grpSp>
-        <p:nvGrpSpPr>
-          <p:cNvPr id="138" name="群組 137"/>
-          <p:cNvGrpSpPr/>
-          <p:nvPr/>
-        </p:nvGrpSpPr>
-        <p:grpSpPr>
-          <a:xfrm>
-            <a:off x="1065212" y="3958254"/>
-            <a:ext cx="5501763" cy="902439"/>
-            <a:chOff x="1065212" y="3975182"/>
-            <a:chExt cx="5501763" cy="902439"/>
-          </a:xfrm>
-        </p:grpSpPr>
-        <p:pic>
-          <p:nvPicPr>
-            <p:cNvPr id="135" name="圖片 134"/>
-            <p:cNvPicPr>
-              <a:picLocks noChangeAspect="1"/>
-            </p:cNvPicPr>
-            <p:nvPr/>
-          </p:nvPicPr>
-          <p:blipFill>
-            <a:blip r:embed="rId3">
-              <a:extLst>
-                <a:ext uri="{28A0092B-C50C-407E-A947-70E740481C1C}">
-                  <a14:useLocalDpi xmlns:a14="http://schemas.microsoft.com/office/drawing/2010/main" val="0"/>
-                </a:ext>
-              </a:extLst>
-            </a:blip>
-            <a:stretch>
-              <a:fillRect/>
-            </a:stretch>
-          </p:blipFill>
-          <p:spPr>
-            <a:xfrm>
-              <a:off x="1065212" y="3979374"/>
-              <a:ext cx="5501763" cy="898247"/>
-            </a:xfrm>
-            <a:prstGeom prst="rect">
-              <a:avLst/>
-            </a:prstGeom>
-          </p:spPr>
-        </p:pic>
-        <p:sp>
-          <p:nvSpPr>
-            <p:cNvPr id="137" name="矩形 136"/>
-            <p:cNvSpPr/>
-            <p:nvPr/>
-          </p:nvSpPr>
-          <p:spPr>
-            <a:xfrm>
-              <a:off x="1065212" y="3975182"/>
-              <a:ext cx="5501763" cy="893978"/>
-            </a:xfrm>
-            <a:prstGeom prst="rect">
-              <a:avLst/>
-            </a:prstGeom>
-            <a:noFill/>
-            <a:ln w="38100">
-              <a:solidFill>
-                <a:srgbClr val="FF0000"/>
-              </a:solidFill>
-            </a:ln>
-          </p:spPr>
-          <p:style>
-            <a:lnRef idx="1">
-              <a:schemeClr val="accent2"/>
-            </a:lnRef>
-            <a:fillRef idx="2">
-              <a:schemeClr val="accent2"/>
-            </a:fillRef>
-            <a:effectRef idx="1">
-              <a:schemeClr val="accent2"/>
-            </a:effectRef>
-            <a:fontRef idx="minor">
-              <a:schemeClr val="dk1"/>
-            </a:fontRef>
-          </p:style>
-          <p:txBody>
-            <a:bodyPr rtlCol="0" anchor="ctr"/>
-            <a:lstStyle/>
-            <a:p>
-              <a:pPr algn="ctr"/>
-              <a:endParaRPr lang="zh-TW" altLang="en-US" dirty="0"/>
-            </a:p>
-          </p:txBody>
-        </p:sp>
-      </p:grpSp>
-      <p:sp>
-        <p:nvSpPr>
-          <p:cNvPr id="139" name="矩形 138"/>
-          <p:cNvSpPr/>
-          <p:nvPr/>
-        </p:nvSpPr>
-        <p:spPr>
-          <a:xfrm>
-            <a:off x="7618983" y="4071803"/>
-            <a:ext cx="1093547" cy="585830"/>
-          </a:xfrm>
-          <a:prstGeom prst="rect">
-            <a:avLst/>
-          </a:prstGeom>
-          <a:noFill/>
-          <a:ln w="38100">
-            <a:solidFill>
-              <a:srgbClr val="FF0000"/>
-            </a:solidFill>
-          </a:ln>
-        </p:spPr>
-        <p:style>
-          <a:lnRef idx="1">
-            <a:schemeClr val="accent2"/>
-          </a:lnRef>
-          <a:fillRef idx="2">
-            <a:schemeClr val="accent2"/>
-          </a:fillRef>
-          <a:effectRef idx="1">
-            <a:schemeClr val="accent2"/>
-          </a:effectRef>
-          <a:fontRef idx="minor">
-            <a:schemeClr val="dk1"/>
-          </a:fontRef>
-        </p:style>
-        <p:txBody>
-          <a:bodyPr rtlCol="0" anchor="ctr"/>
-          <a:lstStyle/>
-          <a:p>
-            <a:pPr algn="ctr"/>
-            <a:endParaRPr lang="zh-TW" altLang="en-US" dirty="0"/>
-          </a:p>
-        </p:txBody>
-      </p:sp>
-      <p:cxnSp>
-        <p:nvCxnSpPr>
-          <p:cNvPr id="147" name="直線接點 146"/>
-          <p:cNvCxnSpPr/>
-          <p:nvPr/>
-        </p:nvCxnSpPr>
-        <p:spPr>
-          <a:xfrm>
-            <a:off x="6566975" y="3949793"/>
-            <a:ext cx="1056754" cy="209188"/>
-          </a:xfrm>
-          <a:prstGeom prst="line">
-            <a:avLst/>
-          </a:prstGeom>
-          <a:ln w="38100">
-            <a:solidFill>
-              <a:srgbClr val="FF0000"/>
-            </a:solidFill>
-          </a:ln>
-        </p:spPr>
-        <p:style>
-          <a:lnRef idx="1">
-            <a:schemeClr val="accent1"/>
-          </a:lnRef>
-          <a:fillRef idx="0">
-            <a:schemeClr val="accent1"/>
-          </a:fillRef>
-          <a:effectRef idx="0">
-            <a:schemeClr val="accent1"/>
-          </a:effectRef>
-          <a:fontRef idx="minor">
-            <a:schemeClr val="tx1"/>
-          </a:fontRef>
-        </p:style>
-      </p:cxnSp>
-      <p:cxnSp>
-        <p:nvCxnSpPr>
-          <p:cNvPr id="149" name="直線接點 148"/>
-          <p:cNvCxnSpPr/>
-          <p:nvPr/>
-        </p:nvCxnSpPr>
-        <p:spPr>
-          <a:xfrm flipV="1">
-            <a:off x="6566975" y="4657634"/>
-            <a:ext cx="1049184" cy="194598"/>
-          </a:xfrm>
-          <a:prstGeom prst="line">
-            <a:avLst/>
-          </a:prstGeom>
-          <a:ln w="38100">
-            <a:solidFill>
-              <a:srgbClr val="FF0000"/>
-            </a:solidFill>
-          </a:ln>
-        </p:spPr>
-        <p:style>
-          <a:lnRef idx="1">
-            <a:schemeClr val="accent1"/>
-          </a:lnRef>
-          <a:fillRef idx="0">
-            <a:schemeClr val="accent1"/>
-          </a:fillRef>
-          <a:effectRef idx="0">
-            <a:schemeClr val="accent1"/>
-          </a:effectRef>
-          <a:fontRef idx="minor">
-            <a:schemeClr val="tx1"/>
-          </a:fontRef>
-        </p:style>
-      </p:cxnSp>
-      <p:cxnSp>
-        <p:nvCxnSpPr>
-          <p:cNvPr id="156" name="直線單箭頭接點 155"/>
-          <p:cNvCxnSpPr>
-            <a:stCxn id="136" idx="2"/>
-            <a:endCxn id="135" idx="0"/>
-          </p:cNvCxnSpPr>
-          <p:nvPr/>
-        </p:nvCxnSpPr>
-        <p:spPr>
-          <a:xfrm>
-            <a:off x="3816094" y="3601272"/>
-            <a:ext cx="0" cy="361174"/>
-          </a:xfrm>
-          <a:prstGeom prst="straightConnector1">
-            <a:avLst/>
-          </a:prstGeom>
-          <a:ln w="38100">
-            <a:solidFill>
-              <a:srgbClr val="FF0000"/>
-            </a:solidFill>
-            <a:tailEnd type="triangle"/>
-          </a:ln>
-        </p:spPr>
-        <p:style>
-          <a:lnRef idx="1">
-            <a:schemeClr val="accent1"/>
-          </a:lnRef>
-          <a:fillRef idx="0">
-            <a:schemeClr val="accent1"/>
-          </a:fillRef>
-          <a:effectRef idx="0">
-            <a:schemeClr val="accent1"/>
-          </a:effectRef>
-          <a:fontRef idx="minor">
-            <a:schemeClr val="tx1"/>
-          </a:fontRef>
-        </p:style>
-      </p:cxnSp>
       <p:sp>
         <p:nvSpPr>
           <p:cNvPr id="157" name="矩形 156"/>
@@ -6931,7 +6539,7 @@
         </p:nvSpPr>
         <p:spPr>
           <a:xfrm>
-            <a:off x="945950" y="3595975"/>
+            <a:off x="965417" y="2466669"/>
             <a:ext cx="2723823" cy="369332"/>
           </a:xfrm>
           <a:prstGeom prst="rect">
@@ -6964,6 +6572,113 @@
           </a:p>
         </p:txBody>
       </p:sp>
+      <p:cxnSp>
+        <p:nvCxnSpPr>
+          <p:cNvPr id="6" name="直線單箭頭接點 5"/>
+          <p:cNvCxnSpPr/>
+          <p:nvPr/>
+        </p:nvCxnSpPr>
+        <p:spPr>
+          <a:xfrm>
+            <a:off x="6310436" y="692696"/>
+            <a:ext cx="0" cy="5904656"/>
+          </a:xfrm>
+          <a:prstGeom prst="straightConnector1">
+            <a:avLst/>
+          </a:prstGeom>
+          <a:ln w="38100">
+            <a:tailEnd type="triangle"/>
+          </a:ln>
+        </p:spPr>
+        <p:style>
+          <a:lnRef idx="1">
+            <a:schemeClr val="accent1"/>
+          </a:lnRef>
+          <a:fillRef idx="0">
+            <a:schemeClr val="accent1"/>
+          </a:fillRef>
+          <a:effectRef idx="0">
+            <a:schemeClr val="accent1"/>
+          </a:effectRef>
+          <a:fontRef idx="minor">
+            <a:schemeClr val="tx1"/>
+          </a:fontRef>
+        </p:style>
+      </p:cxnSp>
+      <p:sp>
+        <p:nvSpPr>
+          <p:cNvPr id="62" name="矩形 61"/>
+          <p:cNvSpPr/>
+          <p:nvPr/>
+        </p:nvSpPr>
+        <p:spPr>
+          <a:xfrm>
+            <a:off x="5582794" y="163541"/>
+            <a:ext cx="707245" cy="369332"/>
+          </a:xfrm>
+          <a:prstGeom prst="rect">
+            <a:avLst/>
+          </a:prstGeom>
+        </p:spPr>
+        <p:txBody>
+          <a:bodyPr wrap="none">
+            <a:spAutoFit/>
+          </a:bodyPr>
+          <a:lstStyle/>
+          <a:p>
+            <a:r>
+              <a:rPr lang="en-US" altLang="zh-TW" dirty="0" smtClean="0"/>
+              <a:t>Time</a:t>
+            </a:r>
+            <a:endParaRPr lang="zh-TW" altLang="en-US" dirty="0"/>
+          </a:p>
+        </p:txBody>
+      </p:sp>
+      <p:cxnSp>
+        <p:nvCxnSpPr>
+          <p:cNvPr id="74" name="接點: 肘形 126">
+            <a:extLst>
+              <a:ext uri="{FF2B5EF4-FFF2-40B4-BE49-F238E27FC236}">
+                <a16:creationId xmlns:a16="http://schemas.microsoft.com/office/drawing/2014/main" id="{7FD85A53-67E9-49CD-824C-6A5B1A24F7B6}"/>
+              </a:ext>
+            </a:extLst>
+          </p:cNvPr>
+          <p:cNvCxnSpPr>
+            <a:stCxn id="14" idx="2"/>
+            <a:endCxn id="4" idx="1"/>
+          </p:cNvCxnSpPr>
+          <p:nvPr/>
+        </p:nvCxnSpPr>
+        <p:spPr>
+          <a:xfrm rot="5400000" flipH="1">
+            <a:off x="5087836" y="3394921"/>
+            <a:ext cx="4516532" cy="535651"/>
+          </a:xfrm>
+          <a:prstGeom prst="bentConnector4">
+            <a:avLst>
+              <a:gd name="adj1" fmla="val -5061"/>
+              <a:gd name="adj2" fmla="val 143604"/>
+            </a:avLst>
+          </a:prstGeom>
+          <a:ln>
+            <a:tailEnd type="triangle"/>
+          </a:ln>
+        </p:spPr>
+        <p:style>
+          <a:lnRef idx="1">
+            <a:schemeClr val="accent1"/>
+          </a:lnRef>
+          <a:fillRef idx="0">
+            <a:schemeClr val="accent1"/>
+          </a:fillRef>
+          <a:effectRef idx="0">
+            <a:schemeClr val="accent1"/>
+          </a:effectRef>
+          <a:fontRef idx="minor">
+            <a:schemeClr val="tx1"/>
+          </a:fontRef>
+        </p:style>
+      </p:cxnSp>
     </p:spTree>
     <p:extLst>
       <p:ext uri="{BB962C8B-B14F-4D97-AF65-F5344CB8AC3E}">
@@ -7042,7 +6757,7 @@
             </a:r>
             <a:r>
               <a:rPr lang="zh-TW" altLang="en-US" dirty="0" smtClean="0"/>
-              <a:t>擊球方式之理念</a:t>
+              <a:t>球落點計算</a:t>
             </a:r>
             <a:endParaRPr lang="zh-TW" altLang="en-US" dirty="0"/>
           </a:p>
@@ -7056,8 +6771,8 @@
         </p:nvSpPr>
         <p:spPr>
           <a:xfrm>
-            <a:off x="6526460" y="1828800"/>
-            <a:ext cx="6092825" cy="1938992"/>
+            <a:off x="5158308" y="1818640"/>
+            <a:ext cx="6092825" cy="4154984"/>
           </a:xfrm>
           <a:prstGeom prst="rect">
             <a:avLst/>
@@ -7069,16 +6784,21 @@
           </a:bodyPr>
           <a:lstStyle/>
           <a:p>
-            <a:r>
-              <a:rPr lang="en-US" altLang="zh-TW" sz="1200" dirty="0" smtClean="0"/>
+            <a:pPr>
+              <a:lnSpc>
+                <a:spcPct val="150000"/>
+              </a:lnSpc>
+            </a:pPr>
+            <a:r>
+              <a:rPr lang="en-US" altLang="zh-TW" sz="1600" dirty="0" smtClean="0"/>
               <a:t>2P</a:t>
             </a:r>
             <a:r>
-              <a:rPr lang="zh-TW" altLang="en-US" sz="1200" dirty="0" smtClean="0"/>
+              <a:rPr lang="zh-TW" altLang="en-US" sz="1600" dirty="0" smtClean="0"/>
               <a:t>擊球回來且球往</a:t>
             </a:r>
             <a:r>
-              <a:rPr lang="zh-TW" altLang="en-US" sz="1200" dirty="0" smtClean="0">
+              <a:rPr lang="zh-TW" altLang="en-US" sz="1600" dirty="0" smtClean="0">
                 <a:solidFill>
                   <a:srgbClr val="FF0000"/>
                 </a:solidFill>
@@ -7086,34 +6806,38 @@
               <a:t>左</a:t>
             </a:r>
             <a:r>
-              <a:rPr lang="zh-TW" altLang="en-US" sz="1200" dirty="0" smtClean="0"/>
+              <a:rPr lang="zh-TW" altLang="en-US" sz="1600" dirty="0" smtClean="0"/>
               <a:t>跑</a:t>
             </a:r>
             <a:r>
-              <a:rPr lang="en-US" altLang="zh-TW" sz="1200" dirty="0"/>
+              <a:rPr lang="en-US" altLang="zh-TW" sz="1600" dirty="0"/>
               <a:t>	</a:t>
             </a:r>
           </a:p>
           <a:p>
-            <a:pPr lvl="1"/>
-            <a:r>
-              <a:rPr lang="zh-TW" altLang="en-US" sz="1200" dirty="0"/>
+            <a:pPr lvl="1">
+              <a:lnSpc>
+                <a:spcPct val="150000"/>
+              </a:lnSpc>
+            </a:pPr>
+            <a:r>
+              <a:rPr lang="zh-TW" altLang="en-US" sz="1600" dirty="0"/>
               <a:t>當球</a:t>
             </a:r>
             <a:r>
-              <a:rPr lang="en-US" altLang="zh-TW" sz="1200" dirty="0" smtClean="0"/>
+              <a:rPr lang="en-US" altLang="zh-TW" sz="1600" dirty="0" smtClean="0"/>
               <a:t>X&lt;140</a:t>
             </a:r>
             <a:r>
-              <a:rPr lang="zh-TW" altLang="en-US" sz="1200" dirty="0" smtClean="0"/>
+              <a:rPr lang="zh-TW" altLang="en-US" sz="1600" dirty="0" smtClean="0"/>
               <a:t>，</a:t>
             </a:r>
             <a:r>
-              <a:rPr lang="zh-TW" altLang="en-US" sz="1200" dirty="0"/>
+              <a:rPr lang="zh-TW" altLang="en-US" sz="1600" dirty="0"/>
               <a:t>則最後落點</a:t>
             </a:r>
             <a:r>
-              <a:rPr lang="en-US" altLang="zh-TW" sz="1200" dirty="0" smtClean="0">
+              <a:rPr lang="en-US" altLang="zh-TW" sz="1600" dirty="0" smtClean="0">
                 <a:solidFill>
                   <a:srgbClr val="FF0000"/>
                 </a:solidFill>
@@ -7121,192 +6845,224 @@
               <a:t>X+60</a:t>
             </a:r>
             <a:r>
-              <a:rPr lang="en-US" altLang="zh-TW" sz="1200" dirty="0" smtClean="0"/>
+              <a:rPr lang="en-US" altLang="zh-TW" sz="1600" dirty="0" smtClean="0"/>
               <a:t>(</a:t>
             </a:r>
             <a:r>
-              <a:rPr lang="zh-TW" altLang="en-US" sz="1200" dirty="0"/>
+              <a:rPr lang="zh-TW" altLang="en-US" sz="1600" dirty="0"/>
               <a:t>兩次彈模式</a:t>
             </a:r>
             <a:r>
-              <a:rPr lang="en-US" altLang="zh-TW" sz="1200" dirty="0" smtClean="0"/>
+              <a:rPr lang="en-US" altLang="zh-TW" sz="1600" dirty="0" smtClean="0"/>
               <a:t>)</a:t>
             </a:r>
-            <a:endParaRPr lang="en-US" altLang="zh-TW" sz="1200" dirty="0">
+            <a:endParaRPr lang="en-US" altLang="zh-TW" sz="1600" dirty="0">
               <a:solidFill>
                 <a:srgbClr val="FF0000"/>
               </a:solidFill>
             </a:endParaRPr>
           </a:p>
           <a:p>
-            <a:pPr lvl="1"/>
-            <a:r>
-              <a:rPr lang="zh-TW" altLang="en-US" sz="1200" dirty="0"/>
+            <a:pPr lvl="1">
+              <a:lnSpc>
+                <a:spcPct val="150000"/>
+              </a:lnSpc>
+            </a:pPr>
+            <a:r>
+              <a:rPr lang="zh-TW" altLang="en-US" sz="1600" dirty="0"/>
               <a:t>當球</a:t>
             </a:r>
             <a:r>
-              <a:rPr lang="en-US" altLang="zh-TW" sz="1200" dirty="0" smtClean="0"/>
+              <a:rPr lang="en-US" altLang="zh-TW" sz="1600" dirty="0" smtClean="0"/>
               <a:t>X&gt;=140</a:t>
             </a:r>
             <a:r>
-              <a:rPr lang="zh-TW" altLang="en-US" sz="1200" dirty="0" smtClean="0"/>
+              <a:rPr lang="zh-TW" altLang="en-US" sz="1600" dirty="0" smtClean="0"/>
               <a:t>，則球會因為變成一次彈模式，最後球落點分別為</a:t>
             </a:r>
             <a:r>
-              <a:rPr lang="en-US" altLang="zh-TW" sz="1200" dirty="0" smtClean="0"/>
+              <a:rPr lang="en-US" altLang="zh-TW" sz="1600" dirty="0" smtClean="0"/>
               <a:t>:</a:t>
             </a:r>
           </a:p>
           <a:p>
-            <a:pPr lvl="2"/>
-            <a:r>
-              <a:rPr lang="en-US" altLang="zh-TW" sz="1200" dirty="0" smtClean="0"/>
+            <a:pPr lvl="2">
+              <a:lnSpc>
+                <a:spcPct val="150000"/>
+              </a:lnSpc>
+            </a:pPr>
+            <a:r>
+              <a:rPr lang="en-US" altLang="zh-TW" sz="1600" dirty="0" smtClean="0"/>
               <a:t>140</a:t>
             </a:r>
             <a:r>
-              <a:rPr lang="zh-TW" altLang="en-US" sz="1200" dirty="0" smtClean="0"/>
+              <a:rPr lang="zh-TW" altLang="en-US" sz="1600" dirty="0" smtClean="0"/>
               <a:t>為</a:t>
             </a:r>
             <a:r>
-              <a:rPr lang="en-US" altLang="zh-TW" sz="1200" dirty="0" smtClean="0"/>
+              <a:rPr lang="en-US" altLang="zh-TW" sz="1600" dirty="0" smtClean="0"/>
               <a:t>200(+60)</a:t>
             </a:r>
           </a:p>
           <a:p>
-            <a:pPr lvl="2"/>
-            <a:r>
-              <a:rPr lang="en-US" altLang="zh-TW" sz="1200" dirty="0" smtClean="0"/>
+            <a:pPr lvl="2">
+              <a:lnSpc>
+                <a:spcPct val="150000"/>
+              </a:lnSpc>
+            </a:pPr>
+            <a:r>
+              <a:rPr lang="en-US" altLang="zh-TW" sz="1600" dirty="0" smtClean="0"/>
               <a:t>150</a:t>
             </a:r>
             <a:r>
-              <a:rPr lang="zh-TW" altLang="en-US" sz="1200" dirty="0" smtClean="0"/>
+              <a:rPr lang="zh-TW" altLang="en-US" sz="1600" dirty="0" smtClean="0"/>
               <a:t>為</a:t>
             </a:r>
             <a:r>
-              <a:rPr lang="en-US" altLang="zh-TW" sz="1200" dirty="0" smtClean="0"/>
+              <a:rPr lang="en-US" altLang="zh-TW" sz="1600" dirty="0" smtClean="0"/>
               <a:t>190(+40</a:t>
             </a:r>
             <a:r>
-              <a:rPr lang="en-US" altLang="zh-TW" sz="1200" dirty="0"/>
+              <a:rPr lang="en-US" altLang="zh-TW" sz="1600" dirty="0"/>
               <a:t>)</a:t>
             </a:r>
           </a:p>
           <a:p>
-            <a:pPr lvl="2"/>
-            <a:r>
-              <a:rPr lang="en-US" altLang="zh-TW" sz="1200" dirty="0" smtClean="0"/>
+            <a:pPr lvl="2">
+              <a:lnSpc>
+                <a:spcPct val="150000"/>
+              </a:lnSpc>
+            </a:pPr>
+            <a:r>
+              <a:rPr lang="en-US" altLang="zh-TW" sz="1600" dirty="0" smtClean="0"/>
               <a:t>160</a:t>
             </a:r>
             <a:r>
-              <a:rPr lang="zh-TW" altLang="en-US" sz="1200" dirty="0" smtClean="0"/>
+              <a:rPr lang="zh-TW" altLang="en-US" sz="1600" dirty="0" smtClean="0"/>
               <a:t>為</a:t>
             </a:r>
             <a:r>
-              <a:rPr lang="en-US" altLang="zh-TW" sz="1200" dirty="0" smtClean="0"/>
+              <a:rPr lang="en-US" altLang="zh-TW" sz="1600" dirty="0" smtClean="0"/>
               <a:t>180(+20</a:t>
             </a:r>
             <a:r>
-              <a:rPr lang="en-US" altLang="zh-TW" sz="1200" dirty="0"/>
+              <a:rPr lang="en-US" altLang="zh-TW" sz="1600" dirty="0"/>
               <a:t>)</a:t>
             </a:r>
           </a:p>
           <a:p>
-            <a:pPr lvl="2"/>
-            <a:r>
-              <a:rPr lang="en-US" altLang="zh-TW" sz="1200" dirty="0" smtClean="0"/>
+            <a:pPr lvl="2">
+              <a:lnSpc>
+                <a:spcPct val="150000"/>
+              </a:lnSpc>
+            </a:pPr>
+            <a:r>
+              <a:rPr lang="en-US" altLang="zh-TW" sz="1600" dirty="0" smtClean="0"/>
               <a:t>170</a:t>
             </a:r>
             <a:r>
-              <a:rPr lang="zh-TW" altLang="en-US" sz="1200" dirty="0" smtClean="0"/>
+              <a:rPr lang="zh-TW" altLang="en-US" sz="1600" dirty="0" smtClean="0"/>
               <a:t>為</a:t>
             </a:r>
             <a:r>
-              <a:rPr lang="en-US" altLang="zh-TW" sz="1200" dirty="0" smtClean="0"/>
+              <a:rPr lang="en-US" altLang="zh-TW" sz="1600" dirty="0" smtClean="0"/>
               <a:t>170(+</a:t>
             </a:r>
             <a:r>
-              <a:rPr lang="en-US" altLang="zh-TW" sz="1200" dirty="0"/>
+              <a:rPr lang="en-US" altLang="zh-TW" sz="1600" dirty="0"/>
               <a:t>0)</a:t>
             </a:r>
           </a:p>
           <a:p>
-            <a:pPr lvl="2"/>
-            <a:r>
-              <a:rPr lang="en-US" altLang="zh-TW" sz="1200" dirty="0" smtClean="0"/>
+            <a:pPr lvl="2">
+              <a:lnSpc>
+                <a:spcPct val="150000"/>
+              </a:lnSpc>
+            </a:pPr>
+            <a:r>
+              <a:rPr lang="en-US" altLang="zh-TW" sz="1600" dirty="0" smtClean="0"/>
               <a:t>180</a:t>
             </a:r>
             <a:r>
-              <a:rPr lang="zh-TW" altLang="en-US" sz="1200" dirty="0" smtClean="0"/>
+              <a:rPr lang="zh-TW" altLang="en-US" sz="1600" dirty="0" smtClean="0"/>
               <a:t>為</a:t>
             </a:r>
             <a:r>
-              <a:rPr lang="en-US" altLang="zh-TW" sz="1200" dirty="0" smtClean="0"/>
+              <a:rPr lang="en-US" altLang="zh-TW" sz="1600" dirty="0" smtClean="0"/>
               <a:t>160(-20</a:t>
             </a:r>
             <a:r>
-              <a:rPr lang="en-US" altLang="zh-TW" sz="1200" dirty="0"/>
+              <a:rPr lang="en-US" altLang="zh-TW" sz="1600" dirty="0"/>
               <a:t>)</a:t>
             </a:r>
           </a:p>
           <a:p>
-            <a:pPr lvl="2"/>
-            <a:r>
-              <a:rPr lang="en-US" altLang="zh-TW" sz="1200" dirty="0" smtClean="0"/>
+            <a:pPr lvl="2">
+              <a:lnSpc>
+                <a:spcPct val="150000"/>
+              </a:lnSpc>
+            </a:pPr>
+            <a:r>
+              <a:rPr lang="en-US" altLang="zh-TW" sz="1600" dirty="0" smtClean="0"/>
               <a:t>190</a:t>
             </a:r>
             <a:r>
-              <a:rPr lang="zh-TW" altLang="en-US" sz="1200" dirty="0" smtClean="0"/>
+              <a:rPr lang="zh-TW" altLang="en-US" sz="1600" dirty="0" smtClean="0"/>
               <a:t>為</a:t>
             </a:r>
             <a:r>
-              <a:rPr lang="en-US" altLang="zh-TW" sz="1200" dirty="0" smtClean="0"/>
+              <a:rPr lang="en-US" altLang="zh-TW" sz="1600" dirty="0" smtClean="0"/>
               <a:t>150(-40</a:t>
             </a:r>
             <a:r>
-              <a:rPr lang="en-US" altLang="zh-TW" sz="1200" dirty="0"/>
+              <a:rPr lang="en-US" altLang="zh-TW" sz="1600" dirty="0"/>
               <a:t>)</a:t>
             </a:r>
           </a:p>
           <a:p>
-            <a:pPr lvl="2"/>
-            <a:r>
-              <a:rPr lang="en-US" altLang="zh-TW" sz="1200" dirty="0" smtClean="0"/>
+            <a:pPr lvl="2">
+              <a:lnSpc>
+                <a:spcPct val="150000"/>
+              </a:lnSpc>
+            </a:pPr>
+            <a:r>
+              <a:rPr lang="en-US" altLang="zh-TW" sz="1600" dirty="0" smtClean="0"/>
               <a:t>200</a:t>
             </a:r>
             <a:r>
-              <a:rPr lang="zh-TW" altLang="en-US" sz="1200" dirty="0" smtClean="0"/>
+              <a:rPr lang="zh-TW" altLang="en-US" sz="1600" dirty="0" smtClean="0"/>
               <a:t>為</a:t>
             </a:r>
             <a:r>
-              <a:rPr lang="zh-TW" altLang="en-US" sz="1200" dirty="0"/>
+              <a:rPr lang="zh-TW" altLang="en-US" sz="1600" dirty="0"/>
               <a:t>兩次</a:t>
             </a:r>
             <a:r>
-              <a:rPr lang="zh-TW" altLang="en-US" sz="1200" dirty="0" smtClean="0"/>
+              <a:rPr lang="zh-TW" altLang="en-US" sz="1600" dirty="0" smtClean="0"/>
               <a:t>模式</a:t>
             </a:r>
             <a:r>
-              <a:rPr lang="en-US" altLang="zh-TW" sz="1200" dirty="0" smtClean="0"/>
+              <a:rPr lang="en-US" altLang="zh-TW" sz="1600" dirty="0" smtClean="0"/>
               <a:t>140(</a:t>
             </a:r>
             <a:r>
-              <a:rPr lang="zh-TW" altLang="en-US" sz="1200" dirty="0"/>
+              <a:rPr lang="zh-TW" altLang="en-US" sz="1600" dirty="0"/>
               <a:t>變相變成球</a:t>
             </a:r>
             <a:r>
-              <a:rPr lang="zh-TW" altLang="en-US" sz="1200" dirty="0" smtClean="0"/>
+              <a:rPr lang="zh-TW" altLang="en-US" sz="1600" dirty="0" smtClean="0"/>
               <a:t>往右邊</a:t>
             </a:r>
             <a:r>
-              <a:rPr lang="zh-TW" altLang="en-US" sz="1200" dirty="0"/>
+              <a:rPr lang="zh-TW" altLang="en-US" sz="1600" dirty="0"/>
               <a:t>模式</a:t>
             </a:r>
             <a:r>
-              <a:rPr lang="en-US" altLang="zh-TW" sz="1200" dirty="0" smtClean="0"/>
+              <a:rPr lang="en-US" altLang="zh-TW" sz="1600" dirty="0" smtClean="0"/>
               <a:t>)(-60</a:t>
             </a:r>
             <a:r>
-              <a:rPr lang="en-US" altLang="zh-TW" sz="1200" dirty="0"/>
+              <a:rPr lang="en-US" altLang="zh-TW" sz="1600" dirty="0"/>
               <a:t>)</a:t>
             </a:r>
           </a:p>
@@ -7320,8 +7076,8 @@
         </p:nvSpPr>
         <p:spPr>
           <a:xfrm>
-            <a:off x="837828" y="1828800"/>
-            <a:ext cx="6092825" cy="646331"/>
+            <a:off x="549796" y="1818640"/>
+            <a:ext cx="6092825" cy="1200329"/>
           </a:xfrm>
           <a:prstGeom prst="rect">
             <a:avLst/>
@@ -7334,22 +7090,25 @@
           <a:lstStyle/>
           <a:p>
             <a:pPr marL="45720" indent="0">
+              <a:lnSpc>
+                <a:spcPct val="150000"/>
+              </a:lnSpc>
               <a:buNone/>
             </a:pPr>
             <a:r>
-              <a:rPr lang="en-US" altLang="zh-TW" sz="1200" dirty="0"/>
+              <a:rPr lang="en-US" altLang="zh-TW" sz="1600" dirty="0"/>
               <a:t>2P</a:t>
             </a:r>
             <a:r>
-              <a:rPr lang="zh-TW" altLang="en-US" sz="1200" dirty="0" smtClean="0"/>
+              <a:rPr lang="zh-TW" altLang="en-US" sz="1600" dirty="0" smtClean="0"/>
               <a:t>擊球回來且</a:t>
             </a:r>
             <a:r>
-              <a:rPr lang="zh-TW" altLang="en-US" sz="1200" dirty="0"/>
+              <a:rPr lang="zh-TW" altLang="en-US" sz="1600" dirty="0"/>
               <a:t>球往</a:t>
             </a:r>
             <a:r>
-              <a:rPr lang="zh-TW" altLang="en-US" sz="1200" dirty="0">
+              <a:rPr lang="zh-TW" altLang="en-US" sz="1600" dirty="0">
                 <a:solidFill>
                   <a:srgbClr val="FF0000"/>
                 </a:solidFill>
@@ -7357,40 +7116,47 @@
               <a:t>右</a:t>
             </a:r>
             <a:r>
-              <a:rPr lang="zh-TW" altLang="en-US" sz="1200" dirty="0"/>
+              <a:rPr lang="zh-TW" altLang="en-US" sz="1600" dirty="0"/>
               <a:t>跑</a:t>
             </a:r>
             <a:r>
-              <a:rPr lang="en-US" altLang="zh-TW" sz="1200" dirty="0"/>
+              <a:rPr lang="en-US" altLang="zh-TW" sz="1600" dirty="0"/>
               <a:t>	</a:t>
             </a:r>
           </a:p>
           <a:p>
             <a:pPr marL="365760" lvl="1" indent="0">
+              <a:lnSpc>
+                <a:spcPct val="150000"/>
+              </a:lnSpc>
               <a:buNone/>
             </a:pPr>
             <a:r>
-              <a:rPr lang="zh-TW" altLang="en-US" sz="1200" dirty="0"/>
+              <a:rPr lang="zh-TW" altLang="en-US" sz="1600" dirty="0"/>
               <a:t>當球</a:t>
             </a:r>
             <a:r>
-              <a:rPr lang="en-US" altLang="zh-TW" sz="1200" dirty="0"/>
+              <a:rPr lang="en-US" altLang="zh-TW" sz="1600" dirty="0"/>
               <a:t>X</a:t>
             </a:r>
             <a:r>
-              <a:rPr lang="zh-TW" altLang="en-US" sz="1200" dirty="0"/>
+              <a:rPr lang="zh-TW" altLang="en-US" sz="1600" dirty="0"/>
               <a:t>座標</a:t>
             </a:r>
             <a:r>
-              <a:rPr lang="en-US" altLang="zh-TW" sz="1200" dirty="0"/>
+              <a:rPr lang="en-US" altLang="zh-TW" sz="1600" dirty="0" smtClean="0"/>
               <a:t>&gt;60</a:t>
             </a:r>
             <a:r>
-              <a:rPr lang="zh-TW" altLang="en-US" sz="1200" dirty="0"/>
-              <a:t>，則最後落點</a:t>
-            </a:r>
-            <a:r>
-              <a:rPr lang="en-US" altLang="zh-TW" sz="1200" dirty="0">
+              <a:rPr lang="zh-TW" altLang="en-US" sz="1600" dirty="0"/>
+              <a:t>，則最後落</a:t>
+            </a:r>
+            <a:r>
+              <a:rPr lang="zh-TW" altLang="en-US" sz="1600" dirty="0" smtClean="0"/>
+              <a:t>點</a:t>
+            </a:r>
+            <a:r>
+              <a:rPr lang="en-US" altLang="zh-TW" sz="1600" dirty="0" smtClean="0">
                 <a:solidFill>
                   <a:srgbClr val="FF0000"/>
                 </a:solidFill>
@@ -7398,48 +7164,55 @@
               <a:t>X-60</a:t>
             </a:r>
             <a:r>
-              <a:rPr lang="en-US" altLang="zh-TW" sz="1200" dirty="0" smtClean="0"/>
+              <a:rPr lang="en-US" altLang="zh-TW" sz="1600" dirty="0" smtClean="0"/>
               <a:t>(</a:t>
             </a:r>
             <a:r>
-              <a:rPr lang="zh-TW" altLang="en-US" sz="1200" dirty="0"/>
-              <a:t>彈兩次模式</a:t>
-            </a:r>
-            <a:r>
-              <a:rPr lang="en-US" altLang="zh-TW" sz="1200" dirty="0"/>
+              <a:rPr lang="zh-TW" altLang="en-US" sz="1600" dirty="0" smtClean="0"/>
+              <a:t>彈</a:t>
+            </a:r>
+            <a:r>
+              <a:rPr lang="zh-TW" altLang="en-US" sz="1600" dirty="0"/>
+              <a:t>兩次模式</a:t>
+            </a:r>
+            <a:r>
+              <a:rPr lang="en-US" altLang="zh-TW" sz="1600" dirty="0"/>
               <a:t>)</a:t>
             </a:r>
           </a:p>
           <a:p>
             <a:pPr marL="365760" lvl="1" indent="0">
+              <a:lnSpc>
+                <a:spcPct val="150000"/>
+              </a:lnSpc>
               <a:buNone/>
             </a:pPr>
             <a:r>
-              <a:rPr lang="zh-TW" altLang="en-US" sz="1200" dirty="0"/>
+              <a:rPr lang="zh-TW" altLang="en-US" sz="1600" dirty="0"/>
               <a:t>當球</a:t>
             </a:r>
             <a:r>
-              <a:rPr lang="en-US" altLang="zh-TW" sz="1200" dirty="0"/>
+              <a:rPr lang="en-US" altLang="zh-TW" sz="1600" dirty="0"/>
               <a:t>X</a:t>
             </a:r>
             <a:r>
-              <a:rPr lang="zh-TW" altLang="en-US" sz="1200" dirty="0"/>
+              <a:rPr lang="zh-TW" altLang="en-US" sz="1600" dirty="0"/>
               <a:t>座標</a:t>
             </a:r>
             <a:r>
-              <a:rPr lang="en-US" altLang="zh-TW" sz="1200" dirty="0"/>
+              <a:rPr lang="en-US" altLang="zh-TW" sz="1600" dirty="0" smtClean="0"/>
               <a:t>&lt;=60</a:t>
             </a:r>
             <a:r>
-              <a:rPr lang="zh-TW" altLang="en-US" sz="1200" dirty="0"/>
+              <a:rPr lang="zh-TW" altLang="en-US" sz="1600" dirty="0"/>
               <a:t>，則最後落</a:t>
             </a:r>
             <a:r>
-              <a:rPr lang="zh-TW" altLang="en-US" sz="1200" dirty="0" smtClean="0"/>
+              <a:rPr lang="zh-TW" altLang="en-US" sz="1600" dirty="0" smtClean="0"/>
               <a:t>點</a:t>
             </a:r>
             <a:r>
-              <a:rPr lang="en-US" altLang="zh-TW" sz="1200" dirty="0" smtClean="0">
+              <a:rPr lang="en-US" altLang="zh-TW" sz="1600" dirty="0" smtClean="0">
                 <a:solidFill>
                   <a:srgbClr val="FF0000"/>
                 </a:solidFill>
@@ -7447,26 +7220,26 @@
               <a:t>60-X</a:t>
             </a:r>
             <a:r>
-              <a:rPr lang="en-US" altLang="zh-TW" sz="1200" dirty="0" smtClean="0"/>
+              <a:rPr lang="en-US" altLang="zh-TW" sz="1600" dirty="0" smtClean="0"/>
               <a:t>(</a:t>
             </a:r>
             <a:r>
-              <a:rPr lang="zh-TW" altLang="en-US" sz="1200" dirty="0" smtClean="0"/>
+              <a:rPr lang="zh-TW" altLang="en-US" sz="1600" dirty="0" smtClean="0"/>
               <a:t>彈</a:t>
             </a:r>
             <a:r>
-              <a:rPr lang="zh-TW" altLang="en-US" sz="1200" dirty="0"/>
+              <a:rPr lang="zh-TW" altLang="en-US" sz="1600" dirty="0"/>
               <a:t>一次</a:t>
             </a:r>
             <a:r>
-              <a:rPr lang="zh-TW" altLang="en-US" sz="1200" dirty="0" smtClean="0"/>
+              <a:rPr lang="zh-TW" altLang="en-US" sz="1600" dirty="0" smtClean="0"/>
               <a:t>模式</a:t>
             </a:r>
             <a:r>
-              <a:rPr lang="en-US" altLang="zh-TW" sz="1200" dirty="0" smtClean="0"/>
+              <a:rPr lang="en-US" altLang="zh-TW" sz="1600" dirty="0" smtClean="0"/>
               <a:t>)</a:t>
             </a:r>
-            <a:endParaRPr lang="en-US" altLang="zh-TW" sz="1200" dirty="0"/>
+            <a:endParaRPr lang="en-US" altLang="zh-TW" sz="1600" dirty="0"/>
           </a:p>
         </p:txBody>
       </p:sp>
@@ -7528,20 +7301,12 @@
           <a:lstStyle/>
           <a:p>
             <a:r>
-              <a:rPr lang="zh-TW" altLang="en-US" dirty="0" smtClean="0"/>
+              <a:rPr lang="zh-TW" altLang="en-US" dirty="0"/>
               <a:t>專案設計</a:t>
             </a:r>
             <a:r>
-              <a:rPr lang="en-US" altLang="zh-TW" dirty="0"/>
-              <a:t>-break</a:t>
-            </a:r>
-            <a:r>
-              <a:rPr lang="zh-TW" altLang="en-US" dirty="0"/>
-              <a:t> </a:t>
-            </a:r>
-            <a:r>
-              <a:rPr lang="en-US" altLang="zh-TW" dirty="0"/>
-              <a:t>down</a:t>
+              <a:rPr lang="en-US" altLang="zh-TW" dirty="0" smtClean="0"/>
+              <a:t>-KNN</a:t>
             </a:r>
             <a:endParaRPr lang="zh-TW" altLang="en-US" dirty="0"/>
           </a:p>
@@ -7549,24 +7314,31 @@
       </p:sp>
       <p:sp>
         <p:nvSpPr>
-          <p:cNvPr id="59" name="矩形 58">
+          <p:cNvPr id="4" name="內容版面配置區 3">
             <a:extLst>
               <a:ext uri="{FF2B5EF4-FFF2-40B4-BE49-F238E27FC236}">
                 <a16:creationId xmlns:a16="http://schemas.microsoft.com/office/drawing/2014/main" id="{8091D4A4-7D28-4B98-B225-7E6681998D15}"/>
               </a:ext>
             </a:extLst>
           </p:cNvPr>
-          <p:cNvSpPr/>
-          <p:nvPr/>
+          <p:cNvSpPr>
+            <a:spLocks noGrp="1"/>
+          </p:cNvSpPr>
+          <p:nvPr>
+            <p:ph idx="1"/>
+          </p:nvPr>
         </p:nvSpPr>
         <p:spPr>
           <a:xfrm>
-            <a:off x="3214092" y="1772816"/>
-            <a:ext cx="2139193" cy="775814"/>
+            <a:off x="2782044" y="1916832"/>
+            <a:ext cx="5184576" cy="3384376"/>
           </a:xfrm>
           <a:prstGeom prst="rect">
             <a:avLst/>
           </a:prstGeom>
+          <a:solidFill>
+            <a:schemeClr val="accent1"/>
+          </a:solidFill>
         </p:spPr>
         <p:style>
           <a:lnRef idx="2">
@@ -7590,992 +7362,47 @@
           <a:p>
             <a:pPr algn="ctr"/>
             <a:r>
-              <a:rPr lang="zh-TW" altLang="en-US" dirty="0"/>
-              <a:t>自動打乒乓球</a:t>
-            </a:r>
-          </a:p>
-        </p:txBody>
-      </p:sp>
-      <p:sp>
-        <p:nvSpPr>
-          <p:cNvPr id="60" name="矩形 59">
-            <a:extLst>
-              <a:ext uri="{FF2B5EF4-FFF2-40B4-BE49-F238E27FC236}">
-                <a16:creationId xmlns:a16="http://schemas.microsoft.com/office/drawing/2014/main" id="{4AE0FFEC-8C19-47C8-9893-A09438AEFEBE}"/>
-              </a:ext>
-            </a:extLst>
-          </p:cNvPr>
-          <p:cNvSpPr/>
-          <p:nvPr/>
-        </p:nvSpPr>
-        <p:spPr>
-          <a:xfrm>
-            <a:off x="5802494" y="2800877"/>
-            <a:ext cx="2139193" cy="775814"/>
-          </a:xfrm>
-          <a:prstGeom prst="rect">
-            <a:avLst/>
-          </a:prstGeom>
-        </p:spPr>
-        <p:style>
-          <a:lnRef idx="2">
-            <a:schemeClr val="accent1">
-              <a:shade val="50000"/>
-            </a:schemeClr>
-          </a:lnRef>
-          <a:fillRef idx="1">
-            <a:schemeClr val="accent1"/>
-          </a:fillRef>
-          <a:effectRef idx="0">
-            <a:schemeClr val="accent1"/>
-          </a:effectRef>
-          <a:fontRef idx="minor">
-            <a:schemeClr val="lt1"/>
-          </a:fontRef>
-        </p:style>
-        <p:txBody>
-          <a:bodyPr rtlCol="0" anchor="ctr"/>
-          <a:lstStyle/>
-          <a:p>
-            <a:pPr algn="ctr"/>
-            <a:r>
-              <a:rPr lang="zh-TW" altLang="en-US" dirty="0"/>
-              <a:t>測試預測模型</a:t>
-            </a:r>
-          </a:p>
-        </p:txBody>
-      </p:sp>
-      <p:sp>
-        <p:nvSpPr>
-          <p:cNvPr id="61" name="矩形 60">
-            <a:extLst>
-              <a:ext uri="{FF2B5EF4-FFF2-40B4-BE49-F238E27FC236}">
-                <a16:creationId xmlns:a16="http://schemas.microsoft.com/office/drawing/2014/main" id="{587E5A00-6C7D-48A7-B6E6-40602EF06273}"/>
-              </a:ext>
-            </a:extLst>
-          </p:cNvPr>
-          <p:cNvSpPr/>
-          <p:nvPr/>
-        </p:nvSpPr>
-        <p:spPr>
-          <a:xfrm>
-            <a:off x="632591" y="2800878"/>
-            <a:ext cx="2139193" cy="775814"/>
-          </a:xfrm>
-          <a:prstGeom prst="rect">
-            <a:avLst/>
-          </a:prstGeom>
-        </p:spPr>
-        <p:style>
-          <a:lnRef idx="2">
-            <a:schemeClr val="accent1">
-              <a:shade val="50000"/>
-            </a:schemeClr>
-          </a:lnRef>
-          <a:fillRef idx="1">
-            <a:schemeClr val="accent1"/>
-          </a:fillRef>
-          <a:effectRef idx="0">
-            <a:schemeClr val="accent1"/>
-          </a:effectRef>
-          <a:fontRef idx="minor">
-            <a:schemeClr val="lt1"/>
-          </a:fontRef>
-        </p:style>
-        <p:txBody>
-          <a:bodyPr rtlCol="0" anchor="ctr"/>
-          <a:lstStyle/>
-          <a:p>
-            <a:pPr algn="ctr"/>
-            <a:r>
-              <a:rPr lang="zh-TW" altLang="en-US" dirty="0"/>
-              <a:t>產生預測模型</a:t>
-            </a:r>
-          </a:p>
-        </p:txBody>
-      </p:sp>
-      <p:sp>
-        <p:nvSpPr>
-          <p:cNvPr id="62" name="矩形 61">
-            <a:extLst>
-              <a:ext uri="{FF2B5EF4-FFF2-40B4-BE49-F238E27FC236}">
-                <a16:creationId xmlns:a16="http://schemas.microsoft.com/office/drawing/2014/main" id="{B83A95E3-CC38-4914-8416-743AB260F152}"/>
-              </a:ext>
-            </a:extLst>
-          </p:cNvPr>
-          <p:cNvSpPr/>
-          <p:nvPr/>
-        </p:nvSpPr>
-        <p:spPr>
-          <a:xfrm>
-            <a:off x="303765" y="3899024"/>
-            <a:ext cx="1208015" cy="681690"/>
-          </a:xfrm>
-          <a:prstGeom prst="rect">
-            <a:avLst/>
-          </a:prstGeom>
-        </p:spPr>
-        <p:style>
-          <a:lnRef idx="2">
-            <a:schemeClr val="accent1">
-              <a:shade val="50000"/>
-            </a:schemeClr>
-          </a:lnRef>
-          <a:fillRef idx="1">
-            <a:schemeClr val="accent1"/>
-          </a:fillRef>
-          <a:effectRef idx="0">
-            <a:schemeClr val="accent1"/>
-          </a:effectRef>
-          <a:fontRef idx="minor">
-            <a:schemeClr val="lt1"/>
-          </a:fontRef>
-        </p:style>
-        <p:txBody>
-          <a:bodyPr rot="0" spcFirstLastPara="0" vertOverflow="overflow" horzOverflow="overflow" vert="horz" wrap="square" lIns="91440" tIns="45720" rIns="91440" bIns="45720" numCol="1" spcCol="0" rtlCol="0" fromWordArt="0" anchor="b" anchorCtr="0" forceAA="0" compatLnSpc="1">
-            <a:prstTxWarp prst="textNoShape">
-              <a:avLst/>
-            </a:prstTxWarp>
-            <a:noAutofit/>
-          </a:bodyPr>
-          <a:lstStyle/>
-          <a:p>
-            <a:pPr algn="ctr"/>
-            <a:r>
-              <a:rPr lang="zh-TW" altLang="en-US" dirty="0"/>
-              <a:t>產生</a:t>
-            </a:r>
-            <a:endParaRPr lang="en-US" altLang="zh-TW" dirty="0"/>
-          </a:p>
-          <a:p>
-            <a:pPr algn="ctr"/>
-            <a:r>
-              <a:rPr lang="zh-TW" altLang="en-US" dirty="0"/>
-              <a:t>訓練資料</a:t>
-            </a:r>
-          </a:p>
-        </p:txBody>
-      </p:sp>
-      <p:sp>
-        <p:nvSpPr>
-          <p:cNvPr id="63" name="矩形 62">
-            <a:extLst>
-              <a:ext uri="{FF2B5EF4-FFF2-40B4-BE49-F238E27FC236}">
-                <a16:creationId xmlns:a16="http://schemas.microsoft.com/office/drawing/2014/main" id="{3501AEB1-5EEC-42E3-8A56-2ABC55590CD6}"/>
-              </a:ext>
-            </a:extLst>
-          </p:cNvPr>
-          <p:cNvSpPr/>
-          <p:nvPr/>
-        </p:nvSpPr>
-        <p:spPr>
-          <a:xfrm>
-            <a:off x="1904867" y="3899024"/>
-            <a:ext cx="1208015" cy="681690"/>
-          </a:xfrm>
-          <a:prstGeom prst="rect">
-            <a:avLst/>
-          </a:prstGeom>
-        </p:spPr>
-        <p:style>
-          <a:lnRef idx="2">
-            <a:schemeClr val="accent1">
-              <a:shade val="50000"/>
-            </a:schemeClr>
-          </a:lnRef>
-          <a:fillRef idx="1">
-            <a:schemeClr val="accent1"/>
-          </a:fillRef>
-          <a:effectRef idx="0">
-            <a:schemeClr val="accent1"/>
-          </a:effectRef>
-          <a:fontRef idx="minor">
-            <a:schemeClr val="lt1"/>
-          </a:fontRef>
-        </p:style>
-        <p:txBody>
-          <a:bodyPr rot="0" spcFirstLastPara="0" vertOverflow="overflow" horzOverflow="overflow" vert="horz" wrap="square" lIns="91440" tIns="45720" rIns="91440" bIns="45720" numCol="1" spcCol="0" rtlCol="0" fromWordArt="0" anchor="b" anchorCtr="0" forceAA="0" compatLnSpc="1">
-            <a:prstTxWarp prst="textNoShape">
-              <a:avLst/>
-            </a:prstTxWarp>
-            <a:noAutofit/>
-          </a:bodyPr>
-          <a:lstStyle/>
-          <a:p>
-            <a:pPr algn="ctr"/>
-            <a:r>
-              <a:rPr lang="zh-TW" altLang="en-US" dirty="0"/>
-              <a:t>訓練</a:t>
-            </a:r>
-            <a:endParaRPr lang="en-US" altLang="zh-TW" dirty="0"/>
-          </a:p>
-          <a:p>
-            <a:pPr algn="ctr"/>
-            <a:r>
-              <a:rPr lang="zh-TW" altLang="en-US" dirty="0"/>
-              <a:t>預測模型</a:t>
-            </a:r>
-            <a:endParaRPr lang="en-US" altLang="zh-TW" dirty="0"/>
+              <a:rPr lang="en-US" altLang="zh-TW" dirty="0" smtClean="0">
+                <a:ln w="0"/>
+                <a:solidFill>
+                  <a:schemeClr val="accent1"/>
+                </a:solidFill>
+                <a:effectLst>
+                  <a:outerShdw blurRad="38100" dist="25400" dir="5400000" algn="ctr" rotWithShape="0">
+                    <a:srgbClr val="6E747A">
+                      <a:alpha val="43000"/>
+                    </a:srgbClr>
+                  </a:outerShdw>
+                </a:effectLst>
+              </a:rPr>
+              <a:t>KNN</a:t>
+            </a:r>
+            <a:endParaRPr lang="zh-TW" altLang="en-US" dirty="0">
+              <a:ln w="0"/>
+              <a:solidFill>
+                <a:schemeClr val="accent1"/>
+              </a:solidFill>
+              <a:effectLst>
+                <a:outerShdw blurRad="38100" dist="25400" dir="5400000" algn="ctr" rotWithShape="0">
+                  <a:srgbClr val="6E747A">
+                    <a:alpha val="43000"/>
+                  </a:srgbClr>
+                </a:outerShdw>
+              </a:effectLst>
+            </a:endParaRPr>
           </a:p>
         </p:txBody>
       </p:sp>
       <p:cxnSp>
         <p:nvCxnSpPr>
-          <p:cNvPr id="64" name="接點: 肘形 21">
-            <a:extLst>
-              <a:ext uri="{FF2B5EF4-FFF2-40B4-BE49-F238E27FC236}">
-                <a16:creationId xmlns:a16="http://schemas.microsoft.com/office/drawing/2014/main" id="{AE7C2ACD-8580-4617-8974-92AFF6956C60}"/>
-              </a:ext>
-            </a:extLst>
-          </p:cNvPr>
-          <p:cNvCxnSpPr>
-            <a:cxnSpLocks/>
-            <a:stCxn id="61" idx="2"/>
-            <a:endCxn id="62" idx="0"/>
-          </p:cNvCxnSpPr>
-          <p:nvPr/>
-        </p:nvCxnSpPr>
-        <p:spPr>
-          <a:xfrm rot="5400000">
-            <a:off x="1143815" y="3340651"/>
-            <a:ext cx="322332" cy="794415"/>
-          </a:xfrm>
-          <a:prstGeom prst="bentConnector3">
-            <a:avLst/>
-          </a:prstGeom>
-          <a:ln>
-            <a:tailEnd type="triangle"/>
-          </a:ln>
-        </p:spPr>
-        <p:style>
-          <a:lnRef idx="1">
-            <a:schemeClr val="accent1"/>
-          </a:lnRef>
-          <a:fillRef idx="0">
-            <a:schemeClr val="accent1"/>
-          </a:fillRef>
-          <a:effectRef idx="0">
-            <a:schemeClr val="accent1"/>
-          </a:effectRef>
-          <a:fontRef idx="minor">
-            <a:schemeClr val="tx1"/>
-          </a:fontRef>
-        </p:style>
-      </p:cxnSp>
-      <p:cxnSp>
-        <p:nvCxnSpPr>
-          <p:cNvPr id="65" name="接點: 肘形 23">
-            <a:extLst>
-              <a:ext uri="{FF2B5EF4-FFF2-40B4-BE49-F238E27FC236}">
-                <a16:creationId xmlns:a16="http://schemas.microsoft.com/office/drawing/2014/main" id="{C511D59C-1D0F-474E-ADE5-78570BD15930}"/>
-              </a:ext>
-            </a:extLst>
-          </p:cNvPr>
-          <p:cNvCxnSpPr>
-            <a:cxnSpLocks/>
-            <a:stCxn id="61" idx="2"/>
-            <a:endCxn id="63" idx="0"/>
-          </p:cNvCxnSpPr>
-          <p:nvPr/>
-        </p:nvCxnSpPr>
-        <p:spPr>
-          <a:xfrm rot="16200000" flipH="1">
-            <a:off x="1944365" y="3334514"/>
-            <a:ext cx="322332" cy="806687"/>
-          </a:xfrm>
-          <a:prstGeom prst="bentConnector3">
-            <a:avLst/>
-          </a:prstGeom>
-          <a:ln>
-            <a:tailEnd type="triangle"/>
-          </a:ln>
-        </p:spPr>
-        <p:style>
-          <a:lnRef idx="1">
-            <a:schemeClr val="accent1"/>
-          </a:lnRef>
-          <a:fillRef idx="0">
-            <a:schemeClr val="accent1"/>
-          </a:fillRef>
-          <a:effectRef idx="0">
-            <a:schemeClr val="accent1"/>
-          </a:effectRef>
-          <a:fontRef idx="minor">
-            <a:schemeClr val="tx1"/>
-          </a:fontRef>
-        </p:style>
-      </p:cxnSp>
-      <p:sp>
-        <p:nvSpPr>
-          <p:cNvPr id="66" name="矩形 65">
-            <a:extLst>
-              <a:ext uri="{FF2B5EF4-FFF2-40B4-BE49-F238E27FC236}">
-                <a16:creationId xmlns:a16="http://schemas.microsoft.com/office/drawing/2014/main" id="{AF27DBFD-D55E-4297-AA9F-1C3789EF713F}"/>
-              </a:ext>
-            </a:extLst>
-          </p:cNvPr>
-          <p:cNvSpPr/>
-          <p:nvPr/>
-        </p:nvSpPr>
-        <p:spPr>
-          <a:xfrm>
-            <a:off x="5186400" y="3897433"/>
-            <a:ext cx="1208015" cy="681691"/>
-          </a:xfrm>
-          <a:prstGeom prst="rect">
-            <a:avLst/>
-          </a:prstGeom>
-        </p:spPr>
-        <p:style>
-          <a:lnRef idx="2">
-            <a:schemeClr val="accent1">
-              <a:shade val="50000"/>
-            </a:schemeClr>
-          </a:lnRef>
-          <a:fillRef idx="1">
-            <a:schemeClr val="accent1"/>
-          </a:fillRef>
-          <a:effectRef idx="0">
-            <a:schemeClr val="accent1"/>
-          </a:effectRef>
-          <a:fontRef idx="minor">
-            <a:schemeClr val="lt1"/>
-          </a:fontRef>
-        </p:style>
-        <p:txBody>
-          <a:bodyPr rot="0" spcFirstLastPara="0" vertOverflow="overflow" horzOverflow="overflow" vert="horz" wrap="square" lIns="91440" tIns="45720" rIns="91440" bIns="45720" numCol="1" spcCol="0" rtlCol="0" fromWordArt="0" anchor="b" anchorCtr="0" forceAA="0" compatLnSpc="1">
-            <a:prstTxWarp prst="textNoShape">
-              <a:avLst/>
-            </a:prstTxWarp>
-            <a:noAutofit/>
-          </a:bodyPr>
-          <a:lstStyle/>
-          <a:p>
-            <a:pPr algn="ctr"/>
-            <a:r>
-              <a:rPr lang="zh-TW" altLang="en-US" dirty="0"/>
-              <a:t>執行</a:t>
-            </a:r>
-            <a:endParaRPr lang="en-US" altLang="zh-TW" dirty="0"/>
-          </a:p>
-          <a:p>
-            <a:r>
-              <a:rPr lang="zh-TW" altLang="en-US" dirty="0"/>
-              <a:t>預測模型</a:t>
-            </a:r>
-            <a:endParaRPr lang="en-US" altLang="zh-TW" dirty="0"/>
-          </a:p>
-        </p:txBody>
-      </p:sp>
-      <p:sp>
-        <p:nvSpPr>
-          <p:cNvPr id="67" name="矩形 66">
-            <a:extLst>
-              <a:ext uri="{FF2B5EF4-FFF2-40B4-BE49-F238E27FC236}">
-                <a16:creationId xmlns:a16="http://schemas.microsoft.com/office/drawing/2014/main" id="{9BCCDD74-C0E9-4149-8351-7E2C9071F3D2}"/>
-              </a:ext>
-            </a:extLst>
-          </p:cNvPr>
-          <p:cNvSpPr/>
-          <p:nvPr/>
-        </p:nvSpPr>
-        <p:spPr>
-          <a:xfrm>
-            <a:off x="7268709" y="3897434"/>
-            <a:ext cx="1208015" cy="681690"/>
-          </a:xfrm>
-          <a:prstGeom prst="rect">
-            <a:avLst/>
-          </a:prstGeom>
-        </p:spPr>
-        <p:style>
-          <a:lnRef idx="2">
-            <a:schemeClr val="accent1">
-              <a:shade val="50000"/>
-            </a:schemeClr>
-          </a:lnRef>
-          <a:fillRef idx="1">
-            <a:schemeClr val="accent1"/>
-          </a:fillRef>
-          <a:effectRef idx="0">
-            <a:schemeClr val="accent1"/>
-          </a:effectRef>
-          <a:fontRef idx="minor">
-            <a:schemeClr val="lt1"/>
-          </a:fontRef>
-        </p:style>
-        <p:txBody>
-          <a:bodyPr rot="0" spcFirstLastPara="0" vertOverflow="overflow" horzOverflow="overflow" vert="horz" wrap="square" lIns="91440" tIns="45720" rIns="91440" bIns="45720" numCol="1" spcCol="0" rtlCol="0" fromWordArt="0" anchor="b" anchorCtr="0" forceAA="0" compatLnSpc="1">
-            <a:prstTxWarp prst="textNoShape">
-              <a:avLst/>
-            </a:prstTxWarp>
-            <a:noAutofit/>
-          </a:bodyPr>
-          <a:lstStyle/>
-          <a:p>
-            <a:pPr algn="ctr"/>
-            <a:r>
-              <a:rPr lang="zh-TW" altLang="en-US" dirty="0"/>
-              <a:t>執行</a:t>
-            </a:r>
-            <a:endParaRPr lang="en-US" altLang="zh-TW" dirty="0"/>
-          </a:p>
-          <a:p>
-            <a:r>
-              <a:rPr lang="zh-TW" altLang="en-US" dirty="0"/>
-              <a:t>測試程式</a:t>
-            </a:r>
-            <a:endParaRPr lang="en-US" altLang="zh-TW" dirty="0"/>
-          </a:p>
-        </p:txBody>
-      </p:sp>
-      <p:cxnSp>
-        <p:nvCxnSpPr>
-          <p:cNvPr id="68" name="接點: 肘形 39">
-            <a:extLst>
-              <a:ext uri="{FF2B5EF4-FFF2-40B4-BE49-F238E27FC236}">
-                <a16:creationId xmlns:a16="http://schemas.microsoft.com/office/drawing/2014/main" id="{217F3D7F-9F80-4680-9CC1-4375B4340134}"/>
-              </a:ext>
-            </a:extLst>
-          </p:cNvPr>
-          <p:cNvCxnSpPr>
-            <a:cxnSpLocks/>
-            <a:stCxn id="60" idx="2"/>
-            <a:endCxn id="66" idx="0"/>
-          </p:cNvCxnSpPr>
-          <p:nvPr/>
-        </p:nvCxnSpPr>
-        <p:spPr>
-          <a:xfrm rot="5400000">
-            <a:off x="6170879" y="3196221"/>
-            <a:ext cx="320742" cy="1081683"/>
-          </a:xfrm>
-          <a:prstGeom prst="bentConnector3">
-            <a:avLst/>
-          </a:prstGeom>
-          <a:ln>
-            <a:tailEnd type="triangle"/>
-          </a:ln>
-        </p:spPr>
-        <p:style>
-          <a:lnRef idx="1">
-            <a:schemeClr val="accent1"/>
-          </a:lnRef>
-          <a:fillRef idx="0">
-            <a:schemeClr val="accent1"/>
-          </a:fillRef>
-          <a:effectRef idx="0">
-            <a:schemeClr val="accent1"/>
-          </a:effectRef>
-          <a:fontRef idx="minor">
-            <a:schemeClr val="tx1"/>
-          </a:fontRef>
-        </p:style>
-      </p:cxnSp>
-      <p:cxnSp>
-        <p:nvCxnSpPr>
-          <p:cNvPr id="69" name="接點: 肘形 41">
-            <a:extLst>
-              <a:ext uri="{FF2B5EF4-FFF2-40B4-BE49-F238E27FC236}">
-                <a16:creationId xmlns:a16="http://schemas.microsoft.com/office/drawing/2014/main" id="{BA308860-8158-48E9-8BF7-D6BF9E631CF0}"/>
-              </a:ext>
-            </a:extLst>
-          </p:cNvPr>
-          <p:cNvCxnSpPr>
-            <a:cxnSpLocks/>
-            <a:stCxn id="60" idx="2"/>
-            <a:endCxn id="67" idx="0"/>
-          </p:cNvCxnSpPr>
-          <p:nvPr/>
-        </p:nvCxnSpPr>
-        <p:spPr>
-          <a:xfrm rot="16200000" flipH="1">
-            <a:off x="7212033" y="3236749"/>
-            <a:ext cx="320743" cy="1000626"/>
-          </a:xfrm>
-          <a:prstGeom prst="bentConnector3">
-            <a:avLst/>
-          </a:prstGeom>
-          <a:ln>
-            <a:tailEnd type="triangle"/>
-          </a:ln>
-        </p:spPr>
-        <p:style>
-          <a:lnRef idx="1">
-            <a:schemeClr val="accent1"/>
-          </a:lnRef>
-          <a:fillRef idx="0">
-            <a:schemeClr val="accent1"/>
-          </a:fillRef>
-          <a:effectRef idx="0">
-            <a:schemeClr val="accent1"/>
-          </a:effectRef>
-          <a:fontRef idx="minor">
-            <a:schemeClr val="tx1"/>
-          </a:fontRef>
-        </p:style>
-      </p:cxnSp>
-      <p:sp>
-        <p:nvSpPr>
-          <p:cNvPr id="70" name="矩形 69">
-            <a:extLst>
-              <a:ext uri="{FF2B5EF4-FFF2-40B4-BE49-F238E27FC236}">
-                <a16:creationId xmlns:a16="http://schemas.microsoft.com/office/drawing/2014/main" id="{9EAED820-A52E-4706-9700-1F205312003B}"/>
-              </a:ext>
-            </a:extLst>
-          </p:cNvPr>
-          <p:cNvSpPr/>
-          <p:nvPr/>
-        </p:nvSpPr>
-        <p:spPr>
-          <a:xfrm>
-            <a:off x="315058" y="4903046"/>
-            <a:ext cx="1208015" cy="681690"/>
-          </a:xfrm>
-          <a:prstGeom prst="rect">
-            <a:avLst/>
-          </a:prstGeom>
-        </p:spPr>
-        <p:style>
-          <a:lnRef idx="2">
-            <a:schemeClr val="accent1">
-              <a:shade val="50000"/>
-            </a:schemeClr>
-          </a:lnRef>
-          <a:fillRef idx="1">
-            <a:schemeClr val="accent1"/>
-          </a:fillRef>
-          <a:effectRef idx="0">
-            <a:schemeClr val="accent1"/>
-          </a:effectRef>
-          <a:fontRef idx="minor">
-            <a:schemeClr val="lt1"/>
-          </a:fontRef>
-        </p:style>
-        <p:txBody>
-          <a:bodyPr rot="0" spcFirstLastPara="0" vertOverflow="overflow" horzOverflow="overflow" vert="horz" wrap="square" lIns="91440" tIns="45720" rIns="91440" bIns="45720" numCol="1" spcCol="0" rtlCol="0" fromWordArt="0" anchor="b" anchorCtr="0" forceAA="0" compatLnSpc="1">
-            <a:prstTxWarp prst="textNoShape">
-              <a:avLst/>
-            </a:prstTxWarp>
-            <a:noAutofit/>
-          </a:bodyPr>
-          <a:lstStyle/>
-          <a:p>
-            <a:pPr algn="ctr"/>
-            <a:r>
-              <a:rPr lang="en-US" altLang="zh-TW" dirty="0" err="1"/>
-              <a:t>Ml</a:t>
-            </a:r>
-            <a:r>
-              <a:rPr lang="en-US" altLang="zh-TW" dirty="0"/>
-              <a:t> Play</a:t>
-            </a:r>
-          </a:p>
-          <a:p>
-            <a:pPr algn="ctr"/>
-            <a:r>
-              <a:rPr lang="en-US" altLang="zh-TW" dirty="0"/>
-              <a:t>(</a:t>
-            </a:r>
-            <a:r>
-              <a:rPr lang="en-US" altLang="zh-TW" dirty="0" err="1"/>
-              <a:t>RuleBase</a:t>
-            </a:r>
-            <a:r>
-              <a:rPr lang="en-US" altLang="zh-TW" dirty="0"/>
-              <a:t>)</a:t>
-            </a:r>
-            <a:endParaRPr lang="zh-TW" altLang="en-US" dirty="0"/>
-          </a:p>
-        </p:txBody>
-      </p:sp>
-      <p:sp>
-        <p:nvSpPr>
-          <p:cNvPr id="72" name="矩形 71">
-            <a:extLst>
-              <a:ext uri="{FF2B5EF4-FFF2-40B4-BE49-F238E27FC236}">
-                <a16:creationId xmlns:a16="http://schemas.microsoft.com/office/drawing/2014/main" id="{A5ECE8A8-4562-4C81-AE14-69B94DACCB5B}"/>
-              </a:ext>
-            </a:extLst>
-          </p:cNvPr>
-          <p:cNvSpPr/>
-          <p:nvPr/>
-        </p:nvSpPr>
-        <p:spPr>
-          <a:xfrm>
-            <a:off x="1913137" y="4913560"/>
-            <a:ext cx="1208015" cy="681690"/>
-          </a:xfrm>
-          <a:prstGeom prst="rect">
-            <a:avLst/>
-          </a:prstGeom>
-        </p:spPr>
-        <p:style>
-          <a:lnRef idx="2">
-            <a:schemeClr val="accent1">
-              <a:shade val="50000"/>
-            </a:schemeClr>
-          </a:lnRef>
-          <a:fillRef idx="1">
-            <a:schemeClr val="accent1"/>
-          </a:fillRef>
-          <a:effectRef idx="0">
-            <a:schemeClr val="accent1"/>
-          </a:effectRef>
-          <a:fontRef idx="minor">
-            <a:schemeClr val="lt1"/>
-          </a:fontRef>
-        </p:style>
-        <p:txBody>
-          <a:bodyPr rot="0" spcFirstLastPara="0" vertOverflow="overflow" horzOverflow="overflow" vert="horz" wrap="square" lIns="91440" tIns="45720" rIns="91440" bIns="45720" numCol="1" spcCol="0" rtlCol="0" fromWordArt="0" anchor="b" anchorCtr="0" forceAA="0" compatLnSpc="1">
-            <a:prstTxWarp prst="textNoShape">
-              <a:avLst/>
-            </a:prstTxWarp>
-            <a:noAutofit/>
-          </a:bodyPr>
-          <a:lstStyle/>
-          <a:p>
-            <a:pPr algn="ctr"/>
-            <a:r>
-              <a:rPr lang="zh-TW" altLang="en-US" dirty="0"/>
-              <a:t>訓練</a:t>
-            </a:r>
-            <a:endParaRPr lang="en-US" altLang="zh-TW" dirty="0"/>
-          </a:p>
-          <a:p>
-            <a:pPr algn="ctr"/>
-            <a:r>
-              <a:rPr lang="zh-TW" altLang="en-US" dirty="0"/>
-              <a:t>程式</a:t>
-            </a:r>
-          </a:p>
-        </p:txBody>
-      </p:sp>
-      <p:sp>
-        <p:nvSpPr>
-          <p:cNvPr id="76" name="文字方塊 75">
-            <a:extLst>
-              <a:ext uri="{FF2B5EF4-FFF2-40B4-BE49-F238E27FC236}">
-                <a16:creationId xmlns:a16="http://schemas.microsoft.com/office/drawing/2014/main" id="{8D4739BF-48E6-4D36-8FC0-7C6E6AEEE030}"/>
-              </a:ext>
-            </a:extLst>
-          </p:cNvPr>
-          <p:cNvSpPr txBox="1"/>
-          <p:nvPr/>
-        </p:nvSpPr>
-        <p:spPr>
-          <a:xfrm>
-            <a:off x="138596" y="6049781"/>
-            <a:ext cx="1560937" cy="369332"/>
-          </a:xfrm>
-          <a:prstGeom prst="rect">
-            <a:avLst/>
-          </a:prstGeom>
-          <a:noFill/>
-        </p:spPr>
-        <p:txBody>
-          <a:bodyPr wrap="square" rtlCol="0">
-            <a:spAutoFit/>
-          </a:bodyPr>
-          <a:lstStyle/>
-          <a:p>
-            <a:r>
-              <a:rPr lang="en-US" altLang="zh-TW" dirty="0"/>
-              <a:t>Pickle</a:t>
-            </a:r>
-            <a:r>
-              <a:rPr lang="zh-TW" altLang="en-US" dirty="0"/>
-              <a:t>檔</a:t>
-            </a:r>
-            <a:r>
-              <a:rPr lang="en-US" altLang="zh-TW" dirty="0"/>
-              <a:t>(</a:t>
-            </a:r>
-            <a:r>
-              <a:rPr lang="zh-TW" altLang="en-US" dirty="0"/>
-              <a:t>樣本</a:t>
-            </a:r>
-            <a:r>
-              <a:rPr lang="en-US" altLang="zh-TW" dirty="0"/>
-              <a:t>)</a:t>
-            </a:r>
-            <a:endParaRPr lang="zh-TW" altLang="en-US" dirty="0"/>
-          </a:p>
-        </p:txBody>
-      </p:sp>
-      <p:cxnSp>
-        <p:nvCxnSpPr>
-          <p:cNvPr id="77" name="直線單箭頭接點 76">
-            <a:extLst>
-              <a:ext uri="{FF2B5EF4-FFF2-40B4-BE49-F238E27FC236}">
-                <a16:creationId xmlns:a16="http://schemas.microsoft.com/office/drawing/2014/main" id="{6AA946A9-89F1-4795-B7BB-B5617CCEA0AD}"/>
-              </a:ext>
-            </a:extLst>
-          </p:cNvPr>
-          <p:cNvCxnSpPr>
-            <a:stCxn id="70" idx="2"/>
-            <a:endCxn id="76" idx="0"/>
-          </p:cNvCxnSpPr>
-          <p:nvPr/>
-        </p:nvCxnSpPr>
-        <p:spPr>
-          <a:xfrm flipH="1">
-            <a:off x="919065" y="5584736"/>
-            <a:ext cx="1" cy="465045"/>
-          </a:xfrm>
-          <a:prstGeom prst="straightConnector1">
-            <a:avLst/>
-          </a:prstGeom>
-          <a:ln>
-            <a:solidFill>
-              <a:schemeClr val="tx1"/>
-            </a:solidFill>
-            <a:prstDash val="lgDash"/>
-            <a:tailEnd type="triangle"/>
-          </a:ln>
-        </p:spPr>
-        <p:style>
-          <a:lnRef idx="1">
-            <a:schemeClr val="accent1"/>
-          </a:lnRef>
-          <a:fillRef idx="0">
-            <a:schemeClr val="accent1"/>
-          </a:fillRef>
-          <a:effectRef idx="0">
-            <a:schemeClr val="accent1"/>
-          </a:effectRef>
-          <a:fontRef idx="minor">
-            <a:schemeClr val="tx1"/>
-          </a:fontRef>
-        </p:style>
-      </p:cxnSp>
-      <p:sp>
-        <p:nvSpPr>
-          <p:cNvPr id="78" name="文字方塊 77">
-            <a:extLst>
-              <a:ext uri="{FF2B5EF4-FFF2-40B4-BE49-F238E27FC236}">
-                <a16:creationId xmlns:a16="http://schemas.microsoft.com/office/drawing/2014/main" id="{8CF0CAAF-D0F3-40B7-A7C4-794AF388BD13}"/>
-              </a:ext>
-            </a:extLst>
-          </p:cNvPr>
-          <p:cNvSpPr txBox="1"/>
-          <p:nvPr/>
-        </p:nvSpPr>
-        <p:spPr>
-          <a:xfrm>
-            <a:off x="1903605" y="6073226"/>
-            <a:ext cx="1208015" cy="369332"/>
-          </a:xfrm>
-          <a:prstGeom prst="rect">
-            <a:avLst/>
-          </a:prstGeom>
-          <a:ln>
-            <a:noFill/>
-            <a:prstDash val="lgDash"/>
-            <a:tailEnd type="triangle"/>
-          </a:ln>
-        </p:spPr>
-        <p:style>
-          <a:lnRef idx="1">
-            <a:schemeClr val="accent1"/>
-          </a:lnRef>
-          <a:fillRef idx="0">
-            <a:schemeClr val="accent1"/>
-          </a:fillRef>
-          <a:effectRef idx="0">
-            <a:schemeClr val="accent1"/>
-          </a:effectRef>
-          <a:fontRef idx="minor">
-            <a:schemeClr val="tx1"/>
-          </a:fontRef>
-        </p:style>
-        <p:txBody>
-          <a:bodyPr wrap="square" rtlCol="0">
-            <a:spAutoFit/>
-          </a:bodyPr>
-          <a:lstStyle/>
-          <a:p>
-            <a:r>
-              <a:rPr lang="en-US" altLang="zh-TW" dirty="0" err="1" smtClean="0"/>
-              <a:t>KNN.sav</a:t>
-            </a:r>
-            <a:endParaRPr lang="zh-TW" altLang="en-US" dirty="0"/>
-          </a:p>
-        </p:txBody>
-      </p:sp>
-      <p:sp>
-        <p:nvSpPr>
-          <p:cNvPr id="81" name="矩形 80">
-            <a:extLst>
-              <a:ext uri="{FF2B5EF4-FFF2-40B4-BE49-F238E27FC236}">
-                <a16:creationId xmlns:a16="http://schemas.microsoft.com/office/drawing/2014/main" id="{2745E39D-2949-4CAF-B0C6-C84BD06CB81A}"/>
-              </a:ext>
-            </a:extLst>
-          </p:cNvPr>
-          <p:cNvSpPr/>
-          <p:nvPr/>
-        </p:nvSpPr>
-        <p:spPr>
-          <a:xfrm>
-            <a:off x="5186400" y="4913560"/>
-            <a:ext cx="1208015" cy="681690"/>
-          </a:xfrm>
-          <a:prstGeom prst="rect">
-            <a:avLst/>
-          </a:prstGeom>
-        </p:spPr>
-        <p:style>
-          <a:lnRef idx="2">
-            <a:schemeClr val="accent1">
-              <a:shade val="50000"/>
-            </a:schemeClr>
-          </a:lnRef>
-          <a:fillRef idx="1">
-            <a:schemeClr val="accent1"/>
-          </a:fillRef>
-          <a:effectRef idx="0">
-            <a:schemeClr val="accent1"/>
-          </a:effectRef>
-          <a:fontRef idx="minor">
-            <a:schemeClr val="lt1"/>
-          </a:fontRef>
-        </p:style>
-        <p:txBody>
-          <a:bodyPr rot="0" spcFirstLastPara="0" vertOverflow="overflow" horzOverflow="overflow" vert="horz" wrap="square" lIns="91440" tIns="45720" rIns="91440" bIns="45720" numCol="1" spcCol="0" rtlCol="0" fromWordArt="0" anchor="b" anchorCtr="0" forceAA="0" compatLnSpc="1">
-            <a:prstTxWarp prst="textNoShape">
-              <a:avLst/>
-            </a:prstTxWarp>
-            <a:noAutofit/>
-          </a:bodyPr>
-          <a:lstStyle/>
-          <a:p>
-            <a:pPr algn="ctr"/>
-            <a:r>
-              <a:rPr lang="en-US" altLang="zh-TW" dirty="0" err="1"/>
-              <a:t>Ml</a:t>
-            </a:r>
-            <a:r>
-              <a:rPr lang="en-US" altLang="zh-TW" dirty="0"/>
-              <a:t> Play</a:t>
-            </a:r>
-          </a:p>
-          <a:p>
-            <a:pPr algn="ctr"/>
-            <a:r>
-              <a:rPr lang="en-US" altLang="zh-TW" dirty="0" smtClean="0"/>
-              <a:t>(KNN)</a:t>
-            </a:r>
-            <a:endParaRPr lang="zh-TW" altLang="en-US" dirty="0"/>
-          </a:p>
-        </p:txBody>
-      </p:sp>
-      <p:cxnSp>
-        <p:nvCxnSpPr>
-          <p:cNvPr id="86" name="接點: 肘形 124">
-            <a:extLst>
-              <a:ext uri="{FF2B5EF4-FFF2-40B4-BE49-F238E27FC236}">
-                <a16:creationId xmlns:a16="http://schemas.microsoft.com/office/drawing/2014/main" id="{A709938D-EC0D-4B4F-8143-9158245AD49E}"/>
-              </a:ext>
-            </a:extLst>
-          </p:cNvPr>
-          <p:cNvCxnSpPr>
-            <a:stCxn id="59" idx="2"/>
-            <a:endCxn id="61" idx="0"/>
-          </p:cNvCxnSpPr>
-          <p:nvPr/>
-        </p:nvCxnSpPr>
-        <p:spPr>
-          <a:xfrm rot="5400000">
-            <a:off x="2866815" y="1384004"/>
-            <a:ext cx="252248" cy="2581501"/>
-          </a:xfrm>
-          <a:prstGeom prst="bentConnector3">
-            <a:avLst>
-              <a:gd name="adj1" fmla="val 50000"/>
-            </a:avLst>
-          </a:prstGeom>
-          <a:ln>
-            <a:tailEnd type="triangle"/>
-          </a:ln>
-        </p:spPr>
-        <p:style>
-          <a:lnRef idx="1">
-            <a:schemeClr val="accent1"/>
-          </a:lnRef>
-          <a:fillRef idx="0">
-            <a:schemeClr val="accent1"/>
-          </a:fillRef>
-          <a:effectRef idx="0">
-            <a:schemeClr val="accent1"/>
-          </a:effectRef>
-          <a:fontRef idx="minor">
-            <a:schemeClr val="tx1"/>
-          </a:fontRef>
-        </p:style>
-      </p:cxnSp>
-      <p:cxnSp>
-        <p:nvCxnSpPr>
-          <p:cNvPr id="87" name="接點: 肘形 126">
-            <a:extLst>
-              <a:ext uri="{FF2B5EF4-FFF2-40B4-BE49-F238E27FC236}">
-                <a16:creationId xmlns:a16="http://schemas.microsoft.com/office/drawing/2014/main" id="{7FD85A53-67E9-49CD-824C-6A5B1A24F7B6}"/>
-              </a:ext>
-            </a:extLst>
-          </p:cNvPr>
-          <p:cNvCxnSpPr>
-            <a:stCxn id="59" idx="2"/>
-            <a:endCxn id="60" idx="0"/>
-          </p:cNvCxnSpPr>
-          <p:nvPr/>
-        </p:nvCxnSpPr>
-        <p:spPr>
-          <a:xfrm rot="16200000" flipH="1">
-            <a:off x="5451767" y="1380552"/>
-            <a:ext cx="252247" cy="2588402"/>
-          </a:xfrm>
-          <a:prstGeom prst="bentConnector3">
-            <a:avLst>
-              <a:gd name="adj1" fmla="val 50000"/>
-            </a:avLst>
-          </a:prstGeom>
-          <a:ln>
-            <a:tailEnd type="triangle"/>
-          </a:ln>
-        </p:spPr>
-        <p:style>
-          <a:lnRef idx="1">
-            <a:schemeClr val="accent1"/>
-          </a:lnRef>
-          <a:fillRef idx="0">
-            <a:schemeClr val="accent1"/>
-          </a:fillRef>
-          <a:effectRef idx="0">
-            <a:schemeClr val="accent1"/>
-          </a:effectRef>
-          <a:fontRef idx="minor">
-            <a:schemeClr val="tx1"/>
-          </a:fontRef>
-        </p:style>
-      </p:cxnSp>
-      <p:cxnSp>
-        <p:nvCxnSpPr>
-          <p:cNvPr id="88" name="直線單箭頭接點 87">
-            <a:extLst>
-              <a:ext uri="{FF2B5EF4-FFF2-40B4-BE49-F238E27FC236}">
-                <a16:creationId xmlns:a16="http://schemas.microsoft.com/office/drawing/2014/main" id="{EDAF9B0B-8AC2-41D3-B0A3-3C7547044F57}"/>
-              </a:ext>
-            </a:extLst>
-          </p:cNvPr>
-          <p:cNvCxnSpPr>
-            <a:stCxn id="66" idx="2"/>
-            <a:endCxn id="81" idx="0"/>
-          </p:cNvCxnSpPr>
+          <p:cNvPr id="7" name="直線單箭頭接點 6"/>
+          <p:cNvCxnSpPr/>
           <p:nvPr/>
         </p:nvCxnSpPr>
         <p:spPr>
           <a:xfrm>
-            <a:off x="5790408" y="4579124"/>
-            <a:ext cx="0" cy="334436"/>
+            <a:off x="1629916" y="2276872"/>
+            <a:ext cx="1152128" cy="0"/>
           </a:xfrm>
           <a:prstGeom prst="straightConnector1">
             <a:avLst/>
@@ -8599,98 +7426,16 @@
           </a:fontRef>
         </p:style>
       </p:cxnSp>
-      <p:sp>
-        <p:nvSpPr>
-          <p:cNvPr id="89" name="矩形 88">
-            <a:extLst>
-              <a:ext uri="{FF2B5EF4-FFF2-40B4-BE49-F238E27FC236}">
-                <a16:creationId xmlns:a16="http://schemas.microsoft.com/office/drawing/2014/main" id="{26966237-559C-4BED-A1BF-555FD1F02C87}"/>
-              </a:ext>
-            </a:extLst>
-          </p:cNvPr>
-          <p:cNvSpPr/>
-          <p:nvPr/>
-        </p:nvSpPr>
-        <p:spPr>
-          <a:xfrm>
-            <a:off x="7268709" y="4915092"/>
-            <a:ext cx="1208015" cy="681690"/>
-          </a:xfrm>
-          <a:prstGeom prst="rect">
-            <a:avLst/>
-          </a:prstGeom>
-        </p:spPr>
-        <p:style>
-          <a:lnRef idx="2">
-            <a:schemeClr val="accent1">
-              <a:shade val="50000"/>
-            </a:schemeClr>
-          </a:lnRef>
-          <a:fillRef idx="1">
-            <a:schemeClr val="accent1"/>
-          </a:fillRef>
-          <a:effectRef idx="0">
-            <a:schemeClr val="accent1"/>
-          </a:effectRef>
-          <a:fontRef idx="minor">
-            <a:schemeClr val="lt1"/>
-          </a:fontRef>
-        </p:style>
-        <p:txBody>
-          <a:bodyPr rot="0" spcFirstLastPara="0" vertOverflow="overflow" horzOverflow="overflow" vert="horz" wrap="square" lIns="91440" tIns="45720" rIns="91440" bIns="45720" numCol="1" spcCol="0" rtlCol="0" fromWordArt="0" anchor="b" anchorCtr="0" forceAA="0" compatLnSpc="1">
-            <a:prstTxWarp prst="textNoShape">
-              <a:avLst/>
-            </a:prstTxWarp>
-            <a:noAutofit/>
-          </a:bodyPr>
-          <a:lstStyle/>
-          <a:p>
-            <a:pPr algn="ctr"/>
-            <a:r>
-              <a:rPr lang="en-US" altLang="zh-TW" dirty="0" err="1"/>
-              <a:t>Ml</a:t>
-            </a:r>
-            <a:r>
-              <a:rPr lang="en-US" altLang="zh-TW" dirty="0"/>
-              <a:t> Play</a:t>
-            </a:r>
-          </a:p>
-          <a:p>
-            <a:pPr algn="ctr"/>
-            <a:r>
-              <a:rPr lang="en-US" altLang="zh-TW" dirty="0"/>
-              <a:t>(</a:t>
-            </a:r>
-            <a:r>
-              <a:rPr lang="en-US" altLang="zh-TW" dirty="0" err="1"/>
-              <a:t>RuleBase</a:t>
-            </a:r>
-            <a:r>
-              <a:rPr lang="en-US" altLang="zh-TW" dirty="0"/>
-              <a:t>)</a:t>
-            </a:r>
-            <a:endParaRPr lang="zh-TW" altLang="en-US" dirty="0"/>
-          </a:p>
-        </p:txBody>
-      </p:sp>
       <p:cxnSp>
         <p:nvCxnSpPr>
-          <p:cNvPr id="90" name="直線單箭頭接點 89">
-            <a:extLst>
-              <a:ext uri="{FF2B5EF4-FFF2-40B4-BE49-F238E27FC236}">
-                <a16:creationId xmlns:a16="http://schemas.microsoft.com/office/drawing/2014/main" id="{B65667DC-B3A3-4D14-84F4-C5D3A79C9DEA}"/>
-              </a:ext>
-            </a:extLst>
-          </p:cNvPr>
-          <p:cNvCxnSpPr>
-            <a:endCxn id="89" idx="0"/>
-          </p:cNvCxnSpPr>
+          <p:cNvPr id="8" name="直線單箭頭接點 7"/>
+          <p:cNvCxnSpPr/>
           <p:nvPr/>
         </p:nvCxnSpPr>
         <p:spPr>
           <a:xfrm>
-            <a:off x="7872717" y="4580656"/>
-            <a:ext cx="0" cy="334436"/>
+            <a:off x="1629916" y="2564904"/>
+            <a:ext cx="1152128" cy="0"/>
           </a:xfrm>
           <a:prstGeom prst="straightConnector1">
             <a:avLst/>
@@ -8716,196 +7461,14 @@
       </p:cxnSp>
       <p:cxnSp>
         <p:nvCxnSpPr>
-          <p:cNvPr id="91" name="接點: 肘形 175">
-            <a:extLst>
-              <a:ext uri="{FF2B5EF4-FFF2-40B4-BE49-F238E27FC236}">
-                <a16:creationId xmlns:a16="http://schemas.microsoft.com/office/drawing/2014/main" id="{C2FA3919-8173-42B1-B2CA-985DF407F662}"/>
-              </a:ext>
-            </a:extLst>
-          </p:cNvPr>
-          <p:cNvCxnSpPr>
-            <a:cxnSpLocks/>
-            <a:stCxn id="81" idx="2"/>
-            <a:endCxn id="93" idx="0"/>
-          </p:cNvCxnSpPr>
-          <p:nvPr/>
-        </p:nvCxnSpPr>
-        <p:spPr>
-          <a:xfrm rot="16200000" flipH="1">
-            <a:off x="6073504" y="5312153"/>
-            <a:ext cx="541441" cy="1107633"/>
-          </a:xfrm>
-          <a:prstGeom prst="bentConnector3">
-            <a:avLst>
-              <a:gd name="adj1" fmla="val 50000"/>
-            </a:avLst>
-          </a:prstGeom>
-          <a:ln>
-            <a:solidFill>
-              <a:schemeClr val="tx1"/>
-            </a:solidFill>
-            <a:prstDash val="lgDash"/>
-            <a:tailEnd type="triangle"/>
-          </a:ln>
-        </p:spPr>
-        <p:style>
-          <a:lnRef idx="1">
-            <a:schemeClr val="accent1"/>
-          </a:lnRef>
-          <a:fillRef idx="0">
-            <a:schemeClr val="accent1"/>
-          </a:fillRef>
-          <a:effectRef idx="0">
-            <a:schemeClr val="accent1"/>
-          </a:effectRef>
-          <a:fontRef idx="minor">
-            <a:schemeClr val="tx1"/>
-          </a:fontRef>
-        </p:style>
-      </p:cxnSp>
-      <p:cxnSp>
-        <p:nvCxnSpPr>
-          <p:cNvPr id="92" name="接點: 肘形 177">
-            <a:extLst>
-              <a:ext uri="{FF2B5EF4-FFF2-40B4-BE49-F238E27FC236}">
-                <a16:creationId xmlns:a16="http://schemas.microsoft.com/office/drawing/2014/main" id="{7AB0213A-A8AA-4721-974D-FDC38F8441AD}"/>
-              </a:ext>
-            </a:extLst>
-          </p:cNvPr>
-          <p:cNvCxnSpPr>
-            <a:cxnSpLocks/>
-            <a:stCxn id="89" idx="2"/>
-            <a:endCxn id="93" idx="0"/>
-          </p:cNvCxnSpPr>
-          <p:nvPr/>
-        </p:nvCxnSpPr>
-        <p:spPr>
-          <a:xfrm rot="5400000">
-            <a:off x="7115425" y="5379398"/>
-            <a:ext cx="539909" cy="974676"/>
-          </a:xfrm>
-          <a:prstGeom prst="bentConnector3">
-            <a:avLst>
-              <a:gd name="adj1" fmla="val 50000"/>
-            </a:avLst>
-          </a:prstGeom>
-          <a:ln>
-            <a:solidFill>
-              <a:schemeClr val="tx1"/>
-            </a:solidFill>
-            <a:prstDash val="lgDash"/>
-            <a:tailEnd type="triangle"/>
-          </a:ln>
-        </p:spPr>
-        <p:style>
-          <a:lnRef idx="1">
-            <a:schemeClr val="accent1"/>
-          </a:lnRef>
-          <a:fillRef idx="0">
-            <a:schemeClr val="accent1"/>
-          </a:fillRef>
-          <a:effectRef idx="0">
-            <a:schemeClr val="accent1"/>
-          </a:effectRef>
-          <a:fontRef idx="minor">
-            <a:schemeClr val="tx1"/>
-          </a:fontRef>
-        </p:style>
-      </p:cxnSp>
-      <p:sp>
-        <p:nvSpPr>
-          <p:cNvPr id="93" name="文字方塊 92">
-            <a:extLst>
-              <a:ext uri="{FF2B5EF4-FFF2-40B4-BE49-F238E27FC236}">
-                <a16:creationId xmlns:a16="http://schemas.microsoft.com/office/drawing/2014/main" id="{B8E255AE-F19D-4583-8AE6-7DBE4AAFFB8D}"/>
-              </a:ext>
-            </a:extLst>
-          </p:cNvPr>
-          <p:cNvSpPr txBox="1"/>
-          <p:nvPr/>
-        </p:nvSpPr>
-        <p:spPr>
-          <a:xfrm>
-            <a:off x="6294033" y="6136691"/>
-            <a:ext cx="1208015" cy="369332"/>
-          </a:xfrm>
-          <a:prstGeom prst="rect">
-            <a:avLst/>
-          </a:prstGeom>
-          <a:noFill/>
-        </p:spPr>
-        <p:txBody>
-          <a:bodyPr wrap="square" rtlCol="0">
-            <a:spAutoFit/>
-          </a:bodyPr>
-          <a:lstStyle/>
-          <a:p>
-            <a:r>
-              <a:rPr lang="zh-TW" altLang="en-US" dirty="0"/>
-              <a:t>對戰結果</a:t>
-            </a:r>
-          </a:p>
-        </p:txBody>
-      </p:sp>
-      <p:cxnSp>
-        <p:nvCxnSpPr>
-          <p:cNvPr id="98" name="直線單箭頭接點 97">
-            <a:extLst>
-              <a:ext uri="{FF2B5EF4-FFF2-40B4-BE49-F238E27FC236}">
-                <a16:creationId xmlns:a16="http://schemas.microsoft.com/office/drawing/2014/main" id="{6AA946A9-89F1-4795-B7BB-B5617CCEA0AD}"/>
-              </a:ext>
-            </a:extLst>
-          </p:cNvPr>
+          <p:cNvPr id="9" name="直線單箭頭接點 8"/>
           <p:cNvCxnSpPr/>
           <p:nvPr/>
         </p:nvCxnSpPr>
         <p:spPr>
           <a:xfrm>
-            <a:off x="2517643" y="5595250"/>
-            <a:ext cx="0" cy="524143"/>
-          </a:xfrm>
-          <a:prstGeom prst="straightConnector1">
-            <a:avLst/>
-          </a:prstGeom>
-          <a:ln>
-            <a:solidFill>
-              <a:schemeClr val="tx1"/>
-            </a:solidFill>
-            <a:prstDash val="lgDash"/>
-            <a:tailEnd type="triangle"/>
-          </a:ln>
-        </p:spPr>
-        <p:style>
-          <a:lnRef idx="1">
-            <a:schemeClr val="accent1"/>
-          </a:lnRef>
-          <a:fillRef idx="0">
-            <a:schemeClr val="accent1"/>
-          </a:fillRef>
-          <a:effectRef idx="0">
-            <a:schemeClr val="accent1"/>
-          </a:effectRef>
-          <a:fontRef idx="minor">
-            <a:schemeClr val="tx1"/>
-          </a:fontRef>
-        </p:style>
-      </p:cxnSp>
-      <p:cxnSp>
-        <p:nvCxnSpPr>
-          <p:cNvPr id="103" name="直線單箭頭接點 102">
-            <a:extLst>
-              <a:ext uri="{FF2B5EF4-FFF2-40B4-BE49-F238E27FC236}">
-                <a16:creationId xmlns:a16="http://schemas.microsoft.com/office/drawing/2014/main" id="{EDAF9B0B-8AC2-41D3-B0A3-3C7547044F57}"/>
-              </a:ext>
-            </a:extLst>
-          </p:cNvPr>
-          <p:cNvCxnSpPr/>
-          <p:nvPr/>
-        </p:nvCxnSpPr>
-        <p:spPr>
-          <a:xfrm>
-            <a:off x="907773" y="4579124"/>
-            <a:ext cx="0" cy="334436"/>
+            <a:off x="1629916" y="2996952"/>
+            <a:ext cx="1152128" cy="0"/>
           </a:xfrm>
           <a:prstGeom prst="straightConnector1">
             <a:avLst/>
@@ -8931,20 +7494,14 @@
       </p:cxnSp>
       <p:cxnSp>
         <p:nvCxnSpPr>
-          <p:cNvPr id="104" name="直線單箭頭接點 103">
-            <a:extLst>
-              <a:ext uri="{FF2B5EF4-FFF2-40B4-BE49-F238E27FC236}">
-                <a16:creationId xmlns:a16="http://schemas.microsoft.com/office/drawing/2014/main" id="{EDAF9B0B-8AC2-41D3-B0A3-3C7547044F57}"/>
-              </a:ext>
-            </a:extLst>
-          </p:cNvPr>
+          <p:cNvPr id="10" name="直線單箭頭接點 9"/>
           <p:cNvCxnSpPr/>
           <p:nvPr/>
         </p:nvCxnSpPr>
         <p:spPr>
           <a:xfrm>
-            <a:off x="2508875" y="4579124"/>
-            <a:ext cx="0" cy="334436"/>
+            <a:off x="1629916" y="3501008"/>
+            <a:ext cx="1152128" cy="0"/>
           </a:xfrm>
           <a:prstGeom prst="straightConnector1">
             <a:avLst/>
@@ -8968,206 +7525,607 @@
           </a:fontRef>
         </p:style>
       </p:cxnSp>
-      <p:sp>
-        <p:nvSpPr>
-          <p:cNvPr id="105" name="矩形 104"/>
-          <p:cNvSpPr/>
+      <p:cxnSp>
+        <p:nvCxnSpPr>
+          <p:cNvPr id="11" name="直線單箭頭接點 10"/>
+          <p:cNvCxnSpPr/>
           <p:nvPr/>
-        </p:nvSpPr>
+        </p:nvCxnSpPr>
         <p:spPr>
           <a:xfrm>
-            <a:off x="8426399" y="1931188"/>
-            <a:ext cx="3712101" cy="3139321"/>
+            <a:off x="1629916" y="3284984"/>
+            <a:ext cx="1152128" cy="0"/>
+          </a:xfrm>
+          <a:prstGeom prst="straightConnector1">
+            <a:avLst/>
+          </a:prstGeom>
+          <a:ln>
+            <a:tailEnd type="triangle"/>
+          </a:ln>
+        </p:spPr>
+        <p:style>
+          <a:lnRef idx="1">
+            <a:schemeClr val="accent1"/>
+          </a:lnRef>
+          <a:fillRef idx="0">
+            <a:schemeClr val="accent1"/>
+          </a:fillRef>
+          <a:effectRef idx="0">
+            <a:schemeClr val="accent1"/>
+          </a:effectRef>
+          <a:fontRef idx="minor">
+            <a:schemeClr val="tx1"/>
+          </a:fontRef>
+        </p:style>
+      </p:cxnSp>
+      <p:cxnSp>
+        <p:nvCxnSpPr>
+          <p:cNvPr id="12" name="直線單箭頭接點 11"/>
+          <p:cNvCxnSpPr/>
+          <p:nvPr/>
+        </p:nvCxnSpPr>
+        <p:spPr>
+          <a:xfrm>
+            <a:off x="1629916" y="2780928"/>
+            <a:ext cx="1152128" cy="0"/>
+          </a:xfrm>
+          <a:prstGeom prst="straightConnector1">
+            <a:avLst/>
+          </a:prstGeom>
+          <a:ln>
+            <a:tailEnd type="triangle"/>
+          </a:ln>
+        </p:spPr>
+        <p:style>
+          <a:lnRef idx="1">
+            <a:schemeClr val="accent1"/>
+          </a:lnRef>
+          <a:fillRef idx="0">
+            <a:schemeClr val="accent1"/>
+          </a:fillRef>
+          <a:effectRef idx="0">
+            <a:schemeClr val="accent1"/>
+          </a:effectRef>
+          <a:fontRef idx="minor">
+            <a:schemeClr val="tx1"/>
+          </a:fontRef>
+        </p:style>
+      </p:cxnSp>
+      <p:cxnSp>
+        <p:nvCxnSpPr>
+          <p:cNvPr id="13" name="直線單箭頭接點 12"/>
+          <p:cNvCxnSpPr/>
+          <p:nvPr/>
+        </p:nvCxnSpPr>
+        <p:spPr>
+          <a:xfrm>
+            <a:off x="1629916" y="3789040"/>
+            <a:ext cx="1152128" cy="0"/>
+          </a:xfrm>
+          <a:prstGeom prst="straightConnector1">
+            <a:avLst/>
+          </a:prstGeom>
+          <a:ln>
+            <a:tailEnd type="triangle"/>
+          </a:ln>
+        </p:spPr>
+        <p:style>
+          <a:lnRef idx="1">
+            <a:schemeClr val="accent1"/>
+          </a:lnRef>
+          <a:fillRef idx="0">
+            <a:schemeClr val="accent1"/>
+          </a:fillRef>
+          <a:effectRef idx="0">
+            <a:schemeClr val="accent1"/>
+          </a:effectRef>
+          <a:fontRef idx="minor">
+            <a:schemeClr val="tx1"/>
+          </a:fontRef>
+        </p:style>
+      </p:cxnSp>
+      <p:cxnSp>
+        <p:nvCxnSpPr>
+          <p:cNvPr id="14" name="直線單箭頭接點 13"/>
+          <p:cNvCxnSpPr/>
+          <p:nvPr/>
+        </p:nvCxnSpPr>
+        <p:spPr>
+          <a:xfrm>
+            <a:off x="1629916" y="4077072"/>
+            <a:ext cx="1152128" cy="0"/>
+          </a:xfrm>
+          <a:prstGeom prst="straightConnector1">
+            <a:avLst/>
+          </a:prstGeom>
+          <a:ln>
+            <a:tailEnd type="triangle"/>
+          </a:ln>
+        </p:spPr>
+        <p:style>
+          <a:lnRef idx="1">
+            <a:schemeClr val="accent1"/>
+          </a:lnRef>
+          <a:fillRef idx="0">
+            <a:schemeClr val="accent1"/>
+          </a:fillRef>
+          <a:effectRef idx="0">
+            <a:schemeClr val="accent1"/>
+          </a:effectRef>
+          <a:fontRef idx="minor">
+            <a:schemeClr val="tx1"/>
+          </a:fontRef>
+        </p:style>
+      </p:cxnSp>
+      <p:cxnSp>
+        <p:nvCxnSpPr>
+          <p:cNvPr id="15" name="直線單箭頭接點 14"/>
+          <p:cNvCxnSpPr/>
+          <p:nvPr/>
+        </p:nvCxnSpPr>
+        <p:spPr>
+          <a:xfrm>
+            <a:off x="1629916" y="4509120"/>
+            <a:ext cx="1152128" cy="0"/>
+          </a:xfrm>
+          <a:prstGeom prst="straightConnector1">
+            <a:avLst/>
+          </a:prstGeom>
+          <a:ln>
+            <a:tailEnd type="triangle"/>
+          </a:ln>
+        </p:spPr>
+        <p:style>
+          <a:lnRef idx="1">
+            <a:schemeClr val="accent1"/>
+          </a:lnRef>
+          <a:fillRef idx="0">
+            <a:schemeClr val="accent1"/>
+          </a:fillRef>
+          <a:effectRef idx="0">
+            <a:schemeClr val="accent1"/>
+          </a:effectRef>
+          <a:fontRef idx="minor">
+            <a:schemeClr val="tx1"/>
+          </a:fontRef>
+        </p:style>
+      </p:cxnSp>
+      <p:cxnSp>
+        <p:nvCxnSpPr>
+          <p:cNvPr id="16" name="直線單箭頭接點 15"/>
+          <p:cNvCxnSpPr/>
+          <p:nvPr/>
+        </p:nvCxnSpPr>
+        <p:spPr>
+          <a:xfrm>
+            <a:off x="1629916" y="5013176"/>
+            <a:ext cx="1152128" cy="0"/>
+          </a:xfrm>
+          <a:prstGeom prst="straightConnector1">
+            <a:avLst/>
+          </a:prstGeom>
+          <a:ln>
+            <a:tailEnd type="triangle"/>
+          </a:ln>
+        </p:spPr>
+        <p:style>
+          <a:lnRef idx="1">
+            <a:schemeClr val="accent1"/>
+          </a:lnRef>
+          <a:fillRef idx="0">
+            <a:schemeClr val="accent1"/>
+          </a:fillRef>
+          <a:effectRef idx="0">
+            <a:schemeClr val="accent1"/>
+          </a:effectRef>
+          <a:fontRef idx="minor">
+            <a:schemeClr val="tx1"/>
+          </a:fontRef>
+        </p:style>
+      </p:cxnSp>
+      <p:cxnSp>
+        <p:nvCxnSpPr>
+          <p:cNvPr id="17" name="直線單箭頭接點 16"/>
+          <p:cNvCxnSpPr/>
+          <p:nvPr/>
+        </p:nvCxnSpPr>
+        <p:spPr>
+          <a:xfrm>
+            <a:off x="1629916" y="4797152"/>
+            <a:ext cx="1152128" cy="0"/>
+          </a:xfrm>
+          <a:prstGeom prst="straightConnector1">
+            <a:avLst/>
+          </a:prstGeom>
+          <a:ln>
+            <a:tailEnd type="triangle"/>
+          </a:ln>
+        </p:spPr>
+        <p:style>
+          <a:lnRef idx="1">
+            <a:schemeClr val="accent1"/>
+          </a:lnRef>
+          <a:fillRef idx="0">
+            <a:schemeClr val="accent1"/>
+          </a:fillRef>
+          <a:effectRef idx="0">
+            <a:schemeClr val="accent1"/>
+          </a:effectRef>
+          <a:fontRef idx="minor">
+            <a:schemeClr val="tx1"/>
+          </a:fontRef>
+        </p:style>
+      </p:cxnSp>
+      <p:cxnSp>
+        <p:nvCxnSpPr>
+          <p:cNvPr id="18" name="直線單箭頭接點 17"/>
+          <p:cNvCxnSpPr/>
+          <p:nvPr/>
+        </p:nvCxnSpPr>
+        <p:spPr>
+          <a:xfrm>
+            <a:off x="1629916" y="4293096"/>
+            <a:ext cx="1152128" cy="0"/>
+          </a:xfrm>
+          <a:prstGeom prst="straightConnector1">
+            <a:avLst/>
+          </a:prstGeom>
+          <a:ln>
+            <a:tailEnd type="triangle"/>
+          </a:ln>
+        </p:spPr>
+        <p:style>
+          <a:lnRef idx="1">
+            <a:schemeClr val="accent1"/>
+          </a:lnRef>
+          <a:fillRef idx="0">
+            <a:schemeClr val="accent1"/>
+          </a:fillRef>
+          <a:effectRef idx="0">
+            <a:schemeClr val="accent1"/>
+          </a:effectRef>
+          <a:fontRef idx="minor">
+            <a:schemeClr val="tx1"/>
+          </a:fontRef>
+        </p:style>
+      </p:cxnSp>
+      <p:cxnSp>
+        <p:nvCxnSpPr>
+          <p:cNvPr id="19" name="直線單箭頭接點 18"/>
+          <p:cNvCxnSpPr/>
+          <p:nvPr/>
+        </p:nvCxnSpPr>
+        <p:spPr>
+          <a:xfrm>
+            <a:off x="7966620" y="3544952"/>
+            <a:ext cx="1152128" cy="0"/>
+          </a:xfrm>
+          <a:prstGeom prst="straightConnector1">
+            <a:avLst/>
+          </a:prstGeom>
+          <a:ln>
+            <a:tailEnd type="triangle"/>
+          </a:ln>
+        </p:spPr>
+        <p:style>
+          <a:lnRef idx="1">
+            <a:schemeClr val="accent1"/>
+          </a:lnRef>
+          <a:fillRef idx="0">
+            <a:schemeClr val="accent1"/>
+          </a:fillRef>
+          <a:effectRef idx="0">
+            <a:schemeClr val="accent1"/>
+          </a:effectRef>
+          <a:fontRef idx="minor">
+            <a:schemeClr val="tx1"/>
+          </a:fontRef>
+        </p:style>
+      </p:cxnSp>
+      <p:sp>
+        <p:nvSpPr>
+          <p:cNvPr id="20" name="文字方塊 19">
+            <a:extLst>
+              <a:ext uri="{FF2B5EF4-FFF2-40B4-BE49-F238E27FC236}">
+                <a16:creationId xmlns:a16="http://schemas.microsoft.com/office/drawing/2014/main" id="{8D4739BF-48E6-4D36-8FC0-7C6E6AEEE030}"/>
+              </a:ext>
+            </a:extLst>
+          </p:cNvPr>
+          <p:cNvSpPr txBox="1"/>
+          <p:nvPr/>
+        </p:nvSpPr>
+        <p:spPr>
+          <a:xfrm>
+            <a:off x="261764" y="2780928"/>
+            <a:ext cx="2083159" cy="2031325"/>
           </a:xfrm>
           <a:prstGeom prst="rect">
             <a:avLst/>
           </a:prstGeom>
+          <a:noFill/>
         </p:spPr>
         <p:txBody>
-          <a:bodyPr wrap="square">
+          <a:bodyPr wrap="square" rtlCol="0">
             <a:spAutoFit/>
           </a:bodyPr>
           <a:lstStyle/>
           <a:p>
-            <a:pPr marL="285750" indent="-285750">
-              <a:buFont typeface="Arial" panose="020B0604020202020204" pitchFamily="34" charset="0"/>
-              <a:buChar char="•"/>
-            </a:pPr>
-            <a:r>
-              <a:rPr lang="zh-TW" altLang="en-US" b="1" dirty="0">
+            <a:r>
+              <a:rPr lang="en-US" altLang="zh-TW" dirty="0" smtClean="0"/>
+              <a:t>Pickle</a:t>
+            </a:r>
+          </a:p>
+          <a:p>
+            <a:r>
+              <a:rPr lang="zh-TW" altLang="en-US" dirty="0"/>
+              <a:t>特徵</a:t>
+            </a:r>
+            <a:r>
+              <a:rPr lang="en-US" altLang="zh-TW" dirty="0"/>
+              <a:t>:</a:t>
+            </a:r>
+          </a:p>
+          <a:p>
+            <a:r>
+              <a:rPr lang="zh-TW" altLang="en-US" dirty="0"/>
+              <a:t>球</a:t>
+            </a:r>
+            <a:r>
+              <a:rPr lang="en-US" altLang="zh-TW" dirty="0"/>
+              <a:t>X,</a:t>
+            </a:r>
+            <a:r>
+              <a:rPr lang="zh-TW" altLang="en-US" dirty="0"/>
+              <a:t>球</a:t>
+            </a:r>
+            <a:r>
+              <a:rPr lang="en-US" altLang="zh-TW" dirty="0"/>
+              <a:t>Y ,</a:t>
+            </a:r>
+          </a:p>
+          <a:p>
+            <a:r>
+              <a:rPr lang="zh-TW" altLang="en-US" dirty="0"/>
+              <a:t>球</a:t>
+            </a:r>
+            <a:r>
+              <a:rPr lang="en-US" altLang="zh-TW" dirty="0"/>
+              <a:t>X</a:t>
+            </a:r>
+            <a:r>
+              <a:rPr lang="zh-TW" altLang="en-US" dirty="0"/>
+              <a:t>變化量</a:t>
+            </a:r>
+            <a:r>
+              <a:rPr lang="en-US" altLang="zh-TW" dirty="0"/>
+              <a:t>,</a:t>
+            </a:r>
+          </a:p>
+          <a:p>
+            <a:r>
+              <a:rPr lang="zh-TW" altLang="en-US" dirty="0"/>
+              <a:t>球</a:t>
+            </a:r>
+            <a:r>
+              <a:rPr lang="en-US" altLang="zh-TW" dirty="0"/>
+              <a:t>Y</a:t>
+            </a:r>
+            <a:r>
+              <a:rPr lang="zh-TW" altLang="en-US" dirty="0"/>
+              <a:t>變化量</a:t>
+            </a:r>
+            <a:endParaRPr lang="en-US" altLang="zh-TW" dirty="0"/>
+          </a:p>
+          <a:p>
+            <a:r>
+              <a:rPr lang="zh-TW" altLang="en-US" dirty="0"/>
+              <a:t>板子移動狀態</a:t>
+            </a:r>
+            <a:r>
+              <a:rPr lang="en-US" altLang="zh-TW" dirty="0"/>
+              <a:t> ,</a:t>
+            </a:r>
+            <a:r>
+              <a:rPr lang="zh-TW" altLang="en-US" dirty="0"/>
+              <a:t>球</a:t>
+            </a:r>
+            <a:r>
+              <a:rPr lang="en-US" altLang="zh-TW" dirty="0"/>
+              <a:t>Y</a:t>
+            </a:r>
+            <a:endParaRPr lang="zh-TW" altLang="en-US" dirty="0"/>
+          </a:p>
+          <a:p>
+            <a:endParaRPr lang="zh-TW" altLang="en-US" dirty="0"/>
+          </a:p>
+        </p:txBody>
+      </p:sp>
+      <p:sp>
+        <p:nvSpPr>
+          <p:cNvPr id="22" name="矩形 21">
+            <a:extLst>
+              <a:ext uri="{FF2B5EF4-FFF2-40B4-BE49-F238E27FC236}">
+                <a16:creationId xmlns:a16="http://schemas.microsoft.com/office/drawing/2014/main" id="{8091D4A4-7D28-4B98-B225-7E6681998D15}"/>
+              </a:ext>
+            </a:extLst>
+          </p:cNvPr>
+          <p:cNvSpPr/>
+          <p:nvPr/>
+        </p:nvSpPr>
+        <p:spPr>
+          <a:xfrm>
+            <a:off x="5506599" y="3052784"/>
+            <a:ext cx="2139193" cy="775814"/>
+          </a:xfrm>
+          <a:prstGeom prst="rect">
+            <a:avLst/>
+          </a:prstGeom>
+          <a:solidFill>
+            <a:schemeClr val="bg1"/>
+          </a:solidFill>
+        </p:spPr>
+        <p:style>
+          <a:lnRef idx="2">
+            <a:schemeClr val="accent1">
+              <a:shade val="50000"/>
+            </a:schemeClr>
+          </a:lnRef>
+          <a:fillRef idx="1">
+            <a:schemeClr val="accent1"/>
+          </a:fillRef>
+          <a:effectRef idx="0">
+            <a:schemeClr val="accent1"/>
+          </a:effectRef>
+          <a:fontRef idx="minor">
+            <a:schemeClr val="lt1"/>
+          </a:fontRef>
+        </p:style>
+        <p:txBody>
+          <a:bodyPr rtlCol="0" anchor="ctr"/>
+          <a:lstStyle/>
+          <a:p>
+            <a:pPr algn="ctr"/>
+            <a:r>
+              <a:rPr lang="zh-TW" altLang="en-US" dirty="0" smtClean="0">
                 <a:solidFill>
-                  <a:schemeClr val="accent1"/>
+                  <a:schemeClr val="tx1"/>
                 </a:solidFill>
-                <a:latin typeface="Microsoft JhengHei UI" panose="020B0604030504040204" pitchFamily="34" charset="-120"/>
-                <a:ea typeface="Microsoft JhengHei UI" panose="020B0604030504040204" pitchFamily="34" charset="-120"/>
-                <a:cs typeface="+mj-cs"/>
               </a:rPr>
-              <a:t>首先產生訓練資料，生出一個</a:t>
-            </a:r>
-            <a:r>
-              <a:rPr lang="en-US" altLang="zh-TW" b="1" dirty="0">
+              <a:t>多數樣本比對決定輸出</a:t>
+            </a:r>
+            <a:r>
+              <a:rPr lang="en-US" altLang="zh-TW" dirty="0" smtClean="0">
                 <a:solidFill>
-                  <a:schemeClr val="accent1"/>
+                  <a:schemeClr val="tx1"/>
                 </a:solidFill>
-                <a:latin typeface="Microsoft JhengHei UI" panose="020B0604030504040204" pitchFamily="34" charset="-120"/>
-                <a:ea typeface="Microsoft JhengHei UI" panose="020B0604030504040204" pitchFamily="34" charset="-120"/>
-                <a:cs typeface="+mj-cs"/>
               </a:rPr>
-              <a:t>pickle</a:t>
-            </a:r>
-            <a:r>
-              <a:rPr lang="zh-TW" altLang="en-US" b="1" dirty="0">
+              <a:t>(</a:t>
+            </a:r>
+            <a:r>
+              <a:rPr lang="zh-TW" altLang="en-US" dirty="0" smtClean="0">
                 <a:solidFill>
-                  <a:schemeClr val="accent1"/>
+                  <a:schemeClr val="tx1"/>
                 </a:solidFill>
-                <a:latin typeface="Microsoft JhengHei UI" panose="020B0604030504040204" pitchFamily="34" charset="-120"/>
-                <a:ea typeface="Microsoft JhengHei UI" panose="020B0604030504040204" pitchFamily="34" charset="-120"/>
-                <a:cs typeface="+mj-cs"/>
               </a:rPr>
-              <a:t>檔，再用一個訓練程式將</a:t>
-            </a:r>
-            <a:r>
-              <a:rPr lang="en-US" altLang="zh-TW" b="1" dirty="0">
+              <a:t>移動方向</a:t>
+            </a:r>
+            <a:r>
+              <a:rPr lang="en-US" altLang="zh-TW" dirty="0" smtClean="0">
                 <a:solidFill>
-                  <a:schemeClr val="accent1"/>
+                  <a:schemeClr val="tx1"/>
                 </a:solidFill>
-                <a:latin typeface="Microsoft JhengHei UI" panose="020B0604030504040204" pitchFamily="34" charset="-120"/>
-                <a:ea typeface="Microsoft JhengHei UI" panose="020B0604030504040204" pitchFamily="34" charset="-120"/>
-                <a:cs typeface="+mj-cs"/>
               </a:rPr>
-              <a:t>pickle</a:t>
-            </a:r>
-            <a:r>
-              <a:rPr lang="zh-TW" altLang="en-US" b="1" dirty="0">
+              <a:t>)</a:t>
+            </a:r>
+            <a:endParaRPr lang="zh-TW" altLang="en-US" dirty="0">
+              <a:solidFill>
+                <a:schemeClr val="tx1"/>
+              </a:solidFill>
+            </a:endParaRPr>
+          </a:p>
+        </p:txBody>
+      </p:sp>
+      <p:sp>
+        <p:nvSpPr>
+          <p:cNvPr id="23" name="矩形 22">
+            <a:extLst>
+              <a:ext uri="{FF2B5EF4-FFF2-40B4-BE49-F238E27FC236}">
+                <a16:creationId xmlns:a16="http://schemas.microsoft.com/office/drawing/2014/main" id="{8091D4A4-7D28-4B98-B225-7E6681998D15}"/>
+              </a:ext>
+            </a:extLst>
+          </p:cNvPr>
+          <p:cNvSpPr/>
+          <p:nvPr/>
+        </p:nvSpPr>
+        <p:spPr>
+          <a:xfrm>
+            <a:off x="3080599" y="3052784"/>
+            <a:ext cx="2139193" cy="775814"/>
+          </a:xfrm>
+          <a:prstGeom prst="rect">
+            <a:avLst/>
+          </a:prstGeom>
+          <a:solidFill>
+            <a:schemeClr val="bg1"/>
+          </a:solidFill>
+        </p:spPr>
+        <p:style>
+          <a:lnRef idx="2">
+            <a:schemeClr val="accent1">
+              <a:shade val="50000"/>
+            </a:schemeClr>
+          </a:lnRef>
+          <a:fillRef idx="1">
+            <a:schemeClr val="accent1"/>
+          </a:fillRef>
+          <a:effectRef idx="0">
+            <a:schemeClr val="accent1"/>
+          </a:effectRef>
+          <a:fontRef idx="minor">
+            <a:schemeClr val="lt1"/>
+          </a:fontRef>
+        </p:style>
+        <p:txBody>
+          <a:bodyPr rtlCol="0" anchor="ctr"/>
+          <a:lstStyle/>
+          <a:p>
+            <a:pPr algn="ctr"/>
+            <a:r>
+              <a:rPr lang="zh-TW" altLang="en-US" dirty="0" smtClean="0">
                 <a:solidFill>
-                  <a:schemeClr val="accent1"/>
+                  <a:schemeClr val="tx1"/>
                 </a:solidFill>
-                <a:latin typeface="Microsoft JhengHei UI" panose="020B0604030504040204" pitchFamily="34" charset="-120"/>
-                <a:ea typeface="Microsoft JhengHei UI" panose="020B0604030504040204" pitchFamily="34" charset="-120"/>
-                <a:cs typeface="+mj-cs"/>
               </a:rPr>
-              <a:t>檔內保存的資料整理並統整成一個</a:t>
-            </a:r>
-            <a:r>
-              <a:rPr lang="en-US" altLang="zh-TW" b="1" dirty="0" err="1">
-                <a:solidFill>
-                  <a:schemeClr val="accent1"/>
-                </a:solidFill>
-                <a:latin typeface="Microsoft JhengHei UI" panose="020B0604030504040204" pitchFamily="34" charset="-120"/>
-                <a:ea typeface="Microsoft JhengHei UI" panose="020B0604030504040204" pitchFamily="34" charset="-120"/>
-                <a:cs typeface="+mj-cs"/>
-              </a:rPr>
-              <a:t>sav</a:t>
-            </a:r>
-            <a:r>
-              <a:rPr lang="zh-TW" altLang="en-US" b="1" dirty="0">
-                <a:solidFill>
-                  <a:schemeClr val="accent1"/>
-                </a:solidFill>
-                <a:latin typeface="Microsoft JhengHei UI" panose="020B0604030504040204" pitchFamily="34" charset="-120"/>
-                <a:ea typeface="Microsoft JhengHei UI" panose="020B0604030504040204" pitchFamily="34" charset="-120"/>
-                <a:cs typeface="+mj-cs"/>
-              </a:rPr>
-              <a:t>檔，而這個統整的動作我們是使用</a:t>
-            </a:r>
-            <a:r>
-              <a:rPr lang="en-US" altLang="zh-TW" b="1" dirty="0">
-                <a:solidFill>
-                  <a:schemeClr val="accent1"/>
-                </a:solidFill>
-                <a:latin typeface="Microsoft JhengHei UI" panose="020B0604030504040204" pitchFamily="34" charset="-120"/>
-                <a:ea typeface="Microsoft JhengHei UI" panose="020B0604030504040204" pitchFamily="34" charset="-120"/>
-                <a:cs typeface="+mj-cs"/>
-              </a:rPr>
-              <a:t>KNN</a:t>
-            </a:r>
-            <a:r>
-              <a:rPr lang="zh-TW" altLang="en-US" b="1" dirty="0">
-                <a:solidFill>
-                  <a:schemeClr val="accent1"/>
-                </a:solidFill>
-                <a:latin typeface="Microsoft JhengHei UI" panose="020B0604030504040204" pitchFamily="34" charset="-120"/>
-                <a:ea typeface="Microsoft JhengHei UI" panose="020B0604030504040204" pitchFamily="34" charset="-120"/>
-                <a:cs typeface="+mj-cs"/>
-              </a:rPr>
-              <a:t>的演算法實現。</a:t>
-            </a:r>
-            <a:endParaRPr lang="en-US" altLang="zh-TW" b="1" dirty="0">
+              <a:t>分割訓練跟測試</a:t>
+            </a:r>
+            <a:endParaRPr lang="zh-TW" altLang="en-US" dirty="0">
               <a:solidFill>
-                <a:schemeClr val="accent1"/>
+                <a:schemeClr val="tx1"/>
               </a:solidFill>
-              <a:latin typeface="Microsoft JhengHei UI" panose="020B0604030504040204" pitchFamily="34" charset="-120"/>
-              <a:ea typeface="Microsoft JhengHei UI" panose="020B0604030504040204" pitchFamily="34" charset="-120"/>
-              <a:cs typeface="+mj-cs"/>
             </a:endParaRPr>
           </a:p>
-          <a:p>
-            <a:pPr marL="285750" indent="-285750">
-              <a:buFont typeface="Arial" panose="020B0604020202020204" pitchFamily="34" charset="0"/>
-              <a:buChar char="•"/>
-            </a:pPr>
-            <a:r>
-              <a:rPr lang="zh-TW" altLang="en-US" b="1" dirty="0">
-                <a:solidFill>
-                  <a:schemeClr val="accent1"/>
-                </a:solidFill>
-                <a:latin typeface="Microsoft JhengHei UI" panose="020B0604030504040204" pitchFamily="34" charset="-120"/>
-                <a:ea typeface="Microsoft JhengHei UI" panose="020B0604030504040204" pitchFamily="34" charset="-120"/>
-                <a:cs typeface="+mj-cs"/>
-              </a:rPr>
-              <a:t>再來再用統整玩的資料去執行，也就是執行預測模型，然後與</a:t>
-            </a:r>
-            <a:r>
-              <a:rPr lang="en-US" altLang="zh-TW" b="1" dirty="0">
-                <a:solidFill>
-                  <a:schemeClr val="accent1"/>
-                </a:solidFill>
-                <a:latin typeface="Microsoft JhengHei UI" panose="020B0604030504040204" pitchFamily="34" charset="-120"/>
-                <a:ea typeface="Microsoft JhengHei UI" panose="020B0604030504040204" pitchFamily="34" charset="-120"/>
-                <a:cs typeface="+mj-cs"/>
-              </a:rPr>
-              <a:t>2P(Rule Base)</a:t>
-            </a:r>
-            <a:r>
-              <a:rPr lang="zh-TW" altLang="en-US" b="1" dirty="0">
-                <a:solidFill>
-                  <a:schemeClr val="accent1"/>
-                </a:solidFill>
-                <a:latin typeface="Microsoft JhengHei UI" panose="020B0604030504040204" pitchFamily="34" charset="-120"/>
-                <a:ea typeface="Microsoft JhengHei UI" panose="020B0604030504040204" pitchFamily="34" charset="-120"/>
-                <a:cs typeface="+mj-cs"/>
-              </a:rPr>
-              <a:t>對打再次產生</a:t>
-            </a:r>
-            <a:r>
-              <a:rPr lang="en-US" altLang="zh-TW" b="1" dirty="0">
-                <a:solidFill>
-                  <a:schemeClr val="accent1"/>
-                </a:solidFill>
-                <a:latin typeface="Microsoft JhengHei UI" panose="020B0604030504040204" pitchFamily="34" charset="-120"/>
-                <a:ea typeface="Microsoft JhengHei UI" panose="020B0604030504040204" pitchFamily="34" charset="-120"/>
-                <a:cs typeface="+mj-cs"/>
-              </a:rPr>
-              <a:t>pickle</a:t>
-            </a:r>
-            <a:r>
-              <a:rPr lang="zh-TW" altLang="en-US" b="1" dirty="0">
-                <a:solidFill>
-                  <a:schemeClr val="accent1"/>
-                </a:solidFill>
-                <a:latin typeface="Microsoft JhengHei UI" panose="020B0604030504040204" pitchFamily="34" charset="-120"/>
-                <a:ea typeface="Microsoft JhengHei UI" panose="020B0604030504040204" pitchFamily="34" charset="-120"/>
-                <a:cs typeface="+mj-cs"/>
-              </a:rPr>
-              <a:t>檔來更新預測模型的準確度</a:t>
-            </a:r>
+        </p:txBody>
+      </p:sp>
+      <p:sp>
+        <p:nvSpPr>
+          <p:cNvPr id="25" name="文字方塊 24">
+            <a:extLst>
+              <a:ext uri="{FF2B5EF4-FFF2-40B4-BE49-F238E27FC236}">
+                <a16:creationId xmlns:a16="http://schemas.microsoft.com/office/drawing/2014/main" id="{8D4739BF-48E6-4D36-8FC0-7C6E6AEEE030}"/>
+              </a:ext>
+            </a:extLst>
+          </p:cNvPr>
+          <p:cNvSpPr txBox="1"/>
+          <p:nvPr/>
+        </p:nvSpPr>
+        <p:spPr>
+          <a:xfrm>
+            <a:off x="9308883" y="3360286"/>
+            <a:ext cx="2083159" cy="369332"/>
+          </a:xfrm>
+          <a:prstGeom prst="rect">
+            <a:avLst/>
+          </a:prstGeom>
+          <a:noFill/>
+        </p:spPr>
+        <p:txBody>
+          <a:bodyPr wrap="square" rtlCol="0">
+            <a:spAutoFit/>
+          </a:bodyPr>
+          <a:lstStyle/>
+          <a:p>
+            <a:r>
+              <a:rPr lang="zh-TW" altLang="en-US" dirty="0" smtClean="0"/>
+              <a:t>輸出移動方向</a:t>
+            </a:r>
+            <a:endParaRPr lang="zh-TW" altLang="en-US" dirty="0"/>
           </a:p>
         </p:txBody>
       </p:sp>
     </p:spTree>
     <p:extLst>
       <p:ext uri="{BB962C8B-B14F-4D97-AF65-F5344CB8AC3E}">
-        <p14:creationId xmlns:p14="http://schemas.microsoft.com/office/powerpoint/2010/main" val="2093507577"/>
+        <p14:creationId xmlns:p14="http://schemas.microsoft.com/office/powerpoint/2010/main" val="2290451005"/>
       </p:ext>
     </p:extLst>
   </p:cSld>
@@ -10665,7 +9623,48 @@
           <a:p>
             <a:r>
               <a:rPr lang="zh-TW" altLang="en-US" sz="2800" b="1" dirty="0" smtClean="0"/>
-              <a:t>物件速度</a:t>
+              <a:t>邊界</a:t>
+            </a:r>
+            <a:r>
+              <a:rPr lang="en-US" altLang="zh-TW" sz="2800" b="1" dirty="0" smtClean="0"/>
+              <a:t>:0~200</a:t>
+            </a:r>
+            <a:endParaRPr lang="en-US" altLang="zh-TW" sz="2800" b="1" dirty="0" smtClean="0"/>
+          </a:p>
+          <a:p>
+            <a:r>
+              <a:rPr lang="en-US" altLang="zh-TW" sz="2800" b="1" dirty="0" smtClean="0">
+                <a:solidFill>
+                  <a:srgbClr val="FF0000"/>
+                </a:solidFill>
+              </a:rPr>
+              <a:t>X</a:t>
+            </a:r>
+            <a:r>
+              <a:rPr lang="zh-TW" altLang="en-US" sz="2800" b="1" dirty="0" smtClean="0">
+                <a:solidFill>
+                  <a:srgbClr val="FF0000"/>
+                </a:solidFill>
+              </a:rPr>
+              <a:t>的移動變化量為</a:t>
+            </a:r>
+            <a:r>
+              <a:rPr lang="en-US" altLang="zh-TW" sz="2800" b="1" dirty="0" smtClean="0">
+                <a:solidFill>
+                  <a:srgbClr val="FF0000"/>
+                </a:solidFill>
+              </a:rPr>
+              <a:t>:340</a:t>
+            </a:r>
+          </a:p>
+          <a:p>
+            <a:r>
+              <a:rPr lang="zh-TW" altLang="en-US" sz="2800" b="1" dirty="0" smtClean="0"/>
+              <a:t>物件</a:t>
+            </a:r>
+            <a:r>
+              <a:rPr lang="zh-TW" altLang="en-US" sz="2800" b="1" dirty="0" smtClean="0"/>
+              <a:t>速度</a:t>
             </a:r>
             <a:r>
               <a:rPr lang="en-US" altLang="zh-TW" sz="2800" b="1" dirty="0" smtClean="0"/>
@@ -10756,8 +9755,20 @@
               <a:rPr lang="en-US" altLang="zh-TW" sz="2400" b="1" dirty="0">
                 <a:sym typeface="Wingdings" panose="05000000000000000000" pitchFamily="2" charset="2"/>
               </a:rPr>
-              <a:t>:(75,100)</a:t>
-            </a:r>
+              <a:t>:(75,100</a:t>
+            </a:r>
+            <a:r>
+              <a:rPr lang="en-US" altLang="zh-TW" sz="2400" b="1" dirty="0" smtClean="0">
+                <a:sym typeface="Wingdings" panose="05000000000000000000" pitchFamily="2" charset="2"/>
+              </a:rPr>
+              <a:t>)</a:t>
+            </a:r>
+          </a:p>
+          <a:p>
+            <a:pPr lvl="1"/>
+            <a:endParaRPr lang="en-US" altLang="zh-TW" sz="2400" b="1" dirty="0">
+              <a:sym typeface="Wingdings" panose="05000000000000000000" pitchFamily="2" charset="2"/>
+            </a:endParaRPr>
           </a:p>
           <a:p>
             <a:endParaRPr lang="en-US" altLang="zh-TW" sz="2800" b="1" dirty="0" smtClean="0">
@@ -10869,311 +9880,6 @@
       </p:sp>
       <p:graphicFrame>
         <p:nvGraphicFramePr>
-          <p:cNvPr id="4" name="內容版面配置區 3"/>
-          <p:cNvGraphicFramePr>
-            <a:graphicFrameLocks noGrp="1"/>
-          </p:cNvGraphicFramePr>
-          <p:nvPr>
-            <p:ph idx="1"/>
-            <p:extLst>
-              <p:ext uri="{D42A27DB-BD31-4B8C-83A1-F6EECF244321}">
-                <p14:modId xmlns:p14="http://schemas.microsoft.com/office/powerpoint/2010/main" val="1369696070"/>
-              </p:ext>
-            </p:extLst>
-          </p:nvPr>
-        </p:nvGraphicFramePr>
-        <p:xfrm>
-          <a:off x="1341884" y="5013176"/>
-          <a:ext cx="8686800" cy="1112520"/>
-        </p:xfrm>
-        <a:graphic>
-          <a:graphicData uri="http://schemas.openxmlformats.org/drawingml/2006/table">
-            <a:tbl>
-              <a:tblPr firstRow="1" bandRow="1">
-                <a:tableStyleId>{5C22544A-7EE6-4342-B048-85BDC9FD1C3A}</a:tableStyleId>
-              </a:tblPr>
-              <a:tblGrid>
-                <a:gridCol w="2895600">
-                  <a:extLst>
-                    <a:ext uri="{9D8B030D-6E8A-4147-A177-3AD203B41FA5}">
-                      <a16:colId xmlns:a16="http://schemas.microsoft.com/office/drawing/2014/main" val="3877549198"/>
-                    </a:ext>
-                  </a:extLst>
-                </a:gridCol>
-                <a:gridCol w="2895600">
-                  <a:extLst>
-                    <a:ext uri="{9D8B030D-6E8A-4147-A177-3AD203B41FA5}">
-                      <a16:colId xmlns:a16="http://schemas.microsoft.com/office/drawing/2014/main" val="494597129"/>
-                    </a:ext>
-                  </a:extLst>
-                </a:gridCol>
-                <a:gridCol w="2895600">
-                  <a:extLst>
-                    <a:ext uri="{9D8B030D-6E8A-4147-A177-3AD203B41FA5}">
-                      <a16:colId xmlns:a16="http://schemas.microsoft.com/office/drawing/2014/main" val="3039637802"/>
-                    </a:ext>
-                  </a:extLst>
-                </a:gridCol>
-              </a:tblGrid>
-              <a:tr h="370840">
-                <a:tc>
-                  <a:txBody>
-                    <a:bodyPr/>
-                    <a:lstStyle/>
-                    <a:p>
-                      <a:r>
-                        <a:rPr lang="zh-TW" altLang="en-US" dirty="0" smtClean="0"/>
-                        <a:t>變數名稱</a:t>
-                      </a:r>
-                      <a:endParaRPr lang="zh-TW" altLang="en-US" dirty="0"/>
-                    </a:p>
-                  </a:txBody>
-                  <a:tcPr/>
-                </a:tc>
-                <a:tc>
-                  <a:txBody>
-                    <a:bodyPr/>
-                    <a:lstStyle/>
-                    <a:p>
-                      <a:r>
-                        <a:rPr lang="zh-TW" altLang="en-US" dirty="0" smtClean="0"/>
-                        <a:t>資料型態</a:t>
-                      </a:r>
-                      <a:endParaRPr lang="zh-TW" altLang="en-US" dirty="0"/>
-                    </a:p>
-                  </a:txBody>
-                  <a:tcPr/>
-                </a:tc>
-                <a:tc>
-                  <a:txBody>
-                    <a:bodyPr/>
-                    <a:lstStyle/>
-                    <a:p>
-                      <a:r>
-                        <a:rPr lang="zh-TW" altLang="en-US" dirty="0" smtClean="0"/>
-                        <a:t>舉例</a:t>
-                      </a:r>
-                      <a:endParaRPr lang="zh-TW" altLang="en-US" dirty="0"/>
-                    </a:p>
-                  </a:txBody>
-                  <a:tcPr/>
-                </a:tc>
-                <a:extLst>
-                  <a:ext uri="{0D108BD9-81ED-4DB2-BD59-A6C34878D82A}">
-                    <a16:rowId xmlns:a16="http://schemas.microsoft.com/office/drawing/2014/main" val="563749198"/>
-                  </a:ext>
-                </a:extLst>
-              </a:tr>
-              <a:tr h="370840">
-                <a:tc>
-                  <a:txBody>
-                    <a:bodyPr/>
-                    <a:lstStyle/>
-                    <a:p>
-                      <a:r>
-                        <a:rPr lang="en-US" altLang="zh-TW" dirty="0" smtClean="0"/>
-                        <a:t>1P</a:t>
-                      </a:r>
-                      <a:r>
-                        <a:rPr lang="zh-TW" altLang="en-US" dirty="0" smtClean="0"/>
-                        <a:t>移動狀態</a:t>
-                      </a:r>
-                      <a:endParaRPr lang="zh-TW" altLang="en-US" dirty="0"/>
-                    </a:p>
-                  </a:txBody>
-                  <a:tcPr/>
-                </a:tc>
-                <a:tc>
-                  <a:txBody>
-                    <a:bodyPr/>
-                    <a:lstStyle/>
-                    <a:p>
-                      <a:r>
-                        <a:rPr lang="en-US" altLang="zh-TW" dirty="0" smtClean="0"/>
-                        <a:t>String </a:t>
-                      </a:r>
-                      <a:endParaRPr lang="zh-TW" altLang="en-US" dirty="0"/>
-                    </a:p>
-                  </a:txBody>
-                  <a:tcPr/>
-                </a:tc>
-                <a:tc>
-                  <a:txBody>
-                    <a:bodyPr/>
-                    <a:lstStyle/>
-                    <a:p>
-                      <a:r>
-                        <a:rPr lang="en-US" altLang="zh-TW" dirty="0" smtClean="0"/>
-                        <a:t>Right</a:t>
-                      </a:r>
-                      <a:r>
-                        <a:rPr lang="zh-TW" altLang="en-US" dirty="0" smtClean="0"/>
-                        <a:t>、</a:t>
-                      </a:r>
-                      <a:r>
-                        <a:rPr lang="en-US" altLang="zh-TW" dirty="0" smtClean="0"/>
-                        <a:t>Left</a:t>
-                      </a:r>
-                      <a:r>
-                        <a:rPr lang="zh-TW" altLang="en-US" dirty="0" smtClean="0"/>
-                        <a:t>、</a:t>
-                      </a:r>
-                      <a:r>
-                        <a:rPr lang="en-US" altLang="zh-TW" dirty="0" smtClean="0"/>
-                        <a:t>None</a:t>
-                      </a:r>
-                      <a:endParaRPr lang="zh-TW" altLang="en-US" dirty="0"/>
-                    </a:p>
-                  </a:txBody>
-                  <a:tcPr/>
-                </a:tc>
-                <a:extLst>
-                  <a:ext uri="{0D108BD9-81ED-4DB2-BD59-A6C34878D82A}">
-                    <a16:rowId xmlns:a16="http://schemas.microsoft.com/office/drawing/2014/main" val="4283230125"/>
-                  </a:ext>
-                </a:extLst>
-              </a:tr>
-              <a:tr h="370840">
-                <a:tc>
-                  <a:txBody>
-                    <a:bodyPr/>
-                    <a:lstStyle/>
-                    <a:p>
-                      <a:r>
-                        <a:rPr lang="en-US" altLang="zh-TW" dirty="0" smtClean="0"/>
-                        <a:t>2P</a:t>
-                      </a:r>
-                      <a:r>
-                        <a:rPr lang="zh-TW" altLang="en-US" dirty="0" smtClean="0"/>
-                        <a:t>移動狀態</a:t>
-                      </a:r>
-                      <a:endParaRPr lang="zh-TW" altLang="en-US" dirty="0"/>
-                    </a:p>
-                  </a:txBody>
-                  <a:tcPr/>
-                </a:tc>
-                <a:tc>
-                  <a:txBody>
-                    <a:bodyPr/>
-                    <a:lstStyle/>
-                    <a:p>
-                      <a:r>
-                        <a:rPr lang="en-US" altLang="zh-TW" dirty="0" smtClean="0"/>
-                        <a:t>String </a:t>
-                      </a:r>
-                      <a:endParaRPr lang="zh-TW" altLang="en-US" dirty="0"/>
-                    </a:p>
-                  </a:txBody>
-                  <a:tcPr/>
-                </a:tc>
-                <a:tc>
-                  <a:txBody>
-                    <a:bodyPr/>
-                    <a:lstStyle/>
-                    <a:p>
-                      <a:pPr marL="0" marR="0" lvl="0" indent="0" algn="l" defTabSz="914400" rtl="0" eaLnBrk="1" fontAlgn="auto" latinLnBrk="0" hangingPunct="1">
-                        <a:lnSpc>
-                          <a:spcPct val="100000"/>
-                        </a:lnSpc>
-                        <a:spcBef>
-                          <a:spcPts val="0"/>
-                        </a:spcBef>
-                        <a:spcAft>
-                          <a:spcPts val="0"/>
-                        </a:spcAft>
-                        <a:buClrTx/>
-                        <a:buSzTx/>
-                        <a:buFontTx/>
-                        <a:buNone/>
-                        <a:tabLst/>
-                        <a:defRPr/>
-                      </a:pPr>
-                      <a:r>
-                        <a:rPr lang="en-US" altLang="zh-TW" dirty="0" smtClean="0"/>
-                        <a:t>Right</a:t>
-                      </a:r>
-                      <a:r>
-                        <a:rPr lang="zh-TW" altLang="en-US" dirty="0" smtClean="0"/>
-                        <a:t>、</a:t>
-                      </a:r>
-                      <a:r>
-                        <a:rPr lang="en-US" altLang="zh-TW" dirty="0" smtClean="0"/>
-                        <a:t>Left</a:t>
-                      </a:r>
-                      <a:r>
-                        <a:rPr lang="zh-TW" altLang="en-US" dirty="0" smtClean="0"/>
-                        <a:t>、</a:t>
-                      </a:r>
-                      <a:r>
-                        <a:rPr lang="en-US" altLang="zh-TW" dirty="0" smtClean="0"/>
-                        <a:t>None</a:t>
-                      </a:r>
-                      <a:endParaRPr lang="zh-TW" altLang="en-US" dirty="0" smtClean="0"/>
-                    </a:p>
-                  </a:txBody>
-                  <a:tcPr/>
-                </a:tc>
-                <a:extLst>
-                  <a:ext uri="{0D108BD9-81ED-4DB2-BD59-A6C34878D82A}">
-                    <a16:rowId xmlns:a16="http://schemas.microsoft.com/office/drawing/2014/main" val="3827023827"/>
-                  </a:ext>
-                </a:extLst>
-              </a:tr>
-            </a:tbl>
-          </a:graphicData>
-        </a:graphic>
-      </p:graphicFrame>
-      <p:sp>
-        <p:nvSpPr>
-          <p:cNvPr id="5" name="標題 1"/>
-          <p:cNvSpPr txBox="1">
-            <a:spLocks/>
-          </p:cNvSpPr>
-          <p:nvPr/>
-        </p:nvSpPr>
-        <p:spPr bwMode="auto">
-          <a:xfrm>
-            <a:off x="1269877" y="4365403"/>
-            <a:ext cx="1728192" cy="634752"/>
-          </a:xfrm>
-          <a:prstGeom prst="rect">
-            <a:avLst/>
-          </a:prstGeom>
-        </p:spPr>
-        <p:txBody>
-          <a:bodyPr vert="horz" lIns="91440" tIns="45720" rIns="91440" bIns="45720" rtlCol="0" anchor="b">
-            <a:normAutofit/>
-          </a:bodyPr>
-          <a:lstStyle>
-            <a:lvl1pPr algn="l" defTabSz="914400" rtl="0" eaLnBrk="1" latinLnBrk="0" hangingPunct="1">
-              <a:lnSpc>
-                <a:spcPct val="80000"/>
-              </a:lnSpc>
-              <a:spcBef>
-                <a:spcPct val="0"/>
-              </a:spcBef>
-              <a:buNone/>
-              <a:defRPr sz="3600" b="1" kern="1200">
-                <a:solidFill>
-                  <a:schemeClr val="accent1"/>
-                </a:solidFill>
-                <a:latin typeface="Microsoft JhengHei UI" panose="020B0604030504040204" pitchFamily="34" charset="-120"/>
-                <a:ea typeface="Microsoft JhengHei UI" panose="020B0604030504040204" pitchFamily="34" charset="-120"/>
-                <a:cs typeface="+mj-cs"/>
-              </a:defRPr>
-            </a:lvl1pPr>
-          </a:lstStyle>
-          <a:p>
-            <a:r>
-              <a:rPr lang="en-US" altLang="zh-TW" sz="2800" dirty="0" smtClean="0"/>
-              <a:t>Output</a:t>
-            </a:r>
-            <a:endParaRPr lang="zh-TW" altLang="en-US" sz="2800" dirty="0"/>
-          </a:p>
-        </p:txBody>
-      </p:sp>
-      <p:graphicFrame>
-        <p:nvGraphicFramePr>
           <p:cNvPr id="7" name="內容版面配置區 3"/>
           <p:cNvGraphicFramePr>
             <a:graphicFrameLocks/>
@@ -11181,14 +9887,14 @@
           <p:nvPr>
             <p:extLst>
               <p:ext uri="{D42A27DB-BD31-4B8C-83A1-F6EECF244321}">
-                <p14:modId xmlns:p14="http://schemas.microsoft.com/office/powerpoint/2010/main" val="4054757346"/>
+                <p14:modId xmlns:p14="http://schemas.microsoft.com/office/powerpoint/2010/main" val="3797949123"/>
               </p:ext>
             </p:extLst>
           </p:nvPr>
         </p:nvGraphicFramePr>
         <p:xfrm>
-          <a:off x="1341884" y="2752128"/>
-          <a:ext cx="8686800" cy="1483360"/>
+          <a:off x="1125860" y="1916832"/>
+          <a:ext cx="8686800" cy="2209800"/>
         </p:xfrm>
         <a:graphic>
           <a:graphicData uri="http://schemas.openxmlformats.org/drawingml/2006/table">
@@ -11464,7 +10170,7 @@
                   </a:ext>
                 </a:extLst>
               </a:tr>
-              <a:tr h="370840">
+              <a:tr h="284432">
                 <a:tc>
                   <a:txBody>
                     <a:bodyPr/>
@@ -11495,8 +10201,12 @@
                         <a:t>(</a:t>
                       </a:r>
                       <a:r>
-                        <a:rPr lang="en-US" altLang="zh-TW" smtClean="0"/>
-                        <a:t>x,y)</a:t>
+                        <a:rPr lang="en-US" altLang="zh-TW" dirty="0" err="1" smtClean="0"/>
+                        <a:t>x,y</a:t>
+                      </a:r>
+                      <a:r>
+                        <a:rPr lang="en-US" altLang="zh-TW" dirty="0" smtClean="0"/>
+                        <a:t>)</a:t>
                       </a:r>
                       <a:endParaRPr lang="zh-TW" altLang="en-US" dirty="0"/>
                     </a:p>
@@ -11549,6 +10259,161 @@
                   </a:ext>
                 </a:extLst>
               </a:tr>
+              <a:tr h="284432">
+                <a:tc>
+                  <a:txBody>
+                    <a:bodyPr/>
+                    <a:lstStyle/>
+                    <a:p>
+                      <a:r>
+                        <a:rPr lang="en-US" altLang="zh-TW" dirty="0" smtClean="0"/>
+                        <a:t>1P</a:t>
+                      </a:r>
+                      <a:r>
+                        <a:rPr lang="zh-TW" altLang="en-US" dirty="0" smtClean="0"/>
+                        <a:t>移動狀態</a:t>
+                      </a:r>
+                      <a:endParaRPr lang="zh-TW" altLang="en-US" dirty="0"/>
+                    </a:p>
+                  </a:txBody>
+                  <a:tcPr/>
+                </a:tc>
+                <a:tc>
+                  <a:txBody>
+                    <a:bodyPr/>
+                    <a:lstStyle/>
+                    <a:p>
+                      <a:r>
+                        <a:rPr lang="en-US" altLang="zh-TW" dirty="0" smtClean="0"/>
+                        <a:t>String </a:t>
+                      </a:r>
+                      <a:endParaRPr lang="zh-TW" altLang="en-US" dirty="0"/>
+                    </a:p>
+                  </a:txBody>
+                  <a:tcPr/>
+                </a:tc>
+                <a:tc>
+                  <a:txBody>
+                    <a:bodyPr/>
+                    <a:lstStyle/>
+                    <a:p>
+                      <a:r>
+                        <a:rPr lang="en-US" altLang="zh-TW" dirty="0" smtClean="0"/>
+                        <a:t>Right</a:t>
+                      </a:r>
+                      <a:r>
+                        <a:rPr lang="zh-TW" altLang="en-US" dirty="0" smtClean="0"/>
+                        <a:t>、</a:t>
+                      </a:r>
+                      <a:r>
+                        <a:rPr lang="en-US" altLang="zh-TW" dirty="0" smtClean="0"/>
+                        <a:t>Left</a:t>
+                      </a:r>
+                      <a:r>
+                        <a:rPr lang="zh-TW" altLang="en-US" dirty="0" smtClean="0"/>
+                        <a:t>、</a:t>
+                      </a:r>
+                      <a:r>
+                        <a:rPr lang="en-US" altLang="zh-TW" dirty="0" smtClean="0"/>
+                        <a:t>None</a:t>
+                      </a:r>
+                      <a:endParaRPr lang="zh-TW" altLang="en-US" dirty="0"/>
+                    </a:p>
+                  </a:txBody>
+                  <a:tcPr/>
+                </a:tc>
+                <a:extLst>
+                  <a:ext uri="{0D108BD9-81ED-4DB2-BD59-A6C34878D82A}">
+                    <a16:rowId xmlns:a16="http://schemas.microsoft.com/office/drawing/2014/main" val="858445285"/>
+                  </a:ext>
+                </a:extLst>
+              </a:tr>
+              <a:tr h="284432">
+                <a:tc>
+                  <a:txBody>
+                    <a:bodyPr/>
+                    <a:lstStyle/>
+                    <a:p>
+                      <a:r>
+                        <a:rPr lang="en-US" altLang="zh-TW" dirty="0" smtClean="0"/>
+                        <a:t>2P</a:t>
+                      </a:r>
+                      <a:r>
+                        <a:rPr lang="zh-TW" altLang="en-US" dirty="0" smtClean="0"/>
+                        <a:t>移動狀態</a:t>
+                      </a:r>
+                      <a:endParaRPr lang="zh-TW" altLang="en-US" dirty="0"/>
+                    </a:p>
+                  </a:txBody>
+                  <a:tcPr/>
+                </a:tc>
+                <a:tc>
+                  <a:txBody>
+                    <a:bodyPr/>
+                    <a:lstStyle/>
+                    <a:p>
+                      <a:r>
+                        <a:rPr lang="en-US" altLang="zh-TW" dirty="0" smtClean="0"/>
+                        <a:t>String </a:t>
+                      </a:r>
+                      <a:endParaRPr lang="zh-TW" altLang="en-US" dirty="0"/>
+                    </a:p>
+                  </a:txBody>
+                  <a:tcPr/>
+                </a:tc>
+                <a:tc>
+                  <a:txBody>
+                    <a:bodyPr/>
+                    <a:lstStyle/>
+                    <a:p>
+                      <a:pPr marL="0" marR="0" lvl="0" indent="0" algn="l" defTabSz="914400" rtl="0" eaLnBrk="1" fontAlgn="auto" latinLnBrk="0" hangingPunct="1">
+                        <a:lnSpc>
+                          <a:spcPct val="100000"/>
+                        </a:lnSpc>
+                        <a:spcBef>
+                          <a:spcPts val="0"/>
+                        </a:spcBef>
+                        <a:spcAft>
+                          <a:spcPts val="0"/>
+                        </a:spcAft>
+                        <a:buClrTx/>
+                        <a:buSzTx/>
+                        <a:buFontTx/>
+                        <a:buNone/>
+                        <a:tabLst/>
+                        <a:defRPr/>
+                      </a:pPr>
+                      <a:r>
+                        <a:rPr lang="en-US" altLang="zh-TW" dirty="0" smtClean="0"/>
+                        <a:t>Right</a:t>
+                      </a:r>
+                      <a:r>
+                        <a:rPr lang="zh-TW" altLang="en-US" dirty="0" smtClean="0"/>
+                        <a:t>、</a:t>
+                      </a:r>
+                      <a:r>
+                        <a:rPr lang="en-US" altLang="zh-TW" dirty="0" smtClean="0"/>
+                        <a:t>Left</a:t>
+                      </a:r>
+                      <a:r>
+                        <a:rPr lang="zh-TW" altLang="en-US" dirty="0" smtClean="0"/>
+                        <a:t>、</a:t>
+                      </a:r>
+                      <a:r>
+                        <a:rPr lang="en-US" altLang="zh-TW" dirty="0" smtClean="0"/>
+                        <a:t>None</a:t>
+                      </a:r>
+                      <a:endParaRPr lang="zh-TW" altLang="en-US" dirty="0" smtClean="0"/>
+                    </a:p>
+                  </a:txBody>
+                  <a:tcPr/>
+                </a:tc>
+                <a:extLst>
+                  <a:ext uri="{0D108BD9-81ED-4DB2-BD59-A6C34878D82A}">
+                    <a16:rowId xmlns:a16="http://schemas.microsoft.com/office/drawing/2014/main" val="703832552"/>
+                  </a:ext>
+                </a:extLst>
+              </a:tr>
             </a:tbl>
           </a:graphicData>
         </a:graphic>
@@ -11594,55 +10459,6 @@
             </a:lvl1pPr>
           </a:lstStyle>
           <a:p>
-            <a:endParaRPr lang="zh-TW" altLang="en-US" sz="2800" dirty="0"/>
-          </a:p>
-        </p:txBody>
-      </p:sp>
-      <p:sp>
-        <p:nvSpPr>
-          <p:cNvPr id="9" name="標題 1"/>
-          <p:cNvSpPr txBox="1">
-            <a:spLocks/>
-          </p:cNvSpPr>
-          <p:nvPr/>
-        </p:nvSpPr>
-        <p:spPr bwMode="auto">
-          <a:xfrm>
-            <a:off x="1335543" y="1908240"/>
-            <a:ext cx="1728192" cy="634752"/>
-          </a:xfrm>
-          <a:prstGeom prst="rect">
-            <a:avLst/>
-          </a:prstGeom>
-        </p:spPr>
-        <p:txBody>
-          <a:bodyPr vert="horz" lIns="91440" tIns="45720" rIns="91440" bIns="45720" rtlCol="0" anchor="b">
-            <a:normAutofit/>
-          </a:bodyPr>
-          <a:lstStyle>
-            <a:lvl1pPr algn="l" defTabSz="914400" rtl="0" eaLnBrk="1" latinLnBrk="0" hangingPunct="1">
-              <a:lnSpc>
-                <a:spcPct val="80000"/>
-              </a:lnSpc>
-              <a:spcBef>
-                <a:spcPct val="0"/>
-              </a:spcBef>
-              <a:buNone/>
-              <a:defRPr sz="3600" b="1" kern="1200">
-                <a:solidFill>
-                  <a:schemeClr val="accent1"/>
-                </a:solidFill>
-                <a:latin typeface="Microsoft JhengHei UI" panose="020B0604030504040204" pitchFamily="34" charset="-120"/>
-                <a:ea typeface="Microsoft JhengHei UI" panose="020B0604030504040204" pitchFamily="34" charset="-120"/>
-                <a:cs typeface="+mj-cs"/>
-              </a:defRPr>
-            </a:lvl1pPr>
-          </a:lstStyle>
-          <a:p>
-            <a:r>
-              <a:rPr lang="en-US" altLang="zh-TW" sz="2800" dirty="0" smtClean="0"/>
-              <a:t>Input</a:t>
-            </a:r>
             <a:endParaRPr lang="zh-TW" altLang="en-US" sz="2800" dirty="0"/>
           </a:p>
         </p:txBody>
@@ -11713,9 +10529,10 @@
               <a:t>-</a:t>
             </a:r>
             <a:r>
-              <a:rPr lang="zh-TW" altLang="en-US" dirty="0"/>
-              <a:t>目標特性</a:t>
-            </a:r>
+              <a:rPr lang="zh-TW" altLang="en-US" dirty="0" smtClean="0"/>
+              <a:t>實現方法</a:t>
+            </a:r>
+            <a:endParaRPr lang="zh-TW" altLang="en-US" dirty="0"/>
           </a:p>
         </p:txBody>
       </p:sp>
@@ -11731,7 +10548,7 @@
         </p:nvSpPr>
         <p:spPr>
           <a:xfrm>
-            <a:off x="1341884" y="1844824"/>
+            <a:off x="981844" y="1844824"/>
             <a:ext cx="8686801" cy="4191000"/>
           </a:xfrm>
         </p:spPr>
@@ -11739,102 +10556,85 @@
           <a:bodyPr/>
           <a:lstStyle/>
           <a:p>
-            <a:pPr marL="457200" indent="-457200">
-              <a:buFont typeface="+mj-lt"/>
-              <a:buAutoNum type="arabicPeriod"/>
-            </a:pPr>
-            <a:r>
-              <a:rPr lang="zh-TW" altLang="en-US" dirty="0"/>
-              <a:t>勝利條件</a:t>
+            <a:r>
+              <a:rPr lang="zh-TW" altLang="en-US" dirty="0" smtClean="0"/>
+              <a:t>訓練方式</a:t>
             </a:r>
             <a:r>
               <a:rPr lang="en-US" altLang="zh-TW" dirty="0" smtClean="0"/>
               <a:t>:</a:t>
             </a:r>
+          </a:p>
+          <a:p>
+            <a:pPr lvl="1"/>
             <a:r>
               <a:rPr lang="zh-TW" altLang="en-US" dirty="0" smtClean="0"/>
-              <a:t>對方沒接到球</a:t>
+              <a:t>使用</a:t>
+            </a:r>
+            <a:r>
+              <a:rPr lang="en-US" altLang="zh-TW" dirty="0" smtClean="0"/>
+              <a:t>KNN(</a:t>
+            </a:r>
+            <a:r>
+              <a:rPr lang="en-US" altLang="zh-TW" b="1" dirty="0"/>
+              <a:t>K-nearest neighbors algorithm</a:t>
+            </a:r>
+            <a:r>
+              <a:rPr lang="en-US" altLang="zh-TW" dirty="0" smtClean="0"/>
+              <a:t>)</a:t>
+            </a:r>
+            <a:r>
+              <a:rPr lang="zh-TW" altLang="en-US" dirty="0" smtClean="0"/>
+              <a:t>完成</a:t>
             </a:r>
             <a:endParaRPr lang="en-US" altLang="zh-TW" dirty="0" smtClean="0"/>
           </a:p>
           <a:p>
-            <a:pPr marL="457200" indent="-457200">
-              <a:buFont typeface="+mj-lt"/>
-              <a:buAutoNum type="arabicPeriod"/>
+            <a:pPr lvl="1"/>
+            <a:r>
+              <a:rPr lang="zh-TW" altLang="en-US" dirty="0" smtClean="0"/>
+              <a:t>抓取相關特徵進行特徵學習</a:t>
+            </a:r>
+            <a:endParaRPr lang="en-US" altLang="zh-TW" dirty="0" smtClean="0"/>
+          </a:p>
+          <a:p>
+            <a:pPr marL="365760" lvl="1" indent="0">
+              <a:buNone/>
             </a:pPr>
+            <a:endParaRPr lang="en-US" altLang="zh-TW" dirty="0" smtClean="0"/>
+          </a:p>
+          <a:p>
             <a:r>
               <a:rPr lang="zh-TW" altLang="en-US" dirty="0" smtClean="0"/>
-              <a:t>失敗</a:t>
-            </a:r>
-            <a:r>
-              <a:rPr lang="zh-TW" altLang="en-US" dirty="0"/>
-              <a:t>條件</a:t>
+              <a:t>訓練資料來源</a:t>
             </a:r>
             <a:r>
               <a:rPr lang="en-US" altLang="zh-TW" dirty="0" smtClean="0"/>
               <a:t>:</a:t>
             </a:r>
+          </a:p>
+          <a:p>
+            <a:pPr lvl="1"/>
             <a:r>
               <a:rPr lang="zh-TW" altLang="en-US" dirty="0" smtClean="0"/>
-              <a:t>自己沒接到球</a:t>
+              <a:t>使用</a:t>
+            </a:r>
+            <a:r>
+              <a:rPr lang="en-US" altLang="zh-TW" dirty="0" smtClean="0"/>
+              <a:t>Rule-base</a:t>
+            </a:r>
+            <a:r>
+              <a:rPr lang="zh-TW" altLang="en-US" dirty="0" smtClean="0"/>
+              <a:t>提供大量有效的樣本</a:t>
             </a:r>
             <a:endParaRPr lang="en-US" altLang="zh-TW" dirty="0" smtClean="0"/>
-          </a:p>
-          <a:p>
-            <a:pPr marL="457200" indent="-457200">
-              <a:buFont typeface="+mj-lt"/>
-              <a:buAutoNum type="arabicPeriod"/>
-            </a:pPr>
-            <a:r>
-              <a:rPr lang="zh-TW" altLang="en-US" dirty="0" smtClean="0"/>
-              <a:t>球</a:t>
-            </a:r>
-            <a:r>
-              <a:rPr lang="zh-TW" altLang="en-US" dirty="0"/>
-              <a:t>的速度隨著時間變快</a:t>
-            </a:r>
-            <a:endParaRPr lang="en-US" altLang="zh-TW" dirty="0"/>
-          </a:p>
-          <a:p>
-            <a:pPr marL="457200" indent="-457200">
-              <a:buFont typeface="+mj-lt"/>
-              <a:buAutoNum type="arabicPeriod"/>
-            </a:pPr>
-            <a:r>
-              <a:rPr lang="zh-TW" altLang="en-US" dirty="0"/>
-              <a:t>當球的速度過快會導致穿過平板</a:t>
-            </a:r>
-            <a:r>
-              <a:rPr lang="en-US" altLang="zh-TW" dirty="0"/>
-              <a:t>(</a:t>
-            </a:r>
-            <a:r>
-              <a:rPr lang="zh-TW" altLang="en-US" dirty="0"/>
-              <a:t>導致勝利</a:t>
-            </a:r>
-            <a:r>
-              <a:rPr lang="en-US" altLang="zh-TW" dirty="0"/>
-              <a:t>or</a:t>
-            </a:r>
-            <a:r>
-              <a:rPr lang="zh-TW" altLang="en-US" dirty="0"/>
-              <a:t>失敗</a:t>
-            </a:r>
-            <a:r>
-              <a:rPr lang="en-US" altLang="zh-TW" dirty="0"/>
-              <a:t>)</a:t>
-            </a:r>
-            <a:endParaRPr lang="zh-TW" altLang="en-US" dirty="0"/>
-          </a:p>
-          <a:p>
-            <a:endParaRPr lang="zh-TW" altLang="en-US" dirty="0"/>
           </a:p>
         </p:txBody>
       </p:sp>
     </p:spTree>
     <p:extLst>
       <p:ext uri="{BB962C8B-B14F-4D97-AF65-F5344CB8AC3E}">
-        <p14:creationId xmlns:p14="http://schemas.microsoft.com/office/powerpoint/2010/main" val="368133395"/>
+        <p14:creationId xmlns:p14="http://schemas.microsoft.com/office/powerpoint/2010/main" val="4228103097"/>
       </p:ext>
     </p:extLst>
   </p:cSld>
@@ -11894,11 +10694,7 @@
             </a:r>
             <a:r>
               <a:rPr lang="en-US" altLang="zh-TW" dirty="0" smtClean="0"/>
-              <a:t>-</a:t>
-            </a:r>
-            <a:r>
-              <a:rPr lang="zh-TW" altLang="en-US" dirty="0" smtClean="0"/>
-              <a:t>實現方法</a:t>
+              <a:t>-KNN</a:t>
             </a:r>
             <a:endParaRPr lang="zh-TW" altLang="en-US" dirty="0"/>
           </a:p>
@@ -11906,7 +10702,7 @@
       </p:sp>
       <p:sp>
         <p:nvSpPr>
-          <p:cNvPr id="3" name="內容版面配置區 2"/>
+          <p:cNvPr id="5" name="內容版面配置區 4"/>
           <p:cNvSpPr>
             <a:spLocks noGrp="1"/>
           </p:cNvSpPr>
@@ -11919,28 +10715,49 @@
           <a:bodyPr/>
           <a:lstStyle/>
           <a:p>
-            <a:r>
-              <a:rPr lang="zh-TW" altLang="en-US" dirty="0" smtClean="0"/>
-              <a:t>訓練方式</a:t>
-            </a:r>
-            <a:r>
-              <a:rPr lang="en-US" altLang="zh-TW" dirty="0" smtClean="0"/>
-              <a:t>:</a:t>
-            </a:r>
-          </a:p>
-          <a:p>
-            <a:pPr lvl="1"/>
-            <a:r>
-              <a:rPr lang="zh-TW" altLang="en-US" dirty="0" smtClean="0"/>
-              <a:t>使用</a:t>
-            </a:r>
-            <a:r>
-              <a:rPr lang="en-US" altLang="zh-TW" dirty="0" smtClean="0"/>
-              <a:t>KNN(</a:t>
+            <a:pPr>
+              <a:lnSpc>
+                <a:spcPct val="150000"/>
+              </a:lnSpc>
+            </a:pPr>
+            <a:r>
+              <a:rPr lang="en-US" altLang="zh-TW" dirty="0"/>
+              <a:t>KNN</a:t>
+            </a:r>
+            <a:r>
+              <a:rPr lang="zh-TW" altLang="en-US" dirty="0"/>
+              <a:t>演算法，全名叫</a:t>
             </a:r>
             <a:r>
               <a:rPr lang="en-US" altLang="zh-TW" b="1" dirty="0"/>
-              <a:t>K-nearest neighbors algorithm</a:t>
+              <a:t>K-nearest neighbors </a:t>
+            </a:r>
+            <a:r>
+              <a:rPr lang="en-US" altLang="zh-TW" b="1" dirty="0" smtClean="0"/>
+              <a:t>algorithm</a:t>
+            </a:r>
+          </a:p>
+          <a:p>
+            <a:pPr>
+              <a:lnSpc>
+                <a:spcPct val="150000"/>
+              </a:lnSpc>
+            </a:pPr>
+            <a:r>
+              <a:rPr lang="en-US" altLang="zh-TW" dirty="0"/>
+              <a:t>KNN</a:t>
+            </a:r>
+            <a:r>
+              <a:rPr lang="zh-TW" altLang="en-US" dirty="0"/>
+              <a:t>屬於機器學習中的監督式學習</a:t>
+            </a:r>
+            <a:r>
+              <a:rPr lang="en-US" altLang="zh-TW" dirty="0"/>
+              <a:t>(</a:t>
+            </a:r>
+            <a:r>
+              <a:rPr lang="en-US" altLang="zh-TW" b="1" dirty="0"/>
+              <a:t>Supervised learning</a:t>
             </a:r>
             <a:r>
               <a:rPr lang="en-US" altLang="zh-TW" dirty="0" smtClean="0"/>
@@ -11948,48 +10765,105 @@
             </a:r>
             <a:r>
               <a:rPr lang="zh-TW" altLang="en-US" dirty="0" smtClean="0"/>
-              <a:t>完成</a:t>
+              <a:t>，</a:t>
+            </a:r>
+            <a:r>
+              <a:rPr lang="zh-TW" altLang="en-US" dirty="0"/>
+              <a:t>但是在</a:t>
+            </a:r>
+            <a:r>
+              <a:rPr lang="en-US" altLang="zh-TW" dirty="0"/>
+              <a:t>KNN</a:t>
+            </a:r>
+            <a:r>
+              <a:rPr lang="zh-TW" altLang="en-US" dirty="0"/>
+              <a:t>其實並沒有做</a:t>
+            </a:r>
+            <a:r>
+              <a:rPr lang="en-US" altLang="zh-TW" dirty="0"/>
+              <a:t>training</a:t>
+            </a:r>
+            <a:r>
+              <a:rPr lang="zh-TW" altLang="en-US" dirty="0"/>
+              <a:t>的</a:t>
+            </a:r>
+            <a:r>
+              <a:rPr lang="zh-TW" altLang="en-US" dirty="0" smtClean="0"/>
+              <a:t>動作</a:t>
             </a:r>
             <a:endParaRPr lang="en-US" altLang="zh-TW" dirty="0" smtClean="0"/>
           </a:p>
           <a:p>
-            <a:pPr marL="365760" lvl="1" indent="0">
-              <a:buNone/>
+            <a:pPr>
+              <a:lnSpc>
+                <a:spcPct val="150000"/>
+              </a:lnSpc>
             </a:pPr>
-            <a:endParaRPr lang="en-US" altLang="zh-TW" dirty="0" smtClean="0"/>
-          </a:p>
-          <a:p>
-            <a:r>
-              <a:rPr lang="zh-TW" altLang="en-US" dirty="0" smtClean="0"/>
-              <a:t>訓練資料來源</a:t>
-            </a:r>
-            <a:r>
-              <a:rPr lang="en-US" altLang="zh-TW" dirty="0" smtClean="0"/>
-              <a:t>:</a:t>
-            </a:r>
-          </a:p>
-          <a:p>
-            <a:pPr lvl="1"/>
-            <a:r>
-              <a:rPr lang="zh-TW" altLang="en-US" dirty="0" smtClean="0"/>
-              <a:t>使用</a:t>
-            </a:r>
-            <a:r>
-              <a:rPr lang="en-US" altLang="zh-TW" dirty="0" smtClean="0"/>
-              <a:t>Rule-base</a:t>
-            </a:r>
-            <a:r>
-              <a:rPr lang="zh-TW" altLang="en-US" dirty="0" smtClean="0"/>
-              <a:t>提供大量有效的樣本</a:t>
-            </a:r>
-            <a:endParaRPr lang="en-US" altLang="zh-TW" dirty="0" smtClean="0"/>
-          </a:p>
-        </p:txBody>
-      </p:sp>
+            <a:r>
+              <a:rPr lang="zh-TW" altLang="en-US" dirty="0"/>
+              <a:t>在</a:t>
+            </a:r>
+            <a:r>
+              <a:rPr lang="en-US" altLang="zh-TW" dirty="0"/>
+              <a:t>K</a:t>
+            </a:r>
+            <a:r>
+              <a:rPr lang="zh-TW" altLang="en-US" dirty="0"/>
+              <a:t>近鄰分類算法中，對於預測的新樣本數據，將其與訓練樣本一一進行比較，找到最為相似的</a:t>
+            </a:r>
+            <a:r>
+              <a:rPr lang="en-US" altLang="zh-TW" dirty="0"/>
+              <a:t>K</a:t>
+            </a:r>
+            <a:r>
+              <a:rPr lang="zh-TW" altLang="en-US" dirty="0"/>
+              <a:t>個訓練樣本，並以這</a:t>
+            </a:r>
+            <a:r>
+              <a:rPr lang="en-US" altLang="zh-TW" dirty="0"/>
+              <a:t>K</a:t>
+            </a:r>
+            <a:r>
+              <a:rPr lang="zh-TW" altLang="en-US" dirty="0"/>
+              <a:t>個訓練樣本中出現最多的分類標籤作為最終新樣本數據的預測標籤。</a:t>
+            </a:r>
+          </a:p>
+        </p:txBody>
+      </p:sp>
+      <p:pic>
+        <p:nvPicPr>
+          <p:cNvPr id="6" name="圖片 5"/>
+          <p:cNvPicPr>
+            <a:picLocks noChangeAspect="1"/>
+          </p:cNvPicPr>
+          <p:nvPr/>
+        </p:nvPicPr>
+        <p:blipFill>
+          <a:blip r:embed="rId2">
+            <a:extLst>
+              <a:ext uri="{28A0092B-C50C-407E-A947-70E740481C1C}">
+                <a14:useLocalDpi xmlns:a14="http://schemas.microsoft.com/office/drawing/2010/main" val="0"/>
+              </a:ext>
+            </a:extLst>
+          </a:blip>
+          <a:stretch>
+            <a:fillRect/>
+          </a:stretch>
+        </p:blipFill>
+        <p:spPr>
+          <a:xfrm>
+            <a:off x="6238428" y="4589189"/>
+            <a:ext cx="2331472" cy="2259891"/>
+          </a:xfrm>
+          <a:prstGeom prst="rect">
+            <a:avLst/>
+          </a:prstGeom>
+        </p:spPr>
+      </p:pic>
     </p:spTree>
     <p:extLst>
       <p:ext uri="{BB962C8B-B14F-4D97-AF65-F5344CB8AC3E}">
-        <p14:creationId xmlns:p14="http://schemas.microsoft.com/office/powerpoint/2010/main" val="4228103097"/>
+        <p14:creationId xmlns:p14="http://schemas.microsoft.com/office/powerpoint/2010/main" val="2588037978"/>
       </p:ext>
     </p:extLst>
   </p:cSld>
@@ -12044,12 +10918,20 @@
           <a:lstStyle/>
           <a:p>
             <a:r>
+              <a:rPr lang="zh-TW" altLang="en-US" dirty="0" smtClean="0"/>
+              <a:t>專案設計</a:t>
+            </a:r>
+            <a:r>
+              <a:rPr lang="en-US" altLang="zh-TW" dirty="0"/>
+              <a:t>-break</a:t>
+            </a:r>
+            <a:r>
               <a:rPr lang="zh-TW" altLang="en-US" dirty="0"/>
-              <a:t>專案分析</a:t>
-            </a:r>
-            <a:r>
-              <a:rPr lang="en-US" altLang="zh-TW" dirty="0" smtClean="0"/>
-              <a:t>-KNN</a:t>
+              <a:t> </a:t>
+            </a:r>
+            <a:r>
+              <a:rPr lang="en-US" altLang="zh-TW" dirty="0"/>
+              <a:t>down</a:t>
             </a:r>
             <a:endParaRPr lang="zh-TW" altLang="en-US" dirty="0"/>
           </a:p>
@@ -12057,153 +10939,1283 @@
       </p:sp>
       <p:sp>
         <p:nvSpPr>
-          <p:cNvPr id="5" name="內容版面配置區 4"/>
-          <p:cNvSpPr>
-            <a:spLocks noGrp="1"/>
-          </p:cNvSpPr>
-          <p:nvPr>
-            <p:ph idx="1"/>
-          </p:nvPr>
-        </p:nvSpPr>
-        <p:spPr/>
-        <p:txBody>
-          <a:bodyPr/>
-          <a:lstStyle/>
-          <a:p>
-            <a:r>
-              <a:rPr lang="en-US" altLang="zh-TW" dirty="0"/>
-              <a:t>KNN</a:t>
-            </a:r>
-            <a:r>
-              <a:rPr lang="zh-TW" altLang="en-US" dirty="0"/>
-              <a:t>演算法，全名叫</a:t>
-            </a:r>
-            <a:r>
-              <a:rPr lang="en-US" altLang="zh-TW" b="1" dirty="0"/>
-              <a:t>K-nearest neighbors </a:t>
-            </a:r>
-            <a:r>
-              <a:rPr lang="en-US" altLang="zh-TW" b="1" dirty="0" smtClean="0"/>
-              <a:t>algorithm</a:t>
-            </a:r>
-          </a:p>
-          <a:p>
-            <a:r>
-              <a:rPr lang="en-US" altLang="zh-TW" dirty="0"/>
-              <a:t>KNN</a:t>
-            </a:r>
-            <a:r>
-              <a:rPr lang="zh-TW" altLang="en-US" dirty="0"/>
-              <a:t>屬於機器學習中的監督式學習</a:t>
-            </a:r>
-            <a:r>
-              <a:rPr lang="en-US" altLang="zh-TW" dirty="0"/>
-              <a:t>(</a:t>
-            </a:r>
-            <a:r>
-              <a:rPr lang="en-US" altLang="zh-TW" b="1" dirty="0"/>
-              <a:t>Supervised learning</a:t>
-            </a:r>
-            <a:r>
-              <a:rPr lang="en-US" altLang="zh-TW" dirty="0" smtClean="0"/>
-              <a:t>)</a:t>
-            </a:r>
-            <a:r>
-              <a:rPr lang="zh-TW" altLang="en-US" dirty="0" smtClean="0"/>
-              <a:t>，</a:t>
-            </a:r>
-            <a:r>
-              <a:rPr lang="zh-TW" altLang="en-US" dirty="0"/>
-              <a:t>但是在</a:t>
-            </a:r>
-            <a:r>
-              <a:rPr lang="en-US" altLang="zh-TW" dirty="0"/>
-              <a:t>KNN</a:t>
-            </a:r>
-            <a:r>
-              <a:rPr lang="zh-TW" altLang="en-US" dirty="0"/>
-              <a:t>其實並沒有做</a:t>
-            </a:r>
-            <a:r>
-              <a:rPr lang="en-US" altLang="zh-TW" dirty="0"/>
-              <a:t>training</a:t>
-            </a:r>
-            <a:r>
-              <a:rPr lang="zh-TW" altLang="en-US" dirty="0"/>
-              <a:t>的</a:t>
-            </a:r>
-            <a:r>
-              <a:rPr lang="zh-TW" altLang="en-US" dirty="0" smtClean="0"/>
-              <a:t>動作</a:t>
-            </a:r>
-            <a:endParaRPr lang="en-US" altLang="zh-TW" dirty="0" smtClean="0"/>
-          </a:p>
-          <a:p>
-            <a:r>
-              <a:rPr lang="zh-TW" altLang="en-US" dirty="0"/>
-              <a:t>在</a:t>
-            </a:r>
-            <a:r>
-              <a:rPr lang="en-US" altLang="zh-TW" dirty="0"/>
-              <a:t>K</a:t>
-            </a:r>
-            <a:r>
-              <a:rPr lang="zh-TW" altLang="en-US" dirty="0"/>
-              <a:t>近鄰分類算法中，對於預測的新樣本數據，將其與訓練樣本一一進行比較，找到最為相似的</a:t>
-            </a:r>
-            <a:r>
-              <a:rPr lang="en-US" altLang="zh-TW" dirty="0"/>
-              <a:t>K</a:t>
-            </a:r>
-            <a:r>
-              <a:rPr lang="zh-TW" altLang="en-US" dirty="0"/>
-              <a:t>個訓練樣本，並以這</a:t>
-            </a:r>
-            <a:r>
-              <a:rPr lang="en-US" altLang="zh-TW" dirty="0"/>
-              <a:t>K</a:t>
-            </a:r>
-            <a:r>
-              <a:rPr lang="zh-TW" altLang="en-US" dirty="0"/>
-              <a:t>個訓練樣本中出現最多的分類標籤作為最終新樣本數據的預測標籤。</a:t>
-            </a:r>
-          </a:p>
-        </p:txBody>
-      </p:sp>
-      <p:pic>
-        <p:nvPicPr>
-          <p:cNvPr id="6" name="圖片 5"/>
-          <p:cNvPicPr>
-            <a:picLocks noChangeAspect="1"/>
-          </p:cNvPicPr>
-          <p:nvPr/>
-        </p:nvPicPr>
-        <p:blipFill>
-          <a:blip r:embed="rId2">
+          <p:cNvPr id="59" name="矩形 58">
             <a:extLst>
-              <a:ext uri="{28A0092B-C50C-407E-A947-70E740481C1C}">
-                <a14:useLocalDpi xmlns:a14="http://schemas.microsoft.com/office/drawing/2010/main" val="0"/>
+              <a:ext uri="{FF2B5EF4-FFF2-40B4-BE49-F238E27FC236}">
+                <a16:creationId xmlns:a16="http://schemas.microsoft.com/office/drawing/2014/main" id="{8091D4A4-7D28-4B98-B225-7E6681998D15}"/>
               </a:ext>
             </a:extLst>
-          </a:blip>
-          <a:stretch>
-            <a:fillRect/>
-          </a:stretch>
-        </p:blipFill>
+          </p:cNvPr>
+          <p:cNvSpPr/>
+          <p:nvPr/>
+        </p:nvSpPr>
         <p:spPr>
           <a:xfrm>
-            <a:off x="6310436" y="3988509"/>
-            <a:ext cx="2331472" cy="2259891"/>
+            <a:off x="3214092" y="1772816"/>
+            <a:ext cx="2139193" cy="775814"/>
           </a:xfrm>
           <a:prstGeom prst="rect">
             <a:avLst/>
           </a:prstGeom>
         </p:spPr>
-      </p:pic>
+        <p:style>
+          <a:lnRef idx="2">
+            <a:schemeClr val="accent1">
+              <a:shade val="50000"/>
+            </a:schemeClr>
+          </a:lnRef>
+          <a:fillRef idx="1">
+            <a:schemeClr val="accent1"/>
+          </a:fillRef>
+          <a:effectRef idx="0">
+            <a:schemeClr val="accent1"/>
+          </a:effectRef>
+          <a:fontRef idx="minor">
+            <a:schemeClr val="lt1"/>
+          </a:fontRef>
+        </p:style>
+        <p:txBody>
+          <a:bodyPr rtlCol="0" anchor="ctr"/>
+          <a:lstStyle/>
+          <a:p>
+            <a:pPr algn="ctr"/>
+            <a:r>
+              <a:rPr lang="en-US" altLang="zh-TW" dirty="0" err="1" smtClean="0"/>
+              <a:t>pingpong</a:t>
+            </a:r>
+            <a:endParaRPr lang="zh-TW" altLang="en-US" dirty="0"/>
+          </a:p>
+        </p:txBody>
+      </p:sp>
+      <p:sp>
+        <p:nvSpPr>
+          <p:cNvPr id="60" name="矩形 59">
+            <a:extLst>
+              <a:ext uri="{FF2B5EF4-FFF2-40B4-BE49-F238E27FC236}">
+                <a16:creationId xmlns:a16="http://schemas.microsoft.com/office/drawing/2014/main" id="{4AE0FFEC-8C19-47C8-9893-A09438AEFEBE}"/>
+              </a:ext>
+            </a:extLst>
+          </p:cNvPr>
+          <p:cNvSpPr/>
+          <p:nvPr/>
+        </p:nvSpPr>
+        <p:spPr>
+          <a:xfrm>
+            <a:off x="7966617" y="2801776"/>
+            <a:ext cx="2139193" cy="775814"/>
+          </a:xfrm>
+          <a:prstGeom prst="rect">
+            <a:avLst/>
+          </a:prstGeom>
+        </p:spPr>
+        <p:style>
+          <a:lnRef idx="2">
+            <a:schemeClr val="accent1">
+              <a:shade val="50000"/>
+            </a:schemeClr>
+          </a:lnRef>
+          <a:fillRef idx="1">
+            <a:schemeClr val="accent1"/>
+          </a:fillRef>
+          <a:effectRef idx="0">
+            <a:schemeClr val="accent1"/>
+          </a:effectRef>
+          <a:fontRef idx="minor">
+            <a:schemeClr val="lt1"/>
+          </a:fontRef>
+        </p:style>
+        <p:txBody>
+          <a:bodyPr rtlCol="0" anchor="ctr"/>
+          <a:lstStyle/>
+          <a:p>
+            <a:pPr algn="ctr"/>
+            <a:r>
+              <a:rPr lang="zh-TW" altLang="en-US" dirty="0"/>
+              <a:t>測試預測模型</a:t>
+            </a:r>
+          </a:p>
+        </p:txBody>
+      </p:sp>
+      <p:sp>
+        <p:nvSpPr>
+          <p:cNvPr id="61" name="矩形 60">
+            <a:extLst>
+              <a:ext uri="{FF2B5EF4-FFF2-40B4-BE49-F238E27FC236}">
+                <a16:creationId xmlns:a16="http://schemas.microsoft.com/office/drawing/2014/main" id="{587E5A00-6C7D-48A7-B6E6-40602EF06273}"/>
+              </a:ext>
+            </a:extLst>
+          </p:cNvPr>
+          <p:cNvSpPr/>
+          <p:nvPr/>
+        </p:nvSpPr>
+        <p:spPr>
+          <a:xfrm>
+            <a:off x="632591" y="2800878"/>
+            <a:ext cx="2139193" cy="775814"/>
+          </a:xfrm>
+          <a:prstGeom prst="rect">
+            <a:avLst/>
+          </a:prstGeom>
+        </p:spPr>
+        <p:style>
+          <a:lnRef idx="2">
+            <a:schemeClr val="accent1">
+              <a:shade val="50000"/>
+            </a:schemeClr>
+          </a:lnRef>
+          <a:fillRef idx="1">
+            <a:schemeClr val="accent1"/>
+          </a:fillRef>
+          <a:effectRef idx="0">
+            <a:schemeClr val="accent1"/>
+          </a:effectRef>
+          <a:fontRef idx="minor">
+            <a:schemeClr val="lt1"/>
+          </a:fontRef>
+        </p:style>
+        <p:txBody>
+          <a:bodyPr rtlCol="0" anchor="ctr"/>
+          <a:lstStyle/>
+          <a:p>
+            <a:pPr algn="ctr"/>
+            <a:r>
+              <a:rPr lang="zh-TW" altLang="en-US" dirty="0"/>
+              <a:t>產生預測模型</a:t>
+            </a:r>
+          </a:p>
+        </p:txBody>
+      </p:sp>
+      <p:sp>
+        <p:nvSpPr>
+          <p:cNvPr id="62" name="矩形 61">
+            <a:extLst>
+              <a:ext uri="{FF2B5EF4-FFF2-40B4-BE49-F238E27FC236}">
+                <a16:creationId xmlns:a16="http://schemas.microsoft.com/office/drawing/2014/main" id="{B83A95E3-CC38-4914-8416-743AB260F152}"/>
+              </a:ext>
+            </a:extLst>
+          </p:cNvPr>
+          <p:cNvSpPr/>
+          <p:nvPr/>
+        </p:nvSpPr>
+        <p:spPr>
+          <a:xfrm>
+            <a:off x="303764" y="3899024"/>
+            <a:ext cx="1329453" cy="356935"/>
+          </a:xfrm>
+          <a:prstGeom prst="rect">
+            <a:avLst/>
+          </a:prstGeom>
+        </p:spPr>
+        <p:style>
+          <a:lnRef idx="2">
+            <a:schemeClr val="accent1">
+              <a:shade val="50000"/>
+            </a:schemeClr>
+          </a:lnRef>
+          <a:fillRef idx="1">
+            <a:schemeClr val="accent1"/>
+          </a:fillRef>
+          <a:effectRef idx="0">
+            <a:schemeClr val="accent1"/>
+          </a:effectRef>
+          <a:fontRef idx="minor">
+            <a:schemeClr val="lt1"/>
+          </a:fontRef>
+        </p:style>
+        <p:txBody>
+          <a:bodyPr rot="0" spcFirstLastPara="0" vertOverflow="overflow" horzOverflow="overflow" vert="horz" wrap="square" lIns="91440" tIns="45720" rIns="91440" bIns="45720" numCol="1" spcCol="0" rtlCol="0" fromWordArt="0" anchor="b" anchorCtr="0" forceAA="0" compatLnSpc="1">
+            <a:prstTxWarp prst="textNoShape">
+              <a:avLst/>
+            </a:prstTxWarp>
+            <a:noAutofit/>
+          </a:bodyPr>
+          <a:lstStyle/>
+          <a:p>
+            <a:pPr algn="ctr"/>
+            <a:r>
+              <a:rPr lang="en-US" altLang="zh-TW" dirty="0" err="1" smtClean="0"/>
+              <a:t>Rule_Base</a:t>
+            </a:r>
+            <a:endParaRPr lang="zh-TW" altLang="en-US" dirty="0"/>
+          </a:p>
+        </p:txBody>
+      </p:sp>
+      <p:sp>
+        <p:nvSpPr>
+          <p:cNvPr id="63" name="矩形 62">
+            <a:extLst>
+              <a:ext uri="{FF2B5EF4-FFF2-40B4-BE49-F238E27FC236}">
+                <a16:creationId xmlns:a16="http://schemas.microsoft.com/office/drawing/2014/main" id="{3501AEB1-5EEC-42E3-8A56-2ABC55590CD6}"/>
+              </a:ext>
+            </a:extLst>
+          </p:cNvPr>
+          <p:cNvSpPr/>
+          <p:nvPr/>
+        </p:nvSpPr>
+        <p:spPr>
+          <a:xfrm>
+            <a:off x="2928676" y="3897434"/>
+            <a:ext cx="1208015" cy="358525"/>
+          </a:xfrm>
+          <a:prstGeom prst="rect">
+            <a:avLst/>
+          </a:prstGeom>
+        </p:spPr>
+        <p:style>
+          <a:lnRef idx="2">
+            <a:schemeClr val="accent1">
+              <a:shade val="50000"/>
+            </a:schemeClr>
+          </a:lnRef>
+          <a:fillRef idx="1">
+            <a:schemeClr val="accent1"/>
+          </a:fillRef>
+          <a:effectRef idx="0">
+            <a:schemeClr val="accent1"/>
+          </a:effectRef>
+          <a:fontRef idx="minor">
+            <a:schemeClr val="lt1"/>
+          </a:fontRef>
+        </p:style>
+        <p:txBody>
+          <a:bodyPr rot="0" spcFirstLastPara="0" vertOverflow="overflow" horzOverflow="overflow" vert="horz" wrap="square" lIns="91440" tIns="45720" rIns="91440" bIns="45720" numCol="1" spcCol="0" rtlCol="0" fromWordArt="0" anchor="b" anchorCtr="0" forceAA="0" compatLnSpc="1">
+            <a:prstTxWarp prst="textNoShape">
+              <a:avLst/>
+            </a:prstTxWarp>
+            <a:noAutofit/>
+          </a:bodyPr>
+          <a:lstStyle/>
+          <a:p>
+            <a:pPr algn="ctr"/>
+            <a:r>
+              <a:rPr lang="en-US" altLang="zh-TW" dirty="0" smtClean="0"/>
+              <a:t>predict</a:t>
+            </a:r>
+            <a:endParaRPr lang="en-US" altLang="zh-TW" dirty="0"/>
+          </a:p>
+        </p:txBody>
+      </p:sp>
+      <p:cxnSp>
+        <p:nvCxnSpPr>
+          <p:cNvPr id="64" name="接點: 肘形 21">
+            <a:extLst>
+              <a:ext uri="{FF2B5EF4-FFF2-40B4-BE49-F238E27FC236}">
+                <a16:creationId xmlns:a16="http://schemas.microsoft.com/office/drawing/2014/main" id="{AE7C2ACD-8580-4617-8974-92AFF6956C60}"/>
+              </a:ext>
+            </a:extLst>
+          </p:cNvPr>
+          <p:cNvCxnSpPr>
+            <a:cxnSpLocks/>
+            <a:stCxn id="61" idx="2"/>
+            <a:endCxn id="62" idx="0"/>
+          </p:cNvCxnSpPr>
+          <p:nvPr/>
+        </p:nvCxnSpPr>
+        <p:spPr>
+          <a:xfrm rot="5400000">
+            <a:off x="1174174" y="3371010"/>
+            <a:ext cx="322332" cy="733697"/>
+          </a:xfrm>
+          <a:prstGeom prst="bentConnector3">
+            <a:avLst/>
+          </a:prstGeom>
+          <a:ln>
+            <a:tailEnd type="triangle"/>
+          </a:ln>
+        </p:spPr>
+        <p:style>
+          <a:lnRef idx="1">
+            <a:schemeClr val="accent1"/>
+          </a:lnRef>
+          <a:fillRef idx="0">
+            <a:schemeClr val="accent1"/>
+          </a:fillRef>
+          <a:effectRef idx="0">
+            <a:schemeClr val="accent1"/>
+          </a:effectRef>
+          <a:fontRef idx="minor">
+            <a:schemeClr val="tx1"/>
+          </a:fontRef>
+        </p:style>
+      </p:cxnSp>
+      <p:cxnSp>
+        <p:nvCxnSpPr>
+          <p:cNvPr id="65" name="接點: 肘形 23">
+            <a:extLst>
+              <a:ext uri="{FF2B5EF4-FFF2-40B4-BE49-F238E27FC236}">
+                <a16:creationId xmlns:a16="http://schemas.microsoft.com/office/drawing/2014/main" id="{C511D59C-1D0F-474E-ADE5-78570BD15930}"/>
+              </a:ext>
+            </a:extLst>
+          </p:cNvPr>
+          <p:cNvCxnSpPr>
+            <a:cxnSpLocks/>
+            <a:stCxn id="61" idx="2"/>
+            <a:endCxn id="63" idx="0"/>
+          </p:cNvCxnSpPr>
+          <p:nvPr/>
+        </p:nvCxnSpPr>
+        <p:spPr>
+          <a:xfrm rot="16200000" flipH="1">
+            <a:off x="2457065" y="2821815"/>
+            <a:ext cx="320742" cy="1830496"/>
+          </a:xfrm>
+          <a:prstGeom prst="bentConnector3">
+            <a:avLst>
+              <a:gd name="adj1" fmla="val 50000"/>
+            </a:avLst>
+          </a:prstGeom>
+          <a:ln>
+            <a:tailEnd type="triangle"/>
+          </a:ln>
+        </p:spPr>
+        <p:style>
+          <a:lnRef idx="1">
+            <a:schemeClr val="accent1"/>
+          </a:lnRef>
+          <a:fillRef idx="0">
+            <a:schemeClr val="accent1"/>
+          </a:fillRef>
+          <a:effectRef idx="0">
+            <a:schemeClr val="accent1"/>
+          </a:effectRef>
+          <a:fontRef idx="minor">
+            <a:schemeClr val="tx1"/>
+          </a:fontRef>
+        </p:style>
+      </p:cxnSp>
+      <p:sp>
+        <p:nvSpPr>
+          <p:cNvPr id="66" name="矩形 65">
+            <a:extLst>
+              <a:ext uri="{FF2B5EF4-FFF2-40B4-BE49-F238E27FC236}">
+                <a16:creationId xmlns:a16="http://schemas.microsoft.com/office/drawing/2014/main" id="{AF27DBFD-D55E-4297-AA9F-1C3789EF713F}"/>
+              </a:ext>
+            </a:extLst>
+          </p:cNvPr>
+          <p:cNvSpPr/>
+          <p:nvPr/>
+        </p:nvSpPr>
+        <p:spPr>
+          <a:xfrm>
+            <a:off x="8188561" y="3932474"/>
+            <a:ext cx="1695309" cy="718192"/>
+          </a:xfrm>
+          <a:prstGeom prst="rect">
+            <a:avLst/>
+          </a:prstGeom>
+        </p:spPr>
+        <p:style>
+          <a:lnRef idx="2">
+            <a:schemeClr val="accent1">
+              <a:shade val="50000"/>
+            </a:schemeClr>
+          </a:lnRef>
+          <a:fillRef idx="1">
+            <a:schemeClr val="accent1"/>
+          </a:fillRef>
+          <a:effectRef idx="0">
+            <a:schemeClr val="accent1"/>
+          </a:effectRef>
+          <a:fontRef idx="minor">
+            <a:schemeClr val="lt1"/>
+          </a:fontRef>
+        </p:style>
+        <p:txBody>
+          <a:bodyPr rot="0" spcFirstLastPara="0" vertOverflow="overflow" horzOverflow="overflow" vert="horz" wrap="square" lIns="91440" tIns="45720" rIns="91440" bIns="45720" numCol="1" spcCol="0" rtlCol="0" fromWordArt="0" anchor="b" anchorCtr="0" forceAA="0" compatLnSpc="1">
+            <a:prstTxWarp prst="textNoShape">
+              <a:avLst/>
+            </a:prstTxWarp>
+            <a:noAutofit/>
+          </a:bodyPr>
+          <a:lstStyle/>
+          <a:p>
+            <a:pPr algn="ctr"/>
+            <a:r>
+              <a:rPr lang="zh-TW" altLang="en-US" dirty="0" smtClean="0"/>
+              <a:t>訓練好的檔案</a:t>
+            </a:r>
+            <a:r>
+              <a:rPr lang="en-US" altLang="zh-TW" dirty="0" err="1" smtClean="0"/>
+              <a:t>RuleBase</a:t>
+            </a:r>
+            <a:r>
+              <a:rPr lang="zh-TW" altLang="en-US" dirty="0" smtClean="0"/>
+              <a:t>對打</a:t>
+            </a:r>
+            <a:endParaRPr lang="en-US" altLang="zh-TW" dirty="0"/>
+          </a:p>
+        </p:txBody>
+      </p:sp>
+      <p:cxnSp>
+        <p:nvCxnSpPr>
+          <p:cNvPr id="68" name="接點: 肘形 39">
+            <a:extLst>
+              <a:ext uri="{FF2B5EF4-FFF2-40B4-BE49-F238E27FC236}">
+                <a16:creationId xmlns:a16="http://schemas.microsoft.com/office/drawing/2014/main" id="{217F3D7F-9F80-4680-9CC1-4375B4340134}"/>
+              </a:ext>
+            </a:extLst>
+          </p:cNvPr>
+          <p:cNvCxnSpPr>
+            <a:cxnSpLocks/>
+            <a:stCxn id="60" idx="2"/>
+            <a:endCxn id="66" idx="0"/>
+          </p:cNvCxnSpPr>
+          <p:nvPr/>
+        </p:nvCxnSpPr>
+        <p:spPr>
+          <a:xfrm rot="16200000" flipH="1">
+            <a:off x="8858773" y="3755031"/>
+            <a:ext cx="354884" cy="2"/>
+          </a:xfrm>
+          <a:prstGeom prst="bentConnector3">
+            <a:avLst>
+              <a:gd name="adj1" fmla="val 50000"/>
+            </a:avLst>
+          </a:prstGeom>
+          <a:ln>
+            <a:tailEnd type="triangle"/>
+          </a:ln>
+        </p:spPr>
+        <p:style>
+          <a:lnRef idx="1">
+            <a:schemeClr val="accent1"/>
+          </a:lnRef>
+          <a:fillRef idx="0">
+            <a:schemeClr val="accent1"/>
+          </a:fillRef>
+          <a:effectRef idx="0">
+            <a:schemeClr val="accent1"/>
+          </a:effectRef>
+          <a:fontRef idx="minor">
+            <a:schemeClr val="tx1"/>
+          </a:fontRef>
+        </p:style>
+      </p:cxnSp>
+      <p:sp>
+        <p:nvSpPr>
+          <p:cNvPr id="72" name="矩形 71">
+            <a:extLst>
+              <a:ext uri="{FF2B5EF4-FFF2-40B4-BE49-F238E27FC236}">
+                <a16:creationId xmlns:a16="http://schemas.microsoft.com/office/drawing/2014/main" id="{A5ECE8A8-4562-4C81-AE14-69B94DACCB5B}"/>
+              </a:ext>
+            </a:extLst>
+          </p:cNvPr>
+          <p:cNvSpPr/>
+          <p:nvPr/>
+        </p:nvSpPr>
+        <p:spPr>
+          <a:xfrm>
+            <a:off x="2943014" y="4919703"/>
+            <a:ext cx="1208015" cy="681690"/>
+          </a:xfrm>
+          <a:prstGeom prst="rect">
+            <a:avLst/>
+          </a:prstGeom>
+        </p:spPr>
+        <p:style>
+          <a:lnRef idx="2">
+            <a:schemeClr val="accent1">
+              <a:shade val="50000"/>
+            </a:schemeClr>
+          </a:lnRef>
+          <a:fillRef idx="1">
+            <a:schemeClr val="accent1"/>
+          </a:fillRef>
+          <a:effectRef idx="0">
+            <a:schemeClr val="accent1"/>
+          </a:effectRef>
+          <a:fontRef idx="minor">
+            <a:schemeClr val="lt1"/>
+          </a:fontRef>
+        </p:style>
+        <p:txBody>
+          <a:bodyPr rot="0" spcFirstLastPara="0" vertOverflow="overflow" horzOverflow="overflow" vert="horz" wrap="square" lIns="91440" tIns="45720" rIns="91440" bIns="45720" numCol="1" spcCol="0" rtlCol="0" fromWordArt="0" anchor="b" anchorCtr="0" forceAA="0" compatLnSpc="1">
+            <a:prstTxWarp prst="textNoShape">
+              <a:avLst/>
+            </a:prstTxWarp>
+            <a:noAutofit/>
+          </a:bodyPr>
+          <a:lstStyle/>
+          <a:p>
+            <a:pPr algn="ctr"/>
+            <a:r>
+              <a:rPr lang="zh-TW" altLang="en-US" dirty="0"/>
+              <a:t>最終訓練</a:t>
+            </a:r>
+            <a:r>
+              <a:rPr lang="en-US" altLang="zh-TW" dirty="0"/>
+              <a:t>1P</a:t>
+            </a:r>
+            <a:r>
+              <a:rPr lang="zh-TW" altLang="en-US" dirty="0"/>
+              <a:t>、</a:t>
+            </a:r>
+            <a:r>
+              <a:rPr lang="en-US" altLang="zh-TW" dirty="0" smtClean="0"/>
+              <a:t>2P</a:t>
+            </a:r>
+            <a:endParaRPr lang="zh-TW" altLang="en-US" dirty="0"/>
+          </a:p>
+        </p:txBody>
+      </p:sp>
+      <p:sp>
+        <p:nvSpPr>
+          <p:cNvPr id="76" name="文字方塊 75">
+            <a:extLst>
+              <a:ext uri="{FF2B5EF4-FFF2-40B4-BE49-F238E27FC236}">
+                <a16:creationId xmlns:a16="http://schemas.microsoft.com/office/drawing/2014/main" id="{8D4739BF-48E6-4D36-8FC0-7C6E6AEEE030}"/>
+              </a:ext>
+            </a:extLst>
+          </p:cNvPr>
+          <p:cNvSpPr txBox="1"/>
+          <p:nvPr/>
+        </p:nvSpPr>
+        <p:spPr>
+          <a:xfrm>
+            <a:off x="233379" y="4721004"/>
+            <a:ext cx="2083159" cy="2031325"/>
+          </a:xfrm>
+          <a:prstGeom prst="rect">
+            <a:avLst/>
+          </a:prstGeom>
+          <a:noFill/>
+        </p:spPr>
+        <p:txBody>
+          <a:bodyPr wrap="square" rtlCol="0">
+            <a:spAutoFit/>
+          </a:bodyPr>
+          <a:lstStyle/>
+          <a:p>
+            <a:r>
+              <a:rPr lang="en-US" altLang="zh-TW" dirty="0" smtClean="0"/>
+              <a:t>Pickle</a:t>
+            </a:r>
+          </a:p>
+          <a:p>
+            <a:r>
+              <a:rPr lang="zh-TW" altLang="en-US" dirty="0"/>
+              <a:t>特徵</a:t>
+            </a:r>
+            <a:r>
+              <a:rPr lang="en-US" altLang="zh-TW" dirty="0"/>
+              <a:t>:</a:t>
+            </a:r>
+          </a:p>
+          <a:p>
+            <a:r>
+              <a:rPr lang="zh-TW" altLang="en-US" dirty="0"/>
+              <a:t>球</a:t>
+            </a:r>
+            <a:r>
+              <a:rPr lang="en-US" altLang="zh-TW" dirty="0"/>
+              <a:t>X,</a:t>
+            </a:r>
+            <a:r>
+              <a:rPr lang="zh-TW" altLang="en-US" dirty="0"/>
+              <a:t>球</a:t>
+            </a:r>
+            <a:r>
+              <a:rPr lang="en-US" altLang="zh-TW" dirty="0"/>
+              <a:t>Y ,</a:t>
+            </a:r>
+          </a:p>
+          <a:p>
+            <a:r>
+              <a:rPr lang="zh-TW" altLang="en-US" dirty="0"/>
+              <a:t>球</a:t>
+            </a:r>
+            <a:r>
+              <a:rPr lang="en-US" altLang="zh-TW" dirty="0"/>
+              <a:t>X</a:t>
+            </a:r>
+            <a:r>
+              <a:rPr lang="zh-TW" altLang="en-US" dirty="0"/>
+              <a:t>變化量</a:t>
+            </a:r>
+            <a:r>
+              <a:rPr lang="en-US" altLang="zh-TW" dirty="0"/>
+              <a:t>,</a:t>
+            </a:r>
+          </a:p>
+          <a:p>
+            <a:r>
+              <a:rPr lang="zh-TW" altLang="en-US" dirty="0"/>
+              <a:t>球</a:t>
+            </a:r>
+            <a:r>
+              <a:rPr lang="en-US" altLang="zh-TW" dirty="0"/>
+              <a:t>Y</a:t>
+            </a:r>
+            <a:r>
+              <a:rPr lang="zh-TW" altLang="en-US" dirty="0"/>
+              <a:t>變化量</a:t>
+            </a:r>
+            <a:endParaRPr lang="en-US" altLang="zh-TW" dirty="0"/>
+          </a:p>
+          <a:p>
+            <a:r>
+              <a:rPr lang="zh-TW" altLang="en-US" dirty="0"/>
+              <a:t>板子移動狀態</a:t>
+            </a:r>
+            <a:r>
+              <a:rPr lang="en-US" altLang="zh-TW" dirty="0"/>
+              <a:t> ,</a:t>
+            </a:r>
+            <a:r>
+              <a:rPr lang="zh-TW" altLang="en-US" dirty="0"/>
+              <a:t>球</a:t>
+            </a:r>
+            <a:r>
+              <a:rPr lang="en-US" altLang="zh-TW" dirty="0"/>
+              <a:t>Y</a:t>
+            </a:r>
+            <a:endParaRPr lang="zh-TW" altLang="en-US" dirty="0"/>
+          </a:p>
+          <a:p>
+            <a:endParaRPr lang="zh-TW" altLang="en-US" dirty="0"/>
+          </a:p>
+        </p:txBody>
+      </p:sp>
+      <p:cxnSp>
+        <p:nvCxnSpPr>
+          <p:cNvPr id="77" name="直線單箭頭接點 76">
+            <a:extLst>
+              <a:ext uri="{FF2B5EF4-FFF2-40B4-BE49-F238E27FC236}">
+                <a16:creationId xmlns:a16="http://schemas.microsoft.com/office/drawing/2014/main" id="{6AA946A9-89F1-4795-B7BB-B5617CCEA0AD}"/>
+              </a:ext>
+            </a:extLst>
+          </p:cNvPr>
+          <p:cNvCxnSpPr/>
+          <p:nvPr/>
+        </p:nvCxnSpPr>
+        <p:spPr>
+          <a:xfrm flipH="1">
+            <a:off x="942675" y="4255959"/>
+            <a:ext cx="1" cy="465045"/>
+          </a:xfrm>
+          <a:prstGeom prst="straightConnector1">
+            <a:avLst/>
+          </a:prstGeom>
+          <a:ln>
+            <a:solidFill>
+              <a:schemeClr val="tx1"/>
+            </a:solidFill>
+            <a:prstDash val="lgDash"/>
+            <a:tailEnd type="triangle"/>
+          </a:ln>
+        </p:spPr>
+        <p:style>
+          <a:lnRef idx="1">
+            <a:schemeClr val="accent1"/>
+          </a:lnRef>
+          <a:fillRef idx="0">
+            <a:schemeClr val="accent1"/>
+          </a:fillRef>
+          <a:effectRef idx="0">
+            <a:schemeClr val="accent1"/>
+          </a:effectRef>
+          <a:fontRef idx="minor">
+            <a:schemeClr val="tx1"/>
+          </a:fontRef>
+        </p:style>
+      </p:cxnSp>
+      <p:cxnSp>
+        <p:nvCxnSpPr>
+          <p:cNvPr id="86" name="接點: 肘形 124">
+            <a:extLst>
+              <a:ext uri="{FF2B5EF4-FFF2-40B4-BE49-F238E27FC236}">
+                <a16:creationId xmlns:a16="http://schemas.microsoft.com/office/drawing/2014/main" id="{A709938D-EC0D-4B4F-8143-9158245AD49E}"/>
+              </a:ext>
+            </a:extLst>
+          </p:cNvPr>
+          <p:cNvCxnSpPr>
+            <a:stCxn id="59" idx="2"/>
+            <a:endCxn id="61" idx="0"/>
+          </p:cNvCxnSpPr>
+          <p:nvPr/>
+        </p:nvCxnSpPr>
+        <p:spPr>
+          <a:xfrm rot="5400000">
+            <a:off x="2866815" y="1384004"/>
+            <a:ext cx="252248" cy="2581501"/>
+          </a:xfrm>
+          <a:prstGeom prst="bentConnector3">
+            <a:avLst>
+              <a:gd name="adj1" fmla="val 50000"/>
+            </a:avLst>
+          </a:prstGeom>
+          <a:ln>
+            <a:tailEnd type="triangle"/>
+          </a:ln>
+        </p:spPr>
+        <p:style>
+          <a:lnRef idx="1">
+            <a:schemeClr val="accent1"/>
+          </a:lnRef>
+          <a:fillRef idx="0">
+            <a:schemeClr val="accent1"/>
+          </a:fillRef>
+          <a:effectRef idx="0">
+            <a:schemeClr val="accent1"/>
+          </a:effectRef>
+          <a:fontRef idx="minor">
+            <a:schemeClr val="tx1"/>
+          </a:fontRef>
+        </p:style>
+      </p:cxnSp>
+      <p:cxnSp>
+        <p:nvCxnSpPr>
+          <p:cNvPr id="87" name="接點: 肘形 126">
+            <a:extLst>
+              <a:ext uri="{FF2B5EF4-FFF2-40B4-BE49-F238E27FC236}">
+                <a16:creationId xmlns:a16="http://schemas.microsoft.com/office/drawing/2014/main" id="{7FD85A53-67E9-49CD-824C-6A5B1A24F7B6}"/>
+              </a:ext>
+            </a:extLst>
+          </p:cNvPr>
+          <p:cNvCxnSpPr>
+            <a:stCxn id="59" idx="2"/>
+            <a:endCxn id="60" idx="0"/>
+          </p:cNvCxnSpPr>
+          <p:nvPr/>
+        </p:nvCxnSpPr>
+        <p:spPr>
+          <a:xfrm rot="16200000" flipH="1">
+            <a:off x="6533378" y="298940"/>
+            <a:ext cx="253146" cy="4752525"/>
+          </a:xfrm>
+          <a:prstGeom prst="bentConnector3">
+            <a:avLst>
+              <a:gd name="adj1" fmla="val 50000"/>
+            </a:avLst>
+          </a:prstGeom>
+          <a:ln>
+            <a:tailEnd type="triangle"/>
+          </a:ln>
+        </p:spPr>
+        <p:style>
+          <a:lnRef idx="1">
+            <a:schemeClr val="accent1"/>
+          </a:lnRef>
+          <a:fillRef idx="0">
+            <a:schemeClr val="accent1"/>
+          </a:fillRef>
+          <a:effectRef idx="0">
+            <a:schemeClr val="accent1"/>
+          </a:effectRef>
+          <a:fontRef idx="minor">
+            <a:schemeClr val="tx1"/>
+          </a:fontRef>
+        </p:style>
+      </p:cxnSp>
+      <p:cxnSp>
+        <p:nvCxnSpPr>
+          <p:cNvPr id="104" name="直線單箭頭接點 103">
+            <a:extLst>
+              <a:ext uri="{FF2B5EF4-FFF2-40B4-BE49-F238E27FC236}">
+                <a16:creationId xmlns:a16="http://schemas.microsoft.com/office/drawing/2014/main" id="{EDAF9B0B-8AC2-41D3-B0A3-3C7547044F57}"/>
+              </a:ext>
+            </a:extLst>
+          </p:cNvPr>
+          <p:cNvCxnSpPr>
+            <a:stCxn id="63" idx="2"/>
+            <a:endCxn id="72" idx="0"/>
+          </p:cNvCxnSpPr>
+          <p:nvPr/>
+        </p:nvCxnSpPr>
+        <p:spPr>
+          <a:xfrm>
+            <a:off x="3532684" y="4255959"/>
+            <a:ext cx="14338" cy="663744"/>
+          </a:xfrm>
+          <a:prstGeom prst="straightConnector1">
+            <a:avLst/>
+          </a:prstGeom>
+          <a:ln>
+            <a:tailEnd type="triangle"/>
+          </a:ln>
+        </p:spPr>
+        <p:style>
+          <a:lnRef idx="1">
+            <a:schemeClr val="accent1"/>
+          </a:lnRef>
+          <a:fillRef idx="0">
+            <a:schemeClr val="accent1"/>
+          </a:fillRef>
+          <a:effectRef idx="0">
+            <a:schemeClr val="accent1"/>
+          </a:effectRef>
+          <a:fontRef idx="minor">
+            <a:schemeClr val="tx1"/>
+          </a:fontRef>
+        </p:style>
+      </p:cxnSp>
+      <p:cxnSp>
+        <p:nvCxnSpPr>
+          <p:cNvPr id="43" name="接點: 肘形 23">
+            <a:extLst>
+              <a:ext uri="{FF2B5EF4-FFF2-40B4-BE49-F238E27FC236}">
+                <a16:creationId xmlns:a16="http://schemas.microsoft.com/office/drawing/2014/main" id="{C511D59C-1D0F-474E-ADE5-78570BD15930}"/>
+              </a:ext>
+            </a:extLst>
+          </p:cNvPr>
+          <p:cNvCxnSpPr>
+            <a:cxnSpLocks/>
+            <a:stCxn id="76" idx="3"/>
+            <a:endCxn id="63" idx="1"/>
+          </p:cNvCxnSpPr>
+          <p:nvPr/>
+        </p:nvCxnSpPr>
+        <p:spPr>
+          <a:xfrm flipV="1">
+            <a:off x="2316538" y="4076697"/>
+            <a:ext cx="612138" cy="1659970"/>
+          </a:xfrm>
+          <a:prstGeom prst="bentConnector3">
+            <a:avLst>
+              <a:gd name="adj1" fmla="val 50000"/>
+            </a:avLst>
+          </a:prstGeom>
+          <a:ln>
+            <a:tailEnd type="triangle"/>
+          </a:ln>
+        </p:spPr>
+        <p:style>
+          <a:lnRef idx="1">
+            <a:schemeClr val="accent1"/>
+          </a:lnRef>
+          <a:fillRef idx="0">
+            <a:schemeClr val="accent1"/>
+          </a:fillRef>
+          <a:effectRef idx="0">
+            <a:schemeClr val="accent1"/>
+          </a:effectRef>
+          <a:fontRef idx="minor">
+            <a:schemeClr val="tx1"/>
+          </a:fontRef>
+        </p:style>
+      </p:cxnSp>
+      <p:sp>
+        <p:nvSpPr>
+          <p:cNvPr id="80" name="矩形 79">
+            <a:extLst>
+              <a:ext uri="{FF2B5EF4-FFF2-40B4-BE49-F238E27FC236}">
+                <a16:creationId xmlns:a16="http://schemas.microsoft.com/office/drawing/2014/main" id="{AF27DBFD-D55E-4297-AA9F-1C3789EF713F}"/>
+              </a:ext>
+            </a:extLst>
+          </p:cNvPr>
+          <p:cNvSpPr/>
+          <p:nvPr/>
+        </p:nvSpPr>
+        <p:spPr>
+          <a:xfrm>
+            <a:off x="8188560" y="5133297"/>
+            <a:ext cx="1695309" cy="718192"/>
+          </a:xfrm>
+          <a:prstGeom prst="rect">
+            <a:avLst/>
+          </a:prstGeom>
+        </p:spPr>
+        <p:style>
+          <a:lnRef idx="2">
+            <a:schemeClr val="accent1">
+              <a:shade val="50000"/>
+            </a:schemeClr>
+          </a:lnRef>
+          <a:fillRef idx="1">
+            <a:schemeClr val="accent1"/>
+          </a:fillRef>
+          <a:effectRef idx="0">
+            <a:schemeClr val="accent1"/>
+          </a:effectRef>
+          <a:fontRef idx="minor">
+            <a:schemeClr val="lt1"/>
+          </a:fontRef>
+        </p:style>
+        <p:txBody>
+          <a:bodyPr rot="0" spcFirstLastPara="0" vertOverflow="overflow" horzOverflow="overflow" vert="horz" wrap="square" lIns="91440" tIns="45720" rIns="91440" bIns="45720" numCol="1" spcCol="0" rtlCol="0" fromWordArt="0" anchor="b" anchorCtr="0" forceAA="0" compatLnSpc="1">
+            <a:prstTxWarp prst="textNoShape">
+              <a:avLst/>
+            </a:prstTxWarp>
+            <a:noAutofit/>
+          </a:bodyPr>
+          <a:lstStyle/>
+          <a:p>
+            <a:pPr algn="ctr"/>
+            <a:r>
+              <a:rPr lang="zh-TW" altLang="en-US" dirty="0" smtClean="0"/>
+              <a:t>取得較多缺失的樣本數</a:t>
+            </a:r>
+            <a:endParaRPr lang="en-US" altLang="zh-TW" dirty="0"/>
+          </a:p>
+        </p:txBody>
+      </p:sp>
+      <p:cxnSp>
+        <p:nvCxnSpPr>
+          <p:cNvPr id="82" name="接點: 肘形 39">
+            <a:extLst>
+              <a:ext uri="{FF2B5EF4-FFF2-40B4-BE49-F238E27FC236}">
+                <a16:creationId xmlns:a16="http://schemas.microsoft.com/office/drawing/2014/main" id="{217F3D7F-9F80-4680-9CC1-4375B4340134}"/>
+              </a:ext>
+            </a:extLst>
+          </p:cNvPr>
+          <p:cNvCxnSpPr>
+            <a:cxnSpLocks/>
+            <a:stCxn id="66" idx="2"/>
+            <a:endCxn id="80" idx="0"/>
+          </p:cNvCxnSpPr>
+          <p:nvPr/>
+        </p:nvCxnSpPr>
+        <p:spPr>
+          <a:xfrm rot="5400000">
+            <a:off x="8794901" y="4891981"/>
+            <a:ext cx="482631" cy="1"/>
+          </a:xfrm>
+          <a:prstGeom prst="bentConnector3">
+            <a:avLst>
+              <a:gd name="adj1" fmla="val 50000"/>
+            </a:avLst>
+          </a:prstGeom>
+          <a:ln>
+            <a:tailEnd type="triangle"/>
+          </a:ln>
+        </p:spPr>
+        <p:style>
+          <a:lnRef idx="1">
+            <a:schemeClr val="accent1"/>
+          </a:lnRef>
+          <a:fillRef idx="0">
+            <a:schemeClr val="accent1"/>
+          </a:fillRef>
+          <a:effectRef idx="0">
+            <a:schemeClr val="accent1"/>
+          </a:effectRef>
+          <a:fontRef idx="minor">
+            <a:schemeClr val="tx1"/>
+          </a:fontRef>
+        </p:style>
+      </p:cxnSp>
+      <p:cxnSp>
+        <p:nvCxnSpPr>
+          <p:cNvPr id="84" name="接點: 肘形 23">
+            <a:extLst>
+              <a:ext uri="{FF2B5EF4-FFF2-40B4-BE49-F238E27FC236}">
+                <a16:creationId xmlns:a16="http://schemas.microsoft.com/office/drawing/2014/main" id="{C511D59C-1D0F-474E-ADE5-78570BD15930}"/>
+              </a:ext>
+            </a:extLst>
+          </p:cNvPr>
+          <p:cNvCxnSpPr>
+            <a:cxnSpLocks/>
+            <a:stCxn id="80" idx="1"/>
+            <a:endCxn id="63" idx="3"/>
+          </p:cNvCxnSpPr>
+          <p:nvPr/>
+        </p:nvCxnSpPr>
+        <p:spPr>
+          <a:xfrm rot="10800000">
+            <a:off x="4136692" y="4076697"/>
+            <a:ext cx="4051869" cy="1415696"/>
+          </a:xfrm>
+          <a:prstGeom prst="bentConnector3">
+            <a:avLst>
+              <a:gd name="adj1" fmla="val 50000"/>
+            </a:avLst>
+          </a:prstGeom>
+          <a:ln>
+            <a:tailEnd type="triangle"/>
+          </a:ln>
+        </p:spPr>
+        <p:style>
+          <a:lnRef idx="1">
+            <a:schemeClr val="accent1"/>
+          </a:lnRef>
+          <a:fillRef idx="0">
+            <a:schemeClr val="accent1"/>
+          </a:fillRef>
+          <a:effectRef idx="0">
+            <a:schemeClr val="accent1"/>
+          </a:effectRef>
+          <a:fontRef idx="minor">
+            <a:schemeClr val="tx1"/>
+          </a:fontRef>
+        </p:style>
+      </p:cxnSp>
+      <p:sp>
+        <p:nvSpPr>
+          <p:cNvPr id="94" name="文字方塊 93">
+            <a:extLst>
+              <a:ext uri="{FF2B5EF4-FFF2-40B4-BE49-F238E27FC236}">
+                <a16:creationId xmlns:a16="http://schemas.microsoft.com/office/drawing/2014/main" id="{8D4739BF-48E6-4D36-8FC0-7C6E6AEEE030}"/>
+              </a:ext>
+            </a:extLst>
+          </p:cNvPr>
+          <p:cNvSpPr txBox="1"/>
+          <p:nvPr/>
+        </p:nvSpPr>
+        <p:spPr>
+          <a:xfrm>
+            <a:off x="4774662" y="2924562"/>
+            <a:ext cx="2083159" cy="1754326"/>
+          </a:xfrm>
+          <a:prstGeom prst="rect">
+            <a:avLst/>
+          </a:prstGeom>
+          <a:noFill/>
+        </p:spPr>
+        <p:txBody>
+          <a:bodyPr wrap="square" rtlCol="0">
+            <a:spAutoFit/>
+          </a:bodyPr>
+          <a:lstStyle/>
+          <a:p>
+            <a:r>
+              <a:rPr lang="zh-TW" altLang="en-US" dirty="0" smtClean="0"/>
+              <a:t>特徵</a:t>
+            </a:r>
+            <a:r>
+              <a:rPr lang="en-US" altLang="zh-TW" dirty="0"/>
+              <a:t>:</a:t>
+            </a:r>
+          </a:p>
+          <a:p>
+            <a:r>
+              <a:rPr lang="zh-TW" altLang="en-US" dirty="0"/>
+              <a:t>球</a:t>
+            </a:r>
+            <a:r>
+              <a:rPr lang="en-US" altLang="zh-TW" dirty="0"/>
+              <a:t>X,</a:t>
+            </a:r>
+            <a:r>
+              <a:rPr lang="zh-TW" altLang="en-US" dirty="0"/>
+              <a:t>球</a:t>
+            </a:r>
+            <a:r>
+              <a:rPr lang="en-US" altLang="zh-TW" dirty="0"/>
+              <a:t>Y ,</a:t>
+            </a:r>
+          </a:p>
+          <a:p>
+            <a:r>
+              <a:rPr lang="zh-TW" altLang="en-US" dirty="0"/>
+              <a:t>球</a:t>
+            </a:r>
+            <a:r>
+              <a:rPr lang="en-US" altLang="zh-TW" dirty="0"/>
+              <a:t>X</a:t>
+            </a:r>
+            <a:r>
+              <a:rPr lang="zh-TW" altLang="en-US" dirty="0"/>
+              <a:t>變化量</a:t>
+            </a:r>
+            <a:r>
+              <a:rPr lang="en-US" altLang="zh-TW" dirty="0"/>
+              <a:t>,</a:t>
+            </a:r>
+          </a:p>
+          <a:p>
+            <a:r>
+              <a:rPr lang="zh-TW" altLang="en-US" dirty="0"/>
+              <a:t>球</a:t>
+            </a:r>
+            <a:r>
+              <a:rPr lang="en-US" altLang="zh-TW" dirty="0"/>
+              <a:t>Y</a:t>
+            </a:r>
+            <a:r>
+              <a:rPr lang="zh-TW" altLang="en-US" dirty="0"/>
+              <a:t>變化量</a:t>
+            </a:r>
+            <a:endParaRPr lang="en-US" altLang="zh-TW" dirty="0"/>
+          </a:p>
+          <a:p>
+            <a:r>
+              <a:rPr lang="zh-TW" altLang="en-US" dirty="0"/>
+              <a:t>板子移動狀態</a:t>
+            </a:r>
+            <a:r>
+              <a:rPr lang="en-US" altLang="zh-TW" dirty="0"/>
+              <a:t> ,</a:t>
+            </a:r>
+            <a:r>
+              <a:rPr lang="zh-TW" altLang="en-US" dirty="0"/>
+              <a:t>球</a:t>
+            </a:r>
+            <a:r>
+              <a:rPr lang="en-US" altLang="zh-TW" dirty="0"/>
+              <a:t>Y</a:t>
+            </a:r>
+            <a:endParaRPr lang="zh-TW" altLang="en-US" dirty="0"/>
+          </a:p>
+          <a:p>
+            <a:endParaRPr lang="zh-TW" altLang="en-US" dirty="0"/>
+          </a:p>
+        </p:txBody>
+      </p:sp>
+      <p:sp>
+        <p:nvSpPr>
+          <p:cNvPr id="99" name="矩形 98">
+            <a:extLst>
+              <a:ext uri="{FF2B5EF4-FFF2-40B4-BE49-F238E27FC236}">
+                <a16:creationId xmlns:a16="http://schemas.microsoft.com/office/drawing/2014/main" id="{A5ECE8A8-4562-4C81-AE14-69B94DACCB5B}"/>
+              </a:ext>
+            </a:extLst>
+          </p:cNvPr>
+          <p:cNvSpPr/>
+          <p:nvPr/>
+        </p:nvSpPr>
+        <p:spPr>
+          <a:xfrm>
+            <a:off x="4375050" y="4888215"/>
+            <a:ext cx="1208015" cy="681690"/>
+          </a:xfrm>
+          <a:prstGeom prst="rect">
+            <a:avLst/>
+          </a:prstGeom>
+        </p:spPr>
+        <p:style>
+          <a:lnRef idx="2">
+            <a:schemeClr val="accent1">
+              <a:shade val="50000"/>
+            </a:schemeClr>
+          </a:lnRef>
+          <a:fillRef idx="1">
+            <a:schemeClr val="accent1"/>
+          </a:fillRef>
+          <a:effectRef idx="0">
+            <a:schemeClr val="accent1"/>
+          </a:effectRef>
+          <a:fontRef idx="minor">
+            <a:schemeClr val="lt1"/>
+          </a:fontRef>
+        </p:style>
+        <p:txBody>
+          <a:bodyPr rot="0" spcFirstLastPara="0" vertOverflow="overflow" horzOverflow="overflow" vert="horz" wrap="square" lIns="91440" tIns="45720" rIns="91440" bIns="45720" numCol="1" spcCol="0" rtlCol="0" fromWordArt="0" anchor="b" anchorCtr="0" forceAA="0" compatLnSpc="1">
+            <a:prstTxWarp prst="textNoShape">
+              <a:avLst/>
+            </a:prstTxWarp>
+            <a:noAutofit/>
+          </a:bodyPr>
+          <a:lstStyle/>
+          <a:p>
+            <a:pPr algn="ctr"/>
+            <a:r>
+              <a:rPr lang="zh-TW" altLang="en-US"/>
+              <a:t>訓練</a:t>
+            </a:r>
+            <a:endParaRPr lang="en-US" altLang="zh-TW"/>
+          </a:p>
+          <a:p>
+            <a:pPr algn="ctr"/>
+            <a:r>
+              <a:rPr lang="en-US" altLang="zh-TW"/>
+              <a:t>1P</a:t>
+            </a:r>
+            <a:r>
+              <a:rPr lang="zh-TW" altLang="en-US"/>
+              <a:t>、</a:t>
+            </a:r>
+            <a:r>
+              <a:rPr lang="en-US" altLang="zh-TW"/>
+              <a:t>2P</a:t>
+            </a:r>
+            <a:endParaRPr lang="zh-TW" altLang="en-US" dirty="0"/>
+          </a:p>
+        </p:txBody>
+      </p:sp>
+      <p:cxnSp>
+        <p:nvCxnSpPr>
+          <p:cNvPr id="100" name="接點: 肘形 23">
+            <a:extLst>
+              <a:ext uri="{FF2B5EF4-FFF2-40B4-BE49-F238E27FC236}">
+                <a16:creationId xmlns:a16="http://schemas.microsoft.com/office/drawing/2014/main" id="{C511D59C-1D0F-474E-ADE5-78570BD15930}"/>
+              </a:ext>
+            </a:extLst>
+          </p:cNvPr>
+          <p:cNvCxnSpPr>
+            <a:cxnSpLocks/>
+            <a:stCxn id="63" idx="2"/>
+            <a:endCxn id="99" idx="0"/>
+          </p:cNvCxnSpPr>
+          <p:nvPr/>
+        </p:nvCxnSpPr>
+        <p:spPr>
+          <a:xfrm rot="16200000" flipH="1">
+            <a:off x="3939743" y="3848900"/>
+            <a:ext cx="632256" cy="1446374"/>
+          </a:xfrm>
+          <a:prstGeom prst="bentConnector3">
+            <a:avLst>
+              <a:gd name="adj1" fmla="val 50000"/>
+            </a:avLst>
+          </a:prstGeom>
+          <a:ln>
+            <a:tailEnd type="triangle"/>
+          </a:ln>
+        </p:spPr>
+        <p:style>
+          <a:lnRef idx="1">
+            <a:schemeClr val="accent1"/>
+          </a:lnRef>
+          <a:fillRef idx="0">
+            <a:schemeClr val="accent1"/>
+          </a:fillRef>
+          <a:effectRef idx="0">
+            <a:schemeClr val="accent1"/>
+          </a:effectRef>
+          <a:fontRef idx="minor">
+            <a:schemeClr val="tx1"/>
+          </a:fontRef>
+        </p:style>
+      </p:cxnSp>
+      <p:cxnSp>
+        <p:nvCxnSpPr>
+          <p:cNvPr id="106" name="接點: 肘形 23">
+            <a:extLst>
+              <a:ext uri="{FF2B5EF4-FFF2-40B4-BE49-F238E27FC236}">
+                <a16:creationId xmlns:a16="http://schemas.microsoft.com/office/drawing/2014/main" id="{C511D59C-1D0F-474E-ADE5-78570BD15930}"/>
+              </a:ext>
+            </a:extLst>
+          </p:cNvPr>
+          <p:cNvCxnSpPr>
+            <a:cxnSpLocks/>
+            <a:stCxn id="99" idx="3"/>
+            <a:endCxn id="66" idx="1"/>
+          </p:cNvCxnSpPr>
+          <p:nvPr/>
+        </p:nvCxnSpPr>
+        <p:spPr>
+          <a:xfrm flipV="1">
+            <a:off x="5583065" y="4291570"/>
+            <a:ext cx="2605496" cy="937490"/>
+          </a:xfrm>
+          <a:prstGeom prst="bentConnector3">
+            <a:avLst>
+              <a:gd name="adj1" fmla="val 50000"/>
+            </a:avLst>
+          </a:prstGeom>
+          <a:ln>
+            <a:tailEnd type="triangle"/>
+          </a:ln>
+        </p:spPr>
+        <p:style>
+          <a:lnRef idx="1">
+            <a:schemeClr val="accent1"/>
+          </a:lnRef>
+          <a:fillRef idx="0">
+            <a:schemeClr val="accent1"/>
+          </a:fillRef>
+          <a:effectRef idx="0">
+            <a:schemeClr val="accent1"/>
+          </a:effectRef>
+          <a:fontRef idx="minor">
+            <a:schemeClr val="tx1"/>
+          </a:fontRef>
+        </p:style>
+      </p:cxnSp>
     </p:spTree>
     <p:extLst>
       <p:ext uri="{BB962C8B-B14F-4D97-AF65-F5344CB8AC3E}">
-        <p14:creationId xmlns:p14="http://schemas.microsoft.com/office/powerpoint/2010/main" val="2588037978"/>
+        <p14:creationId xmlns:p14="http://schemas.microsoft.com/office/powerpoint/2010/main" val="2093507577"/>
       </p:ext>
     </p:extLst>
   </p:cSld>
@@ -13268,15 +13280,15 @@
 <ds:datastoreItem xmlns:ds="http://schemas.openxmlformats.org/officeDocument/2006/customXml" ds:itemID="{3FFF1070-8794-47AC-90B7-1F2E078096FF}">
   <ds:schemaRefs>
     <ds:schemaRef ds:uri="http://purl.org/dc/dcmitype/"/>
-    <ds:schemaRef ds:uri="http://schemas.microsoft.com/office/2006/documentManagement/types"/>
-    <ds:schemaRef ds:uri="http://schemas.microsoft.com/office/infopath/2007/PartnerControls"/>
-    <ds:schemaRef ds:uri="http://purl.org/dc/elements/1.1/"/>
-    <ds:schemaRef ds:uri="http://schemas.openxmlformats.org/package/2006/metadata/core-properties"/>
-    <ds:schemaRef ds:uri="http://www.w3.org/XML/1998/namespace"/>
-    <ds:schemaRef ds:uri="http://purl.org/dc/terms/"/>
-    <ds:schemaRef ds:uri="http://schemas.microsoft.com/office/2006/metadata/properties"/>
     <ds:schemaRef ds:uri="a4f35948-e619-41b3-aa29-22878b09cfd2"/>
     <ds:schemaRef ds:uri="40262f94-9f35-4ac3-9a90-690165a166b7"/>
+    <ds:schemaRef ds:uri="http://schemas.microsoft.com/office/2006/documentManagement/types"/>
+    <ds:schemaRef ds:uri="http://purl.org/dc/terms/"/>
+    <ds:schemaRef ds:uri="http://schemas.microsoft.com/office/infopath/2007/PartnerControls"/>
+    <ds:schemaRef ds:uri="http://www.w3.org/XML/1998/namespace"/>
+    <ds:schemaRef ds:uri="http://schemas.openxmlformats.org/package/2006/metadata/core-properties"/>
+    <ds:schemaRef ds:uri="http://schemas.microsoft.com/office/2006/metadata/properties"/>
+    <ds:schemaRef ds:uri="http://purl.org/dc/elements/1.1/"/>
   </ds:schemaRefs>
 </ds:datastoreItem>
 </file>
